--- a/compression_sand_weiss_hotsos_2018.pptx
+++ b/compression_sand_weiss_hotsos_2018.pptx
@@ -27,10 +27,10 @@
     <p:sldId id="292" r:id="rId15"/>
     <p:sldId id="291" r:id="rId16"/>
     <p:sldId id="293" r:id="rId17"/>
-    <p:sldId id="294" r:id="rId18"/>
-    <p:sldId id="304" r:id="rId19"/>
-    <p:sldId id="296" r:id="rId20"/>
-    <p:sldId id="287" r:id="rId21"/>
+    <p:sldId id="304" r:id="rId18"/>
+    <p:sldId id="296" r:id="rId19"/>
+    <p:sldId id="287" r:id="rId20"/>
+    <p:sldId id="294" r:id="rId21"/>
   </p:sldIdLst>
   <p:sldSz cx="12188825" cy="6858000"/>
   <p:notesSz cx="6858000" cy="9144000"/>
@@ -272,7 +272,7 @@
           <a:p>
             <a:fld id="{ADCC02A0-C947-4278-96D1-0DB9C063DF55}" type="datetimeFigureOut">
               <a:rPr lang="en-US" smtClean="0"/>
-              <a:t>2/20/2018</a:t>
+              <a:t>2018-02-22</a:t>
             </a:fld>
             <a:endParaRPr lang="en-US"/>
           </a:p>
@@ -825,7 +825,7 @@
             <a:fld id="{8547E1EE-0039-4797-B978-F453418260D1}" type="slidenum">
               <a:rPr lang="en-US" smtClean="0"/>
               <a:pPr/>
-              <a:t>17</a:t>
+              <a:t>16</a:t>
             </a:fld>
             <a:endParaRPr lang="en-US"/>
           </a:p>
@@ -915,7 +915,7 @@
             <a:fld id="{8547E1EE-0039-4797-B978-F453418260D1}" type="slidenum">
               <a:rPr lang="en-US" smtClean="0"/>
               <a:pPr/>
-              <a:t>19</a:t>
+              <a:t>18</a:t>
             </a:fld>
             <a:endParaRPr lang="en-US"/>
           </a:p>
@@ -983,6 +983,49 @@
           <a:bodyPr/>
           <a:lstStyle/>
           <a:p>
+            <a:r>
+              <a:rPr lang="en-US" dirty="0" smtClean="0"/>
+              <a:t>Big endian</a:t>
+            </a:r>
+          </a:p>
+          <a:p>
+            <a:endParaRPr lang="en-US" dirty="0" smtClean="0"/>
+          </a:p>
+          <a:p>
+            <a:r>
+              <a:rPr lang="en-US" dirty="0" smtClean="0"/>
+              <a:t>This is a dump</a:t>
+            </a:r>
+          </a:p>
+          <a:p>
+            <a:endParaRPr lang="en-US" dirty="0" smtClean="0"/>
+          </a:p>
+          <a:p>
+            <a:r>
+              <a:rPr lang="en-US" dirty="0" smtClean="0"/>
+              <a:t>Consider</a:t>
+            </a:r>
+            <a:r>
+              <a:rPr lang="en-US" baseline="0" dirty="0" smtClean="0"/>
+              <a:t> table definition and insert statement</a:t>
+            </a:r>
+          </a:p>
+          <a:p>
+            <a:endParaRPr lang="en-US" baseline="0" dirty="0" smtClean="0"/>
+          </a:p>
+          <a:p>
+            <a:r>
+              <a:rPr lang="en-US" baseline="0" dirty="0" smtClean="0"/>
+              <a:t>Mention </a:t>
+            </a:r>
+            <a:r>
+              <a:rPr lang="en-US" baseline="0" dirty="0" err="1" smtClean="0"/>
+              <a:t>Ric</a:t>
+            </a:r>
+            <a:r>
+              <a:rPr lang="en-US" baseline="0" dirty="0" smtClean="0"/>
+              <a:t> talk (look at schedule)</a:t>
+            </a:r>
             <a:endParaRPr lang="en-GB" dirty="0"/>
           </a:p>
         </p:txBody>
@@ -1083,6 +1126,33 @@
           <a:bodyPr/>
           <a:lstStyle/>
           <a:p>
+            <a:r>
+              <a:rPr lang="en-US" dirty="0" smtClean="0"/>
+              <a:t>Row store compress advanced (new name for</a:t>
+            </a:r>
+            <a:r>
+              <a:rPr lang="en-US" baseline="0" dirty="0" smtClean="0"/>
+              <a:t> </a:t>
+            </a:r>
+            <a:r>
+              <a:rPr lang="en-US" baseline="0" dirty="0" err="1" smtClean="0"/>
+              <a:t>oltp</a:t>
+            </a:r>
+            <a:r>
+              <a:rPr lang="en-US" baseline="0" dirty="0" smtClean="0"/>
+              <a:t>)</a:t>
+            </a:r>
+          </a:p>
+          <a:p>
+            <a:endParaRPr lang="en-US" baseline="0" dirty="0" smtClean="0"/>
+          </a:p>
+          <a:p>
+            <a:r>
+              <a:rPr lang="en-US" baseline="0" dirty="0" smtClean="0"/>
+              <a:t>Mention advanced vs </a:t>
+            </a:r>
+          </a:p>
+          <a:p>
             <a:endParaRPr lang="en-GB" dirty="0"/>
           </a:p>
         </p:txBody>
@@ -1383,6 +1453,23 @@
           <a:bodyPr/>
           <a:lstStyle/>
           <a:p>
+            <a:r>
+              <a:rPr lang="en-US" dirty="0" smtClean="0"/>
+              <a:t>Add table for reference</a:t>
+            </a:r>
+          </a:p>
+          <a:p>
+            <a:endParaRPr lang="en-US" dirty="0" smtClean="0"/>
+          </a:p>
+          <a:p>
+            <a:r>
+              <a:rPr lang="en-US" dirty="0" smtClean="0"/>
+              <a:t>Explain</a:t>
+            </a:r>
+            <a:r>
+              <a:rPr lang="en-US" baseline="0" dirty="0" smtClean="0"/>
+              <a:t> how col1 and col3 random to compress</a:t>
+            </a:r>
             <a:endParaRPr lang="en-GB" dirty="0"/>
           </a:p>
         </p:txBody>
@@ -1483,6 +1570,14 @@
           <a:bodyPr/>
           <a:lstStyle/>
           <a:p>
+            <a:r>
+              <a:rPr lang="en-US" dirty="0" err="1" smtClean="0"/>
+              <a:t>Tolken</a:t>
+            </a:r>
+            <a:r>
+              <a:rPr lang="en-US" dirty="0" smtClean="0"/>
+              <a:t> table row header</a:t>
+            </a:r>
             <a:endParaRPr lang="en-GB" dirty="0"/>
           </a:p>
         </p:txBody>
@@ -1587,6 +1682,44 @@
               <a:buFontTx/>
               <a:buNone/>
             </a:pPr>
+            <a:r>
+              <a:rPr lang="en-US" dirty="0" smtClean="0"/>
+              <a:t>This happens</a:t>
+            </a:r>
+            <a:r>
+              <a:rPr lang="en-US" baseline="0" dirty="0" smtClean="0"/>
+              <a:t> at the block level</a:t>
+            </a:r>
+          </a:p>
+          <a:p>
+            <a:pPr marL="0" indent="0">
+              <a:buFontTx/>
+              <a:buNone/>
+            </a:pPr>
+            <a:endParaRPr lang="en-US" baseline="0" dirty="0" smtClean="0"/>
+          </a:p>
+          <a:p>
+            <a:pPr marL="0" indent="0">
+              <a:buFontTx/>
+              <a:buNone/>
+            </a:pPr>
+            <a:r>
+              <a:rPr lang="en-US" baseline="0" dirty="0" smtClean="0"/>
+              <a:t>When does it compress? Formula?</a:t>
+            </a:r>
+          </a:p>
+          <a:p>
+            <a:pPr marL="0" indent="0">
+              <a:buFontTx/>
+              <a:buNone/>
+            </a:pPr>
+            <a:endParaRPr lang="en-US" baseline="0" dirty="0" smtClean="0"/>
+          </a:p>
+          <a:p>
+            <a:pPr marL="0" indent="0">
+              <a:buFontTx/>
+              <a:buNone/>
+            </a:pPr>
             <a:endParaRPr lang="en-GB" dirty="0"/>
           </a:p>
         </p:txBody>
@@ -1989,7 +2122,7 @@
           <a:p>
             <a:fld id="{80C853A8-1CF5-4118-9D6D-C132E8FC53CB}" type="datetimeFigureOut">
               <a:rPr lang="en-US" smtClean="0"/>
-              <a:t>2/20/2018</a:t>
+              <a:t>2018-02-22</a:t>
             </a:fld>
             <a:endParaRPr lang="en-US"/>
           </a:p>
@@ -3088,7 +3221,7 @@
             <a:fld id="{80C853A8-1CF5-4118-9D6D-C132E8FC53CB}" type="datetimeFigureOut">
               <a:rPr lang="en-US" smtClean="0"/>
               <a:pPr/>
-              <a:t>2/20/2018</a:t>
+              <a:t>2018-02-22</a:t>
             </a:fld>
             <a:endParaRPr lang="en-US"/>
           </a:p>
@@ -3294,7 +3427,7 @@
           <a:p>
             <a:fld id="{80C853A8-1CF5-4118-9D6D-C132E8FC53CB}" type="datetimeFigureOut">
               <a:rPr lang="en-US" smtClean="0"/>
-              <a:t>2/20/2018</a:t>
+              <a:t>2018-02-22</a:t>
             </a:fld>
             <a:endParaRPr lang="en-US"/>
           </a:p>
@@ -3431,7 +3564,7 @@
           <a:p>
             <a:fld id="{80C853A8-1CF5-4118-9D6D-C132E8FC53CB}" type="datetimeFigureOut">
               <a:rPr lang="en-US" smtClean="0"/>
-              <a:t>2/20/2018</a:t>
+              <a:t>2018-02-22</a:t>
             </a:fld>
             <a:endParaRPr lang="en-US"/>
           </a:p>
@@ -3723,7 +3856,7 @@
           <a:p>
             <a:fld id="{80C853A8-1CF5-4118-9D6D-C132E8FC53CB}" type="datetimeFigureOut">
               <a:rPr lang="en-US" smtClean="0"/>
-              <a:t>2/20/2018</a:t>
+              <a:t>2018-02-22</a:t>
             </a:fld>
             <a:endParaRPr lang="en-US"/>
           </a:p>
@@ -4113,7 +4246,7 @@
           <a:p>
             <a:fld id="{80C853A8-1CF5-4118-9D6D-C132E8FC53CB}" type="datetimeFigureOut">
               <a:rPr lang="en-US" smtClean="0"/>
-              <a:t>2/20/2018</a:t>
+              <a:t>2018-02-22</a:t>
             </a:fld>
             <a:endParaRPr lang="en-US"/>
           </a:p>
@@ -4250,7 +4383,7 @@
           <a:p>
             <a:fld id="{80C853A8-1CF5-4118-9D6D-C132E8FC53CB}" type="datetimeFigureOut">
               <a:rPr lang="en-US" smtClean="0"/>
-              <a:t>2/20/2018</a:t>
+              <a:t>2018-02-22</a:t>
             </a:fld>
             <a:endParaRPr lang="en-US"/>
           </a:p>
@@ -4462,7 +4595,7 @@
           <a:p>
             <a:fld id="{80C853A8-1CF5-4118-9D6D-C132E8FC53CB}" type="datetimeFigureOut">
               <a:rPr lang="en-US" smtClean="0"/>
-              <a:t>2/20/2018</a:t>
+              <a:t>2018-02-22</a:t>
             </a:fld>
             <a:endParaRPr lang="en-US"/>
           </a:p>
@@ -4778,7 +4911,7 @@
           <a:p>
             <a:fld id="{80C853A8-1CF5-4118-9D6D-C132E8FC53CB}" type="datetimeFigureOut">
               <a:rPr lang="en-US" smtClean="0"/>
-              <a:t>2/20/2018</a:t>
+              <a:t>2018-02-22</a:t>
             </a:fld>
             <a:endParaRPr lang="en-US"/>
           </a:p>
@@ -5238,7 +5371,7 @@
           <a:p>
             <a:fld id="{80C853A8-1CF5-4118-9D6D-C132E8FC53CB}" type="datetimeFigureOut">
               <a:rPr lang="en-US" smtClean="0"/>
-              <a:t>2/20/2018</a:t>
+              <a:t>2018-02-22</a:t>
             </a:fld>
             <a:endParaRPr lang="en-US"/>
           </a:p>
@@ -5796,7 +5929,7 @@
           <a:p>
             <a:fld id="{80C853A8-1CF5-4118-9D6D-C132E8FC53CB}" type="datetimeFigureOut">
               <a:rPr lang="en-US" smtClean="0"/>
-              <a:t>2/20/2018</a:t>
+              <a:t>2018-02-22</a:t>
             </a:fld>
             <a:endParaRPr lang="en-US"/>
           </a:p>
@@ -6153,7 +6286,7 @@
             <a:fld id="{80C853A8-1CF5-4118-9D6D-C132E8FC53CB}" type="datetimeFigureOut">
               <a:rPr lang="en-US" smtClean="0"/>
               <a:pPr/>
-              <a:t>2/20/2018</a:t>
+              <a:t>2018-02-22</a:t>
             </a:fld>
             <a:endParaRPr lang="en-US"/>
           </a:p>
@@ -6683,7 +6816,7 @@
           <a:p>
             <a:fld id="{80C853A8-1CF5-4118-9D6D-C132E8FC53CB}" type="datetimeFigureOut">
               <a:rPr lang="en-US" smtClean="0"/>
-              <a:t>2/20/2018</a:t>
+              <a:t>2018-02-22</a:t>
             </a:fld>
             <a:endParaRPr lang="en-US"/>
           </a:p>
@@ -7086,7 +7219,7 @@
           <a:p>
             <a:fld id="{80C853A8-1CF5-4118-9D6D-C132E8FC53CB}" type="datetimeFigureOut">
               <a:rPr lang="en-US" smtClean="0"/>
-              <a:t>2/20/2018</a:t>
+              <a:t>2018-02-22</a:t>
             </a:fld>
             <a:endParaRPr lang="en-US"/>
           </a:p>
@@ -7699,7 +7832,7 @@
           <a:p>
             <a:fld id="{80C853A8-1CF5-4118-9D6D-C132E8FC53CB}" type="datetimeFigureOut">
               <a:rPr lang="en-US" smtClean="0"/>
-              <a:t>2/20/2018</a:t>
+              <a:t>2018-02-22</a:t>
             </a:fld>
             <a:endParaRPr lang="en-US"/>
           </a:p>
@@ -8571,7 +8704,7 @@
           <a:p>
             <a:fld id="{80C853A8-1CF5-4118-9D6D-C132E8FC53CB}" type="datetimeFigureOut">
               <a:rPr lang="en-US" smtClean="0"/>
-              <a:t>2/20/2018</a:t>
+              <a:t>2018-02-22</a:t>
             </a:fld>
             <a:endParaRPr lang="en-US"/>
           </a:p>
@@ -8854,7 +8987,7 @@
           <a:p>
             <a:fld id="{80C853A8-1CF5-4118-9D6D-C132E8FC53CB}" type="datetimeFigureOut">
               <a:rPr lang="en-US" smtClean="0"/>
-              <a:t>2/20/2018</a:t>
+              <a:t>2018-02-22</a:t>
             </a:fld>
             <a:endParaRPr lang="en-US"/>
           </a:p>
@@ -9067,7 +9200,7 @@
           <a:p>
             <a:fld id="{80C853A8-1CF5-4118-9D6D-C132E8FC53CB}" type="datetimeFigureOut">
               <a:rPr lang="en-US" smtClean="0"/>
-              <a:t>2/20/2018</a:t>
+              <a:t>2018-02-22</a:t>
             </a:fld>
             <a:endParaRPr lang="en-US"/>
           </a:p>
@@ -9367,7 +9500,7 @@
           <a:p>
             <a:fld id="{80C853A8-1CF5-4118-9D6D-C132E8FC53CB}" type="datetimeFigureOut">
               <a:rPr lang="en-US" smtClean="0"/>
-              <a:t>2/20/2018</a:t>
+              <a:t>2018-02-22</a:t>
             </a:fld>
             <a:endParaRPr lang="en-US"/>
           </a:p>
@@ -9787,7 +9920,7 @@
           <a:p>
             <a:fld id="{80C853A8-1CF5-4118-9D6D-C132E8FC53CB}" type="datetimeFigureOut">
               <a:rPr lang="en-US" smtClean="0"/>
-              <a:t>2/20/2018</a:t>
+              <a:t>2018-02-22</a:t>
             </a:fld>
             <a:endParaRPr lang="en-US"/>
           </a:p>
@@ -10320,7 +10453,7 @@
           <a:p>
             <a:fld id="{80C853A8-1CF5-4118-9D6D-C132E8FC53CB}" type="datetimeFigureOut">
               <a:rPr lang="en-US" smtClean="0"/>
-              <a:t>2/20/2018</a:t>
+              <a:t>2018-02-22</a:t>
             </a:fld>
             <a:endParaRPr lang="en-US"/>
           </a:p>
@@ -10519,7 +10652,7 @@
           <a:p>
             <a:fld id="{80C853A8-1CF5-4118-9D6D-C132E8FC53CB}" type="datetimeFigureOut">
               <a:rPr lang="en-US" smtClean="0"/>
-              <a:t>2/20/2018</a:t>
+              <a:t>2018-02-22</a:t>
             </a:fld>
             <a:endParaRPr lang="en-US"/>
           </a:p>
@@ -10787,7 +10920,7 @@
           <a:p>
             <a:fld id="{80C853A8-1CF5-4118-9D6D-C132E8FC53CB}" type="datetimeFigureOut">
               <a:rPr lang="en-US" smtClean="0"/>
-              <a:t>2/20/2018</a:t>
+              <a:t>2018-02-22</a:t>
             </a:fld>
             <a:endParaRPr lang="en-US"/>
           </a:p>
@@ -11101,7 +11234,7 @@
                 </a:solidFill>
               </a:rPr>
               <a:pPr/>
-              <a:t>20/02/2018</a:t>
+              <a:t>22/02/2018</a:t>
             </a:fld>
             <a:endParaRPr lang="en-GB">
               <a:solidFill>
@@ -11827,7 +11960,7 @@
                 </a:solidFill>
               </a:rPr>
               <a:pPr/>
-              <a:t>20/02/2018</a:t>
+              <a:t>22/02/2018</a:t>
             </a:fld>
             <a:endParaRPr lang="en-GB">
               <a:solidFill>
@@ -12510,7 +12643,7 @@
                 </a:solidFill>
               </a:rPr>
               <a:pPr/>
-              <a:t>20/02/2018</a:t>
+              <a:t>22/02/2018</a:t>
             </a:fld>
             <a:endParaRPr lang="en-GB">
               <a:solidFill>
@@ -13236,7 +13369,7 @@
                 </a:solidFill>
               </a:rPr>
               <a:pPr/>
-              <a:t>20/02/2018</a:t>
+              <a:t>22/02/2018</a:t>
             </a:fld>
             <a:endParaRPr lang="en-GB">
               <a:solidFill>
@@ -14445,7 +14578,7 @@
                 </a:solidFill>
               </a:rPr>
               <a:pPr/>
-              <a:t>20/02/2018</a:t>
+              <a:t>22/02/2018</a:t>
             </a:fld>
             <a:endParaRPr lang="en-GB">
               <a:solidFill>
@@ -15206,7 +15339,7 @@
             <a:fld id="{80C853A8-1CF5-4118-9D6D-C132E8FC53CB}" type="datetimeFigureOut">
               <a:rPr lang="en-US" smtClean="0"/>
               <a:pPr/>
-              <a:t>2/20/2018</a:t>
+              <a:t>2018-02-22</a:t>
             </a:fld>
             <a:endParaRPr lang="en-US"/>
           </a:p>
@@ -15419,7 +15552,7 @@
                 </a:solidFill>
               </a:rPr>
               <a:pPr/>
-              <a:t>20/02/2018</a:t>
+              <a:t>22/02/2018</a:t>
             </a:fld>
             <a:endParaRPr lang="en-GB">
               <a:solidFill>
@@ -15588,7 +15721,7 @@
                 </a:solidFill>
               </a:rPr>
               <a:pPr/>
-              <a:t>20/02/2018</a:t>
+              <a:t>22/02/2018</a:t>
             </a:fld>
             <a:endParaRPr lang="en-GB">
               <a:solidFill>
@@ -15912,7 +16045,7 @@
                 </a:solidFill>
               </a:rPr>
               <a:pPr/>
-              <a:t>20/02/2018</a:t>
+              <a:t>22/02/2018</a:t>
             </a:fld>
             <a:endParaRPr lang="en-GB">
               <a:solidFill>
@@ -16334,7 +16467,7 @@
                 </a:solidFill>
               </a:rPr>
               <a:pPr/>
-              <a:t>20/02/2018</a:t>
+              <a:t>22/02/2018</a:t>
             </a:fld>
             <a:endParaRPr lang="en-GB">
               <a:solidFill>
@@ -16503,7 +16636,7 @@
                 </a:solidFill>
               </a:rPr>
               <a:pPr/>
-              <a:t>20/02/2018</a:t>
+              <a:t>22/02/2018</a:t>
             </a:fld>
             <a:endParaRPr lang="en-GB">
               <a:solidFill>
@@ -16747,7 +16880,7 @@
                 </a:solidFill>
               </a:rPr>
               <a:pPr/>
-              <a:t>20/02/2018</a:t>
+              <a:t>22/02/2018</a:t>
             </a:fld>
             <a:endParaRPr lang="en-GB">
               <a:solidFill>
@@ -17095,7 +17228,7 @@
                 </a:solidFill>
               </a:rPr>
               <a:pPr/>
-              <a:t>20/02/2018</a:t>
+              <a:t>22/02/2018</a:t>
             </a:fld>
             <a:endParaRPr lang="en-GB">
               <a:solidFill>
@@ -17587,7 +17720,7 @@
                 </a:solidFill>
               </a:rPr>
               <a:pPr/>
-              <a:t>20/02/2018</a:t>
+              <a:t>22/02/2018</a:t>
             </a:fld>
             <a:endParaRPr lang="en-GB">
               <a:solidFill>
@@ -18177,7 +18310,7 @@
                 </a:solidFill>
               </a:rPr>
               <a:pPr/>
-              <a:t>20/02/2018</a:t>
+              <a:t>22/02/2018</a:t>
             </a:fld>
             <a:endParaRPr lang="en-GB">
               <a:solidFill>
@@ -18351,7 +18484,7 @@
                 </a:solidFill>
               </a:rPr>
               <a:pPr/>
-              <a:t>20/02/2018</a:t>
+              <a:t>22/02/2018</a:t>
             </a:fld>
             <a:endParaRPr lang="en-GB">
               <a:solidFill>
@@ -18881,7 +19014,7 @@
                 </a:solidFill>
               </a:rPr>
               <a:pPr/>
-              <a:t>20/02/2018</a:t>
+              <a:t>22/02/2018</a:t>
             </a:fld>
             <a:endParaRPr lang="en-GB">
               <a:solidFill>
@@ -19526,7 +19659,7 @@
                 </a:solidFill>
               </a:rPr>
               <a:pPr/>
-              <a:t>20/02/2018</a:t>
+              <a:t>22/02/2018</a:t>
             </a:fld>
             <a:endParaRPr lang="en-GB">
               <a:solidFill>
@@ -20430,7 +20563,7 @@
                 </a:solidFill>
               </a:rPr>
               <a:pPr/>
-              <a:t>20/02/2018</a:t>
+              <a:t>22/02/2018</a:t>
             </a:fld>
             <a:endParaRPr lang="en-GB">
               <a:solidFill>
@@ -20745,7 +20878,7 @@
                 </a:solidFill>
               </a:rPr>
               <a:pPr/>
-              <a:t>20/02/2018</a:t>
+              <a:t>22/02/2018</a:t>
             </a:fld>
             <a:endParaRPr lang="en-GB">
               <a:solidFill>
@@ -20990,7 +21123,7 @@
                 </a:solidFill>
               </a:rPr>
               <a:pPr/>
-              <a:t>20/02/2018</a:t>
+              <a:t>22/02/2018</a:t>
             </a:fld>
             <a:endParaRPr lang="en-GB">
               <a:solidFill>
@@ -21322,7 +21455,7 @@
                 </a:solidFill>
               </a:rPr>
               <a:pPr/>
-              <a:t>20/02/2018</a:t>
+              <a:t>22/02/2018</a:t>
             </a:fld>
             <a:endParaRPr lang="en-GB">
               <a:solidFill>
@@ -21774,7 +21907,7 @@
                 </a:solidFill>
               </a:rPr>
               <a:pPr/>
-              <a:t>20/02/2018</a:t>
+              <a:t>22/02/2018</a:t>
             </a:fld>
             <a:endParaRPr lang="en-GB">
               <a:solidFill>
@@ -22339,7 +22472,7 @@
                 </a:solidFill>
               </a:rPr>
               <a:pPr/>
-              <a:t>20/02/2018</a:t>
+              <a:t>22/02/2018</a:t>
             </a:fld>
             <a:endParaRPr lang="en-GB">
               <a:solidFill>
@@ -22570,7 +22703,7 @@
                 </a:solidFill>
               </a:rPr>
               <a:pPr/>
-              <a:t>20/02/2018</a:t>
+              <a:t>22/02/2018</a:t>
             </a:fld>
             <a:endParaRPr lang="en-GB">
               <a:solidFill>
@@ -23207,7 +23340,7 @@
             <a:fld id="{80C853A8-1CF5-4118-9D6D-C132E8FC53CB}" type="datetimeFigureOut">
               <a:rPr lang="en-US" smtClean="0"/>
               <a:pPr/>
-              <a:t>2/20/2018</a:t>
+              <a:t>2018-02-22</a:t>
             </a:fld>
             <a:endParaRPr lang="en-US"/>
           </a:p>
@@ -24283,7 +24416,7 @@
                 </a:solidFill>
               </a:rPr>
               <a:pPr/>
-              <a:t>20/02/2018</a:t>
+              <a:t>22/02/2018</a:t>
             </a:fld>
             <a:endParaRPr lang="en-GB">
               <a:solidFill>
@@ -26679,6 +26812,832 @@
             <p:ph type="title"/>
           </p:nvPr>
         </p:nvSpPr>
+        <p:spPr/>
+        <p:txBody>
+          <a:bodyPr/>
+          <a:lstStyle/>
+          <a:p>
+            <a:r>
+              <a:rPr lang="en-US" dirty="0" smtClean="0"/>
+              <a:t>CPU Usage</a:t>
+            </a:r>
+            <a:endParaRPr lang="en-US" dirty="0"/>
+          </a:p>
+        </p:txBody>
+      </p:sp>
+      <p:sp>
+        <p:nvSpPr>
+          <p:cNvPr id="5" name="Content Placeholder 2"/>
+          <p:cNvSpPr txBox="1">
+            <a:spLocks/>
+          </p:cNvSpPr>
+          <p:nvPr/>
+        </p:nvSpPr>
+        <p:spPr>
+          <a:xfrm>
+            <a:off x="7678588" y="1351184"/>
+            <a:ext cx="3900796" cy="4800600"/>
+          </a:xfrm>
+          <a:prstGeom prst="rect">
+            <a:avLst/>
+          </a:prstGeom>
+        </p:spPr>
+        <p:txBody>
+          <a:bodyPr vert="horz" lIns="0" tIns="0" rIns="0" bIns="0" rtlCol="0">
+            <a:normAutofit/>
+          </a:bodyPr>
+          <a:lstStyle>
+            <a:lvl1pPr marL="182880" indent="-182880" algn="l" defTabSz="914400" rtl="0" eaLnBrk="1" latinLnBrk="0" hangingPunct="1">
+              <a:lnSpc>
+                <a:spcPct val="90000"/>
+              </a:lnSpc>
+              <a:spcBef>
+                <a:spcPts val="1200"/>
+              </a:spcBef>
+              <a:buFont typeface="HP Simplified" panose="020B0604020204020204" pitchFamily="34" charset="0"/>
+              <a:buChar char="•"/>
+              <a:defRPr sz="1800" kern="1200">
+                <a:solidFill>
+                  <a:schemeClr val="tx1"/>
+                </a:solidFill>
+                <a:latin typeface="+mn-lt"/>
+                <a:ea typeface="+mn-ea"/>
+                <a:cs typeface="+mn-cs"/>
+              </a:defRPr>
+            </a:lvl1pPr>
+            <a:lvl2pPr marL="411480" indent="-182880" algn="l" defTabSz="914400" rtl="0" eaLnBrk="1" latinLnBrk="0" hangingPunct="1">
+              <a:lnSpc>
+                <a:spcPct val="90000"/>
+              </a:lnSpc>
+              <a:spcBef>
+                <a:spcPts val="800"/>
+              </a:spcBef>
+              <a:buSzPct val="80000"/>
+              <a:buFont typeface="HP Simplified" panose="020B0604020204020204" pitchFamily="34" charset="0"/>
+              <a:buChar char="–"/>
+              <a:defRPr sz="1600" kern="1200">
+                <a:solidFill>
+                  <a:schemeClr val="tx1"/>
+                </a:solidFill>
+                <a:latin typeface="+mn-lt"/>
+                <a:ea typeface="+mn-ea"/>
+                <a:cs typeface="+mn-cs"/>
+              </a:defRPr>
+            </a:lvl2pPr>
+            <a:lvl3pPr marL="548640" indent="-137160" algn="l" defTabSz="914400" rtl="0" eaLnBrk="1" latinLnBrk="0" hangingPunct="1">
+              <a:lnSpc>
+                <a:spcPct val="90000"/>
+              </a:lnSpc>
+              <a:spcBef>
+                <a:spcPts val="600"/>
+              </a:spcBef>
+              <a:buFont typeface="HP Simplified" panose="020B0604020204020204" pitchFamily="34" charset="0"/>
+              <a:buChar char="•"/>
+              <a:defRPr sz="1400" kern="1200">
+                <a:solidFill>
+                  <a:schemeClr val="tx1"/>
+                </a:solidFill>
+                <a:latin typeface="+mn-lt"/>
+                <a:ea typeface="+mn-ea"/>
+                <a:cs typeface="+mn-cs"/>
+              </a:defRPr>
+            </a:lvl3pPr>
+            <a:lvl4pPr marL="731520" indent="-137160" algn="l" defTabSz="914400" rtl="0" eaLnBrk="1" latinLnBrk="0" hangingPunct="1">
+              <a:lnSpc>
+                <a:spcPct val="90000"/>
+              </a:lnSpc>
+              <a:spcBef>
+                <a:spcPts val="600"/>
+              </a:spcBef>
+              <a:buSzPct val="80000"/>
+              <a:buFont typeface="HP Simplified" panose="020B0604020204020204" pitchFamily="34" charset="0"/>
+              <a:buChar char="–"/>
+              <a:defRPr sz="1200" kern="1200">
+                <a:solidFill>
+                  <a:schemeClr val="tx1"/>
+                </a:solidFill>
+                <a:latin typeface="+mn-lt"/>
+                <a:ea typeface="+mn-ea"/>
+                <a:cs typeface="+mn-cs"/>
+              </a:defRPr>
+            </a:lvl4pPr>
+            <a:lvl5pPr marL="868680" indent="-137160" algn="l" defTabSz="914400" rtl="0" eaLnBrk="1" latinLnBrk="0" hangingPunct="1">
+              <a:lnSpc>
+                <a:spcPct val="90000"/>
+              </a:lnSpc>
+              <a:spcBef>
+                <a:spcPts val="600"/>
+              </a:spcBef>
+              <a:buFont typeface="HP Simplified" panose="020B0604020204020204" pitchFamily="34" charset="0"/>
+              <a:buChar char="•"/>
+              <a:defRPr sz="1200" kern="1200">
+                <a:solidFill>
+                  <a:schemeClr val="tx1"/>
+                </a:solidFill>
+                <a:latin typeface="+mn-lt"/>
+                <a:ea typeface="+mn-ea"/>
+                <a:cs typeface="+mn-cs"/>
+              </a:defRPr>
+            </a:lvl5pPr>
+            <a:lvl6pPr marL="1051560" indent="-137160" algn="l" defTabSz="914400" rtl="0" eaLnBrk="1" latinLnBrk="0" hangingPunct="1">
+              <a:lnSpc>
+                <a:spcPct val="90000"/>
+              </a:lnSpc>
+              <a:spcBef>
+                <a:spcPts val="600"/>
+              </a:spcBef>
+              <a:buSzPct val="80000"/>
+              <a:buFont typeface="HP Simplified" panose="020B0604020204020204" pitchFamily="34" charset="0"/>
+              <a:buChar char="–"/>
+              <a:defRPr sz="1200" kern="1200">
+                <a:solidFill>
+                  <a:schemeClr val="tx1"/>
+                </a:solidFill>
+                <a:latin typeface="+mn-lt"/>
+                <a:ea typeface="+mn-ea"/>
+                <a:cs typeface="+mn-cs"/>
+              </a:defRPr>
+            </a:lvl6pPr>
+            <a:lvl7pPr marL="1188720" indent="-137160" algn="l" defTabSz="914400" rtl="0" eaLnBrk="1" latinLnBrk="0" hangingPunct="1">
+              <a:lnSpc>
+                <a:spcPct val="90000"/>
+              </a:lnSpc>
+              <a:spcBef>
+                <a:spcPts val="600"/>
+              </a:spcBef>
+              <a:buFont typeface="HP Simplified" panose="020B0604020204020204" pitchFamily="34" charset="0"/>
+              <a:buChar char="•"/>
+              <a:defRPr sz="1200" kern="1200">
+                <a:solidFill>
+                  <a:schemeClr val="tx1"/>
+                </a:solidFill>
+                <a:latin typeface="+mn-lt"/>
+                <a:ea typeface="+mn-ea"/>
+                <a:cs typeface="+mn-cs"/>
+              </a:defRPr>
+            </a:lvl7pPr>
+            <a:lvl8pPr marL="1371600" indent="-137160" algn="l" defTabSz="914400" rtl="0" eaLnBrk="1" latinLnBrk="0" hangingPunct="1">
+              <a:lnSpc>
+                <a:spcPct val="90000"/>
+              </a:lnSpc>
+              <a:spcBef>
+                <a:spcPts val="600"/>
+              </a:spcBef>
+              <a:buSzPct val="80000"/>
+              <a:buFont typeface="HP Simplified" panose="020B0604020204020204" pitchFamily="34" charset="0"/>
+              <a:buChar char="–"/>
+              <a:defRPr sz="1200" kern="1200">
+                <a:solidFill>
+                  <a:schemeClr val="tx1"/>
+                </a:solidFill>
+                <a:latin typeface="+mn-lt"/>
+                <a:ea typeface="+mn-ea"/>
+                <a:cs typeface="+mn-cs"/>
+              </a:defRPr>
+            </a:lvl8pPr>
+            <a:lvl9pPr marL="1554480" indent="-137160" algn="l" defTabSz="914400" rtl="0" eaLnBrk="1" latinLnBrk="0" hangingPunct="1">
+              <a:lnSpc>
+                <a:spcPct val="90000"/>
+              </a:lnSpc>
+              <a:spcBef>
+                <a:spcPts val="600"/>
+              </a:spcBef>
+              <a:buFont typeface="HP Simplified" panose="020B0604020204020204" pitchFamily="34" charset="0"/>
+              <a:buChar char="•"/>
+              <a:defRPr sz="1200" kern="1200">
+                <a:solidFill>
+                  <a:schemeClr val="tx1"/>
+                </a:solidFill>
+                <a:latin typeface="+mn-lt"/>
+                <a:ea typeface="+mn-ea"/>
+                <a:cs typeface="+mn-cs"/>
+              </a:defRPr>
+            </a:lvl9pPr>
+          </a:lstStyle>
+          <a:p>
+            <a:r>
+              <a:rPr lang="en-US" dirty="0" smtClean="0"/>
+              <a:t>Very interesting results…</a:t>
+            </a:r>
+          </a:p>
+          <a:p>
+            <a:pPr lvl="1"/>
+            <a:r>
+              <a:rPr lang="en-US" dirty="0" smtClean="0"/>
+              <a:t>Moving from uncompressed to compressed/random shows an increase in CPU usage.  This is as expected as it requires CPU to decompress the block.</a:t>
+            </a:r>
+          </a:p>
+          <a:p>
+            <a:pPr lvl="1"/>
+            <a:r>
+              <a:rPr lang="en-US" dirty="0" smtClean="0"/>
+              <a:t>I was not expecting CPU usage for the compressed/sorted blocks to be better than </a:t>
+            </a:r>
+            <a:r>
+              <a:rPr lang="en-US" dirty="0" err="1" smtClean="0"/>
+              <a:t>nocompress</a:t>
+            </a:r>
+            <a:r>
+              <a:rPr lang="en-US" dirty="0" smtClean="0"/>
+              <a:t>.</a:t>
+            </a:r>
+          </a:p>
+          <a:p>
+            <a:pPr lvl="1"/>
+            <a:r>
+              <a:rPr lang="en-US" dirty="0" smtClean="0"/>
+              <a:t>Moving from separate tables to combined tables makes the CPU usage go down quite a bit.  This also makes sense as you don’t need to do a join which costs CPU.</a:t>
+            </a:r>
+          </a:p>
+          <a:p>
+            <a:pPr lvl="1"/>
+            <a:r>
+              <a:rPr lang="en-US" dirty="0" smtClean="0"/>
+              <a:t>I was not expecting the normalized tables to require less CPU than the </a:t>
+            </a:r>
+            <a:r>
+              <a:rPr lang="en-US" dirty="0" err="1" smtClean="0"/>
+              <a:t>denormalized</a:t>
+            </a:r>
+            <a:r>
+              <a:rPr lang="en-US" dirty="0" smtClean="0"/>
+              <a:t> tables. </a:t>
+            </a:r>
+          </a:p>
+          <a:p>
+            <a:pPr lvl="2"/>
+            <a:r>
+              <a:rPr lang="en-US" dirty="0" smtClean="0"/>
+              <a:t>Normalized tables require a join with the reference tables. </a:t>
+            </a:r>
+          </a:p>
+        </p:txBody>
+      </p:sp>
+      <p:pic>
+        <p:nvPicPr>
+          <p:cNvPr id="6" name="Picture 5"/>
+          <p:cNvPicPr>
+            <a:picLocks noChangeAspect="1"/>
+          </p:cNvPicPr>
+          <p:nvPr/>
+        </p:nvPicPr>
+        <p:blipFill>
+          <a:blip r:embed="rId3"/>
+          <a:stretch>
+            <a:fillRect/>
+          </a:stretch>
+        </p:blipFill>
+        <p:spPr>
+          <a:xfrm>
+            <a:off x="0" y="1371600"/>
+            <a:ext cx="7559749" cy="5486400"/>
+          </a:xfrm>
+          <a:prstGeom prst="rect">
+            <a:avLst/>
+          </a:prstGeom>
+        </p:spPr>
+      </p:pic>
+      <p:sp>
+        <p:nvSpPr>
+          <p:cNvPr id="7" name="TextBox 6"/>
+          <p:cNvSpPr txBox="1"/>
+          <p:nvPr/>
+        </p:nvSpPr>
+        <p:spPr>
+          <a:xfrm>
+            <a:off x="7678588" y="5965004"/>
+            <a:ext cx="3168352" cy="373560"/>
+          </a:xfrm>
+          <a:prstGeom prst="rect">
+            <a:avLst/>
+          </a:prstGeom>
+          <a:noFill/>
+        </p:spPr>
+        <p:txBody>
+          <a:bodyPr wrap="none" lIns="0" tIns="0" rIns="0" bIns="0" rtlCol="0">
+            <a:noAutofit/>
+          </a:bodyPr>
+          <a:lstStyle/>
+          <a:p>
+            <a:pPr>
+              <a:lnSpc>
+                <a:spcPct val="90000"/>
+              </a:lnSpc>
+            </a:pPr>
+            <a:r>
+              <a:rPr lang="en-US" sz="2200" dirty="0" smtClean="0"/>
+              <a:t>*Used Snapper to gather CPU data</a:t>
+            </a:r>
+          </a:p>
+        </p:txBody>
+      </p:sp>
+    </p:spTree>
+    <p:extLst>
+      <p:ext uri="{BB962C8B-B14F-4D97-AF65-F5344CB8AC3E}">
+        <p14:creationId xmlns:p14="http://schemas.microsoft.com/office/powerpoint/2010/main" val="2077487818"/>
+      </p:ext>
+    </p:extLst>
+  </p:cSld>
+  <p:clrMapOvr>
+    <a:masterClrMapping/>
+  </p:clrMapOvr>
+  <mc:AlternateContent xmlns:mc="http://schemas.openxmlformats.org/markup-compatibility/2006" xmlns:p14="http://schemas.microsoft.com/office/powerpoint/2010/main">
+    <mc:Choice Requires="p14">
+      <p:transition spd="med" p14:dur="700">
+        <p:fade/>
+      </p:transition>
+    </mc:Choice>
+    <mc:Fallback xmlns="">
+      <p:transition spd="med">
+        <p:fade/>
+      </p:transition>
+    </mc:Fallback>
+  </mc:AlternateContent>
+</p:sld>
+</file>
+
+<file path=ppt/slides/slide17.xml><?xml version="1.0" encoding="utf-8"?>
+<p:sld xmlns:a="http://schemas.openxmlformats.org/drawingml/2006/main" xmlns:r="http://schemas.openxmlformats.org/officeDocument/2006/relationships" xmlns:p="http://schemas.openxmlformats.org/presentationml/2006/main">
+  <p:cSld>
+    <p:spTree>
+      <p:nvGrpSpPr>
+        <p:cNvPr id="1" name=""/>
+        <p:cNvGrpSpPr/>
+        <p:nvPr/>
+      </p:nvGrpSpPr>
+      <p:grpSpPr>
+        <a:xfrm>
+          <a:off x="0" y="0"/>
+          <a:ext cx="0" cy="0"/>
+          <a:chOff x="0" y="0"/>
+          <a:chExt cx="0" cy="0"/>
+        </a:xfrm>
+      </p:grpSpPr>
+      <p:sp>
+        <p:nvSpPr>
+          <p:cNvPr id="2" name="Title 1"/>
+          <p:cNvSpPr>
+            <a:spLocks noGrp="1"/>
+          </p:cNvSpPr>
+          <p:nvPr>
+            <p:ph type="title"/>
+          </p:nvPr>
+        </p:nvSpPr>
+        <p:spPr>
+          <a:xfrm>
+            <a:off x="609441" y="260648"/>
+            <a:ext cx="10969943" cy="446112"/>
+          </a:xfrm>
+        </p:spPr>
+        <p:txBody>
+          <a:bodyPr/>
+          <a:lstStyle/>
+          <a:p>
+            <a:r>
+              <a:rPr lang="en-US" dirty="0" smtClean="0"/>
+              <a:t>Conclusions</a:t>
+            </a:r>
+            <a:endParaRPr lang="en-US" dirty="0"/>
+          </a:p>
+        </p:txBody>
+      </p:sp>
+      <p:sp>
+        <p:nvSpPr>
+          <p:cNvPr id="3" name="Content Placeholder 2"/>
+          <p:cNvSpPr>
+            <a:spLocks noGrp="1"/>
+          </p:cNvSpPr>
+          <p:nvPr>
+            <p:ph idx="1"/>
+          </p:nvPr>
+        </p:nvSpPr>
+        <p:spPr/>
+        <p:txBody>
+          <a:bodyPr/>
+          <a:lstStyle/>
+          <a:p>
+            <a:r>
+              <a:rPr lang="en-US" dirty="0" smtClean="0"/>
+              <a:t>Compression is an absolute must as data volumes start to really grow.</a:t>
+            </a:r>
+          </a:p>
+          <a:p>
+            <a:r>
+              <a:rPr lang="en-US" dirty="0" smtClean="0"/>
+              <a:t>Sorting your data can yield significant improvements on storage size.</a:t>
+            </a:r>
+          </a:p>
+          <a:p>
+            <a:r>
+              <a:rPr lang="en-US" dirty="0" smtClean="0"/>
+              <a:t>There is a small price to pay for combining parent/child tables into one table.</a:t>
+            </a:r>
+          </a:p>
+          <a:p>
+            <a:pPr lvl="1"/>
+            <a:r>
+              <a:rPr lang="en-US" dirty="0" smtClean="0"/>
+              <a:t>There is a large improvement in query performance when these tables are combined.</a:t>
+            </a:r>
+          </a:p>
+          <a:p>
+            <a:r>
+              <a:rPr lang="en-US" dirty="0"/>
+              <a:t>N</a:t>
+            </a:r>
+            <a:r>
+              <a:rPr lang="en-US" dirty="0" smtClean="0"/>
+              <a:t>ormalizing warehouse data may result in smaller storage requirements, but greatly increases the complexity of a system.</a:t>
+            </a:r>
+          </a:p>
+          <a:p>
+            <a:pPr lvl="1"/>
+            <a:r>
+              <a:rPr lang="en-US" dirty="0" smtClean="0"/>
+              <a:t>For my system I really wish we would have never started off doing this and I am strongly considering backing out of that decision.</a:t>
+            </a:r>
+            <a:endParaRPr lang="en-US" dirty="0"/>
+          </a:p>
+        </p:txBody>
+      </p:sp>
+    </p:spTree>
+    <p:extLst>
+      <p:ext uri="{BB962C8B-B14F-4D97-AF65-F5344CB8AC3E}">
+        <p14:creationId xmlns:p14="http://schemas.microsoft.com/office/powerpoint/2010/main" val="1722662494"/>
+      </p:ext>
+    </p:extLst>
+  </p:cSld>
+  <p:clrMapOvr>
+    <a:masterClrMapping/>
+  </p:clrMapOvr>
+  <mc:AlternateContent xmlns:mc="http://schemas.openxmlformats.org/markup-compatibility/2006" xmlns:p14="http://schemas.microsoft.com/office/powerpoint/2010/main">
+    <mc:Choice Requires="p14">
+      <p:transition spd="med" p14:dur="700">
+        <p:fade/>
+      </p:transition>
+    </mc:Choice>
+    <mc:Fallback xmlns="">
+      <p:transition spd="med">
+        <p:fade/>
+      </p:transition>
+    </mc:Fallback>
+  </mc:AlternateContent>
+</p:sld>
+</file>
+
+<file path=ppt/slides/slide18.xml><?xml version="1.0" encoding="utf-8"?>
+<p:sld xmlns:a="http://schemas.openxmlformats.org/drawingml/2006/main" xmlns:r="http://schemas.openxmlformats.org/officeDocument/2006/relationships" xmlns:p="http://schemas.openxmlformats.org/presentationml/2006/main">
+  <p:cSld>
+    <p:spTree>
+      <p:nvGrpSpPr>
+        <p:cNvPr id="1" name=""/>
+        <p:cNvGrpSpPr/>
+        <p:nvPr/>
+      </p:nvGrpSpPr>
+      <p:grpSpPr>
+        <a:xfrm>
+          <a:off x="0" y="0"/>
+          <a:ext cx="0" cy="0"/>
+          <a:chOff x="0" y="0"/>
+          <a:chExt cx="0" cy="0"/>
+        </a:xfrm>
+      </p:grpSpPr>
+      <p:sp>
+        <p:nvSpPr>
+          <p:cNvPr id="2" name="Title 1"/>
+          <p:cNvSpPr>
+            <a:spLocks noGrp="1"/>
+          </p:cNvSpPr>
+          <p:nvPr>
+            <p:ph type="title"/>
+          </p:nvPr>
+        </p:nvSpPr>
+        <p:spPr/>
+        <p:txBody>
+          <a:bodyPr/>
+          <a:lstStyle/>
+          <a:p>
+            <a:r>
+              <a:rPr lang="en-US" dirty="0" smtClean="0"/>
+              <a:t>Thank you</a:t>
+            </a:r>
+            <a:endParaRPr lang="en-US" dirty="0"/>
+          </a:p>
+        </p:txBody>
+      </p:sp>
+      <p:sp>
+        <p:nvSpPr>
+          <p:cNvPr id="5" name="Content Placeholder 2"/>
+          <p:cNvSpPr txBox="1">
+            <a:spLocks/>
+          </p:cNvSpPr>
+          <p:nvPr/>
+        </p:nvSpPr>
+        <p:spPr>
+          <a:xfrm>
+            <a:off x="609441" y="1295401"/>
+            <a:ext cx="10969943" cy="4800600"/>
+          </a:xfrm>
+          <a:prstGeom prst="rect">
+            <a:avLst/>
+          </a:prstGeom>
+        </p:spPr>
+        <p:txBody>
+          <a:bodyPr vert="horz" lIns="0" tIns="0" rIns="0" bIns="0" rtlCol="0" anchor="t">
+            <a:noAutofit/>
+          </a:bodyPr>
+          <a:lstStyle>
+            <a:lvl1pPr marL="0" indent="0" algn="l" defTabSz="914400" rtl="0" eaLnBrk="1" latinLnBrk="0" hangingPunct="1">
+              <a:lnSpc>
+                <a:spcPct val="90000"/>
+              </a:lnSpc>
+              <a:spcBef>
+                <a:spcPts val="600"/>
+              </a:spcBef>
+              <a:buFont typeface="HP Simplified" panose="020B0604020204020204" pitchFamily="34" charset="0"/>
+              <a:buNone/>
+              <a:defRPr sz="1800" kern="1200">
+                <a:solidFill>
+                  <a:schemeClr val="tx1"/>
+                </a:solidFill>
+                <a:latin typeface="+mn-lt"/>
+                <a:ea typeface="+mn-ea"/>
+                <a:cs typeface="+mn-cs"/>
+              </a:defRPr>
+            </a:lvl1pPr>
+            <a:lvl2pPr marL="457200" indent="0" algn="l" defTabSz="914400" rtl="0" eaLnBrk="1" latinLnBrk="0" hangingPunct="1">
+              <a:lnSpc>
+                <a:spcPct val="90000"/>
+              </a:lnSpc>
+              <a:spcBef>
+                <a:spcPts val="800"/>
+              </a:spcBef>
+              <a:buSzPct val="80000"/>
+              <a:buFont typeface="HP Simplified" panose="020B0604020204020204" pitchFamily="34" charset="0"/>
+              <a:buNone/>
+              <a:defRPr sz="1800" kern="1200">
+                <a:solidFill>
+                  <a:schemeClr val="tx1">
+                    <a:tint val="75000"/>
+                  </a:schemeClr>
+                </a:solidFill>
+                <a:latin typeface="+mn-lt"/>
+                <a:ea typeface="+mn-ea"/>
+                <a:cs typeface="+mn-cs"/>
+              </a:defRPr>
+            </a:lvl2pPr>
+            <a:lvl3pPr marL="914400" indent="0" algn="l" defTabSz="914400" rtl="0" eaLnBrk="1" latinLnBrk="0" hangingPunct="1">
+              <a:lnSpc>
+                <a:spcPct val="90000"/>
+              </a:lnSpc>
+              <a:spcBef>
+                <a:spcPts val="600"/>
+              </a:spcBef>
+              <a:buFont typeface="HP Simplified" panose="020B0604020204020204" pitchFamily="34" charset="0"/>
+              <a:buNone/>
+              <a:defRPr sz="1600" kern="1200">
+                <a:solidFill>
+                  <a:schemeClr val="tx1">
+                    <a:tint val="75000"/>
+                  </a:schemeClr>
+                </a:solidFill>
+                <a:latin typeface="+mn-lt"/>
+                <a:ea typeface="+mn-ea"/>
+                <a:cs typeface="+mn-cs"/>
+              </a:defRPr>
+            </a:lvl3pPr>
+            <a:lvl4pPr marL="1371600" indent="0" algn="l" defTabSz="914400" rtl="0" eaLnBrk="1" latinLnBrk="0" hangingPunct="1">
+              <a:lnSpc>
+                <a:spcPct val="90000"/>
+              </a:lnSpc>
+              <a:spcBef>
+                <a:spcPts val="600"/>
+              </a:spcBef>
+              <a:buSzPct val="80000"/>
+              <a:buFont typeface="HP Simplified" panose="020B0604020204020204" pitchFamily="34" charset="0"/>
+              <a:buNone/>
+              <a:defRPr sz="1400" kern="1200">
+                <a:solidFill>
+                  <a:schemeClr val="tx1">
+                    <a:tint val="75000"/>
+                  </a:schemeClr>
+                </a:solidFill>
+                <a:latin typeface="+mn-lt"/>
+                <a:ea typeface="+mn-ea"/>
+                <a:cs typeface="+mn-cs"/>
+              </a:defRPr>
+            </a:lvl4pPr>
+            <a:lvl5pPr marL="1828800" indent="0" algn="l" defTabSz="914400" rtl="0" eaLnBrk="1" latinLnBrk="0" hangingPunct="1">
+              <a:lnSpc>
+                <a:spcPct val="90000"/>
+              </a:lnSpc>
+              <a:spcBef>
+                <a:spcPts val="600"/>
+              </a:spcBef>
+              <a:buFont typeface="HP Simplified" panose="020B0604020204020204" pitchFamily="34" charset="0"/>
+              <a:buNone/>
+              <a:defRPr sz="1400" kern="1200">
+                <a:solidFill>
+                  <a:schemeClr val="tx1">
+                    <a:tint val="75000"/>
+                  </a:schemeClr>
+                </a:solidFill>
+                <a:latin typeface="+mn-lt"/>
+                <a:ea typeface="+mn-ea"/>
+                <a:cs typeface="+mn-cs"/>
+              </a:defRPr>
+            </a:lvl5pPr>
+            <a:lvl6pPr marL="2286000" indent="0" algn="l" defTabSz="914400" rtl="0" eaLnBrk="1" latinLnBrk="0" hangingPunct="1">
+              <a:lnSpc>
+                <a:spcPct val="90000"/>
+              </a:lnSpc>
+              <a:spcBef>
+                <a:spcPts val="600"/>
+              </a:spcBef>
+              <a:buSzPct val="80000"/>
+              <a:buFont typeface="HP Simplified" panose="020B0604020204020204" pitchFamily="34" charset="0"/>
+              <a:buNone/>
+              <a:defRPr sz="1400" kern="1200">
+                <a:solidFill>
+                  <a:schemeClr val="tx1">
+                    <a:tint val="75000"/>
+                  </a:schemeClr>
+                </a:solidFill>
+                <a:latin typeface="+mn-lt"/>
+                <a:ea typeface="+mn-ea"/>
+                <a:cs typeface="+mn-cs"/>
+              </a:defRPr>
+            </a:lvl6pPr>
+            <a:lvl7pPr marL="2743200" indent="0" algn="l" defTabSz="914400" rtl="0" eaLnBrk="1" latinLnBrk="0" hangingPunct="1">
+              <a:lnSpc>
+                <a:spcPct val="90000"/>
+              </a:lnSpc>
+              <a:spcBef>
+                <a:spcPts val="600"/>
+              </a:spcBef>
+              <a:buFont typeface="HP Simplified" panose="020B0604020204020204" pitchFamily="34" charset="0"/>
+              <a:buNone/>
+              <a:defRPr sz="1400" kern="1200">
+                <a:solidFill>
+                  <a:schemeClr val="tx1">
+                    <a:tint val="75000"/>
+                  </a:schemeClr>
+                </a:solidFill>
+                <a:latin typeface="+mn-lt"/>
+                <a:ea typeface="+mn-ea"/>
+                <a:cs typeface="+mn-cs"/>
+              </a:defRPr>
+            </a:lvl7pPr>
+            <a:lvl8pPr marL="3200400" indent="0" algn="l" defTabSz="914400" rtl="0" eaLnBrk="1" latinLnBrk="0" hangingPunct="1">
+              <a:lnSpc>
+                <a:spcPct val="90000"/>
+              </a:lnSpc>
+              <a:spcBef>
+                <a:spcPts val="600"/>
+              </a:spcBef>
+              <a:buSzPct val="80000"/>
+              <a:buFont typeface="HP Simplified" panose="020B0604020204020204" pitchFamily="34" charset="0"/>
+              <a:buNone/>
+              <a:defRPr sz="1400" kern="1200">
+                <a:solidFill>
+                  <a:schemeClr val="tx1">
+                    <a:tint val="75000"/>
+                  </a:schemeClr>
+                </a:solidFill>
+                <a:latin typeface="+mn-lt"/>
+                <a:ea typeface="+mn-ea"/>
+                <a:cs typeface="+mn-cs"/>
+              </a:defRPr>
+            </a:lvl8pPr>
+            <a:lvl9pPr marL="3657600" indent="0" algn="l" defTabSz="914400" rtl="0" eaLnBrk="1" latinLnBrk="0" hangingPunct="1">
+              <a:lnSpc>
+                <a:spcPct val="90000"/>
+              </a:lnSpc>
+              <a:spcBef>
+                <a:spcPts val="600"/>
+              </a:spcBef>
+              <a:buFont typeface="HP Simplified" panose="020B0604020204020204" pitchFamily="34" charset="0"/>
+              <a:buNone/>
+              <a:defRPr sz="1400" kern="1200">
+                <a:solidFill>
+                  <a:schemeClr val="tx1">
+                    <a:tint val="75000"/>
+                  </a:schemeClr>
+                </a:solidFill>
+                <a:latin typeface="+mn-lt"/>
+                <a:ea typeface="+mn-ea"/>
+                <a:cs typeface="+mn-cs"/>
+              </a:defRPr>
+            </a:lvl9pPr>
+          </a:lstStyle>
+          <a:p>
+            <a:r>
+              <a:rPr lang="en-US" dirty="0" err="1" smtClean="0"/>
+              <a:t>Hotsos</a:t>
+            </a:r>
+            <a:r>
+              <a:rPr lang="en-US" dirty="0" smtClean="0"/>
+              <a:t>!</a:t>
+            </a:r>
+          </a:p>
+          <a:p>
+            <a:r>
+              <a:rPr lang="en-US" dirty="0" smtClean="0"/>
+              <a:t>OSU Computer Science Students</a:t>
+            </a:r>
+          </a:p>
+          <a:p>
+            <a:pPr lvl="1"/>
+            <a:r>
+              <a:rPr lang="en-US" dirty="0" smtClean="0"/>
+              <a:t>Alex Schultz</a:t>
+            </a:r>
+          </a:p>
+          <a:p>
+            <a:pPr lvl="1"/>
+            <a:r>
+              <a:rPr lang="en-US" dirty="0" smtClean="0"/>
+              <a:t>Dylan Davis</a:t>
+            </a:r>
+          </a:p>
+          <a:p>
+            <a:pPr lvl="1"/>
+            <a:r>
+              <a:rPr lang="en-US" dirty="0" smtClean="0"/>
+              <a:t>Trevor Hammock</a:t>
+            </a:r>
+          </a:p>
+          <a:p>
+            <a:r>
+              <a:rPr lang="en-US" dirty="0" smtClean="0"/>
+              <a:t>All the great Oracle Bloggers</a:t>
+            </a:r>
+          </a:p>
+          <a:p>
+            <a:pPr lvl="1"/>
+            <a:endParaRPr lang="en-US" dirty="0"/>
+          </a:p>
+        </p:txBody>
+      </p:sp>
+    </p:spTree>
+    <p:extLst>
+      <p:ext uri="{BB962C8B-B14F-4D97-AF65-F5344CB8AC3E}">
+        <p14:creationId xmlns:p14="http://schemas.microsoft.com/office/powerpoint/2010/main" val="351003056"/>
+      </p:ext>
+    </p:extLst>
+  </p:cSld>
+  <p:clrMapOvr>
+    <a:masterClrMapping/>
+  </p:clrMapOvr>
+  <mc:AlternateContent xmlns:mc="http://schemas.openxmlformats.org/markup-compatibility/2006" xmlns:p14="http://schemas.microsoft.com/office/powerpoint/2010/main">
+    <mc:Choice Requires="p14">
+      <p:transition spd="med" p14:dur="700">
+        <p:fade/>
+      </p:transition>
+    </mc:Choice>
+    <mc:Fallback xmlns="">
+      <p:transition spd="med">
+        <p:fade/>
+      </p:transition>
+    </mc:Fallback>
+  </mc:AlternateContent>
+  <p:timing>
+    <p:tnLst>
+      <p:par>
+        <p:cTn id="1" dur="indefinite" restart="never" nodeType="tmRoot"/>
+      </p:par>
+    </p:tnLst>
+  </p:timing>
+</p:sld>
+</file>
+
+<file path=ppt/slides/slide19.xml><?xml version="1.0" encoding="utf-8"?>
+<p:sld xmlns:a="http://schemas.openxmlformats.org/drawingml/2006/main" xmlns:r="http://schemas.openxmlformats.org/officeDocument/2006/relationships" xmlns:p="http://schemas.openxmlformats.org/presentationml/2006/main">
+  <p:cSld>
+    <p:spTree>
+      <p:nvGrpSpPr>
+        <p:cNvPr id="1" name=""/>
+        <p:cNvGrpSpPr/>
+        <p:nvPr/>
+      </p:nvGrpSpPr>
+      <p:grpSpPr>
+        <a:xfrm>
+          <a:off x="0" y="0"/>
+          <a:ext cx="0" cy="0"/>
+          <a:chOff x="0" y="0"/>
+          <a:chExt cx="0" cy="0"/>
+        </a:xfrm>
+      </p:grpSpPr>
+      <p:sp>
+        <p:nvSpPr>
+          <p:cNvPr id="2" name="Title 1"/>
+          <p:cNvSpPr>
+            <a:spLocks noGrp="1"/>
+          </p:cNvSpPr>
+          <p:nvPr>
+            <p:ph type="title"/>
+          </p:nvPr>
+        </p:nvSpPr>
         <p:spPr>
           <a:xfrm>
             <a:off x="609441" y="188640"/>
@@ -26973,837 +27932,6 @@
 </p:sld>
 </file>
 
-<file path=ppt/slides/slide17.xml><?xml version="1.0" encoding="utf-8"?>
-<p:sld xmlns:a="http://schemas.openxmlformats.org/drawingml/2006/main" xmlns:r="http://schemas.openxmlformats.org/officeDocument/2006/relationships" xmlns:p="http://schemas.openxmlformats.org/presentationml/2006/main">
-  <p:cSld>
-    <p:spTree>
-      <p:nvGrpSpPr>
-        <p:cNvPr id="1" name=""/>
-        <p:cNvGrpSpPr/>
-        <p:nvPr/>
-      </p:nvGrpSpPr>
-      <p:grpSpPr>
-        <a:xfrm>
-          <a:off x="0" y="0"/>
-          <a:ext cx="0" cy="0"/>
-          <a:chOff x="0" y="0"/>
-          <a:chExt cx="0" cy="0"/>
-        </a:xfrm>
-      </p:grpSpPr>
-      <p:sp>
-        <p:nvSpPr>
-          <p:cNvPr id="2" name="Title 1"/>
-          <p:cNvSpPr>
-            <a:spLocks noGrp="1"/>
-          </p:cNvSpPr>
-          <p:nvPr>
-            <p:ph type="title"/>
-          </p:nvPr>
-        </p:nvSpPr>
-        <p:spPr/>
-        <p:txBody>
-          <a:bodyPr/>
-          <a:lstStyle/>
-          <a:p>
-            <a:r>
-              <a:rPr lang="en-US" dirty="0" smtClean="0"/>
-              <a:t>CPU Usage</a:t>
-            </a:r>
-            <a:endParaRPr lang="en-US" dirty="0"/>
-          </a:p>
-        </p:txBody>
-      </p:sp>
-      <p:sp>
-        <p:nvSpPr>
-          <p:cNvPr id="5" name="Content Placeholder 2"/>
-          <p:cNvSpPr txBox="1">
-            <a:spLocks/>
-          </p:cNvSpPr>
-          <p:nvPr/>
-        </p:nvSpPr>
-        <p:spPr>
-          <a:xfrm>
-            <a:off x="7678588" y="1351184"/>
-            <a:ext cx="3900796" cy="4800600"/>
-          </a:xfrm>
-          <a:prstGeom prst="rect">
-            <a:avLst/>
-          </a:prstGeom>
-        </p:spPr>
-        <p:txBody>
-          <a:bodyPr vert="horz" lIns="0" tIns="0" rIns="0" bIns="0" rtlCol="0">
-            <a:normAutofit/>
-          </a:bodyPr>
-          <a:lstStyle>
-            <a:lvl1pPr marL="182880" indent="-182880" algn="l" defTabSz="914400" rtl="0" eaLnBrk="1" latinLnBrk="0" hangingPunct="1">
-              <a:lnSpc>
-                <a:spcPct val="90000"/>
-              </a:lnSpc>
-              <a:spcBef>
-                <a:spcPts val="1200"/>
-              </a:spcBef>
-              <a:buFont typeface="HP Simplified" panose="020B0604020204020204" pitchFamily="34" charset="0"/>
-              <a:buChar char="•"/>
-              <a:defRPr sz="1800" kern="1200">
-                <a:solidFill>
-                  <a:schemeClr val="tx1"/>
-                </a:solidFill>
-                <a:latin typeface="+mn-lt"/>
-                <a:ea typeface="+mn-ea"/>
-                <a:cs typeface="+mn-cs"/>
-              </a:defRPr>
-            </a:lvl1pPr>
-            <a:lvl2pPr marL="411480" indent="-182880" algn="l" defTabSz="914400" rtl="0" eaLnBrk="1" latinLnBrk="0" hangingPunct="1">
-              <a:lnSpc>
-                <a:spcPct val="90000"/>
-              </a:lnSpc>
-              <a:spcBef>
-                <a:spcPts val="800"/>
-              </a:spcBef>
-              <a:buSzPct val="80000"/>
-              <a:buFont typeface="HP Simplified" panose="020B0604020204020204" pitchFamily="34" charset="0"/>
-              <a:buChar char="–"/>
-              <a:defRPr sz="1600" kern="1200">
-                <a:solidFill>
-                  <a:schemeClr val="tx1"/>
-                </a:solidFill>
-                <a:latin typeface="+mn-lt"/>
-                <a:ea typeface="+mn-ea"/>
-                <a:cs typeface="+mn-cs"/>
-              </a:defRPr>
-            </a:lvl2pPr>
-            <a:lvl3pPr marL="548640" indent="-137160" algn="l" defTabSz="914400" rtl="0" eaLnBrk="1" latinLnBrk="0" hangingPunct="1">
-              <a:lnSpc>
-                <a:spcPct val="90000"/>
-              </a:lnSpc>
-              <a:spcBef>
-                <a:spcPts val="600"/>
-              </a:spcBef>
-              <a:buFont typeface="HP Simplified" panose="020B0604020204020204" pitchFamily="34" charset="0"/>
-              <a:buChar char="•"/>
-              <a:defRPr sz="1400" kern="1200">
-                <a:solidFill>
-                  <a:schemeClr val="tx1"/>
-                </a:solidFill>
-                <a:latin typeface="+mn-lt"/>
-                <a:ea typeface="+mn-ea"/>
-                <a:cs typeface="+mn-cs"/>
-              </a:defRPr>
-            </a:lvl3pPr>
-            <a:lvl4pPr marL="731520" indent="-137160" algn="l" defTabSz="914400" rtl="0" eaLnBrk="1" latinLnBrk="0" hangingPunct="1">
-              <a:lnSpc>
-                <a:spcPct val="90000"/>
-              </a:lnSpc>
-              <a:spcBef>
-                <a:spcPts val="600"/>
-              </a:spcBef>
-              <a:buSzPct val="80000"/>
-              <a:buFont typeface="HP Simplified" panose="020B0604020204020204" pitchFamily="34" charset="0"/>
-              <a:buChar char="–"/>
-              <a:defRPr sz="1200" kern="1200">
-                <a:solidFill>
-                  <a:schemeClr val="tx1"/>
-                </a:solidFill>
-                <a:latin typeface="+mn-lt"/>
-                <a:ea typeface="+mn-ea"/>
-                <a:cs typeface="+mn-cs"/>
-              </a:defRPr>
-            </a:lvl4pPr>
-            <a:lvl5pPr marL="868680" indent="-137160" algn="l" defTabSz="914400" rtl="0" eaLnBrk="1" latinLnBrk="0" hangingPunct="1">
-              <a:lnSpc>
-                <a:spcPct val="90000"/>
-              </a:lnSpc>
-              <a:spcBef>
-                <a:spcPts val="600"/>
-              </a:spcBef>
-              <a:buFont typeface="HP Simplified" panose="020B0604020204020204" pitchFamily="34" charset="0"/>
-              <a:buChar char="•"/>
-              <a:defRPr sz="1200" kern="1200">
-                <a:solidFill>
-                  <a:schemeClr val="tx1"/>
-                </a:solidFill>
-                <a:latin typeface="+mn-lt"/>
-                <a:ea typeface="+mn-ea"/>
-                <a:cs typeface="+mn-cs"/>
-              </a:defRPr>
-            </a:lvl5pPr>
-            <a:lvl6pPr marL="1051560" indent="-137160" algn="l" defTabSz="914400" rtl="0" eaLnBrk="1" latinLnBrk="0" hangingPunct="1">
-              <a:lnSpc>
-                <a:spcPct val="90000"/>
-              </a:lnSpc>
-              <a:spcBef>
-                <a:spcPts val="600"/>
-              </a:spcBef>
-              <a:buSzPct val="80000"/>
-              <a:buFont typeface="HP Simplified" panose="020B0604020204020204" pitchFamily="34" charset="0"/>
-              <a:buChar char="–"/>
-              <a:defRPr sz="1200" kern="1200">
-                <a:solidFill>
-                  <a:schemeClr val="tx1"/>
-                </a:solidFill>
-                <a:latin typeface="+mn-lt"/>
-                <a:ea typeface="+mn-ea"/>
-                <a:cs typeface="+mn-cs"/>
-              </a:defRPr>
-            </a:lvl6pPr>
-            <a:lvl7pPr marL="1188720" indent="-137160" algn="l" defTabSz="914400" rtl="0" eaLnBrk="1" latinLnBrk="0" hangingPunct="1">
-              <a:lnSpc>
-                <a:spcPct val="90000"/>
-              </a:lnSpc>
-              <a:spcBef>
-                <a:spcPts val="600"/>
-              </a:spcBef>
-              <a:buFont typeface="HP Simplified" panose="020B0604020204020204" pitchFamily="34" charset="0"/>
-              <a:buChar char="•"/>
-              <a:defRPr sz="1200" kern="1200">
-                <a:solidFill>
-                  <a:schemeClr val="tx1"/>
-                </a:solidFill>
-                <a:latin typeface="+mn-lt"/>
-                <a:ea typeface="+mn-ea"/>
-                <a:cs typeface="+mn-cs"/>
-              </a:defRPr>
-            </a:lvl7pPr>
-            <a:lvl8pPr marL="1371600" indent="-137160" algn="l" defTabSz="914400" rtl="0" eaLnBrk="1" latinLnBrk="0" hangingPunct="1">
-              <a:lnSpc>
-                <a:spcPct val="90000"/>
-              </a:lnSpc>
-              <a:spcBef>
-                <a:spcPts val="600"/>
-              </a:spcBef>
-              <a:buSzPct val="80000"/>
-              <a:buFont typeface="HP Simplified" panose="020B0604020204020204" pitchFamily="34" charset="0"/>
-              <a:buChar char="–"/>
-              <a:defRPr sz="1200" kern="1200">
-                <a:solidFill>
-                  <a:schemeClr val="tx1"/>
-                </a:solidFill>
-                <a:latin typeface="+mn-lt"/>
-                <a:ea typeface="+mn-ea"/>
-                <a:cs typeface="+mn-cs"/>
-              </a:defRPr>
-            </a:lvl8pPr>
-            <a:lvl9pPr marL="1554480" indent="-137160" algn="l" defTabSz="914400" rtl="0" eaLnBrk="1" latinLnBrk="0" hangingPunct="1">
-              <a:lnSpc>
-                <a:spcPct val="90000"/>
-              </a:lnSpc>
-              <a:spcBef>
-                <a:spcPts val="600"/>
-              </a:spcBef>
-              <a:buFont typeface="HP Simplified" panose="020B0604020204020204" pitchFamily="34" charset="0"/>
-              <a:buChar char="•"/>
-              <a:defRPr sz="1200" kern="1200">
-                <a:solidFill>
-                  <a:schemeClr val="tx1"/>
-                </a:solidFill>
-                <a:latin typeface="+mn-lt"/>
-                <a:ea typeface="+mn-ea"/>
-                <a:cs typeface="+mn-cs"/>
-              </a:defRPr>
-            </a:lvl9pPr>
-          </a:lstStyle>
-          <a:p>
-            <a:r>
-              <a:rPr lang="en-US" dirty="0" smtClean="0"/>
-              <a:t>Very interesting results…</a:t>
-            </a:r>
-          </a:p>
-          <a:p>
-            <a:pPr lvl="1"/>
-            <a:r>
-              <a:rPr lang="en-US" dirty="0" smtClean="0"/>
-              <a:t>Moving from uncompressed to compressed/random shows an increase in CPU usage.  This is as expected as it requires CPU to decompress the block.</a:t>
-            </a:r>
-          </a:p>
-          <a:p>
-            <a:pPr lvl="1"/>
-            <a:r>
-              <a:rPr lang="en-US" dirty="0" smtClean="0"/>
-              <a:t>I was not expecting CPU usage for the compressed/sorted blocks to be better than </a:t>
-            </a:r>
-            <a:r>
-              <a:rPr lang="en-US" dirty="0" err="1" smtClean="0"/>
-              <a:t>nocompress</a:t>
-            </a:r>
-            <a:r>
-              <a:rPr lang="en-US" dirty="0" smtClean="0"/>
-              <a:t>.</a:t>
-            </a:r>
-          </a:p>
-          <a:p>
-            <a:pPr lvl="1"/>
-            <a:r>
-              <a:rPr lang="en-US" dirty="0" smtClean="0"/>
-              <a:t>Moving from separate tables to combined tables makes the CPU usage go down quite a bit.  This also makes sense as you don’t need to do a join which costs CPU.</a:t>
-            </a:r>
-          </a:p>
-          <a:p>
-            <a:pPr lvl="1"/>
-            <a:r>
-              <a:rPr lang="en-US" dirty="0" smtClean="0"/>
-              <a:t>I was not expecting the normalized tables to require less CPU than the </a:t>
-            </a:r>
-            <a:r>
-              <a:rPr lang="en-US" dirty="0" err="1" smtClean="0"/>
-              <a:t>denormalized</a:t>
-            </a:r>
-            <a:r>
-              <a:rPr lang="en-US" dirty="0" smtClean="0"/>
-              <a:t> tables. </a:t>
-            </a:r>
-          </a:p>
-          <a:p>
-            <a:pPr lvl="2"/>
-            <a:r>
-              <a:rPr lang="en-US" dirty="0" smtClean="0"/>
-              <a:t>Normalized tables require a join with the reference tables.</a:t>
-            </a:r>
-            <a:r>
-              <a:rPr lang="en-US" dirty="0" smtClean="0"/>
-              <a:t> </a:t>
-            </a:r>
-          </a:p>
-        </p:txBody>
-      </p:sp>
-      <p:pic>
-        <p:nvPicPr>
-          <p:cNvPr id="6" name="Picture 5"/>
-          <p:cNvPicPr>
-            <a:picLocks noChangeAspect="1"/>
-          </p:cNvPicPr>
-          <p:nvPr/>
-        </p:nvPicPr>
-        <p:blipFill>
-          <a:blip r:embed="rId3"/>
-          <a:stretch>
-            <a:fillRect/>
-          </a:stretch>
-        </p:blipFill>
-        <p:spPr>
-          <a:xfrm>
-            <a:off x="0" y="1371600"/>
-            <a:ext cx="7559749" cy="5486400"/>
-          </a:xfrm>
-          <a:prstGeom prst="rect">
-            <a:avLst/>
-          </a:prstGeom>
-        </p:spPr>
-      </p:pic>
-      <p:sp>
-        <p:nvSpPr>
-          <p:cNvPr id="7" name="TextBox 6"/>
-          <p:cNvSpPr txBox="1"/>
-          <p:nvPr/>
-        </p:nvSpPr>
-        <p:spPr>
-          <a:xfrm>
-            <a:off x="7678588" y="5965004"/>
-            <a:ext cx="3168352" cy="373560"/>
-          </a:xfrm>
-          <a:prstGeom prst="rect">
-            <a:avLst/>
-          </a:prstGeom>
-          <a:noFill/>
-        </p:spPr>
-        <p:txBody>
-          <a:bodyPr wrap="none" lIns="0" tIns="0" rIns="0" bIns="0" rtlCol="0">
-            <a:noAutofit/>
-          </a:bodyPr>
-          <a:lstStyle/>
-          <a:p>
-            <a:pPr>
-              <a:lnSpc>
-                <a:spcPct val="90000"/>
-              </a:lnSpc>
-            </a:pPr>
-            <a:r>
-              <a:rPr lang="en-US" sz="2200" dirty="0" smtClean="0"/>
-              <a:t>*Used Snapper to gather CPU data</a:t>
-            </a:r>
-            <a:endParaRPr lang="en-US" sz="2200" dirty="0" smtClean="0"/>
-          </a:p>
-        </p:txBody>
-      </p:sp>
-    </p:spTree>
-    <p:extLst>
-      <p:ext uri="{BB962C8B-B14F-4D97-AF65-F5344CB8AC3E}">
-        <p14:creationId xmlns:p14="http://schemas.microsoft.com/office/powerpoint/2010/main" val="2077487818"/>
-      </p:ext>
-    </p:extLst>
-  </p:cSld>
-  <p:clrMapOvr>
-    <a:masterClrMapping/>
-  </p:clrMapOvr>
-  <mc:AlternateContent xmlns:mc="http://schemas.openxmlformats.org/markup-compatibility/2006" xmlns:p14="http://schemas.microsoft.com/office/powerpoint/2010/main">
-    <mc:Choice Requires="p14">
-      <p:transition spd="med" p14:dur="700">
-        <p:fade/>
-      </p:transition>
-    </mc:Choice>
-    <mc:Fallback xmlns="">
-      <p:transition spd="med">
-        <p:fade/>
-      </p:transition>
-    </mc:Fallback>
-  </mc:AlternateContent>
-</p:sld>
-</file>
-
-<file path=ppt/slides/slide18.xml><?xml version="1.0" encoding="utf-8"?>
-<p:sld xmlns:a="http://schemas.openxmlformats.org/drawingml/2006/main" xmlns:r="http://schemas.openxmlformats.org/officeDocument/2006/relationships" xmlns:p="http://schemas.openxmlformats.org/presentationml/2006/main">
-  <p:cSld>
-    <p:spTree>
-      <p:nvGrpSpPr>
-        <p:cNvPr id="1" name=""/>
-        <p:cNvGrpSpPr/>
-        <p:nvPr/>
-      </p:nvGrpSpPr>
-      <p:grpSpPr>
-        <a:xfrm>
-          <a:off x="0" y="0"/>
-          <a:ext cx="0" cy="0"/>
-          <a:chOff x="0" y="0"/>
-          <a:chExt cx="0" cy="0"/>
-        </a:xfrm>
-      </p:grpSpPr>
-      <p:sp>
-        <p:nvSpPr>
-          <p:cNvPr id="2" name="Title 1"/>
-          <p:cNvSpPr>
-            <a:spLocks noGrp="1"/>
-          </p:cNvSpPr>
-          <p:nvPr>
-            <p:ph type="title"/>
-          </p:nvPr>
-        </p:nvSpPr>
-        <p:spPr>
-          <a:xfrm>
-            <a:off x="609441" y="260648"/>
-            <a:ext cx="10969943" cy="446112"/>
-          </a:xfrm>
-        </p:spPr>
-        <p:txBody>
-          <a:bodyPr/>
-          <a:lstStyle/>
-          <a:p>
-            <a:r>
-              <a:rPr lang="en-US" dirty="0" smtClean="0"/>
-              <a:t>Conclusions</a:t>
-            </a:r>
-            <a:endParaRPr lang="en-US" dirty="0"/>
-          </a:p>
-        </p:txBody>
-      </p:sp>
-      <p:sp>
-        <p:nvSpPr>
-          <p:cNvPr id="3" name="Content Placeholder 2"/>
-          <p:cNvSpPr>
-            <a:spLocks noGrp="1"/>
-          </p:cNvSpPr>
-          <p:nvPr>
-            <p:ph idx="1"/>
-          </p:nvPr>
-        </p:nvSpPr>
-        <p:spPr/>
-        <p:txBody>
-          <a:bodyPr/>
-          <a:lstStyle/>
-          <a:p>
-            <a:r>
-              <a:rPr lang="en-US" dirty="0" smtClean="0"/>
-              <a:t>Compression is an absolute must as data volumes start to really grow.</a:t>
-            </a:r>
-          </a:p>
-          <a:p>
-            <a:r>
-              <a:rPr lang="en-US" dirty="0" smtClean="0"/>
-              <a:t>Sorting your data can yield significant improvements on storage size.</a:t>
-            </a:r>
-          </a:p>
-          <a:p>
-            <a:r>
-              <a:rPr lang="en-US" dirty="0" smtClean="0"/>
-              <a:t>There is a small price to pay for combining parent/child tables into one table.</a:t>
-            </a:r>
-          </a:p>
-          <a:p>
-            <a:pPr lvl="1"/>
-            <a:r>
-              <a:rPr lang="en-US" dirty="0" smtClean="0"/>
-              <a:t>There is a large improvement in query performance when these tables are combined.</a:t>
-            </a:r>
-          </a:p>
-          <a:p>
-            <a:r>
-              <a:rPr lang="en-US" dirty="0"/>
-              <a:t>N</a:t>
-            </a:r>
-            <a:r>
-              <a:rPr lang="en-US" dirty="0" smtClean="0"/>
-              <a:t>ormalizing warehouse data may result in smaller storage requirements, but greatly increases the complexity of a system.</a:t>
-            </a:r>
-          </a:p>
-          <a:p>
-            <a:pPr lvl="1"/>
-            <a:r>
-              <a:rPr lang="en-US" dirty="0" smtClean="0"/>
-              <a:t>For my system I really wish we would have never started off doing this and I am strongly considering backing out of that decision.</a:t>
-            </a:r>
-            <a:endParaRPr lang="en-US" dirty="0"/>
-          </a:p>
-        </p:txBody>
-      </p:sp>
-    </p:spTree>
-    <p:extLst>
-      <p:ext uri="{BB962C8B-B14F-4D97-AF65-F5344CB8AC3E}">
-        <p14:creationId xmlns:p14="http://schemas.microsoft.com/office/powerpoint/2010/main" val="1722662494"/>
-      </p:ext>
-    </p:extLst>
-  </p:cSld>
-  <p:clrMapOvr>
-    <a:masterClrMapping/>
-  </p:clrMapOvr>
-  <mc:AlternateContent xmlns:mc="http://schemas.openxmlformats.org/markup-compatibility/2006" xmlns:p14="http://schemas.microsoft.com/office/powerpoint/2010/main">
-    <mc:Choice Requires="p14">
-      <p:transition spd="med" p14:dur="700">
-        <p:fade/>
-      </p:transition>
-    </mc:Choice>
-    <mc:Fallback xmlns="">
-      <p:transition spd="med">
-        <p:fade/>
-      </p:transition>
-    </mc:Fallback>
-  </mc:AlternateContent>
-</p:sld>
-</file>
-
-<file path=ppt/slides/slide19.xml><?xml version="1.0" encoding="utf-8"?>
-<p:sld xmlns:a="http://schemas.openxmlformats.org/drawingml/2006/main" xmlns:r="http://schemas.openxmlformats.org/officeDocument/2006/relationships" xmlns:p="http://schemas.openxmlformats.org/presentationml/2006/main">
-  <p:cSld>
-    <p:spTree>
-      <p:nvGrpSpPr>
-        <p:cNvPr id="1" name=""/>
-        <p:cNvGrpSpPr/>
-        <p:nvPr/>
-      </p:nvGrpSpPr>
-      <p:grpSpPr>
-        <a:xfrm>
-          <a:off x="0" y="0"/>
-          <a:ext cx="0" cy="0"/>
-          <a:chOff x="0" y="0"/>
-          <a:chExt cx="0" cy="0"/>
-        </a:xfrm>
-      </p:grpSpPr>
-      <p:sp>
-        <p:nvSpPr>
-          <p:cNvPr id="2" name="Title 1"/>
-          <p:cNvSpPr>
-            <a:spLocks noGrp="1"/>
-          </p:cNvSpPr>
-          <p:nvPr>
-            <p:ph type="title"/>
-          </p:nvPr>
-        </p:nvSpPr>
-        <p:spPr/>
-        <p:txBody>
-          <a:bodyPr/>
-          <a:lstStyle/>
-          <a:p>
-            <a:r>
-              <a:rPr lang="en-US" dirty="0" smtClean="0"/>
-              <a:t>Thank you</a:t>
-            </a:r>
-            <a:endParaRPr lang="en-US" dirty="0"/>
-          </a:p>
-        </p:txBody>
-      </p:sp>
-      <p:sp>
-        <p:nvSpPr>
-          <p:cNvPr id="5" name="Content Placeholder 2"/>
-          <p:cNvSpPr txBox="1">
-            <a:spLocks/>
-          </p:cNvSpPr>
-          <p:nvPr/>
-        </p:nvSpPr>
-        <p:spPr>
-          <a:xfrm>
-            <a:off x="609441" y="1295401"/>
-            <a:ext cx="10969943" cy="4800600"/>
-          </a:xfrm>
-          <a:prstGeom prst="rect">
-            <a:avLst/>
-          </a:prstGeom>
-        </p:spPr>
-        <p:txBody>
-          <a:bodyPr vert="horz" lIns="0" tIns="0" rIns="0" bIns="0" rtlCol="0" anchor="t">
-            <a:noAutofit/>
-          </a:bodyPr>
-          <a:lstStyle>
-            <a:lvl1pPr marL="0" indent="0" algn="l" defTabSz="914400" rtl="0" eaLnBrk="1" latinLnBrk="0" hangingPunct="1">
-              <a:lnSpc>
-                <a:spcPct val="90000"/>
-              </a:lnSpc>
-              <a:spcBef>
-                <a:spcPts val="600"/>
-              </a:spcBef>
-              <a:buFont typeface="HP Simplified" panose="020B0604020204020204" pitchFamily="34" charset="0"/>
-              <a:buNone/>
-              <a:defRPr sz="1800" kern="1200">
-                <a:solidFill>
-                  <a:schemeClr val="tx1"/>
-                </a:solidFill>
-                <a:latin typeface="+mn-lt"/>
-                <a:ea typeface="+mn-ea"/>
-                <a:cs typeface="+mn-cs"/>
-              </a:defRPr>
-            </a:lvl1pPr>
-            <a:lvl2pPr marL="457200" indent="0" algn="l" defTabSz="914400" rtl="0" eaLnBrk="1" latinLnBrk="0" hangingPunct="1">
-              <a:lnSpc>
-                <a:spcPct val="90000"/>
-              </a:lnSpc>
-              <a:spcBef>
-                <a:spcPts val="800"/>
-              </a:spcBef>
-              <a:buSzPct val="80000"/>
-              <a:buFont typeface="HP Simplified" panose="020B0604020204020204" pitchFamily="34" charset="0"/>
-              <a:buNone/>
-              <a:defRPr sz="1800" kern="1200">
-                <a:solidFill>
-                  <a:schemeClr val="tx1">
-                    <a:tint val="75000"/>
-                  </a:schemeClr>
-                </a:solidFill>
-                <a:latin typeface="+mn-lt"/>
-                <a:ea typeface="+mn-ea"/>
-                <a:cs typeface="+mn-cs"/>
-              </a:defRPr>
-            </a:lvl2pPr>
-            <a:lvl3pPr marL="914400" indent="0" algn="l" defTabSz="914400" rtl="0" eaLnBrk="1" latinLnBrk="0" hangingPunct="1">
-              <a:lnSpc>
-                <a:spcPct val="90000"/>
-              </a:lnSpc>
-              <a:spcBef>
-                <a:spcPts val="600"/>
-              </a:spcBef>
-              <a:buFont typeface="HP Simplified" panose="020B0604020204020204" pitchFamily="34" charset="0"/>
-              <a:buNone/>
-              <a:defRPr sz="1600" kern="1200">
-                <a:solidFill>
-                  <a:schemeClr val="tx1">
-                    <a:tint val="75000"/>
-                  </a:schemeClr>
-                </a:solidFill>
-                <a:latin typeface="+mn-lt"/>
-                <a:ea typeface="+mn-ea"/>
-                <a:cs typeface="+mn-cs"/>
-              </a:defRPr>
-            </a:lvl3pPr>
-            <a:lvl4pPr marL="1371600" indent="0" algn="l" defTabSz="914400" rtl="0" eaLnBrk="1" latinLnBrk="0" hangingPunct="1">
-              <a:lnSpc>
-                <a:spcPct val="90000"/>
-              </a:lnSpc>
-              <a:spcBef>
-                <a:spcPts val="600"/>
-              </a:spcBef>
-              <a:buSzPct val="80000"/>
-              <a:buFont typeface="HP Simplified" panose="020B0604020204020204" pitchFamily="34" charset="0"/>
-              <a:buNone/>
-              <a:defRPr sz="1400" kern="1200">
-                <a:solidFill>
-                  <a:schemeClr val="tx1">
-                    <a:tint val="75000"/>
-                  </a:schemeClr>
-                </a:solidFill>
-                <a:latin typeface="+mn-lt"/>
-                <a:ea typeface="+mn-ea"/>
-                <a:cs typeface="+mn-cs"/>
-              </a:defRPr>
-            </a:lvl4pPr>
-            <a:lvl5pPr marL="1828800" indent="0" algn="l" defTabSz="914400" rtl="0" eaLnBrk="1" latinLnBrk="0" hangingPunct="1">
-              <a:lnSpc>
-                <a:spcPct val="90000"/>
-              </a:lnSpc>
-              <a:spcBef>
-                <a:spcPts val="600"/>
-              </a:spcBef>
-              <a:buFont typeface="HP Simplified" panose="020B0604020204020204" pitchFamily="34" charset="0"/>
-              <a:buNone/>
-              <a:defRPr sz="1400" kern="1200">
-                <a:solidFill>
-                  <a:schemeClr val="tx1">
-                    <a:tint val="75000"/>
-                  </a:schemeClr>
-                </a:solidFill>
-                <a:latin typeface="+mn-lt"/>
-                <a:ea typeface="+mn-ea"/>
-                <a:cs typeface="+mn-cs"/>
-              </a:defRPr>
-            </a:lvl5pPr>
-            <a:lvl6pPr marL="2286000" indent="0" algn="l" defTabSz="914400" rtl="0" eaLnBrk="1" latinLnBrk="0" hangingPunct="1">
-              <a:lnSpc>
-                <a:spcPct val="90000"/>
-              </a:lnSpc>
-              <a:spcBef>
-                <a:spcPts val="600"/>
-              </a:spcBef>
-              <a:buSzPct val="80000"/>
-              <a:buFont typeface="HP Simplified" panose="020B0604020204020204" pitchFamily="34" charset="0"/>
-              <a:buNone/>
-              <a:defRPr sz="1400" kern="1200">
-                <a:solidFill>
-                  <a:schemeClr val="tx1">
-                    <a:tint val="75000"/>
-                  </a:schemeClr>
-                </a:solidFill>
-                <a:latin typeface="+mn-lt"/>
-                <a:ea typeface="+mn-ea"/>
-                <a:cs typeface="+mn-cs"/>
-              </a:defRPr>
-            </a:lvl6pPr>
-            <a:lvl7pPr marL="2743200" indent="0" algn="l" defTabSz="914400" rtl="0" eaLnBrk="1" latinLnBrk="0" hangingPunct="1">
-              <a:lnSpc>
-                <a:spcPct val="90000"/>
-              </a:lnSpc>
-              <a:spcBef>
-                <a:spcPts val="600"/>
-              </a:spcBef>
-              <a:buFont typeface="HP Simplified" panose="020B0604020204020204" pitchFamily="34" charset="0"/>
-              <a:buNone/>
-              <a:defRPr sz="1400" kern="1200">
-                <a:solidFill>
-                  <a:schemeClr val="tx1">
-                    <a:tint val="75000"/>
-                  </a:schemeClr>
-                </a:solidFill>
-                <a:latin typeface="+mn-lt"/>
-                <a:ea typeface="+mn-ea"/>
-                <a:cs typeface="+mn-cs"/>
-              </a:defRPr>
-            </a:lvl7pPr>
-            <a:lvl8pPr marL="3200400" indent="0" algn="l" defTabSz="914400" rtl="0" eaLnBrk="1" latinLnBrk="0" hangingPunct="1">
-              <a:lnSpc>
-                <a:spcPct val="90000"/>
-              </a:lnSpc>
-              <a:spcBef>
-                <a:spcPts val="600"/>
-              </a:spcBef>
-              <a:buSzPct val="80000"/>
-              <a:buFont typeface="HP Simplified" panose="020B0604020204020204" pitchFamily="34" charset="0"/>
-              <a:buNone/>
-              <a:defRPr sz="1400" kern="1200">
-                <a:solidFill>
-                  <a:schemeClr val="tx1">
-                    <a:tint val="75000"/>
-                  </a:schemeClr>
-                </a:solidFill>
-                <a:latin typeface="+mn-lt"/>
-                <a:ea typeface="+mn-ea"/>
-                <a:cs typeface="+mn-cs"/>
-              </a:defRPr>
-            </a:lvl8pPr>
-            <a:lvl9pPr marL="3657600" indent="0" algn="l" defTabSz="914400" rtl="0" eaLnBrk="1" latinLnBrk="0" hangingPunct="1">
-              <a:lnSpc>
-                <a:spcPct val="90000"/>
-              </a:lnSpc>
-              <a:spcBef>
-                <a:spcPts val="600"/>
-              </a:spcBef>
-              <a:buFont typeface="HP Simplified" panose="020B0604020204020204" pitchFamily="34" charset="0"/>
-              <a:buNone/>
-              <a:defRPr sz="1400" kern="1200">
-                <a:solidFill>
-                  <a:schemeClr val="tx1">
-                    <a:tint val="75000"/>
-                  </a:schemeClr>
-                </a:solidFill>
-                <a:latin typeface="+mn-lt"/>
-                <a:ea typeface="+mn-ea"/>
-                <a:cs typeface="+mn-cs"/>
-              </a:defRPr>
-            </a:lvl9pPr>
-          </a:lstStyle>
-          <a:p>
-            <a:r>
-              <a:rPr lang="en-US" dirty="0" err="1" smtClean="0"/>
-              <a:t>Hotsos</a:t>
-            </a:r>
-            <a:r>
-              <a:rPr lang="en-US" dirty="0" smtClean="0"/>
-              <a:t>!</a:t>
-            </a:r>
-          </a:p>
-          <a:p>
-            <a:r>
-              <a:rPr lang="en-US" dirty="0" smtClean="0"/>
-              <a:t>OSU Computer Science Students</a:t>
-            </a:r>
-          </a:p>
-          <a:p>
-            <a:pPr lvl="1"/>
-            <a:r>
-              <a:rPr lang="en-US" dirty="0" smtClean="0"/>
-              <a:t>Alex Schultz</a:t>
-            </a:r>
-          </a:p>
-          <a:p>
-            <a:pPr lvl="1"/>
-            <a:r>
-              <a:rPr lang="en-US" dirty="0" smtClean="0"/>
-              <a:t>Dylan Davis</a:t>
-            </a:r>
-          </a:p>
-          <a:p>
-            <a:pPr lvl="1"/>
-            <a:r>
-              <a:rPr lang="en-US" dirty="0" smtClean="0"/>
-              <a:t>Trevor Hammock</a:t>
-            </a:r>
-          </a:p>
-          <a:p>
-            <a:r>
-              <a:rPr lang="en-US" dirty="0" smtClean="0"/>
-              <a:t>All the great Oracle Bloggers</a:t>
-            </a:r>
-          </a:p>
-          <a:p>
-            <a:pPr lvl="1"/>
-            <a:endParaRPr lang="en-US" dirty="0"/>
-          </a:p>
-        </p:txBody>
-      </p:sp>
-    </p:spTree>
-    <p:extLst>
-      <p:ext uri="{BB962C8B-B14F-4D97-AF65-F5344CB8AC3E}">
-        <p14:creationId xmlns:p14="http://schemas.microsoft.com/office/powerpoint/2010/main" val="351003056"/>
-      </p:ext>
-    </p:extLst>
-  </p:cSld>
-  <p:clrMapOvr>
-    <a:masterClrMapping/>
-  </p:clrMapOvr>
-  <mc:AlternateContent xmlns:mc="http://schemas.openxmlformats.org/markup-compatibility/2006" xmlns:p14="http://schemas.microsoft.com/office/powerpoint/2010/main">
-    <mc:Choice Requires="p14">
-      <p:transition spd="med" p14:dur="700">
-        <p:fade/>
-      </p:transition>
-    </mc:Choice>
-    <mc:Fallback xmlns="">
-      <p:transition spd="med">
-        <p:fade/>
-      </p:transition>
-    </mc:Fallback>
-  </mc:AlternateContent>
-  <p:timing>
-    <p:tnLst>
-      <p:par>
-        <p:cTn id="1" dur="indefinite" restart="never" nodeType="tmRoot"/>
-      </p:par>
-    </p:tnLst>
-  </p:timing>
-</p:sld>
-</file>
-
 <file path=ppt/slides/slide2.xml><?xml version="1.0" encoding="utf-8"?>
 <p:sld xmlns:a="http://schemas.openxmlformats.org/drawingml/2006/main" xmlns:r="http://schemas.openxmlformats.org/officeDocument/2006/relationships" xmlns:p="http://schemas.openxmlformats.org/presentationml/2006/main">
   <p:cSld>
@@ -28856,7 +28984,7 @@
         <p:spPr>
           <a:xfrm>
             <a:off x="1721474" y="1544283"/>
-            <a:ext cx="5918307" cy="2505041"/>
+            <a:ext cx="5918307" cy="2892829"/>
           </a:xfrm>
           <a:prstGeom prst="rect">
             <a:avLst/>
@@ -28910,6 +29038,21 @@
               <a:buFont typeface="Courier New" panose="02070309020205020404" pitchFamily="49" charset="0"/>
               <a:buChar char="o"/>
             </a:pPr>
+            <a:r>
+              <a:rPr lang="en-US" sz="1799" dirty="0" smtClean="0">
+                <a:solidFill>
+                  <a:prstClr val="black"/>
+                </a:solidFill>
+              </a:rPr>
+              <a:t>FREE !!</a:t>
+            </a:r>
+            <a:br>
+              <a:rPr lang="en-US" sz="1799" dirty="0" smtClean="0">
+                <a:solidFill>
+                  <a:prstClr val="black"/>
+                </a:solidFill>
+              </a:rPr>
+            </a:br>
             <a:endParaRPr lang="en-US" sz="1799" dirty="0">
               <a:solidFill>
                 <a:prstClr val="black"/>
@@ -28947,8 +29090,47 @@
                   <a:prstClr val="black"/>
                 </a:solidFill>
               </a:rPr>
-              <a:t>Like basic but can be used for active tables</a:t>
-            </a:r>
+              <a:t>Like basic but can be used for active </a:t>
+            </a:r>
+            <a:r>
+              <a:rPr lang="en-US" sz="1799" dirty="0" smtClean="0">
+                <a:solidFill>
+                  <a:prstClr val="black"/>
+                </a:solidFill>
+              </a:rPr>
+              <a:t>tables</a:t>
+            </a:r>
+          </a:p>
+          <a:p>
+            <a:pPr marL="799860" lvl="1" indent="-342797">
+              <a:lnSpc>
+                <a:spcPct val="90000"/>
+              </a:lnSpc>
+              <a:buFont typeface="Courier New" panose="02070309020205020404" pitchFamily="49" charset="0"/>
+              <a:buChar char="o"/>
+            </a:pPr>
+            <a:r>
+              <a:rPr lang="en-US" sz="1799" dirty="0" smtClean="0">
+                <a:solidFill>
+                  <a:prstClr val="black"/>
+                </a:solidFill>
+              </a:rPr>
+              <a:t>Not free </a:t>
+            </a:r>
+            <a:r>
+              <a:rPr lang="en-US" sz="1799" dirty="0" smtClean="0">
+                <a:solidFill>
+                  <a:prstClr val="black"/>
+                </a:solidFill>
+                <a:sym typeface="Wingdings" panose="05000000000000000000" pitchFamily="2" charset="2"/>
+              </a:rPr>
+              <a:t></a:t>
+            </a:r>
+            <a:endParaRPr lang="en-US" sz="1799" dirty="0">
+              <a:solidFill>
+                <a:prstClr val="black"/>
+              </a:solidFill>
+            </a:endParaRPr>
           </a:p>
           <a:p>
             <a:pPr marL="799860" lvl="1" indent="-342797">
@@ -30859,17 +31041,9 @@
                   <a:prstClr val="black"/>
                 </a:solidFill>
               </a:rPr>
-              <a:t>Finding</a:t>
-            </a:r>
-            <a:r>
-              <a:rPr lang="en-US" sz="3199" dirty="0">
-                <a:solidFill>
-                  <a:prstClr val="black"/>
-                </a:solidFill>
-              </a:rPr>
-              <a:t> Tokens </a:t>
-            </a:r>
-            <a:endParaRPr lang="en-GB" sz="3199" dirty="0">
+              <a:t>Finding Tokens </a:t>
+            </a:r>
+            <a:endParaRPr lang="en-GB" dirty="0">
               <a:solidFill>
                 <a:prstClr val="black"/>
               </a:solidFill>

--- a/compression_sand_weiss_hotsos_2018.pptx
+++ b/compression_sand_weiss_hotsos_2018.pptx
@@ -6,36 +6,38 @@
     <p:sldMasterId id="2147483679" r:id="rId2"/>
   </p:sldMasterIdLst>
   <p:notesMasterIdLst>
-    <p:notesMasterId r:id="rId22"/>
+    <p:notesMasterId r:id="rId24"/>
   </p:notesMasterIdLst>
   <p:handoutMasterIdLst>
-    <p:handoutMasterId r:id="rId23"/>
+    <p:handoutMasterId r:id="rId25"/>
   </p:handoutMasterIdLst>
   <p:sldIdLst>
     <p:sldId id="256" r:id="rId3"/>
     <p:sldId id="297" r:id="rId4"/>
     <p:sldId id="298" r:id="rId5"/>
-    <p:sldId id="299" r:id="rId6"/>
-    <p:sldId id="300" r:id="rId7"/>
-    <p:sldId id="301" r:id="rId8"/>
-    <p:sldId id="302" r:id="rId9"/>
-    <p:sldId id="303" r:id="rId10"/>
-    <p:sldId id="289" r:id="rId11"/>
-    <p:sldId id="295" r:id="rId12"/>
-    <p:sldId id="290" r:id="rId13"/>
-    <p:sldId id="288" r:id="rId14"/>
-    <p:sldId id="292" r:id="rId15"/>
-    <p:sldId id="291" r:id="rId16"/>
-    <p:sldId id="293" r:id="rId17"/>
-    <p:sldId id="304" r:id="rId18"/>
-    <p:sldId id="296" r:id="rId19"/>
-    <p:sldId id="287" r:id="rId20"/>
-    <p:sldId id="294" r:id="rId21"/>
+    <p:sldId id="306" r:id="rId6"/>
+    <p:sldId id="299" r:id="rId7"/>
+    <p:sldId id="300" r:id="rId8"/>
+    <p:sldId id="301" r:id="rId9"/>
+    <p:sldId id="302" r:id="rId10"/>
+    <p:sldId id="303" r:id="rId11"/>
+    <p:sldId id="305" r:id="rId12"/>
+    <p:sldId id="289" r:id="rId13"/>
+    <p:sldId id="295" r:id="rId14"/>
+    <p:sldId id="290" r:id="rId15"/>
+    <p:sldId id="288" r:id="rId16"/>
+    <p:sldId id="292" r:id="rId17"/>
+    <p:sldId id="291" r:id="rId18"/>
+    <p:sldId id="293" r:id="rId19"/>
+    <p:sldId id="304" r:id="rId20"/>
+    <p:sldId id="296" r:id="rId21"/>
+    <p:sldId id="287" r:id="rId22"/>
+    <p:sldId id="294" r:id="rId23"/>
   </p:sldIdLst>
   <p:sldSz cx="12188825" cy="6858000"/>
   <p:notesSz cx="6858000" cy="9144000"/>
   <p:custDataLst>
-    <p:tags r:id="rId24"/>
+    <p:tags r:id="rId26"/>
   </p:custDataLst>
   <p:defaultTextStyle>
     <a:defPPr>
@@ -272,7 +274,7 @@
           <a:p>
             <a:fld id="{ADCC02A0-C947-4278-96D1-0DB9C063DF55}" type="datetimeFigureOut">
               <a:rPr lang="en-US" smtClean="0"/>
-              <a:t>2018-02-22</a:t>
+              <a:t>2018-02-28</a:t>
             </a:fld>
             <a:endParaRPr lang="en-US"/>
           </a:p>
@@ -781,12 +783,7 @@
             <p:ph type="sldImg"/>
           </p:nvPr>
         </p:nvSpPr>
-        <p:spPr>
-          <a:xfrm>
-            <a:off x="381000" y="381000"/>
-            <a:ext cx="4572000" cy="2573338"/>
-          </a:xfrm>
-        </p:spPr>
+        <p:spPr/>
       </p:sp>
       <p:sp>
         <p:nvSpPr>
@@ -803,7 +800,15 @@
           <a:bodyPr/>
           <a:lstStyle/>
           <a:p>
-            <a:endParaRPr lang="en-US" dirty="0"/>
+            <a:r>
+              <a:rPr lang="en-US" dirty="0" smtClean="0"/>
+              <a:t>no</a:t>
+            </a:r>
+            <a:r>
+              <a:rPr lang="en-US" baseline="0" dirty="0" smtClean="0"/>
+              <a:t> need to decompress in buffer cache</a:t>
+            </a:r>
+            <a:endParaRPr lang="en-GB" dirty="0"/>
           </a:p>
         </p:txBody>
       </p:sp>
@@ -825,7 +830,7 @@
             <a:fld id="{8547E1EE-0039-4797-B978-F453418260D1}" type="slidenum">
               <a:rPr lang="en-US" smtClean="0"/>
               <a:pPr/>
-              <a:t>16</a:t>
+              <a:t>10</a:t>
             </a:fld>
             <a:endParaRPr lang="en-US"/>
           </a:p>
@@ -834,7 +839,7 @@
     </p:spTree>
     <p:extLst>
       <p:ext uri="{BB962C8B-B14F-4D97-AF65-F5344CB8AC3E}">
-        <p14:creationId xmlns:p14="http://schemas.microsoft.com/office/powerpoint/2010/main" val="4201202790"/>
+        <p14:creationId xmlns:p14="http://schemas.microsoft.com/office/powerpoint/2010/main" val="1735172723"/>
       </p:ext>
     </p:extLst>
   </p:cSld>
@@ -871,6 +876,91 @@
             <p:ph type="sldImg"/>
           </p:nvPr>
         </p:nvSpPr>
+        <p:spPr/>
+      </p:sp>
+      <p:sp>
+        <p:nvSpPr>
+          <p:cNvPr id="3" name="Notes Placeholder 2"/>
+          <p:cNvSpPr>
+            <a:spLocks noGrp="1"/>
+          </p:cNvSpPr>
+          <p:nvPr>
+            <p:ph type="body" idx="1"/>
+          </p:nvPr>
+        </p:nvSpPr>
+        <p:spPr/>
+        <p:txBody>
+          <a:bodyPr/>
+          <a:lstStyle/>
+          <a:p>
+            <a:endParaRPr lang="en-GB" dirty="0"/>
+          </a:p>
+        </p:txBody>
+      </p:sp>
+      <p:sp>
+        <p:nvSpPr>
+          <p:cNvPr id="4" name="Slide Number Placeholder 3"/>
+          <p:cNvSpPr>
+            <a:spLocks noGrp="1"/>
+          </p:cNvSpPr>
+          <p:nvPr>
+            <p:ph type="sldNum" sz="quarter" idx="10"/>
+          </p:nvPr>
+        </p:nvSpPr>
+        <p:spPr/>
+        <p:txBody>
+          <a:bodyPr/>
+          <a:lstStyle/>
+          <a:p>
+            <a:fld id="{8547E1EE-0039-4797-B978-F453418260D1}" type="slidenum">
+              <a:rPr lang="en-US" smtClean="0"/>
+              <a:pPr/>
+              <a:t>11</a:t>
+            </a:fld>
+            <a:endParaRPr lang="en-US"/>
+          </a:p>
+        </p:txBody>
+      </p:sp>
+    </p:spTree>
+    <p:extLst>
+      <p:ext uri="{BB962C8B-B14F-4D97-AF65-F5344CB8AC3E}">
+        <p14:creationId xmlns:p14="http://schemas.microsoft.com/office/powerpoint/2010/main" val="2697949444"/>
+      </p:ext>
+    </p:extLst>
+  </p:cSld>
+  <p:clrMapOvr>
+    <a:masterClrMapping/>
+  </p:clrMapOvr>
+</p:notes>
+</file>
+
+<file path=ppt/notesSlides/notesSlide12.xml><?xml version="1.0" encoding="utf-8"?>
+<p:notes xmlns:a="http://schemas.openxmlformats.org/drawingml/2006/main" xmlns:r="http://schemas.openxmlformats.org/officeDocument/2006/relationships" xmlns:p="http://schemas.openxmlformats.org/presentationml/2006/main">
+  <p:cSld>
+    <p:spTree>
+      <p:nvGrpSpPr>
+        <p:cNvPr id="1" name=""/>
+        <p:cNvGrpSpPr/>
+        <p:nvPr/>
+      </p:nvGrpSpPr>
+      <p:grpSpPr>
+        <a:xfrm>
+          <a:off x="0" y="0"/>
+          <a:ext cx="0" cy="0"/>
+          <a:chOff x="0" y="0"/>
+          <a:chExt cx="0" cy="0"/>
+        </a:xfrm>
+      </p:grpSpPr>
+      <p:sp>
+        <p:nvSpPr>
+          <p:cNvPr id="2" name="Slide Image Placeholder 1"/>
+          <p:cNvSpPr>
+            <a:spLocks noGrp="1" noRot="1" noChangeAspect="1"/>
+          </p:cNvSpPr>
+          <p:nvPr>
+            <p:ph type="sldImg"/>
+          </p:nvPr>
+        </p:nvSpPr>
         <p:spPr>
           <a:xfrm>
             <a:off x="381000" y="381000"/>
@@ -893,7 +983,7 @@
           <a:bodyPr/>
           <a:lstStyle/>
           <a:p>
-            <a:endParaRPr lang="en-US"/>
+            <a:endParaRPr lang="en-US" dirty="0"/>
           </a:p>
         </p:txBody>
       </p:sp>
@@ -916,6 +1006,96 @@
               <a:rPr lang="en-US" smtClean="0"/>
               <a:pPr/>
               <a:t>18</a:t>
+            </a:fld>
+            <a:endParaRPr lang="en-US"/>
+          </a:p>
+        </p:txBody>
+      </p:sp>
+    </p:spTree>
+    <p:extLst>
+      <p:ext uri="{BB962C8B-B14F-4D97-AF65-F5344CB8AC3E}">
+        <p14:creationId xmlns:p14="http://schemas.microsoft.com/office/powerpoint/2010/main" val="4201202790"/>
+      </p:ext>
+    </p:extLst>
+  </p:cSld>
+  <p:clrMapOvr>
+    <a:masterClrMapping/>
+  </p:clrMapOvr>
+</p:notes>
+</file>
+
+<file path=ppt/notesSlides/notesSlide13.xml><?xml version="1.0" encoding="utf-8"?>
+<p:notes xmlns:a="http://schemas.openxmlformats.org/drawingml/2006/main" xmlns:r="http://schemas.openxmlformats.org/officeDocument/2006/relationships" xmlns:p="http://schemas.openxmlformats.org/presentationml/2006/main">
+  <p:cSld>
+    <p:spTree>
+      <p:nvGrpSpPr>
+        <p:cNvPr id="1" name=""/>
+        <p:cNvGrpSpPr/>
+        <p:nvPr/>
+      </p:nvGrpSpPr>
+      <p:grpSpPr>
+        <a:xfrm>
+          <a:off x="0" y="0"/>
+          <a:ext cx="0" cy="0"/>
+          <a:chOff x="0" y="0"/>
+          <a:chExt cx="0" cy="0"/>
+        </a:xfrm>
+      </p:grpSpPr>
+      <p:sp>
+        <p:nvSpPr>
+          <p:cNvPr id="2" name="Slide Image Placeholder 1"/>
+          <p:cNvSpPr>
+            <a:spLocks noGrp="1" noRot="1" noChangeAspect="1"/>
+          </p:cNvSpPr>
+          <p:nvPr>
+            <p:ph type="sldImg"/>
+          </p:nvPr>
+        </p:nvSpPr>
+        <p:spPr>
+          <a:xfrm>
+            <a:off x="381000" y="381000"/>
+            <a:ext cx="4572000" cy="2573338"/>
+          </a:xfrm>
+        </p:spPr>
+      </p:sp>
+      <p:sp>
+        <p:nvSpPr>
+          <p:cNvPr id="3" name="Notes Placeholder 2"/>
+          <p:cNvSpPr>
+            <a:spLocks noGrp="1"/>
+          </p:cNvSpPr>
+          <p:nvPr>
+            <p:ph type="body" idx="1"/>
+          </p:nvPr>
+        </p:nvSpPr>
+        <p:spPr/>
+        <p:txBody>
+          <a:bodyPr/>
+          <a:lstStyle/>
+          <a:p>
+            <a:endParaRPr lang="en-US"/>
+          </a:p>
+        </p:txBody>
+      </p:sp>
+      <p:sp>
+        <p:nvSpPr>
+          <p:cNvPr id="4" name="Slide Number Placeholder 3"/>
+          <p:cNvSpPr>
+            <a:spLocks noGrp="1"/>
+          </p:cNvSpPr>
+          <p:nvPr>
+            <p:ph type="sldNum" sz="quarter" idx="10"/>
+          </p:nvPr>
+        </p:nvSpPr>
+        <p:spPr/>
+        <p:txBody>
+          <a:bodyPr/>
+          <a:lstStyle/>
+          <a:p>
+            <a:fld id="{8547E1EE-0039-4797-B978-F453418260D1}" type="slidenum">
+              <a:rPr lang="en-US" smtClean="0"/>
+              <a:pPr/>
+              <a:t>20</a:t>
             </a:fld>
             <a:endParaRPr lang="en-US"/>
           </a:p>
@@ -1140,20 +1320,9 @@
             </a:r>
             <a:r>
               <a:rPr lang="en-US" baseline="0" dirty="0" smtClean="0"/>
-              <a:t>)</a:t>
-            </a:r>
-          </a:p>
-          <a:p>
+              <a:t>(new name for all operations))</a:t>
+            </a:r>
             <a:endParaRPr lang="en-US" baseline="0" dirty="0" smtClean="0"/>
-          </a:p>
-          <a:p>
-            <a:r>
-              <a:rPr lang="en-US" baseline="0" dirty="0" smtClean="0"/>
-              <a:t>Mention advanced vs </a:t>
-            </a:r>
-          </a:p>
-          <a:p>
-            <a:endParaRPr lang="en-GB" dirty="0"/>
           </a:p>
         </p:txBody>
       </p:sp>
@@ -1253,6 +1422,14 @@
           <a:bodyPr/>
           <a:lstStyle/>
           <a:p>
+            <a:r>
+              <a:rPr lang="en-US" dirty="0" smtClean="0"/>
+              <a:t>Updates</a:t>
+            </a:r>
+            <a:r>
+              <a:rPr lang="en-US" baseline="0" dirty="0" smtClean="0"/>
+              <a:t> kill compression, cant add/remove columns</a:t>
+            </a:r>
             <a:endParaRPr lang="en-GB" dirty="0"/>
           </a:p>
         </p:txBody>
@@ -1272,29 +1449,19 @@
           <a:bodyPr/>
           <a:lstStyle/>
           <a:p>
-            <a:fld id="{D387C5CD-A09D-43F4-B46B-CCCB3CD96AC3}" type="slidenum">
-              <a:rPr lang="en-GB" smtClean="0">
-                <a:solidFill>
-                  <a:prstClr val="black"/>
-                </a:solidFill>
-                <a:latin typeface="Calibri" panose="020F0502020204030204"/>
-              </a:rPr>
+            <a:fld id="{8547E1EE-0039-4797-B978-F453418260D1}" type="slidenum">
+              <a:rPr lang="en-US" smtClean="0"/>
               <a:pPr/>
               <a:t>4</a:t>
             </a:fld>
-            <a:endParaRPr lang="en-GB">
-              <a:solidFill>
-                <a:prstClr val="black"/>
-              </a:solidFill>
-              <a:latin typeface="Calibri" panose="020F0502020204030204"/>
-            </a:endParaRPr>
+            <a:endParaRPr lang="en-US"/>
           </a:p>
         </p:txBody>
       </p:sp>
     </p:spTree>
     <p:extLst>
       <p:ext uri="{BB962C8B-B14F-4D97-AF65-F5344CB8AC3E}">
-        <p14:creationId xmlns:p14="http://schemas.microsoft.com/office/powerpoint/2010/main" val="2660795345"/>
+        <p14:creationId xmlns:p14="http://schemas.microsoft.com/office/powerpoint/2010/main" val="4005443022"/>
       </p:ext>
     </p:extLst>
   </p:cSld>
@@ -1394,7 +1561,7 @@
     </p:spTree>
     <p:extLst>
       <p:ext uri="{BB962C8B-B14F-4D97-AF65-F5344CB8AC3E}">
-        <p14:creationId xmlns:p14="http://schemas.microsoft.com/office/powerpoint/2010/main" val="815790963"/>
+        <p14:creationId xmlns:p14="http://schemas.microsoft.com/office/powerpoint/2010/main" val="2660795345"/>
       </p:ext>
     </p:extLst>
   </p:cSld>
@@ -1453,23 +1620,6 @@
           <a:bodyPr/>
           <a:lstStyle/>
           <a:p>
-            <a:r>
-              <a:rPr lang="en-US" dirty="0" smtClean="0"/>
-              <a:t>Add table for reference</a:t>
-            </a:r>
-          </a:p>
-          <a:p>
-            <a:endParaRPr lang="en-US" dirty="0" smtClean="0"/>
-          </a:p>
-          <a:p>
-            <a:r>
-              <a:rPr lang="en-US" dirty="0" smtClean="0"/>
-              <a:t>Explain</a:t>
-            </a:r>
-            <a:r>
-              <a:rPr lang="en-US" baseline="0" dirty="0" smtClean="0"/>
-              <a:t> how col1 and col3 random to compress</a:t>
-            </a:r>
             <a:endParaRPr lang="en-GB" dirty="0"/>
           </a:p>
         </p:txBody>
@@ -1511,7 +1661,7 @@
     </p:spTree>
     <p:extLst>
       <p:ext uri="{BB962C8B-B14F-4D97-AF65-F5344CB8AC3E}">
-        <p14:creationId xmlns:p14="http://schemas.microsoft.com/office/powerpoint/2010/main" val="524081310"/>
+        <p14:creationId xmlns:p14="http://schemas.microsoft.com/office/powerpoint/2010/main" val="815790963"/>
       </p:ext>
     </p:extLst>
   </p:cSld>
@@ -1571,12 +1721,21 @@
           <a:lstStyle/>
           <a:p>
             <a:r>
-              <a:rPr lang="en-US" dirty="0" err="1" smtClean="0"/>
-              <a:t>Tolken</a:t>
-            </a:r>
-            <a:r>
               <a:rPr lang="en-US" dirty="0" smtClean="0"/>
-              <a:t> table row header</a:t>
+              <a:t>Add table for reference</a:t>
+            </a:r>
+          </a:p>
+          <a:p>
+            <a:endParaRPr lang="en-US" dirty="0" smtClean="0"/>
+          </a:p>
+          <a:p>
+            <a:r>
+              <a:rPr lang="en-US" dirty="0" smtClean="0"/>
+              <a:t>Explain</a:t>
+            </a:r>
+            <a:r>
+              <a:rPr lang="en-US" baseline="0" dirty="0" smtClean="0"/>
+              <a:t> how col1 and col3 random to compress</a:t>
             </a:r>
             <a:endParaRPr lang="en-GB" dirty="0"/>
           </a:p>
@@ -1619,7 +1778,7 @@
     </p:spTree>
     <p:extLst>
       <p:ext uri="{BB962C8B-B14F-4D97-AF65-F5344CB8AC3E}">
-        <p14:creationId xmlns:p14="http://schemas.microsoft.com/office/powerpoint/2010/main" val="246327001"/>
+        <p14:creationId xmlns:p14="http://schemas.microsoft.com/office/powerpoint/2010/main" val="524081310"/>
       </p:ext>
     </p:extLst>
   </p:cSld>
@@ -1678,48 +1837,14 @@
           <a:bodyPr/>
           <a:lstStyle/>
           <a:p>
-            <a:pPr marL="0" indent="0">
-              <a:buFontTx/>
-              <a:buNone/>
-            </a:pPr>
+            <a:r>
+              <a:rPr lang="en-US" dirty="0" err="1" smtClean="0"/>
+              <a:t>Tolken</a:t>
+            </a:r>
             <a:r>
               <a:rPr lang="en-US" dirty="0" smtClean="0"/>
-              <a:t>This happens</a:t>
-            </a:r>
-            <a:r>
-              <a:rPr lang="en-US" baseline="0" dirty="0" smtClean="0"/>
-              <a:t> at the block level</a:t>
-            </a:r>
-          </a:p>
-          <a:p>
-            <a:pPr marL="0" indent="0">
-              <a:buFontTx/>
-              <a:buNone/>
-            </a:pPr>
-            <a:endParaRPr lang="en-US" baseline="0" dirty="0" smtClean="0"/>
-          </a:p>
-          <a:p>
-            <a:pPr marL="0" indent="0">
-              <a:buFontTx/>
-              <a:buNone/>
-            </a:pPr>
-            <a:r>
-              <a:rPr lang="en-US" baseline="0" dirty="0" smtClean="0"/>
-              <a:t>When does it compress? Formula?</a:t>
-            </a:r>
-          </a:p>
-          <a:p>
-            <a:pPr marL="0" indent="0">
-              <a:buFontTx/>
-              <a:buNone/>
-            </a:pPr>
-            <a:endParaRPr lang="en-US" baseline="0" dirty="0" smtClean="0"/>
-          </a:p>
-          <a:p>
-            <a:pPr marL="0" indent="0">
-              <a:buFontTx/>
-              <a:buNone/>
-            </a:pPr>
+              <a:t> table row header</a:t>
+            </a:r>
             <a:endParaRPr lang="en-GB" dirty="0"/>
           </a:p>
         </p:txBody>
@@ -1761,7 +1886,7 @@
     </p:spTree>
     <p:extLst>
       <p:ext uri="{BB962C8B-B14F-4D97-AF65-F5344CB8AC3E}">
-        <p14:creationId xmlns:p14="http://schemas.microsoft.com/office/powerpoint/2010/main" val="271292092"/>
+        <p14:creationId xmlns:p14="http://schemas.microsoft.com/office/powerpoint/2010/main" val="246327001"/>
       </p:ext>
     </p:extLst>
   </p:cSld>
@@ -1798,7 +1923,12 @@
             <p:ph type="sldImg"/>
           </p:nvPr>
         </p:nvSpPr>
-        <p:spPr/>
+        <p:spPr>
+          <a:xfrm>
+            <a:off x="381000" y="381000"/>
+            <a:ext cx="4572000" cy="2573338"/>
+          </a:xfrm>
+        </p:spPr>
       </p:sp>
       <p:sp>
         <p:nvSpPr>
@@ -1815,6 +1945,48 @@
           <a:bodyPr/>
           <a:lstStyle/>
           <a:p>
+            <a:pPr marL="0" indent="0">
+              <a:buFontTx/>
+              <a:buNone/>
+            </a:pPr>
+            <a:r>
+              <a:rPr lang="en-US" dirty="0" smtClean="0"/>
+              <a:t>This happens</a:t>
+            </a:r>
+            <a:r>
+              <a:rPr lang="en-US" baseline="0" dirty="0" smtClean="0"/>
+              <a:t> at the block level</a:t>
+            </a:r>
+          </a:p>
+          <a:p>
+            <a:pPr marL="0" indent="0">
+              <a:buFontTx/>
+              <a:buNone/>
+            </a:pPr>
+            <a:endParaRPr lang="en-US" baseline="0" dirty="0" smtClean="0"/>
+          </a:p>
+          <a:p>
+            <a:pPr marL="0" indent="0">
+              <a:buFontTx/>
+              <a:buNone/>
+            </a:pPr>
+            <a:r>
+              <a:rPr lang="en-US" baseline="0" dirty="0" smtClean="0"/>
+              <a:t>When does it compress? Formula?</a:t>
+            </a:r>
+          </a:p>
+          <a:p>
+            <a:pPr marL="0" indent="0">
+              <a:buFontTx/>
+              <a:buNone/>
+            </a:pPr>
+            <a:endParaRPr lang="en-US" baseline="0" dirty="0" smtClean="0"/>
+          </a:p>
+          <a:p>
+            <a:pPr marL="0" indent="0">
+              <a:buFontTx/>
+              <a:buNone/>
+            </a:pPr>
             <a:endParaRPr lang="en-GB" dirty="0"/>
           </a:p>
         </p:txBody>
@@ -1834,19 +2006,29 @@
           <a:bodyPr/>
           <a:lstStyle/>
           <a:p>
-            <a:fld id="{8547E1EE-0039-4797-B978-F453418260D1}" type="slidenum">
-              <a:rPr lang="en-US" smtClean="0"/>
+            <a:fld id="{D387C5CD-A09D-43F4-B46B-CCCB3CD96AC3}" type="slidenum">
+              <a:rPr lang="en-GB" smtClean="0">
+                <a:solidFill>
+                  <a:prstClr val="black"/>
+                </a:solidFill>
+                <a:latin typeface="Calibri" panose="020F0502020204030204"/>
+              </a:rPr>
               <a:pPr/>
               <a:t>9</a:t>
             </a:fld>
-            <a:endParaRPr lang="en-US"/>
+            <a:endParaRPr lang="en-GB">
+              <a:solidFill>
+                <a:prstClr val="black"/>
+              </a:solidFill>
+              <a:latin typeface="Calibri" panose="020F0502020204030204"/>
+            </a:endParaRPr>
           </a:p>
         </p:txBody>
       </p:sp>
     </p:spTree>
     <p:extLst>
       <p:ext uri="{BB962C8B-B14F-4D97-AF65-F5344CB8AC3E}">
-        <p14:creationId xmlns:p14="http://schemas.microsoft.com/office/powerpoint/2010/main" val="2697949444"/>
+        <p14:creationId xmlns:p14="http://schemas.microsoft.com/office/powerpoint/2010/main" val="271292092"/>
       </p:ext>
     </p:extLst>
   </p:cSld>
@@ -2122,7 +2304,7 @@
           <a:p>
             <a:fld id="{80C853A8-1CF5-4118-9D6D-C132E8FC53CB}" type="datetimeFigureOut">
               <a:rPr lang="en-US" smtClean="0"/>
-              <a:t>2018-02-22</a:t>
+              <a:t>2018-02-28</a:t>
             </a:fld>
             <a:endParaRPr lang="en-US"/>
           </a:p>
@@ -3221,7 +3403,7 @@
             <a:fld id="{80C853A8-1CF5-4118-9D6D-C132E8FC53CB}" type="datetimeFigureOut">
               <a:rPr lang="en-US" smtClean="0"/>
               <a:pPr/>
-              <a:t>2018-02-22</a:t>
+              <a:t>2018-02-28</a:t>
             </a:fld>
             <a:endParaRPr lang="en-US"/>
           </a:p>
@@ -3427,7 +3609,7 @@
           <a:p>
             <a:fld id="{80C853A8-1CF5-4118-9D6D-C132E8FC53CB}" type="datetimeFigureOut">
               <a:rPr lang="en-US" smtClean="0"/>
-              <a:t>2018-02-22</a:t>
+              <a:t>2018-02-28</a:t>
             </a:fld>
             <a:endParaRPr lang="en-US"/>
           </a:p>
@@ -3564,7 +3746,7 @@
           <a:p>
             <a:fld id="{80C853A8-1CF5-4118-9D6D-C132E8FC53CB}" type="datetimeFigureOut">
               <a:rPr lang="en-US" smtClean="0"/>
-              <a:t>2018-02-22</a:t>
+              <a:t>2018-02-28</a:t>
             </a:fld>
             <a:endParaRPr lang="en-US"/>
           </a:p>
@@ -3856,7 +4038,7 @@
           <a:p>
             <a:fld id="{80C853A8-1CF5-4118-9D6D-C132E8FC53CB}" type="datetimeFigureOut">
               <a:rPr lang="en-US" smtClean="0"/>
-              <a:t>2018-02-22</a:t>
+              <a:t>2018-02-28</a:t>
             </a:fld>
             <a:endParaRPr lang="en-US"/>
           </a:p>
@@ -4246,7 +4428,7 @@
           <a:p>
             <a:fld id="{80C853A8-1CF5-4118-9D6D-C132E8FC53CB}" type="datetimeFigureOut">
               <a:rPr lang="en-US" smtClean="0"/>
-              <a:t>2018-02-22</a:t>
+              <a:t>2018-02-28</a:t>
             </a:fld>
             <a:endParaRPr lang="en-US"/>
           </a:p>
@@ -4383,7 +4565,7 @@
           <a:p>
             <a:fld id="{80C853A8-1CF5-4118-9D6D-C132E8FC53CB}" type="datetimeFigureOut">
               <a:rPr lang="en-US" smtClean="0"/>
-              <a:t>2018-02-22</a:t>
+              <a:t>2018-02-28</a:t>
             </a:fld>
             <a:endParaRPr lang="en-US"/>
           </a:p>
@@ -4595,7 +4777,7 @@
           <a:p>
             <a:fld id="{80C853A8-1CF5-4118-9D6D-C132E8FC53CB}" type="datetimeFigureOut">
               <a:rPr lang="en-US" smtClean="0"/>
-              <a:t>2018-02-22</a:t>
+              <a:t>2018-02-28</a:t>
             </a:fld>
             <a:endParaRPr lang="en-US"/>
           </a:p>
@@ -4911,7 +5093,7 @@
           <a:p>
             <a:fld id="{80C853A8-1CF5-4118-9D6D-C132E8FC53CB}" type="datetimeFigureOut">
               <a:rPr lang="en-US" smtClean="0"/>
-              <a:t>2018-02-22</a:t>
+              <a:t>2018-02-28</a:t>
             </a:fld>
             <a:endParaRPr lang="en-US"/>
           </a:p>
@@ -5371,7 +5553,7 @@
           <a:p>
             <a:fld id="{80C853A8-1CF5-4118-9D6D-C132E8FC53CB}" type="datetimeFigureOut">
               <a:rPr lang="en-US" smtClean="0"/>
-              <a:t>2018-02-22</a:t>
+              <a:t>2018-02-28</a:t>
             </a:fld>
             <a:endParaRPr lang="en-US"/>
           </a:p>
@@ -5929,7 +6111,7 @@
           <a:p>
             <a:fld id="{80C853A8-1CF5-4118-9D6D-C132E8FC53CB}" type="datetimeFigureOut">
               <a:rPr lang="en-US" smtClean="0"/>
-              <a:t>2018-02-22</a:t>
+              <a:t>2018-02-28</a:t>
             </a:fld>
             <a:endParaRPr lang="en-US"/>
           </a:p>
@@ -6286,7 +6468,7 @@
             <a:fld id="{80C853A8-1CF5-4118-9D6D-C132E8FC53CB}" type="datetimeFigureOut">
               <a:rPr lang="en-US" smtClean="0"/>
               <a:pPr/>
-              <a:t>2018-02-22</a:t>
+              <a:t>2018-02-28</a:t>
             </a:fld>
             <a:endParaRPr lang="en-US"/>
           </a:p>
@@ -6816,7 +6998,7 @@
           <a:p>
             <a:fld id="{80C853A8-1CF5-4118-9D6D-C132E8FC53CB}" type="datetimeFigureOut">
               <a:rPr lang="en-US" smtClean="0"/>
-              <a:t>2018-02-22</a:t>
+              <a:t>2018-02-28</a:t>
             </a:fld>
             <a:endParaRPr lang="en-US"/>
           </a:p>
@@ -7219,7 +7401,7 @@
           <a:p>
             <a:fld id="{80C853A8-1CF5-4118-9D6D-C132E8FC53CB}" type="datetimeFigureOut">
               <a:rPr lang="en-US" smtClean="0"/>
-              <a:t>2018-02-22</a:t>
+              <a:t>2018-02-28</a:t>
             </a:fld>
             <a:endParaRPr lang="en-US"/>
           </a:p>
@@ -7832,7 +8014,7 @@
           <a:p>
             <a:fld id="{80C853A8-1CF5-4118-9D6D-C132E8FC53CB}" type="datetimeFigureOut">
               <a:rPr lang="en-US" smtClean="0"/>
-              <a:t>2018-02-22</a:t>
+              <a:t>2018-02-28</a:t>
             </a:fld>
             <a:endParaRPr lang="en-US"/>
           </a:p>
@@ -8704,7 +8886,7 @@
           <a:p>
             <a:fld id="{80C853A8-1CF5-4118-9D6D-C132E8FC53CB}" type="datetimeFigureOut">
               <a:rPr lang="en-US" smtClean="0"/>
-              <a:t>2018-02-22</a:t>
+              <a:t>2018-02-28</a:t>
             </a:fld>
             <a:endParaRPr lang="en-US"/>
           </a:p>
@@ -8987,7 +9169,7 @@
           <a:p>
             <a:fld id="{80C853A8-1CF5-4118-9D6D-C132E8FC53CB}" type="datetimeFigureOut">
               <a:rPr lang="en-US" smtClean="0"/>
-              <a:t>2018-02-22</a:t>
+              <a:t>2018-02-28</a:t>
             </a:fld>
             <a:endParaRPr lang="en-US"/>
           </a:p>
@@ -9200,7 +9382,7 @@
           <a:p>
             <a:fld id="{80C853A8-1CF5-4118-9D6D-C132E8FC53CB}" type="datetimeFigureOut">
               <a:rPr lang="en-US" smtClean="0"/>
-              <a:t>2018-02-22</a:t>
+              <a:t>2018-02-28</a:t>
             </a:fld>
             <a:endParaRPr lang="en-US"/>
           </a:p>
@@ -9500,7 +9682,7 @@
           <a:p>
             <a:fld id="{80C853A8-1CF5-4118-9D6D-C132E8FC53CB}" type="datetimeFigureOut">
               <a:rPr lang="en-US" smtClean="0"/>
-              <a:t>2018-02-22</a:t>
+              <a:t>2018-02-28</a:t>
             </a:fld>
             <a:endParaRPr lang="en-US"/>
           </a:p>
@@ -9920,7 +10102,7 @@
           <a:p>
             <a:fld id="{80C853A8-1CF5-4118-9D6D-C132E8FC53CB}" type="datetimeFigureOut">
               <a:rPr lang="en-US" smtClean="0"/>
-              <a:t>2018-02-22</a:t>
+              <a:t>2018-02-28</a:t>
             </a:fld>
             <a:endParaRPr lang="en-US"/>
           </a:p>
@@ -10453,7 +10635,7 @@
           <a:p>
             <a:fld id="{80C853A8-1CF5-4118-9D6D-C132E8FC53CB}" type="datetimeFigureOut">
               <a:rPr lang="en-US" smtClean="0"/>
-              <a:t>2018-02-22</a:t>
+              <a:t>2018-02-28</a:t>
             </a:fld>
             <a:endParaRPr lang="en-US"/>
           </a:p>
@@ -10652,7 +10834,7 @@
           <a:p>
             <a:fld id="{80C853A8-1CF5-4118-9D6D-C132E8FC53CB}" type="datetimeFigureOut">
               <a:rPr lang="en-US" smtClean="0"/>
-              <a:t>2018-02-22</a:t>
+              <a:t>2018-02-28</a:t>
             </a:fld>
             <a:endParaRPr lang="en-US"/>
           </a:p>
@@ -10920,7 +11102,7 @@
           <a:p>
             <a:fld id="{80C853A8-1CF5-4118-9D6D-C132E8FC53CB}" type="datetimeFigureOut">
               <a:rPr lang="en-US" smtClean="0"/>
-              <a:t>2018-02-22</a:t>
+              <a:t>2018-02-28</a:t>
             </a:fld>
             <a:endParaRPr lang="en-US"/>
           </a:p>
@@ -11234,7 +11416,7 @@
                 </a:solidFill>
               </a:rPr>
               <a:pPr/>
-              <a:t>22/02/2018</a:t>
+              <a:t>28/02/2018</a:t>
             </a:fld>
             <a:endParaRPr lang="en-GB">
               <a:solidFill>
@@ -11960,7 +12142,7 @@
                 </a:solidFill>
               </a:rPr>
               <a:pPr/>
-              <a:t>22/02/2018</a:t>
+              <a:t>28/02/2018</a:t>
             </a:fld>
             <a:endParaRPr lang="en-GB">
               <a:solidFill>
@@ -12643,7 +12825,7 @@
                 </a:solidFill>
               </a:rPr>
               <a:pPr/>
-              <a:t>22/02/2018</a:t>
+              <a:t>28/02/2018</a:t>
             </a:fld>
             <a:endParaRPr lang="en-GB">
               <a:solidFill>
@@ -13369,7 +13551,7 @@
                 </a:solidFill>
               </a:rPr>
               <a:pPr/>
-              <a:t>22/02/2018</a:t>
+              <a:t>28/02/2018</a:t>
             </a:fld>
             <a:endParaRPr lang="en-GB">
               <a:solidFill>
@@ -14578,7 +14760,7 @@
                 </a:solidFill>
               </a:rPr>
               <a:pPr/>
-              <a:t>22/02/2018</a:t>
+              <a:t>28/02/2018</a:t>
             </a:fld>
             <a:endParaRPr lang="en-GB">
               <a:solidFill>
@@ -15339,7 +15521,7 @@
             <a:fld id="{80C853A8-1CF5-4118-9D6D-C132E8FC53CB}" type="datetimeFigureOut">
               <a:rPr lang="en-US" smtClean="0"/>
               <a:pPr/>
-              <a:t>2018-02-22</a:t>
+              <a:t>2018-02-28</a:t>
             </a:fld>
             <a:endParaRPr lang="en-US"/>
           </a:p>
@@ -15552,7 +15734,7 @@
                 </a:solidFill>
               </a:rPr>
               <a:pPr/>
-              <a:t>22/02/2018</a:t>
+              <a:t>28/02/2018</a:t>
             </a:fld>
             <a:endParaRPr lang="en-GB">
               <a:solidFill>
@@ -15721,7 +15903,7 @@
                 </a:solidFill>
               </a:rPr>
               <a:pPr/>
-              <a:t>22/02/2018</a:t>
+              <a:t>28/02/2018</a:t>
             </a:fld>
             <a:endParaRPr lang="en-GB">
               <a:solidFill>
@@ -16045,7 +16227,7 @@
                 </a:solidFill>
               </a:rPr>
               <a:pPr/>
-              <a:t>22/02/2018</a:t>
+              <a:t>28/02/2018</a:t>
             </a:fld>
             <a:endParaRPr lang="en-GB">
               <a:solidFill>
@@ -16467,7 +16649,7 @@
                 </a:solidFill>
               </a:rPr>
               <a:pPr/>
-              <a:t>22/02/2018</a:t>
+              <a:t>28/02/2018</a:t>
             </a:fld>
             <a:endParaRPr lang="en-GB">
               <a:solidFill>
@@ -16636,7 +16818,7 @@
                 </a:solidFill>
               </a:rPr>
               <a:pPr/>
-              <a:t>22/02/2018</a:t>
+              <a:t>28/02/2018</a:t>
             </a:fld>
             <a:endParaRPr lang="en-GB">
               <a:solidFill>
@@ -16880,7 +17062,7 @@
                 </a:solidFill>
               </a:rPr>
               <a:pPr/>
-              <a:t>22/02/2018</a:t>
+              <a:t>28/02/2018</a:t>
             </a:fld>
             <a:endParaRPr lang="en-GB">
               <a:solidFill>
@@ -17228,7 +17410,7 @@
                 </a:solidFill>
               </a:rPr>
               <a:pPr/>
-              <a:t>22/02/2018</a:t>
+              <a:t>28/02/2018</a:t>
             </a:fld>
             <a:endParaRPr lang="en-GB">
               <a:solidFill>
@@ -17720,7 +17902,7 @@
                 </a:solidFill>
               </a:rPr>
               <a:pPr/>
-              <a:t>22/02/2018</a:t>
+              <a:t>28/02/2018</a:t>
             </a:fld>
             <a:endParaRPr lang="en-GB">
               <a:solidFill>
@@ -18310,7 +18492,7 @@
                 </a:solidFill>
               </a:rPr>
               <a:pPr/>
-              <a:t>22/02/2018</a:t>
+              <a:t>28/02/2018</a:t>
             </a:fld>
             <a:endParaRPr lang="en-GB">
               <a:solidFill>
@@ -18484,7 +18666,7 @@
                 </a:solidFill>
               </a:rPr>
               <a:pPr/>
-              <a:t>22/02/2018</a:t>
+              <a:t>28/02/2018</a:t>
             </a:fld>
             <a:endParaRPr lang="en-GB">
               <a:solidFill>
@@ -19014,7 +19196,7 @@
                 </a:solidFill>
               </a:rPr>
               <a:pPr/>
-              <a:t>22/02/2018</a:t>
+              <a:t>28/02/2018</a:t>
             </a:fld>
             <a:endParaRPr lang="en-GB">
               <a:solidFill>
@@ -19659,7 +19841,7 @@
                 </a:solidFill>
               </a:rPr>
               <a:pPr/>
-              <a:t>22/02/2018</a:t>
+              <a:t>28/02/2018</a:t>
             </a:fld>
             <a:endParaRPr lang="en-GB">
               <a:solidFill>
@@ -20563,7 +20745,7 @@
                 </a:solidFill>
               </a:rPr>
               <a:pPr/>
-              <a:t>22/02/2018</a:t>
+              <a:t>28/02/2018</a:t>
             </a:fld>
             <a:endParaRPr lang="en-GB">
               <a:solidFill>
@@ -20878,7 +21060,7 @@
                 </a:solidFill>
               </a:rPr>
               <a:pPr/>
-              <a:t>22/02/2018</a:t>
+              <a:t>28/02/2018</a:t>
             </a:fld>
             <a:endParaRPr lang="en-GB">
               <a:solidFill>
@@ -21123,7 +21305,7 @@
                 </a:solidFill>
               </a:rPr>
               <a:pPr/>
-              <a:t>22/02/2018</a:t>
+              <a:t>28/02/2018</a:t>
             </a:fld>
             <a:endParaRPr lang="en-GB">
               <a:solidFill>
@@ -21455,7 +21637,7 @@
                 </a:solidFill>
               </a:rPr>
               <a:pPr/>
-              <a:t>22/02/2018</a:t>
+              <a:t>28/02/2018</a:t>
             </a:fld>
             <a:endParaRPr lang="en-GB">
               <a:solidFill>
@@ -21907,7 +22089,7 @@
                 </a:solidFill>
               </a:rPr>
               <a:pPr/>
-              <a:t>22/02/2018</a:t>
+              <a:t>28/02/2018</a:t>
             </a:fld>
             <a:endParaRPr lang="en-GB">
               <a:solidFill>
@@ -22472,7 +22654,7 @@
                 </a:solidFill>
               </a:rPr>
               <a:pPr/>
-              <a:t>22/02/2018</a:t>
+              <a:t>28/02/2018</a:t>
             </a:fld>
             <a:endParaRPr lang="en-GB">
               <a:solidFill>
@@ -22703,7 +22885,7 @@
                 </a:solidFill>
               </a:rPr>
               <a:pPr/>
-              <a:t>22/02/2018</a:t>
+              <a:t>28/02/2018</a:t>
             </a:fld>
             <a:endParaRPr lang="en-GB">
               <a:solidFill>
@@ -23340,7 +23522,7 @@
             <a:fld id="{80C853A8-1CF5-4118-9D6D-C132E8FC53CB}" type="datetimeFigureOut">
               <a:rPr lang="en-US" smtClean="0"/>
               <a:pPr/>
-              <a:t>2018-02-22</a:t>
+              <a:t>2018-02-28</a:t>
             </a:fld>
             <a:endParaRPr lang="en-US"/>
           </a:p>
@@ -24416,7 +24598,7 @@
                 </a:solidFill>
               </a:rPr>
               <a:pPr/>
-              <a:t>22/02/2018</a:t>
+              <a:t>28/02/2018</a:t>
             </a:fld>
             <a:endParaRPr lang="en-GB">
               <a:solidFill>
@@ -25473,6 +25655,207 @@
             <p:ph type="title"/>
           </p:nvPr>
         </p:nvSpPr>
+        <p:spPr/>
+        <p:txBody>
+          <a:bodyPr/>
+          <a:lstStyle/>
+          <a:p>
+            <a:r>
+              <a:rPr lang="en-US" dirty="0" smtClean="0"/>
+              <a:t>Better Buffer Cache</a:t>
+            </a:r>
+            <a:endParaRPr lang="en-GB" dirty="0"/>
+          </a:p>
+        </p:txBody>
+      </p:sp>
+    </p:spTree>
+    <p:extLst>
+      <p:ext uri="{BB962C8B-B14F-4D97-AF65-F5344CB8AC3E}">
+        <p14:creationId xmlns:p14="http://schemas.microsoft.com/office/powerpoint/2010/main" val="3629921321"/>
+      </p:ext>
+    </p:extLst>
+  </p:cSld>
+  <p:clrMapOvr>
+    <a:masterClrMapping/>
+  </p:clrMapOvr>
+  <mc:AlternateContent xmlns:mc="http://schemas.openxmlformats.org/markup-compatibility/2006" xmlns:p14="http://schemas.microsoft.com/office/powerpoint/2010/main">
+    <mc:Choice Requires="p14">
+      <p:transition spd="med" p14:dur="700">
+        <p:fade/>
+      </p:transition>
+    </mc:Choice>
+    <mc:Fallback xmlns="">
+      <p:transition spd="med">
+        <p:fade/>
+      </p:transition>
+    </mc:Fallback>
+  </mc:AlternateContent>
+</p:sld>
+</file>
+
+<file path=ppt/slides/slide11.xml><?xml version="1.0" encoding="utf-8"?>
+<p:sld xmlns:a="http://schemas.openxmlformats.org/drawingml/2006/main" xmlns:r="http://schemas.openxmlformats.org/officeDocument/2006/relationships" xmlns:p="http://schemas.openxmlformats.org/presentationml/2006/main">
+  <p:cSld>
+    <p:spTree>
+      <p:nvGrpSpPr>
+        <p:cNvPr id="1" name=""/>
+        <p:cNvGrpSpPr/>
+        <p:nvPr/>
+      </p:nvGrpSpPr>
+      <p:grpSpPr>
+        <a:xfrm>
+          <a:off x="0" y="0"/>
+          <a:ext cx="0" cy="0"/>
+          <a:chOff x="0" y="0"/>
+          <a:chExt cx="0" cy="0"/>
+        </a:xfrm>
+      </p:grpSpPr>
+      <p:sp>
+        <p:nvSpPr>
+          <p:cNvPr id="2" name="Title 1"/>
+          <p:cNvSpPr>
+            <a:spLocks noGrp="1"/>
+          </p:cNvSpPr>
+          <p:nvPr>
+            <p:ph type="title"/>
+          </p:nvPr>
+        </p:nvSpPr>
+        <p:spPr>
+          <a:xfrm>
+            <a:off x="621804" y="260648"/>
+            <a:ext cx="10969943" cy="473968"/>
+          </a:xfrm>
+        </p:spPr>
+        <p:txBody>
+          <a:bodyPr/>
+          <a:lstStyle/>
+          <a:p>
+            <a:r>
+              <a:rPr lang="en-US" dirty="0" smtClean="0"/>
+              <a:t>Experimental Matrix</a:t>
+            </a:r>
+            <a:endParaRPr lang="en-US" dirty="0"/>
+          </a:p>
+        </p:txBody>
+      </p:sp>
+      <p:sp>
+        <p:nvSpPr>
+          <p:cNvPr id="3" name="Content Placeholder 2"/>
+          <p:cNvSpPr>
+            <a:spLocks noGrp="1"/>
+          </p:cNvSpPr>
+          <p:nvPr>
+            <p:ph idx="1"/>
+          </p:nvPr>
+        </p:nvSpPr>
+        <p:spPr/>
+        <p:txBody>
+          <a:bodyPr/>
+          <a:lstStyle/>
+          <a:p>
+            <a:r>
+              <a:rPr lang="en-US" dirty="0" smtClean="0"/>
+              <a:t>We measured table size after turning the following knobs</a:t>
+            </a:r>
+          </a:p>
+          <a:p>
+            <a:pPr lvl="1"/>
+            <a:r>
+              <a:rPr lang="en-US" dirty="0" smtClean="0"/>
+              <a:t>Compression vs. No Compression</a:t>
+            </a:r>
+          </a:p>
+          <a:p>
+            <a:pPr lvl="1"/>
+            <a:r>
+              <a:rPr lang="en-US" dirty="0" smtClean="0"/>
+              <a:t>Compression while sorting data before inserts</a:t>
+            </a:r>
+          </a:p>
+          <a:p>
+            <a:pPr lvl="1"/>
+            <a:r>
+              <a:rPr lang="en-US" dirty="0" smtClean="0"/>
+              <a:t>Block Size (8K/16K/32K)</a:t>
+            </a:r>
+          </a:p>
+          <a:p>
+            <a:pPr lvl="1"/>
+            <a:r>
+              <a:rPr lang="en-US" dirty="0" smtClean="0"/>
+              <a:t>Separate vs. Combined Parent/Child Tables</a:t>
+            </a:r>
+          </a:p>
+          <a:p>
+            <a:pPr lvl="1"/>
+            <a:r>
+              <a:rPr lang="en-US" dirty="0" smtClean="0"/>
+              <a:t>Normalized vs. </a:t>
+            </a:r>
+            <a:r>
+              <a:rPr lang="en-US" dirty="0" err="1" smtClean="0"/>
+              <a:t>Demornalized</a:t>
+            </a:r>
+            <a:r>
+              <a:rPr lang="en-US" dirty="0" smtClean="0"/>
+              <a:t> data</a:t>
+            </a:r>
+            <a:endParaRPr lang="en-US" dirty="0"/>
+          </a:p>
+        </p:txBody>
+      </p:sp>
+    </p:spTree>
+    <p:extLst>
+      <p:ext uri="{BB962C8B-B14F-4D97-AF65-F5344CB8AC3E}">
+        <p14:creationId xmlns:p14="http://schemas.microsoft.com/office/powerpoint/2010/main" val="1378702126"/>
+      </p:ext>
+    </p:extLst>
+  </p:cSld>
+  <p:clrMapOvr>
+    <a:masterClrMapping/>
+  </p:clrMapOvr>
+  <mc:AlternateContent xmlns:mc="http://schemas.openxmlformats.org/markup-compatibility/2006" xmlns:p14="http://schemas.microsoft.com/office/powerpoint/2010/main">
+    <mc:Choice Requires="p14">
+      <p:transition spd="med" p14:dur="700">
+        <p:fade/>
+      </p:transition>
+    </mc:Choice>
+    <mc:Fallback xmlns="">
+      <p:transition spd="med">
+        <p:fade/>
+      </p:transition>
+    </mc:Fallback>
+  </mc:AlternateContent>
+</p:sld>
+</file>
+
+<file path=ppt/slides/slide12.xml><?xml version="1.0" encoding="utf-8"?>
+<p:sld xmlns:a="http://schemas.openxmlformats.org/drawingml/2006/main" xmlns:r="http://schemas.openxmlformats.org/officeDocument/2006/relationships" xmlns:p="http://schemas.openxmlformats.org/presentationml/2006/main">
+  <p:cSld>
+    <p:spTree>
+      <p:nvGrpSpPr>
+        <p:cNvPr id="1" name=""/>
+        <p:cNvGrpSpPr/>
+        <p:nvPr/>
+      </p:nvGrpSpPr>
+      <p:grpSpPr>
+        <a:xfrm>
+          <a:off x="0" y="0"/>
+          <a:ext cx="0" cy="0"/>
+          <a:chOff x="0" y="0"/>
+          <a:chExt cx="0" cy="0"/>
+        </a:xfrm>
+      </p:grpSpPr>
+      <p:sp>
+        <p:nvSpPr>
+          <p:cNvPr id="2" name="Title 1"/>
+          <p:cNvSpPr>
+            <a:spLocks noGrp="1"/>
+          </p:cNvSpPr>
+          <p:nvPr>
+            <p:ph type="title"/>
+          </p:nvPr>
+        </p:nvSpPr>
         <p:spPr>
           <a:xfrm>
             <a:off x="621804" y="343718"/>
@@ -25680,7 +26063,7 @@
 </p:sld>
 </file>
 
-<file path=ppt/slides/slide11.xml><?xml version="1.0" encoding="utf-8"?>
+<file path=ppt/slides/slide13.xml><?xml version="1.0" encoding="utf-8"?>
 <p:sld xmlns:a="http://schemas.openxmlformats.org/drawingml/2006/main" xmlns:r="http://schemas.openxmlformats.org/officeDocument/2006/relationships" xmlns:p="http://schemas.openxmlformats.org/presentationml/2006/main">
   <p:cSld>
     <p:spTree>
@@ -25819,7 +26202,7 @@
 </p:sld>
 </file>
 
-<file path=ppt/slides/slide12.xml><?xml version="1.0" encoding="utf-8"?>
+<file path=ppt/slides/slide14.xml><?xml version="1.0" encoding="utf-8"?>
 <p:sld xmlns:a="http://schemas.openxmlformats.org/drawingml/2006/main" xmlns:r="http://schemas.openxmlformats.org/officeDocument/2006/relationships" xmlns:p="http://schemas.openxmlformats.org/presentationml/2006/main">
   <p:cSld>
     <p:spTree>
@@ -25969,7 +26352,7 @@
 </p:sld>
 </file>
 
-<file path=ppt/slides/slide13.xml><?xml version="1.0" encoding="utf-8"?>
+<file path=ppt/slides/slide15.xml><?xml version="1.0" encoding="utf-8"?>
 <p:sld xmlns:a="http://schemas.openxmlformats.org/drawingml/2006/main" xmlns:r="http://schemas.openxmlformats.org/officeDocument/2006/relationships" xmlns:p="http://schemas.openxmlformats.org/presentationml/2006/main">
   <p:cSld>
     <p:spTree>
@@ -26111,7 +26494,7 @@
 </p:sld>
 </file>
 
-<file path=ppt/slides/slide14.xml><?xml version="1.0" encoding="utf-8"?>
+<file path=ppt/slides/slide16.xml><?xml version="1.0" encoding="utf-8"?>
 <p:sld xmlns:a="http://schemas.openxmlformats.org/drawingml/2006/main" xmlns:r="http://schemas.openxmlformats.org/officeDocument/2006/relationships" xmlns:p="http://schemas.openxmlformats.org/presentationml/2006/main">
   <p:cSld>
     <p:spTree>
@@ -26452,7 +26835,7 @@
 </p:sld>
 </file>
 
-<file path=ppt/slides/slide15.xml><?xml version="1.0" encoding="utf-8"?>
+<file path=ppt/slides/slide17.xml><?xml version="1.0" encoding="utf-8"?>
 <p:sld xmlns:a="http://schemas.openxmlformats.org/drawingml/2006/main" xmlns:r="http://schemas.openxmlformats.org/officeDocument/2006/relationships" xmlns:p="http://schemas.openxmlformats.org/presentationml/2006/main">
   <p:cSld>
     <p:spTree>
@@ -26785,7 +27168,7 @@
 </p:sld>
 </file>
 
-<file path=ppt/slides/slide16.xml><?xml version="1.0" encoding="utf-8"?>
+<file path=ppt/slides/slide18.xml><?xml version="1.0" encoding="utf-8"?>
 <p:sld xmlns:a="http://schemas.openxmlformats.org/drawingml/2006/main" xmlns:r="http://schemas.openxmlformats.org/officeDocument/2006/relationships" xmlns:p="http://schemas.openxmlformats.org/presentationml/2006/main">
   <p:cSld>
     <p:spTree>
@@ -27156,7 +27539,7 @@
 </p:sld>
 </file>
 
-<file path=ppt/slides/slide17.xml><?xml version="1.0" encoding="utf-8"?>
+<file path=ppt/slides/slide19.xml><?xml version="1.0" encoding="utf-8"?>
 <p:sld xmlns:a="http://schemas.openxmlformats.org/drawingml/2006/main" xmlns:r="http://schemas.openxmlformats.org/officeDocument/2006/relationships" xmlns:p="http://schemas.openxmlformats.org/presentationml/2006/main">
   <p:cSld>
     <p:spTree>
@@ -27285,7 +27668,961 @@
 </p:sld>
 </file>
 
-<file path=ppt/slides/slide18.xml><?xml version="1.0" encoding="utf-8"?>
+<file path=ppt/slides/slide2.xml><?xml version="1.0" encoding="utf-8"?>
+<p:sld xmlns:a="http://schemas.openxmlformats.org/drawingml/2006/main" xmlns:r="http://schemas.openxmlformats.org/officeDocument/2006/relationships" xmlns:p="http://schemas.openxmlformats.org/presentationml/2006/main">
+  <p:cSld>
+    <p:spTree>
+      <p:nvGrpSpPr>
+        <p:cNvPr id="1" name=""/>
+        <p:cNvGrpSpPr/>
+        <p:nvPr/>
+      </p:nvGrpSpPr>
+      <p:grpSpPr>
+        <a:xfrm>
+          <a:off x="0" y="0"/>
+          <a:ext cx="0" cy="0"/>
+          <a:chOff x="0" y="0"/>
+          <a:chExt cx="0" cy="0"/>
+        </a:xfrm>
+      </p:grpSpPr>
+      <p:sp>
+        <p:nvSpPr>
+          <p:cNvPr id="4" name="Title 3"/>
+          <p:cNvSpPr>
+            <a:spLocks noGrp="1"/>
+          </p:cNvSpPr>
+          <p:nvPr>
+            <p:ph type="title"/>
+          </p:nvPr>
+        </p:nvSpPr>
+        <p:spPr>
+          <a:xfrm>
+            <a:off x="609441" y="246254"/>
+            <a:ext cx="10969943" cy="502591"/>
+          </a:xfrm>
+        </p:spPr>
+        <p:txBody>
+          <a:bodyPr/>
+          <a:lstStyle/>
+          <a:p>
+            <a:r>
+              <a:rPr lang="en-US" sz="2800" dirty="0"/>
+              <a:t>Review of Data Blocks</a:t>
+            </a:r>
+            <a:endParaRPr lang="en-GB" sz="2800" dirty="0"/>
+          </a:p>
+        </p:txBody>
+      </p:sp>
+      <p:sp>
+        <p:nvSpPr>
+          <p:cNvPr id="5" name="TextBox 4"/>
+          <p:cNvSpPr txBox="1"/>
+          <p:nvPr/>
+        </p:nvSpPr>
+        <p:spPr>
+          <a:xfrm>
+            <a:off x="2316677" y="2109364"/>
+            <a:ext cx="9361007" cy="3590201"/>
+          </a:xfrm>
+          <a:prstGeom prst="rect">
+            <a:avLst/>
+          </a:prstGeom>
+          <a:noFill/>
+          <a:ln w="12700" cap="rnd" cmpd="sng">
+            <a:solidFill>
+              <a:schemeClr val="tx1">
+                <a:alpha val="50000"/>
+              </a:schemeClr>
+            </a:solidFill>
+            <a:prstDash val="sysDash"/>
+          </a:ln>
+        </p:spPr>
+        <p:txBody>
+          <a:bodyPr wrap="square" lIns="182832" tIns="182832" rIns="182832" bIns="182832" rtlCol="0">
+            <a:noAutofit/>
+          </a:bodyPr>
+          <a:lstStyle/>
+          <a:p>
+            <a:pPr>
+              <a:lnSpc>
+                <a:spcPct val="90000"/>
+              </a:lnSpc>
+            </a:pPr>
+            <a:r>
+              <a:rPr lang="en-US" sz="1799" dirty="0">
+                <a:solidFill>
+                  <a:srgbClr val="E5E8E8">
+                    <a:lumMod val="75000"/>
+                  </a:srgbClr>
+                </a:solidFill>
+                <a:latin typeface="Consolas" panose="020B0609020204030204" pitchFamily="49" charset="0"/>
+              </a:rPr>
+              <a:t>7FE32965FFF0</a:t>
+            </a:r>
+            <a:r>
+              <a:rPr lang="en-US" sz="1799" dirty="0">
+                <a:solidFill>
+                  <a:prstClr val="black"/>
+                </a:solidFill>
+                <a:latin typeface="Consolas" panose="020B0609020204030204" pitchFamily="49" charset="0"/>
+              </a:rPr>
+              <a:t> 43415004 01012C4B 54415203 7D970601  </a:t>
+            </a:r>
+            <a:r>
+              <a:rPr lang="en-US" sz="1799" b="1" dirty="0">
+                <a:solidFill>
+                  <a:prstClr val="black"/>
+                </a:solidFill>
+                <a:highlight>
+                  <a:srgbClr val="FFFF00"/>
+                </a:highlight>
+                <a:latin typeface="Consolas" panose="020B0609020204030204" pitchFamily="49" charset="0"/>
+                <a:ea typeface="Calibri" panose="020F0502020204030204" pitchFamily="34" charset="0"/>
+                <a:cs typeface="Times New Roman" panose="02020603050405020304" pitchFamily="18" charset="0"/>
+              </a:rPr>
+              <a:t>[.PACK,...RAT...}]</a:t>
+            </a:r>
+          </a:p>
+          <a:p>
+            <a:pPr>
+              <a:lnSpc>
+                <a:spcPct val="90000"/>
+              </a:lnSpc>
+            </a:pPr>
+            <a:endParaRPr lang="en-US" sz="1799" dirty="0">
+              <a:solidFill>
+                <a:prstClr val="black"/>
+              </a:solidFill>
+              <a:latin typeface="Consolas" panose="020B0609020204030204" pitchFamily="49" charset="0"/>
+            </a:endParaRPr>
+          </a:p>
+          <a:p>
+            <a:pPr>
+              <a:lnSpc>
+                <a:spcPct val="90000"/>
+              </a:lnSpc>
+            </a:pPr>
+            <a:r>
+              <a:rPr lang="en-US" sz="1799" dirty="0">
+                <a:solidFill>
+                  <a:prstClr val="black"/>
+                </a:solidFill>
+                <a:latin typeface="Consolas" panose="020B0609020204030204" pitchFamily="49" charset="0"/>
+              </a:rPr>
+              <a:t>0xe:pti[0]      </a:t>
+            </a:r>
+            <a:r>
+              <a:rPr lang="en-US" sz="1799" b="1" dirty="0" err="1">
+                <a:solidFill>
+                  <a:prstClr val="black"/>
+                </a:solidFill>
+                <a:highlight>
+                  <a:srgbClr val="FFFF00"/>
+                </a:highlight>
+                <a:latin typeface="Consolas" panose="020B0609020204030204" pitchFamily="49" charset="0"/>
+                <a:ea typeface="Calibri" panose="020F0502020204030204" pitchFamily="34" charset="0"/>
+                <a:cs typeface="Times New Roman" panose="02020603050405020304" pitchFamily="18" charset="0"/>
+              </a:rPr>
+              <a:t>nrow</a:t>
+            </a:r>
+            <a:r>
+              <a:rPr lang="en-US" sz="1799" b="1" dirty="0">
+                <a:solidFill>
+                  <a:prstClr val="black"/>
+                </a:solidFill>
+                <a:highlight>
+                  <a:srgbClr val="FFFF00"/>
+                </a:highlight>
+                <a:latin typeface="Consolas" panose="020B0609020204030204" pitchFamily="49" charset="0"/>
+                <a:ea typeface="Calibri" panose="020F0502020204030204" pitchFamily="34" charset="0"/>
+                <a:cs typeface="Times New Roman" panose="02020603050405020304" pitchFamily="18" charset="0"/>
+              </a:rPr>
+              <a:t>=2</a:t>
+            </a:r>
+            <a:r>
+              <a:rPr lang="en-US" sz="1799" dirty="0">
+                <a:solidFill>
+                  <a:prstClr val="black"/>
+                </a:solidFill>
+                <a:latin typeface="Consolas" panose="020B0609020204030204" pitchFamily="49" charset="0"/>
+              </a:rPr>
+              <a:t>  offs=0</a:t>
+            </a:r>
+          </a:p>
+          <a:p>
+            <a:pPr>
+              <a:lnSpc>
+                <a:spcPct val="90000"/>
+              </a:lnSpc>
+            </a:pPr>
+            <a:r>
+              <a:rPr lang="en-US" sz="1799" dirty="0">
+                <a:solidFill>
+                  <a:prstClr val="black"/>
+                </a:solidFill>
+                <a:latin typeface="Consolas" panose="020B0609020204030204" pitchFamily="49" charset="0"/>
+              </a:rPr>
+              <a:t>0x12:pri[0]     offs=0x1f91</a:t>
+            </a:r>
+          </a:p>
+          <a:p>
+            <a:pPr>
+              <a:lnSpc>
+                <a:spcPct val="90000"/>
+              </a:lnSpc>
+            </a:pPr>
+            <a:r>
+              <a:rPr lang="en-US" sz="1799" dirty="0">
+                <a:solidFill>
+                  <a:prstClr val="black"/>
+                </a:solidFill>
+                <a:latin typeface="Consolas" panose="020B0609020204030204" pitchFamily="49" charset="0"/>
+              </a:rPr>
+              <a:t>0x14:pri[1]     offs=0x1f89</a:t>
+            </a:r>
+          </a:p>
+          <a:p>
+            <a:pPr>
+              <a:lnSpc>
+                <a:spcPct val="90000"/>
+              </a:lnSpc>
+            </a:pPr>
+            <a:endParaRPr lang="en-US" sz="1799" dirty="0">
+              <a:solidFill>
+                <a:prstClr val="black"/>
+              </a:solidFill>
+              <a:latin typeface="Consolas" panose="020B0609020204030204" pitchFamily="49" charset="0"/>
+            </a:endParaRPr>
+          </a:p>
+          <a:p>
+            <a:pPr>
+              <a:lnSpc>
+                <a:spcPct val="90000"/>
+              </a:lnSpc>
+            </a:pPr>
+            <a:r>
+              <a:rPr lang="en-US" sz="1799" dirty="0" err="1">
+                <a:solidFill>
+                  <a:prstClr val="black"/>
+                </a:solidFill>
+                <a:latin typeface="Consolas" panose="020B0609020204030204" pitchFamily="49" charset="0"/>
+              </a:rPr>
+              <a:t>block_row_dump</a:t>
+            </a:r>
+            <a:r>
+              <a:rPr lang="en-US" sz="1799" dirty="0">
+                <a:solidFill>
+                  <a:prstClr val="black"/>
+                </a:solidFill>
+                <a:latin typeface="Consolas" panose="020B0609020204030204" pitchFamily="49" charset="0"/>
+              </a:rPr>
+              <a:t>:</a:t>
+            </a:r>
+          </a:p>
+          <a:p>
+            <a:pPr>
+              <a:lnSpc>
+                <a:spcPct val="90000"/>
+              </a:lnSpc>
+            </a:pPr>
+            <a:r>
+              <a:rPr lang="en-US" sz="1799" dirty="0">
+                <a:solidFill>
+                  <a:prstClr val="black"/>
+                </a:solidFill>
+                <a:latin typeface="Consolas" panose="020B0609020204030204" pitchFamily="49" charset="0"/>
+              </a:rPr>
+              <a:t>tab 0, </a:t>
+            </a:r>
+            <a:r>
+              <a:rPr lang="en-US" sz="1799" b="1" dirty="0">
+                <a:solidFill>
+                  <a:prstClr val="black"/>
+                </a:solidFill>
+                <a:highlight>
+                  <a:srgbClr val="FFFF00"/>
+                </a:highlight>
+                <a:latin typeface="Consolas" panose="020B0609020204030204" pitchFamily="49" charset="0"/>
+                <a:ea typeface="Calibri" panose="020F0502020204030204" pitchFamily="34" charset="0"/>
+                <a:cs typeface="Times New Roman" panose="02020603050405020304" pitchFamily="18" charset="0"/>
+              </a:rPr>
+              <a:t>row 0</a:t>
+            </a:r>
+            <a:r>
+              <a:rPr lang="en-US" sz="1799" dirty="0">
+                <a:solidFill>
+                  <a:prstClr val="black"/>
+                </a:solidFill>
+                <a:latin typeface="Consolas" panose="020B0609020204030204" pitchFamily="49" charset="0"/>
+              </a:rPr>
+              <a:t>, @0x1f91</a:t>
+            </a:r>
+          </a:p>
+          <a:p>
+            <a:pPr>
+              <a:lnSpc>
+                <a:spcPct val="90000"/>
+              </a:lnSpc>
+            </a:pPr>
+            <a:r>
+              <a:rPr lang="en-US" sz="1799" dirty="0" err="1">
+                <a:solidFill>
+                  <a:prstClr val="black"/>
+                </a:solidFill>
+                <a:latin typeface="Consolas" panose="020B0609020204030204" pitchFamily="49" charset="0"/>
+              </a:rPr>
+              <a:t>tl</a:t>
+            </a:r>
+            <a:r>
+              <a:rPr lang="en-US" sz="1799" dirty="0">
+                <a:solidFill>
+                  <a:prstClr val="black"/>
+                </a:solidFill>
+                <a:latin typeface="Consolas" panose="020B0609020204030204" pitchFamily="49" charset="0"/>
+              </a:rPr>
+              <a:t>: 7 </a:t>
+            </a:r>
+            <a:r>
+              <a:rPr lang="en-US" sz="1799" dirty="0">
+                <a:solidFill>
+                  <a:srgbClr val="E5E8E8">
+                    <a:lumMod val="75000"/>
+                  </a:srgbClr>
+                </a:solidFill>
+                <a:latin typeface="Consolas" panose="020B0609020204030204" pitchFamily="49" charset="0"/>
+              </a:rPr>
+              <a:t>fb: --H-FL-- </a:t>
+            </a:r>
+            <a:r>
+              <a:rPr lang="en-US" sz="1799" dirty="0" err="1">
+                <a:solidFill>
+                  <a:srgbClr val="E5E8E8">
+                    <a:lumMod val="75000"/>
+                  </a:srgbClr>
+                </a:solidFill>
+                <a:latin typeface="Consolas" panose="020B0609020204030204" pitchFamily="49" charset="0"/>
+              </a:rPr>
+              <a:t>lb</a:t>
+            </a:r>
+            <a:r>
+              <a:rPr lang="en-US" sz="1799" dirty="0">
+                <a:solidFill>
+                  <a:srgbClr val="E5E8E8">
+                    <a:lumMod val="75000"/>
+                  </a:srgbClr>
+                </a:solidFill>
+                <a:latin typeface="Consolas" panose="020B0609020204030204" pitchFamily="49" charset="0"/>
+              </a:rPr>
+              <a:t>: 0x1  cc: 1</a:t>
+            </a:r>
+          </a:p>
+          <a:p>
+            <a:pPr>
+              <a:lnSpc>
+                <a:spcPct val="90000"/>
+              </a:lnSpc>
+            </a:pPr>
+            <a:r>
+              <a:rPr lang="en-US" sz="1799" dirty="0">
+                <a:solidFill>
+                  <a:prstClr val="black"/>
+                </a:solidFill>
+                <a:latin typeface="Consolas" panose="020B0609020204030204" pitchFamily="49" charset="0"/>
+              </a:rPr>
+              <a:t>col  0: [ 3]  </a:t>
+            </a:r>
+            <a:r>
+              <a:rPr lang="en-US" sz="1799" b="1" dirty="0">
+                <a:solidFill>
+                  <a:prstClr val="black"/>
+                </a:solidFill>
+                <a:highlight>
+                  <a:srgbClr val="FFFF00"/>
+                </a:highlight>
+                <a:latin typeface="Consolas" panose="020B0609020204030204" pitchFamily="49" charset="0"/>
+                <a:ea typeface="Calibri" panose="020F0502020204030204" pitchFamily="34" charset="0"/>
+                <a:cs typeface="Times New Roman" panose="02020603050405020304" pitchFamily="18" charset="0"/>
+              </a:rPr>
+              <a:t>52 41 54</a:t>
+            </a:r>
+          </a:p>
+          <a:p>
+            <a:pPr>
+              <a:lnSpc>
+                <a:spcPct val="90000"/>
+              </a:lnSpc>
+            </a:pPr>
+            <a:r>
+              <a:rPr lang="en-US" sz="1799" dirty="0">
+                <a:solidFill>
+                  <a:prstClr val="black"/>
+                </a:solidFill>
+                <a:latin typeface="Consolas" panose="020B0609020204030204" pitchFamily="49" charset="0"/>
+              </a:rPr>
+              <a:t>tab 0, </a:t>
+            </a:r>
+            <a:r>
+              <a:rPr lang="en-US" sz="1799" b="1" dirty="0">
+                <a:solidFill>
+                  <a:prstClr val="black"/>
+                </a:solidFill>
+                <a:highlight>
+                  <a:srgbClr val="FFFF00"/>
+                </a:highlight>
+                <a:latin typeface="Consolas" panose="020B0609020204030204" pitchFamily="49" charset="0"/>
+                <a:ea typeface="Calibri" panose="020F0502020204030204" pitchFamily="34" charset="0"/>
+                <a:cs typeface="Times New Roman" panose="02020603050405020304" pitchFamily="18" charset="0"/>
+              </a:rPr>
+              <a:t>row 1</a:t>
+            </a:r>
+            <a:r>
+              <a:rPr lang="en-US" sz="1799" dirty="0">
+                <a:solidFill>
+                  <a:prstClr val="black"/>
+                </a:solidFill>
+                <a:latin typeface="Consolas" panose="020B0609020204030204" pitchFamily="49" charset="0"/>
+              </a:rPr>
+              <a:t>, @0x1f89</a:t>
+            </a:r>
+          </a:p>
+          <a:p>
+            <a:pPr>
+              <a:lnSpc>
+                <a:spcPct val="90000"/>
+              </a:lnSpc>
+            </a:pPr>
+            <a:r>
+              <a:rPr lang="en-US" sz="1799" dirty="0" err="1">
+                <a:solidFill>
+                  <a:prstClr val="black"/>
+                </a:solidFill>
+                <a:latin typeface="Consolas" panose="020B0609020204030204" pitchFamily="49" charset="0"/>
+              </a:rPr>
+              <a:t>tl</a:t>
+            </a:r>
+            <a:r>
+              <a:rPr lang="en-US" sz="1799" dirty="0">
+                <a:solidFill>
+                  <a:prstClr val="black"/>
+                </a:solidFill>
+                <a:latin typeface="Consolas" panose="020B0609020204030204" pitchFamily="49" charset="0"/>
+              </a:rPr>
+              <a:t>: 8 </a:t>
+            </a:r>
+            <a:r>
+              <a:rPr lang="en-US" sz="1799" dirty="0">
+                <a:solidFill>
+                  <a:srgbClr val="E5E8E8">
+                    <a:lumMod val="75000"/>
+                  </a:srgbClr>
+                </a:solidFill>
+                <a:latin typeface="Consolas" panose="020B0609020204030204" pitchFamily="49" charset="0"/>
+              </a:rPr>
+              <a:t>fb: --H-FL-- </a:t>
+            </a:r>
+            <a:r>
+              <a:rPr lang="en-US" sz="1799" dirty="0" err="1">
+                <a:solidFill>
+                  <a:srgbClr val="E5E8E8">
+                    <a:lumMod val="75000"/>
+                  </a:srgbClr>
+                </a:solidFill>
+                <a:latin typeface="Consolas" panose="020B0609020204030204" pitchFamily="49" charset="0"/>
+              </a:rPr>
+              <a:t>lb</a:t>
+            </a:r>
+            <a:r>
+              <a:rPr lang="en-US" sz="1799" dirty="0">
+                <a:solidFill>
+                  <a:srgbClr val="E5E8E8">
+                    <a:lumMod val="75000"/>
+                  </a:srgbClr>
+                </a:solidFill>
+                <a:latin typeface="Consolas" panose="020B0609020204030204" pitchFamily="49" charset="0"/>
+              </a:rPr>
+              <a:t>: 0x1  cc: 1</a:t>
+            </a:r>
+          </a:p>
+          <a:p>
+            <a:pPr>
+              <a:lnSpc>
+                <a:spcPct val="90000"/>
+              </a:lnSpc>
+            </a:pPr>
+            <a:r>
+              <a:rPr lang="en-US" sz="1799" dirty="0">
+                <a:solidFill>
+                  <a:prstClr val="black"/>
+                </a:solidFill>
+                <a:latin typeface="Consolas" panose="020B0609020204030204" pitchFamily="49" charset="0"/>
+              </a:rPr>
+              <a:t>col  0: [ 4]  </a:t>
+            </a:r>
+            <a:r>
+              <a:rPr lang="en-US" sz="1799" b="1" dirty="0">
+                <a:solidFill>
+                  <a:prstClr val="black"/>
+                </a:solidFill>
+                <a:highlight>
+                  <a:srgbClr val="FFFF00"/>
+                </a:highlight>
+                <a:latin typeface="Consolas" panose="020B0609020204030204" pitchFamily="49" charset="0"/>
+                <a:ea typeface="Calibri" panose="020F0502020204030204" pitchFamily="34" charset="0"/>
+                <a:cs typeface="Times New Roman" panose="02020603050405020304" pitchFamily="18" charset="0"/>
+              </a:rPr>
+              <a:t>50 41 43 4b</a:t>
+            </a:r>
+          </a:p>
+          <a:p>
+            <a:pPr>
+              <a:lnSpc>
+                <a:spcPct val="90000"/>
+              </a:lnSpc>
+            </a:pPr>
+            <a:endParaRPr lang="en-US" sz="1799" dirty="0">
+              <a:solidFill>
+                <a:prstClr val="black"/>
+              </a:solidFill>
+              <a:latin typeface="Consolas" panose="020B0609020204030204" pitchFamily="49" charset="0"/>
+            </a:endParaRPr>
+          </a:p>
+          <a:p>
+            <a:pPr>
+              <a:lnSpc>
+                <a:spcPct val="90000"/>
+              </a:lnSpc>
+            </a:pPr>
+            <a:endParaRPr lang="en-US" sz="1799" dirty="0">
+              <a:solidFill>
+                <a:prstClr val="black"/>
+              </a:solidFill>
+              <a:latin typeface="Consolas" panose="020B0609020204030204" pitchFamily="49" charset="0"/>
+            </a:endParaRPr>
+          </a:p>
+          <a:p>
+            <a:pPr>
+              <a:lnSpc>
+                <a:spcPct val="90000"/>
+              </a:lnSpc>
+            </a:pPr>
+            <a:endParaRPr lang="en-US" sz="1799" dirty="0">
+              <a:solidFill>
+                <a:prstClr val="black"/>
+              </a:solidFill>
+              <a:latin typeface="Consolas" panose="020B0609020204030204" pitchFamily="49" charset="0"/>
+            </a:endParaRPr>
+          </a:p>
+        </p:txBody>
+      </p:sp>
+      <p:sp>
+        <p:nvSpPr>
+          <p:cNvPr id="6" name="Right Brace 5"/>
+          <p:cNvSpPr/>
+          <p:nvPr/>
+        </p:nvSpPr>
+        <p:spPr>
+          <a:xfrm rot="10800000">
+            <a:off x="2113257" y="3016439"/>
+            <a:ext cx="427401" cy="531440"/>
+          </a:xfrm>
+          <a:prstGeom prst="rightBrace">
+            <a:avLst>
+              <a:gd name="adj1" fmla="val 0"/>
+              <a:gd name="adj2" fmla="val 51316"/>
+            </a:avLst>
+          </a:prstGeom>
+          <a:ln w="19050">
+            <a:solidFill>
+              <a:schemeClr val="tx1"/>
+            </a:solidFill>
+            <a:miter lim="800000"/>
+          </a:ln>
+        </p:spPr>
+        <p:style>
+          <a:lnRef idx="1">
+            <a:schemeClr val="accent1"/>
+          </a:lnRef>
+          <a:fillRef idx="0">
+            <a:schemeClr val="accent1"/>
+          </a:fillRef>
+          <a:effectRef idx="0">
+            <a:schemeClr val="accent1"/>
+          </a:effectRef>
+          <a:fontRef idx="minor">
+            <a:schemeClr val="tx1"/>
+          </a:fontRef>
+        </p:style>
+        <p:txBody>
+          <a:bodyPr rtlCol="0" anchor="ctr"/>
+          <a:lstStyle/>
+          <a:p>
+            <a:pPr algn="ctr"/>
+            <a:endParaRPr lang="en-GB" sz="1799">
+              <a:solidFill>
+                <a:prstClr val="black"/>
+              </a:solidFill>
+            </a:endParaRPr>
+          </a:p>
+        </p:txBody>
+      </p:sp>
+      <p:sp>
+        <p:nvSpPr>
+          <p:cNvPr id="7" name="Right Brace 6"/>
+          <p:cNvSpPr/>
+          <p:nvPr/>
+        </p:nvSpPr>
+        <p:spPr>
+          <a:xfrm rot="16200000">
+            <a:off x="9558135" y="866578"/>
+            <a:ext cx="660894" cy="2491195"/>
+          </a:xfrm>
+          <a:prstGeom prst="rightBrace">
+            <a:avLst>
+              <a:gd name="adj1" fmla="val 0"/>
+              <a:gd name="adj2" fmla="val 51316"/>
+            </a:avLst>
+          </a:prstGeom>
+          <a:ln w="19050">
+            <a:solidFill>
+              <a:schemeClr val="tx1"/>
+            </a:solidFill>
+            <a:miter lim="800000"/>
+          </a:ln>
+        </p:spPr>
+        <p:style>
+          <a:lnRef idx="1">
+            <a:schemeClr val="accent1"/>
+          </a:lnRef>
+          <a:fillRef idx="0">
+            <a:schemeClr val="accent1"/>
+          </a:fillRef>
+          <a:effectRef idx="0">
+            <a:schemeClr val="accent1"/>
+          </a:effectRef>
+          <a:fontRef idx="minor">
+            <a:schemeClr val="tx1"/>
+          </a:fontRef>
+        </p:style>
+        <p:txBody>
+          <a:bodyPr rtlCol="0" anchor="ctr"/>
+          <a:lstStyle/>
+          <a:p>
+            <a:pPr algn="ctr"/>
+            <a:endParaRPr lang="en-GB" sz="1799">
+              <a:solidFill>
+                <a:prstClr val="black"/>
+              </a:solidFill>
+            </a:endParaRPr>
+          </a:p>
+        </p:txBody>
+      </p:sp>
+      <p:sp>
+        <p:nvSpPr>
+          <p:cNvPr id="8" name="TextBox 7"/>
+          <p:cNvSpPr txBox="1"/>
+          <p:nvPr/>
+        </p:nvSpPr>
+        <p:spPr>
+          <a:xfrm>
+            <a:off x="484784" y="3153829"/>
+            <a:ext cx="1468795" cy="256660"/>
+          </a:xfrm>
+          <a:prstGeom prst="rect">
+            <a:avLst/>
+          </a:prstGeom>
+          <a:noFill/>
+        </p:spPr>
+        <p:txBody>
+          <a:bodyPr wrap="none" lIns="0" tIns="0" rIns="0" bIns="0" rtlCol="0">
+            <a:noAutofit/>
+          </a:bodyPr>
+          <a:lstStyle/>
+          <a:p>
+            <a:pPr>
+              <a:lnSpc>
+                <a:spcPct val="90000"/>
+              </a:lnSpc>
+            </a:pPr>
+            <a:r>
+              <a:rPr lang="en-US" sz="1799" dirty="0">
+                <a:solidFill>
+                  <a:prstClr val="black"/>
+                </a:solidFill>
+              </a:rPr>
+              <a:t>row directory</a:t>
+            </a:r>
+            <a:endParaRPr lang="en-GB" sz="1799" dirty="0" err="1">
+              <a:solidFill>
+                <a:prstClr val="black"/>
+              </a:solidFill>
+            </a:endParaRPr>
+          </a:p>
+        </p:txBody>
+      </p:sp>
+      <p:sp>
+        <p:nvSpPr>
+          <p:cNvPr id="9" name="Right Brace 8"/>
+          <p:cNvSpPr/>
+          <p:nvPr/>
+        </p:nvSpPr>
+        <p:spPr>
+          <a:xfrm rot="16200000">
+            <a:off x="6027134" y="-173231"/>
+            <a:ext cx="660893" cy="4570810"/>
+          </a:xfrm>
+          <a:prstGeom prst="rightBrace">
+            <a:avLst>
+              <a:gd name="adj1" fmla="val 0"/>
+              <a:gd name="adj2" fmla="val 51316"/>
+            </a:avLst>
+          </a:prstGeom>
+          <a:ln w="19050">
+            <a:solidFill>
+              <a:schemeClr val="tx1"/>
+            </a:solidFill>
+            <a:miter lim="800000"/>
+          </a:ln>
+        </p:spPr>
+        <p:style>
+          <a:lnRef idx="1">
+            <a:schemeClr val="accent1"/>
+          </a:lnRef>
+          <a:fillRef idx="0">
+            <a:schemeClr val="accent1"/>
+          </a:fillRef>
+          <a:effectRef idx="0">
+            <a:schemeClr val="accent1"/>
+          </a:effectRef>
+          <a:fontRef idx="minor">
+            <a:schemeClr val="tx1"/>
+          </a:fontRef>
+        </p:style>
+        <p:txBody>
+          <a:bodyPr rtlCol="0" anchor="ctr"/>
+          <a:lstStyle/>
+          <a:p>
+            <a:pPr algn="ctr"/>
+            <a:endParaRPr lang="en-GB" sz="1799">
+              <a:solidFill>
+                <a:prstClr val="black"/>
+              </a:solidFill>
+            </a:endParaRPr>
+          </a:p>
+        </p:txBody>
+      </p:sp>
+      <p:sp>
+        <p:nvSpPr>
+          <p:cNvPr id="10" name="Right Brace 9"/>
+          <p:cNvSpPr/>
+          <p:nvPr/>
+        </p:nvSpPr>
+        <p:spPr>
+          <a:xfrm rot="10800000">
+            <a:off x="2101384" y="3740646"/>
+            <a:ext cx="437299" cy="1780840"/>
+          </a:xfrm>
+          <a:prstGeom prst="rightBrace">
+            <a:avLst>
+              <a:gd name="adj1" fmla="val 0"/>
+              <a:gd name="adj2" fmla="val 49911"/>
+            </a:avLst>
+          </a:prstGeom>
+          <a:ln w="19050">
+            <a:solidFill>
+              <a:schemeClr val="tx1"/>
+            </a:solidFill>
+            <a:miter lim="800000"/>
+          </a:ln>
+        </p:spPr>
+        <p:style>
+          <a:lnRef idx="1">
+            <a:schemeClr val="accent1"/>
+          </a:lnRef>
+          <a:fillRef idx="0">
+            <a:schemeClr val="accent1"/>
+          </a:fillRef>
+          <a:effectRef idx="0">
+            <a:schemeClr val="accent1"/>
+          </a:effectRef>
+          <a:fontRef idx="minor">
+            <a:schemeClr val="tx1"/>
+          </a:fontRef>
+        </p:style>
+        <p:txBody>
+          <a:bodyPr rtlCol="0" anchor="ctr"/>
+          <a:lstStyle/>
+          <a:p>
+            <a:pPr algn="ctr"/>
+            <a:endParaRPr lang="en-GB" sz="1799">
+              <a:solidFill>
+                <a:prstClr val="black"/>
+              </a:solidFill>
+            </a:endParaRPr>
+          </a:p>
+        </p:txBody>
+      </p:sp>
+      <p:sp>
+        <p:nvSpPr>
+          <p:cNvPr id="12" name="TextBox 11"/>
+          <p:cNvSpPr txBox="1"/>
+          <p:nvPr/>
+        </p:nvSpPr>
+        <p:spPr>
+          <a:xfrm>
+            <a:off x="484784" y="4495111"/>
+            <a:ext cx="1437142" cy="242804"/>
+          </a:xfrm>
+          <a:prstGeom prst="rect">
+            <a:avLst/>
+          </a:prstGeom>
+          <a:noFill/>
+        </p:spPr>
+        <p:txBody>
+          <a:bodyPr wrap="none" lIns="0" tIns="0" rIns="0" bIns="0" rtlCol="0">
+            <a:noAutofit/>
+          </a:bodyPr>
+          <a:lstStyle/>
+          <a:p>
+            <a:pPr>
+              <a:lnSpc>
+                <a:spcPct val="90000"/>
+              </a:lnSpc>
+            </a:pPr>
+            <a:r>
+              <a:rPr lang="en-US" sz="1799" dirty="0">
+                <a:solidFill>
+                  <a:prstClr val="black"/>
+                </a:solidFill>
+              </a:rPr>
+              <a:t>human friendly</a:t>
+            </a:r>
+            <a:endParaRPr lang="en-GB" sz="1799" dirty="0" err="1">
+              <a:solidFill>
+                <a:prstClr val="black"/>
+              </a:solidFill>
+            </a:endParaRPr>
+          </a:p>
+        </p:txBody>
+      </p:sp>
+      <p:sp>
+        <p:nvSpPr>
+          <p:cNvPr id="13" name="TextBox 12"/>
+          <p:cNvSpPr txBox="1"/>
+          <p:nvPr/>
+        </p:nvSpPr>
+        <p:spPr>
+          <a:xfrm>
+            <a:off x="5631271" y="1395879"/>
+            <a:ext cx="1437142" cy="320551"/>
+          </a:xfrm>
+          <a:prstGeom prst="rect">
+            <a:avLst/>
+          </a:prstGeom>
+          <a:noFill/>
+        </p:spPr>
+        <p:txBody>
+          <a:bodyPr wrap="none" lIns="0" tIns="0" rIns="0" bIns="0" rtlCol="0">
+            <a:noAutofit/>
+          </a:bodyPr>
+          <a:lstStyle/>
+          <a:p>
+            <a:pPr>
+              <a:lnSpc>
+                <a:spcPct val="90000"/>
+              </a:lnSpc>
+            </a:pPr>
+            <a:r>
+              <a:rPr lang="en-US" sz="1799" dirty="0">
+                <a:solidFill>
+                  <a:prstClr val="black"/>
+                </a:solidFill>
+              </a:rPr>
+              <a:t>block dump in hex</a:t>
+            </a:r>
+            <a:endParaRPr lang="en-GB" sz="1799" dirty="0" err="1">
+              <a:solidFill>
+                <a:prstClr val="black"/>
+              </a:solidFill>
+            </a:endParaRPr>
+          </a:p>
+        </p:txBody>
+      </p:sp>
+      <p:sp>
+        <p:nvSpPr>
+          <p:cNvPr id="14" name="TextBox 13"/>
+          <p:cNvSpPr txBox="1"/>
+          <p:nvPr/>
+        </p:nvSpPr>
+        <p:spPr>
+          <a:xfrm>
+            <a:off x="9226575" y="1395879"/>
+            <a:ext cx="1437142" cy="320551"/>
+          </a:xfrm>
+          <a:prstGeom prst="rect">
+            <a:avLst/>
+          </a:prstGeom>
+          <a:noFill/>
+        </p:spPr>
+        <p:txBody>
+          <a:bodyPr wrap="none" lIns="0" tIns="0" rIns="0" bIns="0" rtlCol="0">
+            <a:noAutofit/>
+          </a:bodyPr>
+          <a:lstStyle/>
+          <a:p>
+            <a:pPr>
+              <a:lnSpc>
+                <a:spcPct val="90000"/>
+              </a:lnSpc>
+            </a:pPr>
+            <a:r>
+              <a:rPr lang="en-US" sz="1799" dirty="0">
+                <a:solidFill>
+                  <a:prstClr val="black"/>
+                </a:solidFill>
+              </a:rPr>
+              <a:t>human readable </a:t>
+            </a:r>
+            <a:endParaRPr lang="en-GB" sz="1799" dirty="0" err="1">
+              <a:solidFill>
+                <a:prstClr val="black"/>
+              </a:solidFill>
+            </a:endParaRPr>
+          </a:p>
+        </p:txBody>
+      </p:sp>
+    </p:spTree>
+    <p:extLst>
+      <p:ext uri="{BB962C8B-B14F-4D97-AF65-F5344CB8AC3E}">
+        <p14:creationId xmlns:p14="http://schemas.microsoft.com/office/powerpoint/2010/main" val="452249250"/>
+      </p:ext>
+    </p:extLst>
+  </p:cSld>
+  <p:clrMapOvr>
+    <a:masterClrMapping/>
+  </p:clrMapOvr>
+  <mc:AlternateContent xmlns:mc="http://schemas.openxmlformats.org/markup-compatibility/2006" xmlns:p14="http://schemas.microsoft.com/office/powerpoint/2010/main">
+    <mc:Choice Requires="p14">
+      <p:transition spd="med" p14:dur="700">
+        <p:fade/>
+      </p:transition>
+    </mc:Choice>
+    <mc:Fallback xmlns="">
+      <p:transition spd="med">
+        <p:fade/>
+      </p:transition>
+    </mc:Fallback>
+  </mc:AlternateContent>
+  <p:timing>
+    <p:tnLst>
+      <p:par>
+        <p:cTn id="1" dur="indefinite" restart="never" nodeType="tmRoot"/>
+      </p:par>
+    </p:tnLst>
+  </p:timing>
+</p:sld>
+</file>
+
+<file path=ppt/slides/slide20.xml><?xml version="1.0" encoding="utf-8"?>
 <p:sld xmlns:a="http://schemas.openxmlformats.org/drawingml/2006/main" xmlns:r="http://schemas.openxmlformats.org/officeDocument/2006/relationships" xmlns:p="http://schemas.openxmlformats.org/presentationml/2006/main">
   <p:cSld>
     <p:spTree>
@@ -27611,7 +28948,7 @@
 </p:sld>
 </file>
 
-<file path=ppt/slides/slide19.xml><?xml version="1.0" encoding="utf-8"?>
+<file path=ppt/slides/slide21.xml><?xml version="1.0" encoding="utf-8"?>
 <p:sld xmlns:a="http://schemas.openxmlformats.org/drawingml/2006/main" xmlns:r="http://schemas.openxmlformats.org/officeDocument/2006/relationships" xmlns:p="http://schemas.openxmlformats.org/presentationml/2006/main">
   <p:cSld>
     <p:spTree>
@@ -27932,960 +29269,6 @@
 </p:sld>
 </file>
 
-<file path=ppt/slides/slide2.xml><?xml version="1.0" encoding="utf-8"?>
-<p:sld xmlns:a="http://schemas.openxmlformats.org/drawingml/2006/main" xmlns:r="http://schemas.openxmlformats.org/officeDocument/2006/relationships" xmlns:p="http://schemas.openxmlformats.org/presentationml/2006/main">
-  <p:cSld>
-    <p:spTree>
-      <p:nvGrpSpPr>
-        <p:cNvPr id="1" name=""/>
-        <p:cNvGrpSpPr/>
-        <p:nvPr/>
-      </p:nvGrpSpPr>
-      <p:grpSpPr>
-        <a:xfrm>
-          <a:off x="0" y="0"/>
-          <a:ext cx="0" cy="0"/>
-          <a:chOff x="0" y="0"/>
-          <a:chExt cx="0" cy="0"/>
-        </a:xfrm>
-      </p:grpSpPr>
-      <p:sp>
-        <p:nvSpPr>
-          <p:cNvPr id="4" name="Title 3"/>
-          <p:cNvSpPr>
-            <a:spLocks noGrp="1"/>
-          </p:cNvSpPr>
-          <p:nvPr>
-            <p:ph type="title"/>
-          </p:nvPr>
-        </p:nvSpPr>
-        <p:spPr>
-          <a:xfrm>
-            <a:off x="609441" y="246254"/>
-            <a:ext cx="10969943" cy="502591"/>
-          </a:xfrm>
-        </p:spPr>
-        <p:txBody>
-          <a:bodyPr/>
-          <a:lstStyle/>
-          <a:p>
-            <a:r>
-              <a:rPr lang="en-US" sz="2800" dirty="0"/>
-              <a:t>Review of Data Blocks</a:t>
-            </a:r>
-            <a:endParaRPr lang="en-GB" sz="2800" dirty="0"/>
-          </a:p>
-        </p:txBody>
-      </p:sp>
-      <p:sp>
-        <p:nvSpPr>
-          <p:cNvPr id="5" name="TextBox 4"/>
-          <p:cNvSpPr txBox="1"/>
-          <p:nvPr/>
-        </p:nvSpPr>
-        <p:spPr>
-          <a:xfrm>
-            <a:off x="2316677" y="2109364"/>
-            <a:ext cx="9361007" cy="3590201"/>
-          </a:xfrm>
-          <a:prstGeom prst="rect">
-            <a:avLst/>
-          </a:prstGeom>
-          <a:noFill/>
-          <a:ln w="12700" cap="rnd" cmpd="sng">
-            <a:solidFill>
-              <a:schemeClr val="tx1">
-                <a:alpha val="50000"/>
-              </a:schemeClr>
-            </a:solidFill>
-            <a:prstDash val="sysDash"/>
-          </a:ln>
-        </p:spPr>
-        <p:txBody>
-          <a:bodyPr wrap="square" lIns="182832" tIns="182832" rIns="182832" bIns="182832" rtlCol="0">
-            <a:noAutofit/>
-          </a:bodyPr>
-          <a:lstStyle/>
-          <a:p>
-            <a:pPr>
-              <a:lnSpc>
-                <a:spcPct val="90000"/>
-              </a:lnSpc>
-            </a:pPr>
-            <a:r>
-              <a:rPr lang="en-US" sz="1799" dirty="0">
-                <a:solidFill>
-                  <a:srgbClr val="E5E8E8">
-                    <a:lumMod val="75000"/>
-                  </a:srgbClr>
-                </a:solidFill>
-                <a:latin typeface="Consolas" panose="020B0609020204030204" pitchFamily="49" charset="0"/>
-              </a:rPr>
-              <a:t>7FE32965FFF0</a:t>
-            </a:r>
-            <a:r>
-              <a:rPr lang="en-US" sz="1799" dirty="0">
-                <a:solidFill>
-                  <a:prstClr val="black"/>
-                </a:solidFill>
-                <a:latin typeface="Consolas" panose="020B0609020204030204" pitchFamily="49" charset="0"/>
-              </a:rPr>
-              <a:t> 43415004 01012C4B 54415203 7D970601  </a:t>
-            </a:r>
-            <a:r>
-              <a:rPr lang="en-US" sz="1799" b="1" dirty="0">
-                <a:solidFill>
-                  <a:prstClr val="black"/>
-                </a:solidFill>
-                <a:highlight>
-                  <a:srgbClr val="FFFF00"/>
-                </a:highlight>
-                <a:latin typeface="Consolas" panose="020B0609020204030204" pitchFamily="49" charset="0"/>
-                <a:ea typeface="Calibri" panose="020F0502020204030204" pitchFamily="34" charset="0"/>
-                <a:cs typeface="Times New Roman" panose="02020603050405020304" pitchFamily="18" charset="0"/>
-              </a:rPr>
-              <a:t>[.PACK,...RAT...}]</a:t>
-            </a:r>
-          </a:p>
-          <a:p>
-            <a:pPr>
-              <a:lnSpc>
-                <a:spcPct val="90000"/>
-              </a:lnSpc>
-            </a:pPr>
-            <a:endParaRPr lang="en-US" sz="1799" dirty="0">
-              <a:solidFill>
-                <a:prstClr val="black"/>
-              </a:solidFill>
-              <a:latin typeface="Consolas" panose="020B0609020204030204" pitchFamily="49" charset="0"/>
-            </a:endParaRPr>
-          </a:p>
-          <a:p>
-            <a:pPr>
-              <a:lnSpc>
-                <a:spcPct val="90000"/>
-              </a:lnSpc>
-            </a:pPr>
-            <a:r>
-              <a:rPr lang="en-US" sz="1799" dirty="0">
-                <a:solidFill>
-                  <a:prstClr val="black"/>
-                </a:solidFill>
-                <a:latin typeface="Consolas" panose="020B0609020204030204" pitchFamily="49" charset="0"/>
-              </a:rPr>
-              <a:t>0xe:pti[0]      </a:t>
-            </a:r>
-            <a:r>
-              <a:rPr lang="en-US" sz="1799" b="1" dirty="0" err="1">
-                <a:solidFill>
-                  <a:prstClr val="black"/>
-                </a:solidFill>
-                <a:highlight>
-                  <a:srgbClr val="FFFF00"/>
-                </a:highlight>
-                <a:latin typeface="Consolas" panose="020B0609020204030204" pitchFamily="49" charset="0"/>
-                <a:ea typeface="Calibri" panose="020F0502020204030204" pitchFamily="34" charset="0"/>
-                <a:cs typeface="Times New Roman" panose="02020603050405020304" pitchFamily="18" charset="0"/>
-              </a:rPr>
-              <a:t>nrow</a:t>
-            </a:r>
-            <a:r>
-              <a:rPr lang="en-US" sz="1799" b="1" dirty="0">
-                <a:solidFill>
-                  <a:prstClr val="black"/>
-                </a:solidFill>
-                <a:highlight>
-                  <a:srgbClr val="FFFF00"/>
-                </a:highlight>
-                <a:latin typeface="Consolas" panose="020B0609020204030204" pitchFamily="49" charset="0"/>
-                <a:ea typeface="Calibri" panose="020F0502020204030204" pitchFamily="34" charset="0"/>
-                <a:cs typeface="Times New Roman" panose="02020603050405020304" pitchFamily="18" charset="0"/>
-              </a:rPr>
-              <a:t>=2</a:t>
-            </a:r>
-            <a:r>
-              <a:rPr lang="en-US" sz="1799" dirty="0">
-                <a:solidFill>
-                  <a:prstClr val="black"/>
-                </a:solidFill>
-                <a:latin typeface="Consolas" panose="020B0609020204030204" pitchFamily="49" charset="0"/>
-              </a:rPr>
-              <a:t>  offs=0</a:t>
-            </a:r>
-          </a:p>
-          <a:p>
-            <a:pPr>
-              <a:lnSpc>
-                <a:spcPct val="90000"/>
-              </a:lnSpc>
-            </a:pPr>
-            <a:r>
-              <a:rPr lang="en-US" sz="1799" dirty="0">
-                <a:solidFill>
-                  <a:prstClr val="black"/>
-                </a:solidFill>
-                <a:latin typeface="Consolas" panose="020B0609020204030204" pitchFamily="49" charset="0"/>
-              </a:rPr>
-              <a:t>0x12:pri[0]     offs=0x1f91</a:t>
-            </a:r>
-          </a:p>
-          <a:p>
-            <a:pPr>
-              <a:lnSpc>
-                <a:spcPct val="90000"/>
-              </a:lnSpc>
-            </a:pPr>
-            <a:r>
-              <a:rPr lang="en-US" sz="1799" dirty="0">
-                <a:solidFill>
-                  <a:prstClr val="black"/>
-                </a:solidFill>
-                <a:latin typeface="Consolas" panose="020B0609020204030204" pitchFamily="49" charset="0"/>
-              </a:rPr>
-              <a:t>0x14:pri[1]     offs=0x1f89</a:t>
-            </a:r>
-          </a:p>
-          <a:p>
-            <a:pPr>
-              <a:lnSpc>
-                <a:spcPct val="90000"/>
-              </a:lnSpc>
-            </a:pPr>
-            <a:endParaRPr lang="en-US" sz="1799" dirty="0">
-              <a:solidFill>
-                <a:prstClr val="black"/>
-              </a:solidFill>
-              <a:latin typeface="Consolas" panose="020B0609020204030204" pitchFamily="49" charset="0"/>
-            </a:endParaRPr>
-          </a:p>
-          <a:p>
-            <a:pPr>
-              <a:lnSpc>
-                <a:spcPct val="90000"/>
-              </a:lnSpc>
-            </a:pPr>
-            <a:r>
-              <a:rPr lang="en-US" sz="1799" dirty="0" err="1">
-                <a:solidFill>
-                  <a:prstClr val="black"/>
-                </a:solidFill>
-                <a:latin typeface="Consolas" panose="020B0609020204030204" pitchFamily="49" charset="0"/>
-              </a:rPr>
-              <a:t>block_row_dump</a:t>
-            </a:r>
-            <a:r>
-              <a:rPr lang="en-US" sz="1799" dirty="0">
-                <a:solidFill>
-                  <a:prstClr val="black"/>
-                </a:solidFill>
-                <a:latin typeface="Consolas" panose="020B0609020204030204" pitchFamily="49" charset="0"/>
-              </a:rPr>
-              <a:t>:</a:t>
-            </a:r>
-          </a:p>
-          <a:p>
-            <a:pPr>
-              <a:lnSpc>
-                <a:spcPct val="90000"/>
-              </a:lnSpc>
-            </a:pPr>
-            <a:r>
-              <a:rPr lang="en-US" sz="1799" dirty="0">
-                <a:solidFill>
-                  <a:prstClr val="black"/>
-                </a:solidFill>
-                <a:latin typeface="Consolas" panose="020B0609020204030204" pitchFamily="49" charset="0"/>
-              </a:rPr>
-              <a:t>tab 0, </a:t>
-            </a:r>
-            <a:r>
-              <a:rPr lang="en-US" sz="1799" b="1" dirty="0">
-                <a:solidFill>
-                  <a:prstClr val="black"/>
-                </a:solidFill>
-                <a:highlight>
-                  <a:srgbClr val="FFFF00"/>
-                </a:highlight>
-                <a:latin typeface="Consolas" panose="020B0609020204030204" pitchFamily="49" charset="0"/>
-                <a:ea typeface="Calibri" panose="020F0502020204030204" pitchFamily="34" charset="0"/>
-                <a:cs typeface="Times New Roman" panose="02020603050405020304" pitchFamily="18" charset="0"/>
-              </a:rPr>
-              <a:t>row 0</a:t>
-            </a:r>
-            <a:r>
-              <a:rPr lang="en-US" sz="1799" dirty="0">
-                <a:solidFill>
-                  <a:prstClr val="black"/>
-                </a:solidFill>
-                <a:latin typeface="Consolas" panose="020B0609020204030204" pitchFamily="49" charset="0"/>
-              </a:rPr>
-              <a:t>, @0x1f91</a:t>
-            </a:r>
-          </a:p>
-          <a:p>
-            <a:pPr>
-              <a:lnSpc>
-                <a:spcPct val="90000"/>
-              </a:lnSpc>
-            </a:pPr>
-            <a:r>
-              <a:rPr lang="en-US" sz="1799" dirty="0" err="1">
-                <a:solidFill>
-                  <a:prstClr val="black"/>
-                </a:solidFill>
-                <a:latin typeface="Consolas" panose="020B0609020204030204" pitchFamily="49" charset="0"/>
-              </a:rPr>
-              <a:t>tl</a:t>
-            </a:r>
-            <a:r>
-              <a:rPr lang="en-US" sz="1799" dirty="0">
-                <a:solidFill>
-                  <a:prstClr val="black"/>
-                </a:solidFill>
-                <a:latin typeface="Consolas" panose="020B0609020204030204" pitchFamily="49" charset="0"/>
-              </a:rPr>
-              <a:t>: 7 </a:t>
-            </a:r>
-            <a:r>
-              <a:rPr lang="en-US" sz="1799" dirty="0">
-                <a:solidFill>
-                  <a:srgbClr val="E5E8E8">
-                    <a:lumMod val="75000"/>
-                  </a:srgbClr>
-                </a:solidFill>
-                <a:latin typeface="Consolas" panose="020B0609020204030204" pitchFamily="49" charset="0"/>
-              </a:rPr>
-              <a:t>fb: --H-FL-- </a:t>
-            </a:r>
-            <a:r>
-              <a:rPr lang="en-US" sz="1799" dirty="0" err="1">
-                <a:solidFill>
-                  <a:srgbClr val="E5E8E8">
-                    <a:lumMod val="75000"/>
-                  </a:srgbClr>
-                </a:solidFill>
-                <a:latin typeface="Consolas" panose="020B0609020204030204" pitchFamily="49" charset="0"/>
-              </a:rPr>
-              <a:t>lb</a:t>
-            </a:r>
-            <a:r>
-              <a:rPr lang="en-US" sz="1799" dirty="0">
-                <a:solidFill>
-                  <a:srgbClr val="E5E8E8">
-                    <a:lumMod val="75000"/>
-                  </a:srgbClr>
-                </a:solidFill>
-                <a:latin typeface="Consolas" panose="020B0609020204030204" pitchFamily="49" charset="0"/>
-              </a:rPr>
-              <a:t>: 0x1  cc: 1</a:t>
-            </a:r>
-          </a:p>
-          <a:p>
-            <a:pPr>
-              <a:lnSpc>
-                <a:spcPct val="90000"/>
-              </a:lnSpc>
-            </a:pPr>
-            <a:r>
-              <a:rPr lang="en-US" sz="1799" dirty="0">
-                <a:solidFill>
-                  <a:prstClr val="black"/>
-                </a:solidFill>
-                <a:latin typeface="Consolas" panose="020B0609020204030204" pitchFamily="49" charset="0"/>
-              </a:rPr>
-              <a:t>col  0: [ 3]  </a:t>
-            </a:r>
-            <a:r>
-              <a:rPr lang="en-US" sz="1799" b="1" dirty="0">
-                <a:solidFill>
-                  <a:prstClr val="black"/>
-                </a:solidFill>
-                <a:highlight>
-                  <a:srgbClr val="FFFF00"/>
-                </a:highlight>
-                <a:latin typeface="Consolas" panose="020B0609020204030204" pitchFamily="49" charset="0"/>
-                <a:ea typeface="Calibri" panose="020F0502020204030204" pitchFamily="34" charset="0"/>
-                <a:cs typeface="Times New Roman" panose="02020603050405020304" pitchFamily="18" charset="0"/>
-              </a:rPr>
-              <a:t>52 41 54</a:t>
-            </a:r>
-          </a:p>
-          <a:p>
-            <a:pPr>
-              <a:lnSpc>
-                <a:spcPct val="90000"/>
-              </a:lnSpc>
-            </a:pPr>
-            <a:r>
-              <a:rPr lang="en-US" sz="1799" dirty="0">
-                <a:solidFill>
-                  <a:prstClr val="black"/>
-                </a:solidFill>
-                <a:latin typeface="Consolas" panose="020B0609020204030204" pitchFamily="49" charset="0"/>
-              </a:rPr>
-              <a:t>tab 0, </a:t>
-            </a:r>
-            <a:r>
-              <a:rPr lang="en-US" sz="1799" b="1" dirty="0">
-                <a:solidFill>
-                  <a:prstClr val="black"/>
-                </a:solidFill>
-                <a:highlight>
-                  <a:srgbClr val="FFFF00"/>
-                </a:highlight>
-                <a:latin typeface="Consolas" panose="020B0609020204030204" pitchFamily="49" charset="0"/>
-                <a:ea typeface="Calibri" panose="020F0502020204030204" pitchFamily="34" charset="0"/>
-                <a:cs typeface="Times New Roman" panose="02020603050405020304" pitchFamily="18" charset="0"/>
-              </a:rPr>
-              <a:t>row 1</a:t>
-            </a:r>
-            <a:r>
-              <a:rPr lang="en-US" sz="1799" dirty="0">
-                <a:solidFill>
-                  <a:prstClr val="black"/>
-                </a:solidFill>
-                <a:latin typeface="Consolas" panose="020B0609020204030204" pitchFamily="49" charset="0"/>
-              </a:rPr>
-              <a:t>, @0x1f89</a:t>
-            </a:r>
-          </a:p>
-          <a:p>
-            <a:pPr>
-              <a:lnSpc>
-                <a:spcPct val="90000"/>
-              </a:lnSpc>
-            </a:pPr>
-            <a:r>
-              <a:rPr lang="en-US" sz="1799" dirty="0" err="1">
-                <a:solidFill>
-                  <a:prstClr val="black"/>
-                </a:solidFill>
-                <a:latin typeface="Consolas" panose="020B0609020204030204" pitchFamily="49" charset="0"/>
-              </a:rPr>
-              <a:t>tl</a:t>
-            </a:r>
-            <a:r>
-              <a:rPr lang="en-US" sz="1799" dirty="0">
-                <a:solidFill>
-                  <a:prstClr val="black"/>
-                </a:solidFill>
-                <a:latin typeface="Consolas" panose="020B0609020204030204" pitchFamily="49" charset="0"/>
-              </a:rPr>
-              <a:t>: 8 </a:t>
-            </a:r>
-            <a:r>
-              <a:rPr lang="en-US" sz="1799" dirty="0">
-                <a:solidFill>
-                  <a:srgbClr val="E5E8E8">
-                    <a:lumMod val="75000"/>
-                  </a:srgbClr>
-                </a:solidFill>
-                <a:latin typeface="Consolas" panose="020B0609020204030204" pitchFamily="49" charset="0"/>
-              </a:rPr>
-              <a:t>fb: --H-FL-- </a:t>
-            </a:r>
-            <a:r>
-              <a:rPr lang="en-US" sz="1799" dirty="0" err="1">
-                <a:solidFill>
-                  <a:srgbClr val="E5E8E8">
-                    <a:lumMod val="75000"/>
-                  </a:srgbClr>
-                </a:solidFill>
-                <a:latin typeface="Consolas" panose="020B0609020204030204" pitchFamily="49" charset="0"/>
-              </a:rPr>
-              <a:t>lb</a:t>
-            </a:r>
-            <a:r>
-              <a:rPr lang="en-US" sz="1799" dirty="0">
-                <a:solidFill>
-                  <a:srgbClr val="E5E8E8">
-                    <a:lumMod val="75000"/>
-                  </a:srgbClr>
-                </a:solidFill>
-                <a:latin typeface="Consolas" panose="020B0609020204030204" pitchFamily="49" charset="0"/>
-              </a:rPr>
-              <a:t>: 0x1  cc: 1</a:t>
-            </a:r>
-          </a:p>
-          <a:p>
-            <a:pPr>
-              <a:lnSpc>
-                <a:spcPct val="90000"/>
-              </a:lnSpc>
-            </a:pPr>
-            <a:r>
-              <a:rPr lang="en-US" sz="1799" dirty="0">
-                <a:solidFill>
-                  <a:prstClr val="black"/>
-                </a:solidFill>
-                <a:latin typeface="Consolas" panose="020B0609020204030204" pitchFamily="49" charset="0"/>
-              </a:rPr>
-              <a:t>col  0: [ 4]  </a:t>
-            </a:r>
-            <a:r>
-              <a:rPr lang="en-US" sz="1799" b="1" dirty="0">
-                <a:solidFill>
-                  <a:prstClr val="black"/>
-                </a:solidFill>
-                <a:highlight>
-                  <a:srgbClr val="FFFF00"/>
-                </a:highlight>
-                <a:latin typeface="Consolas" panose="020B0609020204030204" pitchFamily="49" charset="0"/>
-                <a:ea typeface="Calibri" panose="020F0502020204030204" pitchFamily="34" charset="0"/>
-                <a:cs typeface="Times New Roman" panose="02020603050405020304" pitchFamily="18" charset="0"/>
-              </a:rPr>
-              <a:t>50 41 43 4b</a:t>
-            </a:r>
-          </a:p>
-          <a:p>
-            <a:pPr>
-              <a:lnSpc>
-                <a:spcPct val="90000"/>
-              </a:lnSpc>
-            </a:pPr>
-            <a:endParaRPr lang="en-US" sz="1799" dirty="0">
-              <a:solidFill>
-                <a:prstClr val="black"/>
-              </a:solidFill>
-              <a:latin typeface="Consolas" panose="020B0609020204030204" pitchFamily="49" charset="0"/>
-            </a:endParaRPr>
-          </a:p>
-          <a:p>
-            <a:pPr>
-              <a:lnSpc>
-                <a:spcPct val="90000"/>
-              </a:lnSpc>
-            </a:pPr>
-            <a:endParaRPr lang="en-US" sz="1799" dirty="0">
-              <a:solidFill>
-                <a:prstClr val="black"/>
-              </a:solidFill>
-              <a:latin typeface="Consolas" panose="020B0609020204030204" pitchFamily="49" charset="0"/>
-            </a:endParaRPr>
-          </a:p>
-          <a:p>
-            <a:pPr>
-              <a:lnSpc>
-                <a:spcPct val="90000"/>
-              </a:lnSpc>
-            </a:pPr>
-            <a:endParaRPr lang="en-US" sz="1799" dirty="0">
-              <a:solidFill>
-                <a:prstClr val="black"/>
-              </a:solidFill>
-              <a:latin typeface="Consolas" panose="020B0609020204030204" pitchFamily="49" charset="0"/>
-            </a:endParaRPr>
-          </a:p>
-        </p:txBody>
-      </p:sp>
-      <p:sp>
-        <p:nvSpPr>
-          <p:cNvPr id="6" name="Right Brace 5"/>
-          <p:cNvSpPr/>
-          <p:nvPr/>
-        </p:nvSpPr>
-        <p:spPr>
-          <a:xfrm rot="10800000">
-            <a:off x="2113257" y="3016439"/>
-            <a:ext cx="427401" cy="531440"/>
-          </a:xfrm>
-          <a:prstGeom prst="rightBrace">
-            <a:avLst>
-              <a:gd name="adj1" fmla="val 0"/>
-              <a:gd name="adj2" fmla="val 51316"/>
-            </a:avLst>
-          </a:prstGeom>
-          <a:ln w="19050">
-            <a:solidFill>
-              <a:schemeClr val="tx1"/>
-            </a:solidFill>
-            <a:miter lim="800000"/>
-          </a:ln>
-        </p:spPr>
-        <p:style>
-          <a:lnRef idx="1">
-            <a:schemeClr val="accent1"/>
-          </a:lnRef>
-          <a:fillRef idx="0">
-            <a:schemeClr val="accent1"/>
-          </a:fillRef>
-          <a:effectRef idx="0">
-            <a:schemeClr val="accent1"/>
-          </a:effectRef>
-          <a:fontRef idx="minor">
-            <a:schemeClr val="tx1"/>
-          </a:fontRef>
-        </p:style>
-        <p:txBody>
-          <a:bodyPr rtlCol="0" anchor="ctr"/>
-          <a:lstStyle/>
-          <a:p>
-            <a:pPr algn="ctr"/>
-            <a:endParaRPr lang="en-GB" sz="1799">
-              <a:solidFill>
-                <a:prstClr val="black"/>
-              </a:solidFill>
-            </a:endParaRPr>
-          </a:p>
-        </p:txBody>
-      </p:sp>
-      <p:sp>
-        <p:nvSpPr>
-          <p:cNvPr id="7" name="Right Brace 6"/>
-          <p:cNvSpPr/>
-          <p:nvPr/>
-        </p:nvSpPr>
-        <p:spPr>
-          <a:xfrm rot="16200000">
-            <a:off x="9558135" y="866578"/>
-            <a:ext cx="660894" cy="2491195"/>
-          </a:xfrm>
-          <a:prstGeom prst="rightBrace">
-            <a:avLst>
-              <a:gd name="adj1" fmla="val 0"/>
-              <a:gd name="adj2" fmla="val 51316"/>
-            </a:avLst>
-          </a:prstGeom>
-          <a:ln w="19050">
-            <a:solidFill>
-              <a:schemeClr val="tx1"/>
-            </a:solidFill>
-            <a:miter lim="800000"/>
-          </a:ln>
-        </p:spPr>
-        <p:style>
-          <a:lnRef idx="1">
-            <a:schemeClr val="accent1"/>
-          </a:lnRef>
-          <a:fillRef idx="0">
-            <a:schemeClr val="accent1"/>
-          </a:fillRef>
-          <a:effectRef idx="0">
-            <a:schemeClr val="accent1"/>
-          </a:effectRef>
-          <a:fontRef idx="minor">
-            <a:schemeClr val="tx1"/>
-          </a:fontRef>
-        </p:style>
-        <p:txBody>
-          <a:bodyPr rtlCol="0" anchor="ctr"/>
-          <a:lstStyle/>
-          <a:p>
-            <a:pPr algn="ctr"/>
-            <a:endParaRPr lang="en-GB" sz="1799">
-              <a:solidFill>
-                <a:prstClr val="black"/>
-              </a:solidFill>
-            </a:endParaRPr>
-          </a:p>
-        </p:txBody>
-      </p:sp>
-      <p:sp>
-        <p:nvSpPr>
-          <p:cNvPr id="8" name="TextBox 7"/>
-          <p:cNvSpPr txBox="1"/>
-          <p:nvPr/>
-        </p:nvSpPr>
-        <p:spPr>
-          <a:xfrm>
-            <a:off x="484784" y="3153829"/>
-            <a:ext cx="1468795" cy="256660"/>
-          </a:xfrm>
-          <a:prstGeom prst="rect">
-            <a:avLst/>
-          </a:prstGeom>
-          <a:noFill/>
-        </p:spPr>
-        <p:txBody>
-          <a:bodyPr wrap="none" lIns="0" tIns="0" rIns="0" bIns="0" rtlCol="0">
-            <a:noAutofit/>
-          </a:bodyPr>
-          <a:lstStyle/>
-          <a:p>
-            <a:pPr>
-              <a:lnSpc>
-                <a:spcPct val="90000"/>
-              </a:lnSpc>
-            </a:pPr>
-            <a:r>
-              <a:rPr lang="en-US" sz="1799" dirty="0">
-                <a:solidFill>
-                  <a:prstClr val="black"/>
-                </a:solidFill>
-              </a:rPr>
-              <a:t>row directory</a:t>
-            </a:r>
-            <a:endParaRPr lang="en-GB" sz="1799" dirty="0" err="1">
-              <a:solidFill>
-                <a:prstClr val="black"/>
-              </a:solidFill>
-            </a:endParaRPr>
-          </a:p>
-        </p:txBody>
-      </p:sp>
-      <p:sp>
-        <p:nvSpPr>
-          <p:cNvPr id="9" name="Right Brace 8"/>
-          <p:cNvSpPr/>
-          <p:nvPr/>
-        </p:nvSpPr>
-        <p:spPr>
-          <a:xfrm rot="16200000">
-            <a:off x="6027134" y="-173231"/>
-            <a:ext cx="660893" cy="4570810"/>
-          </a:xfrm>
-          <a:prstGeom prst="rightBrace">
-            <a:avLst>
-              <a:gd name="adj1" fmla="val 0"/>
-              <a:gd name="adj2" fmla="val 51316"/>
-            </a:avLst>
-          </a:prstGeom>
-          <a:ln w="19050">
-            <a:solidFill>
-              <a:schemeClr val="tx1"/>
-            </a:solidFill>
-            <a:miter lim="800000"/>
-          </a:ln>
-        </p:spPr>
-        <p:style>
-          <a:lnRef idx="1">
-            <a:schemeClr val="accent1"/>
-          </a:lnRef>
-          <a:fillRef idx="0">
-            <a:schemeClr val="accent1"/>
-          </a:fillRef>
-          <a:effectRef idx="0">
-            <a:schemeClr val="accent1"/>
-          </a:effectRef>
-          <a:fontRef idx="minor">
-            <a:schemeClr val="tx1"/>
-          </a:fontRef>
-        </p:style>
-        <p:txBody>
-          <a:bodyPr rtlCol="0" anchor="ctr"/>
-          <a:lstStyle/>
-          <a:p>
-            <a:pPr algn="ctr"/>
-            <a:endParaRPr lang="en-GB" sz="1799">
-              <a:solidFill>
-                <a:prstClr val="black"/>
-              </a:solidFill>
-            </a:endParaRPr>
-          </a:p>
-        </p:txBody>
-      </p:sp>
-      <p:sp>
-        <p:nvSpPr>
-          <p:cNvPr id="10" name="Right Brace 9"/>
-          <p:cNvSpPr/>
-          <p:nvPr/>
-        </p:nvSpPr>
-        <p:spPr>
-          <a:xfrm rot="10800000">
-            <a:off x="2101384" y="3740646"/>
-            <a:ext cx="437299" cy="1780840"/>
-          </a:xfrm>
-          <a:prstGeom prst="rightBrace">
-            <a:avLst>
-              <a:gd name="adj1" fmla="val 0"/>
-              <a:gd name="adj2" fmla="val 49911"/>
-            </a:avLst>
-          </a:prstGeom>
-          <a:ln w="19050">
-            <a:solidFill>
-              <a:schemeClr val="tx1"/>
-            </a:solidFill>
-            <a:miter lim="800000"/>
-          </a:ln>
-        </p:spPr>
-        <p:style>
-          <a:lnRef idx="1">
-            <a:schemeClr val="accent1"/>
-          </a:lnRef>
-          <a:fillRef idx="0">
-            <a:schemeClr val="accent1"/>
-          </a:fillRef>
-          <a:effectRef idx="0">
-            <a:schemeClr val="accent1"/>
-          </a:effectRef>
-          <a:fontRef idx="minor">
-            <a:schemeClr val="tx1"/>
-          </a:fontRef>
-        </p:style>
-        <p:txBody>
-          <a:bodyPr rtlCol="0" anchor="ctr"/>
-          <a:lstStyle/>
-          <a:p>
-            <a:pPr algn="ctr"/>
-            <a:endParaRPr lang="en-GB" sz="1799">
-              <a:solidFill>
-                <a:prstClr val="black"/>
-              </a:solidFill>
-            </a:endParaRPr>
-          </a:p>
-        </p:txBody>
-      </p:sp>
-      <p:sp>
-        <p:nvSpPr>
-          <p:cNvPr id="12" name="TextBox 11"/>
-          <p:cNvSpPr txBox="1"/>
-          <p:nvPr/>
-        </p:nvSpPr>
-        <p:spPr>
-          <a:xfrm>
-            <a:off x="484784" y="4495111"/>
-            <a:ext cx="1437142" cy="242804"/>
-          </a:xfrm>
-          <a:prstGeom prst="rect">
-            <a:avLst/>
-          </a:prstGeom>
-          <a:noFill/>
-        </p:spPr>
-        <p:txBody>
-          <a:bodyPr wrap="none" lIns="0" tIns="0" rIns="0" bIns="0" rtlCol="0">
-            <a:noAutofit/>
-          </a:bodyPr>
-          <a:lstStyle/>
-          <a:p>
-            <a:pPr>
-              <a:lnSpc>
-                <a:spcPct val="90000"/>
-              </a:lnSpc>
-            </a:pPr>
-            <a:r>
-              <a:rPr lang="en-US" sz="1799" dirty="0">
-                <a:solidFill>
-                  <a:prstClr val="black"/>
-                </a:solidFill>
-              </a:rPr>
-              <a:t>human friendly</a:t>
-            </a:r>
-            <a:endParaRPr lang="en-GB" sz="1799" dirty="0" err="1">
-              <a:solidFill>
-                <a:prstClr val="black"/>
-              </a:solidFill>
-            </a:endParaRPr>
-          </a:p>
-        </p:txBody>
-      </p:sp>
-      <p:sp>
-        <p:nvSpPr>
-          <p:cNvPr id="13" name="TextBox 12"/>
-          <p:cNvSpPr txBox="1"/>
-          <p:nvPr/>
-        </p:nvSpPr>
-        <p:spPr>
-          <a:xfrm>
-            <a:off x="5631271" y="1395879"/>
-            <a:ext cx="1437142" cy="320551"/>
-          </a:xfrm>
-          <a:prstGeom prst="rect">
-            <a:avLst/>
-          </a:prstGeom>
-          <a:noFill/>
-        </p:spPr>
-        <p:txBody>
-          <a:bodyPr wrap="none" lIns="0" tIns="0" rIns="0" bIns="0" rtlCol="0">
-            <a:noAutofit/>
-          </a:bodyPr>
-          <a:lstStyle/>
-          <a:p>
-            <a:pPr>
-              <a:lnSpc>
-                <a:spcPct val="90000"/>
-              </a:lnSpc>
-            </a:pPr>
-            <a:r>
-              <a:rPr lang="en-US" sz="1799" dirty="0">
-                <a:solidFill>
-                  <a:prstClr val="black"/>
-                </a:solidFill>
-              </a:rPr>
-              <a:t>block dump in hex</a:t>
-            </a:r>
-            <a:endParaRPr lang="en-GB" sz="1799" dirty="0" err="1">
-              <a:solidFill>
-                <a:prstClr val="black"/>
-              </a:solidFill>
-            </a:endParaRPr>
-          </a:p>
-        </p:txBody>
-      </p:sp>
-      <p:sp>
-        <p:nvSpPr>
-          <p:cNvPr id="14" name="TextBox 13"/>
-          <p:cNvSpPr txBox="1"/>
-          <p:nvPr/>
-        </p:nvSpPr>
-        <p:spPr>
-          <a:xfrm>
-            <a:off x="9226575" y="1395879"/>
-            <a:ext cx="1437142" cy="320551"/>
-          </a:xfrm>
-          <a:prstGeom prst="rect">
-            <a:avLst/>
-          </a:prstGeom>
-          <a:noFill/>
-        </p:spPr>
-        <p:txBody>
-          <a:bodyPr wrap="none" lIns="0" tIns="0" rIns="0" bIns="0" rtlCol="0">
-            <a:noAutofit/>
-          </a:bodyPr>
-          <a:lstStyle/>
-          <a:p>
-            <a:pPr>
-              <a:lnSpc>
-                <a:spcPct val="90000"/>
-              </a:lnSpc>
-            </a:pPr>
-            <a:r>
-              <a:rPr lang="en-US" sz="1799" dirty="0">
-                <a:solidFill>
-                  <a:prstClr val="black"/>
-                </a:solidFill>
-              </a:rPr>
-              <a:t>human readable </a:t>
-            </a:r>
-            <a:endParaRPr lang="en-GB" sz="1799" dirty="0" err="1">
-              <a:solidFill>
-                <a:prstClr val="black"/>
-              </a:solidFill>
-            </a:endParaRPr>
-          </a:p>
-        </p:txBody>
-      </p:sp>
-    </p:spTree>
-    <p:extLst>
-      <p:ext uri="{BB962C8B-B14F-4D97-AF65-F5344CB8AC3E}">
-        <p14:creationId xmlns:p14="http://schemas.microsoft.com/office/powerpoint/2010/main" val="452249250"/>
-      </p:ext>
-    </p:extLst>
-  </p:cSld>
-  <p:clrMapOvr>
-    <a:masterClrMapping/>
-  </p:clrMapOvr>
-  <mc:AlternateContent xmlns:mc="http://schemas.openxmlformats.org/markup-compatibility/2006" xmlns:p14="http://schemas.microsoft.com/office/powerpoint/2010/main">
-    <mc:Choice Requires="p14">
-      <p:transition spd="med" p14:dur="700">
-        <p:fade/>
-      </p:transition>
-    </mc:Choice>
-    <mc:Fallback xmlns="">
-      <p:transition spd="med">
-        <p:fade/>
-      </p:transition>
-    </mc:Fallback>
-  </mc:AlternateContent>
-  <p:timing>
-    <p:tnLst>
-      <p:par>
-        <p:cTn id="1" dur="indefinite" restart="never" nodeType="tmRoot"/>
-      </p:par>
-    </p:tnLst>
-  </p:timing>
-</p:sld>
-</file>
-
 <file path=ppt/slides/slide3.xml><?xml version="1.0" encoding="utf-8"?>
 <p:sld xmlns:a="http://schemas.openxmlformats.org/drawingml/2006/main" xmlns:r="http://schemas.openxmlformats.org/officeDocument/2006/relationships" xmlns:p="http://schemas.openxmlformats.org/presentationml/2006/main">
   <p:cSld>
@@ -29220,6 +29603,156 @@
 </file>
 
 <file path=ppt/slides/slide4.xml><?xml version="1.0" encoding="utf-8"?>
+<p:sld xmlns:a="http://schemas.openxmlformats.org/drawingml/2006/main" xmlns:r="http://schemas.openxmlformats.org/officeDocument/2006/relationships" xmlns:p="http://schemas.openxmlformats.org/presentationml/2006/main">
+  <p:cSld>
+    <p:spTree>
+      <p:nvGrpSpPr>
+        <p:cNvPr id="1" name=""/>
+        <p:cNvGrpSpPr/>
+        <p:nvPr/>
+      </p:nvGrpSpPr>
+      <p:grpSpPr>
+        <a:xfrm>
+          <a:off x="0" y="0"/>
+          <a:ext cx="0" cy="0"/>
+          <a:chOff x="0" y="0"/>
+          <a:chExt cx="0" cy="0"/>
+        </a:xfrm>
+      </p:grpSpPr>
+      <p:sp>
+        <p:nvSpPr>
+          <p:cNvPr id="2" name="Title 1"/>
+          <p:cNvSpPr>
+            <a:spLocks noGrp="1"/>
+          </p:cNvSpPr>
+          <p:nvPr>
+            <p:ph type="title"/>
+          </p:nvPr>
+        </p:nvSpPr>
+        <p:spPr/>
+        <p:txBody>
+          <a:bodyPr/>
+          <a:lstStyle/>
+          <a:p>
+            <a:r>
+              <a:rPr lang="en-US" dirty="0" smtClean="0"/>
+              <a:t>Basic vs Advanced</a:t>
+            </a:r>
+            <a:endParaRPr lang="en-GB" dirty="0"/>
+          </a:p>
+        </p:txBody>
+      </p:sp>
+      <p:sp>
+        <p:nvSpPr>
+          <p:cNvPr id="3" name="TextBox 2"/>
+          <p:cNvSpPr txBox="1"/>
+          <p:nvPr/>
+        </p:nvSpPr>
+        <p:spPr>
+          <a:xfrm>
+            <a:off x="837828" y="1844824"/>
+            <a:ext cx="9001000" cy="4248472"/>
+          </a:xfrm>
+          <a:prstGeom prst="rect">
+            <a:avLst/>
+          </a:prstGeom>
+          <a:noFill/>
+        </p:spPr>
+        <p:txBody>
+          <a:bodyPr wrap="none" lIns="0" tIns="0" rIns="0" bIns="0" rtlCol="0">
+            <a:noAutofit/>
+          </a:bodyPr>
+          <a:lstStyle/>
+          <a:p>
+            <a:pPr>
+              <a:lnSpc>
+                <a:spcPct val="90000"/>
+              </a:lnSpc>
+            </a:pPr>
+            <a:r>
+              <a:rPr lang="en-US" dirty="0" smtClean="0"/>
+              <a:t>Basic compresses only once during a direct path load</a:t>
+            </a:r>
+          </a:p>
+          <a:p>
+            <a:pPr>
+              <a:lnSpc>
+                <a:spcPct val="90000"/>
+              </a:lnSpc>
+            </a:pPr>
+            <a:r>
+              <a:rPr lang="en-US" dirty="0"/>
+              <a:t> </a:t>
+            </a:r>
+            <a:r>
+              <a:rPr lang="en-US" dirty="0" smtClean="0"/>
+              <a:t> you have to recreate the blocks by moving the table</a:t>
+            </a:r>
+          </a:p>
+          <a:p>
+            <a:pPr>
+              <a:lnSpc>
+                <a:spcPct val="90000"/>
+              </a:lnSpc>
+            </a:pPr>
+            <a:endParaRPr lang="en-US" dirty="0"/>
+          </a:p>
+          <a:p>
+            <a:pPr>
+              <a:lnSpc>
+                <a:spcPct val="90000"/>
+              </a:lnSpc>
+            </a:pPr>
+            <a:endParaRPr lang="en-US" dirty="0" smtClean="0"/>
+          </a:p>
+          <a:p>
+            <a:pPr>
+              <a:lnSpc>
+                <a:spcPct val="90000"/>
+              </a:lnSpc>
+            </a:pPr>
+            <a:endParaRPr lang="en-US" dirty="0"/>
+          </a:p>
+          <a:p>
+            <a:pPr>
+              <a:lnSpc>
+                <a:spcPct val="90000"/>
+              </a:lnSpc>
+            </a:pPr>
+            <a:r>
+              <a:rPr lang="en-US" dirty="0" smtClean="0"/>
+              <a:t>Advanced will automatically recompress blocks when they fill up with uncompressed data</a:t>
+            </a:r>
+            <a:endParaRPr lang="en-GB" dirty="0" err="1" smtClean="0"/>
+          </a:p>
+        </p:txBody>
+      </p:sp>
+    </p:spTree>
+    <p:extLst>
+      <p:ext uri="{BB962C8B-B14F-4D97-AF65-F5344CB8AC3E}">
+        <p14:creationId xmlns:p14="http://schemas.microsoft.com/office/powerpoint/2010/main" val="756193027"/>
+      </p:ext>
+    </p:extLst>
+  </p:cSld>
+  <p:clrMapOvr>
+    <a:masterClrMapping/>
+  </p:clrMapOvr>
+  <mc:AlternateContent xmlns:mc="http://schemas.openxmlformats.org/markup-compatibility/2006" xmlns:p14="http://schemas.microsoft.com/office/powerpoint/2010/main">
+    <mc:Choice Requires="p14">
+      <p:transition spd="med" p14:dur="700">
+        <p:fade/>
+      </p:transition>
+    </mc:Choice>
+    <mc:Fallback xmlns="">
+      <p:transition spd="med">
+        <p:fade/>
+      </p:transition>
+    </mc:Fallback>
+  </mc:AlternateContent>
+</p:sld>
+</file>
+
+<file path=ppt/slides/slide5.xml><?xml version="1.0" encoding="utf-8"?>
 <p:sld xmlns:a="http://schemas.openxmlformats.org/drawingml/2006/main" xmlns:r="http://schemas.openxmlformats.org/officeDocument/2006/relationships" xmlns:p="http://schemas.openxmlformats.org/presentationml/2006/main">
   <p:cSld>
     <p:spTree>
@@ -30136,7 +30669,7 @@
 </p:sld>
 </file>
 
-<file path=ppt/slides/slide5.xml><?xml version="1.0" encoding="utf-8"?>
+<file path=ppt/slides/slide6.xml><?xml version="1.0" encoding="utf-8"?>
 <p:sld xmlns:a="http://schemas.openxmlformats.org/drawingml/2006/main" xmlns:r="http://schemas.openxmlformats.org/officeDocument/2006/relationships" xmlns:p="http://schemas.openxmlformats.org/presentationml/2006/main">
   <p:cSld>
     <p:spTree>
@@ -30857,7 +31390,7 @@
 </p:sld>
 </file>
 
-<file path=ppt/slides/slide6.xml><?xml version="1.0" encoding="utf-8"?>
+<file path=ppt/slides/slide7.xml><?xml version="1.0" encoding="utf-8"?>
 <p:sld xmlns:a="http://schemas.openxmlformats.org/drawingml/2006/main" xmlns:r="http://schemas.openxmlformats.org/officeDocument/2006/relationships" xmlns:p="http://schemas.openxmlformats.org/presentationml/2006/main">
   <p:cSld>
     <p:spTree>
@@ -31058,7 +31591,11 @@
             <a:graphicFrameLocks noGrp="1"/>
           </p:cNvGraphicFramePr>
           <p:nvPr>
-            <p:extLst/>
+            <p:extLst>
+              <p:ext uri="{D42A27DB-BD31-4B8C-83A1-F6EECF244321}">
+                <p14:modId xmlns:p14="http://schemas.microsoft.com/office/powerpoint/2010/main" val="4243926804"/>
+              </p:ext>
+            </p:extLst>
           </p:nvPr>
         </p:nvGraphicFramePr>
         <p:xfrm>
@@ -31117,7 +31654,11 @@
                     <a:p>
                       <a:r>
                         <a:rPr lang="en-US" sz="1800" dirty="0" smtClean="0"/>
-                        <a:t>00 - c7</a:t>
+                        <a:t>00 </a:t>
+                      </a:r>
+                      <a:r>
+                        <a:rPr lang="en-US" sz="1800" dirty="0" smtClean="0"/>
+                        <a:t>– c7</a:t>
                       </a:r>
                       <a:endParaRPr lang="en-GB" sz="1800" dirty="0"/>
                     </a:p>
@@ -31657,7 +32198,7 @@
 </p:sld>
 </file>
 
-<file path=ppt/slides/slide7.xml><?xml version="1.0" encoding="utf-8"?>
+<file path=ppt/slides/slide8.xml><?xml version="1.0" encoding="utf-8"?>
 <p:sld xmlns:a="http://schemas.openxmlformats.org/drawingml/2006/main" xmlns:r="http://schemas.openxmlformats.org/officeDocument/2006/relationships" xmlns:p="http://schemas.openxmlformats.org/presentationml/2006/main">
   <p:cSld>
     <p:bg>
@@ -32631,7 +33172,7 @@
 </p:sld>
 </file>
 
-<file path=ppt/slides/slide8.xml><?xml version="1.0" encoding="utf-8"?>
+<file path=ppt/slides/slide9.xml><?xml version="1.0" encoding="utf-8"?>
 <p:sld xmlns:a="http://schemas.openxmlformats.org/drawingml/2006/main" xmlns:r="http://schemas.openxmlformats.org/officeDocument/2006/relationships" xmlns:p="http://schemas.openxmlformats.org/presentationml/2006/main">
   <p:cSld>
     <p:spTree>
@@ -33399,142 +33940,6 @@
       </p:par>
     </p:tnLst>
   </p:timing>
-</p:sld>
-</file>
-
-<file path=ppt/slides/slide9.xml><?xml version="1.0" encoding="utf-8"?>
-<p:sld xmlns:a="http://schemas.openxmlformats.org/drawingml/2006/main" xmlns:r="http://schemas.openxmlformats.org/officeDocument/2006/relationships" xmlns:p="http://schemas.openxmlformats.org/presentationml/2006/main">
-  <p:cSld>
-    <p:spTree>
-      <p:nvGrpSpPr>
-        <p:cNvPr id="1" name=""/>
-        <p:cNvGrpSpPr/>
-        <p:nvPr/>
-      </p:nvGrpSpPr>
-      <p:grpSpPr>
-        <a:xfrm>
-          <a:off x="0" y="0"/>
-          <a:ext cx="0" cy="0"/>
-          <a:chOff x="0" y="0"/>
-          <a:chExt cx="0" cy="0"/>
-        </a:xfrm>
-      </p:grpSpPr>
-      <p:sp>
-        <p:nvSpPr>
-          <p:cNvPr id="2" name="Title 1"/>
-          <p:cNvSpPr>
-            <a:spLocks noGrp="1"/>
-          </p:cNvSpPr>
-          <p:nvPr>
-            <p:ph type="title"/>
-          </p:nvPr>
-        </p:nvSpPr>
-        <p:spPr>
-          <a:xfrm>
-            <a:off x="621804" y="260648"/>
-            <a:ext cx="10969943" cy="473968"/>
-          </a:xfrm>
-        </p:spPr>
-        <p:txBody>
-          <a:bodyPr/>
-          <a:lstStyle/>
-          <a:p>
-            <a:r>
-              <a:rPr lang="en-US" dirty="0" smtClean="0"/>
-              <a:t>Experimental Matrix</a:t>
-            </a:r>
-            <a:endParaRPr lang="en-US" dirty="0"/>
-          </a:p>
-        </p:txBody>
-      </p:sp>
-      <p:sp>
-        <p:nvSpPr>
-          <p:cNvPr id="3" name="Content Placeholder 2"/>
-          <p:cNvSpPr>
-            <a:spLocks noGrp="1"/>
-          </p:cNvSpPr>
-          <p:nvPr>
-            <p:ph idx="1"/>
-          </p:nvPr>
-        </p:nvSpPr>
-        <p:spPr/>
-        <p:txBody>
-          <a:bodyPr/>
-          <a:lstStyle/>
-          <a:p>
-            <a:r>
-              <a:rPr lang="en-US" dirty="0" smtClean="0"/>
-              <a:t>We measured table size after turning the following knobs</a:t>
-            </a:r>
-          </a:p>
-          <a:p>
-            <a:pPr lvl="1"/>
-            <a:r>
-              <a:rPr lang="en-US" dirty="0" smtClean="0"/>
-              <a:t>Compression vs. No Compression</a:t>
-            </a:r>
-          </a:p>
-          <a:p>
-            <a:pPr lvl="1"/>
-            <a:r>
-              <a:rPr lang="en-US" dirty="0" smtClean="0"/>
-              <a:t>Compression while sorting data before inserts</a:t>
-            </a:r>
-          </a:p>
-          <a:p>
-            <a:pPr lvl="1"/>
-            <a:r>
-              <a:rPr lang="en-US" dirty="0" smtClean="0"/>
-              <a:t>Block Size (8K/16K/32K)</a:t>
-            </a:r>
-          </a:p>
-          <a:p>
-            <a:pPr lvl="1"/>
-            <a:r>
-              <a:rPr lang="en-US" dirty="0" smtClean="0"/>
-              <a:t>Separate vs. Combined Parent/Child Tables</a:t>
-            </a:r>
-          </a:p>
-          <a:p>
-            <a:pPr lvl="1"/>
-            <a:r>
-              <a:rPr lang="en-US" dirty="0" smtClean="0"/>
-              <a:t>Normalized vs. </a:t>
-            </a:r>
-            <a:r>
-              <a:rPr lang="en-US" dirty="0" err="1" smtClean="0"/>
-              <a:t>Demornalized</a:t>
-            </a:r>
-            <a:r>
-              <a:rPr lang="en-US" dirty="0" smtClean="0"/>
-              <a:t> data</a:t>
-            </a:r>
-            <a:endParaRPr lang="en-US" dirty="0"/>
-          </a:p>
-        </p:txBody>
-      </p:sp>
-    </p:spTree>
-    <p:extLst>
-      <p:ext uri="{BB962C8B-B14F-4D97-AF65-F5344CB8AC3E}">
-        <p14:creationId xmlns:p14="http://schemas.microsoft.com/office/powerpoint/2010/main" val="1378702126"/>
-      </p:ext>
-    </p:extLst>
-  </p:cSld>
-  <p:clrMapOvr>
-    <a:masterClrMapping/>
-  </p:clrMapOvr>
-  <mc:AlternateContent xmlns:mc="http://schemas.openxmlformats.org/markup-compatibility/2006" xmlns:p14="http://schemas.microsoft.com/office/powerpoint/2010/main">
-    <mc:Choice Requires="p14">
-      <p:transition spd="med" p14:dur="700">
-        <p:fade/>
-      </p:transition>
-    </mc:Choice>
-    <mc:Fallback xmlns="">
-      <p:transition spd="med">
-        <p:fade/>
-      </p:transition>
-    </mc:Fallback>
-  </mc:AlternateContent>
 </p:sld>
 </file>
 

--- a/compression_sand_weiss_hotsos_2018.pptx
+++ b/compression_sand_weiss_hotsos_2018.pptx
@@ -6,10 +6,10 @@
     <p:sldMasterId id="2147483679" r:id="rId2"/>
   </p:sldMasterIdLst>
   <p:notesMasterIdLst>
-    <p:notesMasterId r:id="rId24"/>
+    <p:notesMasterId r:id="rId23"/>
   </p:notesMasterIdLst>
   <p:handoutMasterIdLst>
-    <p:handoutMasterId r:id="rId25"/>
+    <p:handoutMasterId r:id="rId24"/>
   </p:handoutMasterIdLst>
   <p:sldIdLst>
     <p:sldId id="256" r:id="rId3"/>
@@ -32,12 +32,11 @@
     <p:sldId id="304" r:id="rId20"/>
     <p:sldId id="296" r:id="rId21"/>
     <p:sldId id="287" r:id="rId22"/>
-    <p:sldId id="294" r:id="rId23"/>
   </p:sldIdLst>
   <p:sldSz cx="12188825" cy="6858000"/>
   <p:notesSz cx="6858000" cy="9144000"/>
   <p:custDataLst>
-    <p:tags r:id="rId26"/>
+    <p:tags r:id="rId25"/>
   </p:custDataLst>
   <p:defaultTextStyle>
     <a:defPPr>
@@ -274,7 +273,7 @@
           <a:p>
             <a:fld id="{ADCC02A0-C947-4278-96D1-0DB9C063DF55}" type="datetimeFigureOut">
               <a:rPr lang="en-US" smtClean="0"/>
-              <a:t>2018-02-28</a:t>
+              <a:t>3/1/2018</a:t>
             </a:fld>
             <a:endParaRPr lang="en-US"/>
           </a:p>
@@ -1322,7 +1321,6 @@
               <a:rPr lang="en-US" baseline="0" dirty="0" smtClean="0"/>
               <a:t>(new name for all operations))</a:t>
             </a:r>
-            <a:endParaRPr lang="en-US" baseline="0" dirty="0" smtClean="0"/>
           </a:p>
         </p:txBody>
       </p:sp>
@@ -2304,7 +2302,7 @@
           <a:p>
             <a:fld id="{80C853A8-1CF5-4118-9D6D-C132E8FC53CB}" type="datetimeFigureOut">
               <a:rPr lang="en-US" smtClean="0"/>
-              <a:t>2018-02-28</a:t>
+              <a:t>3/1/2018</a:t>
             </a:fld>
             <a:endParaRPr lang="en-US"/>
           </a:p>
@@ -3403,7 +3401,7 @@
             <a:fld id="{80C853A8-1CF5-4118-9D6D-C132E8FC53CB}" type="datetimeFigureOut">
               <a:rPr lang="en-US" smtClean="0"/>
               <a:pPr/>
-              <a:t>2018-02-28</a:t>
+              <a:t>3/1/2018</a:t>
             </a:fld>
             <a:endParaRPr lang="en-US"/>
           </a:p>
@@ -3609,7 +3607,7 @@
           <a:p>
             <a:fld id="{80C853A8-1CF5-4118-9D6D-C132E8FC53CB}" type="datetimeFigureOut">
               <a:rPr lang="en-US" smtClean="0"/>
-              <a:t>2018-02-28</a:t>
+              <a:t>3/1/2018</a:t>
             </a:fld>
             <a:endParaRPr lang="en-US"/>
           </a:p>
@@ -3746,7 +3744,7 @@
           <a:p>
             <a:fld id="{80C853A8-1CF5-4118-9D6D-C132E8FC53CB}" type="datetimeFigureOut">
               <a:rPr lang="en-US" smtClean="0"/>
-              <a:t>2018-02-28</a:t>
+              <a:t>3/1/2018</a:t>
             </a:fld>
             <a:endParaRPr lang="en-US"/>
           </a:p>
@@ -4038,7 +4036,7 @@
           <a:p>
             <a:fld id="{80C853A8-1CF5-4118-9D6D-C132E8FC53CB}" type="datetimeFigureOut">
               <a:rPr lang="en-US" smtClean="0"/>
-              <a:t>2018-02-28</a:t>
+              <a:t>3/1/2018</a:t>
             </a:fld>
             <a:endParaRPr lang="en-US"/>
           </a:p>
@@ -4428,7 +4426,7 @@
           <a:p>
             <a:fld id="{80C853A8-1CF5-4118-9D6D-C132E8FC53CB}" type="datetimeFigureOut">
               <a:rPr lang="en-US" smtClean="0"/>
-              <a:t>2018-02-28</a:t>
+              <a:t>3/1/2018</a:t>
             </a:fld>
             <a:endParaRPr lang="en-US"/>
           </a:p>
@@ -4565,7 +4563,7 @@
           <a:p>
             <a:fld id="{80C853A8-1CF5-4118-9D6D-C132E8FC53CB}" type="datetimeFigureOut">
               <a:rPr lang="en-US" smtClean="0"/>
-              <a:t>2018-02-28</a:t>
+              <a:t>3/1/2018</a:t>
             </a:fld>
             <a:endParaRPr lang="en-US"/>
           </a:p>
@@ -4777,7 +4775,7 @@
           <a:p>
             <a:fld id="{80C853A8-1CF5-4118-9D6D-C132E8FC53CB}" type="datetimeFigureOut">
               <a:rPr lang="en-US" smtClean="0"/>
-              <a:t>2018-02-28</a:t>
+              <a:t>3/1/2018</a:t>
             </a:fld>
             <a:endParaRPr lang="en-US"/>
           </a:p>
@@ -5093,7 +5091,7 @@
           <a:p>
             <a:fld id="{80C853A8-1CF5-4118-9D6D-C132E8FC53CB}" type="datetimeFigureOut">
               <a:rPr lang="en-US" smtClean="0"/>
-              <a:t>2018-02-28</a:t>
+              <a:t>3/1/2018</a:t>
             </a:fld>
             <a:endParaRPr lang="en-US"/>
           </a:p>
@@ -5553,7 +5551,7 @@
           <a:p>
             <a:fld id="{80C853A8-1CF5-4118-9D6D-C132E8FC53CB}" type="datetimeFigureOut">
               <a:rPr lang="en-US" smtClean="0"/>
-              <a:t>2018-02-28</a:t>
+              <a:t>3/1/2018</a:t>
             </a:fld>
             <a:endParaRPr lang="en-US"/>
           </a:p>
@@ -6111,7 +6109,7 @@
           <a:p>
             <a:fld id="{80C853A8-1CF5-4118-9D6D-C132E8FC53CB}" type="datetimeFigureOut">
               <a:rPr lang="en-US" smtClean="0"/>
-              <a:t>2018-02-28</a:t>
+              <a:t>3/1/2018</a:t>
             </a:fld>
             <a:endParaRPr lang="en-US"/>
           </a:p>
@@ -6468,7 +6466,7 @@
             <a:fld id="{80C853A8-1CF5-4118-9D6D-C132E8FC53CB}" type="datetimeFigureOut">
               <a:rPr lang="en-US" smtClean="0"/>
               <a:pPr/>
-              <a:t>2018-02-28</a:t>
+              <a:t>3/1/2018</a:t>
             </a:fld>
             <a:endParaRPr lang="en-US"/>
           </a:p>
@@ -6998,7 +6996,7 @@
           <a:p>
             <a:fld id="{80C853A8-1CF5-4118-9D6D-C132E8FC53CB}" type="datetimeFigureOut">
               <a:rPr lang="en-US" smtClean="0"/>
-              <a:t>2018-02-28</a:t>
+              <a:t>3/1/2018</a:t>
             </a:fld>
             <a:endParaRPr lang="en-US"/>
           </a:p>
@@ -7401,7 +7399,7 @@
           <a:p>
             <a:fld id="{80C853A8-1CF5-4118-9D6D-C132E8FC53CB}" type="datetimeFigureOut">
               <a:rPr lang="en-US" smtClean="0"/>
-              <a:t>2018-02-28</a:t>
+              <a:t>3/1/2018</a:t>
             </a:fld>
             <a:endParaRPr lang="en-US"/>
           </a:p>
@@ -8014,7 +8012,7 @@
           <a:p>
             <a:fld id="{80C853A8-1CF5-4118-9D6D-C132E8FC53CB}" type="datetimeFigureOut">
               <a:rPr lang="en-US" smtClean="0"/>
-              <a:t>2018-02-28</a:t>
+              <a:t>3/1/2018</a:t>
             </a:fld>
             <a:endParaRPr lang="en-US"/>
           </a:p>
@@ -8886,7 +8884,7 @@
           <a:p>
             <a:fld id="{80C853A8-1CF5-4118-9D6D-C132E8FC53CB}" type="datetimeFigureOut">
               <a:rPr lang="en-US" smtClean="0"/>
-              <a:t>2018-02-28</a:t>
+              <a:t>3/1/2018</a:t>
             </a:fld>
             <a:endParaRPr lang="en-US"/>
           </a:p>
@@ -9169,7 +9167,7 @@
           <a:p>
             <a:fld id="{80C853A8-1CF5-4118-9D6D-C132E8FC53CB}" type="datetimeFigureOut">
               <a:rPr lang="en-US" smtClean="0"/>
-              <a:t>2018-02-28</a:t>
+              <a:t>3/1/2018</a:t>
             </a:fld>
             <a:endParaRPr lang="en-US"/>
           </a:p>
@@ -9382,7 +9380,7 @@
           <a:p>
             <a:fld id="{80C853A8-1CF5-4118-9D6D-C132E8FC53CB}" type="datetimeFigureOut">
               <a:rPr lang="en-US" smtClean="0"/>
-              <a:t>2018-02-28</a:t>
+              <a:t>3/1/2018</a:t>
             </a:fld>
             <a:endParaRPr lang="en-US"/>
           </a:p>
@@ -9682,7 +9680,7 @@
           <a:p>
             <a:fld id="{80C853A8-1CF5-4118-9D6D-C132E8FC53CB}" type="datetimeFigureOut">
               <a:rPr lang="en-US" smtClean="0"/>
-              <a:t>2018-02-28</a:t>
+              <a:t>3/1/2018</a:t>
             </a:fld>
             <a:endParaRPr lang="en-US"/>
           </a:p>
@@ -10102,7 +10100,7 @@
           <a:p>
             <a:fld id="{80C853A8-1CF5-4118-9D6D-C132E8FC53CB}" type="datetimeFigureOut">
               <a:rPr lang="en-US" smtClean="0"/>
-              <a:t>2018-02-28</a:t>
+              <a:t>3/1/2018</a:t>
             </a:fld>
             <a:endParaRPr lang="en-US"/>
           </a:p>
@@ -10635,7 +10633,7 @@
           <a:p>
             <a:fld id="{80C853A8-1CF5-4118-9D6D-C132E8FC53CB}" type="datetimeFigureOut">
               <a:rPr lang="en-US" smtClean="0"/>
-              <a:t>2018-02-28</a:t>
+              <a:t>3/1/2018</a:t>
             </a:fld>
             <a:endParaRPr lang="en-US"/>
           </a:p>
@@ -10834,7 +10832,7 @@
           <a:p>
             <a:fld id="{80C853A8-1CF5-4118-9D6D-C132E8FC53CB}" type="datetimeFigureOut">
               <a:rPr lang="en-US" smtClean="0"/>
-              <a:t>2018-02-28</a:t>
+              <a:t>3/1/2018</a:t>
             </a:fld>
             <a:endParaRPr lang="en-US"/>
           </a:p>
@@ -11102,7 +11100,7 @@
           <a:p>
             <a:fld id="{80C853A8-1CF5-4118-9D6D-C132E8FC53CB}" type="datetimeFigureOut">
               <a:rPr lang="en-US" smtClean="0"/>
-              <a:t>2018-02-28</a:t>
+              <a:t>3/1/2018</a:t>
             </a:fld>
             <a:endParaRPr lang="en-US"/>
           </a:p>
@@ -11416,7 +11414,7 @@
                 </a:solidFill>
               </a:rPr>
               <a:pPr/>
-              <a:t>28/02/2018</a:t>
+              <a:t>01/03/2018</a:t>
             </a:fld>
             <a:endParaRPr lang="en-GB">
               <a:solidFill>
@@ -12142,7 +12140,7 @@
                 </a:solidFill>
               </a:rPr>
               <a:pPr/>
-              <a:t>28/02/2018</a:t>
+              <a:t>01/03/2018</a:t>
             </a:fld>
             <a:endParaRPr lang="en-GB">
               <a:solidFill>
@@ -12825,7 +12823,7 @@
                 </a:solidFill>
               </a:rPr>
               <a:pPr/>
-              <a:t>28/02/2018</a:t>
+              <a:t>01/03/2018</a:t>
             </a:fld>
             <a:endParaRPr lang="en-GB">
               <a:solidFill>
@@ -13551,7 +13549,7 @@
                 </a:solidFill>
               </a:rPr>
               <a:pPr/>
-              <a:t>28/02/2018</a:t>
+              <a:t>01/03/2018</a:t>
             </a:fld>
             <a:endParaRPr lang="en-GB">
               <a:solidFill>
@@ -14760,7 +14758,7 @@
                 </a:solidFill>
               </a:rPr>
               <a:pPr/>
-              <a:t>28/02/2018</a:t>
+              <a:t>01/03/2018</a:t>
             </a:fld>
             <a:endParaRPr lang="en-GB">
               <a:solidFill>
@@ -15521,7 +15519,7 @@
             <a:fld id="{80C853A8-1CF5-4118-9D6D-C132E8FC53CB}" type="datetimeFigureOut">
               <a:rPr lang="en-US" smtClean="0"/>
               <a:pPr/>
-              <a:t>2018-02-28</a:t>
+              <a:t>3/1/2018</a:t>
             </a:fld>
             <a:endParaRPr lang="en-US"/>
           </a:p>
@@ -15734,7 +15732,7 @@
                 </a:solidFill>
               </a:rPr>
               <a:pPr/>
-              <a:t>28/02/2018</a:t>
+              <a:t>01/03/2018</a:t>
             </a:fld>
             <a:endParaRPr lang="en-GB">
               <a:solidFill>
@@ -15903,7 +15901,7 @@
                 </a:solidFill>
               </a:rPr>
               <a:pPr/>
-              <a:t>28/02/2018</a:t>
+              <a:t>01/03/2018</a:t>
             </a:fld>
             <a:endParaRPr lang="en-GB">
               <a:solidFill>
@@ -16227,7 +16225,7 @@
                 </a:solidFill>
               </a:rPr>
               <a:pPr/>
-              <a:t>28/02/2018</a:t>
+              <a:t>01/03/2018</a:t>
             </a:fld>
             <a:endParaRPr lang="en-GB">
               <a:solidFill>
@@ -16649,7 +16647,7 @@
                 </a:solidFill>
               </a:rPr>
               <a:pPr/>
-              <a:t>28/02/2018</a:t>
+              <a:t>01/03/2018</a:t>
             </a:fld>
             <a:endParaRPr lang="en-GB">
               <a:solidFill>
@@ -16818,7 +16816,7 @@
                 </a:solidFill>
               </a:rPr>
               <a:pPr/>
-              <a:t>28/02/2018</a:t>
+              <a:t>01/03/2018</a:t>
             </a:fld>
             <a:endParaRPr lang="en-GB">
               <a:solidFill>
@@ -17062,7 +17060,7 @@
                 </a:solidFill>
               </a:rPr>
               <a:pPr/>
-              <a:t>28/02/2018</a:t>
+              <a:t>01/03/2018</a:t>
             </a:fld>
             <a:endParaRPr lang="en-GB">
               <a:solidFill>
@@ -17410,7 +17408,7 @@
                 </a:solidFill>
               </a:rPr>
               <a:pPr/>
-              <a:t>28/02/2018</a:t>
+              <a:t>01/03/2018</a:t>
             </a:fld>
             <a:endParaRPr lang="en-GB">
               <a:solidFill>
@@ -17902,7 +17900,7 @@
                 </a:solidFill>
               </a:rPr>
               <a:pPr/>
-              <a:t>28/02/2018</a:t>
+              <a:t>01/03/2018</a:t>
             </a:fld>
             <a:endParaRPr lang="en-GB">
               <a:solidFill>
@@ -18492,7 +18490,7 @@
                 </a:solidFill>
               </a:rPr>
               <a:pPr/>
-              <a:t>28/02/2018</a:t>
+              <a:t>01/03/2018</a:t>
             </a:fld>
             <a:endParaRPr lang="en-GB">
               <a:solidFill>
@@ -18666,7 +18664,7 @@
                 </a:solidFill>
               </a:rPr>
               <a:pPr/>
-              <a:t>28/02/2018</a:t>
+              <a:t>01/03/2018</a:t>
             </a:fld>
             <a:endParaRPr lang="en-GB">
               <a:solidFill>
@@ -19196,7 +19194,7 @@
                 </a:solidFill>
               </a:rPr>
               <a:pPr/>
-              <a:t>28/02/2018</a:t>
+              <a:t>01/03/2018</a:t>
             </a:fld>
             <a:endParaRPr lang="en-GB">
               <a:solidFill>
@@ -19841,7 +19839,7 @@
                 </a:solidFill>
               </a:rPr>
               <a:pPr/>
-              <a:t>28/02/2018</a:t>
+              <a:t>01/03/2018</a:t>
             </a:fld>
             <a:endParaRPr lang="en-GB">
               <a:solidFill>
@@ -20745,7 +20743,7 @@
                 </a:solidFill>
               </a:rPr>
               <a:pPr/>
-              <a:t>28/02/2018</a:t>
+              <a:t>01/03/2018</a:t>
             </a:fld>
             <a:endParaRPr lang="en-GB">
               <a:solidFill>
@@ -21060,7 +21058,7 @@
                 </a:solidFill>
               </a:rPr>
               <a:pPr/>
-              <a:t>28/02/2018</a:t>
+              <a:t>01/03/2018</a:t>
             </a:fld>
             <a:endParaRPr lang="en-GB">
               <a:solidFill>
@@ -21305,7 +21303,7 @@
                 </a:solidFill>
               </a:rPr>
               <a:pPr/>
-              <a:t>28/02/2018</a:t>
+              <a:t>01/03/2018</a:t>
             </a:fld>
             <a:endParaRPr lang="en-GB">
               <a:solidFill>
@@ -21637,7 +21635,7 @@
                 </a:solidFill>
               </a:rPr>
               <a:pPr/>
-              <a:t>28/02/2018</a:t>
+              <a:t>01/03/2018</a:t>
             </a:fld>
             <a:endParaRPr lang="en-GB">
               <a:solidFill>
@@ -22089,7 +22087,7 @@
                 </a:solidFill>
               </a:rPr>
               <a:pPr/>
-              <a:t>28/02/2018</a:t>
+              <a:t>01/03/2018</a:t>
             </a:fld>
             <a:endParaRPr lang="en-GB">
               <a:solidFill>
@@ -22654,7 +22652,7 @@
                 </a:solidFill>
               </a:rPr>
               <a:pPr/>
-              <a:t>28/02/2018</a:t>
+              <a:t>01/03/2018</a:t>
             </a:fld>
             <a:endParaRPr lang="en-GB">
               <a:solidFill>
@@ -22885,7 +22883,7 @@
                 </a:solidFill>
               </a:rPr>
               <a:pPr/>
-              <a:t>28/02/2018</a:t>
+              <a:t>01/03/2018</a:t>
             </a:fld>
             <a:endParaRPr lang="en-GB">
               <a:solidFill>
@@ -23522,7 +23520,7 @@
             <a:fld id="{80C853A8-1CF5-4118-9D6D-C132E8FC53CB}" type="datetimeFigureOut">
               <a:rPr lang="en-US" smtClean="0"/>
               <a:pPr/>
-              <a:t>2018-02-28</a:t>
+              <a:t>3/1/2018</a:t>
             </a:fld>
             <a:endParaRPr lang="en-US"/>
           </a:p>
@@ -24598,7 +24596,7 @@
                 </a:solidFill>
               </a:rPr>
               <a:pPr/>
-              <a:t>28/02/2018</a:t>
+              <a:t>01/03/2018</a:t>
             </a:fld>
             <a:endParaRPr lang="en-GB">
               <a:solidFill>
@@ -26873,8 +26871,16 @@
           <a:lstStyle/>
           <a:p>
             <a:r>
+              <a:rPr lang="en-US" dirty="0" err="1" smtClean="0"/>
+              <a:t>Denormalizing</a:t>
+            </a:r>
+            <a:r>
               <a:rPr lang="en-US" dirty="0" smtClean="0"/>
-              <a:t>Combining Parent/Child Tables into One Table</a:t>
+              <a:t> Parent/Child </a:t>
+            </a:r>
+            <a:r>
+              <a:rPr lang="en-US" dirty="0" smtClean="0"/>
+              <a:t>Tables into One Table</a:t>
             </a:r>
             <a:endParaRPr lang="en-US" dirty="0"/>
           </a:p>
@@ -27072,8 +27078,17 @@
           <a:p>
             <a:r>
               <a:rPr lang="en-US" dirty="0" smtClean="0"/>
-              <a:t>It’s obvious, but you do pay a storage price if you combine your parent/child tables into one table.</a:t>
-            </a:r>
+              <a:t>It’s obvious, but you do pay a storage price if you </a:t>
+            </a:r>
+            <a:r>
+              <a:rPr lang="en-US" dirty="0" err="1" smtClean="0"/>
+              <a:t>denormalize</a:t>
+            </a:r>
+            <a:r>
+              <a:rPr lang="en-US" dirty="0" smtClean="0"/>
+              <a:t> into a combined parent/child table.</a:t>
+            </a:r>
+            <a:endParaRPr lang="en-US" dirty="0" smtClean="0"/>
           </a:p>
           <a:p>
             <a:pPr lvl="1"/>
@@ -27121,7 +27136,7 @@
       </p:sp>
       <p:pic>
         <p:nvPicPr>
-          <p:cNvPr id="3" name="Picture 2"/>
+          <p:cNvPr id="4" name="Picture 3"/>
           <p:cNvPicPr>
             <a:picLocks noChangeAspect="1"/>
           </p:cNvPicPr>
@@ -27136,7 +27151,7 @@
         <p:spPr>
           <a:xfrm>
             <a:off x="0" y="1371600"/>
-            <a:ext cx="7565066" cy="5486400"/>
+            <a:ext cx="7557742" cy="5486400"/>
           </a:xfrm>
           <a:prstGeom prst="rect">
             <a:avLst/>
@@ -27432,33 +27447,45 @@
               <a:t>Moving from separate tables to combined tables makes the CPU usage go down quite a bit.  This also makes sense as you don’t need to do a join which costs CPU.</a:t>
             </a:r>
           </a:p>
-          <a:p>
-            <a:pPr lvl="1"/>
-            <a:r>
-              <a:rPr lang="en-US" dirty="0" smtClean="0"/>
-              <a:t>I was not expecting the normalized tables to require less CPU than the </a:t>
-            </a:r>
-            <a:r>
-              <a:rPr lang="en-US" dirty="0" err="1" smtClean="0"/>
-              <a:t>denormalized</a:t>
-            </a:r>
-            <a:r>
-              <a:rPr lang="en-US" dirty="0" smtClean="0"/>
-              <a:t> tables. </a:t>
-            </a:r>
-          </a:p>
-          <a:p>
-            <a:pPr lvl="2"/>
-            <a:r>
-              <a:rPr lang="en-US" dirty="0" smtClean="0"/>
-              <a:t>Normalized tables require a join with the reference tables. </a:t>
+        </p:txBody>
+      </p:sp>
+      <p:sp>
+        <p:nvSpPr>
+          <p:cNvPr id="7" name="TextBox 6"/>
+          <p:cNvSpPr txBox="1"/>
+          <p:nvPr/>
+        </p:nvSpPr>
+        <p:spPr>
+          <a:xfrm>
+            <a:off x="7678588" y="5965004"/>
+            <a:ext cx="3168352" cy="373560"/>
+          </a:xfrm>
+          <a:prstGeom prst="rect">
+            <a:avLst/>
+          </a:prstGeom>
+          <a:noFill/>
+        </p:spPr>
+        <p:txBody>
+          <a:bodyPr wrap="none" lIns="0" tIns="0" rIns="0" bIns="0" rtlCol="0">
+            <a:noAutofit/>
+          </a:bodyPr>
+          <a:lstStyle/>
+          <a:p>
+            <a:pPr>
+              <a:lnSpc>
+                <a:spcPct val="90000"/>
+              </a:lnSpc>
+            </a:pPr>
+            <a:r>
+              <a:rPr lang="en-US" sz="2200" dirty="0" smtClean="0"/>
+              <a:t>*Used Snapper to gather CPU data</a:t>
             </a:r>
           </a:p>
         </p:txBody>
       </p:sp>
       <p:pic>
         <p:nvPicPr>
-          <p:cNvPr id="6" name="Picture 5"/>
+          <p:cNvPr id="3" name="Picture 2"/>
           <p:cNvPicPr>
             <a:picLocks noChangeAspect="1"/>
           </p:cNvPicPr>
@@ -27473,47 +27500,13 @@
         <p:spPr>
           <a:xfrm>
             <a:off x="0" y="1371600"/>
-            <a:ext cx="7559749" cy="5486400"/>
+            <a:ext cx="7553739" cy="5486400"/>
           </a:xfrm>
           <a:prstGeom prst="rect">
             <a:avLst/>
           </a:prstGeom>
         </p:spPr>
       </p:pic>
-      <p:sp>
-        <p:nvSpPr>
-          <p:cNvPr id="7" name="TextBox 6"/>
-          <p:cNvSpPr txBox="1"/>
-          <p:nvPr/>
-        </p:nvSpPr>
-        <p:spPr>
-          <a:xfrm>
-            <a:off x="7678588" y="5965004"/>
-            <a:ext cx="3168352" cy="373560"/>
-          </a:xfrm>
-          <a:prstGeom prst="rect">
-            <a:avLst/>
-          </a:prstGeom>
-          <a:noFill/>
-        </p:spPr>
-        <p:txBody>
-          <a:bodyPr wrap="none" lIns="0" tIns="0" rIns="0" bIns="0" rtlCol="0">
-            <a:noAutofit/>
-          </a:bodyPr>
-          <a:lstStyle/>
-          <a:p>
-            <a:pPr>
-              <a:lnSpc>
-                <a:spcPct val="90000"/>
-              </a:lnSpc>
-            </a:pPr>
-            <a:r>
-              <a:rPr lang="en-US" sz="2200" dirty="0" smtClean="0"/>
-              <a:t>*Used Snapper to gather CPU data</a:t>
-            </a:r>
-          </a:p>
-        </p:txBody>
-      </p:sp>
     </p:spTree>
     <p:extLst>
       <p:ext uri="{BB962C8B-B14F-4D97-AF65-F5344CB8AC3E}">
@@ -27613,8 +27606,17 @@
           <a:p>
             <a:r>
               <a:rPr lang="en-US" dirty="0" smtClean="0"/>
-              <a:t>There is a small price to pay for combining parent/child tables into one table.</a:t>
-            </a:r>
+              <a:t>There is a small price to pay for </a:t>
+            </a:r>
+            <a:r>
+              <a:rPr lang="en-US" dirty="0" err="1" smtClean="0"/>
+              <a:t>denormalizing</a:t>
+            </a:r>
+            <a:r>
+              <a:rPr lang="en-US" dirty="0" smtClean="0"/>
+              <a:t> your data into a combined parent/child.</a:t>
+            </a:r>
+            <a:endParaRPr lang="en-US" dirty="0" smtClean="0"/>
           </a:p>
           <a:p>
             <a:pPr lvl="1"/>
@@ -28945,327 +28947,6 @@
       </p:par>
     </p:tnLst>
   </p:timing>
-</p:sld>
-</file>
-
-<file path=ppt/slides/slide21.xml><?xml version="1.0" encoding="utf-8"?>
-<p:sld xmlns:a="http://schemas.openxmlformats.org/drawingml/2006/main" xmlns:r="http://schemas.openxmlformats.org/officeDocument/2006/relationships" xmlns:p="http://schemas.openxmlformats.org/presentationml/2006/main">
-  <p:cSld>
-    <p:spTree>
-      <p:nvGrpSpPr>
-        <p:cNvPr id="1" name=""/>
-        <p:cNvGrpSpPr/>
-        <p:nvPr/>
-      </p:nvGrpSpPr>
-      <p:grpSpPr>
-        <a:xfrm>
-          <a:off x="0" y="0"/>
-          <a:ext cx="0" cy="0"/>
-          <a:chOff x="0" y="0"/>
-          <a:chExt cx="0" cy="0"/>
-        </a:xfrm>
-      </p:grpSpPr>
-      <p:sp>
-        <p:nvSpPr>
-          <p:cNvPr id="2" name="Title 1"/>
-          <p:cNvSpPr>
-            <a:spLocks noGrp="1"/>
-          </p:cNvSpPr>
-          <p:nvPr>
-            <p:ph type="title"/>
-          </p:nvPr>
-        </p:nvSpPr>
-        <p:spPr>
-          <a:xfrm>
-            <a:off x="609441" y="188640"/>
-            <a:ext cx="10969943" cy="518120"/>
-          </a:xfrm>
-        </p:spPr>
-        <p:txBody>
-          <a:bodyPr/>
-          <a:lstStyle/>
-          <a:p>
-            <a:r>
-              <a:rPr lang="en-US" dirty="0" smtClean="0"/>
-              <a:t>Normalized vs. </a:t>
-            </a:r>
-            <a:r>
-              <a:rPr lang="en-US" dirty="0" err="1" smtClean="0"/>
-              <a:t>Denormalized</a:t>
-            </a:r>
-            <a:r>
-              <a:rPr lang="en-US" dirty="0" smtClean="0"/>
-              <a:t> Tables</a:t>
-            </a:r>
-            <a:endParaRPr lang="en-US" dirty="0"/>
-          </a:p>
-        </p:txBody>
-      </p:sp>
-      <p:sp>
-        <p:nvSpPr>
-          <p:cNvPr id="7" name="Content Placeholder 2"/>
-          <p:cNvSpPr txBox="1">
-            <a:spLocks/>
-          </p:cNvSpPr>
-          <p:nvPr/>
-        </p:nvSpPr>
-        <p:spPr>
-          <a:xfrm>
-            <a:off x="7678588" y="1351184"/>
-            <a:ext cx="3900796" cy="4800600"/>
-          </a:xfrm>
-          <a:prstGeom prst="rect">
-            <a:avLst/>
-          </a:prstGeom>
-        </p:spPr>
-        <p:txBody>
-          <a:bodyPr vert="horz" lIns="0" tIns="0" rIns="0" bIns="0" rtlCol="0">
-            <a:normAutofit/>
-          </a:bodyPr>
-          <a:lstStyle>
-            <a:lvl1pPr marL="182880" indent="-182880" algn="l" defTabSz="914400" rtl="0" eaLnBrk="1" latinLnBrk="0" hangingPunct="1">
-              <a:lnSpc>
-                <a:spcPct val="90000"/>
-              </a:lnSpc>
-              <a:spcBef>
-                <a:spcPts val="1200"/>
-              </a:spcBef>
-              <a:buFont typeface="HP Simplified" panose="020B0604020204020204" pitchFamily="34" charset="0"/>
-              <a:buChar char="•"/>
-              <a:defRPr sz="1800" kern="1200">
-                <a:solidFill>
-                  <a:schemeClr val="tx1"/>
-                </a:solidFill>
-                <a:latin typeface="+mn-lt"/>
-                <a:ea typeface="+mn-ea"/>
-                <a:cs typeface="+mn-cs"/>
-              </a:defRPr>
-            </a:lvl1pPr>
-            <a:lvl2pPr marL="411480" indent="-182880" algn="l" defTabSz="914400" rtl="0" eaLnBrk="1" latinLnBrk="0" hangingPunct="1">
-              <a:lnSpc>
-                <a:spcPct val="90000"/>
-              </a:lnSpc>
-              <a:spcBef>
-                <a:spcPts val="800"/>
-              </a:spcBef>
-              <a:buSzPct val="80000"/>
-              <a:buFont typeface="HP Simplified" panose="020B0604020204020204" pitchFamily="34" charset="0"/>
-              <a:buChar char="–"/>
-              <a:defRPr sz="1600" kern="1200">
-                <a:solidFill>
-                  <a:schemeClr val="tx1"/>
-                </a:solidFill>
-                <a:latin typeface="+mn-lt"/>
-                <a:ea typeface="+mn-ea"/>
-                <a:cs typeface="+mn-cs"/>
-              </a:defRPr>
-            </a:lvl2pPr>
-            <a:lvl3pPr marL="548640" indent="-137160" algn="l" defTabSz="914400" rtl="0" eaLnBrk="1" latinLnBrk="0" hangingPunct="1">
-              <a:lnSpc>
-                <a:spcPct val="90000"/>
-              </a:lnSpc>
-              <a:spcBef>
-                <a:spcPts val="600"/>
-              </a:spcBef>
-              <a:buFont typeface="HP Simplified" panose="020B0604020204020204" pitchFamily="34" charset="0"/>
-              <a:buChar char="•"/>
-              <a:defRPr sz="1400" kern="1200">
-                <a:solidFill>
-                  <a:schemeClr val="tx1"/>
-                </a:solidFill>
-                <a:latin typeface="+mn-lt"/>
-                <a:ea typeface="+mn-ea"/>
-                <a:cs typeface="+mn-cs"/>
-              </a:defRPr>
-            </a:lvl3pPr>
-            <a:lvl4pPr marL="731520" indent="-137160" algn="l" defTabSz="914400" rtl="0" eaLnBrk="1" latinLnBrk="0" hangingPunct="1">
-              <a:lnSpc>
-                <a:spcPct val="90000"/>
-              </a:lnSpc>
-              <a:spcBef>
-                <a:spcPts val="600"/>
-              </a:spcBef>
-              <a:buSzPct val="80000"/>
-              <a:buFont typeface="HP Simplified" panose="020B0604020204020204" pitchFamily="34" charset="0"/>
-              <a:buChar char="–"/>
-              <a:defRPr sz="1200" kern="1200">
-                <a:solidFill>
-                  <a:schemeClr val="tx1"/>
-                </a:solidFill>
-                <a:latin typeface="+mn-lt"/>
-                <a:ea typeface="+mn-ea"/>
-                <a:cs typeface="+mn-cs"/>
-              </a:defRPr>
-            </a:lvl4pPr>
-            <a:lvl5pPr marL="868680" indent="-137160" algn="l" defTabSz="914400" rtl="0" eaLnBrk="1" latinLnBrk="0" hangingPunct="1">
-              <a:lnSpc>
-                <a:spcPct val="90000"/>
-              </a:lnSpc>
-              <a:spcBef>
-                <a:spcPts val="600"/>
-              </a:spcBef>
-              <a:buFont typeface="HP Simplified" panose="020B0604020204020204" pitchFamily="34" charset="0"/>
-              <a:buChar char="•"/>
-              <a:defRPr sz="1200" kern="1200">
-                <a:solidFill>
-                  <a:schemeClr val="tx1"/>
-                </a:solidFill>
-                <a:latin typeface="+mn-lt"/>
-                <a:ea typeface="+mn-ea"/>
-                <a:cs typeface="+mn-cs"/>
-              </a:defRPr>
-            </a:lvl5pPr>
-            <a:lvl6pPr marL="1051560" indent="-137160" algn="l" defTabSz="914400" rtl="0" eaLnBrk="1" latinLnBrk="0" hangingPunct="1">
-              <a:lnSpc>
-                <a:spcPct val="90000"/>
-              </a:lnSpc>
-              <a:spcBef>
-                <a:spcPts val="600"/>
-              </a:spcBef>
-              <a:buSzPct val="80000"/>
-              <a:buFont typeface="HP Simplified" panose="020B0604020204020204" pitchFamily="34" charset="0"/>
-              <a:buChar char="–"/>
-              <a:defRPr sz="1200" kern="1200">
-                <a:solidFill>
-                  <a:schemeClr val="tx1"/>
-                </a:solidFill>
-                <a:latin typeface="+mn-lt"/>
-                <a:ea typeface="+mn-ea"/>
-                <a:cs typeface="+mn-cs"/>
-              </a:defRPr>
-            </a:lvl6pPr>
-            <a:lvl7pPr marL="1188720" indent="-137160" algn="l" defTabSz="914400" rtl="0" eaLnBrk="1" latinLnBrk="0" hangingPunct="1">
-              <a:lnSpc>
-                <a:spcPct val="90000"/>
-              </a:lnSpc>
-              <a:spcBef>
-                <a:spcPts val="600"/>
-              </a:spcBef>
-              <a:buFont typeface="HP Simplified" panose="020B0604020204020204" pitchFamily="34" charset="0"/>
-              <a:buChar char="•"/>
-              <a:defRPr sz="1200" kern="1200">
-                <a:solidFill>
-                  <a:schemeClr val="tx1"/>
-                </a:solidFill>
-                <a:latin typeface="+mn-lt"/>
-                <a:ea typeface="+mn-ea"/>
-                <a:cs typeface="+mn-cs"/>
-              </a:defRPr>
-            </a:lvl7pPr>
-            <a:lvl8pPr marL="1371600" indent="-137160" algn="l" defTabSz="914400" rtl="0" eaLnBrk="1" latinLnBrk="0" hangingPunct="1">
-              <a:lnSpc>
-                <a:spcPct val="90000"/>
-              </a:lnSpc>
-              <a:spcBef>
-                <a:spcPts val="600"/>
-              </a:spcBef>
-              <a:buSzPct val="80000"/>
-              <a:buFont typeface="HP Simplified" panose="020B0604020204020204" pitchFamily="34" charset="0"/>
-              <a:buChar char="–"/>
-              <a:defRPr sz="1200" kern="1200">
-                <a:solidFill>
-                  <a:schemeClr val="tx1"/>
-                </a:solidFill>
-                <a:latin typeface="+mn-lt"/>
-                <a:ea typeface="+mn-ea"/>
-                <a:cs typeface="+mn-cs"/>
-              </a:defRPr>
-            </a:lvl8pPr>
-            <a:lvl9pPr marL="1554480" indent="-137160" algn="l" defTabSz="914400" rtl="0" eaLnBrk="1" latinLnBrk="0" hangingPunct="1">
-              <a:lnSpc>
-                <a:spcPct val="90000"/>
-              </a:lnSpc>
-              <a:spcBef>
-                <a:spcPts val="600"/>
-              </a:spcBef>
-              <a:buFont typeface="HP Simplified" panose="020B0604020204020204" pitchFamily="34" charset="0"/>
-              <a:buChar char="•"/>
-              <a:defRPr sz="1200" kern="1200">
-                <a:solidFill>
-                  <a:schemeClr val="tx1"/>
-                </a:solidFill>
-                <a:latin typeface="+mn-lt"/>
-                <a:ea typeface="+mn-ea"/>
-                <a:cs typeface="+mn-cs"/>
-              </a:defRPr>
-            </a:lvl9pPr>
-          </a:lstStyle>
-          <a:p>
-            <a:r>
-              <a:rPr lang="en-US" dirty="0" smtClean="0"/>
-              <a:t>You can normalize your data and get some improvement in storage size.</a:t>
-            </a:r>
-          </a:p>
-          <a:p>
-            <a:pPr lvl="1"/>
-            <a:r>
-              <a:rPr lang="en-US" dirty="0" smtClean="0"/>
-              <a:t>In our case, when we say normalize what we’re really doing is storing static VARCHAR data as a number.</a:t>
-            </a:r>
-          </a:p>
-          <a:p>
-            <a:pPr lvl="1"/>
-            <a:r>
-              <a:rPr lang="en-US" dirty="0" smtClean="0"/>
-              <a:t>In a way, this is essentially what Oracle is doing for me with compression.  </a:t>
-            </a:r>
-          </a:p>
-          <a:p>
-            <a:pPr lvl="1"/>
-            <a:r>
-              <a:rPr lang="en-US" dirty="0" smtClean="0"/>
-              <a:t>Not doing it would greatly simplify my system.</a:t>
-            </a:r>
-            <a:endParaRPr lang="en-US" dirty="0"/>
-          </a:p>
-        </p:txBody>
-      </p:sp>
-      <p:pic>
-        <p:nvPicPr>
-          <p:cNvPr id="3" name="Picture 2"/>
-          <p:cNvPicPr>
-            <a:picLocks noChangeAspect="1"/>
-          </p:cNvPicPr>
-          <p:nvPr/>
-        </p:nvPicPr>
-        <p:blipFill>
-          <a:blip r:embed="rId2"/>
-          <a:stretch>
-            <a:fillRect/>
-          </a:stretch>
-        </p:blipFill>
-        <p:spPr>
-          <a:xfrm>
-            <a:off x="0" y="1371600"/>
-            <a:ext cx="7555739" cy="5486400"/>
-          </a:xfrm>
-          <a:prstGeom prst="rect">
-            <a:avLst/>
-          </a:prstGeom>
-        </p:spPr>
-      </p:pic>
-    </p:spTree>
-    <p:extLst>
-      <p:ext uri="{BB962C8B-B14F-4D97-AF65-F5344CB8AC3E}">
-        <p14:creationId xmlns:p14="http://schemas.microsoft.com/office/powerpoint/2010/main" val="3605625521"/>
-      </p:ext>
-    </p:extLst>
-  </p:cSld>
-  <p:clrMapOvr>
-    <a:masterClrMapping/>
-  </p:clrMapOvr>
-  <mc:AlternateContent xmlns:mc="http://schemas.openxmlformats.org/markup-compatibility/2006" xmlns:p14="http://schemas.microsoft.com/office/powerpoint/2010/main">
-    <mc:Choice Requires="p14">
-      <p:transition spd="med" p14:dur="700">
-        <p:fade/>
-      </p:transition>
-    </mc:Choice>
-    <mc:Fallback xmlns="">
-      <p:transition spd="med">
-        <p:fade/>
-      </p:transition>
-    </mc:Fallback>
-  </mc:AlternateContent>
 </p:sld>
 </file>
 
@@ -31654,11 +31335,7 @@
                     <a:p>
                       <a:r>
                         <a:rPr lang="en-US" sz="1800" dirty="0" smtClean="0"/>
-                        <a:t>00 </a:t>
-                      </a:r>
-                      <a:r>
-                        <a:rPr lang="en-US" sz="1800" dirty="0" smtClean="0"/>
-                        <a:t>– c7</a:t>
+                        <a:t>00 – c7</a:t>
                       </a:r>
                       <a:endParaRPr lang="en-GB" sz="1800" dirty="0"/>
                     </a:p>

--- a/compression_sand_weiss_hotsos_2018.pptx
+++ b/compression_sand_weiss_hotsos_2018.pptx
@@ -273,7 +273,7 @@
           <a:p>
             <a:fld id="{ADCC02A0-C947-4278-96D1-0DB9C063DF55}" type="datetimeFigureOut">
               <a:rPr lang="en-US" smtClean="0"/>
-              <a:t>3/1/2018</a:t>
+              <a:t>2018-03-02</a:t>
             </a:fld>
             <a:endParaRPr lang="en-US"/>
           </a:p>
@@ -1162,9 +1162,26 @@
           <a:bodyPr/>
           <a:lstStyle/>
           <a:p>
+            <a:pPr marL="0" marR="0" lvl="0" indent="0" algn="l" defTabSz="914400" rtl="0" eaLnBrk="1" fontAlgn="auto" latinLnBrk="0" hangingPunct="1">
+              <a:lnSpc>
+                <a:spcPct val="100000"/>
+              </a:lnSpc>
+              <a:spcBef>
+                <a:spcPts val="600"/>
+              </a:spcBef>
+              <a:spcAft>
+                <a:spcPts val="0"/>
+              </a:spcAft>
+              <a:buClrTx/>
+              <a:buSzTx/>
+              <a:buFontTx/>
+              <a:buNone/>
+              <a:tabLst/>
+              <a:defRPr/>
+            </a:pPr>
             <a:r>
               <a:rPr lang="en-US" dirty="0" smtClean="0"/>
-              <a:t>Big endian</a:t>
+              <a:t>This is a block dump</a:t>
             </a:r>
           </a:p>
           <a:p>
@@ -1173,21 +1190,132 @@
           <a:p>
             <a:r>
               <a:rPr lang="en-US" dirty="0" smtClean="0"/>
-              <a:t>This is a dump</a:t>
-            </a:r>
-          </a:p>
-          <a:p>
+              <a:t>little endian </a:t>
+            </a:r>
             <a:endParaRPr lang="en-US" dirty="0" smtClean="0"/>
           </a:p>
           <a:p>
+            <a:endParaRPr lang="en-US" dirty="0" smtClean="0"/>
+          </a:p>
+          <a:p>
+            <a:r>
+              <a:rPr lang="en-US" sz="1100" dirty="0" smtClean="0">
+                <a:solidFill>
+                  <a:prstClr val="black"/>
+                </a:solidFill>
+                <a:latin typeface="Consolas" panose="020B0609020204030204" pitchFamily="49" charset="0"/>
+              </a:rPr>
+              <a:t>43415004 01012C4B 54415203 </a:t>
+            </a:r>
+          </a:p>
+          <a:p>
+            <a:r>
+              <a:rPr lang="en-US" sz="1100" dirty="0" smtClean="0">
+                <a:solidFill>
+                  <a:prstClr val="black"/>
+                </a:solidFill>
+                <a:latin typeface="Consolas" panose="020B0609020204030204" pitchFamily="49" charset="0"/>
+              </a:rPr>
+              <a:t>Becomes (for those of us that</a:t>
+            </a:r>
+            <a:r>
+              <a:rPr lang="en-US" sz="1100" baseline="0" dirty="0" smtClean="0">
+                <a:solidFill>
+                  <a:prstClr val="black"/>
+                </a:solidFill>
+                <a:latin typeface="Consolas" panose="020B0609020204030204" pitchFamily="49" charset="0"/>
+              </a:rPr>
+              <a:t> read left to right)</a:t>
+            </a:r>
+            <a:endParaRPr lang="en-US" sz="1100" dirty="0" smtClean="0">
+              <a:solidFill>
+                <a:prstClr val="black"/>
+              </a:solidFill>
+              <a:latin typeface="Consolas" panose="020B0609020204030204" pitchFamily="49" charset="0"/>
+            </a:endParaRPr>
+          </a:p>
+          <a:p>
+            <a:r>
+              <a:rPr lang="en-US" sz="1100" dirty="0" smtClean="0">
+                <a:solidFill>
+                  <a:prstClr val="black"/>
+                </a:solidFill>
+                <a:latin typeface="Consolas" panose="020B0609020204030204" pitchFamily="49" charset="0"/>
+              </a:rPr>
+              <a:t>04504143 4b2c0101 03524154</a:t>
+            </a:r>
+          </a:p>
+          <a:p>
+            <a:r>
+              <a:rPr lang="en-US" sz="1100" dirty="0" smtClean="0">
+                <a:solidFill>
+                  <a:prstClr val="black"/>
+                </a:solidFill>
+                <a:latin typeface="Consolas" panose="020B0609020204030204" pitchFamily="49" charset="0"/>
+              </a:rPr>
+              <a:t>Matches what we see in ‘</a:t>
+            </a:r>
+            <a:r>
+              <a:rPr lang="en-US" sz="1100" dirty="0" err="1" smtClean="0">
+                <a:solidFill>
+                  <a:prstClr val="black"/>
+                </a:solidFill>
+                <a:latin typeface="Consolas" panose="020B0609020204030204" pitchFamily="49" charset="0"/>
+              </a:rPr>
+              <a:t>block_row_dump</a:t>
+            </a:r>
+            <a:r>
+              <a:rPr lang="en-US" sz="1100" smtClean="0">
+                <a:solidFill>
+                  <a:prstClr val="black"/>
+                </a:solidFill>
+                <a:latin typeface="Consolas" panose="020B0609020204030204" pitchFamily="49" charset="0"/>
+              </a:rPr>
+              <a:t>’</a:t>
+            </a:r>
+            <a:endParaRPr lang="en-US" sz="1100" dirty="0" smtClean="0">
+              <a:solidFill>
+                <a:prstClr val="black"/>
+              </a:solidFill>
+              <a:latin typeface="Consolas" panose="020B0609020204030204" pitchFamily="49" charset="0"/>
+            </a:endParaRPr>
+          </a:p>
+          <a:p>
+            <a:r>
+              <a:rPr lang="en-US" sz="1100" dirty="0" smtClean="0">
+                <a:solidFill>
+                  <a:prstClr val="black"/>
+                </a:solidFill>
+                <a:latin typeface="Consolas" panose="020B0609020204030204" pitchFamily="49" charset="0"/>
+              </a:rPr>
+              <a:t>04(length byte) 5041434b(PACK) 2c0101 (row header) 03(length byte) 514154 (RAT)</a:t>
+            </a:r>
+            <a:endParaRPr lang="en-US" dirty="0" smtClean="0"/>
+          </a:p>
+          <a:p>
+            <a:endParaRPr lang="en-US" dirty="0" smtClean="0"/>
+          </a:p>
+          <a:p>
+            <a:endParaRPr lang="en-US" dirty="0" smtClean="0"/>
+          </a:p>
+          <a:p>
             <a:r>
               <a:rPr lang="en-US" dirty="0" smtClean="0"/>
-              <a:t>Consider</a:t>
+              <a:t>TODO [add</a:t>
             </a:r>
             <a:r>
               <a:rPr lang="en-US" baseline="0" dirty="0" smtClean="0"/>
-              <a:t> table definition and insert statement</a:t>
-            </a:r>
+              <a:t> </a:t>
+            </a:r>
+            <a:r>
+              <a:rPr lang="en-US" baseline="0" dirty="0" smtClean="0"/>
+              <a:t>table definition and insert </a:t>
+            </a:r>
+            <a:r>
+              <a:rPr lang="en-US" baseline="0" dirty="0" smtClean="0"/>
+              <a:t>statement]</a:t>
+            </a:r>
+            <a:endParaRPr lang="en-US" baseline="0" dirty="0" smtClean="0"/>
           </a:p>
           <a:p>
             <a:endParaRPr lang="en-US" baseline="0" dirty="0" smtClean="0"/>
@@ -1203,8 +1331,77 @@
             </a:r>
             <a:r>
               <a:rPr lang="en-US" baseline="0" dirty="0" smtClean="0"/>
-              <a:t> talk (look at schedule)</a:t>
-            </a:r>
+              <a:t> talk (look at schedule</a:t>
+            </a:r>
+            <a:r>
+              <a:rPr lang="en-US" baseline="0" dirty="0" smtClean="0"/>
+              <a:t>)</a:t>
+            </a:r>
+          </a:p>
+          <a:p>
+            <a:endParaRPr lang="en-US" baseline="0" dirty="0" smtClean="0"/>
+          </a:p>
+          <a:p>
+            <a:r>
+              <a:rPr lang="en-US" baseline="0" dirty="0" smtClean="0"/>
+              <a:t>Important points</a:t>
+            </a:r>
+          </a:p>
+          <a:p>
+            <a:r>
+              <a:rPr lang="en-US" baseline="0" dirty="0" smtClean="0"/>
+              <a:t> </a:t>
+            </a:r>
+            <a:r>
+              <a:rPr lang="en-US" baseline="0" dirty="0" err="1" smtClean="0"/>
+              <a:t>tl</a:t>
+            </a:r>
+            <a:r>
+              <a:rPr lang="en-US" baseline="0" dirty="0" smtClean="0"/>
+              <a:t> -&gt; total length</a:t>
+            </a:r>
+          </a:p>
+          <a:p>
+            <a:r>
+              <a:rPr lang="en-US" baseline="0" dirty="0" smtClean="0"/>
+              <a:t> rows and tables start at 0</a:t>
+            </a:r>
+          </a:p>
+          <a:p>
+            <a:r>
+              <a:rPr lang="en-US" baseline="0" dirty="0" smtClean="0"/>
+              <a:t> </a:t>
+            </a:r>
+            <a:r>
+              <a:rPr lang="en-US" baseline="0" dirty="0" err="1" smtClean="0"/>
+              <a:t>pti</a:t>
+            </a:r>
+            <a:r>
+              <a:rPr lang="en-US" baseline="0" dirty="0" smtClean="0"/>
+              <a:t> -&gt; table directory</a:t>
+            </a:r>
+          </a:p>
+          <a:p>
+            <a:r>
+              <a:rPr lang="en-US" baseline="0" dirty="0" smtClean="0"/>
+              <a:t> </a:t>
+            </a:r>
+            <a:r>
+              <a:rPr lang="en-US" baseline="0" dirty="0" err="1" smtClean="0"/>
+              <a:t>pri</a:t>
+            </a:r>
+            <a:r>
+              <a:rPr lang="en-US" baseline="0" dirty="0" smtClean="0"/>
+              <a:t> -&gt; row directory</a:t>
+            </a:r>
+          </a:p>
+          <a:p>
+            <a:endParaRPr lang="en-US" baseline="0" dirty="0" smtClean="0"/>
+          </a:p>
+          <a:p>
+            <a:endParaRPr lang="en-US" baseline="0" dirty="0" smtClean="0"/>
+          </a:p>
+          <a:p>
             <a:endParaRPr lang="en-GB" dirty="0"/>
           </a:p>
         </p:txBody>
@@ -2302,7 +2499,7 @@
           <a:p>
             <a:fld id="{80C853A8-1CF5-4118-9D6D-C132E8FC53CB}" type="datetimeFigureOut">
               <a:rPr lang="en-US" smtClean="0"/>
-              <a:t>3/1/2018</a:t>
+              <a:t>2018-03-02</a:t>
             </a:fld>
             <a:endParaRPr lang="en-US"/>
           </a:p>
@@ -3401,7 +3598,7 @@
             <a:fld id="{80C853A8-1CF5-4118-9D6D-C132E8FC53CB}" type="datetimeFigureOut">
               <a:rPr lang="en-US" smtClean="0"/>
               <a:pPr/>
-              <a:t>3/1/2018</a:t>
+              <a:t>2018-03-02</a:t>
             </a:fld>
             <a:endParaRPr lang="en-US"/>
           </a:p>
@@ -3607,7 +3804,7 @@
           <a:p>
             <a:fld id="{80C853A8-1CF5-4118-9D6D-C132E8FC53CB}" type="datetimeFigureOut">
               <a:rPr lang="en-US" smtClean="0"/>
-              <a:t>3/1/2018</a:t>
+              <a:t>2018-03-02</a:t>
             </a:fld>
             <a:endParaRPr lang="en-US"/>
           </a:p>
@@ -3744,7 +3941,7 @@
           <a:p>
             <a:fld id="{80C853A8-1CF5-4118-9D6D-C132E8FC53CB}" type="datetimeFigureOut">
               <a:rPr lang="en-US" smtClean="0"/>
-              <a:t>3/1/2018</a:t>
+              <a:t>2018-03-02</a:t>
             </a:fld>
             <a:endParaRPr lang="en-US"/>
           </a:p>
@@ -4036,7 +4233,7 @@
           <a:p>
             <a:fld id="{80C853A8-1CF5-4118-9D6D-C132E8FC53CB}" type="datetimeFigureOut">
               <a:rPr lang="en-US" smtClean="0"/>
-              <a:t>3/1/2018</a:t>
+              <a:t>2018-03-02</a:t>
             </a:fld>
             <a:endParaRPr lang="en-US"/>
           </a:p>
@@ -4426,7 +4623,7 @@
           <a:p>
             <a:fld id="{80C853A8-1CF5-4118-9D6D-C132E8FC53CB}" type="datetimeFigureOut">
               <a:rPr lang="en-US" smtClean="0"/>
-              <a:t>3/1/2018</a:t>
+              <a:t>2018-03-02</a:t>
             </a:fld>
             <a:endParaRPr lang="en-US"/>
           </a:p>
@@ -4563,7 +4760,7 @@
           <a:p>
             <a:fld id="{80C853A8-1CF5-4118-9D6D-C132E8FC53CB}" type="datetimeFigureOut">
               <a:rPr lang="en-US" smtClean="0"/>
-              <a:t>3/1/2018</a:t>
+              <a:t>2018-03-02</a:t>
             </a:fld>
             <a:endParaRPr lang="en-US"/>
           </a:p>
@@ -4775,7 +4972,7 @@
           <a:p>
             <a:fld id="{80C853A8-1CF5-4118-9D6D-C132E8FC53CB}" type="datetimeFigureOut">
               <a:rPr lang="en-US" smtClean="0"/>
-              <a:t>3/1/2018</a:t>
+              <a:t>2018-03-02</a:t>
             </a:fld>
             <a:endParaRPr lang="en-US"/>
           </a:p>
@@ -5091,7 +5288,7 @@
           <a:p>
             <a:fld id="{80C853A8-1CF5-4118-9D6D-C132E8FC53CB}" type="datetimeFigureOut">
               <a:rPr lang="en-US" smtClean="0"/>
-              <a:t>3/1/2018</a:t>
+              <a:t>2018-03-02</a:t>
             </a:fld>
             <a:endParaRPr lang="en-US"/>
           </a:p>
@@ -5551,7 +5748,7 @@
           <a:p>
             <a:fld id="{80C853A8-1CF5-4118-9D6D-C132E8FC53CB}" type="datetimeFigureOut">
               <a:rPr lang="en-US" smtClean="0"/>
-              <a:t>3/1/2018</a:t>
+              <a:t>2018-03-02</a:t>
             </a:fld>
             <a:endParaRPr lang="en-US"/>
           </a:p>
@@ -6109,7 +6306,7 @@
           <a:p>
             <a:fld id="{80C853A8-1CF5-4118-9D6D-C132E8FC53CB}" type="datetimeFigureOut">
               <a:rPr lang="en-US" smtClean="0"/>
-              <a:t>3/1/2018</a:t>
+              <a:t>2018-03-02</a:t>
             </a:fld>
             <a:endParaRPr lang="en-US"/>
           </a:p>
@@ -6466,7 +6663,7 @@
             <a:fld id="{80C853A8-1CF5-4118-9D6D-C132E8FC53CB}" type="datetimeFigureOut">
               <a:rPr lang="en-US" smtClean="0"/>
               <a:pPr/>
-              <a:t>3/1/2018</a:t>
+              <a:t>2018-03-02</a:t>
             </a:fld>
             <a:endParaRPr lang="en-US"/>
           </a:p>
@@ -6996,7 +7193,7 @@
           <a:p>
             <a:fld id="{80C853A8-1CF5-4118-9D6D-C132E8FC53CB}" type="datetimeFigureOut">
               <a:rPr lang="en-US" smtClean="0"/>
-              <a:t>3/1/2018</a:t>
+              <a:t>2018-03-02</a:t>
             </a:fld>
             <a:endParaRPr lang="en-US"/>
           </a:p>
@@ -7399,7 +7596,7 @@
           <a:p>
             <a:fld id="{80C853A8-1CF5-4118-9D6D-C132E8FC53CB}" type="datetimeFigureOut">
               <a:rPr lang="en-US" smtClean="0"/>
-              <a:t>3/1/2018</a:t>
+              <a:t>2018-03-02</a:t>
             </a:fld>
             <a:endParaRPr lang="en-US"/>
           </a:p>
@@ -8012,7 +8209,7 @@
           <a:p>
             <a:fld id="{80C853A8-1CF5-4118-9D6D-C132E8FC53CB}" type="datetimeFigureOut">
               <a:rPr lang="en-US" smtClean="0"/>
-              <a:t>3/1/2018</a:t>
+              <a:t>2018-03-02</a:t>
             </a:fld>
             <a:endParaRPr lang="en-US"/>
           </a:p>
@@ -8884,7 +9081,7 @@
           <a:p>
             <a:fld id="{80C853A8-1CF5-4118-9D6D-C132E8FC53CB}" type="datetimeFigureOut">
               <a:rPr lang="en-US" smtClean="0"/>
-              <a:t>3/1/2018</a:t>
+              <a:t>2018-03-02</a:t>
             </a:fld>
             <a:endParaRPr lang="en-US"/>
           </a:p>
@@ -9167,7 +9364,7 @@
           <a:p>
             <a:fld id="{80C853A8-1CF5-4118-9D6D-C132E8FC53CB}" type="datetimeFigureOut">
               <a:rPr lang="en-US" smtClean="0"/>
-              <a:t>3/1/2018</a:t>
+              <a:t>2018-03-02</a:t>
             </a:fld>
             <a:endParaRPr lang="en-US"/>
           </a:p>
@@ -9380,7 +9577,7 @@
           <a:p>
             <a:fld id="{80C853A8-1CF5-4118-9D6D-C132E8FC53CB}" type="datetimeFigureOut">
               <a:rPr lang="en-US" smtClean="0"/>
-              <a:t>3/1/2018</a:t>
+              <a:t>2018-03-02</a:t>
             </a:fld>
             <a:endParaRPr lang="en-US"/>
           </a:p>
@@ -9680,7 +9877,7 @@
           <a:p>
             <a:fld id="{80C853A8-1CF5-4118-9D6D-C132E8FC53CB}" type="datetimeFigureOut">
               <a:rPr lang="en-US" smtClean="0"/>
-              <a:t>3/1/2018</a:t>
+              <a:t>2018-03-02</a:t>
             </a:fld>
             <a:endParaRPr lang="en-US"/>
           </a:p>
@@ -10100,7 +10297,7 @@
           <a:p>
             <a:fld id="{80C853A8-1CF5-4118-9D6D-C132E8FC53CB}" type="datetimeFigureOut">
               <a:rPr lang="en-US" smtClean="0"/>
-              <a:t>3/1/2018</a:t>
+              <a:t>2018-03-02</a:t>
             </a:fld>
             <a:endParaRPr lang="en-US"/>
           </a:p>
@@ -10633,7 +10830,7 @@
           <a:p>
             <a:fld id="{80C853A8-1CF5-4118-9D6D-C132E8FC53CB}" type="datetimeFigureOut">
               <a:rPr lang="en-US" smtClean="0"/>
-              <a:t>3/1/2018</a:t>
+              <a:t>2018-03-02</a:t>
             </a:fld>
             <a:endParaRPr lang="en-US"/>
           </a:p>
@@ -10832,7 +11029,7 @@
           <a:p>
             <a:fld id="{80C853A8-1CF5-4118-9D6D-C132E8FC53CB}" type="datetimeFigureOut">
               <a:rPr lang="en-US" smtClean="0"/>
-              <a:t>3/1/2018</a:t>
+              <a:t>2018-03-02</a:t>
             </a:fld>
             <a:endParaRPr lang="en-US"/>
           </a:p>
@@ -11100,7 +11297,7 @@
           <a:p>
             <a:fld id="{80C853A8-1CF5-4118-9D6D-C132E8FC53CB}" type="datetimeFigureOut">
               <a:rPr lang="en-US" smtClean="0"/>
-              <a:t>3/1/2018</a:t>
+              <a:t>2018-03-02</a:t>
             </a:fld>
             <a:endParaRPr lang="en-US"/>
           </a:p>
@@ -11414,7 +11611,7 @@
                 </a:solidFill>
               </a:rPr>
               <a:pPr/>
-              <a:t>01/03/2018</a:t>
+              <a:t>02/03/2018</a:t>
             </a:fld>
             <a:endParaRPr lang="en-GB">
               <a:solidFill>
@@ -12140,7 +12337,7 @@
                 </a:solidFill>
               </a:rPr>
               <a:pPr/>
-              <a:t>01/03/2018</a:t>
+              <a:t>02/03/2018</a:t>
             </a:fld>
             <a:endParaRPr lang="en-GB">
               <a:solidFill>
@@ -12823,7 +13020,7 @@
                 </a:solidFill>
               </a:rPr>
               <a:pPr/>
-              <a:t>01/03/2018</a:t>
+              <a:t>02/03/2018</a:t>
             </a:fld>
             <a:endParaRPr lang="en-GB">
               <a:solidFill>
@@ -13549,7 +13746,7 @@
                 </a:solidFill>
               </a:rPr>
               <a:pPr/>
-              <a:t>01/03/2018</a:t>
+              <a:t>02/03/2018</a:t>
             </a:fld>
             <a:endParaRPr lang="en-GB">
               <a:solidFill>
@@ -14758,7 +14955,7 @@
                 </a:solidFill>
               </a:rPr>
               <a:pPr/>
-              <a:t>01/03/2018</a:t>
+              <a:t>02/03/2018</a:t>
             </a:fld>
             <a:endParaRPr lang="en-GB">
               <a:solidFill>
@@ -15519,7 +15716,7 @@
             <a:fld id="{80C853A8-1CF5-4118-9D6D-C132E8FC53CB}" type="datetimeFigureOut">
               <a:rPr lang="en-US" smtClean="0"/>
               <a:pPr/>
-              <a:t>3/1/2018</a:t>
+              <a:t>2018-03-02</a:t>
             </a:fld>
             <a:endParaRPr lang="en-US"/>
           </a:p>
@@ -15732,7 +15929,7 @@
                 </a:solidFill>
               </a:rPr>
               <a:pPr/>
-              <a:t>01/03/2018</a:t>
+              <a:t>02/03/2018</a:t>
             </a:fld>
             <a:endParaRPr lang="en-GB">
               <a:solidFill>
@@ -15901,7 +16098,7 @@
                 </a:solidFill>
               </a:rPr>
               <a:pPr/>
-              <a:t>01/03/2018</a:t>
+              <a:t>02/03/2018</a:t>
             </a:fld>
             <a:endParaRPr lang="en-GB">
               <a:solidFill>
@@ -16225,7 +16422,7 @@
                 </a:solidFill>
               </a:rPr>
               <a:pPr/>
-              <a:t>01/03/2018</a:t>
+              <a:t>02/03/2018</a:t>
             </a:fld>
             <a:endParaRPr lang="en-GB">
               <a:solidFill>
@@ -16647,7 +16844,7 @@
                 </a:solidFill>
               </a:rPr>
               <a:pPr/>
-              <a:t>01/03/2018</a:t>
+              <a:t>02/03/2018</a:t>
             </a:fld>
             <a:endParaRPr lang="en-GB">
               <a:solidFill>
@@ -16816,7 +17013,7 @@
                 </a:solidFill>
               </a:rPr>
               <a:pPr/>
-              <a:t>01/03/2018</a:t>
+              <a:t>02/03/2018</a:t>
             </a:fld>
             <a:endParaRPr lang="en-GB">
               <a:solidFill>
@@ -17060,7 +17257,7 @@
                 </a:solidFill>
               </a:rPr>
               <a:pPr/>
-              <a:t>01/03/2018</a:t>
+              <a:t>02/03/2018</a:t>
             </a:fld>
             <a:endParaRPr lang="en-GB">
               <a:solidFill>
@@ -17408,7 +17605,7 @@
                 </a:solidFill>
               </a:rPr>
               <a:pPr/>
-              <a:t>01/03/2018</a:t>
+              <a:t>02/03/2018</a:t>
             </a:fld>
             <a:endParaRPr lang="en-GB">
               <a:solidFill>
@@ -17900,7 +18097,7 @@
                 </a:solidFill>
               </a:rPr>
               <a:pPr/>
-              <a:t>01/03/2018</a:t>
+              <a:t>02/03/2018</a:t>
             </a:fld>
             <a:endParaRPr lang="en-GB">
               <a:solidFill>
@@ -18490,7 +18687,7 @@
                 </a:solidFill>
               </a:rPr>
               <a:pPr/>
-              <a:t>01/03/2018</a:t>
+              <a:t>02/03/2018</a:t>
             </a:fld>
             <a:endParaRPr lang="en-GB">
               <a:solidFill>
@@ -18664,7 +18861,7 @@
                 </a:solidFill>
               </a:rPr>
               <a:pPr/>
-              <a:t>01/03/2018</a:t>
+              <a:t>02/03/2018</a:t>
             </a:fld>
             <a:endParaRPr lang="en-GB">
               <a:solidFill>
@@ -19194,7 +19391,7 @@
                 </a:solidFill>
               </a:rPr>
               <a:pPr/>
-              <a:t>01/03/2018</a:t>
+              <a:t>02/03/2018</a:t>
             </a:fld>
             <a:endParaRPr lang="en-GB">
               <a:solidFill>
@@ -19839,7 +20036,7 @@
                 </a:solidFill>
               </a:rPr>
               <a:pPr/>
-              <a:t>01/03/2018</a:t>
+              <a:t>02/03/2018</a:t>
             </a:fld>
             <a:endParaRPr lang="en-GB">
               <a:solidFill>
@@ -20743,7 +20940,7 @@
                 </a:solidFill>
               </a:rPr>
               <a:pPr/>
-              <a:t>01/03/2018</a:t>
+              <a:t>02/03/2018</a:t>
             </a:fld>
             <a:endParaRPr lang="en-GB">
               <a:solidFill>
@@ -21058,7 +21255,7 @@
                 </a:solidFill>
               </a:rPr>
               <a:pPr/>
-              <a:t>01/03/2018</a:t>
+              <a:t>02/03/2018</a:t>
             </a:fld>
             <a:endParaRPr lang="en-GB">
               <a:solidFill>
@@ -21303,7 +21500,7 @@
                 </a:solidFill>
               </a:rPr>
               <a:pPr/>
-              <a:t>01/03/2018</a:t>
+              <a:t>02/03/2018</a:t>
             </a:fld>
             <a:endParaRPr lang="en-GB">
               <a:solidFill>
@@ -21635,7 +21832,7 @@
                 </a:solidFill>
               </a:rPr>
               <a:pPr/>
-              <a:t>01/03/2018</a:t>
+              <a:t>02/03/2018</a:t>
             </a:fld>
             <a:endParaRPr lang="en-GB">
               <a:solidFill>
@@ -22087,7 +22284,7 @@
                 </a:solidFill>
               </a:rPr>
               <a:pPr/>
-              <a:t>01/03/2018</a:t>
+              <a:t>02/03/2018</a:t>
             </a:fld>
             <a:endParaRPr lang="en-GB">
               <a:solidFill>
@@ -22652,7 +22849,7 @@
                 </a:solidFill>
               </a:rPr>
               <a:pPr/>
-              <a:t>01/03/2018</a:t>
+              <a:t>02/03/2018</a:t>
             </a:fld>
             <a:endParaRPr lang="en-GB">
               <a:solidFill>
@@ -22883,7 +23080,7 @@
                 </a:solidFill>
               </a:rPr>
               <a:pPr/>
-              <a:t>01/03/2018</a:t>
+              <a:t>02/03/2018</a:t>
             </a:fld>
             <a:endParaRPr lang="en-GB">
               <a:solidFill>
@@ -23520,7 +23717,7 @@
             <a:fld id="{80C853A8-1CF5-4118-9D6D-C132E8FC53CB}" type="datetimeFigureOut">
               <a:rPr lang="en-US" smtClean="0"/>
               <a:pPr/>
-              <a:t>3/1/2018</a:t>
+              <a:t>2018-03-02</a:t>
             </a:fld>
             <a:endParaRPr lang="en-US"/>
           </a:p>
@@ -24596,7 +24793,7 @@
                 </a:solidFill>
               </a:rPr>
               <a:pPr/>
-              <a:t>01/03/2018</a:t>
+              <a:t>02/03/2018</a:t>
             </a:fld>
             <a:endParaRPr lang="en-GB">
               <a:solidFill>
@@ -26876,11 +27073,7 @@
             </a:r>
             <a:r>
               <a:rPr lang="en-US" dirty="0" smtClean="0"/>
-              <a:t> Parent/Child </a:t>
-            </a:r>
-            <a:r>
-              <a:rPr lang="en-US" dirty="0" smtClean="0"/>
-              <a:t>Tables into One Table</a:t>
+              <a:t> Parent/Child Tables into One Table</a:t>
             </a:r>
             <a:endParaRPr lang="en-US" dirty="0"/>
           </a:p>
@@ -27088,7 +27281,6 @@
               <a:rPr lang="en-US" dirty="0" smtClean="0"/>
               <a:t> into a combined parent/child table.</a:t>
             </a:r>
-            <a:endParaRPr lang="en-US" dirty="0" smtClean="0"/>
           </a:p>
           <a:p>
             <a:pPr lvl="1"/>
@@ -27616,7 +27808,6 @@
               <a:rPr lang="en-US" dirty="0" smtClean="0"/>
               <a:t> your data into a combined parent/child.</a:t>
             </a:r>
-            <a:endParaRPr lang="en-US" dirty="0" smtClean="0"/>
           </a:p>
           <a:p>
             <a:pPr lvl="1"/>

--- a/compression_sand_weiss_hotsos_2018.pptx
+++ b/compression_sand_weiss_hotsos_2018.pptx
@@ -15,13 +15,13 @@
     <p:sldId id="256" r:id="rId3"/>
     <p:sldId id="297" r:id="rId4"/>
     <p:sldId id="298" r:id="rId5"/>
-    <p:sldId id="306" r:id="rId6"/>
-    <p:sldId id="299" r:id="rId7"/>
+    <p:sldId id="299" r:id="rId6"/>
+    <p:sldId id="301" r:id="rId7"/>
     <p:sldId id="300" r:id="rId8"/>
-    <p:sldId id="301" r:id="rId9"/>
+    <p:sldId id="303" r:id="rId9"/>
     <p:sldId id="302" r:id="rId10"/>
-    <p:sldId id="303" r:id="rId11"/>
-    <p:sldId id="305" r:id="rId12"/>
+    <p:sldId id="305" r:id="rId11"/>
+    <p:sldId id="306" r:id="rId12"/>
     <p:sldId id="289" r:id="rId13"/>
     <p:sldId id="295" r:id="rId14"/>
     <p:sldId id="290" r:id="rId15"/>
@@ -799,14 +799,6 @@
           <a:bodyPr/>
           <a:lstStyle/>
           <a:p>
-            <a:r>
-              <a:rPr lang="en-US" dirty="0" smtClean="0"/>
-              <a:t>no</a:t>
-            </a:r>
-            <a:r>
-              <a:rPr lang="en-US" baseline="0" dirty="0" smtClean="0"/>
-              <a:t> need to decompress in buffer cache</a:t>
-            </a:r>
             <a:endParaRPr lang="en-GB" dirty="0"/>
           </a:p>
         </p:txBody>
@@ -829,7 +821,7 @@
             <a:fld id="{8547E1EE-0039-4797-B978-F453418260D1}" type="slidenum">
               <a:rPr lang="en-US" smtClean="0"/>
               <a:pPr/>
-              <a:t>10</a:t>
+              <a:t>11</a:t>
             </a:fld>
             <a:endParaRPr lang="en-US"/>
           </a:p>
@@ -838,7 +830,7 @@
     </p:spTree>
     <p:extLst>
       <p:ext uri="{BB962C8B-B14F-4D97-AF65-F5344CB8AC3E}">
-        <p14:creationId xmlns:p14="http://schemas.microsoft.com/office/powerpoint/2010/main" val="1735172723"/>
+        <p14:creationId xmlns:p14="http://schemas.microsoft.com/office/powerpoint/2010/main" val="2697949444"/>
       </p:ext>
     </p:extLst>
   </p:cSld>
@@ -875,91 +867,6 @@
             <p:ph type="sldImg"/>
           </p:nvPr>
         </p:nvSpPr>
-        <p:spPr/>
-      </p:sp>
-      <p:sp>
-        <p:nvSpPr>
-          <p:cNvPr id="3" name="Notes Placeholder 2"/>
-          <p:cNvSpPr>
-            <a:spLocks noGrp="1"/>
-          </p:cNvSpPr>
-          <p:nvPr>
-            <p:ph type="body" idx="1"/>
-          </p:nvPr>
-        </p:nvSpPr>
-        <p:spPr/>
-        <p:txBody>
-          <a:bodyPr/>
-          <a:lstStyle/>
-          <a:p>
-            <a:endParaRPr lang="en-GB" dirty="0"/>
-          </a:p>
-        </p:txBody>
-      </p:sp>
-      <p:sp>
-        <p:nvSpPr>
-          <p:cNvPr id="4" name="Slide Number Placeholder 3"/>
-          <p:cNvSpPr>
-            <a:spLocks noGrp="1"/>
-          </p:cNvSpPr>
-          <p:nvPr>
-            <p:ph type="sldNum" sz="quarter" idx="10"/>
-          </p:nvPr>
-        </p:nvSpPr>
-        <p:spPr/>
-        <p:txBody>
-          <a:bodyPr/>
-          <a:lstStyle/>
-          <a:p>
-            <a:fld id="{8547E1EE-0039-4797-B978-F453418260D1}" type="slidenum">
-              <a:rPr lang="en-US" smtClean="0"/>
-              <a:pPr/>
-              <a:t>11</a:t>
-            </a:fld>
-            <a:endParaRPr lang="en-US"/>
-          </a:p>
-        </p:txBody>
-      </p:sp>
-    </p:spTree>
-    <p:extLst>
-      <p:ext uri="{BB962C8B-B14F-4D97-AF65-F5344CB8AC3E}">
-        <p14:creationId xmlns:p14="http://schemas.microsoft.com/office/powerpoint/2010/main" val="2697949444"/>
-      </p:ext>
-    </p:extLst>
-  </p:cSld>
-  <p:clrMapOvr>
-    <a:masterClrMapping/>
-  </p:clrMapOvr>
-</p:notes>
-</file>
-
-<file path=ppt/notesSlides/notesSlide12.xml><?xml version="1.0" encoding="utf-8"?>
-<p:notes xmlns:a="http://schemas.openxmlformats.org/drawingml/2006/main" xmlns:r="http://schemas.openxmlformats.org/officeDocument/2006/relationships" xmlns:p="http://schemas.openxmlformats.org/presentationml/2006/main">
-  <p:cSld>
-    <p:spTree>
-      <p:nvGrpSpPr>
-        <p:cNvPr id="1" name=""/>
-        <p:cNvGrpSpPr/>
-        <p:nvPr/>
-      </p:nvGrpSpPr>
-      <p:grpSpPr>
-        <a:xfrm>
-          <a:off x="0" y="0"/>
-          <a:ext cx="0" cy="0"/>
-          <a:chOff x="0" y="0"/>
-          <a:chExt cx="0" cy="0"/>
-        </a:xfrm>
-      </p:grpSpPr>
-      <p:sp>
-        <p:nvSpPr>
-          <p:cNvPr id="2" name="Slide Image Placeholder 1"/>
-          <p:cNvSpPr>
-            <a:spLocks noGrp="1" noRot="1" noChangeAspect="1"/>
-          </p:cNvSpPr>
-          <p:nvPr>
-            <p:ph type="sldImg"/>
-          </p:nvPr>
-        </p:nvSpPr>
         <p:spPr>
           <a:xfrm>
             <a:off x="381000" y="381000"/>
@@ -1023,7 +930,7 @@
 </p:notes>
 </file>
 
-<file path=ppt/notesSlides/notesSlide13.xml><?xml version="1.0" encoding="utf-8"?>
+<file path=ppt/notesSlides/notesSlide12.xml><?xml version="1.0" encoding="utf-8"?>
 <p:notes xmlns:a="http://schemas.openxmlformats.org/drawingml/2006/main" xmlns:r="http://schemas.openxmlformats.org/officeDocument/2006/relationships" xmlns:p="http://schemas.openxmlformats.org/presentationml/2006/main">
   <p:cSld>
     <p:spTree>
@@ -1181,8 +1088,71 @@
             </a:pPr>
             <a:r>
               <a:rPr lang="en-US" dirty="0" smtClean="0"/>
-              <a:t>This is a block dump</a:t>
-            </a:r>
+              <a:t>This is a block </a:t>
+            </a:r>
+            <a:r>
+              <a:rPr lang="en-US" dirty="0" smtClean="0"/>
+              <a:t>dump</a:t>
+            </a:r>
+          </a:p>
+          <a:p>
+            <a:pPr marL="0" marR="0" lvl="0" indent="0" algn="l" defTabSz="914400" rtl="0" eaLnBrk="1" fontAlgn="auto" latinLnBrk="0" hangingPunct="1">
+              <a:lnSpc>
+                <a:spcPct val="100000"/>
+              </a:lnSpc>
+              <a:spcBef>
+                <a:spcPts val="600"/>
+              </a:spcBef>
+              <a:spcAft>
+                <a:spcPts val="0"/>
+              </a:spcAft>
+              <a:buClrTx/>
+              <a:buSzTx/>
+              <a:buFontTx/>
+              <a:buNone/>
+              <a:tabLst/>
+              <a:defRPr/>
+            </a:pPr>
+            <a:r>
+              <a:rPr lang="en-US" baseline="0" dirty="0" smtClean="0"/>
+              <a:t>Mention </a:t>
+            </a:r>
+            <a:r>
+              <a:rPr lang="en-US" baseline="0" dirty="0" err="1" smtClean="0"/>
+              <a:t>Ric</a:t>
+            </a:r>
+            <a:r>
+              <a:rPr lang="en-US" baseline="0" dirty="0" smtClean="0"/>
+              <a:t> talk (on </a:t>
+            </a:r>
+            <a:r>
+              <a:rPr lang="en-US" baseline="0" dirty="0" err="1" smtClean="0"/>
+              <a:t>monday</a:t>
+            </a:r>
+            <a:r>
+              <a:rPr lang="en-US" baseline="0" dirty="0" smtClean="0"/>
+              <a:t>)</a:t>
+            </a:r>
+          </a:p>
+          <a:p>
+            <a:pPr marL="0" marR="0" lvl="0" indent="0" algn="l" defTabSz="914400" rtl="0" eaLnBrk="1" fontAlgn="auto" latinLnBrk="0" hangingPunct="1">
+              <a:lnSpc>
+                <a:spcPct val="100000"/>
+              </a:lnSpc>
+              <a:spcBef>
+                <a:spcPts val="600"/>
+              </a:spcBef>
+              <a:spcAft>
+                <a:spcPts val="0"/>
+              </a:spcAft>
+              <a:buClrTx/>
+              <a:buSzTx/>
+              <a:buFontTx/>
+              <a:buNone/>
+              <a:tabLst/>
+              <a:defRPr/>
+            </a:pPr>
+            <a:endParaRPr lang="en-US" dirty="0" smtClean="0"/>
           </a:p>
           <a:p>
             <a:endParaRPr lang="en-US" dirty="0" smtClean="0"/>
@@ -1192,7 +1162,6 @@
               <a:rPr lang="en-US" dirty="0" smtClean="0"/>
               <a:t>little endian </a:t>
             </a:r>
-            <a:endParaRPr lang="en-US" dirty="0" smtClean="0"/>
           </a:p>
           <a:p>
             <a:endParaRPr lang="en-US" dirty="0" smtClean="0"/>
@@ -1265,7 +1234,7 @@
               <a:t>block_row_dump</a:t>
             </a:r>
             <a:r>
-              <a:rPr lang="en-US" sz="1100" smtClean="0">
+              <a:rPr lang="en-US" sz="1100" dirty="0" smtClean="0">
                 <a:solidFill>
                   <a:prstClr val="black"/>
                 </a:solidFill>
@@ -1273,12 +1242,6 @@
               </a:rPr>
               <a:t>’</a:t>
             </a:r>
-            <a:endParaRPr lang="en-US" sz="1100" dirty="0" smtClean="0">
-              <a:solidFill>
-                <a:prstClr val="black"/>
-              </a:solidFill>
-              <a:latin typeface="Consolas" panose="020B0609020204030204" pitchFamily="49" charset="0"/>
-            </a:endParaRPr>
           </a:p>
           <a:p>
             <a:r>
@@ -1305,38 +1268,11 @@
             </a:r>
             <a:r>
               <a:rPr lang="en-US" baseline="0" dirty="0" smtClean="0"/>
-              <a:t> </a:t>
-            </a:r>
-            <a:r>
-              <a:rPr lang="en-US" baseline="0" dirty="0" smtClean="0"/>
-              <a:t>table definition and insert </a:t>
-            </a:r>
-            <a:r>
-              <a:rPr lang="en-US" baseline="0" dirty="0" smtClean="0"/>
-              <a:t>statement]</a:t>
-            </a:r>
+              <a:t> table definition and insert statement]</a:t>
+            </a:r>
+          </a:p>
+          <a:p>
             <a:endParaRPr lang="en-US" baseline="0" dirty="0" smtClean="0"/>
-          </a:p>
-          <a:p>
-            <a:endParaRPr lang="en-US" baseline="0" dirty="0" smtClean="0"/>
-          </a:p>
-          <a:p>
-            <a:r>
-              <a:rPr lang="en-US" baseline="0" dirty="0" smtClean="0"/>
-              <a:t>Mention </a:t>
-            </a:r>
-            <a:r>
-              <a:rPr lang="en-US" baseline="0" dirty="0" err="1" smtClean="0"/>
-              <a:t>Ric</a:t>
-            </a:r>
-            <a:r>
-              <a:rPr lang="en-US" baseline="0" dirty="0" smtClean="0"/>
-              <a:t> talk (look at schedule</a:t>
-            </a:r>
-            <a:r>
-              <a:rPr lang="en-US" baseline="0" dirty="0" smtClean="0"/>
-              <a:t>)</a:t>
-            </a:r>
           </a:p>
           <a:p>
             <a:endParaRPr lang="en-US" baseline="0" dirty="0" smtClean="0"/>
@@ -1499,12 +1435,32 @@
         </p:nvSpPr>
         <p:spPr/>
         <p:txBody>
-          <a:bodyPr/>
+          <a:bodyPr>
+            <a:normAutofit lnSpcReduction="10000"/>
+          </a:bodyPr>
           <a:lstStyle/>
           <a:p>
             <a:r>
               <a:rPr lang="en-US" dirty="0" smtClean="0"/>
-              <a:t>Row store compress advanced (new name for</a:t>
+              <a:t>There are only a few choices</a:t>
+            </a:r>
+            <a:r>
+              <a:rPr lang="en-US" baseline="0" dirty="0" smtClean="0"/>
+              <a:t> for data block compression</a:t>
+            </a:r>
+            <a:endParaRPr lang="en-US" dirty="0" smtClean="0"/>
+          </a:p>
+          <a:p>
+            <a:endParaRPr lang="en-US" dirty="0" smtClean="0"/>
+          </a:p>
+          <a:p>
+            <a:r>
+              <a:rPr lang="en-US" dirty="0" smtClean="0"/>
+              <a:t>Row </a:t>
+            </a:r>
+            <a:r>
+              <a:rPr lang="en-US" dirty="0" smtClean="0"/>
+              <a:t>store compress advanced (new name for</a:t>
             </a:r>
             <a:r>
               <a:rPr lang="en-US" baseline="0" dirty="0" smtClean="0"/>
@@ -1516,8 +1472,282 @@
             </a:r>
             <a:r>
               <a:rPr lang="en-US" baseline="0" dirty="0" smtClean="0"/>
-              <a:t>(new name for all operations))</a:t>
-            </a:r>
+              <a:t>(new name for all operations</a:t>
+            </a:r>
+            <a:r>
+              <a:rPr lang="en-US" baseline="0" dirty="0" smtClean="0"/>
+              <a:t>))</a:t>
+            </a:r>
+          </a:p>
+          <a:p>
+            <a:endParaRPr lang="en-US" baseline="0" dirty="0" smtClean="0"/>
+          </a:p>
+          <a:p>
+            <a:pPr marL="0" marR="0" lvl="0" indent="0" algn="l" defTabSz="914400" rtl="0" eaLnBrk="1" fontAlgn="auto" latinLnBrk="0" hangingPunct="1">
+              <a:lnSpc>
+                <a:spcPct val="100000"/>
+              </a:lnSpc>
+              <a:spcBef>
+                <a:spcPts val="600"/>
+              </a:spcBef>
+              <a:spcAft>
+                <a:spcPts val="0"/>
+              </a:spcAft>
+              <a:buClrTx/>
+              <a:buSzTx/>
+              <a:buFontTx/>
+              <a:buNone/>
+              <a:tabLst/>
+              <a:defRPr/>
+            </a:pPr>
+            <a:r>
+              <a:rPr lang="en-US" baseline="0" dirty="0" smtClean="0"/>
+              <a:t>With Basic compression you cannot add/remove columns.</a:t>
+            </a:r>
+          </a:p>
+          <a:p>
+            <a:endParaRPr lang="en-US" baseline="0" dirty="0" smtClean="0"/>
+          </a:p>
+          <a:p>
+            <a:pPr marL="0" marR="0" lvl="0" indent="0" algn="l" defTabSz="914400" rtl="0" eaLnBrk="1" fontAlgn="auto" latinLnBrk="0" hangingPunct="1">
+              <a:lnSpc>
+                <a:spcPct val="100000"/>
+              </a:lnSpc>
+              <a:spcBef>
+                <a:spcPts val="600"/>
+              </a:spcBef>
+              <a:spcAft>
+                <a:spcPts val="0"/>
+              </a:spcAft>
+              <a:buClrTx/>
+              <a:buSzTx/>
+              <a:buFontTx/>
+              <a:buNone/>
+              <a:tabLst/>
+              <a:defRPr/>
+            </a:pPr>
+            <a:r>
+              <a:rPr lang="en-US" baseline="0" dirty="0" smtClean="0"/>
+              <a:t>Basic only compresses block during direct path load operations. </a:t>
+            </a:r>
+          </a:p>
+          <a:p>
+            <a:pPr marL="0" marR="0" lvl="0" indent="0" algn="l" defTabSz="914400" rtl="0" eaLnBrk="1" fontAlgn="auto" latinLnBrk="0" hangingPunct="1">
+              <a:lnSpc>
+                <a:spcPct val="100000"/>
+              </a:lnSpc>
+              <a:spcBef>
+                <a:spcPts val="600"/>
+              </a:spcBef>
+              <a:spcAft>
+                <a:spcPts val="0"/>
+              </a:spcAft>
+              <a:buClrTx/>
+              <a:buSzTx/>
+              <a:buFontTx/>
+              <a:buNone/>
+              <a:tabLst/>
+              <a:defRPr/>
+            </a:pPr>
+            <a:endParaRPr lang="en-US" baseline="0" dirty="0" smtClean="0"/>
+          </a:p>
+          <a:p>
+            <a:pPr marL="0" marR="0" lvl="0" indent="0" algn="l" defTabSz="914400" rtl="0" eaLnBrk="1" fontAlgn="auto" latinLnBrk="0" hangingPunct="1">
+              <a:lnSpc>
+                <a:spcPct val="100000"/>
+              </a:lnSpc>
+              <a:spcBef>
+                <a:spcPts val="600"/>
+              </a:spcBef>
+              <a:spcAft>
+                <a:spcPts val="0"/>
+              </a:spcAft>
+              <a:buClrTx/>
+              <a:buSzTx/>
+              <a:buFontTx/>
+              <a:buNone/>
+              <a:tabLst/>
+              <a:defRPr/>
+            </a:pPr>
+            <a:r>
+              <a:rPr lang="en-US" dirty="0" smtClean="0"/>
+              <a:t>Updates</a:t>
+            </a:r>
+            <a:r>
+              <a:rPr lang="en-US" baseline="0" dirty="0" smtClean="0"/>
+              <a:t> kill compression, If there are inserts and updates the table will need to be rebuilt to recompress.</a:t>
+            </a:r>
+          </a:p>
+          <a:p>
+            <a:endParaRPr lang="en-US" baseline="0" dirty="0" smtClean="0"/>
+          </a:p>
+          <a:p>
+            <a:r>
+              <a:rPr lang="en-US" baseline="0" dirty="0" smtClean="0"/>
+              <a:t>Direct load of unchanging data is best case.</a:t>
+            </a:r>
+          </a:p>
+          <a:p>
+            <a:endParaRPr lang="en-US" baseline="0" dirty="0" smtClean="0"/>
+          </a:p>
+          <a:p>
+            <a:r>
+              <a:rPr lang="en-US" baseline="0" dirty="0" smtClean="0"/>
+              <a:t>Advanced recompresses blocks as they fill up. </a:t>
+            </a:r>
+          </a:p>
+          <a:p>
+            <a:endParaRPr lang="en-US" baseline="0" dirty="0" smtClean="0"/>
+          </a:p>
+          <a:p>
+            <a:r>
+              <a:rPr lang="en-US" baseline="0" dirty="0" smtClean="0"/>
+              <a:t>[dba | all | user]_tables contains 2 columns COMPRESSION and COMPRESS_FOR that indicate if the tale is compresses and the compression type respectively.</a:t>
+            </a:r>
+          </a:p>
+          <a:p>
+            <a:endParaRPr lang="en-US" baseline="0" dirty="0" smtClean="0"/>
+          </a:p>
+          <a:p>
+            <a:endParaRPr lang="en-US" baseline="0" dirty="0" smtClean="0"/>
+          </a:p>
+          <a:p>
+            <a:r>
+              <a:rPr lang="en-US" baseline="0" dirty="0" smtClean="0"/>
+              <a:t>Basic is what we are looking at:</a:t>
+            </a:r>
+          </a:p>
+          <a:p>
+            <a:r>
+              <a:rPr lang="en-US" baseline="0" dirty="0" smtClean="0"/>
+              <a:t> - We can do most offline because our large raw tables are not directly accessed by the reporting layer. </a:t>
+            </a:r>
+          </a:p>
+          <a:p>
+            <a:r>
+              <a:rPr lang="en-US" baseline="0" dirty="0" smtClean="0"/>
+              <a:t> - Easy to coordinate among analysts.</a:t>
+            </a:r>
+          </a:p>
+          <a:p>
+            <a:pPr marL="0" marR="0" lvl="0" indent="0" algn="l" defTabSz="914400" rtl="0" eaLnBrk="1" fontAlgn="auto" latinLnBrk="0" hangingPunct="1">
+              <a:lnSpc>
+                <a:spcPct val="100000"/>
+              </a:lnSpc>
+              <a:spcBef>
+                <a:spcPts val="600"/>
+              </a:spcBef>
+              <a:spcAft>
+                <a:spcPts val="0"/>
+              </a:spcAft>
+              <a:buClrTx/>
+              <a:buSzTx/>
+              <a:buFontTx/>
+              <a:buNone/>
+              <a:tabLst/>
+              <a:defRPr/>
+            </a:pPr>
+            <a:r>
+              <a:rPr lang="en-US" baseline="0" dirty="0" smtClean="0"/>
+              <a:t> - We are archiving historic data that rarely changes.</a:t>
+            </a:r>
+          </a:p>
+          <a:p>
+            <a:pPr marL="0" marR="0" lvl="0" indent="0" algn="l" defTabSz="914400" rtl="0" eaLnBrk="1" fontAlgn="auto" latinLnBrk="0" hangingPunct="1">
+              <a:lnSpc>
+                <a:spcPct val="100000"/>
+              </a:lnSpc>
+              <a:spcBef>
+                <a:spcPts val="600"/>
+              </a:spcBef>
+              <a:spcAft>
+                <a:spcPts val="0"/>
+              </a:spcAft>
+              <a:buClrTx/>
+              <a:buSzTx/>
+              <a:buFontTx/>
+              <a:buNone/>
+              <a:tabLst/>
+              <a:defRPr/>
+            </a:pPr>
+            <a:endParaRPr lang="en-US" baseline="0" dirty="0" smtClean="0"/>
+          </a:p>
+          <a:p>
+            <a:pPr marL="0" marR="0" lvl="0" indent="0" algn="l" defTabSz="914400" rtl="0" eaLnBrk="1" fontAlgn="auto" latinLnBrk="0" hangingPunct="1">
+              <a:lnSpc>
+                <a:spcPct val="100000"/>
+              </a:lnSpc>
+              <a:spcBef>
+                <a:spcPts val="600"/>
+              </a:spcBef>
+              <a:spcAft>
+                <a:spcPts val="0"/>
+              </a:spcAft>
+              <a:buClrTx/>
+              <a:buSzTx/>
+              <a:buFontTx/>
+              <a:buNone/>
+              <a:tabLst/>
+              <a:defRPr/>
+            </a:pPr>
+            <a:r>
+              <a:rPr lang="en-GB" sz="1100" b="1" i="0" kern="1200" dirty="0" smtClean="0">
+                <a:solidFill>
+                  <a:schemeClr val="tx1"/>
+                </a:solidFill>
+                <a:effectLst/>
+                <a:latin typeface="+mn-lt"/>
+                <a:ea typeface="+mn-ea"/>
+                <a:cs typeface="+mn-cs"/>
+              </a:rPr>
+              <a:t>Doc ID 1223705.1</a:t>
+            </a:r>
+          </a:p>
+          <a:p>
+            <a:pPr marL="0" marR="0" lvl="0" indent="0" algn="l" defTabSz="914400" rtl="0" eaLnBrk="1" fontAlgn="auto" latinLnBrk="0" hangingPunct="1">
+              <a:lnSpc>
+                <a:spcPct val="100000"/>
+              </a:lnSpc>
+              <a:spcBef>
+                <a:spcPts val="600"/>
+              </a:spcBef>
+              <a:spcAft>
+                <a:spcPts val="0"/>
+              </a:spcAft>
+              <a:buClrTx/>
+              <a:buSzTx/>
+              <a:buFontTx/>
+              <a:buNone/>
+              <a:tabLst/>
+              <a:defRPr/>
+            </a:pPr>
+            <a:endParaRPr lang="en-US" baseline="0" dirty="0" smtClean="0"/>
+          </a:p>
+          <a:p>
+            <a:endParaRPr lang="en-US" baseline="0" dirty="0" smtClean="0"/>
+          </a:p>
+          <a:p>
+            <a:pPr marL="0" marR="0" lvl="0" indent="0" algn="l" defTabSz="914400" rtl="0" eaLnBrk="1" fontAlgn="auto" latinLnBrk="0" hangingPunct="1">
+              <a:lnSpc>
+                <a:spcPct val="100000"/>
+              </a:lnSpc>
+              <a:spcBef>
+                <a:spcPts val="600"/>
+              </a:spcBef>
+              <a:spcAft>
+                <a:spcPts val="0"/>
+              </a:spcAft>
+              <a:buClrTx/>
+              <a:buSzTx/>
+              <a:buFontTx/>
+              <a:buNone/>
+              <a:tabLst/>
+              <a:defRPr/>
+            </a:pPr>
+            <a:endParaRPr lang="en-US" baseline="0" dirty="0" smtClean="0"/>
+          </a:p>
+          <a:p>
+            <a:endParaRPr lang="en-US" baseline="0" dirty="0" smtClean="0"/>
           </a:p>
         </p:txBody>
       </p:sp>
@@ -1618,14 +1848,27 @@
           <a:lstStyle/>
           <a:p>
             <a:r>
-              <a:rPr lang="en-US" dirty="0" smtClean="0"/>
-              <a:t>Updates</a:t>
-            </a:r>
-            <a:r>
               <a:rPr lang="en-US" baseline="0" dirty="0" smtClean="0"/>
-              <a:t> kill compression, cant add/remove columns</a:t>
-            </a:r>
-            <a:endParaRPr lang="en-GB" dirty="0"/>
+              <a:t>Replace repeating column values with symbols stored in the same block</a:t>
+            </a:r>
+          </a:p>
+          <a:p>
+            <a:r>
+              <a:rPr lang="en-US" baseline="0" dirty="0" smtClean="0"/>
+              <a:t>All or nothing for columns</a:t>
+            </a:r>
+          </a:p>
+          <a:p>
+            <a:r>
+              <a:rPr lang="en-US" baseline="0" dirty="0" smtClean="0"/>
+              <a:t> - a column is compressed as a unit and each column in a row has one and only one symbol or length byte. </a:t>
+            </a:r>
+          </a:p>
+          <a:p>
+            <a:endParaRPr lang="en-US" baseline="0" dirty="0" smtClean="0"/>
+          </a:p>
+          <a:p>
+            <a:endParaRPr lang="en-US" baseline="0" dirty="0" smtClean="0"/>
           </a:p>
         </p:txBody>
       </p:sp>
@@ -1644,19 +1887,29 @@
           <a:bodyPr/>
           <a:lstStyle/>
           <a:p>
-            <a:fld id="{8547E1EE-0039-4797-B978-F453418260D1}" type="slidenum">
-              <a:rPr lang="en-US" smtClean="0"/>
+            <a:fld id="{D387C5CD-A09D-43F4-B46B-CCCB3CD96AC3}" type="slidenum">
+              <a:rPr lang="en-GB" smtClean="0">
+                <a:solidFill>
+                  <a:prstClr val="black"/>
+                </a:solidFill>
+                <a:latin typeface="Calibri" panose="020F0502020204030204"/>
+              </a:rPr>
               <a:pPr/>
               <a:t>4</a:t>
             </a:fld>
-            <a:endParaRPr lang="en-US"/>
+            <a:endParaRPr lang="en-GB">
+              <a:solidFill>
+                <a:prstClr val="black"/>
+              </a:solidFill>
+              <a:latin typeface="Calibri" panose="020F0502020204030204"/>
+            </a:endParaRPr>
           </a:p>
         </p:txBody>
       </p:sp>
     </p:spTree>
     <p:extLst>
       <p:ext uri="{BB962C8B-B14F-4D97-AF65-F5344CB8AC3E}">
-        <p14:creationId xmlns:p14="http://schemas.microsoft.com/office/powerpoint/2010/main" val="4005443022"/>
+        <p14:creationId xmlns:p14="http://schemas.microsoft.com/office/powerpoint/2010/main" val="2660795345"/>
       </p:ext>
     </p:extLst>
   </p:cSld>
@@ -1715,6 +1968,23 @@
           <a:bodyPr/>
           <a:lstStyle/>
           <a:p>
+            <a:r>
+              <a:rPr lang="en-US" dirty="0" smtClean="0"/>
+              <a:t>Add table for reference</a:t>
+            </a:r>
+          </a:p>
+          <a:p>
+            <a:endParaRPr lang="en-US" dirty="0" smtClean="0"/>
+          </a:p>
+          <a:p>
+            <a:r>
+              <a:rPr lang="en-US" dirty="0" smtClean="0"/>
+              <a:t>Explain</a:t>
+            </a:r>
+            <a:r>
+              <a:rPr lang="en-US" baseline="0" dirty="0" smtClean="0"/>
+              <a:t> how col1 and col3 random to compress</a:t>
+            </a:r>
             <a:endParaRPr lang="en-GB" dirty="0"/>
           </a:p>
         </p:txBody>
@@ -1756,7 +2026,7 @@
     </p:spTree>
     <p:extLst>
       <p:ext uri="{BB962C8B-B14F-4D97-AF65-F5344CB8AC3E}">
-        <p14:creationId xmlns:p14="http://schemas.microsoft.com/office/powerpoint/2010/main" val="2660795345"/>
+        <p14:creationId xmlns:p14="http://schemas.microsoft.com/office/powerpoint/2010/main" val="524081310"/>
       </p:ext>
     </p:extLst>
   </p:cSld>
@@ -1815,6 +2085,14 @@
           <a:bodyPr/>
           <a:lstStyle/>
           <a:p>
+            <a:r>
+              <a:rPr lang="en-US" dirty="0" smtClean="0"/>
+              <a:t>Multiple columns</a:t>
+            </a:r>
+            <a:r>
+              <a:rPr lang="en-US" baseline="0" dirty="0" smtClean="0"/>
+              <a:t> compressed into 1</a:t>
+            </a:r>
             <a:endParaRPr lang="en-GB" dirty="0"/>
           </a:p>
         </p:txBody>
@@ -1915,23 +2193,48 @@
           <a:bodyPr/>
           <a:lstStyle/>
           <a:p>
+            <a:pPr marL="0" indent="0">
+              <a:buFontTx/>
+              <a:buNone/>
+            </a:pPr>
             <a:r>
               <a:rPr lang="en-US" dirty="0" smtClean="0"/>
-              <a:t>Add table for reference</a:t>
-            </a:r>
-          </a:p>
-          <a:p>
-            <a:endParaRPr lang="en-US" dirty="0" smtClean="0"/>
-          </a:p>
-          <a:p>
-            <a:r>
-              <a:rPr lang="en-US" dirty="0" smtClean="0"/>
-              <a:t>Explain</a:t>
+              <a:t>This happens</a:t>
             </a:r>
             <a:r>
               <a:rPr lang="en-US" baseline="0" dirty="0" smtClean="0"/>
-              <a:t> how col1 and col3 random to compress</a:t>
-            </a:r>
+              <a:t> at the block level</a:t>
+            </a:r>
+          </a:p>
+          <a:p>
+            <a:pPr marL="0" indent="0">
+              <a:buFontTx/>
+              <a:buNone/>
+            </a:pPr>
+            <a:endParaRPr lang="en-US" baseline="0" dirty="0" smtClean="0"/>
+          </a:p>
+          <a:p>
+            <a:pPr marL="0" indent="0">
+              <a:buFontTx/>
+              <a:buNone/>
+            </a:pPr>
+            <a:r>
+              <a:rPr lang="en-US" baseline="0" dirty="0" smtClean="0"/>
+              <a:t>When does it compress? Formula?</a:t>
+            </a:r>
+          </a:p>
+          <a:p>
+            <a:pPr marL="0" indent="0">
+              <a:buFontTx/>
+              <a:buNone/>
+            </a:pPr>
+            <a:endParaRPr lang="en-US" baseline="0" dirty="0" smtClean="0"/>
+          </a:p>
+          <a:p>
+            <a:pPr marL="0" indent="0">
+              <a:buFontTx/>
+              <a:buNone/>
+            </a:pPr>
             <a:endParaRPr lang="en-GB" dirty="0"/>
           </a:p>
         </p:txBody>
@@ -1973,7 +2276,7 @@
     </p:spTree>
     <p:extLst>
       <p:ext uri="{BB962C8B-B14F-4D97-AF65-F5344CB8AC3E}">
-        <p14:creationId xmlns:p14="http://schemas.microsoft.com/office/powerpoint/2010/main" val="524081310"/>
+        <p14:creationId xmlns:p14="http://schemas.microsoft.com/office/powerpoint/2010/main" val="271292092"/>
       </p:ext>
     </p:extLst>
   </p:cSld>
@@ -2033,13 +2336,56 @@
           <a:lstStyle/>
           <a:p>
             <a:r>
-              <a:rPr lang="en-US" dirty="0" err="1" smtClean="0"/>
-              <a:t>Tolken</a:t>
-            </a:r>
-            <a:r>
               <a:rPr lang="en-US" dirty="0" smtClean="0"/>
-              <a:t> table row header</a:t>
-            </a:r>
+              <a:t>Symbol rows can</a:t>
+            </a:r>
+            <a:r>
+              <a:rPr lang="en-US" baseline="0" dirty="0" smtClean="0"/>
+              <a:t> contain reference to other symbols within the block.</a:t>
+            </a:r>
+            <a:endParaRPr lang="en-US" dirty="0" smtClean="0"/>
+          </a:p>
+          <a:p>
+            <a:endParaRPr lang="en-US" dirty="0" smtClean="0"/>
+          </a:p>
+          <a:p>
+            <a:endParaRPr lang="en-US" dirty="0" smtClean="0"/>
+          </a:p>
+          <a:p>
+            <a:r>
+              <a:rPr lang="en-US" dirty="0" smtClean="0"/>
+              <a:t>Symbol</a:t>
+            </a:r>
+            <a:r>
+              <a:rPr lang="en-US" baseline="0" dirty="0" smtClean="0"/>
+              <a:t> </a:t>
+            </a:r>
+            <a:r>
+              <a:rPr lang="en-US" dirty="0" smtClean="0"/>
+              <a:t>table </a:t>
+            </a:r>
+            <a:r>
+              <a:rPr lang="en-US" dirty="0" smtClean="0"/>
+              <a:t>row </a:t>
+            </a:r>
+            <a:r>
+              <a:rPr lang="en-US" dirty="0" smtClean="0"/>
+              <a:t>header?</a:t>
+            </a:r>
+          </a:p>
+          <a:p>
+            <a:endParaRPr lang="en-US" dirty="0" smtClean="0"/>
+          </a:p>
+          <a:p>
+            <a:r>
+              <a:rPr lang="en-US" dirty="0" smtClean="0"/>
+              <a:t>ITL and symbol table?</a:t>
+            </a:r>
+          </a:p>
+          <a:p>
+            <a:endParaRPr lang="en-US" dirty="0" smtClean="0"/>
+          </a:p>
+          <a:p>
             <a:endParaRPr lang="en-GB" dirty="0"/>
           </a:p>
         </p:txBody>
@@ -2140,48 +2486,14 @@
           <a:bodyPr/>
           <a:lstStyle/>
           <a:p>
-            <a:pPr marL="0" indent="0">
-              <a:buFontTx/>
-              <a:buNone/>
-            </a:pPr>
             <a:r>
               <a:rPr lang="en-US" dirty="0" smtClean="0"/>
-              <a:t>This happens</a:t>
+              <a:t>no</a:t>
             </a:r>
             <a:r>
               <a:rPr lang="en-US" baseline="0" dirty="0" smtClean="0"/>
-              <a:t> at the block level</a:t>
-            </a:r>
-          </a:p>
-          <a:p>
-            <a:pPr marL="0" indent="0">
-              <a:buFontTx/>
-              <a:buNone/>
-            </a:pPr>
-            <a:endParaRPr lang="en-US" baseline="0" dirty="0" smtClean="0"/>
-          </a:p>
-          <a:p>
-            <a:pPr marL="0" indent="0">
-              <a:buFontTx/>
-              <a:buNone/>
-            </a:pPr>
-            <a:r>
-              <a:rPr lang="en-US" baseline="0" dirty="0" smtClean="0"/>
-              <a:t>When does it compress? Formula?</a:t>
-            </a:r>
-          </a:p>
-          <a:p>
-            <a:pPr marL="0" indent="0">
-              <a:buFontTx/>
-              <a:buNone/>
-            </a:pPr>
-            <a:endParaRPr lang="en-US" baseline="0" dirty="0" smtClean="0"/>
-          </a:p>
-          <a:p>
-            <a:pPr marL="0" indent="0">
-              <a:buFontTx/>
-              <a:buNone/>
-            </a:pPr>
+              <a:t> need to decompress in buffer cache</a:t>
+            </a:r>
             <a:endParaRPr lang="en-GB" dirty="0"/>
           </a:p>
         </p:txBody>
@@ -2201,29 +2513,19 @@
           <a:bodyPr/>
           <a:lstStyle/>
           <a:p>
-            <a:fld id="{D387C5CD-A09D-43F4-B46B-CCCB3CD96AC3}" type="slidenum">
-              <a:rPr lang="en-GB" smtClean="0">
-                <a:solidFill>
-                  <a:prstClr val="black"/>
-                </a:solidFill>
-                <a:latin typeface="Calibri" panose="020F0502020204030204"/>
-              </a:rPr>
+            <a:fld id="{8547E1EE-0039-4797-B978-F453418260D1}" type="slidenum">
+              <a:rPr lang="en-US" smtClean="0"/>
               <a:pPr/>
               <a:t>9</a:t>
             </a:fld>
-            <a:endParaRPr lang="en-GB">
-              <a:solidFill>
-                <a:prstClr val="black"/>
-              </a:solidFill>
-              <a:latin typeface="Calibri" panose="020F0502020204030204"/>
-            </a:endParaRPr>
+            <a:endParaRPr lang="en-US"/>
           </a:p>
         </p:txBody>
       </p:sp>
     </p:spTree>
     <p:extLst>
       <p:ext uri="{BB962C8B-B14F-4D97-AF65-F5344CB8AC3E}">
-        <p14:creationId xmlns:p14="http://schemas.microsoft.com/office/powerpoint/2010/main" val="271292092"/>
+        <p14:creationId xmlns:p14="http://schemas.microsoft.com/office/powerpoint/2010/main" val="1735172723"/>
       </p:ext>
     </p:extLst>
   </p:cSld>
@@ -25857,16 +26159,105 @@
           <a:p>
             <a:r>
               <a:rPr lang="en-US" dirty="0" smtClean="0"/>
-              <a:t>Better Buffer Cache</a:t>
+              <a:t>Compression summary</a:t>
             </a:r>
             <a:endParaRPr lang="en-GB" dirty="0"/>
+          </a:p>
+        </p:txBody>
+      </p:sp>
+      <p:sp>
+        <p:nvSpPr>
+          <p:cNvPr id="3" name="TextBox 2"/>
+          <p:cNvSpPr txBox="1"/>
+          <p:nvPr/>
+        </p:nvSpPr>
+        <p:spPr>
+          <a:xfrm>
+            <a:off x="1701924" y="1844824"/>
+            <a:ext cx="7992888" cy="3960440"/>
+          </a:xfrm>
+          <a:prstGeom prst="rect">
+            <a:avLst/>
+          </a:prstGeom>
+          <a:noFill/>
+        </p:spPr>
+        <p:txBody>
+          <a:bodyPr wrap="none" lIns="0" tIns="0" rIns="0" bIns="0" rtlCol="0">
+            <a:noAutofit/>
+          </a:bodyPr>
+          <a:lstStyle/>
+          <a:p>
+            <a:pPr marL="285750" indent="-285750">
+              <a:lnSpc>
+                <a:spcPct val="90000"/>
+              </a:lnSpc>
+              <a:buFont typeface="Arial" panose="020B0604020202020204" pitchFamily="34" charset="0"/>
+              <a:buChar char="•"/>
+            </a:pPr>
+            <a:r>
+              <a:rPr lang="en-US" dirty="0" smtClean="0"/>
+              <a:t>Compression </a:t>
+            </a:r>
+            <a:r>
+              <a:rPr lang="en-US" dirty="0" smtClean="0"/>
+              <a:t>is at the block level</a:t>
+            </a:r>
+          </a:p>
+          <a:p>
+            <a:pPr marL="285750" indent="-285750">
+              <a:lnSpc>
+                <a:spcPct val="90000"/>
+              </a:lnSpc>
+              <a:buFont typeface="Arial" panose="020B0604020202020204" pitchFamily="34" charset="0"/>
+              <a:buChar char="•"/>
+            </a:pPr>
+            <a:r>
+              <a:rPr lang="en-US" dirty="0" smtClean="0"/>
+              <a:t>Repeated values are replaced with symbols</a:t>
+            </a:r>
+          </a:p>
+          <a:p>
+            <a:pPr marL="285750" indent="-285750">
+              <a:lnSpc>
+                <a:spcPct val="90000"/>
+              </a:lnSpc>
+              <a:buFont typeface="Arial" panose="020B0604020202020204" pitchFamily="34" charset="0"/>
+              <a:buChar char="•"/>
+            </a:pPr>
+            <a:r>
+              <a:rPr lang="en-US" dirty="0" smtClean="0"/>
+              <a:t>Symbols can reference other symbols</a:t>
+            </a:r>
+          </a:p>
+          <a:p>
+            <a:pPr marL="285750" indent="-285750">
+              <a:lnSpc>
+                <a:spcPct val="90000"/>
+              </a:lnSpc>
+              <a:buFont typeface="Arial" panose="020B0604020202020204" pitchFamily="34" charset="0"/>
+              <a:buChar char="•"/>
+            </a:pPr>
+            <a:r>
+              <a:rPr lang="en-US" dirty="0" smtClean="0"/>
+              <a:t>Column values are atomic unit of compression</a:t>
+            </a:r>
+          </a:p>
+          <a:p>
+            <a:pPr marL="285750" indent="-285750">
+              <a:lnSpc>
+                <a:spcPct val="90000"/>
+              </a:lnSpc>
+              <a:buFont typeface="Arial" panose="020B0604020202020204" pitchFamily="34" charset="0"/>
+              <a:buChar char="•"/>
+            </a:pPr>
+            <a:endParaRPr lang="en-GB" dirty="0" err="1" smtClean="0"/>
           </a:p>
         </p:txBody>
       </p:sp>
     </p:spTree>
     <p:extLst>
       <p:ext uri="{BB962C8B-B14F-4D97-AF65-F5344CB8AC3E}">
-        <p14:creationId xmlns:p14="http://schemas.microsoft.com/office/powerpoint/2010/main" val="3629921321"/>
+        <p14:creationId xmlns:p14="http://schemas.microsoft.com/office/powerpoint/2010/main" val="491674652"/>
       </p:ext>
     </p:extLst>
   </p:cSld>
@@ -29238,8 +29629,8 @@
         </p:nvSpPr>
         <p:spPr>
           <a:xfrm>
-            <a:off x="1721474" y="1544283"/>
-            <a:ext cx="5918307" cy="2892829"/>
+            <a:off x="1119678" y="1556792"/>
+            <a:ext cx="9949468" cy="4320480"/>
           </a:xfrm>
           <a:prstGeom prst="rect">
             <a:avLst/>
@@ -29282,7 +29673,15 @@
                   <a:prstClr val="black"/>
                 </a:solidFill>
               </a:rPr>
-              <a:t>Deduplication within a data block</a:t>
+              <a:t>Deduplication within a data </a:t>
+            </a:r>
+            <a:r>
+              <a:rPr lang="en-US" sz="1799" dirty="0" smtClean="0">
+                <a:solidFill>
+                  <a:prstClr val="black"/>
+                </a:solidFill>
+              </a:rPr>
+              <a:t>block</a:t>
             </a:r>
           </a:p>
           <a:p>
@@ -29294,12 +29693,59 @@
               <a:buChar char="o"/>
             </a:pPr>
             <a:r>
+              <a:rPr lang="en-US" dirty="0"/>
+              <a:t>Basic compresses only once during a direct path </a:t>
+            </a:r>
+            <a:r>
+              <a:rPr lang="en-US" dirty="0" smtClean="0"/>
+              <a:t>load</a:t>
+            </a:r>
+          </a:p>
+          <a:p>
+            <a:pPr marL="799860" lvl="1" indent="-342797">
+              <a:lnSpc>
+                <a:spcPct val="90000"/>
+              </a:lnSpc>
+              <a:buFont typeface="Courier New" panose="02070309020205020404" pitchFamily="49" charset="0"/>
+              <a:buChar char="o"/>
+            </a:pPr>
+            <a:r>
               <a:rPr lang="en-US" sz="1799" dirty="0" smtClean="0">
                 <a:solidFill>
                   <a:prstClr val="black"/>
                 </a:solidFill>
               </a:rPr>
-              <a:t>FREE !!</a:t>
+              <a:t>PCTFREE 0</a:t>
+            </a:r>
+            <a:endParaRPr lang="en-US" sz="1799" dirty="0">
+              <a:solidFill>
+                <a:prstClr val="black"/>
+              </a:solidFill>
+            </a:endParaRPr>
+          </a:p>
+          <a:p>
+            <a:pPr marL="799860" lvl="1" indent="-342797">
+              <a:lnSpc>
+                <a:spcPct val="90000"/>
+              </a:lnSpc>
+              <a:buFont typeface="Courier New" panose="02070309020205020404" pitchFamily="49" charset="0"/>
+              <a:buChar char="o"/>
+            </a:pPr>
+            <a:r>
+              <a:rPr lang="en-US" sz="1799" dirty="0" smtClean="0">
+                <a:solidFill>
+                  <a:prstClr val="black"/>
+                </a:solidFill>
+              </a:rPr>
+              <a:t>Included with EE</a:t>
+            </a:r>
+            <a:r>
+              <a:rPr lang="en-US" sz="1799" dirty="0" smtClean="0">
+                <a:solidFill>
+                  <a:prstClr val="black"/>
+                </a:solidFill>
+              </a:rPr>
+              <a:t/>
             </a:r>
             <a:br>
               <a:rPr lang="en-US" sz="1799" dirty="0" smtClean="0">
@@ -29365,21 +29811,51 @@
               <a:buChar char="o"/>
             </a:pPr>
             <a:r>
+              <a:rPr lang="en-US" dirty="0"/>
+              <a:t>Advanced will automatically recompress blocks </a:t>
+            </a:r>
+            <a:r>
+              <a:rPr lang="en-US" dirty="0" smtClean="0"/>
+              <a:t>as </a:t>
+            </a:r>
+            <a:r>
+              <a:rPr lang="en-US" dirty="0"/>
+              <a:t>they </a:t>
+            </a:r>
+            <a:r>
+              <a:rPr lang="en-US" dirty="0" smtClean="0"/>
+              <a:t>fill</a:t>
+            </a:r>
+          </a:p>
+          <a:p>
+            <a:pPr marL="799860" lvl="1" indent="-342797">
+              <a:lnSpc>
+                <a:spcPct val="90000"/>
+              </a:lnSpc>
+              <a:buFont typeface="Courier New" panose="02070309020205020404" pitchFamily="49" charset="0"/>
+              <a:buChar char="o"/>
+            </a:pPr>
+            <a:r>
+              <a:rPr lang="en-US" dirty="0" smtClean="0"/>
+              <a:t>PCTFREE 10 </a:t>
+            </a:r>
+            <a:endParaRPr lang="en-US" dirty="0"/>
+          </a:p>
+          <a:p>
+            <a:pPr marL="799860" lvl="1" indent="-342797">
+              <a:lnSpc>
+                <a:spcPct val="90000"/>
+              </a:lnSpc>
+              <a:buFont typeface="Courier New" panose="02070309020205020404" pitchFamily="49" charset="0"/>
+              <a:buChar char="o"/>
+            </a:pPr>
+            <a:r>
               <a:rPr lang="en-US" sz="1799" dirty="0" smtClean="0">
                 <a:solidFill>
                   <a:prstClr val="black"/>
                 </a:solidFill>
               </a:rPr>
-              <a:t>Not free </a:t>
-            </a:r>
-            <a:r>
-              <a:rPr lang="en-US" sz="1799" dirty="0" smtClean="0">
-                <a:solidFill>
-                  <a:prstClr val="black"/>
-                </a:solidFill>
-                <a:sym typeface="Wingdings" panose="05000000000000000000" pitchFamily="2" charset="2"/>
-              </a:rPr>
-              <a:t></a:t>
+              <a:t>Advanced Compression option license </a:t>
             </a:r>
             <a:endParaRPr lang="en-US" sz="1799" dirty="0">
               <a:solidFill>
@@ -29475,156 +29951,6 @@
 </file>
 
 <file path=ppt/slides/slide4.xml><?xml version="1.0" encoding="utf-8"?>
-<p:sld xmlns:a="http://schemas.openxmlformats.org/drawingml/2006/main" xmlns:r="http://schemas.openxmlformats.org/officeDocument/2006/relationships" xmlns:p="http://schemas.openxmlformats.org/presentationml/2006/main">
-  <p:cSld>
-    <p:spTree>
-      <p:nvGrpSpPr>
-        <p:cNvPr id="1" name=""/>
-        <p:cNvGrpSpPr/>
-        <p:nvPr/>
-      </p:nvGrpSpPr>
-      <p:grpSpPr>
-        <a:xfrm>
-          <a:off x="0" y="0"/>
-          <a:ext cx="0" cy="0"/>
-          <a:chOff x="0" y="0"/>
-          <a:chExt cx="0" cy="0"/>
-        </a:xfrm>
-      </p:grpSpPr>
-      <p:sp>
-        <p:nvSpPr>
-          <p:cNvPr id="2" name="Title 1"/>
-          <p:cNvSpPr>
-            <a:spLocks noGrp="1"/>
-          </p:cNvSpPr>
-          <p:nvPr>
-            <p:ph type="title"/>
-          </p:nvPr>
-        </p:nvSpPr>
-        <p:spPr/>
-        <p:txBody>
-          <a:bodyPr/>
-          <a:lstStyle/>
-          <a:p>
-            <a:r>
-              <a:rPr lang="en-US" dirty="0" smtClean="0"/>
-              <a:t>Basic vs Advanced</a:t>
-            </a:r>
-            <a:endParaRPr lang="en-GB" dirty="0"/>
-          </a:p>
-        </p:txBody>
-      </p:sp>
-      <p:sp>
-        <p:nvSpPr>
-          <p:cNvPr id="3" name="TextBox 2"/>
-          <p:cNvSpPr txBox="1"/>
-          <p:nvPr/>
-        </p:nvSpPr>
-        <p:spPr>
-          <a:xfrm>
-            <a:off x="837828" y="1844824"/>
-            <a:ext cx="9001000" cy="4248472"/>
-          </a:xfrm>
-          <a:prstGeom prst="rect">
-            <a:avLst/>
-          </a:prstGeom>
-          <a:noFill/>
-        </p:spPr>
-        <p:txBody>
-          <a:bodyPr wrap="none" lIns="0" tIns="0" rIns="0" bIns="0" rtlCol="0">
-            <a:noAutofit/>
-          </a:bodyPr>
-          <a:lstStyle/>
-          <a:p>
-            <a:pPr>
-              <a:lnSpc>
-                <a:spcPct val="90000"/>
-              </a:lnSpc>
-            </a:pPr>
-            <a:r>
-              <a:rPr lang="en-US" dirty="0" smtClean="0"/>
-              <a:t>Basic compresses only once during a direct path load</a:t>
-            </a:r>
-          </a:p>
-          <a:p>
-            <a:pPr>
-              <a:lnSpc>
-                <a:spcPct val="90000"/>
-              </a:lnSpc>
-            </a:pPr>
-            <a:r>
-              <a:rPr lang="en-US" dirty="0"/>
-              <a:t> </a:t>
-            </a:r>
-            <a:r>
-              <a:rPr lang="en-US" dirty="0" smtClean="0"/>
-              <a:t> you have to recreate the blocks by moving the table</a:t>
-            </a:r>
-          </a:p>
-          <a:p>
-            <a:pPr>
-              <a:lnSpc>
-                <a:spcPct val="90000"/>
-              </a:lnSpc>
-            </a:pPr>
-            <a:endParaRPr lang="en-US" dirty="0"/>
-          </a:p>
-          <a:p>
-            <a:pPr>
-              <a:lnSpc>
-                <a:spcPct val="90000"/>
-              </a:lnSpc>
-            </a:pPr>
-            <a:endParaRPr lang="en-US" dirty="0" smtClean="0"/>
-          </a:p>
-          <a:p>
-            <a:pPr>
-              <a:lnSpc>
-                <a:spcPct val="90000"/>
-              </a:lnSpc>
-            </a:pPr>
-            <a:endParaRPr lang="en-US" dirty="0"/>
-          </a:p>
-          <a:p>
-            <a:pPr>
-              <a:lnSpc>
-                <a:spcPct val="90000"/>
-              </a:lnSpc>
-            </a:pPr>
-            <a:r>
-              <a:rPr lang="en-US" dirty="0" smtClean="0"/>
-              <a:t>Advanced will automatically recompress blocks when they fill up with uncompressed data</a:t>
-            </a:r>
-            <a:endParaRPr lang="en-GB" dirty="0" err="1" smtClean="0"/>
-          </a:p>
-        </p:txBody>
-      </p:sp>
-    </p:spTree>
-    <p:extLst>
-      <p:ext uri="{BB962C8B-B14F-4D97-AF65-F5344CB8AC3E}">
-        <p14:creationId xmlns:p14="http://schemas.microsoft.com/office/powerpoint/2010/main" val="756193027"/>
-      </p:ext>
-    </p:extLst>
-  </p:cSld>
-  <p:clrMapOvr>
-    <a:masterClrMapping/>
-  </p:clrMapOvr>
-  <mc:AlternateContent xmlns:mc="http://schemas.openxmlformats.org/markup-compatibility/2006" xmlns:p14="http://schemas.microsoft.com/office/powerpoint/2010/main">
-    <mc:Choice Requires="p14">
-      <p:transition spd="med" p14:dur="700">
-        <p:fade/>
-      </p:transition>
-    </mc:Choice>
-    <mc:Fallback xmlns="">
-      <p:transition spd="med">
-        <p:fade/>
-      </p:transition>
-    </mc:Fallback>
-  </mc:AlternateContent>
-</p:sld>
-</file>
-
-<file path=ppt/slides/slide5.xml><?xml version="1.0" encoding="utf-8"?>
 <p:sld xmlns:a="http://schemas.openxmlformats.org/drawingml/2006/main" xmlns:r="http://schemas.openxmlformats.org/officeDocument/2006/relationships" xmlns:p="http://schemas.openxmlformats.org/presentationml/2006/main">
   <p:cSld>
     <p:spTree>
@@ -30541,6 +30867,830 @@
 </p:sld>
 </file>
 
+<file path=ppt/slides/slide5.xml><?xml version="1.0" encoding="utf-8"?>
+<p:sld xmlns:a="http://schemas.openxmlformats.org/drawingml/2006/main" xmlns:r="http://schemas.openxmlformats.org/officeDocument/2006/relationships" xmlns:p="http://schemas.openxmlformats.org/presentationml/2006/main">
+  <p:cSld>
+    <p:spTree>
+      <p:nvGrpSpPr>
+        <p:cNvPr id="1" name=""/>
+        <p:cNvGrpSpPr/>
+        <p:nvPr/>
+      </p:nvGrpSpPr>
+      <p:grpSpPr>
+        <a:xfrm>
+          <a:off x="0" y="0"/>
+          <a:ext cx="0" cy="0"/>
+          <a:chOff x="0" y="0"/>
+          <a:chExt cx="0" cy="0"/>
+        </a:xfrm>
+      </p:grpSpPr>
+      <p:sp>
+        <p:nvSpPr>
+          <p:cNvPr id="3" name="TextBox 2"/>
+          <p:cNvSpPr txBox="1"/>
+          <p:nvPr/>
+        </p:nvSpPr>
+        <p:spPr>
+          <a:xfrm>
+            <a:off x="1207925" y="5336914"/>
+            <a:ext cx="9735335" cy="625465"/>
+          </a:xfrm>
+          <a:prstGeom prst="rect">
+            <a:avLst/>
+          </a:prstGeom>
+          <a:noFill/>
+          <a:ln w="12700" cap="rnd" cmpd="sng">
+            <a:solidFill>
+              <a:schemeClr val="tx1">
+                <a:alpha val="50000"/>
+              </a:schemeClr>
+            </a:solidFill>
+            <a:prstDash val="sysDash"/>
+          </a:ln>
+        </p:spPr>
+        <p:txBody>
+          <a:bodyPr wrap="square" lIns="182832" tIns="182832" rIns="182832" bIns="182832" rtlCol="0">
+            <a:noAutofit/>
+          </a:bodyPr>
+          <a:lstStyle/>
+          <a:p>
+            <a:pPr>
+              <a:lnSpc>
+                <a:spcPct val="90000"/>
+              </a:lnSpc>
+            </a:pPr>
+            <a:r>
+              <a:rPr lang="en-US" sz="1799" dirty="0" err="1">
+                <a:solidFill>
+                  <a:prstClr val="black"/>
+                </a:solidFill>
+                <a:latin typeface="Consolas" panose="020B0609020204030204" pitchFamily="49" charset="0"/>
+              </a:rPr>
+              <a:t>bindmp</a:t>
+            </a:r>
+            <a:r>
+              <a:rPr lang="en-US" sz="1799" dirty="0">
+                <a:solidFill>
+                  <a:prstClr val="black"/>
+                </a:solidFill>
+                <a:latin typeface="Consolas" panose="020B0609020204030204" pitchFamily="49" charset="0"/>
+              </a:rPr>
+              <a:t>: </a:t>
+            </a:r>
+            <a:r>
+              <a:rPr lang="en-US" sz="1799" dirty="0">
+                <a:solidFill>
+                  <a:srgbClr val="822980"/>
+                </a:solidFill>
+                <a:latin typeface="Consolas" panose="020B0609020204030204" pitchFamily="49" charset="0"/>
+              </a:rPr>
+              <a:t>2c 00 03 </a:t>
+            </a:r>
+            <a:r>
+              <a:rPr lang="en-US" sz="1799" dirty="0">
+                <a:solidFill>
+                  <a:prstClr val="black"/>
+                </a:solidFill>
+                <a:latin typeface="Consolas" panose="020B0609020204030204" pitchFamily="49" charset="0"/>
+              </a:rPr>
+              <a:t>d0 32 4d 58 54 53 50 4d 4c </a:t>
+            </a:r>
+            <a:r>
+              <a:rPr lang="en-US" sz="1799" dirty="0">
+                <a:solidFill>
+                  <a:srgbClr val="0096D6">
+                    <a:lumMod val="75000"/>
+                  </a:srgbClr>
+                </a:solidFill>
+                <a:latin typeface="Consolas" panose="020B0609020204030204" pitchFamily="49" charset="0"/>
+              </a:rPr>
+              <a:t>00</a:t>
+            </a:r>
+            <a:r>
+              <a:rPr lang="en-US" sz="1799" dirty="0">
+                <a:solidFill>
+                  <a:prstClr val="black"/>
+                </a:solidFill>
+                <a:latin typeface="Consolas" panose="020B0609020204030204" pitchFamily="49" charset="0"/>
+              </a:rPr>
+              <a:t> d0 32 57 55 51 54 49 42 53</a:t>
+            </a:r>
+          </a:p>
+          <a:p>
+            <a:pPr>
+              <a:lnSpc>
+                <a:spcPct val="90000"/>
+              </a:lnSpc>
+            </a:pPr>
+            <a:endParaRPr lang="en-US" sz="1799" dirty="0">
+              <a:solidFill>
+                <a:prstClr val="black"/>
+              </a:solidFill>
+              <a:latin typeface="Consolas" panose="020B0609020204030204" pitchFamily="49" charset="0"/>
+            </a:endParaRPr>
+          </a:p>
+          <a:p>
+            <a:pPr>
+              <a:lnSpc>
+                <a:spcPct val="90000"/>
+              </a:lnSpc>
+            </a:pPr>
+            <a:endParaRPr lang="en-US" sz="1799" dirty="0">
+              <a:solidFill>
+                <a:prstClr val="black"/>
+              </a:solidFill>
+              <a:latin typeface="Consolas" panose="020B0609020204030204" pitchFamily="49" charset="0"/>
+            </a:endParaRPr>
+          </a:p>
+        </p:txBody>
+      </p:sp>
+      <p:sp>
+        <p:nvSpPr>
+          <p:cNvPr id="5" name="Title 3"/>
+          <p:cNvSpPr txBox="1">
+            <a:spLocks/>
+          </p:cNvSpPr>
+          <p:nvPr/>
+        </p:nvSpPr>
+        <p:spPr>
+          <a:xfrm>
+            <a:off x="609441" y="246254"/>
+            <a:ext cx="10969943" cy="502591"/>
+          </a:xfrm>
+          <a:prstGeom prst="rect">
+            <a:avLst/>
+          </a:prstGeom>
+        </p:spPr>
+        <p:txBody>
+          <a:bodyPr vert="horz" lIns="0" tIns="0" rIns="0" bIns="0" rtlCol="0" anchor="b" anchorCtr="0">
+            <a:noAutofit/>
+          </a:bodyPr>
+          <a:lstStyle>
+            <a:lvl1pPr algn="l" defTabSz="914400" rtl="0" eaLnBrk="1" latinLnBrk="0" hangingPunct="1">
+              <a:lnSpc>
+                <a:spcPct val="90000"/>
+              </a:lnSpc>
+              <a:spcBef>
+                <a:spcPct val="0"/>
+              </a:spcBef>
+              <a:buNone/>
+              <a:defRPr sz="2800" b="1" kern="1200">
+                <a:solidFill>
+                  <a:schemeClr val="tx1"/>
+                </a:solidFill>
+                <a:latin typeface="+mj-lt"/>
+                <a:ea typeface="+mj-ea"/>
+                <a:cs typeface="+mj-cs"/>
+              </a:defRPr>
+            </a:lvl1pPr>
+          </a:lstStyle>
+          <a:p>
+            <a:r>
+              <a:rPr lang="en-US" dirty="0">
+                <a:solidFill>
+                  <a:prstClr val="black"/>
+                </a:solidFill>
+              </a:rPr>
+              <a:t>Finding </a:t>
+            </a:r>
+            <a:r>
+              <a:rPr lang="en-US" dirty="0" smtClean="0">
+                <a:solidFill>
+                  <a:prstClr val="black"/>
+                </a:solidFill>
+              </a:rPr>
+              <a:t>Symbol</a:t>
+            </a:r>
+            <a:r>
+              <a:rPr lang="en-US" dirty="0" smtClean="0">
+                <a:solidFill>
+                  <a:prstClr val="black"/>
+                </a:solidFill>
+              </a:rPr>
+              <a:t>s </a:t>
+            </a:r>
+            <a:endParaRPr lang="en-GB" dirty="0">
+              <a:solidFill>
+                <a:prstClr val="black"/>
+              </a:solidFill>
+            </a:endParaRPr>
+          </a:p>
+        </p:txBody>
+      </p:sp>
+      <p:graphicFrame>
+        <p:nvGraphicFramePr>
+          <p:cNvPr id="6" name="Table 5"/>
+          <p:cNvGraphicFramePr>
+            <a:graphicFrameLocks noGrp="1"/>
+          </p:cNvGraphicFramePr>
+          <p:nvPr>
+            <p:extLst>
+              <p:ext uri="{D42A27DB-BD31-4B8C-83A1-F6EECF244321}">
+                <p14:modId xmlns:p14="http://schemas.microsoft.com/office/powerpoint/2010/main" val="3415422751"/>
+              </p:ext>
+            </p:extLst>
+          </p:nvPr>
+        </p:nvGraphicFramePr>
+        <p:xfrm>
+          <a:off x="6703689" y="1365375"/>
+          <a:ext cx="3929238" cy="2246395"/>
+        </p:xfrm>
+        <a:graphic>
+          <a:graphicData uri="http://schemas.openxmlformats.org/drawingml/2006/table">
+            <a:tbl>
+              <a:tblPr firstRow="1" bandRow="1">
+                <a:tableStyleId>{5C22544A-7EE6-4342-B048-85BDC9FD1C3A}</a:tableStyleId>
+              </a:tblPr>
+              <a:tblGrid>
+                <a:gridCol w="1964619"/>
+                <a:gridCol w="1964619"/>
+              </a:tblGrid>
+              <a:tr h="449279">
+                <a:tc>
+                  <a:txBody>
+                    <a:bodyPr/>
+                    <a:lstStyle/>
+                    <a:p>
+                      <a:r>
+                        <a:rPr lang="en-US" sz="1800" dirty="0" smtClean="0"/>
+                        <a:t>Byte</a:t>
+                      </a:r>
+                      <a:r>
+                        <a:rPr lang="en-US" sz="1800" baseline="0" dirty="0" smtClean="0"/>
+                        <a:t>s</a:t>
+                      </a:r>
+                      <a:endParaRPr lang="en-GB" sz="1800" dirty="0"/>
+                    </a:p>
+                  </a:txBody>
+                  <a:tcPr marL="91416" marR="91416" marT="45708" marB="45708"/>
+                </a:tc>
+                <a:tc>
+                  <a:txBody>
+                    <a:bodyPr/>
+                    <a:lstStyle/>
+                    <a:p>
+                      <a:r>
+                        <a:rPr lang="en-US" sz="1800" dirty="0" smtClean="0"/>
+                        <a:t>Meaning</a:t>
+                      </a:r>
+                      <a:endParaRPr lang="en-GB" sz="1800" dirty="0"/>
+                    </a:p>
+                  </a:txBody>
+                  <a:tcPr marL="91416" marR="91416" marT="45708" marB="45708"/>
+                </a:tc>
+              </a:tr>
+              <a:tr h="449279">
+                <a:tc>
+                  <a:txBody>
+                    <a:bodyPr/>
+                    <a:lstStyle/>
+                    <a:p>
+                      <a:r>
+                        <a:rPr lang="en-US" sz="1800" dirty="0" smtClean="0"/>
+                        <a:t>00 – c7</a:t>
+                      </a:r>
+                      <a:endParaRPr lang="en-GB" sz="1800" dirty="0"/>
+                    </a:p>
+                  </a:txBody>
+                  <a:tcPr marL="91416" marR="91416" marT="45708" marB="45708"/>
+                </a:tc>
+                <a:tc>
+                  <a:txBody>
+                    <a:bodyPr/>
+                    <a:lstStyle/>
+                    <a:p>
+                      <a:r>
+                        <a:rPr lang="en-US" sz="1800" baseline="0" dirty="0" smtClean="0"/>
+                        <a:t>Symbol </a:t>
+                      </a:r>
+                      <a:r>
+                        <a:rPr lang="en-US" sz="1800" baseline="0" dirty="0" smtClean="0"/>
+                        <a:t>byte</a:t>
+                      </a:r>
+                      <a:endParaRPr lang="en-GB" sz="1800" dirty="0"/>
+                    </a:p>
+                  </a:txBody>
+                  <a:tcPr marL="91416" marR="91416" marT="45708" marB="45708"/>
+                </a:tc>
+              </a:tr>
+              <a:tr h="449279">
+                <a:tc>
+                  <a:txBody>
+                    <a:bodyPr/>
+                    <a:lstStyle/>
+                    <a:p>
+                      <a:r>
+                        <a:rPr lang="en-US" sz="1800" dirty="0" smtClean="0"/>
+                        <a:t>c9 - f9</a:t>
+                      </a:r>
+                      <a:endParaRPr lang="en-GB" sz="1800" dirty="0"/>
+                    </a:p>
+                  </a:txBody>
+                  <a:tcPr marL="91416" marR="91416" marT="45708" marB="45708"/>
+                </a:tc>
+                <a:tc>
+                  <a:txBody>
+                    <a:bodyPr/>
+                    <a:lstStyle/>
+                    <a:p>
+                      <a:r>
+                        <a:rPr lang="en-US" sz="1800" dirty="0" smtClean="0"/>
+                        <a:t>Length byte</a:t>
+                      </a:r>
+                      <a:endParaRPr lang="en-GB" sz="1800" dirty="0"/>
+                    </a:p>
+                  </a:txBody>
+                  <a:tcPr marL="91416" marR="91416" marT="45708" marB="45708"/>
+                </a:tc>
+              </a:tr>
+              <a:tr h="449279">
+                <a:tc>
+                  <a:txBody>
+                    <a:bodyPr/>
+                    <a:lstStyle/>
+                    <a:p>
+                      <a:r>
+                        <a:rPr lang="en-US" sz="1800" dirty="0" smtClean="0"/>
+                        <a:t>fa +</a:t>
+                      </a:r>
+                      <a:r>
+                        <a:rPr lang="en-US" sz="1800" baseline="0" dirty="0" smtClean="0"/>
+                        <a:t> 2bytes</a:t>
+                      </a:r>
+                      <a:endParaRPr lang="en-GB" sz="1800" dirty="0"/>
+                    </a:p>
+                  </a:txBody>
+                  <a:tcPr marL="91416" marR="91416" marT="45708" marB="45708"/>
+                </a:tc>
+                <a:tc>
+                  <a:txBody>
+                    <a:bodyPr/>
+                    <a:lstStyle/>
+                    <a:p>
+                      <a:r>
+                        <a:rPr lang="en-US" sz="1800" dirty="0" err="1" smtClean="0"/>
+                        <a:t>Multibyte</a:t>
+                      </a:r>
+                      <a:r>
+                        <a:rPr lang="en-US" sz="1800" dirty="0" smtClean="0"/>
+                        <a:t> length</a:t>
+                      </a:r>
+                      <a:endParaRPr lang="en-GB" sz="1800" dirty="0"/>
+                    </a:p>
+                  </a:txBody>
+                  <a:tcPr marL="91416" marR="91416" marT="45708" marB="45708"/>
+                </a:tc>
+              </a:tr>
+              <a:tr h="449279">
+                <a:tc>
+                  <a:txBody>
+                    <a:bodyPr/>
+                    <a:lstStyle/>
+                    <a:p>
+                      <a:r>
+                        <a:rPr lang="en-US" sz="1800" dirty="0" smtClean="0"/>
+                        <a:t>fb + 2bytes</a:t>
+                      </a:r>
+                      <a:endParaRPr lang="en-GB" sz="1800" dirty="0"/>
+                    </a:p>
+                  </a:txBody>
+                  <a:tcPr marL="91416" marR="91416" marT="45708" marB="45708"/>
+                </a:tc>
+                <a:tc>
+                  <a:txBody>
+                    <a:bodyPr/>
+                    <a:lstStyle/>
+                    <a:p>
+                      <a:r>
+                        <a:rPr lang="en-US" sz="1800" dirty="0" err="1" smtClean="0"/>
+                        <a:t>Multibyte</a:t>
+                      </a:r>
+                      <a:r>
+                        <a:rPr lang="en-US" sz="1800" dirty="0" smtClean="0"/>
+                        <a:t> </a:t>
+                      </a:r>
+                      <a:r>
+                        <a:rPr lang="en-US" sz="1800" dirty="0" smtClean="0"/>
+                        <a:t>symbol </a:t>
+                      </a:r>
+                      <a:endParaRPr lang="en-GB" sz="1800" dirty="0"/>
+                    </a:p>
+                  </a:txBody>
+                  <a:tcPr marL="91416" marR="91416" marT="45708" marB="45708"/>
+                </a:tc>
+              </a:tr>
+            </a:tbl>
+          </a:graphicData>
+        </a:graphic>
+      </p:graphicFrame>
+      <p:sp>
+        <p:nvSpPr>
+          <p:cNvPr id="7" name="Right Brace 6"/>
+          <p:cNvSpPr/>
+          <p:nvPr/>
+        </p:nvSpPr>
+        <p:spPr>
+          <a:xfrm rot="16200000">
+            <a:off x="2554078" y="4771810"/>
+            <a:ext cx="660894" cy="1132093"/>
+          </a:xfrm>
+          <a:prstGeom prst="rightBrace">
+            <a:avLst>
+              <a:gd name="adj1" fmla="val 0"/>
+              <a:gd name="adj2" fmla="val 51316"/>
+            </a:avLst>
+          </a:prstGeom>
+          <a:ln w="19050">
+            <a:solidFill>
+              <a:schemeClr val="tx1"/>
+            </a:solidFill>
+            <a:miter lim="800000"/>
+          </a:ln>
+        </p:spPr>
+        <p:style>
+          <a:lnRef idx="1">
+            <a:schemeClr val="accent1"/>
+          </a:lnRef>
+          <a:fillRef idx="0">
+            <a:schemeClr val="accent1"/>
+          </a:fillRef>
+          <a:effectRef idx="0">
+            <a:schemeClr val="accent1"/>
+          </a:effectRef>
+          <a:fontRef idx="minor">
+            <a:schemeClr val="tx1"/>
+          </a:fontRef>
+        </p:style>
+        <p:txBody>
+          <a:bodyPr rtlCol="0" anchor="ctr"/>
+          <a:lstStyle/>
+          <a:p>
+            <a:pPr algn="ctr"/>
+            <a:endParaRPr lang="en-GB" sz="1799">
+              <a:solidFill>
+                <a:prstClr val="black"/>
+              </a:solidFill>
+            </a:endParaRPr>
+          </a:p>
+        </p:txBody>
+      </p:sp>
+      <p:sp>
+        <p:nvSpPr>
+          <p:cNvPr id="8" name="Right Brace 7"/>
+          <p:cNvSpPr/>
+          <p:nvPr/>
+        </p:nvSpPr>
+        <p:spPr>
+          <a:xfrm rot="16200000">
+            <a:off x="4815570" y="3641468"/>
+            <a:ext cx="660894" cy="3390892"/>
+          </a:xfrm>
+          <a:prstGeom prst="rightBrace">
+            <a:avLst>
+              <a:gd name="adj1" fmla="val 0"/>
+              <a:gd name="adj2" fmla="val 51316"/>
+            </a:avLst>
+          </a:prstGeom>
+          <a:ln w="19050">
+            <a:solidFill>
+              <a:schemeClr val="tx1"/>
+            </a:solidFill>
+            <a:miter lim="800000"/>
+          </a:ln>
+        </p:spPr>
+        <p:style>
+          <a:lnRef idx="1">
+            <a:schemeClr val="accent1"/>
+          </a:lnRef>
+          <a:fillRef idx="0">
+            <a:schemeClr val="accent1"/>
+          </a:fillRef>
+          <a:effectRef idx="0">
+            <a:schemeClr val="accent1"/>
+          </a:effectRef>
+          <a:fontRef idx="minor">
+            <a:schemeClr val="tx1"/>
+          </a:fontRef>
+        </p:style>
+        <p:txBody>
+          <a:bodyPr rtlCol="0" anchor="ctr"/>
+          <a:lstStyle/>
+          <a:p>
+            <a:pPr algn="ctr"/>
+            <a:endParaRPr lang="en-GB" sz="1799">
+              <a:solidFill>
+                <a:prstClr val="black"/>
+              </a:solidFill>
+            </a:endParaRPr>
+          </a:p>
+        </p:txBody>
+      </p:sp>
+      <p:sp>
+        <p:nvSpPr>
+          <p:cNvPr id="9" name="Right Brace 8"/>
+          <p:cNvSpPr/>
+          <p:nvPr/>
+        </p:nvSpPr>
+        <p:spPr>
+          <a:xfrm rot="16200000">
+            <a:off x="6698989" y="5148942"/>
+            <a:ext cx="660894" cy="375945"/>
+          </a:xfrm>
+          <a:prstGeom prst="rightBrace">
+            <a:avLst>
+              <a:gd name="adj1" fmla="val 0"/>
+              <a:gd name="adj2" fmla="val 51316"/>
+            </a:avLst>
+          </a:prstGeom>
+          <a:ln w="19050">
+            <a:solidFill>
+              <a:schemeClr val="tx1"/>
+            </a:solidFill>
+            <a:miter lim="800000"/>
+          </a:ln>
+        </p:spPr>
+        <p:style>
+          <a:lnRef idx="1">
+            <a:schemeClr val="accent1"/>
+          </a:lnRef>
+          <a:fillRef idx="0">
+            <a:schemeClr val="accent1"/>
+          </a:fillRef>
+          <a:effectRef idx="0">
+            <a:schemeClr val="accent1"/>
+          </a:effectRef>
+          <a:fontRef idx="minor">
+            <a:schemeClr val="tx1"/>
+          </a:fontRef>
+        </p:style>
+        <p:txBody>
+          <a:bodyPr rtlCol="0" anchor="ctr"/>
+          <a:lstStyle/>
+          <a:p>
+            <a:pPr algn="ctr"/>
+            <a:endParaRPr lang="en-GB" sz="1799">
+              <a:solidFill>
+                <a:prstClr val="black"/>
+              </a:solidFill>
+            </a:endParaRPr>
+          </a:p>
+        </p:txBody>
+      </p:sp>
+      <p:sp>
+        <p:nvSpPr>
+          <p:cNvPr id="10" name="Right Brace 9"/>
+          <p:cNvSpPr/>
+          <p:nvPr/>
+        </p:nvSpPr>
+        <p:spPr>
+          <a:xfrm rot="16200000">
+            <a:off x="8584090" y="3639785"/>
+            <a:ext cx="660894" cy="3394258"/>
+          </a:xfrm>
+          <a:prstGeom prst="rightBrace">
+            <a:avLst>
+              <a:gd name="adj1" fmla="val 0"/>
+              <a:gd name="adj2" fmla="val 51316"/>
+            </a:avLst>
+          </a:prstGeom>
+          <a:ln w="19050">
+            <a:solidFill>
+              <a:schemeClr val="tx1"/>
+            </a:solidFill>
+            <a:miter lim="800000"/>
+          </a:ln>
+        </p:spPr>
+        <p:style>
+          <a:lnRef idx="1">
+            <a:schemeClr val="accent1"/>
+          </a:lnRef>
+          <a:fillRef idx="0">
+            <a:schemeClr val="accent1"/>
+          </a:fillRef>
+          <a:effectRef idx="0">
+            <a:schemeClr val="accent1"/>
+          </a:effectRef>
+          <a:fontRef idx="minor">
+            <a:schemeClr val="tx1"/>
+          </a:fontRef>
+        </p:style>
+        <p:txBody>
+          <a:bodyPr rtlCol="0" anchor="ctr"/>
+          <a:lstStyle/>
+          <a:p>
+            <a:pPr algn="ctr"/>
+            <a:endParaRPr lang="en-GB" sz="1799">
+              <a:solidFill>
+                <a:prstClr val="black"/>
+              </a:solidFill>
+            </a:endParaRPr>
+          </a:p>
+        </p:txBody>
+      </p:sp>
+      <p:sp>
+        <p:nvSpPr>
+          <p:cNvPr id="15" name="TextBox 14"/>
+          <p:cNvSpPr txBox="1"/>
+          <p:nvPr/>
+        </p:nvSpPr>
+        <p:spPr>
+          <a:xfrm>
+            <a:off x="2331894" y="4680967"/>
+            <a:ext cx="1243888" cy="320551"/>
+          </a:xfrm>
+          <a:prstGeom prst="rect">
+            <a:avLst/>
+          </a:prstGeom>
+          <a:noFill/>
+        </p:spPr>
+        <p:txBody>
+          <a:bodyPr wrap="none" lIns="0" tIns="0" rIns="0" bIns="0" rtlCol="0">
+            <a:noAutofit/>
+          </a:bodyPr>
+          <a:lstStyle/>
+          <a:p>
+            <a:pPr>
+              <a:lnSpc>
+                <a:spcPct val="90000"/>
+              </a:lnSpc>
+            </a:pPr>
+            <a:r>
+              <a:rPr lang="en-US" sz="1799" dirty="0">
+                <a:solidFill>
+                  <a:prstClr val="black"/>
+                </a:solidFill>
+              </a:rPr>
+              <a:t>Row Header</a:t>
+            </a:r>
+            <a:endParaRPr lang="en-GB" sz="1799" dirty="0" err="1">
+              <a:solidFill>
+                <a:prstClr val="black"/>
+              </a:solidFill>
+            </a:endParaRPr>
+          </a:p>
+        </p:txBody>
+      </p:sp>
+      <p:sp>
+        <p:nvSpPr>
+          <p:cNvPr id="16" name="TextBox 15"/>
+          <p:cNvSpPr txBox="1"/>
+          <p:nvPr/>
+        </p:nvSpPr>
+        <p:spPr>
+          <a:xfrm>
+            <a:off x="4748196" y="4678492"/>
+            <a:ext cx="915522" cy="320551"/>
+          </a:xfrm>
+          <a:prstGeom prst="rect">
+            <a:avLst/>
+          </a:prstGeom>
+          <a:noFill/>
+        </p:spPr>
+        <p:txBody>
+          <a:bodyPr wrap="none" lIns="0" tIns="0" rIns="0" bIns="0" rtlCol="0">
+            <a:noAutofit/>
+          </a:bodyPr>
+          <a:lstStyle/>
+          <a:p>
+            <a:pPr>
+              <a:lnSpc>
+                <a:spcPct val="90000"/>
+              </a:lnSpc>
+            </a:pPr>
+            <a:r>
+              <a:rPr lang="en-US" sz="1799" dirty="0">
+                <a:solidFill>
+                  <a:prstClr val="black"/>
+                </a:solidFill>
+              </a:rPr>
+              <a:t>Column 1</a:t>
+            </a:r>
+            <a:endParaRPr lang="en-GB" sz="1799" dirty="0" err="1">
+              <a:solidFill>
+                <a:prstClr val="black"/>
+              </a:solidFill>
+            </a:endParaRPr>
+          </a:p>
+        </p:txBody>
+      </p:sp>
+      <p:sp>
+        <p:nvSpPr>
+          <p:cNvPr id="17" name="TextBox 16"/>
+          <p:cNvSpPr txBox="1"/>
+          <p:nvPr/>
+        </p:nvSpPr>
+        <p:spPr>
+          <a:xfrm>
+            <a:off x="6622665" y="4685915"/>
+            <a:ext cx="923838" cy="320551"/>
+          </a:xfrm>
+          <a:prstGeom prst="rect">
+            <a:avLst/>
+          </a:prstGeom>
+          <a:noFill/>
+        </p:spPr>
+        <p:txBody>
+          <a:bodyPr wrap="none" lIns="0" tIns="0" rIns="0" bIns="0" rtlCol="0">
+            <a:noAutofit/>
+          </a:bodyPr>
+          <a:lstStyle/>
+          <a:p>
+            <a:pPr>
+              <a:lnSpc>
+                <a:spcPct val="90000"/>
+              </a:lnSpc>
+            </a:pPr>
+            <a:r>
+              <a:rPr lang="en-US" sz="1799" dirty="0">
+                <a:solidFill>
+                  <a:prstClr val="black"/>
+                </a:solidFill>
+              </a:rPr>
+              <a:t>Column 2</a:t>
+            </a:r>
+            <a:endParaRPr lang="en-GB" sz="1799" dirty="0" err="1">
+              <a:solidFill>
+                <a:prstClr val="black"/>
+              </a:solidFill>
+            </a:endParaRPr>
+          </a:p>
+        </p:txBody>
+      </p:sp>
+      <p:sp>
+        <p:nvSpPr>
+          <p:cNvPr id="18" name="TextBox 17"/>
+          <p:cNvSpPr txBox="1"/>
+          <p:nvPr/>
+        </p:nvSpPr>
+        <p:spPr>
+          <a:xfrm>
+            <a:off x="8505449" y="4685915"/>
+            <a:ext cx="944433" cy="320551"/>
+          </a:xfrm>
+          <a:prstGeom prst="rect">
+            <a:avLst/>
+          </a:prstGeom>
+          <a:noFill/>
+        </p:spPr>
+        <p:txBody>
+          <a:bodyPr wrap="none" lIns="0" tIns="0" rIns="0" bIns="0" rtlCol="0">
+            <a:noAutofit/>
+          </a:bodyPr>
+          <a:lstStyle/>
+          <a:p>
+            <a:pPr>
+              <a:lnSpc>
+                <a:spcPct val="90000"/>
+              </a:lnSpc>
+            </a:pPr>
+            <a:r>
+              <a:rPr lang="en-US" sz="1799" dirty="0">
+                <a:solidFill>
+                  <a:prstClr val="black"/>
+                </a:solidFill>
+              </a:rPr>
+              <a:t>Column 3</a:t>
+            </a:r>
+            <a:endParaRPr lang="en-GB" sz="1799" dirty="0" err="1">
+              <a:solidFill>
+                <a:prstClr val="black"/>
+              </a:solidFill>
+            </a:endParaRPr>
+          </a:p>
+        </p:txBody>
+      </p:sp>
+    </p:spTree>
+    <p:extLst>
+      <p:ext uri="{BB962C8B-B14F-4D97-AF65-F5344CB8AC3E}">
+        <p14:creationId xmlns:p14="http://schemas.microsoft.com/office/powerpoint/2010/main" val="2783946750"/>
+      </p:ext>
+    </p:extLst>
+  </p:cSld>
+  <p:clrMapOvr>
+    <a:masterClrMapping/>
+  </p:clrMapOvr>
+  <mc:AlternateContent xmlns:mc="http://schemas.openxmlformats.org/markup-compatibility/2006" xmlns:p14="http://schemas.microsoft.com/office/powerpoint/2010/main">
+    <mc:Choice Requires="p14">
+      <p:transition spd="med" p14:dur="700">
+        <p:fade/>
+      </p:transition>
+    </mc:Choice>
+    <mc:Fallback xmlns="">
+      <p:transition spd="med">
+        <p:fade/>
+      </p:transition>
+    </mc:Fallback>
+  </mc:AlternateContent>
+  <p:timing>
+    <p:tnLst>
+      <p:par>
+        <p:cTn id="1" dur="indefinite" restart="never" nodeType="tmRoot"/>
+      </p:par>
+    </p:tnLst>
+  </p:timing>
+</p:sld>
+</file>
+
 <file path=ppt/slides/slide6.xml><?xml version="1.0" encoding="utf-8"?>
 <p:sld xmlns:a="http://schemas.openxmlformats.org/drawingml/2006/main" xmlns:r="http://schemas.openxmlformats.org/officeDocument/2006/relationships" xmlns:p="http://schemas.openxmlformats.org/presentationml/2006/main">
   <p:cSld>
@@ -30977,7 +32127,15 @@
                   <a:prstClr val="black"/>
                 </a:solidFill>
               </a:rPr>
-              <a:t>Multicolumn Tokens</a:t>
+              <a:t>Multicolumn </a:t>
+            </a:r>
+            <a:r>
+              <a:rPr lang="en-US" dirty="0" smtClean="0">
+                <a:solidFill>
+                  <a:prstClr val="black"/>
+                </a:solidFill>
+              </a:rPr>
+              <a:t>Symbols</a:t>
             </a:r>
             <a:endParaRPr lang="en-GB" dirty="0">
               <a:solidFill>
@@ -31130,7 +32288,31 @@
                   <a:prstClr val="black"/>
                 </a:solidFill>
               </a:rPr>
-              <a:t>One token for </a:t>
+              <a:t>One </a:t>
+            </a:r>
+            <a:r>
+              <a:rPr lang="en-US" sz="1799" dirty="0" smtClean="0">
+                <a:solidFill>
+                  <a:prstClr val="black"/>
+                </a:solidFill>
+              </a:rPr>
+              <a:t>symbol</a:t>
+            </a:r>
+            <a:r>
+              <a:rPr lang="en-US" sz="1799" dirty="0" smtClean="0">
+                <a:solidFill>
+                  <a:prstClr val="black"/>
+                </a:solidFill>
+              </a:rPr>
+              <a:t> </a:t>
+            </a:r>
+            <a:r>
+              <a:rPr lang="en-US" sz="1799" dirty="0">
+                <a:solidFill>
+                  <a:prstClr val="black"/>
+                </a:solidFill>
+              </a:rPr>
+              <a:t>for </a:t>
             </a:r>
             <a:br>
               <a:rPr lang="en-US" sz="1799" dirty="0">
@@ -31287,8 +32469,8 @@
         </p:nvSpPr>
         <p:spPr>
           <a:xfrm>
-            <a:off x="1207925" y="5336914"/>
-            <a:ext cx="9735335" cy="625465"/>
+            <a:off x="4208391" y="1838547"/>
+            <a:ext cx="7697480" cy="4255677"/>
           </a:xfrm>
           <a:prstGeom prst="rect">
             <a:avLst/>
@@ -31315,9 +32497,194 @@
               </a:lnSpc>
             </a:pPr>
             <a:r>
+              <a:rPr lang="en-US" sz="1799" dirty="0">
+                <a:solidFill>
+                  <a:prstClr val="black"/>
+                </a:solidFill>
+                <a:latin typeface="Consolas" panose="020B0609020204030204" pitchFamily="49" charset="0"/>
+              </a:rPr>
+              <a:t>...</a:t>
+            </a:r>
+          </a:p>
+          <a:p>
+            <a:pPr>
+              <a:lnSpc>
+                <a:spcPct val="90000"/>
+              </a:lnSpc>
+            </a:pPr>
+            <a:r>
+              <a:rPr lang="en-US" sz="1799" b="1" dirty="0">
+                <a:solidFill>
+                  <a:prstClr val="black"/>
+                </a:solidFill>
+                <a:latin typeface="Consolas" panose="020B0609020204030204" pitchFamily="49" charset="0"/>
+              </a:rPr>
+              <a:t>perm_9ir2[3]={ 0 2 1 }</a:t>
+            </a:r>
+          </a:p>
+          <a:p>
+            <a:pPr>
+              <a:lnSpc>
+                <a:spcPct val="90000"/>
+              </a:lnSpc>
+            </a:pPr>
+            <a:r>
+              <a:rPr lang="en-US" sz="1799" dirty="0">
+                <a:solidFill>
+                  <a:prstClr val="black"/>
+                </a:solidFill>
+                <a:latin typeface="Consolas" panose="020B0609020204030204" pitchFamily="49" charset="0"/>
+              </a:rPr>
+              <a:t>...</a:t>
+            </a:r>
+          </a:p>
+          <a:p>
+            <a:pPr>
+              <a:lnSpc>
+                <a:spcPct val="90000"/>
+              </a:lnSpc>
+            </a:pPr>
+            <a:r>
               <a:rPr lang="en-US" sz="1799" dirty="0" err="1">
                 <a:solidFill>
                   <a:prstClr val="black"/>
+                </a:solidFill>
+                <a:latin typeface="Consolas" panose="020B0609020204030204" pitchFamily="49" charset="0"/>
+              </a:rPr>
+              <a:t>block_row_dump</a:t>
+            </a:r>
+            <a:r>
+              <a:rPr lang="en-US" sz="1799" dirty="0">
+                <a:solidFill>
+                  <a:prstClr val="black"/>
+                </a:solidFill>
+                <a:latin typeface="Consolas" panose="020B0609020204030204" pitchFamily="49" charset="0"/>
+              </a:rPr>
+              <a:t>:</a:t>
+            </a:r>
+          </a:p>
+          <a:p>
+            <a:pPr>
+              <a:lnSpc>
+                <a:spcPct val="90000"/>
+              </a:lnSpc>
+            </a:pPr>
+            <a:r>
+              <a:rPr lang="en-US" sz="1799" dirty="0">
+                <a:solidFill>
+                  <a:prstClr val="black"/>
+                </a:solidFill>
+                <a:latin typeface="Consolas" panose="020B0609020204030204" pitchFamily="49" charset="0"/>
+              </a:rPr>
+              <a:t>tab 0, row 0, @0x1f67</a:t>
+            </a:r>
+          </a:p>
+          <a:p>
+            <a:pPr>
+              <a:lnSpc>
+                <a:spcPct val="90000"/>
+              </a:lnSpc>
+            </a:pPr>
+            <a:r>
+              <a:rPr lang="en-US" sz="1799" dirty="0" err="1">
+                <a:solidFill>
+                  <a:prstClr val="black"/>
+                </a:solidFill>
+                <a:latin typeface="Consolas" panose="020B0609020204030204" pitchFamily="49" charset="0"/>
+              </a:rPr>
+              <a:t>tl</a:t>
+            </a:r>
+            <a:r>
+              <a:rPr lang="en-US" sz="1799" dirty="0">
+                <a:solidFill>
+                  <a:prstClr val="black"/>
+                </a:solidFill>
+                <a:latin typeface="Consolas" panose="020B0609020204030204" pitchFamily="49" charset="0"/>
+              </a:rPr>
+              <a:t>: 25 </a:t>
+            </a:r>
+            <a:r>
+              <a:rPr lang="en-US" sz="1799" dirty="0">
+                <a:solidFill>
+                  <a:srgbClr val="E5E8E8">
+                    <a:lumMod val="90000"/>
+                  </a:srgbClr>
+                </a:solidFill>
+                <a:latin typeface="Consolas" panose="020B0609020204030204" pitchFamily="49" charset="0"/>
+              </a:rPr>
+              <a:t>fb: --H-FL-- </a:t>
+            </a:r>
+            <a:r>
+              <a:rPr lang="en-US" sz="1799" dirty="0" err="1">
+                <a:solidFill>
+                  <a:srgbClr val="E5E8E8">
+                    <a:lumMod val="90000"/>
+                  </a:srgbClr>
+                </a:solidFill>
+                <a:latin typeface="Consolas" panose="020B0609020204030204" pitchFamily="49" charset="0"/>
+              </a:rPr>
+              <a:t>lb</a:t>
+            </a:r>
+            <a:r>
+              <a:rPr lang="en-US" sz="1799" dirty="0">
+                <a:solidFill>
+                  <a:srgbClr val="E5E8E8">
+                    <a:lumMod val="90000"/>
+                  </a:srgbClr>
+                </a:solidFill>
+                <a:latin typeface="Consolas" panose="020B0609020204030204" pitchFamily="49" charset="0"/>
+              </a:rPr>
+              <a:t>: 0x0  cc: 2</a:t>
+            </a:r>
+          </a:p>
+          <a:p>
+            <a:pPr>
+              <a:lnSpc>
+                <a:spcPct val="90000"/>
+              </a:lnSpc>
+            </a:pPr>
+            <a:r>
+              <a:rPr lang="en-US" sz="1799" dirty="0">
+                <a:solidFill>
+                  <a:srgbClr val="E5E8E8">
+                    <a:lumMod val="90000"/>
+                  </a:srgbClr>
+                </a:solidFill>
+                <a:latin typeface="Consolas" panose="020B0609020204030204" pitchFamily="49" charset="0"/>
+              </a:rPr>
+              <a:t>col  0: [10]  41 41 41 41 41 41 41 41 41 41</a:t>
+            </a:r>
+          </a:p>
+          <a:p>
+            <a:pPr>
+              <a:lnSpc>
+                <a:spcPct val="90000"/>
+              </a:lnSpc>
+            </a:pPr>
+            <a:r>
+              <a:rPr lang="en-US" sz="1799" dirty="0">
+                <a:solidFill>
+                  <a:srgbClr val="E5E8E8">
+                    <a:lumMod val="90000"/>
+                  </a:srgbClr>
+                </a:solidFill>
+                <a:latin typeface="Consolas" panose="020B0609020204030204" pitchFamily="49" charset="0"/>
+              </a:rPr>
+              <a:t>col  1: [10]  42 42 42 42 42 42 42 42 42 42</a:t>
+            </a:r>
+          </a:p>
+          <a:p>
+            <a:pPr>
+              <a:lnSpc>
+                <a:spcPct val="90000"/>
+              </a:lnSpc>
+            </a:pPr>
+            <a:r>
+              <a:rPr lang="en-US" sz="1799" dirty="0" err="1">
+                <a:solidFill>
+                  <a:srgbClr val="E5E8E8">
+                    <a:lumMod val="90000"/>
+                  </a:srgbClr>
                 </a:solidFill>
                 <a:latin typeface="Consolas" panose="020B0609020204030204" pitchFamily="49" charset="0"/>
               </a:rPr>
@@ -31326,49 +32693,176 @@
             <a:r>
               <a:rPr lang="en-US" sz="1799" dirty="0">
                 <a:solidFill>
-                  <a:prstClr val="black"/>
+                  <a:srgbClr val="E5E8E8">
+                    <a:lumMod val="90000"/>
+                  </a:srgbClr>
                 </a:solidFill>
                 <a:latin typeface="Consolas" panose="020B0609020204030204" pitchFamily="49" charset="0"/>
               </a:rPr>
-              <a:t>: </a:t>
-            </a:r>
+              <a:t>: 01 d5 02 d2 41 41 41 41 41 41 41 41 41 41 d2 42 42 42 42 42 42 42 42 42 42</a:t>
+            </a:r>
+          </a:p>
+          <a:p>
+            <a:pPr>
+              <a:lnSpc>
+                <a:spcPct val="90000"/>
+              </a:lnSpc>
+            </a:pPr>
             <a:r>
               <a:rPr lang="en-US" sz="1799" dirty="0">
                 <a:solidFill>
-                  <a:srgbClr val="822980"/>
+                  <a:prstClr val="black"/>
                 </a:solidFill>
                 <a:latin typeface="Consolas" panose="020B0609020204030204" pitchFamily="49" charset="0"/>
               </a:rPr>
-              <a:t>2c 00 03 </a:t>
-            </a:r>
-            <a:r>
-              <a:rPr lang="en-US" sz="1799" dirty="0">
+              <a:t>tab 1, row 0, @0x1f58</a:t>
+            </a:r>
+          </a:p>
+          <a:p>
+            <a:pPr>
+              <a:lnSpc>
+                <a:spcPct val="90000"/>
+              </a:lnSpc>
+            </a:pPr>
+            <a:r>
+              <a:rPr lang="en-US" sz="1799" dirty="0" err="1">
                 <a:solidFill>
                   <a:prstClr val="black"/>
                 </a:solidFill>
                 <a:latin typeface="Consolas" panose="020B0609020204030204" pitchFamily="49" charset="0"/>
               </a:rPr>
-              <a:t>d0 32 4d 58 54 53 50 4d 4c </a:t>
+              <a:t>tl</a:t>
             </a:r>
             <a:r>
               <a:rPr lang="en-US" sz="1799" dirty="0">
                 <a:solidFill>
-                  <a:srgbClr val="0096D6">
-                    <a:lumMod val="75000"/>
-                  </a:srgbClr>
+                  <a:prstClr val="black"/>
                 </a:solidFill>
                 <a:latin typeface="Consolas" panose="020B0609020204030204" pitchFamily="49" charset="0"/>
               </a:rPr>
-              <a:t>00</a:t>
+              <a:t>: 15 </a:t>
             </a:r>
             <a:r>
               <a:rPr lang="en-US" sz="1799" dirty="0">
                 <a:solidFill>
-                  <a:prstClr val="black"/>
+                  <a:srgbClr val="E5E8E8">
+                    <a:lumMod val="90000"/>
+                  </a:srgbClr>
                 </a:solidFill>
                 <a:latin typeface="Consolas" panose="020B0609020204030204" pitchFamily="49" charset="0"/>
               </a:rPr>
-              <a:t> d0 32 57 55 51 54 49 42 53</a:t>
+              <a:t>fb: --H-FL-- </a:t>
+            </a:r>
+            <a:r>
+              <a:rPr lang="en-US" sz="1799" dirty="0" err="1">
+                <a:solidFill>
+                  <a:srgbClr val="E5E8E8">
+                    <a:lumMod val="90000"/>
+                  </a:srgbClr>
+                </a:solidFill>
+                <a:latin typeface="Consolas" panose="020B0609020204030204" pitchFamily="49" charset="0"/>
+              </a:rPr>
+              <a:t>lb</a:t>
+            </a:r>
+            <a:r>
+              <a:rPr lang="en-US" sz="1799" dirty="0">
+                <a:solidFill>
+                  <a:srgbClr val="E5E8E8">
+                    <a:lumMod val="90000"/>
+                  </a:srgbClr>
+                </a:solidFill>
+                <a:latin typeface="Consolas" panose="020B0609020204030204" pitchFamily="49" charset="0"/>
+              </a:rPr>
+              <a:t>: 0x0  cc: 3</a:t>
+            </a:r>
+          </a:p>
+          <a:p>
+            <a:pPr>
+              <a:lnSpc>
+                <a:spcPct val="90000"/>
+              </a:lnSpc>
+            </a:pPr>
+            <a:r>
+              <a:rPr lang="en-US" sz="1799" dirty="0">
+                <a:solidFill>
+                  <a:srgbClr val="E5E8E8">
+                    <a:lumMod val="90000"/>
+                  </a:srgbClr>
+                </a:solidFill>
+                <a:latin typeface="Consolas" panose="020B0609020204030204" pitchFamily="49" charset="0"/>
+              </a:rPr>
+              <a:t>col  0: [10]  41 41 41 41 41 41 41 41 41 41</a:t>
+            </a:r>
+          </a:p>
+          <a:p>
+            <a:pPr>
+              <a:lnSpc>
+                <a:spcPct val="90000"/>
+              </a:lnSpc>
+            </a:pPr>
+            <a:r>
+              <a:rPr lang="en-US" sz="1799" dirty="0">
+                <a:solidFill>
+                  <a:srgbClr val="E5E8E8">
+                    <a:lumMod val="90000"/>
+                  </a:srgbClr>
+                </a:solidFill>
+                <a:latin typeface="Consolas" panose="020B0609020204030204" pitchFamily="49" charset="0"/>
+              </a:rPr>
+              <a:t>col  1: [10]  42 42 42 42 42 42 42 42 42 42</a:t>
+            </a:r>
+          </a:p>
+          <a:p>
+            <a:pPr>
+              <a:lnSpc>
+                <a:spcPct val="90000"/>
+              </a:lnSpc>
+            </a:pPr>
+            <a:r>
+              <a:rPr lang="en-US" sz="1799" dirty="0">
+                <a:solidFill>
+                  <a:srgbClr val="E5E8E8">
+                    <a:lumMod val="90000"/>
+                  </a:srgbClr>
+                </a:solidFill>
+                <a:latin typeface="Consolas" panose="020B0609020204030204" pitchFamily="49" charset="0"/>
+              </a:rPr>
+              <a:t>col  2: [10]  49 4a 4d 4f 52 4a 48 45 59 41</a:t>
+            </a:r>
+          </a:p>
+          <a:p>
+            <a:pPr>
+              <a:lnSpc>
+                <a:spcPct val="90000"/>
+              </a:lnSpc>
+            </a:pPr>
+            <a:r>
+              <a:rPr lang="en-US" sz="1799" b="1" dirty="0" err="1">
+                <a:solidFill>
+                  <a:prstClr val="black"/>
+                </a:solidFill>
+                <a:highlight>
+                  <a:srgbClr val="FFFF00"/>
+                </a:highlight>
+                <a:latin typeface="Consolas" panose="020B0609020204030204" pitchFamily="49" charset="0"/>
+                <a:ea typeface="Calibri" panose="020F0502020204030204" pitchFamily="34" charset="0"/>
+                <a:cs typeface="Times New Roman" panose="02020603050405020304" pitchFamily="18" charset="0"/>
+              </a:rPr>
+              <a:t>bindmp</a:t>
+            </a:r>
+            <a:r>
+              <a:rPr lang="en-US" sz="1799" b="1" dirty="0">
+                <a:solidFill>
+                  <a:prstClr val="black"/>
+                </a:solidFill>
+                <a:highlight>
+                  <a:srgbClr val="FFFF00"/>
+                </a:highlight>
+                <a:latin typeface="Consolas" panose="020B0609020204030204" pitchFamily="49" charset="0"/>
+                <a:ea typeface="Calibri" panose="020F0502020204030204" pitchFamily="34" charset="0"/>
+                <a:cs typeface="Times New Roman" panose="02020603050405020304" pitchFamily="18" charset="0"/>
+              </a:rPr>
+              <a:t>: 2c 00 02 00 d2 49 4a 4d 4f 52 4a 48 45 59 41</a:t>
             </a:r>
           </a:p>
           <a:p>
@@ -31397,6 +32891,32 @@
               <a:latin typeface="Consolas" panose="020B0609020204030204" pitchFamily="49" charset="0"/>
             </a:endParaRPr>
           </a:p>
+          <a:p>
+            <a:pPr>
+              <a:lnSpc>
+                <a:spcPct val="90000"/>
+              </a:lnSpc>
+            </a:pPr>
+            <a:endParaRPr lang="en-US" sz="1799" dirty="0">
+              <a:solidFill>
+                <a:prstClr val="black"/>
+              </a:solidFill>
+              <a:latin typeface="Consolas" panose="020B0609020204030204" pitchFamily="49" charset="0"/>
+            </a:endParaRPr>
+          </a:p>
+          <a:p>
+            <a:pPr>
+              <a:lnSpc>
+                <a:spcPct val="90000"/>
+              </a:lnSpc>
+            </a:pPr>
+            <a:endParaRPr lang="en-US" sz="1799" dirty="0">
+              <a:solidFill>
+                <a:prstClr val="black"/>
+              </a:solidFill>
+              <a:latin typeface="Consolas" panose="020B0609020204030204" pitchFamily="49" charset="0"/>
+            </a:endParaRPr>
+          </a:p>
         </p:txBody>
       </p:sp>
       <p:sp>
@@ -31446,7 +32966,7 @@
                   <a:prstClr val="black"/>
                 </a:solidFill>
               </a:rPr>
-              <a:t>Finding Tokens </a:t>
+              <a:t>Column Reordering</a:t>
             </a:r>
             <a:endParaRPr lang="en-GB" dirty="0">
               <a:solidFill>
@@ -31456,230 +32976,28 @@
           </a:p>
         </p:txBody>
       </p:sp>
-      <p:graphicFrame>
-        <p:nvGraphicFramePr>
-          <p:cNvPr id="6" name="Table 5"/>
-          <p:cNvGraphicFramePr>
-            <a:graphicFrameLocks noGrp="1"/>
-          </p:cNvGraphicFramePr>
-          <p:nvPr>
-            <p:extLst>
-              <p:ext uri="{D42A27DB-BD31-4B8C-83A1-F6EECF244321}">
-                <p14:modId xmlns:p14="http://schemas.microsoft.com/office/powerpoint/2010/main" val="4243926804"/>
-              </p:ext>
-            </p:extLst>
-          </p:nvPr>
-        </p:nvGraphicFramePr>
-        <p:xfrm>
-          <a:off x="6703689" y="1365375"/>
-          <a:ext cx="3929238" cy="2246395"/>
-        </p:xfrm>
-        <a:graphic>
-          <a:graphicData uri="http://schemas.openxmlformats.org/drawingml/2006/table">
-            <a:tbl>
-              <a:tblPr firstRow="1" bandRow="1">
-                <a:tableStyleId>{5C22544A-7EE6-4342-B048-85BDC9FD1C3A}</a:tableStyleId>
-              </a:tblPr>
-              <a:tblGrid>
-                <a:gridCol w="1964619"/>
-                <a:gridCol w="1964619"/>
-              </a:tblGrid>
-              <a:tr h="449279">
-                <a:tc>
-                  <a:txBody>
-                    <a:bodyPr/>
-                    <a:lstStyle/>
-                    <a:p>
-                      <a:r>
-                        <a:rPr lang="en-US" sz="1800" dirty="0" smtClean="0"/>
-                        <a:t>Byte</a:t>
-                      </a:r>
-                      <a:r>
-                        <a:rPr lang="en-US" sz="1800" baseline="0" dirty="0" smtClean="0"/>
-                        <a:t>s</a:t>
-                      </a:r>
-                      <a:endParaRPr lang="en-GB" sz="1800" dirty="0"/>
-                    </a:p>
-                  </a:txBody>
-                  <a:tcPr marL="91416" marR="91416" marT="45708" marB="45708"/>
-                </a:tc>
-                <a:tc>
-                  <a:txBody>
-                    <a:bodyPr/>
-                    <a:lstStyle/>
-                    <a:p>
-                      <a:r>
-                        <a:rPr lang="en-US" sz="1800" dirty="0" smtClean="0"/>
-                        <a:t>Meaning</a:t>
-                      </a:r>
-                      <a:endParaRPr lang="en-GB" sz="1800" dirty="0"/>
-                    </a:p>
-                  </a:txBody>
-                  <a:tcPr marL="91416" marR="91416" marT="45708" marB="45708"/>
-                </a:tc>
-              </a:tr>
-              <a:tr h="449279">
-                <a:tc>
-                  <a:txBody>
-                    <a:bodyPr/>
-                    <a:lstStyle/>
-                    <a:p>
-                      <a:r>
-                        <a:rPr lang="en-US" sz="1800" dirty="0" smtClean="0"/>
-                        <a:t>00 – c7</a:t>
-                      </a:r>
-                      <a:endParaRPr lang="en-GB" sz="1800" dirty="0"/>
-                    </a:p>
-                  </a:txBody>
-                  <a:tcPr marL="91416" marR="91416" marT="45708" marB="45708"/>
-                </a:tc>
-                <a:tc>
-                  <a:txBody>
-                    <a:bodyPr/>
-                    <a:lstStyle/>
-                    <a:p>
-                      <a:r>
-                        <a:rPr lang="en-US" sz="1800" dirty="0" smtClean="0"/>
-                        <a:t>Token</a:t>
-                      </a:r>
-                      <a:r>
-                        <a:rPr lang="en-US" sz="1800" baseline="0" dirty="0" smtClean="0"/>
-                        <a:t> byte</a:t>
-                      </a:r>
-                      <a:endParaRPr lang="en-GB" sz="1800" dirty="0"/>
-                    </a:p>
-                  </a:txBody>
-                  <a:tcPr marL="91416" marR="91416" marT="45708" marB="45708"/>
-                </a:tc>
-              </a:tr>
-              <a:tr h="449279">
-                <a:tc>
-                  <a:txBody>
-                    <a:bodyPr/>
-                    <a:lstStyle/>
-                    <a:p>
-                      <a:r>
-                        <a:rPr lang="en-US" sz="1800" dirty="0" smtClean="0"/>
-                        <a:t>c9 - f9</a:t>
-                      </a:r>
-                      <a:endParaRPr lang="en-GB" sz="1800" dirty="0"/>
-                    </a:p>
-                  </a:txBody>
-                  <a:tcPr marL="91416" marR="91416" marT="45708" marB="45708"/>
-                </a:tc>
-                <a:tc>
-                  <a:txBody>
-                    <a:bodyPr/>
-                    <a:lstStyle/>
-                    <a:p>
-                      <a:r>
-                        <a:rPr lang="en-US" sz="1800" dirty="0" smtClean="0"/>
-                        <a:t>Length byte</a:t>
-                      </a:r>
-                      <a:endParaRPr lang="en-GB" sz="1800" dirty="0"/>
-                    </a:p>
-                  </a:txBody>
-                  <a:tcPr marL="91416" marR="91416" marT="45708" marB="45708"/>
-                </a:tc>
-              </a:tr>
-              <a:tr h="449279">
-                <a:tc>
-                  <a:txBody>
-                    <a:bodyPr/>
-                    <a:lstStyle/>
-                    <a:p>
-                      <a:r>
-                        <a:rPr lang="en-US" sz="1800" dirty="0" smtClean="0"/>
-                        <a:t>fa +</a:t>
-                      </a:r>
-                      <a:r>
-                        <a:rPr lang="en-US" sz="1800" baseline="0" dirty="0" smtClean="0"/>
-                        <a:t> 2bytes</a:t>
-                      </a:r>
-                      <a:endParaRPr lang="en-GB" sz="1800" dirty="0"/>
-                    </a:p>
-                  </a:txBody>
-                  <a:tcPr marL="91416" marR="91416" marT="45708" marB="45708"/>
-                </a:tc>
-                <a:tc>
-                  <a:txBody>
-                    <a:bodyPr/>
-                    <a:lstStyle/>
-                    <a:p>
-                      <a:r>
-                        <a:rPr lang="en-US" sz="1800" dirty="0" err="1" smtClean="0"/>
-                        <a:t>Multibyte</a:t>
-                      </a:r>
-                      <a:r>
-                        <a:rPr lang="en-US" sz="1800" dirty="0" smtClean="0"/>
-                        <a:t> length</a:t>
-                      </a:r>
-                      <a:endParaRPr lang="en-GB" sz="1800" dirty="0"/>
-                    </a:p>
-                  </a:txBody>
-                  <a:tcPr marL="91416" marR="91416" marT="45708" marB="45708"/>
-                </a:tc>
-              </a:tr>
-              <a:tr h="449279">
-                <a:tc>
-                  <a:txBody>
-                    <a:bodyPr/>
-                    <a:lstStyle/>
-                    <a:p>
-                      <a:r>
-                        <a:rPr lang="en-US" sz="1800" dirty="0" smtClean="0"/>
-                        <a:t>fb + 2bytes</a:t>
-                      </a:r>
-                      <a:endParaRPr lang="en-GB" sz="1800" dirty="0"/>
-                    </a:p>
-                  </a:txBody>
-                  <a:tcPr marL="91416" marR="91416" marT="45708" marB="45708"/>
-                </a:tc>
-                <a:tc>
-                  <a:txBody>
-                    <a:bodyPr/>
-                    <a:lstStyle/>
-                    <a:p>
-                      <a:r>
-                        <a:rPr lang="en-US" sz="1800" dirty="0" err="1" smtClean="0"/>
-                        <a:t>Multibyte</a:t>
-                      </a:r>
-                      <a:r>
-                        <a:rPr lang="en-US" sz="1800" dirty="0" smtClean="0"/>
-                        <a:t> token </a:t>
-                      </a:r>
-                      <a:endParaRPr lang="en-GB" sz="1800" dirty="0"/>
-                    </a:p>
-                  </a:txBody>
-                  <a:tcPr marL="91416" marR="91416" marT="45708" marB="45708"/>
-                </a:tc>
-              </a:tr>
-            </a:tbl>
-          </a:graphicData>
-        </a:graphic>
-      </p:graphicFrame>
-      <p:sp>
-        <p:nvSpPr>
-          <p:cNvPr id="7" name="Right Brace 6"/>
-          <p:cNvSpPr/>
+      <p:cxnSp>
+        <p:nvCxnSpPr>
+          <p:cNvPr id="4" name="Straight Arrow Connector 3"/>
+          <p:cNvCxnSpPr>
+            <a:stCxn id="6" idx="1"/>
+          </p:cNvCxnSpPr>
           <p:nvPr/>
-        </p:nvSpPr>
+        </p:nvCxnSpPr>
         <p:spPr>
-          <a:xfrm rot="16200000">
-            <a:off x="2554078" y="4771810"/>
-            <a:ext cx="660894" cy="1132093"/>
+          <a:xfrm flipH="1">
+            <a:off x="7246540" y="1448613"/>
+            <a:ext cx="1080120" cy="900267"/>
           </a:xfrm>
-          <a:prstGeom prst="rightBrace">
-            <a:avLst>
-              <a:gd name="adj1" fmla="val 0"/>
-              <a:gd name="adj2" fmla="val 51316"/>
-            </a:avLst>
+          <a:prstGeom prst="straightConnector1">
+            <a:avLst/>
           </a:prstGeom>
           <a:ln w="19050">
             <a:solidFill>
               <a:schemeClr val="tx1"/>
             </a:solidFill>
             <a:miter lim="800000"/>
+            <a:tailEnd type="triangle"/>
           </a:ln>
         </p:spPr>
         <p:style>
@@ -31696,182 +33014,17 @@
             <a:schemeClr val="tx1"/>
           </a:fontRef>
         </p:style>
-        <p:txBody>
-          <a:bodyPr rtlCol="0" anchor="ctr"/>
-          <a:lstStyle/>
-          <a:p>
-            <a:pPr algn="ctr"/>
-            <a:endParaRPr lang="en-GB" sz="1799">
-              <a:solidFill>
-                <a:prstClr val="black"/>
-              </a:solidFill>
-            </a:endParaRPr>
-          </a:p>
-        </p:txBody>
-      </p:sp>
-      <p:sp>
-        <p:nvSpPr>
-          <p:cNvPr id="8" name="Right Brace 7"/>
-          <p:cNvSpPr/>
-          <p:nvPr/>
-        </p:nvSpPr>
-        <p:spPr>
-          <a:xfrm rot="16200000">
-            <a:off x="4815570" y="3641468"/>
-            <a:ext cx="660894" cy="3390892"/>
-          </a:xfrm>
-          <a:prstGeom prst="rightBrace">
-            <a:avLst>
-              <a:gd name="adj1" fmla="val 0"/>
-              <a:gd name="adj2" fmla="val 51316"/>
-            </a:avLst>
-          </a:prstGeom>
-          <a:ln w="19050">
-            <a:solidFill>
-              <a:schemeClr val="tx1"/>
-            </a:solidFill>
-            <a:miter lim="800000"/>
-          </a:ln>
-        </p:spPr>
-        <p:style>
-          <a:lnRef idx="1">
-            <a:schemeClr val="accent1"/>
-          </a:lnRef>
-          <a:fillRef idx="0">
-            <a:schemeClr val="accent1"/>
-          </a:fillRef>
-          <a:effectRef idx="0">
-            <a:schemeClr val="accent1"/>
-          </a:effectRef>
-          <a:fontRef idx="minor">
-            <a:schemeClr val="tx1"/>
-          </a:fontRef>
-        </p:style>
-        <p:txBody>
-          <a:bodyPr rtlCol="0" anchor="ctr"/>
-          <a:lstStyle/>
-          <a:p>
-            <a:pPr algn="ctr"/>
-            <a:endParaRPr lang="en-GB" sz="1799">
-              <a:solidFill>
-                <a:prstClr val="black"/>
-              </a:solidFill>
-            </a:endParaRPr>
-          </a:p>
-        </p:txBody>
-      </p:sp>
-      <p:sp>
-        <p:nvSpPr>
-          <p:cNvPr id="9" name="Right Brace 8"/>
-          <p:cNvSpPr/>
-          <p:nvPr/>
-        </p:nvSpPr>
-        <p:spPr>
-          <a:xfrm rot="16200000">
-            <a:off x="6698989" y="5148942"/>
-            <a:ext cx="660894" cy="375945"/>
-          </a:xfrm>
-          <a:prstGeom prst="rightBrace">
-            <a:avLst>
-              <a:gd name="adj1" fmla="val 0"/>
-              <a:gd name="adj2" fmla="val 51316"/>
-            </a:avLst>
-          </a:prstGeom>
-          <a:ln w="19050">
-            <a:solidFill>
-              <a:schemeClr val="tx1"/>
-            </a:solidFill>
-            <a:miter lim="800000"/>
-          </a:ln>
-        </p:spPr>
-        <p:style>
-          <a:lnRef idx="1">
-            <a:schemeClr val="accent1"/>
-          </a:lnRef>
-          <a:fillRef idx="0">
-            <a:schemeClr val="accent1"/>
-          </a:fillRef>
-          <a:effectRef idx="0">
-            <a:schemeClr val="accent1"/>
-          </a:effectRef>
-          <a:fontRef idx="minor">
-            <a:schemeClr val="tx1"/>
-          </a:fontRef>
-        </p:style>
-        <p:txBody>
-          <a:bodyPr rtlCol="0" anchor="ctr"/>
-          <a:lstStyle/>
-          <a:p>
-            <a:pPr algn="ctr"/>
-            <a:endParaRPr lang="en-GB" sz="1799">
-              <a:solidFill>
-                <a:prstClr val="black"/>
-              </a:solidFill>
-            </a:endParaRPr>
-          </a:p>
-        </p:txBody>
-      </p:sp>
-      <p:sp>
-        <p:nvSpPr>
-          <p:cNvPr id="10" name="Right Brace 9"/>
-          <p:cNvSpPr/>
-          <p:nvPr/>
-        </p:nvSpPr>
-        <p:spPr>
-          <a:xfrm rot="16200000">
-            <a:off x="8584090" y="3639785"/>
-            <a:ext cx="660894" cy="3394258"/>
-          </a:xfrm>
-          <a:prstGeom prst="rightBrace">
-            <a:avLst>
-              <a:gd name="adj1" fmla="val 0"/>
-              <a:gd name="adj2" fmla="val 51316"/>
-            </a:avLst>
-          </a:prstGeom>
-          <a:ln w="19050">
-            <a:solidFill>
-              <a:schemeClr val="tx1"/>
-            </a:solidFill>
-            <a:miter lim="800000"/>
-          </a:ln>
-        </p:spPr>
-        <p:style>
-          <a:lnRef idx="1">
-            <a:schemeClr val="accent1"/>
-          </a:lnRef>
-          <a:fillRef idx="0">
-            <a:schemeClr val="accent1"/>
-          </a:fillRef>
-          <a:effectRef idx="0">
-            <a:schemeClr val="accent1"/>
-          </a:effectRef>
-          <a:fontRef idx="minor">
-            <a:schemeClr val="tx1"/>
-          </a:fontRef>
-        </p:style>
-        <p:txBody>
-          <a:bodyPr rtlCol="0" anchor="ctr"/>
-          <a:lstStyle/>
-          <a:p>
-            <a:pPr algn="ctr"/>
-            <a:endParaRPr lang="en-GB" sz="1799">
-              <a:solidFill>
-                <a:prstClr val="black"/>
-              </a:solidFill>
-            </a:endParaRPr>
-          </a:p>
-        </p:txBody>
-      </p:sp>
-      <p:sp>
-        <p:nvSpPr>
-          <p:cNvPr id="15" name="TextBox 14"/>
+      </p:cxnSp>
+      <p:sp>
+        <p:nvSpPr>
+          <p:cNvPr id="6" name="TextBox 5"/>
           <p:cNvSpPr txBox="1"/>
           <p:nvPr/>
         </p:nvSpPr>
         <p:spPr>
           <a:xfrm>
-            <a:off x="2331894" y="4680967"/>
-            <a:ext cx="1243888" cy="320551"/>
+            <a:off x="8326660" y="1196752"/>
+            <a:ext cx="1399223" cy="503722"/>
           </a:xfrm>
           <a:prstGeom prst="rect">
             <a:avLst/>
@@ -31895,26 +33048,36 @@
                   <a:prstClr val="black"/>
                 </a:solidFill>
               </a:rPr>
-              <a:t>Row Header</a:t>
-            </a:r>
-            <a:endParaRPr lang="en-GB" sz="1799" dirty="0" err="1">
-              <a:solidFill>
-                <a:prstClr val="black"/>
-              </a:solidFill>
-            </a:endParaRPr>
-          </a:p>
-        </p:txBody>
-      </p:sp>
-      <p:sp>
-        <p:nvSpPr>
-          <p:cNvPr id="16" name="TextBox 15"/>
+              <a:t>Column order </a:t>
+            </a:r>
+          </a:p>
+          <a:p>
+            <a:pPr>
+              <a:lnSpc>
+                <a:spcPct val="90000"/>
+              </a:lnSpc>
+            </a:pPr>
+            <a:r>
+              <a:rPr lang="en-US" sz="1799" dirty="0">
+                <a:solidFill>
+                  <a:prstClr val="black"/>
+                </a:solidFill>
+              </a:rPr>
+              <a:t>for this block</a:t>
+            </a:r>
+          </a:p>
+        </p:txBody>
+      </p:sp>
+      <p:sp>
+        <p:nvSpPr>
+          <p:cNvPr id="10" name="TextBox 9"/>
           <p:cNvSpPr txBox="1"/>
           <p:nvPr/>
         </p:nvSpPr>
         <p:spPr>
           <a:xfrm>
-            <a:off x="4748196" y="4678492"/>
-            <a:ext cx="915522" cy="320551"/>
+            <a:off x="406464" y="1976772"/>
+            <a:ext cx="3554039" cy="1045447"/>
           </a:xfrm>
           <a:prstGeom prst="rect">
             <a:avLst/>
@@ -31933,42 +33096,45 @@
               </a:lnSpc>
             </a:pPr>
             <a:r>
-              <a:rPr lang="en-US" sz="1799" dirty="0">
+              <a:rPr lang="en-GB" sz="1799" dirty="0">
                 <a:solidFill>
                   <a:prstClr val="black"/>
                 </a:solidFill>
               </a:rPr>
-              <a:t>Column 1</a:t>
-            </a:r>
-            <a:endParaRPr lang="en-GB" sz="1799" dirty="0" err="1">
-              <a:solidFill>
-                <a:prstClr val="black"/>
-              </a:solidFill>
-            </a:endParaRPr>
-          </a:p>
-        </p:txBody>
-      </p:sp>
-      <p:sp>
-        <p:nvSpPr>
-          <p:cNvPr id="17" name="TextBox 16"/>
-          <p:cNvSpPr txBox="1"/>
-          <p:nvPr/>
-        </p:nvSpPr>
-        <p:spPr>
-          <a:xfrm>
-            <a:off x="6622665" y="4685915"/>
-            <a:ext cx="923838" cy="320551"/>
-          </a:xfrm>
-          <a:prstGeom prst="rect">
-            <a:avLst/>
-          </a:prstGeom>
-          <a:noFill/>
-        </p:spPr>
-        <p:txBody>
-          <a:bodyPr wrap="none" lIns="0" tIns="0" rIns="0" bIns="0" rtlCol="0">
-            <a:noAutofit/>
-          </a:bodyPr>
-          <a:lstStyle/>
+              <a:t>insert into </a:t>
+            </a:r>
+            <a:r>
+              <a:rPr lang="en-GB" sz="1799" dirty="0" err="1">
+                <a:solidFill>
+                  <a:prstClr val="black"/>
+                </a:solidFill>
+              </a:rPr>
+              <a:t>creorder</a:t>
+            </a:r>
+            <a:r>
+              <a:rPr lang="en-GB" sz="1799" dirty="0">
+                <a:solidFill>
+                  <a:prstClr val="black"/>
+                </a:solidFill>
+              </a:rPr>
+              <a:t> </a:t>
+            </a:r>
+            <a:br>
+              <a:rPr lang="en-GB" sz="1799" dirty="0">
+                <a:solidFill>
+                  <a:prstClr val="black"/>
+                </a:solidFill>
+              </a:rPr>
+            </a:br>
+            <a:r>
+              <a:rPr lang="en-GB" sz="1799" dirty="0">
+                <a:solidFill>
+                  <a:prstClr val="black"/>
+                </a:solidFill>
+              </a:rPr>
+              <a:t>   values('AAAAAAAAAA',</a:t>
+            </a:r>
+          </a:p>
           <a:p>
             <a:pPr>
               <a:lnSpc>
@@ -31976,42 +33142,30 @@
               </a:lnSpc>
             </a:pPr>
             <a:r>
-              <a:rPr lang="en-US" sz="1799" dirty="0">
+              <a:rPr lang="en-GB" sz="1799" dirty="0">
                 <a:solidFill>
                   <a:prstClr val="black"/>
                 </a:solidFill>
               </a:rPr>
-              <a:t>Column 2</a:t>
-            </a:r>
-            <a:endParaRPr lang="en-GB" sz="1799" dirty="0" err="1">
-              <a:solidFill>
-                <a:prstClr val="black"/>
-              </a:solidFill>
-            </a:endParaRPr>
-          </a:p>
-        </p:txBody>
-      </p:sp>
-      <p:sp>
-        <p:nvSpPr>
-          <p:cNvPr id="18" name="TextBox 17"/>
-          <p:cNvSpPr txBox="1"/>
-          <p:nvPr/>
-        </p:nvSpPr>
-        <p:spPr>
-          <a:xfrm>
-            <a:off x="8505449" y="4685915"/>
-            <a:ext cx="944433" cy="320551"/>
-          </a:xfrm>
-          <a:prstGeom prst="rect">
-            <a:avLst/>
-          </a:prstGeom>
-          <a:noFill/>
-        </p:spPr>
-        <p:txBody>
-          <a:bodyPr wrap="none" lIns="0" tIns="0" rIns="0" bIns="0" rtlCol="0">
-            <a:noAutofit/>
-          </a:bodyPr>
-          <a:lstStyle/>
+              <a:t>                  </a:t>
+            </a:r>
+            <a:r>
+              <a:rPr lang="en-GB" sz="1799" dirty="0" err="1">
+                <a:solidFill>
+                  <a:prstClr val="black"/>
+                </a:solidFill>
+              </a:rPr>
+              <a:t>dbms_random.string</a:t>
+            </a:r>
+            <a:r>
+              <a:rPr lang="en-GB" sz="1799" dirty="0">
+                <a:solidFill>
+                  <a:prstClr val="black"/>
+                </a:solidFill>
+              </a:rPr>
+              <a:t>('u',10),</a:t>
+            </a:r>
+          </a:p>
           <a:p>
             <a:pPr>
               <a:lnSpc>
@@ -32019,25 +33173,20 @@
               </a:lnSpc>
             </a:pPr>
             <a:r>
-              <a:rPr lang="en-US" sz="1799" dirty="0">
+              <a:rPr lang="en-GB" sz="1799" dirty="0">
                 <a:solidFill>
                   <a:prstClr val="black"/>
                 </a:solidFill>
               </a:rPr>
-              <a:t>Column 3</a:t>
-            </a:r>
-            <a:endParaRPr lang="en-GB" sz="1799" dirty="0" err="1">
-              <a:solidFill>
-                <a:prstClr val="black"/>
-              </a:solidFill>
-            </a:endParaRPr>
+              <a:t>                  'BBBBBBBBBB');</a:t>
+            </a:r>
           </a:p>
         </p:txBody>
       </p:sp>
     </p:spTree>
     <p:extLst>
       <p:ext uri="{BB962C8B-B14F-4D97-AF65-F5344CB8AC3E}">
-        <p14:creationId xmlns:p14="http://schemas.microsoft.com/office/powerpoint/2010/main" val="2783946750"/>
+        <p14:creationId xmlns:p14="http://schemas.microsoft.com/office/powerpoint/2010/main" val="2517955768"/>
       </p:ext>
     </p:extLst>
   </p:cSld>
@@ -32658,12 +33807,28 @@
           </a:lstStyle>
           <a:p>
             <a:r>
+              <a:rPr lang="en-US" dirty="0" smtClean="0">
+                <a:solidFill>
+                  <a:prstClr val="black"/>
+                </a:solidFill>
+              </a:rPr>
+              <a:t>Symbol</a:t>
+            </a:r>
+            <a:r>
+              <a:rPr lang="en-US" dirty="0" smtClean="0">
+                <a:solidFill>
+                  <a:prstClr val="black"/>
+                </a:solidFill>
+              </a:rPr>
+              <a:t>s </a:t>
+            </a:r>
+            <a:r>
               <a:rPr lang="en-US" dirty="0">
                 <a:solidFill>
                   <a:prstClr val="black"/>
                 </a:solidFill>
               </a:rPr>
-              <a:t>Tokens all the way down</a:t>
+              <a:t>all the way down</a:t>
             </a:r>
             <a:endParaRPr lang="en-GB" dirty="0">
               <a:solidFill>
@@ -33059,568 +34224,37 @@
       </p:grpSpPr>
       <p:sp>
         <p:nvSpPr>
+          <p:cNvPr id="2" name="Title 1"/>
+          <p:cNvSpPr>
+            <a:spLocks noGrp="1"/>
+          </p:cNvSpPr>
+          <p:nvPr>
+            <p:ph type="title"/>
+          </p:nvPr>
+        </p:nvSpPr>
+        <p:spPr/>
+        <p:txBody>
+          <a:bodyPr/>
+          <a:lstStyle/>
+          <a:p>
+            <a:r>
+              <a:rPr lang="en-US" dirty="0" smtClean="0"/>
+              <a:t>Better Buffer Cache</a:t>
+            </a:r>
+            <a:endParaRPr lang="en-GB" dirty="0"/>
+          </a:p>
+        </p:txBody>
+      </p:sp>
+      <p:sp>
+        <p:nvSpPr>
           <p:cNvPr id="3" name="TextBox 2"/>
           <p:cNvSpPr txBox="1"/>
           <p:nvPr/>
         </p:nvSpPr>
         <p:spPr>
           <a:xfrm>
-            <a:off x="4208391" y="1838547"/>
-            <a:ext cx="7697480" cy="4255677"/>
-          </a:xfrm>
-          <a:prstGeom prst="rect">
-            <a:avLst/>
-          </a:prstGeom>
-          <a:noFill/>
-          <a:ln w="12700" cap="rnd" cmpd="sng">
-            <a:solidFill>
-              <a:schemeClr val="tx1">
-                <a:alpha val="50000"/>
-              </a:schemeClr>
-            </a:solidFill>
-            <a:prstDash val="sysDash"/>
-          </a:ln>
-        </p:spPr>
-        <p:txBody>
-          <a:bodyPr wrap="square" lIns="182832" tIns="182832" rIns="182832" bIns="182832" rtlCol="0">
-            <a:noAutofit/>
-          </a:bodyPr>
-          <a:lstStyle/>
-          <a:p>
-            <a:pPr>
-              <a:lnSpc>
-                <a:spcPct val="90000"/>
-              </a:lnSpc>
-            </a:pPr>
-            <a:r>
-              <a:rPr lang="en-US" sz="1799" dirty="0">
-                <a:solidFill>
-                  <a:prstClr val="black"/>
-                </a:solidFill>
-                <a:latin typeface="Consolas" panose="020B0609020204030204" pitchFamily="49" charset="0"/>
-              </a:rPr>
-              <a:t>...</a:t>
-            </a:r>
-          </a:p>
-          <a:p>
-            <a:pPr>
-              <a:lnSpc>
-                <a:spcPct val="90000"/>
-              </a:lnSpc>
-            </a:pPr>
-            <a:r>
-              <a:rPr lang="en-US" sz="1799" b="1" dirty="0">
-                <a:solidFill>
-                  <a:prstClr val="black"/>
-                </a:solidFill>
-                <a:latin typeface="Consolas" panose="020B0609020204030204" pitchFamily="49" charset="0"/>
-              </a:rPr>
-              <a:t>perm_9ir2[3]={ 0 2 1 }</a:t>
-            </a:r>
-          </a:p>
-          <a:p>
-            <a:pPr>
-              <a:lnSpc>
-                <a:spcPct val="90000"/>
-              </a:lnSpc>
-            </a:pPr>
-            <a:r>
-              <a:rPr lang="en-US" sz="1799" dirty="0">
-                <a:solidFill>
-                  <a:prstClr val="black"/>
-                </a:solidFill>
-                <a:latin typeface="Consolas" panose="020B0609020204030204" pitchFamily="49" charset="0"/>
-              </a:rPr>
-              <a:t>...</a:t>
-            </a:r>
-          </a:p>
-          <a:p>
-            <a:pPr>
-              <a:lnSpc>
-                <a:spcPct val="90000"/>
-              </a:lnSpc>
-            </a:pPr>
-            <a:r>
-              <a:rPr lang="en-US" sz="1799" dirty="0" err="1">
-                <a:solidFill>
-                  <a:prstClr val="black"/>
-                </a:solidFill>
-                <a:latin typeface="Consolas" panose="020B0609020204030204" pitchFamily="49" charset="0"/>
-              </a:rPr>
-              <a:t>block_row_dump</a:t>
-            </a:r>
-            <a:r>
-              <a:rPr lang="en-US" sz="1799" dirty="0">
-                <a:solidFill>
-                  <a:prstClr val="black"/>
-                </a:solidFill>
-                <a:latin typeface="Consolas" panose="020B0609020204030204" pitchFamily="49" charset="0"/>
-              </a:rPr>
-              <a:t>:</a:t>
-            </a:r>
-          </a:p>
-          <a:p>
-            <a:pPr>
-              <a:lnSpc>
-                <a:spcPct val="90000"/>
-              </a:lnSpc>
-            </a:pPr>
-            <a:r>
-              <a:rPr lang="en-US" sz="1799" dirty="0">
-                <a:solidFill>
-                  <a:prstClr val="black"/>
-                </a:solidFill>
-                <a:latin typeface="Consolas" panose="020B0609020204030204" pitchFamily="49" charset="0"/>
-              </a:rPr>
-              <a:t>tab 0, row 0, @0x1f67</a:t>
-            </a:r>
-          </a:p>
-          <a:p>
-            <a:pPr>
-              <a:lnSpc>
-                <a:spcPct val="90000"/>
-              </a:lnSpc>
-            </a:pPr>
-            <a:r>
-              <a:rPr lang="en-US" sz="1799" dirty="0" err="1">
-                <a:solidFill>
-                  <a:prstClr val="black"/>
-                </a:solidFill>
-                <a:latin typeface="Consolas" panose="020B0609020204030204" pitchFamily="49" charset="0"/>
-              </a:rPr>
-              <a:t>tl</a:t>
-            </a:r>
-            <a:r>
-              <a:rPr lang="en-US" sz="1799" dirty="0">
-                <a:solidFill>
-                  <a:prstClr val="black"/>
-                </a:solidFill>
-                <a:latin typeface="Consolas" panose="020B0609020204030204" pitchFamily="49" charset="0"/>
-              </a:rPr>
-              <a:t>: 25 </a:t>
-            </a:r>
-            <a:r>
-              <a:rPr lang="en-US" sz="1799" dirty="0">
-                <a:solidFill>
-                  <a:srgbClr val="E5E8E8">
-                    <a:lumMod val="90000"/>
-                  </a:srgbClr>
-                </a:solidFill>
-                <a:latin typeface="Consolas" panose="020B0609020204030204" pitchFamily="49" charset="0"/>
-              </a:rPr>
-              <a:t>fb: --H-FL-- </a:t>
-            </a:r>
-            <a:r>
-              <a:rPr lang="en-US" sz="1799" dirty="0" err="1">
-                <a:solidFill>
-                  <a:srgbClr val="E5E8E8">
-                    <a:lumMod val="90000"/>
-                  </a:srgbClr>
-                </a:solidFill>
-                <a:latin typeface="Consolas" panose="020B0609020204030204" pitchFamily="49" charset="0"/>
-              </a:rPr>
-              <a:t>lb</a:t>
-            </a:r>
-            <a:r>
-              <a:rPr lang="en-US" sz="1799" dirty="0">
-                <a:solidFill>
-                  <a:srgbClr val="E5E8E8">
-                    <a:lumMod val="90000"/>
-                  </a:srgbClr>
-                </a:solidFill>
-                <a:latin typeface="Consolas" panose="020B0609020204030204" pitchFamily="49" charset="0"/>
-              </a:rPr>
-              <a:t>: 0x0  cc: 2</a:t>
-            </a:r>
-          </a:p>
-          <a:p>
-            <a:pPr>
-              <a:lnSpc>
-                <a:spcPct val="90000"/>
-              </a:lnSpc>
-            </a:pPr>
-            <a:r>
-              <a:rPr lang="en-US" sz="1799" dirty="0">
-                <a:solidFill>
-                  <a:srgbClr val="E5E8E8">
-                    <a:lumMod val="90000"/>
-                  </a:srgbClr>
-                </a:solidFill>
-                <a:latin typeface="Consolas" panose="020B0609020204030204" pitchFamily="49" charset="0"/>
-              </a:rPr>
-              <a:t>col  0: [10]  41 41 41 41 41 41 41 41 41 41</a:t>
-            </a:r>
-          </a:p>
-          <a:p>
-            <a:pPr>
-              <a:lnSpc>
-                <a:spcPct val="90000"/>
-              </a:lnSpc>
-            </a:pPr>
-            <a:r>
-              <a:rPr lang="en-US" sz="1799" dirty="0">
-                <a:solidFill>
-                  <a:srgbClr val="E5E8E8">
-                    <a:lumMod val="90000"/>
-                  </a:srgbClr>
-                </a:solidFill>
-                <a:latin typeface="Consolas" panose="020B0609020204030204" pitchFamily="49" charset="0"/>
-              </a:rPr>
-              <a:t>col  1: [10]  42 42 42 42 42 42 42 42 42 42</a:t>
-            </a:r>
-          </a:p>
-          <a:p>
-            <a:pPr>
-              <a:lnSpc>
-                <a:spcPct val="90000"/>
-              </a:lnSpc>
-            </a:pPr>
-            <a:r>
-              <a:rPr lang="en-US" sz="1799" dirty="0" err="1">
-                <a:solidFill>
-                  <a:srgbClr val="E5E8E8">
-                    <a:lumMod val="90000"/>
-                  </a:srgbClr>
-                </a:solidFill>
-                <a:latin typeface="Consolas" panose="020B0609020204030204" pitchFamily="49" charset="0"/>
-              </a:rPr>
-              <a:t>bindmp</a:t>
-            </a:r>
-            <a:r>
-              <a:rPr lang="en-US" sz="1799" dirty="0">
-                <a:solidFill>
-                  <a:srgbClr val="E5E8E8">
-                    <a:lumMod val="90000"/>
-                  </a:srgbClr>
-                </a:solidFill>
-                <a:latin typeface="Consolas" panose="020B0609020204030204" pitchFamily="49" charset="0"/>
-              </a:rPr>
-              <a:t>: 01 d5 02 d2 41 41 41 41 41 41 41 41 41 41 d2 42 42 42 42 42 42 42 42 42 42</a:t>
-            </a:r>
-          </a:p>
-          <a:p>
-            <a:pPr>
-              <a:lnSpc>
-                <a:spcPct val="90000"/>
-              </a:lnSpc>
-            </a:pPr>
-            <a:r>
-              <a:rPr lang="en-US" sz="1799" dirty="0">
-                <a:solidFill>
-                  <a:prstClr val="black"/>
-                </a:solidFill>
-                <a:latin typeface="Consolas" panose="020B0609020204030204" pitchFamily="49" charset="0"/>
-              </a:rPr>
-              <a:t>tab 1, row 0, @0x1f58</a:t>
-            </a:r>
-          </a:p>
-          <a:p>
-            <a:pPr>
-              <a:lnSpc>
-                <a:spcPct val="90000"/>
-              </a:lnSpc>
-            </a:pPr>
-            <a:r>
-              <a:rPr lang="en-US" sz="1799" dirty="0" err="1">
-                <a:solidFill>
-                  <a:prstClr val="black"/>
-                </a:solidFill>
-                <a:latin typeface="Consolas" panose="020B0609020204030204" pitchFamily="49" charset="0"/>
-              </a:rPr>
-              <a:t>tl</a:t>
-            </a:r>
-            <a:r>
-              <a:rPr lang="en-US" sz="1799" dirty="0">
-                <a:solidFill>
-                  <a:prstClr val="black"/>
-                </a:solidFill>
-                <a:latin typeface="Consolas" panose="020B0609020204030204" pitchFamily="49" charset="0"/>
-              </a:rPr>
-              <a:t>: 15 </a:t>
-            </a:r>
-            <a:r>
-              <a:rPr lang="en-US" sz="1799" dirty="0">
-                <a:solidFill>
-                  <a:srgbClr val="E5E8E8">
-                    <a:lumMod val="90000"/>
-                  </a:srgbClr>
-                </a:solidFill>
-                <a:latin typeface="Consolas" panose="020B0609020204030204" pitchFamily="49" charset="0"/>
-              </a:rPr>
-              <a:t>fb: --H-FL-- </a:t>
-            </a:r>
-            <a:r>
-              <a:rPr lang="en-US" sz="1799" dirty="0" err="1">
-                <a:solidFill>
-                  <a:srgbClr val="E5E8E8">
-                    <a:lumMod val="90000"/>
-                  </a:srgbClr>
-                </a:solidFill>
-                <a:latin typeface="Consolas" panose="020B0609020204030204" pitchFamily="49" charset="0"/>
-              </a:rPr>
-              <a:t>lb</a:t>
-            </a:r>
-            <a:r>
-              <a:rPr lang="en-US" sz="1799" dirty="0">
-                <a:solidFill>
-                  <a:srgbClr val="E5E8E8">
-                    <a:lumMod val="90000"/>
-                  </a:srgbClr>
-                </a:solidFill>
-                <a:latin typeface="Consolas" panose="020B0609020204030204" pitchFamily="49" charset="0"/>
-              </a:rPr>
-              <a:t>: 0x0  cc: 3</a:t>
-            </a:r>
-          </a:p>
-          <a:p>
-            <a:pPr>
-              <a:lnSpc>
-                <a:spcPct val="90000"/>
-              </a:lnSpc>
-            </a:pPr>
-            <a:r>
-              <a:rPr lang="en-US" sz="1799" dirty="0">
-                <a:solidFill>
-                  <a:srgbClr val="E5E8E8">
-                    <a:lumMod val="90000"/>
-                  </a:srgbClr>
-                </a:solidFill>
-                <a:latin typeface="Consolas" panose="020B0609020204030204" pitchFamily="49" charset="0"/>
-              </a:rPr>
-              <a:t>col  0: [10]  41 41 41 41 41 41 41 41 41 41</a:t>
-            </a:r>
-          </a:p>
-          <a:p>
-            <a:pPr>
-              <a:lnSpc>
-                <a:spcPct val="90000"/>
-              </a:lnSpc>
-            </a:pPr>
-            <a:r>
-              <a:rPr lang="en-US" sz="1799" dirty="0">
-                <a:solidFill>
-                  <a:srgbClr val="E5E8E8">
-                    <a:lumMod val="90000"/>
-                  </a:srgbClr>
-                </a:solidFill>
-                <a:latin typeface="Consolas" panose="020B0609020204030204" pitchFamily="49" charset="0"/>
-              </a:rPr>
-              <a:t>col  1: [10]  42 42 42 42 42 42 42 42 42 42</a:t>
-            </a:r>
-          </a:p>
-          <a:p>
-            <a:pPr>
-              <a:lnSpc>
-                <a:spcPct val="90000"/>
-              </a:lnSpc>
-            </a:pPr>
-            <a:r>
-              <a:rPr lang="en-US" sz="1799" dirty="0">
-                <a:solidFill>
-                  <a:srgbClr val="E5E8E8">
-                    <a:lumMod val="90000"/>
-                  </a:srgbClr>
-                </a:solidFill>
-                <a:latin typeface="Consolas" panose="020B0609020204030204" pitchFamily="49" charset="0"/>
-              </a:rPr>
-              <a:t>col  2: [10]  49 4a 4d 4f 52 4a 48 45 59 41</a:t>
-            </a:r>
-          </a:p>
-          <a:p>
-            <a:pPr>
-              <a:lnSpc>
-                <a:spcPct val="90000"/>
-              </a:lnSpc>
-            </a:pPr>
-            <a:r>
-              <a:rPr lang="en-US" sz="1799" b="1" dirty="0" err="1">
-                <a:solidFill>
-                  <a:prstClr val="black"/>
-                </a:solidFill>
-                <a:highlight>
-                  <a:srgbClr val="FFFF00"/>
-                </a:highlight>
-                <a:latin typeface="Consolas" panose="020B0609020204030204" pitchFamily="49" charset="0"/>
-                <a:ea typeface="Calibri" panose="020F0502020204030204" pitchFamily="34" charset="0"/>
-                <a:cs typeface="Times New Roman" panose="02020603050405020304" pitchFamily="18" charset="0"/>
-              </a:rPr>
-              <a:t>bindmp</a:t>
-            </a:r>
-            <a:r>
-              <a:rPr lang="en-US" sz="1799" b="1" dirty="0">
-                <a:solidFill>
-                  <a:prstClr val="black"/>
-                </a:solidFill>
-                <a:highlight>
-                  <a:srgbClr val="FFFF00"/>
-                </a:highlight>
-                <a:latin typeface="Consolas" panose="020B0609020204030204" pitchFamily="49" charset="0"/>
-                <a:ea typeface="Calibri" panose="020F0502020204030204" pitchFamily="34" charset="0"/>
-                <a:cs typeface="Times New Roman" panose="02020603050405020304" pitchFamily="18" charset="0"/>
-              </a:rPr>
-              <a:t>: 2c 00 02 00 d2 49 4a 4d 4f 52 4a 48 45 59 41</a:t>
-            </a:r>
-          </a:p>
-          <a:p>
-            <a:pPr>
-              <a:lnSpc>
-                <a:spcPct val="90000"/>
-              </a:lnSpc>
-            </a:pPr>
-            <a:endParaRPr lang="en-US" sz="1799" dirty="0">
-              <a:solidFill>
-                <a:prstClr val="black"/>
-              </a:solidFill>
-              <a:latin typeface="Consolas" panose="020B0609020204030204" pitchFamily="49" charset="0"/>
-            </a:endParaRPr>
-          </a:p>
-          <a:p>
-            <a:pPr>
-              <a:lnSpc>
-                <a:spcPct val="90000"/>
-              </a:lnSpc>
-            </a:pPr>
-            <a:endParaRPr lang="en-US" sz="1799" dirty="0">
-              <a:solidFill>
-                <a:prstClr val="black"/>
-              </a:solidFill>
-              <a:latin typeface="Consolas" panose="020B0609020204030204" pitchFamily="49" charset="0"/>
-            </a:endParaRPr>
-          </a:p>
-          <a:p>
-            <a:pPr>
-              <a:lnSpc>
-                <a:spcPct val="90000"/>
-              </a:lnSpc>
-            </a:pPr>
-            <a:endParaRPr lang="en-US" sz="1799" dirty="0">
-              <a:solidFill>
-                <a:prstClr val="black"/>
-              </a:solidFill>
-              <a:latin typeface="Consolas" panose="020B0609020204030204" pitchFamily="49" charset="0"/>
-            </a:endParaRPr>
-          </a:p>
-          <a:p>
-            <a:pPr>
-              <a:lnSpc>
-                <a:spcPct val="90000"/>
-              </a:lnSpc>
-            </a:pPr>
-            <a:endParaRPr lang="en-US" sz="1799" dirty="0">
-              <a:solidFill>
-                <a:prstClr val="black"/>
-              </a:solidFill>
-              <a:latin typeface="Consolas" panose="020B0609020204030204" pitchFamily="49" charset="0"/>
-            </a:endParaRPr>
-          </a:p>
-        </p:txBody>
-      </p:sp>
-      <p:sp>
-        <p:nvSpPr>
-          <p:cNvPr id="5" name="Title 3"/>
-          <p:cNvSpPr txBox="1">
-            <a:spLocks/>
-          </p:cNvSpPr>
-          <p:nvPr/>
-        </p:nvSpPr>
-        <p:spPr>
-          <a:xfrm>
-            <a:off x="609441" y="246254"/>
-            <a:ext cx="10969943" cy="502591"/>
-          </a:xfrm>
-          <a:prstGeom prst="rect">
-            <a:avLst/>
-          </a:prstGeom>
-        </p:spPr>
-        <p:txBody>
-          <a:bodyPr vert="horz" lIns="0" tIns="0" rIns="0" bIns="0" rtlCol="0" anchor="b" anchorCtr="0">
-            <a:noAutofit/>
-          </a:bodyPr>
-          <a:lstStyle>
-            <a:lvl1pPr algn="l" defTabSz="914400" rtl="0" eaLnBrk="1" latinLnBrk="0" hangingPunct="1">
-              <a:lnSpc>
-                <a:spcPct val="90000"/>
-              </a:lnSpc>
-              <a:spcBef>
-                <a:spcPct val="0"/>
-              </a:spcBef>
-              <a:buNone/>
-              <a:defRPr sz="2800" b="1" kern="1200">
-                <a:solidFill>
-                  <a:schemeClr val="tx1"/>
-                </a:solidFill>
-                <a:latin typeface="+mj-lt"/>
-                <a:ea typeface="+mj-ea"/>
-                <a:cs typeface="+mj-cs"/>
-              </a:defRPr>
-            </a:lvl1pPr>
-          </a:lstStyle>
-          <a:p>
-            <a:r>
-              <a:rPr lang="en-US" dirty="0">
-                <a:solidFill>
-                  <a:prstClr val="black"/>
-                </a:solidFill>
-              </a:rPr>
-              <a:t>Column Reordering</a:t>
-            </a:r>
-            <a:endParaRPr lang="en-GB" dirty="0">
-              <a:solidFill>
-                <a:prstClr val="black"/>
-              </a:solidFill>
-            </a:endParaRPr>
-          </a:p>
-        </p:txBody>
-      </p:sp>
-      <p:cxnSp>
-        <p:nvCxnSpPr>
-          <p:cNvPr id="4" name="Straight Arrow Connector 3"/>
-          <p:cNvCxnSpPr>
-            <a:stCxn id="6" idx="1"/>
-          </p:cNvCxnSpPr>
-          <p:nvPr/>
-        </p:nvCxnSpPr>
-        <p:spPr>
-          <a:xfrm flipH="1">
-            <a:off x="7266653" y="1657916"/>
-            <a:ext cx="1268632" cy="637710"/>
-          </a:xfrm>
-          <a:prstGeom prst="straightConnector1">
-            <a:avLst/>
-          </a:prstGeom>
-          <a:ln w="19050">
-            <a:solidFill>
-              <a:schemeClr val="tx1"/>
-            </a:solidFill>
-            <a:miter lim="800000"/>
-            <a:tailEnd type="triangle"/>
-          </a:ln>
-        </p:spPr>
-        <p:style>
-          <a:lnRef idx="1">
-            <a:schemeClr val="accent1"/>
-          </a:lnRef>
-          <a:fillRef idx="0">
-            <a:schemeClr val="accent1"/>
-          </a:fillRef>
-          <a:effectRef idx="0">
-            <a:schemeClr val="accent1"/>
-          </a:effectRef>
-          <a:fontRef idx="minor">
-            <a:schemeClr val="tx1"/>
-          </a:fontRef>
-        </p:style>
-      </p:cxnSp>
-      <p:sp>
-        <p:nvSpPr>
-          <p:cNvPr id="6" name="TextBox 5"/>
-          <p:cNvSpPr txBox="1"/>
-          <p:nvPr/>
-        </p:nvSpPr>
-        <p:spPr>
-          <a:xfrm>
-            <a:off x="8535285" y="1406055"/>
-            <a:ext cx="1399223" cy="503722"/>
+            <a:off x="1053852" y="1772816"/>
+            <a:ext cx="8352928" cy="3888432"/>
           </a:xfrm>
           <a:prstGeom prst="rect">
             <a:avLst/>
@@ -33633,19 +34267,60 @@
           </a:bodyPr>
           <a:lstStyle/>
           <a:p>
+            <a:pPr marL="285750" indent="-285750">
+              <a:lnSpc>
+                <a:spcPct val="90000"/>
+              </a:lnSpc>
+              <a:buFont typeface="Arial" panose="020B0604020202020204" pitchFamily="34" charset="0"/>
+              <a:buChar char="•"/>
+            </a:pPr>
+            <a:r>
+              <a:rPr lang="en-US" dirty="0" smtClean="0"/>
+              <a:t>Blocks are read into the buffer cache in the compressed form.</a:t>
+            </a:r>
+          </a:p>
+          <a:p>
+            <a:pPr marL="285750" indent="-285750">
+              <a:lnSpc>
+                <a:spcPct val="90000"/>
+              </a:lnSpc>
+              <a:buFont typeface="Arial" panose="020B0604020202020204" pitchFamily="34" charset="0"/>
+              <a:buChar char="•"/>
+            </a:pPr>
+            <a:r>
+              <a:rPr lang="en-US" dirty="0" smtClean="0"/>
+              <a:t>The lower CPU and IO cost when dealing with compressed blocks.</a:t>
+            </a:r>
+          </a:p>
+          <a:p>
+            <a:pPr marL="285750" indent="-285750">
+              <a:lnSpc>
+                <a:spcPct val="90000"/>
+              </a:lnSpc>
+              <a:buFont typeface="Arial" panose="020B0604020202020204" pitchFamily="34" charset="0"/>
+              <a:buChar char="•"/>
+            </a:pPr>
+            <a:r>
+              <a:rPr lang="en-US" dirty="0" smtClean="0"/>
+              <a:t>Block level compression means minimal CPU cost to </a:t>
+            </a:r>
+            <a:r>
+              <a:rPr lang="en-US" dirty="0" err="1" smtClean="0"/>
+              <a:t>uncompress</a:t>
+            </a:r>
+            <a:r>
+              <a:rPr lang="en-US" dirty="0" smtClean="0"/>
+              <a:t> data.</a:t>
+            </a:r>
+            <a:endParaRPr lang="en-US" dirty="0" smtClean="0"/>
+          </a:p>
+          <a:p>
             <a:pPr>
               <a:lnSpc>
                 <a:spcPct val="90000"/>
               </a:lnSpc>
             </a:pPr>
-            <a:r>
-              <a:rPr lang="en-US" sz="1799" dirty="0">
-                <a:solidFill>
-                  <a:prstClr val="black"/>
-                </a:solidFill>
-              </a:rPr>
-              <a:t>Column order </a:t>
-            </a:r>
+            <a:endParaRPr lang="en-US" dirty="0"/>
           </a:p>
           <a:p>
             <a:pPr>
@@ -33653,136 +34328,14 @@
                 <a:spcPct val="90000"/>
               </a:lnSpc>
             </a:pPr>
-            <a:r>
-              <a:rPr lang="en-US" sz="1799" dirty="0">
-                <a:solidFill>
-                  <a:prstClr val="black"/>
-                </a:solidFill>
-              </a:rPr>
-              <a:t>for this block</a:t>
-            </a:r>
-          </a:p>
-        </p:txBody>
-      </p:sp>
-      <p:sp>
-        <p:nvSpPr>
-          <p:cNvPr id="10" name="TextBox 9"/>
-          <p:cNvSpPr txBox="1"/>
-          <p:nvPr/>
-        </p:nvSpPr>
-        <p:spPr>
-          <a:xfrm>
-            <a:off x="406464" y="1976772"/>
-            <a:ext cx="3554039" cy="1045447"/>
-          </a:xfrm>
-          <a:prstGeom prst="rect">
-            <a:avLst/>
-          </a:prstGeom>
-          <a:noFill/>
-        </p:spPr>
-        <p:txBody>
-          <a:bodyPr wrap="none" lIns="0" tIns="0" rIns="0" bIns="0" rtlCol="0">
-            <a:noAutofit/>
-          </a:bodyPr>
-          <a:lstStyle/>
-          <a:p>
-            <a:pPr>
-              <a:lnSpc>
-                <a:spcPct val="90000"/>
-              </a:lnSpc>
-            </a:pPr>
-            <a:r>
-              <a:rPr lang="en-GB" sz="1799" dirty="0">
-                <a:solidFill>
-                  <a:prstClr val="black"/>
-                </a:solidFill>
-              </a:rPr>
-              <a:t>insert into </a:t>
-            </a:r>
-            <a:r>
-              <a:rPr lang="en-GB" sz="1799" dirty="0" err="1">
-                <a:solidFill>
-                  <a:prstClr val="black"/>
-                </a:solidFill>
-              </a:rPr>
-              <a:t>creorder</a:t>
-            </a:r>
-            <a:r>
-              <a:rPr lang="en-GB" sz="1799" dirty="0">
-                <a:solidFill>
-                  <a:prstClr val="black"/>
-                </a:solidFill>
-              </a:rPr>
-              <a:t> </a:t>
-            </a:r>
-            <a:br>
-              <a:rPr lang="en-GB" sz="1799" dirty="0">
-                <a:solidFill>
-                  <a:prstClr val="black"/>
-                </a:solidFill>
-              </a:rPr>
-            </a:br>
-            <a:r>
-              <a:rPr lang="en-GB" sz="1799" dirty="0">
-                <a:solidFill>
-                  <a:prstClr val="black"/>
-                </a:solidFill>
-              </a:rPr>
-              <a:t>   values('AAAAAAAAAA',</a:t>
-            </a:r>
-          </a:p>
-          <a:p>
-            <a:pPr>
-              <a:lnSpc>
-                <a:spcPct val="90000"/>
-              </a:lnSpc>
-            </a:pPr>
-            <a:r>
-              <a:rPr lang="en-GB" sz="1799" dirty="0">
-                <a:solidFill>
-                  <a:prstClr val="black"/>
-                </a:solidFill>
-              </a:rPr>
-              <a:t>                  </a:t>
-            </a:r>
-            <a:r>
-              <a:rPr lang="en-GB" sz="1799" dirty="0" err="1">
-                <a:solidFill>
-                  <a:prstClr val="black"/>
-                </a:solidFill>
-              </a:rPr>
-              <a:t>dbms_random.string</a:t>
-            </a:r>
-            <a:r>
-              <a:rPr lang="en-GB" sz="1799" dirty="0">
-                <a:solidFill>
-                  <a:prstClr val="black"/>
-                </a:solidFill>
-              </a:rPr>
-              <a:t>('u',10),</a:t>
-            </a:r>
-          </a:p>
-          <a:p>
-            <a:pPr>
-              <a:lnSpc>
-                <a:spcPct val="90000"/>
-              </a:lnSpc>
-            </a:pPr>
-            <a:r>
-              <a:rPr lang="en-GB" sz="1799" dirty="0">
-                <a:solidFill>
-                  <a:prstClr val="black"/>
-                </a:solidFill>
-              </a:rPr>
-              <a:t>                  'BBBBBBBBBB');</a:t>
-            </a:r>
+            <a:endParaRPr lang="en-GB" dirty="0" err="1" smtClean="0"/>
           </a:p>
         </p:txBody>
       </p:sp>
     </p:spTree>
     <p:extLst>
       <p:ext uri="{BB962C8B-B14F-4D97-AF65-F5344CB8AC3E}">
-        <p14:creationId xmlns:p14="http://schemas.microsoft.com/office/powerpoint/2010/main" val="2517955768"/>
+        <p14:creationId xmlns:p14="http://schemas.microsoft.com/office/powerpoint/2010/main" val="3629921321"/>
       </p:ext>
     </p:extLst>
   </p:cSld>
@@ -33801,13 +34354,6 @@
       </p:transition>
     </mc:Fallback>
   </mc:AlternateContent>
-  <p:timing>
-    <p:tnLst>
-      <p:par>
-        <p:cTn id="1" dur="indefinite" restart="never" nodeType="tmRoot"/>
-      </p:par>
-    </p:tnLst>
-  </p:timing>
 </p:sld>
 </file>
 

--- a/compression_sand_weiss_hotsos_2018.pptx
+++ b/compression_sand_weiss_hotsos_2018.pptx
@@ -6,24 +6,24 @@
     <p:sldMasterId id="2147483679" r:id="rId2"/>
   </p:sldMasterIdLst>
   <p:notesMasterIdLst>
-    <p:notesMasterId r:id="rId23"/>
+    <p:notesMasterId r:id="rId24"/>
   </p:notesMasterIdLst>
   <p:handoutMasterIdLst>
-    <p:handoutMasterId r:id="rId24"/>
+    <p:handoutMasterId r:id="rId25"/>
   </p:handoutMasterIdLst>
   <p:sldIdLst>
     <p:sldId id="256" r:id="rId3"/>
-    <p:sldId id="297" r:id="rId4"/>
-    <p:sldId id="298" r:id="rId5"/>
-    <p:sldId id="299" r:id="rId6"/>
-    <p:sldId id="301" r:id="rId7"/>
-    <p:sldId id="300" r:id="rId8"/>
-    <p:sldId id="303" r:id="rId9"/>
-    <p:sldId id="302" r:id="rId10"/>
-    <p:sldId id="305" r:id="rId11"/>
-    <p:sldId id="306" r:id="rId12"/>
-    <p:sldId id="289" r:id="rId13"/>
-    <p:sldId id="295" r:id="rId14"/>
+    <p:sldId id="308" r:id="rId4"/>
+    <p:sldId id="297" r:id="rId5"/>
+    <p:sldId id="298" r:id="rId6"/>
+    <p:sldId id="299" r:id="rId7"/>
+    <p:sldId id="301" r:id="rId8"/>
+    <p:sldId id="300" r:id="rId9"/>
+    <p:sldId id="303" r:id="rId10"/>
+    <p:sldId id="302" r:id="rId11"/>
+    <p:sldId id="305" r:id="rId12"/>
+    <p:sldId id="306" r:id="rId13"/>
+    <p:sldId id="307" r:id="rId14"/>
     <p:sldId id="290" r:id="rId15"/>
     <p:sldId id="288" r:id="rId16"/>
     <p:sldId id="292" r:id="rId17"/>
@@ -31,12 +31,13 @@
     <p:sldId id="293" r:id="rId19"/>
     <p:sldId id="304" r:id="rId20"/>
     <p:sldId id="296" r:id="rId21"/>
-    <p:sldId id="287" r:id="rId22"/>
+    <p:sldId id="309" r:id="rId22"/>
+    <p:sldId id="287" r:id="rId23"/>
   </p:sldIdLst>
   <p:sldSz cx="12188825" cy="6858000"/>
   <p:notesSz cx="6858000" cy="9144000"/>
   <p:custDataLst>
-    <p:tags r:id="rId25"/>
+    <p:tags r:id="rId26"/>
   </p:custDataLst>
   <p:defaultTextStyle>
     <a:defPPr>
@@ -273,7 +274,7 @@
           <a:p>
             <a:fld id="{ADCC02A0-C947-4278-96D1-0DB9C063DF55}" type="datetimeFigureOut">
               <a:rPr lang="en-US" smtClean="0"/>
-              <a:t>2018-03-02</a:t>
+              <a:t>3/4/2018</a:t>
             </a:fld>
             <a:endParaRPr lang="en-US"/>
           </a:p>
@@ -782,7 +783,12 @@
             <p:ph type="sldImg"/>
           </p:nvPr>
         </p:nvSpPr>
-        <p:spPr/>
+        <p:spPr>
+          <a:xfrm>
+            <a:off x="381000" y="381000"/>
+            <a:ext cx="4572000" cy="2573338"/>
+          </a:xfrm>
+        </p:spPr>
       </p:sp>
       <p:sp>
         <p:nvSpPr>
@@ -821,7 +827,7 @@
             <a:fld id="{8547E1EE-0039-4797-B978-F453418260D1}" type="slidenum">
               <a:rPr lang="en-US" smtClean="0"/>
               <a:pPr/>
-              <a:t>11</a:t>
+              <a:t>12</a:t>
             </a:fld>
             <a:endParaRPr lang="en-US"/>
           </a:p>
@@ -830,7 +836,7 @@
     </p:spTree>
     <p:extLst>
       <p:ext uri="{BB962C8B-B14F-4D97-AF65-F5344CB8AC3E}">
-        <p14:creationId xmlns:p14="http://schemas.microsoft.com/office/powerpoint/2010/main" val="2697949444"/>
+        <p14:creationId xmlns:p14="http://schemas.microsoft.com/office/powerpoint/2010/main" val="829444983"/>
       </p:ext>
     </p:extLst>
   </p:cSld>
@@ -957,6 +963,91 @@
             <p:ph type="sldImg"/>
           </p:nvPr>
         </p:nvSpPr>
+        <p:spPr/>
+      </p:sp>
+      <p:sp>
+        <p:nvSpPr>
+          <p:cNvPr id="3" name="Notes Placeholder 2"/>
+          <p:cNvSpPr>
+            <a:spLocks noGrp="1"/>
+          </p:cNvSpPr>
+          <p:nvPr>
+            <p:ph type="body" idx="1"/>
+          </p:nvPr>
+        </p:nvSpPr>
+        <p:spPr/>
+        <p:txBody>
+          <a:bodyPr/>
+          <a:lstStyle/>
+          <a:p>
+            <a:endParaRPr lang="en-US"/>
+          </a:p>
+        </p:txBody>
+      </p:sp>
+      <p:sp>
+        <p:nvSpPr>
+          <p:cNvPr id="4" name="Slide Number Placeholder 3"/>
+          <p:cNvSpPr>
+            <a:spLocks noGrp="1"/>
+          </p:cNvSpPr>
+          <p:nvPr>
+            <p:ph type="sldNum" sz="quarter" idx="10"/>
+          </p:nvPr>
+        </p:nvSpPr>
+        <p:spPr/>
+        <p:txBody>
+          <a:bodyPr/>
+          <a:lstStyle/>
+          <a:p>
+            <a:fld id="{8547E1EE-0039-4797-B978-F453418260D1}" type="slidenum">
+              <a:rPr lang="en-US" smtClean="0"/>
+              <a:pPr/>
+              <a:t>20</a:t>
+            </a:fld>
+            <a:endParaRPr lang="en-US"/>
+          </a:p>
+        </p:txBody>
+      </p:sp>
+    </p:spTree>
+    <p:extLst>
+      <p:ext uri="{BB962C8B-B14F-4D97-AF65-F5344CB8AC3E}">
+        <p14:creationId xmlns:p14="http://schemas.microsoft.com/office/powerpoint/2010/main" val="2033136908"/>
+      </p:ext>
+    </p:extLst>
+  </p:cSld>
+  <p:clrMapOvr>
+    <a:masterClrMapping/>
+  </p:clrMapOvr>
+</p:notes>
+</file>
+
+<file path=ppt/notesSlides/notesSlide13.xml><?xml version="1.0" encoding="utf-8"?>
+<p:notes xmlns:a="http://schemas.openxmlformats.org/drawingml/2006/main" xmlns:r="http://schemas.openxmlformats.org/officeDocument/2006/relationships" xmlns:p="http://schemas.openxmlformats.org/presentationml/2006/main">
+  <p:cSld>
+    <p:spTree>
+      <p:nvGrpSpPr>
+        <p:cNvPr id="1" name=""/>
+        <p:cNvGrpSpPr/>
+        <p:nvPr/>
+      </p:nvGrpSpPr>
+      <p:grpSpPr>
+        <a:xfrm>
+          <a:off x="0" y="0"/>
+          <a:ext cx="0" cy="0"/>
+          <a:chOff x="0" y="0"/>
+          <a:chExt cx="0" cy="0"/>
+        </a:xfrm>
+      </p:grpSpPr>
+      <p:sp>
+        <p:nvSpPr>
+          <p:cNvPr id="2" name="Slide Image Placeholder 1"/>
+          <p:cNvSpPr>
+            <a:spLocks noGrp="1" noRot="1" noChangeAspect="1"/>
+          </p:cNvSpPr>
+          <p:nvPr>
+            <p:ph type="sldImg"/>
+          </p:nvPr>
+        </p:nvSpPr>
         <p:spPr>
           <a:xfrm>
             <a:off x="381000" y="381000"/>
@@ -1001,7 +1092,7 @@
             <a:fld id="{8547E1EE-0039-4797-B978-F453418260D1}" type="slidenum">
               <a:rPr lang="en-US" smtClean="0"/>
               <a:pPr/>
-              <a:t>20</a:t>
+              <a:t>21</a:t>
             </a:fld>
             <a:endParaRPr lang="en-US"/>
           </a:p>
@@ -1088,11 +1179,7 @@
             </a:pPr>
             <a:r>
               <a:rPr lang="en-US" dirty="0" smtClean="0"/>
-              <a:t>This is a block </a:t>
-            </a:r>
-            <a:r>
-              <a:rPr lang="en-US" dirty="0" smtClean="0"/>
-              <a:t>dump</a:t>
+              <a:t>This is a block dump</a:t>
             </a:r>
           </a:p>
           <a:p>
@@ -1365,7 +1452,7 @@
                 <a:latin typeface="Calibri" panose="020F0502020204030204"/>
               </a:rPr>
               <a:pPr/>
-              <a:t>2</a:t>
+              <a:t>3</a:t>
             </a:fld>
             <a:endParaRPr lang="en-GB">
               <a:solidFill>
@@ -1456,11 +1543,7 @@
           <a:p>
             <a:r>
               <a:rPr lang="en-US" dirty="0" smtClean="0"/>
-              <a:t>Row </a:t>
-            </a:r>
-            <a:r>
-              <a:rPr lang="en-US" dirty="0" smtClean="0"/>
-              <a:t>store compress advanced (new name for</a:t>
+              <a:t>Row store compress advanced (new name for</a:t>
             </a:r>
             <a:r>
               <a:rPr lang="en-US" baseline="0" dirty="0" smtClean="0"/>
@@ -1472,11 +1555,7 @@
             </a:r>
             <a:r>
               <a:rPr lang="en-US" baseline="0" dirty="0" smtClean="0"/>
-              <a:t>(new name for all operations</a:t>
-            </a:r>
-            <a:r>
-              <a:rPr lang="en-US" baseline="0" dirty="0" smtClean="0"/>
-              <a:t>))</a:t>
+              <a:t>(new name for all operations))</a:t>
             </a:r>
           </a:p>
           <a:p>
@@ -1774,7 +1853,7 @@
                 <a:latin typeface="Calibri" panose="020F0502020204030204"/>
               </a:rPr>
               <a:pPr/>
-              <a:t>3</a:t>
+              <a:t>4</a:t>
             </a:fld>
             <a:endParaRPr lang="en-GB">
               <a:solidFill>
@@ -1895,7 +1974,7 @@
                 <a:latin typeface="Calibri" panose="020F0502020204030204"/>
               </a:rPr>
               <a:pPr/>
-              <a:t>4</a:t>
+              <a:t>5</a:t>
             </a:fld>
             <a:endParaRPr lang="en-GB">
               <a:solidFill>
@@ -2012,7 +2091,7 @@
                 <a:latin typeface="Calibri" panose="020F0502020204030204"/>
               </a:rPr>
               <a:pPr/>
-              <a:t>5</a:t>
+              <a:t>6</a:t>
             </a:fld>
             <a:endParaRPr lang="en-GB">
               <a:solidFill>
@@ -2120,7 +2199,7 @@
                 <a:latin typeface="Calibri" panose="020F0502020204030204"/>
               </a:rPr>
               <a:pPr/>
-              <a:t>6</a:t>
+              <a:t>7</a:t>
             </a:fld>
             <a:endParaRPr lang="en-GB">
               <a:solidFill>
@@ -2262,7 +2341,7 @@
                 <a:latin typeface="Calibri" panose="020F0502020204030204"/>
               </a:rPr>
               <a:pPr/>
-              <a:t>7</a:t>
+              <a:t>8</a:t>
             </a:fld>
             <a:endParaRPr lang="en-GB">
               <a:solidFill>
@@ -2362,15 +2441,7 @@
             </a:r>
             <a:r>
               <a:rPr lang="en-US" dirty="0" smtClean="0"/>
-              <a:t>table </a:t>
-            </a:r>
-            <a:r>
-              <a:rPr lang="en-US" dirty="0" smtClean="0"/>
-              <a:t>row </a:t>
-            </a:r>
-            <a:r>
-              <a:rPr lang="en-US" dirty="0" smtClean="0"/>
-              <a:t>header?</a:t>
+              <a:t>table row header?</a:t>
             </a:r>
           </a:p>
           <a:p>
@@ -2413,7 +2484,7 @@
                 <a:latin typeface="Calibri" panose="020F0502020204030204"/>
               </a:rPr>
               <a:pPr/>
-              <a:t>8</a:t>
+              <a:t>9</a:t>
             </a:fld>
             <a:endParaRPr lang="en-GB">
               <a:solidFill>
@@ -2516,7 +2587,7 @@
             <a:fld id="{8547E1EE-0039-4797-B978-F453418260D1}" type="slidenum">
               <a:rPr lang="en-US" smtClean="0"/>
               <a:pPr/>
-              <a:t>9</a:t>
+              <a:t>10</a:t>
             </a:fld>
             <a:endParaRPr lang="en-US"/>
           </a:p>
@@ -2801,7 +2872,7 @@
           <a:p>
             <a:fld id="{80C853A8-1CF5-4118-9D6D-C132E8FC53CB}" type="datetimeFigureOut">
               <a:rPr lang="en-US" smtClean="0"/>
-              <a:t>2018-03-02</a:t>
+              <a:t>3/4/2018</a:t>
             </a:fld>
             <a:endParaRPr lang="en-US"/>
           </a:p>
@@ -3900,7 +3971,7 @@
             <a:fld id="{80C853A8-1CF5-4118-9D6D-C132E8FC53CB}" type="datetimeFigureOut">
               <a:rPr lang="en-US" smtClean="0"/>
               <a:pPr/>
-              <a:t>2018-03-02</a:t>
+              <a:t>3/4/2018</a:t>
             </a:fld>
             <a:endParaRPr lang="en-US"/>
           </a:p>
@@ -4106,7 +4177,7 @@
           <a:p>
             <a:fld id="{80C853A8-1CF5-4118-9D6D-C132E8FC53CB}" type="datetimeFigureOut">
               <a:rPr lang="en-US" smtClean="0"/>
-              <a:t>2018-03-02</a:t>
+              <a:t>3/4/2018</a:t>
             </a:fld>
             <a:endParaRPr lang="en-US"/>
           </a:p>
@@ -4243,7 +4314,7 @@
           <a:p>
             <a:fld id="{80C853A8-1CF5-4118-9D6D-C132E8FC53CB}" type="datetimeFigureOut">
               <a:rPr lang="en-US" smtClean="0"/>
-              <a:t>2018-03-02</a:t>
+              <a:t>3/4/2018</a:t>
             </a:fld>
             <a:endParaRPr lang="en-US"/>
           </a:p>
@@ -4535,7 +4606,7 @@
           <a:p>
             <a:fld id="{80C853A8-1CF5-4118-9D6D-C132E8FC53CB}" type="datetimeFigureOut">
               <a:rPr lang="en-US" smtClean="0"/>
-              <a:t>2018-03-02</a:t>
+              <a:t>3/4/2018</a:t>
             </a:fld>
             <a:endParaRPr lang="en-US"/>
           </a:p>
@@ -4925,7 +4996,7 @@
           <a:p>
             <a:fld id="{80C853A8-1CF5-4118-9D6D-C132E8FC53CB}" type="datetimeFigureOut">
               <a:rPr lang="en-US" smtClean="0"/>
-              <a:t>2018-03-02</a:t>
+              <a:t>3/4/2018</a:t>
             </a:fld>
             <a:endParaRPr lang="en-US"/>
           </a:p>
@@ -5062,7 +5133,7 @@
           <a:p>
             <a:fld id="{80C853A8-1CF5-4118-9D6D-C132E8FC53CB}" type="datetimeFigureOut">
               <a:rPr lang="en-US" smtClean="0"/>
-              <a:t>2018-03-02</a:t>
+              <a:t>3/4/2018</a:t>
             </a:fld>
             <a:endParaRPr lang="en-US"/>
           </a:p>
@@ -5274,7 +5345,7 @@
           <a:p>
             <a:fld id="{80C853A8-1CF5-4118-9D6D-C132E8FC53CB}" type="datetimeFigureOut">
               <a:rPr lang="en-US" smtClean="0"/>
-              <a:t>2018-03-02</a:t>
+              <a:t>3/4/2018</a:t>
             </a:fld>
             <a:endParaRPr lang="en-US"/>
           </a:p>
@@ -5590,7 +5661,7 @@
           <a:p>
             <a:fld id="{80C853A8-1CF5-4118-9D6D-C132E8FC53CB}" type="datetimeFigureOut">
               <a:rPr lang="en-US" smtClean="0"/>
-              <a:t>2018-03-02</a:t>
+              <a:t>3/4/2018</a:t>
             </a:fld>
             <a:endParaRPr lang="en-US"/>
           </a:p>
@@ -6050,7 +6121,7 @@
           <a:p>
             <a:fld id="{80C853A8-1CF5-4118-9D6D-C132E8FC53CB}" type="datetimeFigureOut">
               <a:rPr lang="en-US" smtClean="0"/>
-              <a:t>2018-03-02</a:t>
+              <a:t>3/4/2018</a:t>
             </a:fld>
             <a:endParaRPr lang="en-US"/>
           </a:p>
@@ -6608,7 +6679,7 @@
           <a:p>
             <a:fld id="{80C853A8-1CF5-4118-9D6D-C132E8FC53CB}" type="datetimeFigureOut">
               <a:rPr lang="en-US" smtClean="0"/>
-              <a:t>2018-03-02</a:t>
+              <a:t>3/4/2018</a:t>
             </a:fld>
             <a:endParaRPr lang="en-US"/>
           </a:p>
@@ -6965,7 +7036,7 @@
             <a:fld id="{80C853A8-1CF5-4118-9D6D-C132E8FC53CB}" type="datetimeFigureOut">
               <a:rPr lang="en-US" smtClean="0"/>
               <a:pPr/>
-              <a:t>2018-03-02</a:t>
+              <a:t>3/4/2018</a:t>
             </a:fld>
             <a:endParaRPr lang="en-US"/>
           </a:p>
@@ -7495,7 +7566,7 @@
           <a:p>
             <a:fld id="{80C853A8-1CF5-4118-9D6D-C132E8FC53CB}" type="datetimeFigureOut">
               <a:rPr lang="en-US" smtClean="0"/>
-              <a:t>2018-03-02</a:t>
+              <a:t>3/4/2018</a:t>
             </a:fld>
             <a:endParaRPr lang="en-US"/>
           </a:p>
@@ -7898,7 +7969,7 @@
           <a:p>
             <a:fld id="{80C853A8-1CF5-4118-9D6D-C132E8FC53CB}" type="datetimeFigureOut">
               <a:rPr lang="en-US" smtClean="0"/>
-              <a:t>2018-03-02</a:t>
+              <a:t>3/4/2018</a:t>
             </a:fld>
             <a:endParaRPr lang="en-US"/>
           </a:p>
@@ -8511,7 +8582,7 @@
           <a:p>
             <a:fld id="{80C853A8-1CF5-4118-9D6D-C132E8FC53CB}" type="datetimeFigureOut">
               <a:rPr lang="en-US" smtClean="0"/>
-              <a:t>2018-03-02</a:t>
+              <a:t>3/4/2018</a:t>
             </a:fld>
             <a:endParaRPr lang="en-US"/>
           </a:p>
@@ -9383,7 +9454,7 @@
           <a:p>
             <a:fld id="{80C853A8-1CF5-4118-9D6D-C132E8FC53CB}" type="datetimeFigureOut">
               <a:rPr lang="en-US" smtClean="0"/>
-              <a:t>2018-03-02</a:t>
+              <a:t>3/4/2018</a:t>
             </a:fld>
             <a:endParaRPr lang="en-US"/>
           </a:p>
@@ -9666,7 +9737,7 @@
           <a:p>
             <a:fld id="{80C853A8-1CF5-4118-9D6D-C132E8FC53CB}" type="datetimeFigureOut">
               <a:rPr lang="en-US" smtClean="0"/>
-              <a:t>2018-03-02</a:t>
+              <a:t>3/4/2018</a:t>
             </a:fld>
             <a:endParaRPr lang="en-US"/>
           </a:p>
@@ -9879,7 +9950,7 @@
           <a:p>
             <a:fld id="{80C853A8-1CF5-4118-9D6D-C132E8FC53CB}" type="datetimeFigureOut">
               <a:rPr lang="en-US" smtClean="0"/>
-              <a:t>2018-03-02</a:t>
+              <a:t>3/4/2018</a:t>
             </a:fld>
             <a:endParaRPr lang="en-US"/>
           </a:p>
@@ -10179,7 +10250,7 @@
           <a:p>
             <a:fld id="{80C853A8-1CF5-4118-9D6D-C132E8FC53CB}" type="datetimeFigureOut">
               <a:rPr lang="en-US" smtClean="0"/>
-              <a:t>2018-03-02</a:t>
+              <a:t>3/4/2018</a:t>
             </a:fld>
             <a:endParaRPr lang="en-US"/>
           </a:p>
@@ -10599,7 +10670,7 @@
           <a:p>
             <a:fld id="{80C853A8-1CF5-4118-9D6D-C132E8FC53CB}" type="datetimeFigureOut">
               <a:rPr lang="en-US" smtClean="0"/>
-              <a:t>2018-03-02</a:t>
+              <a:t>3/4/2018</a:t>
             </a:fld>
             <a:endParaRPr lang="en-US"/>
           </a:p>
@@ -11132,7 +11203,7 @@
           <a:p>
             <a:fld id="{80C853A8-1CF5-4118-9D6D-C132E8FC53CB}" type="datetimeFigureOut">
               <a:rPr lang="en-US" smtClean="0"/>
-              <a:t>2018-03-02</a:t>
+              <a:t>3/4/2018</a:t>
             </a:fld>
             <a:endParaRPr lang="en-US"/>
           </a:p>
@@ -11331,7 +11402,7 @@
           <a:p>
             <a:fld id="{80C853A8-1CF5-4118-9D6D-C132E8FC53CB}" type="datetimeFigureOut">
               <a:rPr lang="en-US" smtClean="0"/>
-              <a:t>2018-03-02</a:t>
+              <a:t>3/4/2018</a:t>
             </a:fld>
             <a:endParaRPr lang="en-US"/>
           </a:p>
@@ -11599,7 +11670,7 @@
           <a:p>
             <a:fld id="{80C853A8-1CF5-4118-9D6D-C132E8FC53CB}" type="datetimeFigureOut">
               <a:rPr lang="en-US" smtClean="0"/>
-              <a:t>2018-03-02</a:t>
+              <a:t>3/4/2018</a:t>
             </a:fld>
             <a:endParaRPr lang="en-US"/>
           </a:p>
@@ -11913,7 +11984,7 @@
                 </a:solidFill>
               </a:rPr>
               <a:pPr/>
-              <a:t>02/03/2018</a:t>
+              <a:t>04/03/2018</a:t>
             </a:fld>
             <a:endParaRPr lang="en-GB">
               <a:solidFill>
@@ -12639,7 +12710,7 @@
                 </a:solidFill>
               </a:rPr>
               <a:pPr/>
-              <a:t>02/03/2018</a:t>
+              <a:t>04/03/2018</a:t>
             </a:fld>
             <a:endParaRPr lang="en-GB">
               <a:solidFill>
@@ -13322,7 +13393,7 @@
                 </a:solidFill>
               </a:rPr>
               <a:pPr/>
-              <a:t>02/03/2018</a:t>
+              <a:t>04/03/2018</a:t>
             </a:fld>
             <a:endParaRPr lang="en-GB">
               <a:solidFill>
@@ -14048,7 +14119,7 @@
                 </a:solidFill>
               </a:rPr>
               <a:pPr/>
-              <a:t>02/03/2018</a:t>
+              <a:t>04/03/2018</a:t>
             </a:fld>
             <a:endParaRPr lang="en-GB">
               <a:solidFill>
@@ -15257,7 +15328,7 @@
                 </a:solidFill>
               </a:rPr>
               <a:pPr/>
-              <a:t>02/03/2018</a:t>
+              <a:t>04/03/2018</a:t>
             </a:fld>
             <a:endParaRPr lang="en-GB">
               <a:solidFill>
@@ -16018,7 +16089,7 @@
             <a:fld id="{80C853A8-1CF5-4118-9D6D-C132E8FC53CB}" type="datetimeFigureOut">
               <a:rPr lang="en-US" smtClean="0"/>
               <a:pPr/>
-              <a:t>2018-03-02</a:t>
+              <a:t>3/4/2018</a:t>
             </a:fld>
             <a:endParaRPr lang="en-US"/>
           </a:p>
@@ -16231,7 +16302,7 @@
                 </a:solidFill>
               </a:rPr>
               <a:pPr/>
-              <a:t>02/03/2018</a:t>
+              <a:t>04/03/2018</a:t>
             </a:fld>
             <a:endParaRPr lang="en-GB">
               <a:solidFill>
@@ -16400,7 +16471,7 @@
                 </a:solidFill>
               </a:rPr>
               <a:pPr/>
-              <a:t>02/03/2018</a:t>
+              <a:t>04/03/2018</a:t>
             </a:fld>
             <a:endParaRPr lang="en-GB">
               <a:solidFill>
@@ -16724,7 +16795,7 @@
                 </a:solidFill>
               </a:rPr>
               <a:pPr/>
-              <a:t>02/03/2018</a:t>
+              <a:t>04/03/2018</a:t>
             </a:fld>
             <a:endParaRPr lang="en-GB">
               <a:solidFill>
@@ -17146,7 +17217,7 @@
                 </a:solidFill>
               </a:rPr>
               <a:pPr/>
-              <a:t>02/03/2018</a:t>
+              <a:t>04/03/2018</a:t>
             </a:fld>
             <a:endParaRPr lang="en-GB">
               <a:solidFill>
@@ -17315,7 +17386,7 @@
                 </a:solidFill>
               </a:rPr>
               <a:pPr/>
-              <a:t>02/03/2018</a:t>
+              <a:t>04/03/2018</a:t>
             </a:fld>
             <a:endParaRPr lang="en-GB">
               <a:solidFill>
@@ -17559,7 +17630,7 @@
                 </a:solidFill>
               </a:rPr>
               <a:pPr/>
-              <a:t>02/03/2018</a:t>
+              <a:t>04/03/2018</a:t>
             </a:fld>
             <a:endParaRPr lang="en-GB">
               <a:solidFill>
@@ -17907,7 +17978,7 @@
                 </a:solidFill>
               </a:rPr>
               <a:pPr/>
-              <a:t>02/03/2018</a:t>
+              <a:t>04/03/2018</a:t>
             </a:fld>
             <a:endParaRPr lang="en-GB">
               <a:solidFill>
@@ -18399,7 +18470,7 @@
                 </a:solidFill>
               </a:rPr>
               <a:pPr/>
-              <a:t>02/03/2018</a:t>
+              <a:t>04/03/2018</a:t>
             </a:fld>
             <a:endParaRPr lang="en-GB">
               <a:solidFill>
@@ -18989,7 +19060,7 @@
                 </a:solidFill>
               </a:rPr>
               <a:pPr/>
-              <a:t>02/03/2018</a:t>
+              <a:t>04/03/2018</a:t>
             </a:fld>
             <a:endParaRPr lang="en-GB">
               <a:solidFill>
@@ -19163,7 +19234,7 @@
                 </a:solidFill>
               </a:rPr>
               <a:pPr/>
-              <a:t>02/03/2018</a:t>
+              <a:t>04/03/2018</a:t>
             </a:fld>
             <a:endParaRPr lang="en-GB">
               <a:solidFill>
@@ -19693,7 +19764,7 @@
                 </a:solidFill>
               </a:rPr>
               <a:pPr/>
-              <a:t>02/03/2018</a:t>
+              <a:t>04/03/2018</a:t>
             </a:fld>
             <a:endParaRPr lang="en-GB">
               <a:solidFill>
@@ -20338,7 +20409,7 @@
                 </a:solidFill>
               </a:rPr>
               <a:pPr/>
-              <a:t>02/03/2018</a:t>
+              <a:t>04/03/2018</a:t>
             </a:fld>
             <a:endParaRPr lang="en-GB">
               <a:solidFill>
@@ -21242,7 +21313,7 @@
                 </a:solidFill>
               </a:rPr>
               <a:pPr/>
-              <a:t>02/03/2018</a:t>
+              <a:t>04/03/2018</a:t>
             </a:fld>
             <a:endParaRPr lang="en-GB">
               <a:solidFill>
@@ -21557,7 +21628,7 @@
                 </a:solidFill>
               </a:rPr>
               <a:pPr/>
-              <a:t>02/03/2018</a:t>
+              <a:t>04/03/2018</a:t>
             </a:fld>
             <a:endParaRPr lang="en-GB">
               <a:solidFill>
@@ -21802,7 +21873,7 @@
                 </a:solidFill>
               </a:rPr>
               <a:pPr/>
-              <a:t>02/03/2018</a:t>
+              <a:t>04/03/2018</a:t>
             </a:fld>
             <a:endParaRPr lang="en-GB">
               <a:solidFill>
@@ -22134,7 +22205,7 @@
                 </a:solidFill>
               </a:rPr>
               <a:pPr/>
-              <a:t>02/03/2018</a:t>
+              <a:t>04/03/2018</a:t>
             </a:fld>
             <a:endParaRPr lang="en-GB">
               <a:solidFill>
@@ -22586,7 +22657,7 @@
                 </a:solidFill>
               </a:rPr>
               <a:pPr/>
-              <a:t>02/03/2018</a:t>
+              <a:t>04/03/2018</a:t>
             </a:fld>
             <a:endParaRPr lang="en-GB">
               <a:solidFill>
@@ -23151,7 +23222,7 @@
                 </a:solidFill>
               </a:rPr>
               <a:pPr/>
-              <a:t>02/03/2018</a:t>
+              <a:t>04/03/2018</a:t>
             </a:fld>
             <a:endParaRPr lang="en-GB">
               <a:solidFill>
@@ -23382,7 +23453,7 @@
                 </a:solidFill>
               </a:rPr>
               <a:pPr/>
-              <a:t>02/03/2018</a:t>
+              <a:t>04/03/2018</a:t>
             </a:fld>
             <a:endParaRPr lang="en-GB">
               <a:solidFill>
@@ -24019,7 +24090,7 @@
             <a:fld id="{80C853A8-1CF5-4118-9D6D-C132E8FC53CB}" type="datetimeFigureOut">
               <a:rPr lang="en-US" smtClean="0"/>
               <a:pPr/>
-              <a:t>2018-03-02</a:t>
+              <a:t>3/4/2018</a:t>
             </a:fld>
             <a:endParaRPr lang="en-US"/>
           </a:p>
@@ -25095,7 +25166,7 @@
                 </a:solidFill>
               </a:rPr>
               <a:pPr/>
-              <a:t>02/03/2018</a:t>
+              <a:t>04/03/2018</a:t>
             </a:fld>
             <a:endParaRPr lang="en-GB">
               <a:solidFill>
@@ -26159,7 +26230,7 @@
           <a:p>
             <a:r>
               <a:rPr lang="en-US" dirty="0" smtClean="0"/>
-              <a:t>Compression summary</a:t>
+              <a:t>Better Buffer Cache</a:t>
             </a:r>
             <a:endParaRPr lang="en-GB" dirty="0"/>
           </a:p>
@@ -26173,8 +26244,8 @@
         </p:nvSpPr>
         <p:spPr>
           <a:xfrm>
-            <a:off x="1701924" y="1844824"/>
-            <a:ext cx="7992888" cy="3960440"/>
+            <a:off x="1053852" y="1772816"/>
+            <a:ext cx="8352928" cy="3888432"/>
           </a:xfrm>
           <a:prstGeom prst="rect">
             <a:avLst/>
@@ -26196,11 +26267,7 @@
             </a:pPr>
             <a:r>
               <a:rPr lang="en-US" dirty="0" smtClean="0"/>
-              <a:t>Compression </a:t>
-            </a:r>
-            <a:r>
-              <a:rPr lang="en-US" dirty="0" smtClean="0"/>
-              <a:t>is at the block level</a:t>
+              <a:t>Blocks are read into the buffer cache in the compressed form.</a:t>
             </a:r>
           </a:p>
           <a:p>
@@ -26213,7 +26280,7 @@
             </a:pPr>
             <a:r>
               <a:rPr lang="en-US" dirty="0" smtClean="0"/>
-              <a:t>Repeated values are replaced with symbols</a:t>
+              <a:t>The lower CPU and IO cost when dealing with compressed blocks.</a:t>
             </a:r>
           </a:p>
           <a:p>
@@ -26226,29 +26293,30 @@
             </a:pPr>
             <a:r>
               <a:rPr lang="en-US" dirty="0" smtClean="0"/>
-              <a:t>Symbols can reference other symbols</a:t>
-            </a:r>
-          </a:p>
-          <a:p>
-            <a:pPr marL="285750" indent="-285750">
+              <a:t>Block level compression means minimal CPU cost to </a:t>
+            </a:r>
+            <a:r>
+              <a:rPr lang="en-US" dirty="0" err="1" smtClean="0"/>
+              <a:t>uncompress</a:t>
+            </a:r>
+            <a:r>
+              <a:rPr lang="en-US" dirty="0" smtClean="0"/>
+              <a:t> data.</a:t>
+            </a:r>
+          </a:p>
+          <a:p>
+            <a:pPr>
               <a:lnSpc>
                 <a:spcPct val="90000"/>
               </a:lnSpc>
-              <a:buFont typeface="Arial" panose="020B0604020202020204" pitchFamily="34" charset="0"/>
-              <a:buChar char="•"/>
             </a:pPr>
-            <a:r>
-              <a:rPr lang="en-US" dirty="0" smtClean="0"/>
-              <a:t>Column values are atomic unit of compression</a:t>
-            </a:r>
-          </a:p>
-          <a:p>
-            <a:pPr marL="285750" indent="-285750">
+            <a:endParaRPr lang="en-US" dirty="0"/>
+          </a:p>
+          <a:p>
+            <a:pPr>
               <a:lnSpc>
                 <a:spcPct val="90000"/>
               </a:lnSpc>
-              <a:buFont typeface="Arial" panose="020B0604020202020204" pitchFamily="34" charset="0"/>
-              <a:buChar char="•"/>
             </a:pPr>
             <a:endParaRPr lang="en-GB" dirty="0" err="1" smtClean="0"/>
           </a:p>
@@ -26257,7 +26325,7 @@
     </p:spTree>
     <p:extLst>
       <p:ext uri="{BB962C8B-B14F-4D97-AF65-F5344CB8AC3E}">
-        <p14:creationId xmlns:p14="http://schemas.microsoft.com/office/powerpoint/2010/main" val="491674652"/>
+        <p14:creationId xmlns:p14="http://schemas.microsoft.com/office/powerpoint/2010/main" val="3629921321"/>
       </p:ext>
     </p:extLst>
   </p:cSld>
@@ -26306,94 +26374,108 @@
             <p:ph type="title"/>
           </p:nvPr>
         </p:nvSpPr>
+        <p:spPr/>
+        <p:txBody>
+          <a:bodyPr/>
+          <a:lstStyle/>
+          <a:p>
+            <a:r>
+              <a:rPr lang="en-US" dirty="0" smtClean="0"/>
+              <a:t>Compression summary</a:t>
+            </a:r>
+            <a:endParaRPr lang="en-GB" dirty="0"/>
+          </a:p>
+        </p:txBody>
+      </p:sp>
+      <p:sp>
+        <p:nvSpPr>
+          <p:cNvPr id="3" name="TextBox 2"/>
+          <p:cNvSpPr txBox="1"/>
+          <p:nvPr/>
+        </p:nvSpPr>
         <p:spPr>
           <a:xfrm>
-            <a:off x="621804" y="260648"/>
-            <a:ext cx="10969943" cy="473968"/>
+            <a:off x="1701924" y="1844824"/>
+            <a:ext cx="7992888" cy="3960440"/>
           </a:xfrm>
+          <a:prstGeom prst="rect">
+            <a:avLst/>
+          </a:prstGeom>
+          <a:noFill/>
         </p:spPr>
         <p:txBody>
-          <a:bodyPr/>
+          <a:bodyPr wrap="none" lIns="0" tIns="0" rIns="0" bIns="0" rtlCol="0">
+            <a:noAutofit/>
+          </a:bodyPr>
           <a:lstStyle/>
           <a:p>
+            <a:pPr marL="285750" indent="-285750">
+              <a:lnSpc>
+                <a:spcPct val="90000"/>
+              </a:lnSpc>
+              <a:buFont typeface="Arial" panose="020B0604020202020204" pitchFamily="34" charset="0"/>
+              <a:buChar char="•"/>
+            </a:pPr>
             <a:r>
               <a:rPr lang="en-US" dirty="0" smtClean="0"/>
-              <a:t>Experimental Matrix</a:t>
-            </a:r>
-            <a:endParaRPr lang="en-US" dirty="0"/>
-          </a:p>
-        </p:txBody>
-      </p:sp>
-      <p:sp>
-        <p:nvSpPr>
-          <p:cNvPr id="3" name="Content Placeholder 2"/>
-          <p:cNvSpPr>
-            <a:spLocks noGrp="1"/>
-          </p:cNvSpPr>
-          <p:nvPr>
-            <p:ph idx="1"/>
-          </p:nvPr>
-        </p:nvSpPr>
-        <p:spPr/>
-        <p:txBody>
-          <a:bodyPr/>
-          <a:lstStyle/>
-          <a:p>
+              <a:t>Compression is at the block level</a:t>
+            </a:r>
+          </a:p>
+          <a:p>
+            <a:pPr marL="285750" indent="-285750">
+              <a:lnSpc>
+                <a:spcPct val="90000"/>
+              </a:lnSpc>
+              <a:buFont typeface="Arial" panose="020B0604020202020204" pitchFamily="34" charset="0"/>
+              <a:buChar char="•"/>
+            </a:pPr>
             <a:r>
               <a:rPr lang="en-US" dirty="0" smtClean="0"/>
-              <a:t>We measured table size after turning the following knobs</a:t>
-            </a:r>
-          </a:p>
-          <a:p>
-            <a:pPr lvl="1"/>
+              <a:t>Repeated values are replaced with symbols</a:t>
+            </a:r>
+          </a:p>
+          <a:p>
+            <a:pPr marL="285750" indent="-285750">
+              <a:lnSpc>
+                <a:spcPct val="90000"/>
+              </a:lnSpc>
+              <a:buFont typeface="Arial" panose="020B0604020202020204" pitchFamily="34" charset="0"/>
+              <a:buChar char="•"/>
+            </a:pPr>
             <a:r>
               <a:rPr lang="en-US" dirty="0" smtClean="0"/>
-              <a:t>Compression vs. No Compression</a:t>
-            </a:r>
-          </a:p>
-          <a:p>
-            <a:pPr lvl="1"/>
+              <a:t>Symbols can reference other symbols</a:t>
+            </a:r>
+          </a:p>
+          <a:p>
+            <a:pPr marL="285750" indent="-285750">
+              <a:lnSpc>
+                <a:spcPct val="90000"/>
+              </a:lnSpc>
+              <a:buFont typeface="Arial" panose="020B0604020202020204" pitchFamily="34" charset="0"/>
+              <a:buChar char="•"/>
+            </a:pPr>
             <a:r>
               <a:rPr lang="en-US" dirty="0" smtClean="0"/>
-              <a:t>Compression while sorting data before inserts</a:t>
-            </a:r>
-          </a:p>
-          <a:p>
-            <a:pPr lvl="1"/>
-            <a:r>
-              <a:rPr lang="en-US" dirty="0" smtClean="0"/>
-              <a:t>Block Size (8K/16K/32K)</a:t>
-            </a:r>
-          </a:p>
-          <a:p>
-            <a:pPr lvl="1"/>
-            <a:r>
-              <a:rPr lang="en-US" dirty="0" smtClean="0"/>
-              <a:t>Separate vs. Combined Parent/Child Tables</a:t>
-            </a:r>
-          </a:p>
-          <a:p>
-            <a:pPr lvl="1"/>
-            <a:r>
-              <a:rPr lang="en-US" dirty="0" smtClean="0"/>
-              <a:t>Normalized vs. </a:t>
-            </a:r>
-            <a:r>
-              <a:rPr lang="en-US" dirty="0" err="1" smtClean="0"/>
-              <a:t>Demornalized</a:t>
-            </a:r>
-            <a:r>
-              <a:rPr lang="en-US" dirty="0" smtClean="0"/>
-              <a:t> data</a:t>
-            </a:r>
-            <a:endParaRPr lang="en-US" dirty="0"/>
+              <a:t>Column values are atomic unit of compression</a:t>
+            </a:r>
+          </a:p>
+          <a:p>
+            <a:pPr marL="285750" indent="-285750">
+              <a:lnSpc>
+                <a:spcPct val="90000"/>
+              </a:lnSpc>
+              <a:buFont typeface="Arial" panose="020B0604020202020204" pitchFamily="34" charset="0"/>
+              <a:buChar char="•"/>
+            </a:pPr>
+            <a:endParaRPr lang="en-GB" dirty="0" err="1" smtClean="0"/>
           </a:p>
         </p:txBody>
       </p:sp>
     </p:spTree>
     <p:extLst>
       <p:ext uri="{BB962C8B-B14F-4D97-AF65-F5344CB8AC3E}">
-        <p14:creationId xmlns:p14="http://schemas.microsoft.com/office/powerpoint/2010/main" val="1378702126"/>
+        <p14:creationId xmlns:p14="http://schemas.microsoft.com/office/powerpoint/2010/main" val="491674652"/>
       </p:ext>
     </p:extLst>
   </p:cSld>
@@ -26444,8 +26526,8 @@
         </p:nvSpPr>
         <p:spPr>
           <a:xfrm>
-            <a:off x="621804" y="343718"/>
-            <a:ext cx="10969943" cy="420985"/>
+            <a:off x="621804" y="260648"/>
+            <a:ext cx="10969943" cy="473968"/>
           </a:xfrm>
         </p:spPr>
         <p:txBody>
@@ -26454,180 +26536,132 @@
           <a:p>
             <a:r>
               <a:rPr lang="en-US" dirty="0" smtClean="0"/>
-              <a:t>Example Data</a:t>
+              <a:t>Problem Statement</a:t>
             </a:r>
             <a:endParaRPr lang="en-US" dirty="0"/>
           </a:p>
         </p:txBody>
       </p:sp>
-      <p:pic>
-        <p:nvPicPr>
-          <p:cNvPr id="4" name="Picture 3"/>
-          <p:cNvPicPr>
-            <a:picLocks noChangeAspect="1"/>
-          </p:cNvPicPr>
-          <p:nvPr/>
-        </p:nvPicPr>
-        <p:blipFill>
-          <a:blip r:embed="rId2"/>
-          <a:stretch>
-            <a:fillRect/>
-          </a:stretch>
-        </p:blipFill>
-        <p:spPr>
-          <a:xfrm>
-            <a:off x="909836" y="4221088"/>
-            <a:ext cx="5086350" cy="2124075"/>
-          </a:xfrm>
-          <a:prstGeom prst="rect">
-            <a:avLst/>
-          </a:prstGeom>
-        </p:spPr>
-      </p:pic>
-      <p:pic>
-        <p:nvPicPr>
-          <p:cNvPr id="5" name="Picture 4"/>
-          <p:cNvPicPr>
-            <a:picLocks noChangeAspect="1"/>
-          </p:cNvPicPr>
-          <p:nvPr/>
-        </p:nvPicPr>
-        <p:blipFill>
-          <a:blip r:embed="rId3"/>
-          <a:stretch>
-            <a:fillRect/>
-          </a:stretch>
-        </p:blipFill>
-        <p:spPr>
-          <a:xfrm>
-            <a:off x="901196" y="1772816"/>
-            <a:ext cx="4495800" cy="2152650"/>
-          </a:xfrm>
-          <a:prstGeom prst="rect">
-            <a:avLst/>
-          </a:prstGeom>
-        </p:spPr>
-      </p:pic>
-      <p:pic>
-        <p:nvPicPr>
-          <p:cNvPr id="6" name="Picture 5"/>
-          <p:cNvPicPr>
-            <a:picLocks noChangeAspect="1"/>
-          </p:cNvPicPr>
-          <p:nvPr/>
-        </p:nvPicPr>
-        <p:blipFill>
-          <a:blip r:embed="rId4"/>
-          <a:stretch>
-            <a:fillRect/>
-          </a:stretch>
-        </p:blipFill>
-        <p:spPr>
-          <a:xfrm>
-            <a:off x="6526460" y="4221088"/>
-            <a:ext cx="2181225" cy="1133475"/>
-          </a:xfrm>
-          <a:prstGeom prst="rect">
-            <a:avLst/>
-          </a:prstGeom>
-        </p:spPr>
-      </p:pic>
-      <p:pic>
-        <p:nvPicPr>
-          <p:cNvPr id="7" name="Picture 6"/>
-          <p:cNvPicPr>
-            <a:picLocks noChangeAspect="1"/>
-          </p:cNvPicPr>
-          <p:nvPr/>
-        </p:nvPicPr>
-        <p:blipFill>
-          <a:blip r:embed="rId5"/>
-          <a:stretch>
-            <a:fillRect/>
-          </a:stretch>
-        </p:blipFill>
-        <p:spPr>
-          <a:xfrm>
-            <a:off x="6526460" y="1772816"/>
-            <a:ext cx="2066925" cy="1019175"/>
-          </a:xfrm>
-          <a:prstGeom prst="rect">
-            <a:avLst/>
-          </a:prstGeom>
-        </p:spPr>
-      </p:pic>
-      <p:sp>
-        <p:nvSpPr>
-          <p:cNvPr id="3" name="TextBox 2"/>
-          <p:cNvSpPr txBox="1"/>
-          <p:nvPr/>
-        </p:nvSpPr>
-        <p:spPr>
-          <a:xfrm rot="16200000">
-            <a:off x="-146644" y="5103105"/>
-            <a:ext cx="1512168" cy="360040"/>
-          </a:xfrm>
-          <a:prstGeom prst="rect">
-            <a:avLst/>
-          </a:prstGeom>
-          <a:noFill/>
-        </p:spPr>
-        <p:txBody>
-          <a:bodyPr wrap="none" lIns="0" tIns="0" rIns="0" bIns="0" rtlCol="0">
-            <a:noAutofit/>
+      <p:sp>
+        <p:nvSpPr>
+          <p:cNvPr id="3" name="Content Placeholder 2"/>
+          <p:cNvSpPr>
+            <a:spLocks noGrp="1"/>
+          </p:cNvSpPr>
+          <p:nvPr>
+            <p:ph idx="1"/>
+          </p:nvPr>
+        </p:nvSpPr>
+        <p:spPr/>
+        <p:txBody>
+          <a:bodyPr>
+            <a:normAutofit/>
           </a:bodyPr>
           <a:lstStyle/>
           <a:p>
-            <a:pPr algn="ctr">
-              <a:lnSpc>
-                <a:spcPct val="90000"/>
-              </a:lnSpc>
-            </a:pPr>
-            <a:r>
-              <a:rPr lang="en-US" dirty="0" smtClean="0"/>
-              <a:t>Child Table</a:t>
-            </a:r>
-          </a:p>
-        </p:txBody>
-      </p:sp>
-      <p:sp>
-        <p:nvSpPr>
-          <p:cNvPr id="8" name="TextBox 7"/>
-          <p:cNvSpPr txBox="1"/>
-          <p:nvPr/>
-        </p:nvSpPr>
-        <p:spPr>
-          <a:xfrm rot="16200000">
-            <a:off x="-146643" y="2669121"/>
-            <a:ext cx="1512168" cy="360040"/>
-          </a:xfrm>
-          <a:prstGeom prst="rect">
-            <a:avLst/>
-          </a:prstGeom>
-          <a:noFill/>
-        </p:spPr>
-        <p:txBody>
-          <a:bodyPr wrap="none" lIns="0" tIns="0" rIns="0" bIns="0" rtlCol="0">
-            <a:noAutofit/>
-          </a:bodyPr>
-          <a:lstStyle/>
-          <a:p>
-            <a:pPr algn="ctr">
-              <a:lnSpc>
-                <a:spcPct val="90000"/>
-              </a:lnSpc>
-            </a:pPr>
-            <a:r>
-              <a:rPr lang="en-US" dirty="0" smtClean="0"/>
-              <a:t>Parent Table</a:t>
-            </a:r>
+            <a:r>
+              <a:rPr lang="en-US" sz="2400" dirty="0" smtClean="0"/>
+              <a:t>Data Warehouse Environment</a:t>
+            </a:r>
+          </a:p>
+          <a:p>
+            <a:pPr lvl="1"/>
+            <a:r>
+              <a:rPr lang="en-US" sz="2200" dirty="0" smtClean="0"/>
+              <a:t>Industrial </a:t>
+            </a:r>
+            <a:r>
+              <a:rPr lang="en-US" sz="2200" dirty="0" err="1" smtClean="0"/>
+              <a:t>IoT</a:t>
+            </a:r>
+            <a:r>
+              <a:rPr lang="en-US" sz="2200" dirty="0" smtClean="0"/>
+              <a:t> system used for engineering analytics</a:t>
+            </a:r>
+          </a:p>
+          <a:p>
+            <a:r>
+              <a:rPr lang="en-US" sz="2400" dirty="0" smtClean="0"/>
+              <a:t>Long Term Storage of Actively Used Tables</a:t>
+            </a:r>
+          </a:p>
+          <a:p>
+            <a:pPr lvl="1"/>
+            <a:r>
+              <a:rPr lang="en-US" sz="2200" dirty="0" smtClean="0"/>
+              <a:t>Tables are static.  No updates, lots </a:t>
+            </a:r>
+            <a:r>
+              <a:rPr lang="en-US" sz="2200" dirty="0" smtClean="0"/>
+              <a:t>of bulk inserts</a:t>
+            </a:r>
+          </a:p>
+          <a:p>
+            <a:pPr lvl="1"/>
+            <a:r>
+              <a:rPr lang="en-US" sz="2200" dirty="0" smtClean="0"/>
+              <a:t>Following results from child table with 1M rows and parent table with 1250 rows.</a:t>
+            </a:r>
+          </a:p>
+          <a:p>
+            <a:pPr lvl="1"/>
+            <a:r>
+              <a:rPr lang="en-US" sz="2200" dirty="0" smtClean="0"/>
+              <a:t>Typical tables are 100M – 30B rows</a:t>
+            </a:r>
+            <a:endParaRPr lang="en-US" sz="2200" dirty="0"/>
+          </a:p>
+          <a:p>
+            <a:r>
+              <a:rPr lang="en-US" sz="2400" dirty="0" smtClean="0"/>
+              <a:t>Analytics Queries on Parent/Child Table</a:t>
+            </a:r>
+            <a:r>
+              <a:rPr lang="en-US" sz="2200" dirty="0" smtClean="0"/>
+              <a:t>s</a:t>
+            </a:r>
+          </a:p>
+          <a:p>
+            <a:pPr lvl="1"/>
+            <a:r>
+              <a:rPr lang="en-US" sz="2000" dirty="0" smtClean="0"/>
+              <a:t>800:1 ratio (</a:t>
+            </a:r>
+            <a:r>
+              <a:rPr lang="en-US" sz="2000" dirty="0" err="1" smtClean="0"/>
+              <a:t>child:parent</a:t>
+            </a:r>
+            <a:r>
+              <a:rPr lang="en-US" sz="2000" dirty="0" smtClean="0"/>
+              <a:t>)</a:t>
+            </a:r>
+          </a:p>
+          <a:p>
+            <a:pPr lvl="1"/>
+            <a:r>
+              <a:rPr lang="en-US" sz="2000" dirty="0" smtClean="0"/>
+              <a:t>Typically used to </a:t>
+            </a:r>
+            <a:r>
+              <a:rPr lang="en-US" sz="2000" dirty="0" smtClean="0"/>
+              <a:t>create </a:t>
+            </a:r>
+            <a:r>
+              <a:rPr lang="en-US" sz="2000" dirty="0" smtClean="0"/>
+              <a:t>intermediate aggregation </a:t>
+            </a:r>
+            <a:r>
+              <a:rPr lang="en-US" sz="2000" dirty="0" smtClean="0"/>
+              <a:t>tables</a:t>
+            </a:r>
+            <a:endParaRPr lang="en-US" sz="2000" dirty="0" smtClean="0"/>
           </a:p>
         </p:txBody>
       </p:sp>
     </p:spTree>
     <p:extLst>
       <p:ext uri="{BB962C8B-B14F-4D97-AF65-F5344CB8AC3E}">
-        <p14:creationId xmlns:p14="http://schemas.microsoft.com/office/powerpoint/2010/main" val="4147423017"/>
+        <p14:creationId xmlns:p14="http://schemas.microsoft.com/office/powerpoint/2010/main" val="3070792847"/>
       </p:ext>
     </p:extLst>
   </p:cSld>
@@ -26733,7 +26767,11 @@
           <a:p>
             <a:r>
               <a:rPr lang="en-US" dirty="0" smtClean="0"/>
-              <a:t>Now that we know how the Oracle block compression algorithm works, can we organize the data to make it even better?</a:t>
+              <a:t>Now that we know how the Oracle block compression algorithm works, </a:t>
+            </a:r>
+            <a:r>
+              <a:rPr lang="en-US" dirty="0" smtClean="0"/>
+              <a:t>what knobs can we turn to improve compression?</a:t>
             </a:r>
             <a:endParaRPr lang="en-US" dirty="0"/>
           </a:p>
@@ -26862,7 +26900,18 @@
             <a:pPr lvl="1"/>
             <a:r>
               <a:rPr lang="en-US" dirty="0" smtClean="0"/>
-              <a:t>We know that at the block level Oracle creates tokens to replace the actual row values.</a:t>
+              <a:t>Data was sorted on lowest cardinality columns to highest.</a:t>
+            </a:r>
+          </a:p>
+          <a:p>
+            <a:pPr lvl="1"/>
+            <a:r>
+              <a:rPr lang="en-US" dirty="0" smtClean="0"/>
+              <a:t>We </a:t>
+            </a:r>
+            <a:r>
+              <a:rPr lang="en-US" dirty="0" smtClean="0"/>
+              <a:t>know that at the block level Oracle creates tokens to replace the actual row values.</a:t>
             </a:r>
           </a:p>
           <a:p>
@@ -26876,14 +26925,30 @@
             <a:pPr lvl="1"/>
             <a:r>
               <a:rPr lang="en-US" dirty="0" smtClean="0"/>
-              <a:t>We know that Oracle will rearrange columns in order to enable creating multi-column tokens</a:t>
-            </a:r>
+              <a:t>We know that Oracle will rearrange columns in order to enable creating </a:t>
+            </a:r>
+            <a:r>
+              <a:rPr lang="en-US" dirty="0" smtClean="0"/>
+              <a:t>multi-column symbols</a:t>
+            </a:r>
+            <a:endParaRPr lang="en-US" dirty="0" smtClean="0"/>
           </a:p>
           <a:p>
             <a:pPr lvl="1"/>
             <a:r>
               <a:rPr lang="en-US" dirty="0" smtClean="0"/>
-              <a:t>New compression ratio = 2.48X</a:t>
+              <a:t>New compression ratio = </a:t>
+            </a:r>
+            <a:r>
+              <a:rPr lang="en-US" dirty="0" smtClean="0"/>
+              <a:t>2.48X</a:t>
+            </a:r>
+          </a:p>
+          <a:p>
+            <a:pPr lvl="2"/>
+            <a:r>
+              <a:rPr lang="en-US" dirty="0" smtClean="0"/>
+              <a:t>25% smaller than the unsorted tables</a:t>
             </a:r>
             <a:endParaRPr lang="en-US" dirty="0"/>
           </a:p>
@@ -27012,8 +27077,13 @@
             <a:pPr lvl="1"/>
             <a:r>
               <a:rPr lang="en-US" dirty="0" smtClean="0"/>
-              <a:t>Block size really matters when you don’t sort the data before you insert.</a:t>
-            </a:r>
+              <a:t>Block size </a:t>
+            </a:r>
+            <a:r>
+              <a:rPr lang="en-US" dirty="0" smtClean="0"/>
+              <a:t>strongly influences compression when data isn’t sorted.</a:t>
+            </a:r>
+            <a:endParaRPr lang="en-US" dirty="0" smtClean="0"/>
           </a:p>
           <a:p>
             <a:pPr lvl="2"/>
@@ -27677,8 +27747,20 @@
             <a:pPr lvl="1"/>
             <a:r>
               <a:rPr lang="en-US" dirty="0" smtClean="0"/>
-              <a:t>In this example, that price is relatively small.</a:t>
-            </a:r>
+              <a:t>In this example, that price is relatively small</a:t>
+            </a:r>
+            <a:r>
+              <a:rPr lang="en-US" dirty="0" smtClean="0"/>
+              <a:t>.</a:t>
+            </a:r>
+          </a:p>
+          <a:p>
+            <a:pPr lvl="1"/>
+            <a:r>
+              <a:rPr lang="en-US" dirty="0" smtClean="0"/>
+              <a:t>As your parent/child ratio increases this will be more costly</a:t>
+            </a:r>
+            <a:endParaRPr lang="en-US" dirty="0" smtClean="0"/>
           </a:p>
           <a:p>
             <a:r>
@@ -27689,8 +27771,21 @@
           <a:p>
             <a:r>
               <a:rPr lang="en-US" dirty="0" smtClean="0"/>
-              <a:t>New compression ratio</a:t>
-            </a:r>
+              <a:t>New compression </a:t>
+            </a:r>
+            <a:r>
+              <a:rPr lang="en-US" dirty="0" smtClean="0"/>
+              <a:t>ratio for </a:t>
+            </a:r>
+            <a:r>
+              <a:rPr lang="en-US" dirty="0" err="1" smtClean="0"/>
+              <a:t>denormalized</a:t>
+            </a:r>
+            <a:r>
+              <a:rPr lang="en-US" dirty="0" smtClean="0"/>
+              <a:t> tables</a:t>
+            </a:r>
+            <a:endParaRPr lang="en-US" dirty="0" smtClean="0"/>
           </a:p>
           <a:p>
             <a:pPr lvl="1"/>
@@ -27719,7 +27814,7 @@
       </p:sp>
       <p:pic>
         <p:nvPicPr>
-          <p:cNvPr id="4" name="Picture 3"/>
+          <p:cNvPr id="3" name="Picture 2"/>
           <p:cNvPicPr>
             <a:picLocks noChangeAspect="1"/>
           </p:cNvPicPr>
@@ -27734,7 +27829,7 @@
         <p:spPr>
           <a:xfrm>
             <a:off x="0" y="1371600"/>
-            <a:ext cx="7557742" cy="5486400"/>
+            <a:ext cx="7565066" cy="5486400"/>
           </a:xfrm>
           <a:prstGeom prst="rect">
             <a:avLst/>
@@ -28183,13 +28278,33 @@
           <a:p>
             <a:r>
               <a:rPr lang="en-US" dirty="0" smtClean="0"/>
-              <a:t>Sorting your data can yield significant improvements on storage size.</a:t>
-            </a:r>
-          </a:p>
-          <a:p>
+              <a:t>Sorting your data can yield significant improvements on storage size</a:t>
+            </a:r>
             <a:r>
               <a:rPr lang="en-US" dirty="0" smtClean="0"/>
-              <a:t>There is a small price to pay for </a:t>
+              <a:t>.</a:t>
+            </a:r>
+          </a:p>
+          <a:p>
+            <a:pPr lvl="1"/>
+            <a:r>
+              <a:rPr lang="en-US" dirty="0" smtClean="0"/>
+              <a:t>Sorting columns lowest cardinality to highest cardinality was very effective using our test tables (25% improvement).</a:t>
+            </a:r>
+            <a:endParaRPr lang="en-US" dirty="0" smtClean="0"/>
+          </a:p>
+          <a:p>
+            <a:r>
+              <a:rPr lang="en-US" dirty="0" smtClean="0"/>
+              <a:t>In our system, t</a:t>
+            </a:r>
+            <a:r>
+              <a:rPr lang="en-US" dirty="0" smtClean="0"/>
+              <a:t>here </a:t>
+            </a:r>
+            <a:r>
+              <a:rPr lang="en-US" dirty="0" smtClean="0"/>
+              <a:t>is a small price to pay for </a:t>
             </a:r>
             <a:r>
               <a:rPr lang="en-US" dirty="0" err="1" smtClean="0"/>
@@ -28204,26 +28319,13 @@
             <a:pPr lvl="1"/>
             <a:r>
               <a:rPr lang="en-US" dirty="0" smtClean="0"/>
-              <a:t>There is a large improvement in query performance when these tables are combined.</a:t>
-            </a:r>
-          </a:p>
-          <a:p>
-            <a:r>
-              <a:rPr lang="en-US" dirty="0"/>
-              <a:t>N</a:t>
+              <a:t>There is a large improvement in query performance when these tables are combined</a:t>
             </a:r>
             <a:r>
               <a:rPr lang="en-US" dirty="0" smtClean="0"/>
-              <a:t>ormalizing warehouse data may result in smaller storage requirements, but greatly increases the complexity of a system.</a:t>
-            </a:r>
-          </a:p>
-          <a:p>
-            <a:pPr lvl="1"/>
-            <a:r>
-              <a:rPr lang="en-US" dirty="0" smtClean="0"/>
-              <a:t>For my system I really wish we would have never started off doing this and I am strongly considering backing out of that decision.</a:t>
-            </a:r>
-            <a:endParaRPr lang="en-US" dirty="0"/>
+              <a:t>.</a:t>
+            </a:r>
+            <a:endParaRPr lang="en-US" dirty="0" smtClean="0"/>
           </a:p>
         </p:txBody>
       </p:sp>
@@ -28271,913 +28373,282 @@
       </p:grpSpPr>
       <p:sp>
         <p:nvSpPr>
-          <p:cNvPr id="4" name="Title 3"/>
+          <p:cNvPr id="2" name="Title 1"/>
           <p:cNvSpPr>
             <a:spLocks noGrp="1"/>
           </p:cNvSpPr>
           <p:nvPr>
             <p:ph type="title"/>
           </p:nvPr>
+        </p:nvSpPr>
+        <p:spPr/>
+        <p:txBody>
+          <a:bodyPr/>
+          <a:lstStyle/>
+          <a:p>
+            <a:r>
+              <a:rPr lang="en-US" dirty="0" smtClean="0"/>
+              <a:t>Presentation Overview</a:t>
+            </a:r>
+            <a:endParaRPr lang="en-US" dirty="0"/>
+          </a:p>
+        </p:txBody>
+      </p:sp>
+      <p:sp>
+        <p:nvSpPr>
+          <p:cNvPr id="3" name="Content Placeholder 2"/>
+          <p:cNvSpPr txBox="1">
+            <a:spLocks/>
+          </p:cNvSpPr>
+          <p:nvPr/>
         </p:nvSpPr>
         <p:spPr>
           <a:xfrm>
-            <a:off x="609441" y="246254"/>
-            <a:ext cx="10969943" cy="502591"/>
-          </a:xfrm>
-        </p:spPr>
-        <p:txBody>
-          <a:bodyPr/>
-          <a:lstStyle/>
-          <a:p>
-            <a:r>
-              <a:rPr lang="en-US" sz="2800" dirty="0"/>
-              <a:t>Review of Data Blocks</a:t>
-            </a:r>
-            <a:endParaRPr lang="en-GB" sz="2800" dirty="0"/>
-          </a:p>
-        </p:txBody>
-      </p:sp>
-      <p:sp>
-        <p:nvSpPr>
-          <p:cNvPr id="5" name="TextBox 4"/>
-          <p:cNvSpPr txBox="1"/>
-          <p:nvPr/>
-        </p:nvSpPr>
-        <p:spPr>
-          <a:xfrm>
-            <a:off x="2316677" y="2109364"/>
-            <a:ext cx="9361007" cy="3590201"/>
+            <a:off x="609442" y="1351184"/>
+            <a:ext cx="10969942" cy="4800600"/>
           </a:xfrm>
           <a:prstGeom prst="rect">
             <a:avLst/>
           </a:prstGeom>
-          <a:noFill/>
-          <a:ln w="12700" cap="rnd" cmpd="sng">
-            <a:solidFill>
-              <a:schemeClr val="tx1">
-                <a:alpha val="50000"/>
-              </a:schemeClr>
-            </a:solidFill>
-            <a:prstDash val="sysDash"/>
-          </a:ln>
         </p:spPr>
         <p:txBody>
-          <a:bodyPr wrap="square" lIns="182832" tIns="182832" rIns="182832" bIns="182832" rtlCol="0">
-            <a:noAutofit/>
-          </a:bodyPr>
-          <a:lstStyle/>
-          <a:p>
-            <a:pPr>
+          <a:bodyPr/>
+          <a:lstStyle>
+            <a:lvl1pPr marL="182825" indent="-182825" algn="l" defTabSz="914126" rtl="0" eaLnBrk="1" latinLnBrk="0" hangingPunct="1">
               <a:lnSpc>
                 <a:spcPct val="90000"/>
               </a:lnSpc>
-            </a:pPr>
-            <a:r>
-              <a:rPr lang="en-US" sz="1799" dirty="0">
-                <a:solidFill>
-                  <a:srgbClr val="E5E8E8">
-                    <a:lumMod val="75000"/>
-                  </a:srgbClr>
-                </a:solidFill>
-                <a:latin typeface="Consolas" panose="020B0609020204030204" pitchFamily="49" charset="0"/>
-              </a:rPr>
-              <a:t>7FE32965FFF0</a:t>
-            </a:r>
-            <a:r>
-              <a:rPr lang="en-US" sz="1799" dirty="0">
-                <a:solidFill>
-                  <a:prstClr val="black"/>
-                </a:solidFill>
-                <a:latin typeface="Consolas" panose="020B0609020204030204" pitchFamily="49" charset="0"/>
-              </a:rPr>
-              <a:t> 43415004 01012C4B 54415203 7D970601  </a:t>
-            </a:r>
-            <a:r>
-              <a:rPr lang="en-US" sz="1799" b="1" dirty="0">
-                <a:solidFill>
-                  <a:prstClr val="black"/>
-                </a:solidFill>
-                <a:highlight>
-                  <a:srgbClr val="FFFF00"/>
-                </a:highlight>
-                <a:latin typeface="Consolas" panose="020B0609020204030204" pitchFamily="49" charset="0"/>
-                <a:ea typeface="Calibri" panose="020F0502020204030204" pitchFamily="34" charset="0"/>
-                <a:cs typeface="Times New Roman" panose="02020603050405020304" pitchFamily="18" charset="0"/>
-              </a:rPr>
-              <a:t>[.PACK,...RAT...}]</a:t>
-            </a:r>
-          </a:p>
-          <a:p>
-            <a:pPr>
+              <a:spcBef>
+                <a:spcPts val="1200"/>
+              </a:spcBef>
+              <a:buFont typeface="HP Simplified" panose="020B0604020204020204" pitchFamily="34" charset="0"/>
+              <a:buChar char="•"/>
+              <a:defRPr sz="1799" kern="1200">
+                <a:solidFill>
+                  <a:schemeClr val="tx1"/>
+                </a:solidFill>
+                <a:latin typeface="+mn-lt"/>
+                <a:ea typeface="+mn-ea"/>
+                <a:cs typeface="+mn-cs"/>
+              </a:defRPr>
+            </a:lvl1pPr>
+            <a:lvl2pPr marL="411357" indent="-182825" algn="l" defTabSz="914126" rtl="0" eaLnBrk="1" latinLnBrk="0" hangingPunct="1">
               <a:lnSpc>
                 <a:spcPct val="90000"/>
               </a:lnSpc>
-            </a:pPr>
-            <a:endParaRPr lang="en-US" sz="1799" dirty="0">
-              <a:solidFill>
-                <a:prstClr val="black"/>
-              </a:solidFill>
-              <a:latin typeface="Consolas" panose="020B0609020204030204" pitchFamily="49" charset="0"/>
-            </a:endParaRPr>
-          </a:p>
-          <a:p>
-            <a:pPr>
+              <a:spcBef>
+                <a:spcPts val="800"/>
+              </a:spcBef>
+              <a:buSzPct val="80000"/>
+              <a:buFont typeface="HP Simplified" panose="020B0604020204020204" pitchFamily="34" charset="0"/>
+              <a:buChar char="–"/>
+              <a:defRPr sz="1600" kern="1200">
+                <a:solidFill>
+                  <a:schemeClr val="tx1"/>
+                </a:solidFill>
+                <a:latin typeface="+mn-lt"/>
+                <a:ea typeface="+mn-ea"/>
+                <a:cs typeface="+mn-cs"/>
+              </a:defRPr>
+            </a:lvl2pPr>
+            <a:lvl3pPr marL="548475" indent="-137119" algn="l" defTabSz="914126" rtl="0" eaLnBrk="1" latinLnBrk="0" hangingPunct="1">
               <a:lnSpc>
                 <a:spcPct val="90000"/>
               </a:lnSpc>
-            </a:pPr>
-            <a:r>
-              <a:rPr lang="en-US" sz="1799" dirty="0">
-                <a:solidFill>
-                  <a:prstClr val="black"/>
-                </a:solidFill>
-                <a:latin typeface="Consolas" panose="020B0609020204030204" pitchFamily="49" charset="0"/>
-              </a:rPr>
-              <a:t>0xe:pti[0]      </a:t>
-            </a:r>
-            <a:r>
-              <a:rPr lang="en-US" sz="1799" b="1" dirty="0" err="1">
-                <a:solidFill>
-                  <a:prstClr val="black"/>
-                </a:solidFill>
-                <a:highlight>
-                  <a:srgbClr val="FFFF00"/>
-                </a:highlight>
-                <a:latin typeface="Consolas" panose="020B0609020204030204" pitchFamily="49" charset="0"/>
-                <a:ea typeface="Calibri" panose="020F0502020204030204" pitchFamily="34" charset="0"/>
-                <a:cs typeface="Times New Roman" panose="02020603050405020304" pitchFamily="18" charset="0"/>
-              </a:rPr>
-              <a:t>nrow</a:t>
-            </a:r>
-            <a:r>
-              <a:rPr lang="en-US" sz="1799" b="1" dirty="0">
-                <a:solidFill>
-                  <a:prstClr val="black"/>
-                </a:solidFill>
-                <a:highlight>
-                  <a:srgbClr val="FFFF00"/>
-                </a:highlight>
-                <a:latin typeface="Consolas" panose="020B0609020204030204" pitchFamily="49" charset="0"/>
-                <a:ea typeface="Calibri" panose="020F0502020204030204" pitchFamily="34" charset="0"/>
-                <a:cs typeface="Times New Roman" panose="02020603050405020304" pitchFamily="18" charset="0"/>
-              </a:rPr>
-              <a:t>=2</a:t>
-            </a:r>
-            <a:r>
-              <a:rPr lang="en-US" sz="1799" dirty="0">
-                <a:solidFill>
-                  <a:prstClr val="black"/>
-                </a:solidFill>
-                <a:latin typeface="Consolas" panose="020B0609020204030204" pitchFamily="49" charset="0"/>
-              </a:rPr>
-              <a:t>  offs=0</a:t>
-            </a:r>
-          </a:p>
-          <a:p>
-            <a:pPr>
+              <a:spcBef>
+                <a:spcPts val="600"/>
+              </a:spcBef>
+              <a:buFont typeface="HP Simplified" panose="020B0604020204020204" pitchFamily="34" charset="0"/>
+              <a:buChar char="•"/>
+              <a:defRPr sz="1400" kern="1200">
+                <a:solidFill>
+                  <a:schemeClr val="tx1"/>
+                </a:solidFill>
+                <a:latin typeface="+mn-lt"/>
+                <a:ea typeface="+mn-ea"/>
+                <a:cs typeface="+mn-cs"/>
+              </a:defRPr>
+            </a:lvl3pPr>
+            <a:lvl4pPr marL="731301" indent="-137119" algn="l" defTabSz="914126" rtl="0" eaLnBrk="1" latinLnBrk="0" hangingPunct="1">
               <a:lnSpc>
                 <a:spcPct val="90000"/>
               </a:lnSpc>
-            </a:pPr>
-            <a:r>
-              <a:rPr lang="en-US" sz="1799" dirty="0">
-                <a:solidFill>
-                  <a:prstClr val="black"/>
-                </a:solidFill>
-                <a:latin typeface="Consolas" panose="020B0609020204030204" pitchFamily="49" charset="0"/>
-              </a:rPr>
-              <a:t>0x12:pri[0]     offs=0x1f91</a:t>
-            </a:r>
-          </a:p>
-          <a:p>
-            <a:pPr>
+              <a:spcBef>
+                <a:spcPts val="600"/>
+              </a:spcBef>
+              <a:buSzPct val="80000"/>
+              <a:buFont typeface="HP Simplified" panose="020B0604020204020204" pitchFamily="34" charset="0"/>
+              <a:buChar char="–"/>
+              <a:defRPr sz="1200" kern="1200">
+                <a:solidFill>
+                  <a:schemeClr val="tx1"/>
+                </a:solidFill>
+                <a:latin typeface="+mn-lt"/>
+                <a:ea typeface="+mn-ea"/>
+                <a:cs typeface="+mn-cs"/>
+              </a:defRPr>
+            </a:lvl4pPr>
+            <a:lvl5pPr marL="868419" indent="-137119" algn="l" defTabSz="914126" rtl="0" eaLnBrk="1" latinLnBrk="0" hangingPunct="1">
               <a:lnSpc>
                 <a:spcPct val="90000"/>
               </a:lnSpc>
-            </a:pPr>
-            <a:r>
-              <a:rPr lang="en-US" sz="1799" dirty="0">
-                <a:solidFill>
-                  <a:prstClr val="black"/>
-                </a:solidFill>
-                <a:latin typeface="Consolas" panose="020B0609020204030204" pitchFamily="49" charset="0"/>
-              </a:rPr>
-              <a:t>0x14:pri[1]     offs=0x1f89</a:t>
-            </a:r>
-          </a:p>
-          <a:p>
-            <a:pPr>
+              <a:spcBef>
+                <a:spcPts val="600"/>
+              </a:spcBef>
+              <a:buFont typeface="HP Simplified" panose="020B0604020204020204" pitchFamily="34" charset="0"/>
+              <a:buChar char="•"/>
+              <a:defRPr sz="1200" kern="1200">
+                <a:solidFill>
+                  <a:schemeClr val="tx1"/>
+                </a:solidFill>
+                <a:latin typeface="+mn-lt"/>
+                <a:ea typeface="+mn-ea"/>
+                <a:cs typeface="+mn-cs"/>
+              </a:defRPr>
+            </a:lvl5pPr>
+            <a:lvl6pPr marL="1051245" indent="-137119" algn="l" defTabSz="914126" rtl="0" eaLnBrk="1" latinLnBrk="0" hangingPunct="1">
               <a:lnSpc>
                 <a:spcPct val="90000"/>
               </a:lnSpc>
-            </a:pPr>
-            <a:endParaRPr lang="en-US" sz="1799" dirty="0">
-              <a:solidFill>
-                <a:prstClr val="black"/>
-              </a:solidFill>
-              <a:latin typeface="Consolas" panose="020B0609020204030204" pitchFamily="49" charset="0"/>
-            </a:endParaRPr>
-          </a:p>
-          <a:p>
-            <a:pPr>
+              <a:spcBef>
+                <a:spcPts val="600"/>
+              </a:spcBef>
+              <a:buSzPct val="80000"/>
+              <a:buFont typeface="HP Simplified" panose="020B0604020204020204" pitchFamily="34" charset="0"/>
+              <a:buChar char="–"/>
+              <a:defRPr sz="1200" kern="1200">
+                <a:solidFill>
+                  <a:schemeClr val="tx1"/>
+                </a:solidFill>
+                <a:latin typeface="+mn-lt"/>
+                <a:ea typeface="+mn-ea"/>
+                <a:cs typeface="+mn-cs"/>
+              </a:defRPr>
+            </a:lvl6pPr>
+            <a:lvl7pPr marL="1188363" indent="-137119" algn="l" defTabSz="914126" rtl="0" eaLnBrk="1" latinLnBrk="0" hangingPunct="1">
               <a:lnSpc>
                 <a:spcPct val="90000"/>
               </a:lnSpc>
-            </a:pPr>
-            <a:r>
-              <a:rPr lang="en-US" sz="1799" dirty="0" err="1">
-                <a:solidFill>
-                  <a:prstClr val="black"/>
-                </a:solidFill>
-                <a:latin typeface="Consolas" panose="020B0609020204030204" pitchFamily="49" charset="0"/>
-              </a:rPr>
-              <a:t>block_row_dump</a:t>
-            </a:r>
-            <a:r>
-              <a:rPr lang="en-US" sz="1799" dirty="0">
-                <a:solidFill>
-                  <a:prstClr val="black"/>
-                </a:solidFill>
-                <a:latin typeface="Consolas" panose="020B0609020204030204" pitchFamily="49" charset="0"/>
-              </a:rPr>
-              <a:t>:</a:t>
-            </a:r>
-          </a:p>
-          <a:p>
-            <a:pPr>
+              <a:spcBef>
+                <a:spcPts val="600"/>
+              </a:spcBef>
+              <a:buFont typeface="HP Simplified" panose="020B0604020204020204" pitchFamily="34" charset="0"/>
+              <a:buChar char="•"/>
+              <a:defRPr sz="1200" kern="1200">
+                <a:solidFill>
+                  <a:schemeClr val="tx1"/>
+                </a:solidFill>
+                <a:latin typeface="+mn-lt"/>
+                <a:ea typeface="+mn-ea"/>
+                <a:cs typeface="+mn-cs"/>
+              </a:defRPr>
+            </a:lvl7pPr>
+            <a:lvl8pPr marL="1371189" indent="-137119" algn="l" defTabSz="914126" rtl="0" eaLnBrk="1" latinLnBrk="0" hangingPunct="1">
               <a:lnSpc>
                 <a:spcPct val="90000"/>
               </a:lnSpc>
-            </a:pPr>
-            <a:r>
-              <a:rPr lang="en-US" sz="1799" dirty="0">
-                <a:solidFill>
-                  <a:prstClr val="black"/>
-                </a:solidFill>
-                <a:latin typeface="Consolas" panose="020B0609020204030204" pitchFamily="49" charset="0"/>
-              </a:rPr>
-              <a:t>tab 0, </a:t>
-            </a:r>
-            <a:r>
-              <a:rPr lang="en-US" sz="1799" b="1" dirty="0">
-                <a:solidFill>
-                  <a:prstClr val="black"/>
-                </a:solidFill>
-                <a:highlight>
-                  <a:srgbClr val="FFFF00"/>
-                </a:highlight>
-                <a:latin typeface="Consolas" panose="020B0609020204030204" pitchFamily="49" charset="0"/>
-                <a:ea typeface="Calibri" panose="020F0502020204030204" pitchFamily="34" charset="0"/>
-                <a:cs typeface="Times New Roman" panose="02020603050405020304" pitchFamily="18" charset="0"/>
-              </a:rPr>
-              <a:t>row 0</a:t>
-            </a:r>
-            <a:r>
-              <a:rPr lang="en-US" sz="1799" dirty="0">
-                <a:solidFill>
-                  <a:prstClr val="black"/>
-                </a:solidFill>
-                <a:latin typeface="Consolas" panose="020B0609020204030204" pitchFamily="49" charset="0"/>
-              </a:rPr>
-              <a:t>, @0x1f91</a:t>
-            </a:r>
-          </a:p>
-          <a:p>
-            <a:pPr>
+              <a:spcBef>
+                <a:spcPts val="600"/>
+              </a:spcBef>
+              <a:buSzPct val="80000"/>
+              <a:buFont typeface="HP Simplified" panose="020B0604020204020204" pitchFamily="34" charset="0"/>
+              <a:buChar char="–"/>
+              <a:defRPr sz="1200" kern="1200">
+                <a:solidFill>
+                  <a:schemeClr val="tx1"/>
+                </a:solidFill>
+                <a:latin typeface="+mn-lt"/>
+                <a:ea typeface="+mn-ea"/>
+                <a:cs typeface="+mn-cs"/>
+              </a:defRPr>
+            </a:lvl8pPr>
+            <a:lvl9pPr marL="1554014" indent="-137119" algn="l" defTabSz="914126" rtl="0" eaLnBrk="1" latinLnBrk="0" hangingPunct="1">
               <a:lnSpc>
                 <a:spcPct val="90000"/>
               </a:lnSpc>
-            </a:pPr>
-            <a:r>
-              <a:rPr lang="en-US" sz="1799" dirty="0" err="1">
-                <a:solidFill>
-                  <a:prstClr val="black"/>
-                </a:solidFill>
-                <a:latin typeface="Consolas" panose="020B0609020204030204" pitchFamily="49" charset="0"/>
-              </a:rPr>
-              <a:t>tl</a:t>
-            </a:r>
-            <a:r>
-              <a:rPr lang="en-US" sz="1799" dirty="0">
-                <a:solidFill>
-                  <a:prstClr val="black"/>
-                </a:solidFill>
-                <a:latin typeface="Consolas" panose="020B0609020204030204" pitchFamily="49" charset="0"/>
-              </a:rPr>
-              <a:t>: 7 </a:t>
-            </a:r>
-            <a:r>
-              <a:rPr lang="en-US" sz="1799" dirty="0">
-                <a:solidFill>
-                  <a:srgbClr val="E5E8E8">
-                    <a:lumMod val="75000"/>
-                  </a:srgbClr>
-                </a:solidFill>
-                <a:latin typeface="Consolas" panose="020B0609020204030204" pitchFamily="49" charset="0"/>
-              </a:rPr>
-              <a:t>fb: --H-FL-- </a:t>
-            </a:r>
-            <a:r>
-              <a:rPr lang="en-US" sz="1799" dirty="0" err="1">
-                <a:solidFill>
-                  <a:srgbClr val="E5E8E8">
-                    <a:lumMod val="75000"/>
-                  </a:srgbClr>
-                </a:solidFill>
-                <a:latin typeface="Consolas" panose="020B0609020204030204" pitchFamily="49" charset="0"/>
-              </a:rPr>
-              <a:t>lb</a:t>
-            </a:r>
-            <a:r>
-              <a:rPr lang="en-US" sz="1799" dirty="0">
-                <a:solidFill>
-                  <a:srgbClr val="E5E8E8">
-                    <a:lumMod val="75000"/>
-                  </a:srgbClr>
-                </a:solidFill>
-                <a:latin typeface="Consolas" panose="020B0609020204030204" pitchFamily="49" charset="0"/>
-              </a:rPr>
-              <a:t>: 0x1  cc: 1</a:t>
-            </a:r>
-          </a:p>
-          <a:p>
-            <a:pPr>
-              <a:lnSpc>
-                <a:spcPct val="90000"/>
-              </a:lnSpc>
-            </a:pPr>
-            <a:r>
-              <a:rPr lang="en-US" sz="1799" dirty="0">
-                <a:solidFill>
-                  <a:prstClr val="black"/>
-                </a:solidFill>
-                <a:latin typeface="Consolas" panose="020B0609020204030204" pitchFamily="49" charset="0"/>
-              </a:rPr>
-              <a:t>col  0: [ 3]  </a:t>
-            </a:r>
-            <a:r>
-              <a:rPr lang="en-US" sz="1799" b="1" dirty="0">
-                <a:solidFill>
-                  <a:prstClr val="black"/>
-                </a:solidFill>
-                <a:highlight>
-                  <a:srgbClr val="FFFF00"/>
-                </a:highlight>
-                <a:latin typeface="Consolas" panose="020B0609020204030204" pitchFamily="49" charset="0"/>
-                <a:ea typeface="Calibri" panose="020F0502020204030204" pitchFamily="34" charset="0"/>
-                <a:cs typeface="Times New Roman" panose="02020603050405020304" pitchFamily="18" charset="0"/>
-              </a:rPr>
-              <a:t>52 41 54</a:t>
-            </a:r>
-          </a:p>
-          <a:p>
-            <a:pPr>
-              <a:lnSpc>
-                <a:spcPct val="90000"/>
-              </a:lnSpc>
-            </a:pPr>
-            <a:r>
-              <a:rPr lang="en-US" sz="1799" dirty="0">
-                <a:solidFill>
-                  <a:prstClr val="black"/>
-                </a:solidFill>
-                <a:latin typeface="Consolas" panose="020B0609020204030204" pitchFamily="49" charset="0"/>
-              </a:rPr>
-              <a:t>tab 0, </a:t>
-            </a:r>
-            <a:r>
-              <a:rPr lang="en-US" sz="1799" b="1" dirty="0">
-                <a:solidFill>
-                  <a:prstClr val="black"/>
-                </a:solidFill>
-                <a:highlight>
-                  <a:srgbClr val="FFFF00"/>
-                </a:highlight>
-                <a:latin typeface="Consolas" panose="020B0609020204030204" pitchFamily="49" charset="0"/>
-                <a:ea typeface="Calibri" panose="020F0502020204030204" pitchFamily="34" charset="0"/>
-                <a:cs typeface="Times New Roman" panose="02020603050405020304" pitchFamily="18" charset="0"/>
-              </a:rPr>
-              <a:t>row 1</a:t>
-            </a:r>
-            <a:r>
-              <a:rPr lang="en-US" sz="1799" dirty="0">
-                <a:solidFill>
-                  <a:prstClr val="black"/>
-                </a:solidFill>
-                <a:latin typeface="Consolas" panose="020B0609020204030204" pitchFamily="49" charset="0"/>
-              </a:rPr>
-              <a:t>, @0x1f89</a:t>
-            </a:r>
-          </a:p>
-          <a:p>
-            <a:pPr>
-              <a:lnSpc>
-                <a:spcPct val="90000"/>
-              </a:lnSpc>
-            </a:pPr>
-            <a:r>
-              <a:rPr lang="en-US" sz="1799" dirty="0" err="1">
-                <a:solidFill>
-                  <a:prstClr val="black"/>
-                </a:solidFill>
-                <a:latin typeface="Consolas" panose="020B0609020204030204" pitchFamily="49" charset="0"/>
-              </a:rPr>
-              <a:t>tl</a:t>
-            </a:r>
-            <a:r>
-              <a:rPr lang="en-US" sz="1799" dirty="0">
-                <a:solidFill>
-                  <a:prstClr val="black"/>
-                </a:solidFill>
-                <a:latin typeface="Consolas" panose="020B0609020204030204" pitchFamily="49" charset="0"/>
-              </a:rPr>
-              <a:t>: 8 </a:t>
-            </a:r>
-            <a:r>
-              <a:rPr lang="en-US" sz="1799" dirty="0">
-                <a:solidFill>
-                  <a:srgbClr val="E5E8E8">
-                    <a:lumMod val="75000"/>
-                  </a:srgbClr>
-                </a:solidFill>
-                <a:latin typeface="Consolas" panose="020B0609020204030204" pitchFamily="49" charset="0"/>
-              </a:rPr>
-              <a:t>fb: --H-FL-- </a:t>
-            </a:r>
-            <a:r>
-              <a:rPr lang="en-US" sz="1799" dirty="0" err="1">
-                <a:solidFill>
-                  <a:srgbClr val="E5E8E8">
-                    <a:lumMod val="75000"/>
-                  </a:srgbClr>
-                </a:solidFill>
-                <a:latin typeface="Consolas" panose="020B0609020204030204" pitchFamily="49" charset="0"/>
-              </a:rPr>
-              <a:t>lb</a:t>
-            </a:r>
-            <a:r>
-              <a:rPr lang="en-US" sz="1799" dirty="0">
-                <a:solidFill>
-                  <a:srgbClr val="E5E8E8">
-                    <a:lumMod val="75000"/>
-                  </a:srgbClr>
-                </a:solidFill>
-                <a:latin typeface="Consolas" panose="020B0609020204030204" pitchFamily="49" charset="0"/>
-              </a:rPr>
-              <a:t>: 0x1  cc: 1</a:t>
-            </a:r>
-          </a:p>
-          <a:p>
-            <a:pPr>
-              <a:lnSpc>
-                <a:spcPct val="90000"/>
-              </a:lnSpc>
-            </a:pPr>
-            <a:r>
-              <a:rPr lang="en-US" sz="1799" dirty="0">
-                <a:solidFill>
-                  <a:prstClr val="black"/>
-                </a:solidFill>
-                <a:latin typeface="Consolas" panose="020B0609020204030204" pitchFamily="49" charset="0"/>
-              </a:rPr>
-              <a:t>col  0: [ 4]  </a:t>
-            </a:r>
-            <a:r>
-              <a:rPr lang="en-US" sz="1799" b="1" dirty="0">
-                <a:solidFill>
-                  <a:prstClr val="black"/>
-                </a:solidFill>
-                <a:highlight>
-                  <a:srgbClr val="FFFF00"/>
-                </a:highlight>
-                <a:latin typeface="Consolas" panose="020B0609020204030204" pitchFamily="49" charset="0"/>
-                <a:ea typeface="Calibri" panose="020F0502020204030204" pitchFamily="34" charset="0"/>
-                <a:cs typeface="Times New Roman" panose="02020603050405020304" pitchFamily="18" charset="0"/>
-              </a:rPr>
-              <a:t>50 41 43 4b</a:t>
-            </a:r>
-          </a:p>
-          <a:p>
-            <a:pPr>
-              <a:lnSpc>
-                <a:spcPct val="90000"/>
-              </a:lnSpc>
-            </a:pPr>
-            <a:endParaRPr lang="en-US" sz="1799" dirty="0">
-              <a:solidFill>
-                <a:prstClr val="black"/>
-              </a:solidFill>
-              <a:latin typeface="Consolas" panose="020B0609020204030204" pitchFamily="49" charset="0"/>
-            </a:endParaRPr>
-          </a:p>
-          <a:p>
-            <a:pPr>
-              <a:lnSpc>
-                <a:spcPct val="90000"/>
-              </a:lnSpc>
-            </a:pPr>
-            <a:endParaRPr lang="en-US" sz="1799" dirty="0">
-              <a:solidFill>
-                <a:prstClr val="black"/>
-              </a:solidFill>
-              <a:latin typeface="Consolas" panose="020B0609020204030204" pitchFamily="49" charset="0"/>
-            </a:endParaRPr>
-          </a:p>
-          <a:p>
-            <a:pPr>
-              <a:lnSpc>
-                <a:spcPct val="90000"/>
-              </a:lnSpc>
-            </a:pPr>
-            <a:endParaRPr lang="en-US" sz="1799" dirty="0">
-              <a:solidFill>
-                <a:prstClr val="black"/>
-              </a:solidFill>
-              <a:latin typeface="Consolas" panose="020B0609020204030204" pitchFamily="49" charset="0"/>
-            </a:endParaRPr>
-          </a:p>
-        </p:txBody>
-      </p:sp>
-      <p:sp>
-        <p:nvSpPr>
-          <p:cNvPr id="6" name="Right Brace 5"/>
-          <p:cNvSpPr/>
-          <p:nvPr/>
-        </p:nvSpPr>
-        <p:spPr>
-          <a:xfrm rot="10800000">
-            <a:off x="2113257" y="3016439"/>
-            <a:ext cx="427401" cy="531440"/>
-          </a:xfrm>
-          <a:prstGeom prst="rightBrace">
-            <a:avLst>
-              <a:gd name="adj1" fmla="val 0"/>
-              <a:gd name="adj2" fmla="val 51316"/>
-            </a:avLst>
-          </a:prstGeom>
-          <a:ln w="19050">
-            <a:solidFill>
-              <a:schemeClr val="tx1"/>
-            </a:solidFill>
-            <a:miter lim="800000"/>
-          </a:ln>
-        </p:spPr>
-        <p:style>
-          <a:lnRef idx="1">
-            <a:schemeClr val="accent1"/>
-          </a:lnRef>
-          <a:fillRef idx="0">
-            <a:schemeClr val="accent1"/>
-          </a:fillRef>
-          <a:effectRef idx="0">
-            <a:schemeClr val="accent1"/>
-          </a:effectRef>
-          <a:fontRef idx="minor">
-            <a:schemeClr val="tx1"/>
-          </a:fontRef>
-        </p:style>
-        <p:txBody>
-          <a:bodyPr rtlCol="0" anchor="ctr"/>
-          <a:lstStyle/>
-          <a:p>
-            <a:pPr algn="ctr"/>
-            <a:endParaRPr lang="en-GB" sz="1799">
-              <a:solidFill>
-                <a:prstClr val="black"/>
-              </a:solidFill>
-            </a:endParaRPr>
-          </a:p>
-        </p:txBody>
-      </p:sp>
-      <p:sp>
-        <p:nvSpPr>
-          <p:cNvPr id="7" name="Right Brace 6"/>
-          <p:cNvSpPr/>
-          <p:nvPr/>
-        </p:nvSpPr>
-        <p:spPr>
-          <a:xfrm rot="16200000">
-            <a:off x="9558135" y="866578"/>
-            <a:ext cx="660894" cy="2491195"/>
-          </a:xfrm>
-          <a:prstGeom prst="rightBrace">
-            <a:avLst>
-              <a:gd name="adj1" fmla="val 0"/>
-              <a:gd name="adj2" fmla="val 51316"/>
-            </a:avLst>
-          </a:prstGeom>
-          <a:ln w="19050">
-            <a:solidFill>
-              <a:schemeClr val="tx1"/>
-            </a:solidFill>
-            <a:miter lim="800000"/>
-          </a:ln>
-        </p:spPr>
-        <p:style>
-          <a:lnRef idx="1">
-            <a:schemeClr val="accent1"/>
-          </a:lnRef>
-          <a:fillRef idx="0">
-            <a:schemeClr val="accent1"/>
-          </a:fillRef>
-          <a:effectRef idx="0">
-            <a:schemeClr val="accent1"/>
-          </a:effectRef>
-          <a:fontRef idx="minor">
-            <a:schemeClr val="tx1"/>
-          </a:fontRef>
-        </p:style>
-        <p:txBody>
-          <a:bodyPr rtlCol="0" anchor="ctr"/>
-          <a:lstStyle/>
-          <a:p>
-            <a:pPr algn="ctr"/>
-            <a:endParaRPr lang="en-GB" sz="1799">
-              <a:solidFill>
-                <a:prstClr val="black"/>
-              </a:solidFill>
-            </a:endParaRPr>
-          </a:p>
-        </p:txBody>
-      </p:sp>
-      <p:sp>
-        <p:nvSpPr>
-          <p:cNvPr id="8" name="TextBox 7"/>
-          <p:cNvSpPr txBox="1"/>
-          <p:nvPr/>
-        </p:nvSpPr>
-        <p:spPr>
-          <a:xfrm>
-            <a:off x="484784" y="3153829"/>
-            <a:ext cx="1468795" cy="256660"/>
-          </a:xfrm>
-          <a:prstGeom prst="rect">
-            <a:avLst/>
-          </a:prstGeom>
-          <a:noFill/>
-        </p:spPr>
-        <p:txBody>
-          <a:bodyPr wrap="none" lIns="0" tIns="0" rIns="0" bIns="0" rtlCol="0">
-            <a:noAutofit/>
-          </a:bodyPr>
-          <a:lstStyle/>
-          <a:p>
-            <a:pPr>
-              <a:lnSpc>
-                <a:spcPct val="90000"/>
-              </a:lnSpc>
-            </a:pPr>
-            <a:r>
-              <a:rPr lang="en-US" sz="1799" dirty="0">
-                <a:solidFill>
-                  <a:prstClr val="black"/>
-                </a:solidFill>
-              </a:rPr>
-              <a:t>row directory</a:t>
-            </a:r>
-            <a:endParaRPr lang="en-GB" sz="1799" dirty="0" err="1">
-              <a:solidFill>
-                <a:prstClr val="black"/>
-              </a:solidFill>
-            </a:endParaRPr>
-          </a:p>
-        </p:txBody>
-      </p:sp>
-      <p:sp>
-        <p:nvSpPr>
-          <p:cNvPr id="9" name="Right Brace 8"/>
-          <p:cNvSpPr/>
-          <p:nvPr/>
-        </p:nvSpPr>
-        <p:spPr>
-          <a:xfrm rot="16200000">
-            <a:off x="6027134" y="-173231"/>
-            <a:ext cx="660893" cy="4570810"/>
-          </a:xfrm>
-          <a:prstGeom prst="rightBrace">
-            <a:avLst>
-              <a:gd name="adj1" fmla="val 0"/>
-              <a:gd name="adj2" fmla="val 51316"/>
-            </a:avLst>
-          </a:prstGeom>
-          <a:ln w="19050">
-            <a:solidFill>
-              <a:schemeClr val="tx1"/>
-            </a:solidFill>
-            <a:miter lim="800000"/>
-          </a:ln>
-        </p:spPr>
-        <p:style>
-          <a:lnRef idx="1">
-            <a:schemeClr val="accent1"/>
-          </a:lnRef>
-          <a:fillRef idx="0">
-            <a:schemeClr val="accent1"/>
-          </a:fillRef>
-          <a:effectRef idx="0">
-            <a:schemeClr val="accent1"/>
-          </a:effectRef>
-          <a:fontRef idx="minor">
-            <a:schemeClr val="tx1"/>
-          </a:fontRef>
-        </p:style>
-        <p:txBody>
-          <a:bodyPr rtlCol="0" anchor="ctr"/>
-          <a:lstStyle/>
-          <a:p>
-            <a:pPr algn="ctr"/>
-            <a:endParaRPr lang="en-GB" sz="1799">
-              <a:solidFill>
-                <a:prstClr val="black"/>
-              </a:solidFill>
-            </a:endParaRPr>
-          </a:p>
-        </p:txBody>
-      </p:sp>
-      <p:sp>
-        <p:nvSpPr>
-          <p:cNvPr id="10" name="Right Brace 9"/>
-          <p:cNvSpPr/>
-          <p:nvPr/>
-        </p:nvSpPr>
-        <p:spPr>
-          <a:xfrm rot="10800000">
-            <a:off x="2101384" y="3740646"/>
-            <a:ext cx="437299" cy="1780840"/>
-          </a:xfrm>
-          <a:prstGeom prst="rightBrace">
-            <a:avLst>
-              <a:gd name="adj1" fmla="val 0"/>
-              <a:gd name="adj2" fmla="val 49911"/>
-            </a:avLst>
-          </a:prstGeom>
-          <a:ln w="19050">
-            <a:solidFill>
-              <a:schemeClr val="tx1"/>
-            </a:solidFill>
-            <a:miter lim="800000"/>
-          </a:ln>
-        </p:spPr>
-        <p:style>
-          <a:lnRef idx="1">
-            <a:schemeClr val="accent1"/>
-          </a:lnRef>
-          <a:fillRef idx="0">
-            <a:schemeClr val="accent1"/>
-          </a:fillRef>
-          <a:effectRef idx="0">
-            <a:schemeClr val="accent1"/>
-          </a:effectRef>
-          <a:fontRef idx="minor">
-            <a:schemeClr val="tx1"/>
-          </a:fontRef>
-        </p:style>
-        <p:txBody>
-          <a:bodyPr rtlCol="0" anchor="ctr"/>
-          <a:lstStyle/>
-          <a:p>
-            <a:pPr algn="ctr"/>
-            <a:endParaRPr lang="en-GB" sz="1799">
-              <a:solidFill>
-                <a:prstClr val="black"/>
-              </a:solidFill>
-            </a:endParaRPr>
-          </a:p>
-        </p:txBody>
-      </p:sp>
-      <p:sp>
-        <p:nvSpPr>
-          <p:cNvPr id="12" name="TextBox 11"/>
-          <p:cNvSpPr txBox="1"/>
-          <p:nvPr/>
-        </p:nvSpPr>
-        <p:spPr>
-          <a:xfrm>
-            <a:off x="484784" y="4495111"/>
-            <a:ext cx="1437142" cy="242804"/>
-          </a:xfrm>
-          <a:prstGeom prst="rect">
-            <a:avLst/>
-          </a:prstGeom>
-          <a:noFill/>
-        </p:spPr>
-        <p:txBody>
-          <a:bodyPr wrap="none" lIns="0" tIns="0" rIns="0" bIns="0" rtlCol="0">
-            <a:noAutofit/>
-          </a:bodyPr>
-          <a:lstStyle/>
-          <a:p>
-            <a:pPr>
-              <a:lnSpc>
-                <a:spcPct val="90000"/>
-              </a:lnSpc>
-            </a:pPr>
-            <a:r>
-              <a:rPr lang="en-US" sz="1799" dirty="0">
-                <a:solidFill>
-                  <a:prstClr val="black"/>
-                </a:solidFill>
-              </a:rPr>
-              <a:t>human friendly</a:t>
-            </a:r>
-            <a:endParaRPr lang="en-GB" sz="1799" dirty="0" err="1">
-              <a:solidFill>
-                <a:prstClr val="black"/>
-              </a:solidFill>
-            </a:endParaRPr>
-          </a:p>
-        </p:txBody>
-      </p:sp>
-      <p:sp>
-        <p:nvSpPr>
-          <p:cNvPr id="13" name="TextBox 12"/>
-          <p:cNvSpPr txBox="1"/>
-          <p:nvPr/>
-        </p:nvSpPr>
-        <p:spPr>
-          <a:xfrm>
-            <a:off x="5631271" y="1395879"/>
-            <a:ext cx="1437142" cy="320551"/>
-          </a:xfrm>
-          <a:prstGeom prst="rect">
-            <a:avLst/>
-          </a:prstGeom>
-          <a:noFill/>
-        </p:spPr>
-        <p:txBody>
-          <a:bodyPr wrap="none" lIns="0" tIns="0" rIns="0" bIns="0" rtlCol="0">
-            <a:noAutofit/>
-          </a:bodyPr>
-          <a:lstStyle/>
-          <a:p>
-            <a:pPr>
-              <a:lnSpc>
-                <a:spcPct val="90000"/>
-              </a:lnSpc>
-            </a:pPr>
-            <a:r>
-              <a:rPr lang="en-US" sz="1799" dirty="0">
-                <a:solidFill>
-                  <a:prstClr val="black"/>
-                </a:solidFill>
-              </a:rPr>
-              <a:t>block dump in hex</a:t>
-            </a:r>
-            <a:endParaRPr lang="en-GB" sz="1799" dirty="0" err="1">
-              <a:solidFill>
-                <a:prstClr val="black"/>
-              </a:solidFill>
-            </a:endParaRPr>
-          </a:p>
-        </p:txBody>
-      </p:sp>
-      <p:sp>
-        <p:nvSpPr>
-          <p:cNvPr id="14" name="TextBox 13"/>
-          <p:cNvSpPr txBox="1"/>
-          <p:nvPr/>
-        </p:nvSpPr>
-        <p:spPr>
-          <a:xfrm>
-            <a:off x="9226575" y="1395879"/>
-            <a:ext cx="1437142" cy="320551"/>
-          </a:xfrm>
-          <a:prstGeom prst="rect">
-            <a:avLst/>
-          </a:prstGeom>
-          <a:noFill/>
-        </p:spPr>
-        <p:txBody>
-          <a:bodyPr wrap="none" lIns="0" tIns="0" rIns="0" bIns="0" rtlCol="0">
-            <a:noAutofit/>
-          </a:bodyPr>
-          <a:lstStyle/>
-          <a:p>
-            <a:pPr>
-              <a:lnSpc>
-                <a:spcPct val="90000"/>
-              </a:lnSpc>
-            </a:pPr>
-            <a:r>
-              <a:rPr lang="en-US" sz="1799" dirty="0">
-                <a:solidFill>
-                  <a:prstClr val="black"/>
-                </a:solidFill>
-              </a:rPr>
-              <a:t>human readable </a:t>
-            </a:r>
-            <a:endParaRPr lang="en-GB" sz="1799" dirty="0" err="1">
-              <a:solidFill>
-                <a:prstClr val="black"/>
-              </a:solidFill>
-            </a:endParaRPr>
+              <a:spcBef>
+                <a:spcPts val="600"/>
+              </a:spcBef>
+              <a:buFont typeface="HP Simplified" panose="020B0604020204020204" pitchFamily="34" charset="0"/>
+              <a:buChar char="•"/>
+              <a:defRPr sz="1200" kern="1200">
+                <a:solidFill>
+                  <a:schemeClr val="tx1"/>
+                </a:solidFill>
+                <a:latin typeface="+mn-lt"/>
+                <a:ea typeface="+mn-ea"/>
+                <a:cs typeface="+mn-cs"/>
+              </a:defRPr>
+            </a:lvl9pPr>
+          </a:lstStyle>
+          <a:p>
+            <a:r>
+              <a:rPr lang="en-US" sz="2400" dirty="0" smtClean="0"/>
+              <a:t>Compression Options</a:t>
+            </a:r>
+          </a:p>
+          <a:p>
+            <a:pPr lvl="1"/>
+            <a:r>
+              <a:rPr lang="en-US" sz="2201" dirty="0" smtClean="0"/>
+              <a:t> basic vs. advanced</a:t>
+            </a:r>
+          </a:p>
+          <a:p>
+            <a:r>
+              <a:rPr lang="en-US" sz="2400" dirty="0" smtClean="0"/>
+              <a:t>Block Compression Fundamentals</a:t>
+            </a:r>
+          </a:p>
+          <a:p>
+            <a:pPr lvl="1"/>
+            <a:r>
+              <a:rPr lang="en-US" sz="2201" dirty="0" smtClean="0"/>
+              <a:t>What’s going on under the hood</a:t>
+            </a:r>
+          </a:p>
+          <a:p>
+            <a:r>
+              <a:rPr lang="en-US" sz="2400" dirty="0" smtClean="0"/>
+              <a:t>Experimental Results</a:t>
+            </a:r>
+          </a:p>
+          <a:p>
+            <a:pPr lvl="1"/>
+            <a:r>
+              <a:rPr lang="en-US" sz="2201" dirty="0" smtClean="0"/>
+              <a:t>Compression Ratio</a:t>
+            </a:r>
+          </a:p>
+          <a:p>
+            <a:pPr lvl="1"/>
+            <a:r>
+              <a:rPr lang="en-US" sz="2201" dirty="0" smtClean="0"/>
+              <a:t>CPU Usage</a:t>
+            </a:r>
+          </a:p>
+          <a:p>
+            <a:r>
+              <a:rPr lang="en-US" sz="2400" dirty="0" smtClean="0"/>
+              <a:t>Conclusions/Future Work</a:t>
+            </a:r>
+          </a:p>
+          <a:p>
+            <a:r>
+              <a:rPr lang="en-US" sz="2400" dirty="0" smtClean="0"/>
+              <a:t>Questions</a:t>
+            </a:r>
+          </a:p>
+          <a:p>
+            <a:pPr lvl="1"/>
+            <a:endParaRPr lang="en-US" sz="2400" dirty="0"/>
           </a:p>
         </p:txBody>
       </p:sp>
     </p:spTree>
     <p:extLst>
       <p:ext uri="{BB962C8B-B14F-4D97-AF65-F5344CB8AC3E}">
-        <p14:creationId xmlns:p14="http://schemas.microsoft.com/office/powerpoint/2010/main" val="452249250"/>
+        <p14:creationId xmlns:p14="http://schemas.microsoft.com/office/powerpoint/2010/main" val="229901723"/>
       </p:ext>
     </p:extLst>
   </p:cSld>
@@ -29196,17 +28667,100 @@
       </p:transition>
     </mc:Fallback>
   </mc:AlternateContent>
-  <p:timing>
-    <p:tnLst>
-      <p:par>
-        <p:cTn id="1" dur="indefinite" restart="never" nodeType="tmRoot"/>
-      </p:par>
-    </p:tnLst>
-  </p:timing>
 </p:sld>
 </file>
 
 <file path=ppt/slides/slide20.xml><?xml version="1.0" encoding="utf-8"?>
+<p:sld xmlns:a="http://schemas.openxmlformats.org/drawingml/2006/main" xmlns:r="http://schemas.openxmlformats.org/officeDocument/2006/relationships" xmlns:p="http://schemas.openxmlformats.org/presentationml/2006/main">
+  <p:cSld>
+    <p:spTree>
+      <p:nvGrpSpPr>
+        <p:cNvPr id="1" name=""/>
+        <p:cNvGrpSpPr/>
+        <p:nvPr/>
+      </p:nvGrpSpPr>
+      <p:grpSpPr>
+        <a:xfrm>
+          <a:off x="0" y="0"/>
+          <a:ext cx="0" cy="0"/>
+          <a:chOff x="0" y="0"/>
+          <a:chExt cx="0" cy="0"/>
+        </a:xfrm>
+      </p:grpSpPr>
+      <p:sp>
+        <p:nvSpPr>
+          <p:cNvPr id="2" name="Title 1"/>
+          <p:cNvSpPr>
+            <a:spLocks noGrp="1"/>
+          </p:cNvSpPr>
+          <p:nvPr>
+            <p:ph type="title"/>
+          </p:nvPr>
+        </p:nvSpPr>
+        <p:spPr/>
+        <p:txBody>
+          <a:bodyPr/>
+          <a:lstStyle/>
+          <a:p>
+            <a:r>
+              <a:rPr lang="en-US" dirty="0" smtClean="0"/>
+              <a:t>Future Work</a:t>
+            </a:r>
+            <a:endParaRPr lang="en-US" dirty="0"/>
+          </a:p>
+        </p:txBody>
+      </p:sp>
+      <p:sp>
+        <p:nvSpPr>
+          <p:cNvPr id="3" name="Content Placeholder 2"/>
+          <p:cNvSpPr>
+            <a:spLocks noGrp="1"/>
+          </p:cNvSpPr>
+          <p:nvPr>
+            <p:ph idx="1"/>
+          </p:nvPr>
+        </p:nvSpPr>
+        <p:spPr/>
+        <p:txBody>
+          <a:bodyPr/>
+          <a:lstStyle/>
+          <a:p>
+            <a:r>
+              <a:rPr lang="en-US" dirty="0" smtClean="0"/>
+              <a:t>Experiment with very wide tables</a:t>
+            </a:r>
+          </a:p>
+          <a:p>
+            <a:endParaRPr lang="en-US" dirty="0"/>
+          </a:p>
+        </p:txBody>
+      </p:sp>
+    </p:spTree>
+    <p:extLst>
+      <p:ext uri="{BB962C8B-B14F-4D97-AF65-F5344CB8AC3E}">
+        <p14:creationId xmlns:p14="http://schemas.microsoft.com/office/powerpoint/2010/main" val="2925791000"/>
+      </p:ext>
+    </p:extLst>
+  </p:cSld>
+  <p:clrMapOvr>
+    <a:masterClrMapping/>
+  </p:clrMapOvr>
+  <mc:AlternateContent xmlns:mc="http://schemas.openxmlformats.org/markup-compatibility/2006" xmlns:p14="http://schemas.microsoft.com/office/powerpoint/2010/main">
+    <mc:Choice Requires="p14">
+      <p:transition spd="med" p14:dur="700">
+        <p:fade/>
+      </p:transition>
+    </mc:Choice>
+    <mc:Fallback xmlns="">
+      <p:transition spd="med">
+        <p:fade/>
+      </p:transition>
+    </mc:Fallback>
+  </mc:AlternateContent>
+</p:sld>
+</file>
+
+<file path=ppt/slides/slide21.xml><?xml version="1.0" encoding="utf-8"?>
 <p:sld xmlns:a="http://schemas.openxmlformats.org/drawingml/2006/main" xmlns:r="http://schemas.openxmlformats.org/officeDocument/2006/relationships" xmlns:p="http://schemas.openxmlformats.org/presentationml/2006/main">
   <p:cSld>
     <p:spTree>
@@ -29551,6 +29105,960 @@
       </p:grpSpPr>
       <p:sp>
         <p:nvSpPr>
+          <p:cNvPr id="4" name="Title 3"/>
+          <p:cNvSpPr>
+            <a:spLocks noGrp="1"/>
+          </p:cNvSpPr>
+          <p:nvPr>
+            <p:ph type="title"/>
+          </p:nvPr>
+        </p:nvSpPr>
+        <p:spPr>
+          <a:xfrm>
+            <a:off x="609441" y="246254"/>
+            <a:ext cx="10969943" cy="502591"/>
+          </a:xfrm>
+        </p:spPr>
+        <p:txBody>
+          <a:bodyPr/>
+          <a:lstStyle/>
+          <a:p>
+            <a:r>
+              <a:rPr lang="en-US" sz="2800" dirty="0"/>
+              <a:t>Review of Data Blocks</a:t>
+            </a:r>
+            <a:endParaRPr lang="en-GB" sz="2800" dirty="0"/>
+          </a:p>
+        </p:txBody>
+      </p:sp>
+      <p:sp>
+        <p:nvSpPr>
+          <p:cNvPr id="5" name="TextBox 4"/>
+          <p:cNvSpPr txBox="1"/>
+          <p:nvPr/>
+        </p:nvSpPr>
+        <p:spPr>
+          <a:xfrm>
+            <a:off x="2316677" y="2109364"/>
+            <a:ext cx="9361007" cy="3590201"/>
+          </a:xfrm>
+          <a:prstGeom prst="rect">
+            <a:avLst/>
+          </a:prstGeom>
+          <a:noFill/>
+          <a:ln w="12700" cap="rnd" cmpd="sng">
+            <a:solidFill>
+              <a:schemeClr val="tx1">
+                <a:alpha val="50000"/>
+              </a:schemeClr>
+            </a:solidFill>
+            <a:prstDash val="sysDash"/>
+          </a:ln>
+        </p:spPr>
+        <p:txBody>
+          <a:bodyPr wrap="square" lIns="182832" tIns="182832" rIns="182832" bIns="182832" rtlCol="0">
+            <a:noAutofit/>
+          </a:bodyPr>
+          <a:lstStyle/>
+          <a:p>
+            <a:pPr>
+              <a:lnSpc>
+                <a:spcPct val="90000"/>
+              </a:lnSpc>
+            </a:pPr>
+            <a:r>
+              <a:rPr lang="en-US" sz="1799" dirty="0">
+                <a:solidFill>
+                  <a:srgbClr val="E5E8E8">
+                    <a:lumMod val="75000"/>
+                  </a:srgbClr>
+                </a:solidFill>
+                <a:latin typeface="Consolas" panose="020B0609020204030204" pitchFamily="49" charset="0"/>
+              </a:rPr>
+              <a:t>7FE32965FFF0</a:t>
+            </a:r>
+            <a:r>
+              <a:rPr lang="en-US" sz="1799" dirty="0">
+                <a:solidFill>
+                  <a:prstClr val="black"/>
+                </a:solidFill>
+                <a:latin typeface="Consolas" panose="020B0609020204030204" pitchFamily="49" charset="0"/>
+              </a:rPr>
+              <a:t> 43415004 01012C4B 54415203 7D970601  </a:t>
+            </a:r>
+            <a:r>
+              <a:rPr lang="en-US" sz="1799" b="1" dirty="0">
+                <a:solidFill>
+                  <a:prstClr val="black"/>
+                </a:solidFill>
+                <a:highlight>
+                  <a:srgbClr val="FFFF00"/>
+                </a:highlight>
+                <a:latin typeface="Consolas" panose="020B0609020204030204" pitchFamily="49" charset="0"/>
+                <a:ea typeface="Calibri" panose="020F0502020204030204" pitchFamily="34" charset="0"/>
+                <a:cs typeface="Times New Roman" panose="02020603050405020304" pitchFamily="18" charset="0"/>
+              </a:rPr>
+              <a:t>[.PACK,...RAT...}]</a:t>
+            </a:r>
+          </a:p>
+          <a:p>
+            <a:pPr>
+              <a:lnSpc>
+                <a:spcPct val="90000"/>
+              </a:lnSpc>
+            </a:pPr>
+            <a:endParaRPr lang="en-US" sz="1799" dirty="0">
+              <a:solidFill>
+                <a:prstClr val="black"/>
+              </a:solidFill>
+              <a:latin typeface="Consolas" panose="020B0609020204030204" pitchFamily="49" charset="0"/>
+            </a:endParaRPr>
+          </a:p>
+          <a:p>
+            <a:pPr>
+              <a:lnSpc>
+                <a:spcPct val="90000"/>
+              </a:lnSpc>
+            </a:pPr>
+            <a:r>
+              <a:rPr lang="en-US" sz="1799" dirty="0">
+                <a:solidFill>
+                  <a:prstClr val="black"/>
+                </a:solidFill>
+                <a:latin typeface="Consolas" panose="020B0609020204030204" pitchFamily="49" charset="0"/>
+              </a:rPr>
+              <a:t>0xe:pti[0]      </a:t>
+            </a:r>
+            <a:r>
+              <a:rPr lang="en-US" sz="1799" b="1" dirty="0" err="1">
+                <a:solidFill>
+                  <a:prstClr val="black"/>
+                </a:solidFill>
+                <a:highlight>
+                  <a:srgbClr val="FFFF00"/>
+                </a:highlight>
+                <a:latin typeface="Consolas" panose="020B0609020204030204" pitchFamily="49" charset="0"/>
+                <a:ea typeface="Calibri" panose="020F0502020204030204" pitchFamily="34" charset="0"/>
+                <a:cs typeface="Times New Roman" panose="02020603050405020304" pitchFamily="18" charset="0"/>
+              </a:rPr>
+              <a:t>nrow</a:t>
+            </a:r>
+            <a:r>
+              <a:rPr lang="en-US" sz="1799" b="1" dirty="0">
+                <a:solidFill>
+                  <a:prstClr val="black"/>
+                </a:solidFill>
+                <a:highlight>
+                  <a:srgbClr val="FFFF00"/>
+                </a:highlight>
+                <a:latin typeface="Consolas" panose="020B0609020204030204" pitchFamily="49" charset="0"/>
+                <a:ea typeface="Calibri" panose="020F0502020204030204" pitchFamily="34" charset="0"/>
+                <a:cs typeface="Times New Roman" panose="02020603050405020304" pitchFamily="18" charset="0"/>
+              </a:rPr>
+              <a:t>=2</a:t>
+            </a:r>
+            <a:r>
+              <a:rPr lang="en-US" sz="1799" dirty="0">
+                <a:solidFill>
+                  <a:prstClr val="black"/>
+                </a:solidFill>
+                <a:latin typeface="Consolas" panose="020B0609020204030204" pitchFamily="49" charset="0"/>
+              </a:rPr>
+              <a:t>  offs=0</a:t>
+            </a:r>
+          </a:p>
+          <a:p>
+            <a:pPr>
+              <a:lnSpc>
+                <a:spcPct val="90000"/>
+              </a:lnSpc>
+            </a:pPr>
+            <a:r>
+              <a:rPr lang="en-US" sz="1799" dirty="0">
+                <a:solidFill>
+                  <a:prstClr val="black"/>
+                </a:solidFill>
+                <a:latin typeface="Consolas" panose="020B0609020204030204" pitchFamily="49" charset="0"/>
+              </a:rPr>
+              <a:t>0x12:pri[0]     offs=0x1f91</a:t>
+            </a:r>
+          </a:p>
+          <a:p>
+            <a:pPr>
+              <a:lnSpc>
+                <a:spcPct val="90000"/>
+              </a:lnSpc>
+            </a:pPr>
+            <a:r>
+              <a:rPr lang="en-US" sz="1799" dirty="0">
+                <a:solidFill>
+                  <a:prstClr val="black"/>
+                </a:solidFill>
+                <a:latin typeface="Consolas" panose="020B0609020204030204" pitchFamily="49" charset="0"/>
+              </a:rPr>
+              <a:t>0x14:pri[1]     offs=0x1f89</a:t>
+            </a:r>
+          </a:p>
+          <a:p>
+            <a:pPr>
+              <a:lnSpc>
+                <a:spcPct val="90000"/>
+              </a:lnSpc>
+            </a:pPr>
+            <a:endParaRPr lang="en-US" sz="1799" dirty="0">
+              <a:solidFill>
+                <a:prstClr val="black"/>
+              </a:solidFill>
+              <a:latin typeface="Consolas" panose="020B0609020204030204" pitchFamily="49" charset="0"/>
+            </a:endParaRPr>
+          </a:p>
+          <a:p>
+            <a:pPr>
+              <a:lnSpc>
+                <a:spcPct val="90000"/>
+              </a:lnSpc>
+            </a:pPr>
+            <a:r>
+              <a:rPr lang="en-US" sz="1799" dirty="0" err="1">
+                <a:solidFill>
+                  <a:prstClr val="black"/>
+                </a:solidFill>
+                <a:latin typeface="Consolas" panose="020B0609020204030204" pitchFamily="49" charset="0"/>
+              </a:rPr>
+              <a:t>block_row_dump</a:t>
+            </a:r>
+            <a:r>
+              <a:rPr lang="en-US" sz="1799" dirty="0">
+                <a:solidFill>
+                  <a:prstClr val="black"/>
+                </a:solidFill>
+                <a:latin typeface="Consolas" panose="020B0609020204030204" pitchFamily="49" charset="0"/>
+              </a:rPr>
+              <a:t>:</a:t>
+            </a:r>
+          </a:p>
+          <a:p>
+            <a:pPr>
+              <a:lnSpc>
+                <a:spcPct val="90000"/>
+              </a:lnSpc>
+            </a:pPr>
+            <a:r>
+              <a:rPr lang="en-US" sz="1799" dirty="0">
+                <a:solidFill>
+                  <a:prstClr val="black"/>
+                </a:solidFill>
+                <a:latin typeface="Consolas" panose="020B0609020204030204" pitchFamily="49" charset="0"/>
+              </a:rPr>
+              <a:t>tab 0, </a:t>
+            </a:r>
+            <a:r>
+              <a:rPr lang="en-US" sz="1799" b="1" dirty="0">
+                <a:solidFill>
+                  <a:prstClr val="black"/>
+                </a:solidFill>
+                <a:highlight>
+                  <a:srgbClr val="FFFF00"/>
+                </a:highlight>
+                <a:latin typeface="Consolas" panose="020B0609020204030204" pitchFamily="49" charset="0"/>
+                <a:ea typeface="Calibri" panose="020F0502020204030204" pitchFamily="34" charset="0"/>
+                <a:cs typeface="Times New Roman" panose="02020603050405020304" pitchFamily="18" charset="0"/>
+              </a:rPr>
+              <a:t>row 0</a:t>
+            </a:r>
+            <a:r>
+              <a:rPr lang="en-US" sz="1799" dirty="0">
+                <a:solidFill>
+                  <a:prstClr val="black"/>
+                </a:solidFill>
+                <a:latin typeface="Consolas" panose="020B0609020204030204" pitchFamily="49" charset="0"/>
+              </a:rPr>
+              <a:t>, @0x1f91</a:t>
+            </a:r>
+          </a:p>
+          <a:p>
+            <a:pPr>
+              <a:lnSpc>
+                <a:spcPct val="90000"/>
+              </a:lnSpc>
+            </a:pPr>
+            <a:r>
+              <a:rPr lang="en-US" sz="1799" dirty="0" err="1">
+                <a:solidFill>
+                  <a:prstClr val="black"/>
+                </a:solidFill>
+                <a:latin typeface="Consolas" panose="020B0609020204030204" pitchFamily="49" charset="0"/>
+              </a:rPr>
+              <a:t>tl</a:t>
+            </a:r>
+            <a:r>
+              <a:rPr lang="en-US" sz="1799" dirty="0">
+                <a:solidFill>
+                  <a:prstClr val="black"/>
+                </a:solidFill>
+                <a:latin typeface="Consolas" panose="020B0609020204030204" pitchFamily="49" charset="0"/>
+              </a:rPr>
+              <a:t>: 7 </a:t>
+            </a:r>
+            <a:r>
+              <a:rPr lang="en-US" sz="1799" dirty="0">
+                <a:solidFill>
+                  <a:srgbClr val="E5E8E8">
+                    <a:lumMod val="75000"/>
+                  </a:srgbClr>
+                </a:solidFill>
+                <a:latin typeface="Consolas" panose="020B0609020204030204" pitchFamily="49" charset="0"/>
+              </a:rPr>
+              <a:t>fb: --H-FL-- </a:t>
+            </a:r>
+            <a:r>
+              <a:rPr lang="en-US" sz="1799" dirty="0" err="1">
+                <a:solidFill>
+                  <a:srgbClr val="E5E8E8">
+                    <a:lumMod val="75000"/>
+                  </a:srgbClr>
+                </a:solidFill>
+                <a:latin typeface="Consolas" panose="020B0609020204030204" pitchFamily="49" charset="0"/>
+              </a:rPr>
+              <a:t>lb</a:t>
+            </a:r>
+            <a:r>
+              <a:rPr lang="en-US" sz="1799" dirty="0">
+                <a:solidFill>
+                  <a:srgbClr val="E5E8E8">
+                    <a:lumMod val="75000"/>
+                  </a:srgbClr>
+                </a:solidFill>
+                <a:latin typeface="Consolas" panose="020B0609020204030204" pitchFamily="49" charset="0"/>
+              </a:rPr>
+              <a:t>: 0x1  cc: 1</a:t>
+            </a:r>
+          </a:p>
+          <a:p>
+            <a:pPr>
+              <a:lnSpc>
+                <a:spcPct val="90000"/>
+              </a:lnSpc>
+            </a:pPr>
+            <a:r>
+              <a:rPr lang="en-US" sz="1799" dirty="0">
+                <a:solidFill>
+                  <a:prstClr val="black"/>
+                </a:solidFill>
+                <a:latin typeface="Consolas" panose="020B0609020204030204" pitchFamily="49" charset="0"/>
+              </a:rPr>
+              <a:t>col  0: [ 3]  </a:t>
+            </a:r>
+            <a:r>
+              <a:rPr lang="en-US" sz="1799" b="1" dirty="0">
+                <a:solidFill>
+                  <a:prstClr val="black"/>
+                </a:solidFill>
+                <a:highlight>
+                  <a:srgbClr val="FFFF00"/>
+                </a:highlight>
+                <a:latin typeface="Consolas" panose="020B0609020204030204" pitchFamily="49" charset="0"/>
+                <a:ea typeface="Calibri" panose="020F0502020204030204" pitchFamily="34" charset="0"/>
+                <a:cs typeface="Times New Roman" panose="02020603050405020304" pitchFamily="18" charset="0"/>
+              </a:rPr>
+              <a:t>52 41 54</a:t>
+            </a:r>
+          </a:p>
+          <a:p>
+            <a:pPr>
+              <a:lnSpc>
+                <a:spcPct val="90000"/>
+              </a:lnSpc>
+            </a:pPr>
+            <a:r>
+              <a:rPr lang="en-US" sz="1799" dirty="0">
+                <a:solidFill>
+                  <a:prstClr val="black"/>
+                </a:solidFill>
+                <a:latin typeface="Consolas" panose="020B0609020204030204" pitchFamily="49" charset="0"/>
+              </a:rPr>
+              <a:t>tab 0, </a:t>
+            </a:r>
+            <a:r>
+              <a:rPr lang="en-US" sz="1799" b="1" dirty="0">
+                <a:solidFill>
+                  <a:prstClr val="black"/>
+                </a:solidFill>
+                <a:highlight>
+                  <a:srgbClr val="FFFF00"/>
+                </a:highlight>
+                <a:latin typeface="Consolas" panose="020B0609020204030204" pitchFamily="49" charset="0"/>
+                <a:ea typeface="Calibri" panose="020F0502020204030204" pitchFamily="34" charset="0"/>
+                <a:cs typeface="Times New Roman" panose="02020603050405020304" pitchFamily="18" charset="0"/>
+              </a:rPr>
+              <a:t>row 1</a:t>
+            </a:r>
+            <a:r>
+              <a:rPr lang="en-US" sz="1799" dirty="0">
+                <a:solidFill>
+                  <a:prstClr val="black"/>
+                </a:solidFill>
+                <a:latin typeface="Consolas" panose="020B0609020204030204" pitchFamily="49" charset="0"/>
+              </a:rPr>
+              <a:t>, @0x1f89</a:t>
+            </a:r>
+          </a:p>
+          <a:p>
+            <a:pPr>
+              <a:lnSpc>
+                <a:spcPct val="90000"/>
+              </a:lnSpc>
+            </a:pPr>
+            <a:r>
+              <a:rPr lang="en-US" sz="1799" dirty="0" err="1">
+                <a:solidFill>
+                  <a:prstClr val="black"/>
+                </a:solidFill>
+                <a:latin typeface="Consolas" panose="020B0609020204030204" pitchFamily="49" charset="0"/>
+              </a:rPr>
+              <a:t>tl</a:t>
+            </a:r>
+            <a:r>
+              <a:rPr lang="en-US" sz="1799" dirty="0">
+                <a:solidFill>
+                  <a:prstClr val="black"/>
+                </a:solidFill>
+                <a:latin typeface="Consolas" panose="020B0609020204030204" pitchFamily="49" charset="0"/>
+              </a:rPr>
+              <a:t>: 8 </a:t>
+            </a:r>
+            <a:r>
+              <a:rPr lang="en-US" sz="1799" dirty="0">
+                <a:solidFill>
+                  <a:srgbClr val="E5E8E8">
+                    <a:lumMod val="75000"/>
+                  </a:srgbClr>
+                </a:solidFill>
+                <a:latin typeface="Consolas" panose="020B0609020204030204" pitchFamily="49" charset="0"/>
+              </a:rPr>
+              <a:t>fb: --H-FL-- </a:t>
+            </a:r>
+            <a:r>
+              <a:rPr lang="en-US" sz="1799" dirty="0" err="1">
+                <a:solidFill>
+                  <a:srgbClr val="E5E8E8">
+                    <a:lumMod val="75000"/>
+                  </a:srgbClr>
+                </a:solidFill>
+                <a:latin typeface="Consolas" panose="020B0609020204030204" pitchFamily="49" charset="0"/>
+              </a:rPr>
+              <a:t>lb</a:t>
+            </a:r>
+            <a:r>
+              <a:rPr lang="en-US" sz="1799" dirty="0">
+                <a:solidFill>
+                  <a:srgbClr val="E5E8E8">
+                    <a:lumMod val="75000"/>
+                  </a:srgbClr>
+                </a:solidFill>
+                <a:latin typeface="Consolas" panose="020B0609020204030204" pitchFamily="49" charset="0"/>
+              </a:rPr>
+              <a:t>: 0x1  cc: 1</a:t>
+            </a:r>
+          </a:p>
+          <a:p>
+            <a:pPr>
+              <a:lnSpc>
+                <a:spcPct val="90000"/>
+              </a:lnSpc>
+            </a:pPr>
+            <a:r>
+              <a:rPr lang="en-US" sz="1799" dirty="0">
+                <a:solidFill>
+                  <a:prstClr val="black"/>
+                </a:solidFill>
+                <a:latin typeface="Consolas" panose="020B0609020204030204" pitchFamily="49" charset="0"/>
+              </a:rPr>
+              <a:t>col  0: [ 4]  </a:t>
+            </a:r>
+            <a:r>
+              <a:rPr lang="en-US" sz="1799" b="1" dirty="0">
+                <a:solidFill>
+                  <a:prstClr val="black"/>
+                </a:solidFill>
+                <a:highlight>
+                  <a:srgbClr val="FFFF00"/>
+                </a:highlight>
+                <a:latin typeface="Consolas" panose="020B0609020204030204" pitchFamily="49" charset="0"/>
+                <a:ea typeface="Calibri" panose="020F0502020204030204" pitchFamily="34" charset="0"/>
+                <a:cs typeface="Times New Roman" panose="02020603050405020304" pitchFamily="18" charset="0"/>
+              </a:rPr>
+              <a:t>50 41 43 4b</a:t>
+            </a:r>
+          </a:p>
+          <a:p>
+            <a:pPr>
+              <a:lnSpc>
+                <a:spcPct val="90000"/>
+              </a:lnSpc>
+            </a:pPr>
+            <a:endParaRPr lang="en-US" sz="1799" dirty="0">
+              <a:solidFill>
+                <a:prstClr val="black"/>
+              </a:solidFill>
+              <a:latin typeface="Consolas" panose="020B0609020204030204" pitchFamily="49" charset="0"/>
+            </a:endParaRPr>
+          </a:p>
+          <a:p>
+            <a:pPr>
+              <a:lnSpc>
+                <a:spcPct val="90000"/>
+              </a:lnSpc>
+            </a:pPr>
+            <a:endParaRPr lang="en-US" sz="1799" dirty="0">
+              <a:solidFill>
+                <a:prstClr val="black"/>
+              </a:solidFill>
+              <a:latin typeface="Consolas" panose="020B0609020204030204" pitchFamily="49" charset="0"/>
+            </a:endParaRPr>
+          </a:p>
+          <a:p>
+            <a:pPr>
+              <a:lnSpc>
+                <a:spcPct val="90000"/>
+              </a:lnSpc>
+            </a:pPr>
+            <a:endParaRPr lang="en-US" sz="1799" dirty="0">
+              <a:solidFill>
+                <a:prstClr val="black"/>
+              </a:solidFill>
+              <a:latin typeface="Consolas" panose="020B0609020204030204" pitchFamily="49" charset="0"/>
+            </a:endParaRPr>
+          </a:p>
+        </p:txBody>
+      </p:sp>
+      <p:sp>
+        <p:nvSpPr>
+          <p:cNvPr id="6" name="Right Brace 5"/>
+          <p:cNvSpPr/>
+          <p:nvPr/>
+        </p:nvSpPr>
+        <p:spPr>
+          <a:xfrm rot="10800000">
+            <a:off x="2113257" y="3016439"/>
+            <a:ext cx="427401" cy="531440"/>
+          </a:xfrm>
+          <a:prstGeom prst="rightBrace">
+            <a:avLst>
+              <a:gd name="adj1" fmla="val 0"/>
+              <a:gd name="adj2" fmla="val 51316"/>
+            </a:avLst>
+          </a:prstGeom>
+          <a:ln w="19050">
+            <a:solidFill>
+              <a:schemeClr val="tx1"/>
+            </a:solidFill>
+            <a:miter lim="800000"/>
+          </a:ln>
+        </p:spPr>
+        <p:style>
+          <a:lnRef idx="1">
+            <a:schemeClr val="accent1"/>
+          </a:lnRef>
+          <a:fillRef idx="0">
+            <a:schemeClr val="accent1"/>
+          </a:fillRef>
+          <a:effectRef idx="0">
+            <a:schemeClr val="accent1"/>
+          </a:effectRef>
+          <a:fontRef idx="minor">
+            <a:schemeClr val="tx1"/>
+          </a:fontRef>
+        </p:style>
+        <p:txBody>
+          <a:bodyPr rtlCol="0" anchor="ctr"/>
+          <a:lstStyle/>
+          <a:p>
+            <a:pPr algn="ctr"/>
+            <a:endParaRPr lang="en-GB" sz="1799">
+              <a:solidFill>
+                <a:prstClr val="black"/>
+              </a:solidFill>
+            </a:endParaRPr>
+          </a:p>
+        </p:txBody>
+      </p:sp>
+      <p:sp>
+        <p:nvSpPr>
+          <p:cNvPr id="7" name="Right Brace 6"/>
+          <p:cNvSpPr/>
+          <p:nvPr/>
+        </p:nvSpPr>
+        <p:spPr>
+          <a:xfrm rot="16200000">
+            <a:off x="9558135" y="866578"/>
+            <a:ext cx="660894" cy="2491195"/>
+          </a:xfrm>
+          <a:prstGeom prst="rightBrace">
+            <a:avLst>
+              <a:gd name="adj1" fmla="val 0"/>
+              <a:gd name="adj2" fmla="val 51316"/>
+            </a:avLst>
+          </a:prstGeom>
+          <a:ln w="19050">
+            <a:solidFill>
+              <a:schemeClr val="tx1"/>
+            </a:solidFill>
+            <a:miter lim="800000"/>
+          </a:ln>
+        </p:spPr>
+        <p:style>
+          <a:lnRef idx="1">
+            <a:schemeClr val="accent1"/>
+          </a:lnRef>
+          <a:fillRef idx="0">
+            <a:schemeClr val="accent1"/>
+          </a:fillRef>
+          <a:effectRef idx="0">
+            <a:schemeClr val="accent1"/>
+          </a:effectRef>
+          <a:fontRef idx="minor">
+            <a:schemeClr val="tx1"/>
+          </a:fontRef>
+        </p:style>
+        <p:txBody>
+          <a:bodyPr rtlCol="0" anchor="ctr"/>
+          <a:lstStyle/>
+          <a:p>
+            <a:pPr algn="ctr"/>
+            <a:endParaRPr lang="en-GB" sz="1799">
+              <a:solidFill>
+                <a:prstClr val="black"/>
+              </a:solidFill>
+            </a:endParaRPr>
+          </a:p>
+        </p:txBody>
+      </p:sp>
+      <p:sp>
+        <p:nvSpPr>
+          <p:cNvPr id="8" name="TextBox 7"/>
+          <p:cNvSpPr txBox="1"/>
+          <p:nvPr/>
+        </p:nvSpPr>
+        <p:spPr>
+          <a:xfrm>
+            <a:off x="484784" y="3153829"/>
+            <a:ext cx="1468795" cy="256660"/>
+          </a:xfrm>
+          <a:prstGeom prst="rect">
+            <a:avLst/>
+          </a:prstGeom>
+          <a:noFill/>
+        </p:spPr>
+        <p:txBody>
+          <a:bodyPr wrap="none" lIns="0" tIns="0" rIns="0" bIns="0" rtlCol="0">
+            <a:noAutofit/>
+          </a:bodyPr>
+          <a:lstStyle/>
+          <a:p>
+            <a:pPr>
+              <a:lnSpc>
+                <a:spcPct val="90000"/>
+              </a:lnSpc>
+            </a:pPr>
+            <a:r>
+              <a:rPr lang="en-US" sz="1799" dirty="0">
+                <a:solidFill>
+                  <a:prstClr val="black"/>
+                </a:solidFill>
+              </a:rPr>
+              <a:t>row directory</a:t>
+            </a:r>
+            <a:endParaRPr lang="en-GB" sz="1799" dirty="0" err="1">
+              <a:solidFill>
+                <a:prstClr val="black"/>
+              </a:solidFill>
+            </a:endParaRPr>
+          </a:p>
+        </p:txBody>
+      </p:sp>
+      <p:sp>
+        <p:nvSpPr>
+          <p:cNvPr id="9" name="Right Brace 8"/>
+          <p:cNvSpPr/>
+          <p:nvPr/>
+        </p:nvSpPr>
+        <p:spPr>
+          <a:xfrm rot="16200000">
+            <a:off x="6027134" y="-173231"/>
+            <a:ext cx="660893" cy="4570810"/>
+          </a:xfrm>
+          <a:prstGeom prst="rightBrace">
+            <a:avLst>
+              <a:gd name="adj1" fmla="val 0"/>
+              <a:gd name="adj2" fmla="val 51316"/>
+            </a:avLst>
+          </a:prstGeom>
+          <a:ln w="19050">
+            <a:solidFill>
+              <a:schemeClr val="tx1"/>
+            </a:solidFill>
+            <a:miter lim="800000"/>
+          </a:ln>
+        </p:spPr>
+        <p:style>
+          <a:lnRef idx="1">
+            <a:schemeClr val="accent1"/>
+          </a:lnRef>
+          <a:fillRef idx="0">
+            <a:schemeClr val="accent1"/>
+          </a:fillRef>
+          <a:effectRef idx="0">
+            <a:schemeClr val="accent1"/>
+          </a:effectRef>
+          <a:fontRef idx="minor">
+            <a:schemeClr val="tx1"/>
+          </a:fontRef>
+        </p:style>
+        <p:txBody>
+          <a:bodyPr rtlCol="0" anchor="ctr"/>
+          <a:lstStyle/>
+          <a:p>
+            <a:pPr algn="ctr"/>
+            <a:endParaRPr lang="en-GB" sz="1799">
+              <a:solidFill>
+                <a:prstClr val="black"/>
+              </a:solidFill>
+            </a:endParaRPr>
+          </a:p>
+        </p:txBody>
+      </p:sp>
+      <p:sp>
+        <p:nvSpPr>
+          <p:cNvPr id="10" name="Right Brace 9"/>
+          <p:cNvSpPr/>
+          <p:nvPr/>
+        </p:nvSpPr>
+        <p:spPr>
+          <a:xfrm rot="10800000">
+            <a:off x="2101384" y="3740646"/>
+            <a:ext cx="437299" cy="1780840"/>
+          </a:xfrm>
+          <a:prstGeom prst="rightBrace">
+            <a:avLst>
+              <a:gd name="adj1" fmla="val 0"/>
+              <a:gd name="adj2" fmla="val 49911"/>
+            </a:avLst>
+          </a:prstGeom>
+          <a:ln w="19050">
+            <a:solidFill>
+              <a:schemeClr val="tx1"/>
+            </a:solidFill>
+            <a:miter lim="800000"/>
+          </a:ln>
+        </p:spPr>
+        <p:style>
+          <a:lnRef idx="1">
+            <a:schemeClr val="accent1"/>
+          </a:lnRef>
+          <a:fillRef idx="0">
+            <a:schemeClr val="accent1"/>
+          </a:fillRef>
+          <a:effectRef idx="0">
+            <a:schemeClr val="accent1"/>
+          </a:effectRef>
+          <a:fontRef idx="minor">
+            <a:schemeClr val="tx1"/>
+          </a:fontRef>
+        </p:style>
+        <p:txBody>
+          <a:bodyPr rtlCol="0" anchor="ctr"/>
+          <a:lstStyle/>
+          <a:p>
+            <a:pPr algn="ctr"/>
+            <a:endParaRPr lang="en-GB" sz="1799">
+              <a:solidFill>
+                <a:prstClr val="black"/>
+              </a:solidFill>
+            </a:endParaRPr>
+          </a:p>
+        </p:txBody>
+      </p:sp>
+      <p:sp>
+        <p:nvSpPr>
+          <p:cNvPr id="12" name="TextBox 11"/>
+          <p:cNvSpPr txBox="1"/>
+          <p:nvPr/>
+        </p:nvSpPr>
+        <p:spPr>
+          <a:xfrm>
+            <a:off x="484784" y="4495111"/>
+            <a:ext cx="1437142" cy="242804"/>
+          </a:xfrm>
+          <a:prstGeom prst="rect">
+            <a:avLst/>
+          </a:prstGeom>
+          <a:noFill/>
+        </p:spPr>
+        <p:txBody>
+          <a:bodyPr wrap="none" lIns="0" tIns="0" rIns="0" bIns="0" rtlCol="0">
+            <a:noAutofit/>
+          </a:bodyPr>
+          <a:lstStyle/>
+          <a:p>
+            <a:pPr>
+              <a:lnSpc>
+                <a:spcPct val="90000"/>
+              </a:lnSpc>
+            </a:pPr>
+            <a:r>
+              <a:rPr lang="en-US" sz="1799" dirty="0">
+                <a:solidFill>
+                  <a:prstClr val="black"/>
+                </a:solidFill>
+              </a:rPr>
+              <a:t>human friendly</a:t>
+            </a:r>
+            <a:endParaRPr lang="en-GB" sz="1799" dirty="0" err="1">
+              <a:solidFill>
+                <a:prstClr val="black"/>
+              </a:solidFill>
+            </a:endParaRPr>
+          </a:p>
+        </p:txBody>
+      </p:sp>
+      <p:sp>
+        <p:nvSpPr>
+          <p:cNvPr id="13" name="TextBox 12"/>
+          <p:cNvSpPr txBox="1"/>
+          <p:nvPr/>
+        </p:nvSpPr>
+        <p:spPr>
+          <a:xfrm>
+            <a:off x="5631271" y="1395879"/>
+            <a:ext cx="1437142" cy="320551"/>
+          </a:xfrm>
+          <a:prstGeom prst="rect">
+            <a:avLst/>
+          </a:prstGeom>
+          <a:noFill/>
+        </p:spPr>
+        <p:txBody>
+          <a:bodyPr wrap="none" lIns="0" tIns="0" rIns="0" bIns="0" rtlCol="0">
+            <a:noAutofit/>
+          </a:bodyPr>
+          <a:lstStyle/>
+          <a:p>
+            <a:pPr>
+              <a:lnSpc>
+                <a:spcPct val="90000"/>
+              </a:lnSpc>
+            </a:pPr>
+            <a:r>
+              <a:rPr lang="en-US" sz="1799" dirty="0">
+                <a:solidFill>
+                  <a:prstClr val="black"/>
+                </a:solidFill>
+              </a:rPr>
+              <a:t>block dump in hex</a:t>
+            </a:r>
+            <a:endParaRPr lang="en-GB" sz="1799" dirty="0" err="1">
+              <a:solidFill>
+                <a:prstClr val="black"/>
+              </a:solidFill>
+            </a:endParaRPr>
+          </a:p>
+        </p:txBody>
+      </p:sp>
+      <p:sp>
+        <p:nvSpPr>
+          <p:cNvPr id="14" name="TextBox 13"/>
+          <p:cNvSpPr txBox="1"/>
+          <p:nvPr/>
+        </p:nvSpPr>
+        <p:spPr>
+          <a:xfrm>
+            <a:off x="9226575" y="1395879"/>
+            <a:ext cx="1437142" cy="320551"/>
+          </a:xfrm>
+          <a:prstGeom prst="rect">
+            <a:avLst/>
+          </a:prstGeom>
+          <a:noFill/>
+        </p:spPr>
+        <p:txBody>
+          <a:bodyPr wrap="none" lIns="0" tIns="0" rIns="0" bIns="0" rtlCol="0">
+            <a:noAutofit/>
+          </a:bodyPr>
+          <a:lstStyle/>
+          <a:p>
+            <a:pPr>
+              <a:lnSpc>
+                <a:spcPct val="90000"/>
+              </a:lnSpc>
+            </a:pPr>
+            <a:r>
+              <a:rPr lang="en-US" sz="1799" dirty="0">
+                <a:solidFill>
+                  <a:prstClr val="black"/>
+                </a:solidFill>
+              </a:rPr>
+              <a:t>human readable </a:t>
+            </a:r>
+            <a:endParaRPr lang="en-GB" sz="1799" dirty="0" err="1">
+              <a:solidFill>
+                <a:prstClr val="black"/>
+              </a:solidFill>
+            </a:endParaRPr>
+          </a:p>
+        </p:txBody>
+      </p:sp>
+    </p:spTree>
+    <p:extLst>
+      <p:ext uri="{BB962C8B-B14F-4D97-AF65-F5344CB8AC3E}">
+        <p14:creationId xmlns:p14="http://schemas.microsoft.com/office/powerpoint/2010/main" val="452249250"/>
+      </p:ext>
+    </p:extLst>
+  </p:cSld>
+  <p:clrMapOvr>
+    <a:masterClrMapping/>
+  </p:clrMapOvr>
+  <mc:AlternateContent xmlns:mc="http://schemas.openxmlformats.org/markup-compatibility/2006" xmlns:p14="http://schemas.microsoft.com/office/powerpoint/2010/main">
+    <mc:Choice Requires="p14">
+      <p:transition spd="med" p14:dur="700">
+        <p:fade/>
+      </p:transition>
+    </mc:Choice>
+    <mc:Fallback xmlns="">
+      <p:transition spd="med">
+        <p:fade/>
+      </p:transition>
+    </mc:Fallback>
+  </mc:AlternateContent>
+  <p:timing>
+    <p:tnLst>
+      <p:par>
+        <p:cTn id="1" dur="indefinite" restart="never" nodeType="tmRoot"/>
+      </p:par>
+    </p:tnLst>
+  </p:timing>
+</p:sld>
+</file>
+
+<file path=ppt/slides/slide4.xml><?xml version="1.0" encoding="utf-8"?>
+<p:sld xmlns:a="http://schemas.openxmlformats.org/drawingml/2006/main" xmlns:r="http://schemas.openxmlformats.org/officeDocument/2006/relationships" xmlns:p="http://schemas.openxmlformats.org/presentationml/2006/main">
+  <p:cSld>
+    <p:spTree>
+      <p:nvGrpSpPr>
+        <p:cNvPr id="1" name=""/>
+        <p:cNvGrpSpPr/>
+        <p:nvPr/>
+      </p:nvGrpSpPr>
+      <p:grpSpPr>
+        <a:xfrm>
+          <a:off x="0" y="0"/>
+          <a:ext cx="0" cy="0"/>
+          <a:chOff x="0" y="0"/>
+          <a:chExt cx="0" cy="0"/>
+        </a:xfrm>
+      </p:grpSpPr>
+      <p:sp>
+        <p:nvSpPr>
           <p:cNvPr id="5" name="Title 3"/>
           <p:cNvSpPr txBox="1">
             <a:spLocks/>
@@ -29738,14 +30246,6 @@
                 </a:solidFill>
               </a:rPr>
               <a:t>Included with EE</a:t>
-            </a:r>
-            <a:r>
-              <a:rPr lang="en-US" sz="1799" dirty="0" smtClean="0">
-                <a:solidFill>
-                  <a:prstClr val="black"/>
-                </a:solidFill>
-              </a:rPr>
-              <a:t/>
             </a:r>
             <a:br>
               <a:rPr lang="en-US" sz="1799" dirty="0" smtClean="0">
@@ -29950,7 +30450,7 @@
 </p:sld>
 </file>
 
-<file path=ppt/slides/slide4.xml><?xml version="1.0" encoding="utf-8"?>
+<file path=ppt/slides/slide5.xml><?xml version="1.0" encoding="utf-8"?>
 <p:sld xmlns:a="http://schemas.openxmlformats.org/drawingml/2006/main" xmlns:r="http://schemas.openxmlformats.org/officeDocument/2006/relationships" xmlns:p="http://schemas.openxmlformats.org/presentationml/2006/main">
   <p:cSld>
     <p:spTree>
@@ -30867,7 +31367,7 @@
 </p:sld>
 </file>
 
-<file path=ppt/slides/slide5.xml><?xml version="1.0" encoding="utf-8"?>
+<file path=ppt/slides/slide6.xml><?xml version="1.0" encoding="utf-8"?>
 <p:sld xmlns:a="http://schemas.openxmlformats.org/drawingml/2006/main" xmlns:r="http://schemas.openxmlformats.org/officeDocument/2006/relationships" xmlns:p="http://schemas.openxmlformats.org/presentationml/2006/main">
   <p:cSld>
     <p:spTree>
@@ -31059,15 +31559,7 @@
                   <a:prstClr val="black"/>
                 </a:solidFill>
               </a:rPr>
-              <a:t>Symbol</a:t>
-            </a:r>
-            <a:r>
-              <a:rPr lang="en-US" dirty="0" smtClean="0">
-                <a:solidFill>
-                  <a:prstClr val="black"/>
-                </a:solidFill>
-              </a:rPr>
-              <a:t>s </a:t>
+              <a:t>Symbols </a:t>
             </a:r>
             <a:endParaRPr lang="en-GB" dirty="0">
               <a:solidFill>
@@ -31161,11 +31653,7 @@
                     <a:p>
                       <a:r>
                         <a:rPr lang="en-US" sz="1800" baseline="0" dirty="0" smtClean="0"/>
-                        <a:t>Symbol </a:t>
-                      </a:r>
-                      <a:r>
-                        <a:rPr lang="en-US" sz="1800" baseline="0" dirty="0" smtClean="0"/>
-                        <a:t>byte</a:t>
+                        <a:t>Symbol byte</a:t>
                       </a:r>
                       <a:endParaRPr lang="en-GB" sz="1800" dirty="0"/>
                     </a:p>
@@ -31267,11 +31755,7 @@
                       </a:r>
                       <a:r>
                         <a:rPr lang="en-US" sz="1800" dirty="0" smtClean="0"/>
-                        <a:t> </a:t>
-                      </a:r>
-                      <a:r>
-                        <a:rPr lang="en-US" sz="1800" dirty="0" smtClean="0"/>
-                        <a:t>symbol </a:t>
+                        <a:t> symbol </a:t>
                       </a:r>
                       <a:endParaRPr lang="en-GB" sz="1800" dirty="0"/>
                     </a:p>
@@ -31691,7 +32175,7 @@
 </p:sld>
 </file>
 
-<file path=ppt/slides/slide6.xml><?xml version="1.0" encoding="utf-8"?>
+<file path=ppt/slides/slide7.xml><?xml version="1.0" encoding="utf-8"?>
 <p:sld xmlns:a="http://schemas.openxmlformats.org/drawingml/2006/main" xmlns:r="http://schemas.openxmlformats.org/officeDocument/2006/relationships" xmlns:p="http://schemas.openxmlformats.org/presentationml/2006/main">
   <p:cSld>
     <p:spTree>
@@ -32296,15 +32780,7 @@
                   <a:prstClr val="black"/>
                 </a:solidFill>
               </a:rPr>
-              <a:t>symbol</a:t>
-            </a:r>
-            <a:r>
-              <a:rPr lang="en-US" sz="1799" dirty="0" smtClean="0">
-                <a:solidFill>
-                  <a:prstClr val="black"/>
-                </a:solidFill>
-              </a:rPr>
-              <a:t> </a:t>
+              <a:t>symbol </a:t>
             </a:r>
             <a:r>
               <a:rPr lang="en-US" sz="1799" dirty="0">
@@ -32444,7 +32920,7 @@
 </p:sld>
 </file>
 
-<file path=ppt/slides/slide7.xml><?xml version="1.0" encoding="utf-8"?>
+<file path=ppt/slides/slide8.xml><?xml version="1.0" encoding="utf-8"?>
 <p:sld xmlns:a="http://schemas.openxmlformats.org/drawingml/2006/main" xmlns:r="http://schemas.openxmlformats.org/officeDocument/2006/relationships" xmlns:p="http://schemas.openxmlformats.org/presentationml/2006/main">
   <p:cSld>
     <p:spTree>
@@ -33215,7 +33691,7 @@
 </p:sld>
 </file>
 
-<file path=ppt/slides/slide8.xml><?xml version="1.0" encoding="utf-8"?>
+<file path=ppt/slides/slide9.xml><?xml version="1.0" encoding="utf-8"?>
 <p:sld xmlns:a="http://schemas.openxmlformats.org/drawingml/2006/main" xmlns:r="http://schemas.openxmlformats.org/officeDocument/2006/relationships" xmlns:p="http://schemas.openxmlformats.org/presentationml/2006/main">
   <p:cSld>
     <p:bg>
@@ -33812,15 +34288,7 @@
                   <a:prstClr val="black"/>
                 </a:solidFill>
               </a:rPr>
-              <a:t>Symbol</a:t>
-            </a:r>
-            <a:r>
-              <a:rPr lang="en-US" dirty="0" smtClean="0">
-                <a:solidFill>
-                  <a:prstClr val="black"/>
-                </a:solidFill>
-              </a:rPr>
-              <a:t>s </a:t>
+              <a:t>Symbols </a:t>
             </a:r>
             <a:r>
               <a:rPr lang="en-US" dirty="0">
@@ -34202,158 +34670,6 @@
       </p:par>
     </p:tnLst>
   </p:timing>
-</p:sld>
-</file>
-
-<file path=ppt/slides/slide9.xml><?xml version="1.0" encoding="utf-8"?>
-<p:sld xmlns:a="http://schemas.openxmlformats.org/drawingml/2006/main" xmlns:r="http://schemas.openxmlformats.org/officeDocument/2006/relationships" xmlns:p="http://schemas.openxmlformats.org/presentationml/2006/main">
-  <p:cSld>
-    <p:spTree>
-      <p:nvGrpSpPr>
-        <p:cNvPr id="1" name=""/>
-        <p:cNvGrpSpPr/>
-        <p:nvPr/>
-      </p:nvGrpSpPr>
-      <p:grpSpPr>
-        <a:xfrm>
-          <a:off x="0" y="0"/>
-          <a:ext cx="0" cy="0"/>
-          <a:chOff x="0" y="0"/>
-          <a:chExt cx="0" cy="0"/>
-        </a:xfrm>
-      </p:grpSpPr>
-      <p:sp>
-        <p:nvSpPr>
-          <p:cNvPr id="2" name="Title 1"/>
-          <p:cNvSpPr>
-            <a:spLocks noGrp="1"/>
-          </p:cNvSpPr>
-          <p:nvPr>
-            <p:ph type="title"/>
-          </p:nvPr>
-        </p:nvSpPr>
-        <p:spPr/>
-        <p:txBody>
-          <a:bodyPr/>
-          <a:lstStyle/>
-          <a:p>
-            <a:r>
-              <a:rPr lang="en-US" dirty="0" smtClean="0"/>
-              <a:t>Better Buffer Cache</a:t>
-            </a:r>
-            <a:endParaRPr lang="en-GB" dirty="0"/>
-          </a:p>
-        </p:txBody>
-      </p:sp>
-      <p:sp>
-        <p:nvSpPr>
-          <p:cNvPr id="3" name="TextBox 2"/>
-          <p:cNvSpPr txBox="1"/>
-          <p:nvPr/>
-        </p:nvSpPr>
-        <p:spPr>
-          <a:xfrm>
-            <a:off x="1053852" y="1772816"/>
-            <a:ext cx="8352928" cy="3888432"/>
-          </a:xfrm>
-          <a:prstGeom prst="rect">
-            <a:avLst/>
-          </a:prstGeom>
-          <a:noFill/>
-        </p:spPr>
-        <p:txBody>
-          <a:bodyPr wrap="none" lIns="0" tIns="0" rIns="0" bIns="0" rtlCol="0">
-            <a:noAutofit/>
-          </a:bodyPr>
-          <a:lstStyle/>
-          <a:p>
-            <a:pPr marL="285750" indent="-285750">
-              <a:lnSpc>
-                <a:spcPct val="90000"/>
-              </a:lnSpc>
-              <a:buFont typeface="Arial" panose="020B0604020202020204" pitchFamily="34" charset="0"/>
-              <a:buChar char="•"/>
-            </a:pPr>
-            <a:r>
-              <a:rPr lang="en-US" dirty="0" smtClean="0"/>
-              <a:t>Blocks are read into the buffer cache in the compressed form.</a:t>
-            </a:r>
-          </a:p>
-          <a:p>
-            <a:pPr marL="285750" indent="-285750">
-              <a:lnSpc>
-                <a:spcPct val="90000"/>
-              </a:lnSpc>
-              <a:buFont typeface="Arial" panose="020B0604020202020204" pitchFamily="34" charset="0"/>
-              <a:buChar char="•"/>
-            </a:pPr>
-            <a:r>
-              <a:rPr lang="en-US" dirty="0" smtClean="0"/>
-              <a:t>The lower CPU and IO cost when dealing with compressed blocks.</a:t>
-            </a:r>
-          </a:p>
-          <a:p>
-            <a:pPr marL="285750" indent="-285750">
-              <a:lnSpc>
-                <a:spcPct val="90000"/>
-              </a:lnSpc>
-              <a:buFont typeface="Arial" panose="020B0604020202020204" pitchFamily="34" charset="0"/>
-              <a:buChar char="•"/>
-            </a:pPr>
-            <a:r>
-              <a:rPr lang="en-US" dirty="0" smtClean="0"/>
-              <a:t>Block level compression means minimal CPU cost to </a:t>
-            </a:r>
-            <a:r>
-              <a:rPr lang="en-US" dirty="0" err="1" smtClean="0"/>
-              <a:t>uncompress</a:t>
-            </a:r>
-            <a:r>
-              <a:rPr lang="en-US" dirty="0" smtClean="0"/>
-              <a:t> data.</a:t>
-            </a:r>
-            <a:endParaRPr lang="en-US" dirty="0" smtClean="0"/>
-          </a:p>
-          <a:p>
-            <a:pPr>
-              <a:lnSpc>
-                <a:spcPct val="90000"/>
-              </a:lnSpc>
-            </a:pPr>
-            <a:endParaRPr lang="en-US" dirty="0"/>
-          </a:p>
-          <a:p>
-            <a:pPr>
-              <a:lnSpc>
-                <a:spcPct val="90000"/>
-              </a:lnSpc>
-            </a:pPr>
-            <a:endParaRPr lang="en-GB" dirty="0" err="1" smtClean="0"/>
-          </a:p>
-        </p:txBody>
-      </p:sp>
-    </p:spTree>
-    <p:extLst>
-      <p:ext uri="{BB962C8B-B14F-4D97-AF65-F5344CB8AC3E}">
-        <p14:creationId xmlns:p14="http://schemas.microsoft.com/office/powerpoint/2010/main" val="3629921321"/>
-      </p:ext>
-    </p:extLst>
-  </p:cSld>
-  <p:clrMapOvr>
-    <a:masterClrMapping/>
-  </p:clrMapOvr>
-  <mc:AlternateContent xmlns:mc="http://schemas.openxmlformats.org/markup-compatibility/2006" xmlns:p14="http://schemas.microsoft.com/office/powerpoint/2010/main">
-    <mc:Choice Requires="p14">
-      <p:transition spd="med" p14:dur="700">
-        <p:fade/>
-      </p:transition>
-    </mc:Choice>
-    <mc:Fallback xmlns="">
-      <p:transition spd="med">
-        <p:fade/>
-      </p:transition>
-    </mc:Fallback>
-  </mc:AlternateContent>
 </p:sld>
 </file>
 

--- a/compression_sand_weiss_hotsos_2018.pptx
+++ b/compression_sand_weiss_hotsos_2018.pptx
@@ -6,38 +6,41 @@
     <p:sldMasterId id="2147483679" r:id="rId2"/>
   </p:sldMasterIdLst>
   <p:notesMasterIdLst>
-    <p:notesMasterId r:id="rId24"/>
+    <p:notesMasterId r:id="rId27"/>
   </p:notesMasterIdLst>
   <p:handoutMasterIdLst>
-    <p:handoutMasterId r:id="rId25"/>
+    <p:handoutMasterId r:id="rId28"/>
   </p:handoutMasterIdLst>
   <p:sldIdLst>
     <p:sldId id="256" r:id="rId3"/>
     <p:sldId id="308" r:id="rId4"/>
-    <p:sldId id="297" r:id="rId5"/>
-    <p:sldId id="298" r:id="rId6"/>
+    <p:sldId id="298" r:id="rId5"/>
+    <p:sldId id="297" r:id="rId6"/>
     <p:sldId id="299" r:id="rId7"/>
-    <p:sldId id="301" r:id="rId8"/>
-    <p:sldId id="300" r:id="rId9"/>
-    <p:sldId id="303" r:id="rId10"/>
-    <p:sldId id="302" r:id="rId11"/>
-    <p:sldId id="305" r:id="rId12"/>
-    <p:sldId id="306" r:id="rId13"/>
-    <p:sldId id="307" r:id="rId14"/>
-    <p:sldId id="290" r:id="rId15"/>
-    <p:sldId id="288" r:id="rId16"/>
-    <p:sldId id="292" r:id="rId17"/>
-    <p:sldId id="291" r:id="rId18"/>
-    <p:sldId id="293" r:id="rId19"/>
-    <p:sldId id="304" r:id="rId20"/>
-    <p:sldId id="296" r:id="rId21"/>
-    <p:sldId id="309" r:id="rId22"/>
-    <p:sldId id="287" r:id="rId23"/>
+    <p:sldId id="310" r:id="rId8"/>
+    <p:sldId id="301" r:id="rId9"/>
+    <p:sldId id="311" r:id="rId10"/>
+    <p:sldId id="300" r:id="rId11"/>
+    <p:sldId id="303" r:id="rId12"/>
+    <p:sldId id="302" r:id="rId13"/>
+    <p:sldId id="305" r:id="rId14"/>
+    <p:sldId id="306" r:id="rId15"/>
+    <p:sldId id="312" r:id="rId16"/>
+    <p:sldId id="307" r:id="rId17"/>
+    <p:sldId id="290" r:id="rId18"/>
+    <p:sldId id="288" r:id="rId19"/>
+    <p:sldId id="292" r:id="rId20"/>
+    <p:sldId id="291" r:id="rId21"/>
+    <p:sldId id="293" r:id="rId22"/>
+    <p:sldId id="304" r:id="rId23"/>
+    <p:sldId id="296" r:id="rId24"/>
+    <p:sldId id="313" r:id="rId25"/>
+    <p:sldId id="287" r:id="rId26"/>
   </p:sldIdLst>
   <p:sldSz cx="12188825" cy="6858000"/>
   <p:notesSz cx="6858000" cy="9144000"/>
   <p:custDataLst>
-    <p:tags r:id="rId26"/>
+    <p:tags r:id="rId29"/>
   </p:custDataLst>
   <p:defaultTextStyle>
     <a:defPPr>
@@ -274,7 +277,7 @@
           <a:p>
             <a:fld id="{ADCC02A0-C947-4278-96D1-0DB9C063DF55}" type="datetimeFigureOut">
               <a:rPr lang="en-US" smtClean="0"/>
-              <a:t>3/4/2018</a:t>
+              <a:t>3/5/2018</a:t>
             </a:fld>
             <a:endParaRPr lang="en-US"/>
           </a:p>
@@ -805,6 +808,49 @@
           <a:bodyPr/>
           <a:lstStyle/>
           <a:p>
+            <a:r>
+              <a:rPr lang="en-US" dirty="0" smtClean="0"/>
+              <a:t>Symbol rows can</a:t>
+            </a:r>
+            <a:r>
+              <a:rPr lang="en-US" baseline="0" dirty="0" smtClean="0"/>
+              <a:t> contain reference to other symbols within the block.</a:t>
+            </a:r>
+            <a:endParaRPr lang="en-US" dirty="0" smtClean="0"/>
+          </a:p>
+          <a:p>
+            <a:endParaRPr lang="en-US" dirty="0" smtClean="0"/>
+          </a:p>
+          <a:p>
+            <a:endParaRPr lang="en-US" dirty="0" smtClean="0"/>
+          </a:p>
+          <a:p>
+            <a:r>
+              <a:rPr lang="en-US" dirty="0" smtClean="0"/>
+              <a:t>Symbol</a:t>
+            </a:r>
+            <a:r>
+              <a:rPr lang="en-US" baseline="0" dirty="0" smtClean="0"/>
+              <a:t> </a:t>
+            </a:r>
+            <a:r>
+              <a:rPr lang="en-US" dirty="0" smtClean="0"/>
+              <a:t>table row header?</a:t>
+            </a:r>
+          </a:p>
+          <a:p>
+            <a:endParaRPr lang="en-US" dirty="0" smtClean="0"/>
+          </a:p>
+          <a:p>
+            <a:r>
+              <a:rPr lang="en-US" dirty="0" smtClean="0"/>
+              <a:t>ITL and symbol table?</a:t>
+            </a:r>
+          </a:p>
+          <a:p>
+            <a:endParaRPr lang="en-US" dirty="0" smtClean="0"/>
+          </a:p>
+          <a:p>
             <a:endParaRPr lang="en-GB" dirty="0"/>
           </a:p>
         </p:txBody>
@@ -824,19 +870,29 @@
           <a:bodyPr/>
           <a:lstStyle/>
           <a:p>
-            <a:fld id="{8547E1EE-0039-4797-B978-F453418260D1}" type="slidenum">
-              <a:rPr lang="en-US" smtClean="0"/>
+            <a:fld id="{D387C5CD-A09D-43F4-B46B-CCCB3CD96AC3}" type="slidenum">
+              <a:rPr lang="en-GB" smtClean="0">
+                <a:solidFill>
+                  <a:prstClr val="black"/>
+                </a:solidFill>
+                <a:latin typeface="Calibri" panose="020F0502020204030204"/>
+              </a:rPr>
               <a:pPr/>
-              <a:t>12</a:t>
+              <a:t>11</a:t>
             </a:fld>
-            <a:endParaRPr lang="en-US"/>
+            <a:endParaRPr lang="en-GB">
+              <a:solidFill>
+                <a:prstClr val="black"/>
+              </a:solidFill>
+              <a:latin typeface="Calibri" panose="020F0502020204030204"/>
+            </a:endParaRPr>
           </a:p>
         </p:txBody>
       </p:sp>
     </p:spTree>
     <p:extLst>
       <p:ext uri="{BB962C8B-B14F-4D97-AF65-F5344CB8AC3E}">
-        <p14:creationId xmlns:p14="http://schemas.microsoft.com/office/powerpoint/2010/main" val="829444983"/>
+        <p14:creationId xmlns:p14="http://schemas.microsoft.com/office/powerpoint/2010/main" val="246327001"/>
       </p:ext>
     </p:extLst>
   </p:cSld>
@@ -895,7 +951,15 @@
           <a:bodyPr/>
           <a:lstStyle/>
           <a:p>
-            <a:endParaRPr lang="en-US" dirty="0"/>
+            <a:r>
+              <a:rPr lang="en-US" dirty="0" smtClean="0"/>
+              <a:t>no</a:t>
+            </a:r>
+            <a:r>
+              <a:rPr lang="en-US" baseline="0" dirty="0" smtClean="0"/>
+              <a:t> need to decompress in buffer cache</a:t>
+            </a:r>
+            <a:endParaRPr lang="en-GB" dirty="0"/>
           </a:p>
         </p:txBody>
       </p:sp>
@@ -917,7 +981,7 @@
             <a:fld id="{8547E1EE-0039-4797-B978-F453418260D1}" type="slidenum">
               <a:rPr lang="en-US" smtClean="0"/>
               <a:pPr/>
-              <a:t>18</a:t>
+              <a:t>12</a:t>
             </a:fld>
             <a:endParaRPr lang="en-US"/>
           </a:p>
@@ -926,7 +990,7 @@
     </p:spTree>
     <p:extLst>
       <p:ext uri="{BB962C8B-B14F-4D97-AF65-F5344CB8AC3E}">
-        <p14:creationId xmlns:p14="http://schemas.microsoft.com/office/powerpoint/2010/main" val="4201202790"/>
+        <p14:creationId xmlns:p14="http://schemas.microsoft.com/office/powerpoint/2010/main" val="1735172723"/>
       </p:ext>
     </p:extLst>
   </p:cSld>
@@ -963,7 +1027,12 @@
             <p:ph type="sldImg"/>
           </p:nvPr>
         </p:nvSpPr>
-        <p:spPr/>
+        <p:spPr>
+          <a:xfrm>
+            <a:off x="381000" y="381000"/>
+            <a:ext cx="4572000" cy="2573338"/>
+          </a:xfrm>
+        </p:spPr>
       </p:sp>
       <p:sp>
         <p:nvSpPr>
@@ -980,7 +1049,7 @@
           <a:bodyPr/>
           <a:lstStyle/>
           <a:p>
-            <a:endParaRPr lang="en-US"/>
+            <a:endParaRPr lang="en-GB" dirty="0"/>
           </a:p>
         </p:txBody>
       </p:sp>
@@ -1002,7 +1071,7 @@
             <a:fld id="{8547E1EE-0039-4797-B978-F453418260D1}" type="slidenum">
               <a:rPr lang="en-US" smtClean="0"/>
               <a:pPr/>
-              <a:t>20</a:t>
+              <a:t>15</a:t>
             </a:fld>
             <a:endParaRPr lang="en-US"/>
           </a:p>
@@ -1011,7 +1080,7 @@
     </p:spTree>
     <p:extLst>
       <p:ext uri="{BB962C8B-B14F-4D97-AF65-F5344CB8AC3E}">
-        <p14:creationId xmlns:p14="http://schemas.microsoft.com/office/powerpoint/2010/main" val="2033136908"/>
+        <p14:creationId xmlns:p14="http://schemas.microsoft.com/office/powerpoint/2010/main" val="829444983"/>
       </p:ext>
     </p:extLst>
   </p:cSld>
@@ -1070,7 +1139,7 @@
           <a:bodyPr/>
           <a:lstStyle/>
           <a:p>
-            <a:endParaRPr lang="en-US"/>
+            <a:endParaRPr lang="en-US" dirty="0"/>
           </a:p>
         </p:txBody>
       </p:sp>
@@ -1093,6 +1162,96 @@
               <a:rPr lang="en-US" smtClean="0"/>
               <a:pPr/>
               <a:t>21</a:t>
+            </a:fld>
+            <a:endParaRPr lang="en-US"/>
+          </a:p>
+        </p:txBody>
+      </p:sp>
+    </p:spTree>
+    <p:extLst>
+      <p:ext uri="{BB962C8B-B14F-4D97-AF65-F5344CB8AC3E}">
+        <p14:creationId xmlns:p14="http://schemas.microsoft.com/office/powerpoint/2010/main" val="4201202790"/>
+      </p:ext>
+    </p:extLst>
+  </p:cSld>
+  <p:clrMapOvr>
+    <a:masterClrMapping/>
+  </p:clrMapOvr>
+</p:notes>
+</file>
+
+<file path=ppt/notesSlides/notesSlide14.xml><?xml version="1.0" encoding="utf-8"?>
+<p:notes xmlns:a="http://schemas.openxmlformats.org/drawingml/2006/main" xmlns:r="http://schemas.openxmlformats.org/officeDocument/2006/relationships" xmlns:p="http://schemas.openxmlformats.org/presentationml/2006/main">
+  <p:cSld>
+    <p:spTree>
+      <p:nvGrpSpPr>
+        <p:cNvPr id="1" name=""/>
+        <p:cNvGrpSpPr/>
+        <p:nvPr/>
+      </p:nvGrpSpPr>
+      <p:grpSpPr>
+        <a:xfrm>
+          <a:off x="0" y="0"/>
+          <a:ext cx="0" cy="0"/>
+          <a:chOff x="0" y="0"/>
+          <a:chExt cx="0" cy="0"/>
+        </a:xfrm>
+      </p:grpSpPr>
+      <p:sp>
+        <p:nvSpPr>
+          <p:cNvPr id="2" name="Slide Image Placeholder 1"/>
+          <p:cNvSpPr>
+            <a:spLocks noGrp="1" noRot="1" noChangeAspect="1"/>
+          </p:cNvSpPr>
+          <p:nvPr>
+            <p:ph type="sldImg"/>
+          </p:nvPr>
+        </p:nvSpPr>
+        <p:spPr>
+          <a:xfrm>
+            <a:off x="381000" y="381000"/>
+            <a:ext cx="4572000" cy="2573338"/>
+          </a:xfrm>
+        </p:spPr>
+      </p:sp>
+      <p:sp>
+        <p:nvSpPr>
+          <p:cNvPr id="3" name="Notes Placeholder 2"/>
+          <p:cNvSpPr>
+            <a:spLocks noGrp="1"/>
+          </p:cNvSpPr>
+          <p:nvPr>
+            <p:ph type="body" idx="1"/>
+          </p:nvPr>
+        </p:nvSpPr>
+        <p:spPr/>
+        <p:txBody>
+          <a:bodyPr/>
+          <a:lstStyle/>
+          <a:p>
+            <a:endParaRPr lang="en-US"/>
+          </a:p>
+        </p:txBody>
+      </p:sp>
+      <p:sp>
+        <p:nvSpPr>
+          <p:cNvPr id="4" name="Slide Number Placeholder 3"/>
+          <p:cNvSpPr>
+            <a:spLocks noGrp="1"/>
+          </p:cNvSpPr>
+          <p:nvPr>
+            <p:ph type="sldNum" sz="quarter" idx="10"/>
+          </p:nvPr>
+        </p:nvSpPr>
+        <p:spPr/>
+        <p:txBody>
+          <a:bodyPr/>
+          <a:lstStyle/>
+          <a:p>
+            <a:fld id="{8547E1EE-0039-4797-B978-F453418260D1}" type="slidenum">
+              <a:rPr lang="en-US" smtClean="0"/>
+              <a:pPr/>
+              <a:t>24</a:t>
             </a:fld>
             <a:endParaRPr lang="en-US"/>
           </a:p>
@@ -1160,272 +1319,7 @@
           <a:bodyPr/>
           <a:lstStyle/>
           <a:p>
-            <a:pPr marL="0" marR="0" lvl="0" indent="0" algn="l" defTabSz="914400" rtl="0" eaLnBrk="1" fontAlgn="auto" latinLnBrk="0" hangingPunct="1">
-              <a:lnSpc>
-                <a:spcPct val="100000"/>
-              </a:lnSpc>
-              <a:spcBef>
-                <a:spcPts val="600"/>
-              </a:spcBef>
-              <a:spcAft>
-                <a:spcPts val="0"/>
-              </a:spcAft>
-              <a:buClrTx/>
-              <a:buSzTx/>
-              <a:buFontTx/>
-              <a:buNone/>
-              <a:tabLst/>
-              <a:defRPr/>
-            </a:pPr>
-            <a:r>
-              <a:rPr lang="en-US" dirty="0" smtClean="0"/>
-              <a:t>This is a block dump</a:t>
-            </a:r>
-          </a:p>
-          <a:p>
-            <a:pPr marL="0" marR="0" lvl="0" indent="0" algn="l" defTabSz="914400" rtl="0" eaLnBrk="1" fontAlgn="auto" latinLnBrk="0" hangingPunct="1">
-              <a:lnSpc>
-                <a:spcPct val="100000"/>
-              </a:lnSpc>
-              <a:spcBef>
-                <a:spcPts val="600"/>
-              </a:spcBef>
-              <a:spcAft>
-                <a:spcPts val="0"/>
-              </a:spcAft>
-              <a:buClrTx/>
-              <a:buSzTx/>
-              <a:buFontTx/>
-              <a:buNone/>
-              <a:tabLst/>
-              <a:defRPr/>
-            </a:pPr>
-            <a:r>
-              <a:rPr lang="en-US" baseline="0" dirty="0" smtClean="0"/>
-              <a:t>Mention </a:t>
-            </a:r>
-            <a:r>
-              <a:rPr lang="en-US" baseline="0" dirty="0" err="1" smtClean="0"/>
-              <a:t>Ric</a:t>
-            </a:r>
-            <a:r>
-              <a:rPr lang="en-US" baseline="0" dirty="0" smtClean="0"/>
-              <a:t> talk (on </a:t>
-            </a:r>
-            <a:r>
-              <a:rPr lang="en-US" baseline="0" dirty="0" err="1" smtClean="0"/>
-              <a:t>monday</a:t>
-            </a:r>
-            <a:r>
-              <a:rPr lang="en-US" baseline="0" dirty="0" smtClean="0"/>
-              <a:t>)</a:t>
-            </a:r>
-          </a:p>
-          <a:p>
-            <a:pPr marL="0" marR="0" lvl="0" indent="0" algn="l" defTabSz="914400" rtl="0" eaLnBrk="1" fontAlgn="auto" latinLnBrk="0" hangingPunct="1">
-              <a:lnSpc>
-                <a:spcPct val="100000"/>
-              </a:lnSpc>
-              <a:spcBef>
-                <a:spcPts val="600"/>
-              </a:spcBef>
-              <a:spcAft>
-                <a:spcPts val="0"/>
-              </a:spcAft>
-              <a:buClrTx/>
-              <a:buSzTx/>
-              <a:buFontTx/>
-              <a:buNone/>
-              <a:tabLst/>
-              <a:defRPr/>
-            </a:pPr>
-            <a:endParaRPr lang="en-US" dirty="0" smtClean="0"/>
-          </a:p>
-          <a:p>
-            <a:endParaRPr lang="en-US" dirty="0" smtClean="0"/>
-          </a:p>
-          <a:p>
-            <a:r>
-              <a:rPr lang="en-US" dirty="0" smtClean="0"/>
-              <a:t>little endian </a:t>
-            </a:r>
-          </a:p>
-          <a:p>
-            <a:endParaRPr lang="en-US" dirty="0" smtClean="0"/>
-          </a:p>
-          <a:p>
-            <a:r>
-              <a:rPr lang="en-US" sz="1100" dirty="0" smtClean="0">
-                <a:solidFill>
-                  <a:prstClr val="black"/>
-                </a:solidFill>
-                <a:latin typeface="Consolas" panose="020B0609020204030204" pitchFamily="49" charset="0"/>
-              </a:rPr>
-              <a:t>43415004 01012C4B 54415203 </a:t>
-            </a:r>
-          </a:p>
-          <a:p>
-            <a:r>
-              <a:rPr lang="en-US" sz="1100" dirty="0" smtClean="0">
-                <a:solidFill>
-                  <a:prstClr val="black"/>
-                </a:solidFill>
-                <a:latin typeface="Consolas" panose="020B0609020204030204" pitchFamily="49" charset="0"/>
-              </a:rPr>
-              <a:t>Becomes (for those of us that</a:t>
-            </a:r>
-            <a:r>
-              <a:rPr lang="en-US" sz="1100" baseline="0" dirty="0" smtClean="0">
-                <a:solidFill>
-                  <a:prstClr val="black"/>
-                </a:solidFill>
-                <a:latin typeface="Consolas" panose="020B0609020204030204" pitchFamily="49" charset="0"/>
-              </a:rPr>
-              <a:t> read left to right)</a:t>
-            </a:r>
-            <a:endParaRPr lang="en-US" sz="1100" dirty="0" smtClean="0">
-              <a:solidFill>
-                <a:prstClr val="black"/>
-              </a:solidFill>
-              <a:latin typeface="Consolas" panose="020B0609020204030204" pitchFamily="49" charset="0"/>
-            </a:endParaRPr>
-          </a:p>
-          <a:p>
-            <a:r>
-              <a:rPr lang="en-US" sz="1100" dirty="0" smtClean="0">
-                <a:solidFill>
-                  <a:prstClr val="black"/>
-                </a:solidFill>
-                <a:latin typeface="Consolas" panose="020B0609020204030204" pitchFamily="49" charset="0"/>
-              </a:rPr>
-              <a:t>04504143 4b2c0101 03524154</a:t>
-            </a:r>
-          </a:p>
-          <a:p>
-            <a:r>
-              <a:rPr lang="en-US" sz="1100" dirty="0" smtClean="0">
-                <a:solidFill>
-                  <a:prstClr val="black"/>
-                </a:solidFill>
-                <a:latin typeface="Consolas" panose="020B0609020204030204" pitchFamily="49" charset="0"/>
-              </a:rPr>
-              <a:t>Matches what we see in ‘</a:t>
-            </a:r>
-            <a:r>
-              <a:rPr lang="en-US" sz="1100" dirty="0" err="1" smtClean="0">
-                <a:solidFill>
-                  <a:prstClr val="black"/>
-                </a:solidFill>
-                <a:latin typeface="Consolas" panose="020B0609020204030204" pitchFamily="49" charset="0"/>
-              </a:rPr>
-              <a:t>block_row_dump</a:t>
-            </a:r>
-            <a:r>
-              <a:rPr lang="en-US" sz="1100" dirty="0" smtClean="0">
-                <a:solidFill>
-                  <a:prstClr val="black"/>
-                </a:solidFill>
-                <a:latin typeface="Consolas" panose="020B0609020204030204" pitchFamily="49" charset="0"/>
-              </a:rPr>
-              <a:t>’</a:t>
-            </a:r>
-          </a:p>
-          <a:p>
-            <a:r>
-              <a:rPr lang="en-US" sz="1100" dirty="0" smtClean="0">
-                <a:solidFill>
-                  <a:prstClr val="black"/>
-                </a:solidFill>
-                <a:latin typeface="Consolas" panose="020B0609020204030204" pitchFamily="49" charset="0"/>
-              </a:rPr>
-              <a:t>04(length byte) 5041434b(PACK) 2c0101 (row header) 03(length byte) 514154 (RAT)</a:t>
-            </a:r>
-            <a:endParaRPr lang="en-US" dirty="0" smtClean="0"/>
-          </a:p>
-          <a:p>
-            <a:endParaRPr lang="en-US" dirty="0" smtClean="0"/>
-          </a:p>
-          <a:p>
-            <a:endParaRPr lang="en-US" dirty="0" smtClean="0"/>
-          </a:p>
-          <a:p>
-            <a:r>
-              <a:rPr lang="en-US" dirty="0" smtClean="0"/>
-              <a:t>TODO [add</a:t>
-            </a:r>
-            <a:r>
-              <a:rPr lang="en-US" baseline="0" dirty="0" smtClean="0"/>
-              <a:t> table definition and insert statement]</a:t>
-            </a:r>
-          </a:p>
-          <a:p>
-            <a:endParaRPr lang="en-US" baseline="0" dirty="0" smtClean="0"/>
-          </a:p>
-          <a:p>
-            <a:endParaRPr lang="en-US" baseline="0" dirty="0" smtClean="0"/>
-          </a:p>
-          <a:p>
-            <a:r>
-              <a:rPr lang="en-US" baseline="0" dirty="0" smtClean="0"/>
-              <a:t>Important points</a:t>
-            </a:r>
-          </a:p>
-          <a:p>
-            <a:r>
-              <a:rPr lang="en-US" baseline="0" dirty="0" smtClean="0"/>
-              <a:t> </a:t>
-            </a:r>
-            <a:r>
-              <a:rPr lang="en-US" baseline="0" dirty="0" err="1" smtClean="0"/>
-              <a:t>tl</a:t>
-            </a:r>
-            <a:r>
-              <a:rPr lang="en-US" baseline="0" dirty="0" smtClean="0"/>
-              <a:t> -&gt; total length</a:t>
-            </a:r>
-          </a:p>
-          <a:p>
-            <a:r>
-              <a:rPr lang="en-US" baseline="0" dirty="0" smtClean="0"/>
-              <a:t> rows and tables start at 0</a:t>
-            </a:r>
-          </a:p>
-          <a:p>
-            <a:r>
-              <a:rPr lang="en-US" baseline="0" dirty="0" smtClean="0"/>
-              <a:t> </a:t>
-            </a:r>
-            <a:r>
-              <a:rPr lang="en-US" baseline="0" dirty="0" err="1" smtClean="0"/>
-              <a:t>pti</a:t>
-            </a:r>
-            <a:r>
-              <a:rPr lang="en-US" baseline="0" dirty="0" smtClean="0"/>
-              <a:t> -&gt; table directory</a:t>
-            </a:r>
-          </a:p>
-          <a:p>
-            <a:r>
-              <a:rPr lang="en-US" baseline="0" dirty="0" smtClean="0"/>
-              <a:t> </a:t>
-            </a:r>
-            <a:r>
-              <a:rPr lang="en-US" baseline="0" dirty="0" err="1" smtClean="0"/>
-              <a:t>pri</a:t>
-            </a:r>
-            <a:r>
-              <a:rPr lang="en-US" baseline="0" dirty="0" smtClean="0"/>
-              <a:t> -&gt; row directory</a:t>
-            </a:r>
-          </a:p>
-          <a:p>
-            <a:endParaRPr lang="en-US" baseline="0" dirty="0" smtClean="0"/>
-          </a:p>
-          <a:p>
-            <a:endParaRPr lang="en-US" baseline="0" dirty="0" smtClean="0"/>
-          </a:p>
-          <a:p>
-            <a:endParaRPr lang="en-GB" dirty="0"/>
+            <a:endParaRPr lang="en-US" dirty="0"/>
           </a:p>
         </p:txBody>
       </p:sp>
@@ -1444,29 +1338,19 @@
           <a:bodyPr/>
           <a:lstStyle/>
           <a:p>
-            <a:fld id="{D387C5CD-A09D-43F4-B46B-CCCB3CD96AC3}" type="slidenum">
-              <a:rPr lang="en-GB" smtClean="0">
-                <a:solidFill>
-                  <a:prstClr val="black"/>
-                </a:solidFill>
-                <a:latin typeface="Calibri" panose="020F0502020204030204"/>
-              </a:rPr>
+            <a:fld id="{8547E1EE-0039-4797-B978-F453418260D1}" type="slidenum">
+              <a:rPr lang="en-US" smtClean="0"/>
               <a:pPr/>
-              <a:t>3</a:t>
+              <a:t>2</a:t>
             </a:fld>
-            <a:endParaRPr lang="en-GB">
-              <a:solidFill>
-                <a:prstClr val="black"/>
-              </a:solidFill>
-              <a:latin typeface="Calibri" panose="020F0502020204030204"/>
-            </a:endParaRPr>
+            <a:endParaRPr lang="en-US"/>
           </a:p>
         </p:txBody>
       </p:sp>
     </p:spTree>
     <p:extLst>
       <p:ext uri="{BB962C8B-B14F-4D97-AF65-F5344CB8AC3E}">
-        <p14:creationId xmlns:p14="http://schemas.microsoft.com/office/powerpoint/2010/main" val="1159093933"/>
+        <p14:creationId xmlns:p14="http://schemas.microsoft.com/office/powerpoint/2010/main" val="245017381"/>
       </p:ext>
     </p:extLst>
   </p:cSld>
@@ -1853,7 +1737,7 @@
                 <a:latin typeface="Calibri" panose="020F0502020204030204"/>
               </a:rPr>
               <a:pPr/>
-              <a:t>4</a:t>
+              <a:t>3</a:t>
             </a:fld>
             <a:endParaRPr lang="en-GB">
               <a:solidFill>
@@ -1926,21 +1810,202 @@
           <a:bodyPr/>
           <a:lstStyle/>
           <a:p>
+            <a:pPr marL="0" marR="0" lvl="0" indent="0" algn="l" defTabSz="914400" rtl="0" eaLnBrk="1" fontAlgn="auto" latinLnBrk="0" hangingPunct="1">
+              <a:lnSpc>
+                <a:spcPct val="100000"/>
+              </a:lnSpc>
+              <a:spcBef>
+                <a:spcPts val="600"/>
+              </a:spcBef>
+              <a:spcAft>
+                <a:spcPts val="0"/>
+              </a:spcAft>
+              <a:buClrTx/>
+              <a:buSzTx/>
+              <a:buFontTx/>
+              <a:buNone/>
+              <a:tabLst/>
+              <a:defRPr/>
+            </a:pPr>
+            <a:r>
+              <a:rPr lang="en-US" dirty="0" smtClean="0"/>
+              <a:t>This is a block dump</a:t>
+            </a:r>
+          </a:p>
+          <a:p>
+            <a:pPr marL="0" marR="0" lvl="0" indent="0" algn="l" defTabSz="914400" rtl="0" eaLnBrk="1" fontAlgn="auto" latinLnBrk="0" hangingPunct="1">
+              <a:lnSpc>
+                <a:spcPct val="100000"/>
+              </a:lnSpc>
+              <a:spcBef>
+                <a:spcPts val="600"/>
+              </a:spcBef>
+              <a:spcAft>
+                <a:spcPts val="0"/>
+              </a:spcAft>
+              <a:buClrTx/>
+              <a:buSzTx/>
+              <a:buFontTx/>
+              <a:buNone/>
+              <a:tabLst/>
+              <a:defRPr/>
+            </a:pPr>
             <a:r>
               <a:rPr lang="en-US" baseline="0" dirty="0" smtClean="0"/>
-              <a:t>Replace repeating column values with symbols stored in the same block</a:t>
-            </a:r>
-          </a:p>
-          <a:p>
+              <a:t>Mention </a:t>
+            </a:r>
+            <a:r>
+              <a:rPr lang="en-US" baseline="0" dirty="0" err="1" smtClean="0"/>
+              <a:t>Ric</a:t>
+            </a:r>
             <a:r>
               <a:rPr lang="en-US" baseline="0" dirty="0" smtClean="0"/>
-              <a:t>All or nothing for columns</a:t>
-            </a:r>
-          </a:p>
-          <a:p>
+              <a:t> talk (on </a:t>
+            </a:r>
+            <a:r>
+              <a:rPr lang="en-US" baseline="0" dirty="0" err="1" smtClean="0"/>
+              <a:t>monday</a:t>
+            </a:r>
             <a:r>
               <a:rPr lang="en-US" baseline="0" dirty="0" smtClean="0"/>
-              <a:t> - a column is compressed as a unit and each column in a row has one and only one symbol or length byte. </a:t>
+              <a:t>)</a:t>
+            </a:r>
+          </a:p>
+          <a:p>
+            <a:pPr marL="0" marR="0" lvl="0" indent="0" algn="l" defTabSz="914400" rtl="0" eaLnBrk="1" fontAlgn="auto" latinLnBrk="0" hangingPunct="1">
+              <a:lnSpc>
+                <a:spcPct val="100000"/>
+              </a:lnSpc>
+              <a:spcBef>
+                <a:spcPts val="600"/>
+              </a:spcBef>
+              <a:spcAft>
+                <a:spcPts val="0"/>
+              </a:spcAft>
+              <a:buClrTx/>
+              <a:buSzTx/>
+              <a:buFontTx/>
+              <a:buNone/>
+              <a:tabLst/>
+              <a:defRPr/>
+            </a:pPr>
+            <a:endParaRPr lang="en-US" dirty="0" smtClean="0"/>
+          </a:p>
+          <a:p>
+            <a:endParaRPr lang="en-US" dirty="0" smtClean="0"/>
+          </a:p>
+          <a:p>
+            <a:r>
+              <a:rPr lang="en-US" dirty="0" smtClean="0"/>
+              <a:t>little endian </a:t>
+            </a:r>
+          </a:p>
+          <a:p>
+            <a:endParaRPr lang="en-US" dirty="0" smtClean="0"/>
+          </a:p>
+          <a:p>
+            <a:r>
+              <a:rPr lang="en-US" sz="1100" dirty="0" smtClean="0">
+                <a:solidFill>
+                  <a:prstClr val="black"/>
+                </a:solidFill>
+                <a:latin typeface="Consolas" panose="020B0609020204030204" pitchFamily="49" charset="0"/>
+              </a:rPr>
+              <a:t>43415004 01012C4B 54415203 </a:t>
+            </a:r>
+          </a:p>
+          <a:p>
+            <a:r>
+              <a:rPr lang="en-US" sz="1100" dirty="0" smtClean="0">
+                <a:solidFill>
+                  <a:prstClr val="black"/>
+                </a:solidFill>
+                <a:latin typeface="Consolas" panose="020B0609020204030204" pitchFamily="49" charset="0"/>
+              </a:rPr>
+              <a:t>Becomes (for those of us that</a:t>
+            </a:r>
+            <a:r>
+              <a:rPr lang="en-US" sz="1100" baseline="0" dirty="0" smtClean="0">
+                <a:solidFill>
+                  <a:prstClr val="black"/>
+                </a:solidFill>
+                <a:latin typeface="Consolas" panose="020B0609020204030204" pitchFamily="49" charset="0"/>
+              </a:rPr>
+              <a:t> read left to right)</a:t>
+            </a:r>
+            <a:endParaRPr lang="en-US" sz="1100" dirty="0" smtClean="0">
+              <a:solidFill>
+                <a:prstClr val="black"/>
+              </a:solidFill>
+              <a:latin typeface="Consolas" panose="020B0609020204030204" pitchFamily="49" charset="0"/>
+            </a:endParaRPr>
+          </a:p>
+          <a:p>
+            <a:r>
+              <a:rPr lang="en-US" sz="1100" dirty="0" smtClean="0">
+                <a:solidFill>
+                  <a:prstClr val="black"/>
+                </a:solidFill>
+                <a:latin typeface="Consolas" panose="020B0609020204030204" pitchFamily="49" charset="0"/>
+              </a:rPr>
+              <a:t>04504143 4b2c0101 03524154</a:t>
+            </a:r>
+          </a:p>
+          <a:p>
+            <a:r>
+              <a:rPr lang="en-US" sz="1100" dirty="0" smtClean="0">
+                <a:solidFill>
+                  <a:prstClr val="black"/>
+                </a:solidFill>
+                <a:latin typeface="Consolas" panose="020B0609020204030204" pitchFamily="49" charset="0"/>
+              </a:rPr>
+              <a:t>Matches what we see in ‘</a:t>
+            </a:r>
+            <a:r>
+              <a:rPr lang="en-US" sz="1100" dirty="0" err="1" smtClean="0">
+                <a:solidFill>
+                  <a:prstClr val="black"/>
+                </a:solidFill>
+                <a:latin typeface="Consolas" panose="020B0609020204030204" pitchFamily="49" charset="0"/>
+              </a:rPr>
+              <a:t>block_row_dump</a:t>
+            </a:r>
+            <a:r>
+              <a:rPr lang="en-US" sz="1100" dirty="0" smtClean="0">
+                <a:solidFill>
+                  <a:prstClr val="black"/>
+                </a:solidFill>
+                <a:latin typeface="Consolas" panose="020B0609020204030204" pitchFamily="49" charset="0"/>
+              </a:rPr>
+              <a:t>’</a:t>
+            </a:r>
+          </a:p>
+          <a:p>
+            <a:r>
+              <a:rPr lang="en-US" sz="1100" dirty="0" smtClean="0">
+                <a:solidFill>
+                  <a:prstClr val="black"/>
+                </a:solidFill>
+                <a:latin typeface="Consolas" panose="020B0609020204030204" pitchFamily="49" charset="0"/>
+              </a:rPr>
+              <a:t>04(length byte) 5041434b(PACK) 2c0101 (row header) 03(length byte) 514154 (RAT)</a:t>
+            </a:r>
+            <a:endParaRPr lang="en-US" dirty="0" smtClean="0"/>
+          </a:p>
+          <a:p>
+            <a:endParaRPr lang="en-US" dirty="0" smtClean="0"/>
+          </a:p>
+          <a:p>
+            <a:endParaRPr lang="en-US" dirty="0" smtClean="0"/>
+          </a:p>
+          <a:p>
+            <a:r>
+              <a:rPr lang="en-US" dirty="0" smtClean="0"/>
+              <a:t>TODO [add</a:t>
+            </a:r>
+            <a:r>
+              <a:rPr lang="en-US" baseline="0" dirty="0" smtClean="0"/>
+              <a:t> table definition and insert statement]</a:t>
             </a:r>
           </a:p>
           <a:p>
@@ -1948,6 +2013,69 @@
           </a:p>
           <a:p>
             <a:endParaRPr lang="en-US" baseline="0" dirty="0" smtClean="0"/>
+          </a:p>
+          <a:p>
+            <a:r>
+              <a:rPr lang="en-US" baseline="0" dirty="0" smtClean="0"/>
+              <a:t>Important points</a:t>
+            </a:r>
+          </a:p>
+          <a:p>
+            <a:r>
+              <a:rPr lang="en-US" baseline="0" dirty="0" smtClean="0"/>
+              <a:t> </a:t>
+            </a:r>
+            <a:r>
+              <a:rPr lang="en-US" baseline="0" dirty="0" err="1" smtClean="0"/>
+              <a:t>tl</a:t>
+            </a:r>
+            <a:r>
+              <a:rPr lang="en-US" baseline="0" dirty="0" smtClean="0"/>
+              <a:t> -&gt; total length</a:t>
+            </a:r>
+          </a:p>
+          <a:p>
+            <a:r>
+              <a:rPr lang="en-US" baseline="0" dirty="0" smtClean="0"/>
+              <a:t> rows and tables start at 0</a:t>
+            </a:r>
+          </a:p>
+          <a:p>
+            <a:r>
+              <a:rPr lang="en-US" baseline="0" dirty="0" smtClean="0"/>
+              <a:t> </a:t>
+            </a:r>
+            <a:r>
+              <a:rPr lang="en-US" baseline="0" dirty="0" err="1" smtClean="0"/>
+              <a:t>pti</a:t>
+            </a:r>
+            <a:r>
+              <a:rPr lang="en-US" baseline="0" dirty="0" smtClean="0"/>
+              <a:t> -&gt; table directory</a:t>
+            </a:r>
+          </a:p>
+          <a:p>
+            <a:r>
+              <a:rPr lang="en-US" baseline="0" dirty="0" smtClean="0"/>
+              <a:t> </a:t>
+            </a:r>
+            <a:r>
+              <a:rPr lang="en-US" baseline="0" dirty="0" err="1" smtClean="0"/>
+              <a:t>pri</a:t>
+            </a:r>
+            <a:r>
+              <a:rPr lang="en-US" baseline="0" dirty="0" smtClean="0"/>
+              <a:t> -&gt; row directory</a:t>
+            </a:r>
+          </a:p>
+          <a:p>
+            <a:endParaRPr lang="en-US" baseline="0" dirty="0" smtClean="0"/>
+          </a:p>
+          <a:p>
+            <a:endParaRPr lang="en-US" baseline="0" dirty="0" smtClean="0"/>
+          </a:p>
+          <a:p>
+            <a:endParaRPr lang="en-GB" dirty="0"/>
           </a:p>
         </p:txBody>
       </p:sp>
@@ -1974,7 +2102,7 @@
                 <a:latin typeface="Calibri" panose="020F0502020204030204"/>
               </a:rPr>
               <a:pPr/>
-              <a:t>5</a:t>
+              <a:t>4</a:t>
             </a:fld>
             <a:endParaRPr lang="en-GB">
               <a:solidFill>
@@ -1988,7 +2116,7 @@
     </p:spTree>
     <p:extLst>
       <p:ext uri="{BB962C8B-B14F-4D97-AF65-F5344CB8AC3E}">
-        <p14:creationId xmlns:p14="http://schemas.microsoft.com/office/powerpoint/2010/main" val="2660795345"/>
+        <p14:creationId xmlns:p14="http://schemas.microsoft.com/office/powerpoint/2010/main" val="1159093933"/>
       </p:ext>
     </p:extLst>
   </p:cSld>
@@ -2044,27 +2172,180 @@
         </p:nvSpPr>
         <p:spPr/>
         <p:txBody>
-          <a:bodyPr/>
+          <a:bodyPr>
+            <a:normAutofit fontScale="85000" lnSpcReduction="20000"/>
+          </a:bodyPr>
           <a:lstStyle/>
           <a:p>
             <a:r>
-              <a:rPr lang="en-US" dirty="0" smtClean="0"/>
-              <a:t>Add table for reference</a:t>
-            </a:r>
-          </a:p>
-          <a:p>
-            <a:endParaRPr lang="en-US" dirty="0" smtClean="0"/>
-          </a:p>
-          <a:p>
-            <a:r>
-              <a:rPr lang="en-US" dirty="0" smtClean="0"/>
-              <a:t>Explain</a:t>
-            </a:r>
-            <a:r>
               <a:rPr lang="en-US" baseline="0" dirty="0" smtClean="0"/>
-              <a:t> how col1 and col3 random to compress</a:t>
-            </a:r>
-            <a:endParaRPr lang="en-GB" dirty="0"/>
+              <a:t>Replace repeating column values with symbols stored in the same block</a:t>
+            </a:r>
+          </a:p>
+          <a:p>
+            <a:r>
+              <a:rPr lang="en-US" baseline="0" dirty="0" smtClean="0"/>
+              <a:t>All or nothing for columns</a:t>
+            </a:r>
+          </a:p>
+          <a:p>
+            <a:r>
+              <a:rPr lang="en-US" baseline="0" dirty="0" smtClean="0"/>
+              <a:t> - a column is compressed as a unit and each column in a row has one and only one symbol or length byte. </a:t>
+            </a:r>
+          </a:p>
+          <a:p>
+            <a:endParaRPr lang="en-US" baseline="0" dirty="0" smtClean="0"/>
+          </a:p>
+          <a:p>
+            <a:r>
+              <a:rPr lang="en-US" baseline="0" dirty="0" smtClean="0"/>
+              <a:t>(( Where are the flag byte, lock byte, and column count for compressed blocks? )) </a:t>
+            </a:r>
+          </a:p>
+          <a:p>
+            <a:endParaRPr lang="en-US" baseline="0" dirty="0" smtClean="0"/>
+          </a:p>
+          <a:p>
+            <a:endParaRPr lang="en-US" baseline="0" dirty="0" smtClean="0"/>
+          </a:p>
+          <a:p>
+            <a:r>
+              <a:rPr lang="en-US" baseline="0" dirty="0" smtClean="0"/>
+              <a:t>A couple of differences between the compressed block and the uncompressed one.</a:t>
+            </a:r>
+          </a:p>
+          <a:p>
+            <a:endParaRPr lang="en-US" baseline="0" dirty="0" smtClean="0"/>
+          </a:p>
+          <a:p>
+            <a:r>
+              <a:rPr lang="en-US" baseline="0" dirty="0" smtClean="0"/>
+              <a:t>  - First off, it doesn’t look like what I think of when I think compression. </a:t>
+            </a:r>
+          </a:p>
+          <a:p>
+            <a:r>
+              <a:rPr lang="en-US" baseline="0" dirty="0" smtClean="0"/>
+              <a:t>  I was thinking complicated algorithms that would render the data unreadable. </a:t>
+            </a:r>
+          </a:p>
+          <a:p>
+            <a:r>
+              <a:rPr lang="en-US" baseline="0" dirty="0" smtClean="0"/>
+              <a:t>     (( any chance the compression could be hidden by the dump mechanism? ))</a:t>
+            </a:r>
+          </a:p>
+          <a:p>
+            <a:r>
+              <a:rPr lang="en-US" baseline="0" dirty="0" smtClean="0"/>
+              <a:t>But what I see here looks a lot like a regular block dump. </a:t>
+            </a:r>
+          </a:p>
+          <a:p>
+            <a:endParaRPr lang="en-US" baseline="0" dirty="0" smtClean="0"/>
+          </a:p>
+          <a:p>
+            <a:r>
+              <a:rPr lang="en-US" baseline="0" dirty="0" smtClean="0"/>
+              <a:t> - The next thing to notice is that there are two tables listed in the table directory. As we see here, there are two ‘</a:t>
+            </a:r>
+            <a:r>
+              <a:rPr lang="en-US" baseline="0" dirty="0" err="1" smtClean="0"/>
+              <a:t>pti</a:t>
+            </a:r>
+            <a:r>
+              <a:rPr lang="en-US" baseline="0" dirty="0" smtClean="0"/>
+              <a:t>’ entries. Table 0 and table 1. </a:t>
+            </a:r>
+          </a:p>
+          <a:p>
+            <a:r>
+              <a:rPr lang="en-US" baseline="0" dirty="0" smtClean="0"/>
+              <a:t> - There is also a new </a:t>
+            </a:r>
+            <a:r>
+              <a:rPr lang="en-US" baseline="0" dirty="0" err="1" smtClean="0"/>
+              <a:t>fieldincluded</a:t>
+            </a:r>
+            <a:r>
+              <a:rPr lang="en-US" baseline="0" dirty="0" smtClean="0"/>
+              <a:t> with each row, the binary dump. </a:t>
+            </a:r>
+          </a:p>
+          <a:p>
+            <a:r>
+              <a:rPr lang="en-US" baseline="0" dirty="0" smtClean="0"/>
+              <a:t>(( show how binary dump matches hex dump? ))</a:t>
+            </a:r>
+          </a:p>
+          <a:p>
+            <a:r>
+              <a:rPr lang="en-US" baseline="0" dirty="0" smtClean="0"/>
+              <a:t>  You see that table 0, row 0 is 13 bytes and contains the actual row data. </a:t>
+            </a:r>
+          </a:p>
+          <a:p>
+            <a:r>
+              <a:rPr lang="en-US" baseline="0" dirty="0" smtClean="0"/>
+              <a:t>  But, if you look down here at table 1, row 0 is only 4 bytes. </a:t>
+            </a:r>
+          </a:p>
+          <a:p>
+            <a:endParaRPr lang="en-US" baseline="0" dirty="0" smtClean="0"/>
+          </a:p>
+          <a:p>
+            <a:r>
+              <a:rPr lang="en-US" baseline="0" dirty="0" smtClean="0"/>
+              <a:t>So how can these rows contain the same data but have different column lengths? Well, it has to do with the way Oracle’s compression algorithm works.</a:t>
+            </a:r>
+          </a:p>
+          <a:p>
+            <a:r>
+              <a:rPr lang="en-US" baseline="0" dirty="0" smtClean="0"/>
+              <a:t>It finds duplicate values at the column level and replaces them with symbols. These symbols are stored within the block In a special symbol table. Table 0 in the example. The actual value is then replaced with row number in the symbol table that represents the value.</a:t>
+            </a:r>
+          </a:p>
+          <a:p>
+            <a:endParaRPr lang="en-US" baseline="0" dirty="0" smtClean="0"/>
+          </a:p>
+          <a:p>
+            <a:pPr marL="0" marR="0" lvl="0" indent="0" algn="l" defTabSz="914400" rtl="0" eaLnBrk="1" fontAlgn="auto" latinLnBrk="0" hangingPunct="1">
+              <a:lnSpc>
+                <a:spcPct val="100000"/>
+              </a:lnSpc>
+              <a:spcBef>
+                <a:spcPts val="600"/>
+              </a:spcBef>
+              <a:spcAft>
+                <a:spcPts val="0"/>
+              </a:spcAft>
+              <a:buClrTx/>
+              <a:buSzTx/>
+              <a:buFontTx/>
+              <a:buNone/>
+              <a:tabLst/>
+              <a:defRPr/>
+            </a:pPr>
+            <a:r>
+              <a:rPr lang="en-US" baseline="0" dirty="0" smtClean="0"/>
+              <a:t>If you look at table 1 row 0, here is the flag byte, lock byte, and column count then a 00. This directs you to table 0 row 0 which is where the actual value for the column is stored. </a:t>
+            </a:r>
+          </a:p>
+          <a:p>
+            <a:endParaRPr lang="en-US" baseline="0" dirty="0" smtClean="0"/>
+          </a:p>
+          <a:p>
+            <a:r>
+              <a:rPr lang="en-US" baseline="0" dirty="0" smtClean="0"/>
+              <a:t>  </a:t>
+            </a:r>
+          </a:p>
+          <a:p>
+            <a:endParaRPr lang="en-US" baseline="0" dirty="0" smtClean="0"/>
+          </a:p>
+          <a:p>
+            <a:endParaRPr lang="en-US" baseline="0" dirty="0" smtClean="0"/>
           </a:p>
         </p:txBody>
       </p:sp>
@@ -2091,7 +2372,7 @@
                 <a:latin typeface="Calibri" panose="020F0502020204030204"/>
               </a:rPr>
               <a:pPr/>
-              <a:t>6</a:t>
+              <a:t>5</a:t>
             </a:fld>
             <a:endParaRPr lang="en-GB">
               <a:solidFill>
@@ -2105,7 +2386,7 @@
     </p:spTree>
     <p:extLst>
       <p:ext uri="{BB962C8B-B14F-4D97-AF65-F5344CB8AC3E}">
-        <p14:creationId xmlns:p14="http://schemas.microsoft.com/office/powerpoint/2010/main" val="524081310"/>
+        <p14:creationId xmlns:p14="http://schemas.microsoft.com/office/powerpoint/2010/main" val="2660795345"/>
       </p:ext>
     </p:extLst>
   </p:cSld>
@@ -2166,12 +2447,97 @@
           <a:p>
             <a:r>
               <a:rPr lang="en-US" dirty="0" smtClean="0"/>
-              <a:t>Multiple columns</a:t>
+              <a:t>Here</a:t>
             </a:r>
             <a:r>
               <a:rPr lang="en-US" baseline="0" dirty="0" smtClean="0"/>
-              <a:t> compressed into 1</a:t>
-            </a:r>
+              <a:t> is another compressed block. This time we notice that not all of the columns in the data table contain pointers to symbols. </a:t>
+            </a:r>
+          </a:p>
+          <a:p>
+            <a:r>
+              <a:rPr lang="en-US" baseline="0" dirty="0" smtClean="0"/>
+              <a:t>By inserting values that we know were unique within the block, we can see that oracle seems to only create symbols for values that occur more than once.</a:t>
+            </a:r>
+          </a:p>
+          <a:p>
+            <a:endParaRPr lang="en-US" baseline="0" dirty="0" smtClean="0"/>
+          </a:p>
+          <a:p>
+            <a:r>
+              <a:rPr lang="en-US" baseline="0" dirty="0" smtClean="0"/>
+              <a:t>This makes since because if the values only occurs once then </a:t>
+            </a:r>
+          </a:p>
+          <a:p>
+            <a:endParaRPr lang="en-US" baseline="0" dirty="0" smtClean="0"/>
+          </a:p>
+          <a:p>
+            <a:r>
+              <a:rPr lang="en-US" baseline="0" dirty="0" smtClean="0"/>
+              <a:t>Another thing to note if your table does not contain enough data to fill up a block then it will not be compressed.</a:t>
+            </a:r>
+          </a:p>
+          <a:p>
+            <a:endParaRPr lang="en-US" baseline="0" dirty="0" smtClean="0"/>
+          </a:p>
+          <a:p>
+            <a:r>
+              <a:rPr lang="en-US" baseline="0" dirty="0" smtClean="0"/>
+              <a:t>(( Only less than one block, or does this apply to the last block of the table? ))</a:t>
+            </a:r>
+          </a:p>
+          <a:p>
+            <a:endParaRPr lang="en-US" baseline="0" dirty="0" smtClean="0"/>
+          </a:p>
+          <a:p>
+            <a:r>
+              <a:rPr lang="en-US" baseline="0" dirty="0" smtClean="0"/>
+              <a:t>The overhead for a symbols is  1 byte for the symbol, 2 bytes for a usage count, and 2 bytes for the symbol table row directory entry.</a:t>
+            </a:r>
+          </a:p>
+          <a:p>
+            <a:r>
+              <a:rPr lang="en-US" baseline="0" dirty="0" smtClean="0"/>
+              <a:t>So we would need to save at least 5 bytes for compression to be </a:t>
+            </a:r>
+            <a:r>
+              <a:rPr lang="en-US" baseline="0" dirty="0" err="1" smtClean="0"/>
+              <a:t>worthwile</a:t>
+            </a:r>
+            <a:r>
+              <a:rPr lang="en-US" baseline="0" dirty="0" smtClean="0"/>
+              <a:t>.</a:t>
+            </a:r>
+          </a:p>
+          <a:p>
+            <a:endParaRPr lang="en-US" baseline="0" dirty="0" smtClean="0"/>
+          </a:p>
+          <a:p>
+            <a:r>
+              <a:rPr lang="en-US" baseline="0" dirty="0" smtClean="0"/>
+              <a:t>I would like to also point your attention to what should be the length byte. This column is definitely not that long.</a:t>
+            </a:r>
+          </a:p>
+          <a:p>
+            <a:endParaRPr lang="en-US" baseline="0" dirty="0" smtClean="0"/>
+          </a:p>
+          <a:p>
+            <a:endParaRPr lang="en-US" baseline="0" dirty="0" smtClean="0"/>
+          </a:p>
+          <a:p>
+            <a:r>
+              <a:rPr lang="en-US" baseline="0" dirty="0" smtClean="0"/>
+              <a:t>So how do you tell the difference between symbols and length bytes.</a:t>
+            </a:r>
+          </a:p>
+          <a:p>
+            <a:endParaRPr lang="en-US" baseline="0" dirty="0" smtClean="0"/>
+          </a:p>
+          <a:p>
+            <a:endParaRPr lang="en-US" baseline="0" dirty="0" smtClean="0"/>
+          </a:p>
+          <a:p>
             <a:endParaRPr lang="en-GB" dirty="0"/>
           </a:p>
         </p:txBody>
@@ -2191,29 +2557,19 @@
           <a:bodyPr/>
           <a:lstStyle/>
           <a:p>
-            <a:fld id="{D387C5CD-A09D-43F4-B46B-CCCB3CD96AC3}" type="slidenum">
-              <a:rPr lang="en-GB" smtClean="0">
-                <a:solidFill>
-                  <a:prstClr val="black"/>
-                </a:solidFill>
-                <a:latin typeface="Calibri" panose="020F0502020204030204"/>
-              </a:rPr>
+            <a:fld id="{8547E1EE-0039-4797-B978-F453418260D1}" type="slidenum">
+              <a:rPr lang="en-US" smtClean="0"/>
               <a:pPr/>
-              <a:t>7</a:t>
+              <a:t>6</a:t>
             </a:fld>
-            <a:endParaRPr lang="en-GB">
-              <a:solidFill>
-                <a:prstClr val="black"/>
-              </a:solidFill>
-              <a:latin typeface="Calibri" panose="020F0502020204030204"/>
-            </a:endParaRPr>
+            <a:endParaRPr lang="en-US"/>
           </a:p>
         </p:txBody>
       </p:sp>
     </p:spTree>
     <p:extLst>
       <p:ext uri="{BB962C8B-B14F-4D97-AF65-F5344CB8AC3E}">
-        <p14:creationId xmlns:p14="http://schemas.microsoft.com/office/powerpoint/2010/main" val="815790963"/>
+        <p14:creationId xmlns:p14="http://schemas.microsoft.com/office/powerpoint/2010/main" val="3925726705"/>
       </p:ext>
     </p:extLst>
   </p:cSld>
@@ -2272,48 +2628,23 @@
           <a:bodyPr/>
           <a:lstStyle/>
           <a:p>
-            <a:pPr marL="0" indent="0">
-              <a:buFontTx/>
-              <a:buNone/>
-            </a:pPr>
             <a:r>
               <a:rPr lang="en-US" dirty="0" smtClean="0"/>
-              <a:t>This happens</a:t>
+              <a:t>Add table for reference</a:t>
+            </a:r>
+          </a:p>
+          <a:p>
+            <a:endParaRPr lang="en-US" dirty="0" smtClean="0"/>
+          </a:p>
+          <a:p>
+            <a:r>
+              <a:rPr lang="en-US" dirty="0" smtClean="0"/>
+              <a:t>Explain</a:t>
             </a:r>
             <a:r>
               <a:rPr lang="en-US" baseline="0" dirty="0" smtClean="0"/>
-              <a:t> at the block level</a:t>
-            </a:r>
-          </a:p>
-          <a:p>
-            <a:pPr marL="0" indent="0">
-              <a:buFontTx/>
-              <a:buNone/>
-            </a:pPr>
-            <a:endParaRPr lang="en-US" baseline="0" dirty="0" smtClean="0"/>
-          </a:p>
-          <a:p>
-            <a:pPr marL="0" indent="0">
-              <a:buFontTx/>
-              <a:buNone/>
-            </a:pPr>
-            <a:r>
-              <a:rPr lang="en-US" baseline="0" dirty="0" smtClean="0"/>
-              <a:t>When does it compress? Formula?</a:t>
-            </a:r>
-          </a:p>
-          <a:p>
-            <a:pPr marL="0" indent="0">
-              <a:buFontTx/>
-              <a:buNone/>
-            </a:pPr>
-            <a:endParaRPr lang="en-US" baseline="0" dirty="0" smtClean="0"/>
-          </a:p>
-          <a:p>
-            <a:pPr marL="0" indent="0">
-              <a:buFontTx/>
-              <a:buNone/>
-            </a:pPr>
+              <a:t> how col1 and col3 random to compress</a:t>
+            </a:r>
             <a:endParaRPr lang="en-GB" dirty="0"/>
           </a:p>
         </p:txBody>
@@ -2341,7 +2672,7 @@
                 <a:latin typeface="Calibri" panose="020F0502020204030204"/>
               </a:rPr>
               <a:pPr/>
-              <a:t>8</a:t>
+              <a:t>7</a:t>
             </a:fld>
             <a:endParaRPr lang="en-GB">
               <a:solidFill>
@@ -2355,7 +2686,7 @@
     </p:spTree>
     <p:extLst>
       <p:ext uri="{BB962C8B-B14F-4D97-AF65-F5344CB8AC3E}">
-        <p14:creationId xmlns:p14="http://schemas.microsoft.com/office/powerpoint/2010/main" val="271292092"/>
+        <p14:creationId xmlns:p14="http://schemas.microsoft.com/office/powerpoint/2010/main" val="524081310"/>
       </p:ext>
     </p:extLst>
   </p:cSld>
@@ -2416,47 +2747,12 @@
           <a:p>
             <a:r>
               <a:rPr lang="en-US" dirty="0" smtClean="0"/>
-              <a:t>Symbol rows can</a:t>
+              <a:t>Multiple columns</a:t>
             </a:r>
             <a:r>
               <a:rPr lang="en-US" baseline="0" dirty="0" smtClean="0"/>
-              <a:t> contain reference to other symbols within the block.</a:t>
-            </a:r>
-            <a:endParaRPr lang="en-US" dirty="0" smtClean="0"/>
-          </a:p>
-          <a:p>
-            <a:endParaRPr lang="en-US" dirty="0" smtClean="0"/>
-          </a:p>
-          <a:p>
-            <a:endParaRPr lang="en-US" dirty="0" smtClean="0"/>
-          </a:p>
-          <a:p>
-            <a:r>
-              <a:rPr lang="en-US" dirty="0" smtClean="0"/>
-              <a:t>Symbol</a:t>
-            </a:r>
-            <a:r>
-              <a:rPr lang="en-US" baseline="0" dirty="0" smtClean="0"/>
-              <a:t> </a:t>
-            </a:r>
-            <a:r>
-              <a:rPr lang="en-US" dirty="0" smtClean="0"/>
-              <a:t>table row header?</a:t>
-            </a:r>
-          </a:p>
-          <a:p>
-            <a:endParaRPr lang="en-US" dirty="0" smtClean="0"/>
-          </a:p>
-          <a:p>
-            <a:r>
-              <a:rPr lang="en-US" dirty="0" smtClean="0"/>
-              <a:t>ITL and symbol table?</a:t>
-            </a:r>
-          </a:p>
-          <a:p>
-            <a:endParaRPr lang="en-US" dirty="0" smtClean="0"/>
-          </a:p>
-          <a:p>
+              <a:t> compressed into 1</a:t>
+            </a:r>
             <a:endParaRPr lang="en-GB" dirty="0"/>
           </a:p>
         </p:txBody>
@@ -2498,7 +2794,7 @@
     </p:spTree>
     <p:extLst>
       <p:ext uri="{BB962C8B-B14F-4D97-AF65-F5344CB8AC3E}">
-        <p14:creationId xmlns:p14="http://schemas.microsoft.com/office/powerpoint/2010/main" val="246327001"/>
+        <p14:creationId xmlns:p14="http://schemas.microsoft.com/office/powerpoint/2010/main" val="815790963"/>
       </p:ext>
     </p:extLst>
   </p:cSld>
@@ -2557,14 +2853,48 @@
           <a:bodyPr/>
           <a:lstStyle/>
           <a:p>
+            <a:pPr marL="0" indent="0">
+              <a:buFontTx/>
+              <a:buNone/>
+            </a:pPr>
             <a:r>
               <a:rPr lang="en-US" dirty="0" smtClean="0"/>
-              <a:t>no</a:t>
+              <a:t>This happens</a:t>
             </a:r>
             <a:r>
               <a:rPr lang="en-US" baseline="0" dirty="0" smtClean="0"/>
-              <a:t> need to decompress in buffer cache</a:t>
-            </a:r>
+              <a:t> at the block level</a:t>
+            </a:r>
+          </a:p>
+          <a:p>
+            <a:pPr marL="0" indent="0">
+              <a:buFontTx/>
+              <a:buNone/>
+            </a:pPr>
+            <a:endParaRPr lang="en-US" baseline="0" dirty="0" smtClean="0"/>
+          </a:p>
+          <a:p>
+            <a:pPr marL="0" indent="0">
+              <a:buFontTx/>
+              <a:buNone/>
+            </a:pPr>
+            <a:r>
+              <a:rPr lang="en-US" baseline="0" dirty="0" smtClean="0"/>
+              <a:t>When does it compress? Formula?</a:t>
+            </a:r>
+          </a:p>
+          <a:p>
+            <a:pPr marL="0" indent="0">
+              <a:buFontTx/>
+              <a:buNone/>
+            </a:pPr>
+            <a:endParaRPr lang="en-US" baseline="0" dirty="0" smtClean="0"/>
+          </a:p>
+          <a:p>
+            <a:pPr marL="0" indent="0">
+              <a:buFontTx/>
+              <a:buNone/>
+            </a:pPr>
             <a:endParaRPr lang="en-GB" dirty="0"/>
           </a:p>
         </p:txBody>
@@ -2584,19 +2914,29 @@
           <a:bodyPr/>
           <a:lstStyle/>
           <a:p>
-            <a:fld id="{8547E1EE-0039-4797-B978-F453418260D1}" type="slidenum">
-              <a:rPr lang="en-US" smtClean="0"/>
+            <a:fld id="{D387C5CD-A09D-43F4-B46B-CCCB3CD96AC3}" type="slidenum">
+              <a:rPr lang="en-GB" smtClean="0">
+                <a:solidFill>
+                  <a:prstClr val="black"/>
+                </a:solidFill>
+                <a:latin typeface="Calibri" panose="020F0502020204030204"/>
+              </a:rPr>
               <a:pPr/>
               <a:t>10</a:t>
             </a:fld>
-            <a:endParaRPr lang="en-US"/>
+            <a:endParaRPr lang="en-GB">
+              <a:solidFill>
+                <a:prstClr val="black"/>
+              </a:solidFill>
+              <a:latin typeface="Calibri" panose="020F0502020204030204"/>
+            </a:endParaRPr>
           </a:p>
         </p:txBody>
       </p:sp>
     </p:spTree>
     <p:extLst>
       <p:ext uri="{BB962C8B-B14F-4D97-AF65-F5344CB8AC3E}">
-        <p14:creationId xmlns:p14="http://schemas.microsoft.com/office/powerpoint/2010/main" val="1735172723"/>
+        <p14:creationId xmlns:p14="http://schemas.microsoft.com/office/powerpoint/2010/main" val="271292092"/>
       </p:ext>
     </p:extLst>
   </p:cSld>
@@ -2872,7 +3212,7 @@
           <a:p>
             <a:fld id="{80C853A8-1CF5-4118-9D6D-C132E8FC53CB}" type="datetimeFigureOut">
               <a:rPr lang="en-US" smtClean="0"/>
-              <a:t>3/4/2018</a:t>
+              <a:t>3/5/2018</a:t>
             </a:fld>
             <a:endParaRPr lang="en-US"/>
           </a:p>
@@ -3971,7 +4311,7 @@
             <a:fld id="{80C853A8-1CF5-4118-9D6D-C132E8FC53CB}" type="datetimeFigureOut">
               <a:rPr lang="en-US" smtClean="0"/>
               <a:pPr/>
-              <a:t>3/4/2018</a:t>
+              <a:t>3/5/2018</a:t>
             </a:fld>
             <a:endParaRPr lang="en-US"/>
           </a:p>
@@ -4177,7 +4517,7 @@
           <a:p>
             <a:fld id="{80C853A8-1CF5-4118-9D6D-C132E8FC53CB}" type="datetimeFigureOut">
               <a:rPr lang="en-US" smtClean="0"/>
-              <a:t>3/4/2018</a:t>
+              <a:t>3/5/2018</a:t>
             </a:fld>
             <a:endParaRPr lang="en-US"/>
           </a:p>
@@ -4314,7 +4654,7 @@
           <a:p>
             <a:fld id="{80C853A8-1CF5-4118-9D6D-C132E8FC53CB}" type="datetimeFigureOut">
               <a:rPr lang="en-US" smtClean="0"/>
-              <a:t>3/4/2018</a:t>
+              <a:t>3/5/2018</a:t>
             </a:fld>
             <a:endParaRPr lang="en-US"/>
           </a:p>
@@ -4606,7 +4946,7 @@
           <a:p>
             <a:fld id="{80C853A8-1CF5-4118-9D6D-C132E8FC53CB}" type="datetimeFigureOut">
               <a:rPr lang="en-US" smtClean="0"/>
-              <a:t>3/4/2018</a:t>
+              <a:t>3/5/2018</a:t>
             </a:fld>
             <a:endParaRPr lang="en-US"/>
           </a:p>
@@ -4996,7 +5336,7 @@
           <a:p>
             <a:fld id="{80C853A8-1CF5-4118-9D6D-C132E8FC53CB}" type="datetimeFigureOut">
               <a:rPr lang="en-US" smtClean="0"/>
-              <a:t>3/4/2018</a:t>
+              <a:t>3/5/2018</a:t>
             </a:fld>
             <a:endParaRPr lang="en-US"/>
           </a:p>
@@ -5133,7 +5473,7 @@
           <a:p>
             <a:fld id="{80C853A8-1CF5-4118-9D6D-C132E8FC53CB}" type="datetimeFigureOut">
               <a:rPr lang="en-US" smtClean="0"/>
-              <a:t>3/4/2018</a:t>
+              <a:t>3/5/2018</a:t>
             </a:fld>
             <a:endParaRPr lang="en-US"/>
           </a:p>
@@ -5345,7 +5685,7 @@
           <a:p>
             <a:fld id="{80C853A8-1CF5-4118-9D6D-C132E8FC53CB}" type="datetimeFigureOut">
               <a:rPr lang="en-US" smtClean="0"/>
-              <a:t>3/4/2018</a:t>
+              <a:t>3/5/2018</a:t>
             </a:fld>
             <a:endParaRPr lang="en-US"/>
           </a:p>
@@ -5661,7 +6001,7 @@
           <a:p>
             <a:fld id="{80C853A8-1CF5-4118-9D6D-C132E8FC53CB}" type="datetimeFigureOut">
               <a:rPr lang="en-US" smtClean="0"/>
-              <a:t>3/4/2018</a:t>
+              <a:t>3/5/2018</a:t>
             </a:fld>
             <a:endParaRPr lang="en-US"/>
           </a:p>
@@ -6121,7 +6461,7 @@
           <a:p>
             <a:fld id="{80C853A8-1CF5-4118-9D6D-C132E8FC53CB}" type="datetimeFigureOut">
               <a:rPr lang="en-US" smtClean="0"/>
-              <a:t>3/4/2018</a:t>
+              <a:t>3/5/2018</a:t>
             </a:fld>
             <a:endParaRPr lang="en-US"/>
           </a:p>
@@ -6679,7 +7019,7 @@
           <a:p>
             <a:fld id="{80C853A8-1CF5-4118-9D6D-C132E8FC53CB}" type="datetimeFigureOut">
               <a:rPr lang="en-US" smtClean="0"/>
-              <a:t>3/4/2018</a:t>
+              <a:t>3/5/2018</a:t>
             </a:fld>
             <a:endParaRPr lang="en-US"/>
           </a:p>
@@ -7036,7 +7376,7 @@
             <a:fld id="{80C853A8-1CF5-4118-9D6D-C132E8FC53CB}" type="datetimeFigureOut">
               <a:rPr lang="en-US" smtClean="0"/>
               <a:pPr/>
-              <a:t>3/4/2018</a:t>
+              <a:t>3/5/2018</a:t>
             </a:fld>
             <a:endParaRPr lang="en-US"/>
           </a:p>
@@ -7566,7 +7906,7 @@
           <a:p>
             <a:fld id="{80C853A8-1CF5-4118-9D6D-C132E8FC53CB}" type="datetimeFigureOut">
               <a:rPr lang="en-US" smtClean="0"/>
-              <a:t>3/4/2018</a:t>
+              <a:t>3/5/2018</a:t>
             </a:fld>
             <a:endParaRPr lang="en-US"/>
           </a:p>
@@ -7969,7 +8309,7 @@
           <a:p>
             <a:fld id="{80C853A8-1CF5-4118-9D6D-C132E8FC53CB}" type="datetimeFigureOut">
               <a:rPr lang="en-US" smtClean="0"/>
-              <a:t>3/4/2018</a:t>
+              <a:t>3/5/2018</a:t>
             </a:fld>
             <a:endParaRPr lang="en-US"/>
           </a:p>
@@ -8582,7 +8922,7 @@
           <a:p>
             <a:fld id="{80C853A8-1CF5-4118-9D6D-C132E8FC53CB}" type="datetimeFigureOut">
               <a:rPr lang="en-US" smtClean="0"/>
-              <a:t>3/4/2018</a:t>
+              <a:t>3/5/2018</a:t>
             </a:fld>
             <a:endParaRPr lang="en-US"/>
           </a:p>
@@ -9454,7 +9794,7 @@
           <a:p>
             <a:fld id="{80C853A8-1CF5-4118-9D6D-C132E8FC53CB}" type="datetimeFigureOut">
               <a:rPr lang="en-US" smtClean="0"/>
-              <a:t>3/4/2018</a:t>
+              <a:t>3/5/2018</a:t>
             </a:fld>
             <a:endParaRPr lang="en-US"/>
           </a:p>
@@ -9737,7 +10077,7 @@
           <a:p>
             <a:fld id="{80C853A8-1CF5-4118-9D6D-C132E8FC53CB}" type="datetimeFigureOut">
               <a:rPr lang="en-US" smtClean="0"/>
-              <a:t>3/4/2018</a:t>
+              <a:t>3/5/2018</a:t>
             </a:fld>
             <a:endParaRPr lang="en-US"/>
           </a:p>
@@ -9950,7 +10290,7 @@
           <a:p>
             <a:fld id="{80C853A8-1CF5-4118-9D6D-C132E8FC53CB}" type="datetimeFigureOut">
               <a:rPr lang="en-US" smtClean="0"/>
-              <a:t>3/4/2018</a:t>
+              <a:t>3/5/2018</a:t>
             </a:fld>
             <a:endParaRPr lang="en-US"/>
           </a:p>
@@ -10250,7 +10590,7 @@
           <a:p>
             <a:fld id="{80C853A8-1CF5-4118-9D6D-C132E8FC53CB}" type="datetimeFigureOut">
               <a:rPr lang="en-US" smtClean="0"/>
-              <a:t>3/4/2018</a:t>
+              <a:t>3/5/2018</a:t>
             </a:fld>
             <a:endParaRPr lang="en-US"/>
           </a:p>
@@ -10670,7 +11010,7 @@
           <a:p>
             <a:fld id="{80C853A8-1CF5-4118-9D6D-C132E8FC53CB}" type="datetimeFigureOut">
               <a:rPr lang="en-US" smtClean="0"/>
-              <a:t>3/4/2018</a:t>
+              <a:t>3/5/2018</a:t>
             </a:fld>
             <a:endParaRPr lang="en-US"/>
           </a:p>
@@ -11203,7 +11543,7 @@
           <a:p>
             <a:fld id="{80C853A8-1CF5-4118-9D6D-C132E8FC53CB}" type="datetimeFigureOut">
               <a:rPr lang="en-US" smtClean="0"/>
-              <a:t>3/4/2018</a:t>
+              <a:t>3/5/2018</a:t>
             </a:fld>
             <a:endParaRPr lang="en-US"/>
           </a:p>
@@ -11402,7 +11742,7 @@
           <a:p>
             <a:fld id="{80C853A8-1CF5-4118-9D6D-C132E8FC53CB}" type="datetimeFigureOut">
               <a:rPr lang="en-US" smtClean="0"/>
-              <a:t>3/4/2018</a:t>
+              <a:t>3/5/2018</a:t>
             </a:fld>
             <a:endParaRPr lang="en-US"/>
           </a:p>
@@ -11670,7 +12010,7 @@
           <a:p>
             <a:fld id="{80C853A8-1CF5-4118-9D6D-C132E8FC53CB}" type="datetimeFigureOut">
               <a:rPr lang="en-US" smtClean="0"/>
-              <a:t>3/4/2018</a:t>
+              <a:t>3/5/2018</a:t>
             </a:fld>
             <a:endParaRPr lang="en-US"/>
           </a:p>
@@ -11984,7 +12324,7 @@
                 </a:solidFill>
               </a:rPr>
               <a:pPr/>
-              <a:t>04/03/2018</a:t>
+              <a:t>05/03/2018</a:t>
             </a:fld>
             <a:endParaRPr lang="en-GB">
               <a:solidFill>
@@ -12710,7 +13050,7 @@
                 </a:solidFill>
               </a:rPr>
               <a:pPr/>
-              <a:t>04/03/2018</a:t>
+              <a:t>05/03/2018</a:t>
             </a:fld>
             <a:endParaRPr lang="en-GB">
               <a:solidFill>
@@ -13393,7 +13733,7 @@
                 </a:solidFill>
               </a:rPr>
               <a:pPr/>
-              <a:t>04/03/2018</a:t>
+              <a:t>05/03/2018</a:t>
             </a:fld>
             <a:endParaRPr lang="en-GB">
               <a:solidFill>
@@ -14119,7 +14459,7 @@
                 </a:solidFill>
               </a:rPr>
               <a:pPr/>
-              <a:t>04/03/2018</a:t>
+              <a:t>05/03/2018</a:t>
             </a:fld>
             <a:endParaRPr lang="en-GB">
               <a:solidFill>
@@ -15328,7 +15668,7 @@
                 </a:solidFill>
               </a:rPr>
               <a:pPr/>
-              <a:t>04/03/2018</a:t>
+              <a:t>05/03/2018</a:t>
             </a:fld>
             <a:endParaRPr lang="en-GB">
               <a:solidFill>
@@ -16089,7 +16429,7 @@
             <a:fld id="{80C853A8-1CF5-4118-9D6D-C132E8FC53CB}" type="datetimeFigureOut">
               <a:rPr lang="en-US" smtClean="0"/>
               <a:pPr/>
-              <a:t>3/4/2018</a:t>
+              <a:t>3/5/2018</a:t>
             </a:fld>
             <a:endParaRPr lang="en-US"/>
           </a:p>
@@ -16302,7 +16642,7 @@
                 </a:solidFill>
               </a:rPr>
               <a:pPr/>
-              <a:t>04/03/2018</a:t>
+              <a:t>05/03/2018</a:t>
             </a:fld>
             <a:endParaRPr lang="en-GB">
               <a:solidFill>
@@ -16471,7 +16811,7 @@
                 </a:solidFill>
               </a:rPr>
               <a:pPr/>
-              <a:t>04/03/2018</a:t>
+              <a:t>05/03/2018</a:t>
             </a:fld>
             <a:endParaRPr lang="en-GB">
               <a:solidFill>
@@ -16795,7 +17135,7 @@
                 </a:solidFill>
               </a:rPr>
               <a:pPr/>
-              <a:t>04/03/2018</a:t>
+              <a:t>05/03/2018</a:t>
             </a:fld>
             <a:endParaRPr lang="en-GB">
               <a:solidFill>
@@ -17217,7 +17557,7 @@
                 </a:solidFill>
               </a:rPr>
               <a:pPr/>
-              <a:t>04/03/2018</a:t>
+              <a:t>05/03/2018</a:t>
             </a:fld>
             <a:endParaRPr lang="en-GB">
               <a:solidFill>
@@ -17386,7 +17726,7 @@
                 </a:solidFill>
               </a:rPr>
               <a:pPr/>
-              <a:t>04/03/2018</a:t>
+              <a:t>05/03/2018</a:t>
             </a:fld>
             <a:endParaRPr lang="en-GB">
               <a:solidFill>
@@ -17630,7 +17970,7 @@
                 </a:solidFill>
               </a:rPr>
               <a:pPr/>
-              <a:t>04/03/2018</a:t>
+              <a:t>05/03/2018</a:t>
             </a:fld>
             <a:endParaRPr lang="en-GB">
               <a:solidFill>
@@ -17978,7 +18318,7 @@
                 </a:solidFill>
               </a:rPr>
               <a:pPr/>
-              <a:t>04/03/2018</a:t>
+              <a:t>05/03/2018</a:t>
             </a:fld>
             <a:endParaRPr lang="en-GB">
               <a:solidFill>
@@ -18470,7 +18810,7 @@
                 </a:solidFill>
               </a:rPr>
               <a:pPr/>
-              <a:t>04/03/2018</a:t>
+              <a:t>05/03/2018</a:t>
             </a:fld>
             <a:endParaRPr lang="en-GB">
               <a:solidFill>
@@ -19060,7 +19400,7 @@
                 </a:solidFill>
               </a:rPr>
               <a:pPr/>
-              <a:t>04/03/2018</a:t>
+              <a:t>05/03/2018</a:t>
             </a:fld>
             <a:endParaRPr lang="en-GB">
               <a:solidFill>
@@ -19234,7 +19574,7 @@
                 </a:solidFill>
               </a:rPr>
               <a:pPr/>
-              <a:t>04/03/2018</a:t>
+              <a:t>05/03/2018</a:t>
             </a:fld>
             <a:endParaRPr lang="en-GB">
               <a:solidFill>
@@ -19764,7 +20104,7 @@
                 </a:solidFill>
               </a:rPr>
               <a:pPr/>
-              <a:t>04/03/2018</a:t>
+              <a:t>05/03/2018</a:t>
             </a:fld>
             <a:endParaRPr lang="en-GB">
               <a:solidFill>
@@ -20409,7 +20749,7 @@
                 </a:solidFill>
               </a:rPr>
               <a:pPr/>
-              <a:t>04/03/2018</a:t>
+              <a:t>05/03/2018</a:t>
             </a:fld>
             <a:endParaRPr lang="en-GB">
               <a:solidFill>
@@ -21313,7 +21653,7 @@
                 </a:solidFill>
               </a:rPr>
               <a:pPr/>
-              <a:t>04/03/2018</a:t>
+              <a:t>05/03/2018</a:t>
             </a:fld>
             <a:endParaRPr lang="en-GB">
               <a:solidFill>
@@ -21628,7 +21968,7 @@
                 </a:solidFill>
               </a:rPr>
               <a:pPr/>
-              <a:t>04/03/2018</a:t>
+              <a:t>05/03/2018</a:t>
             </a:fld>
             <a:endParaRPr lang="en-GB">
               <a:solidFill>
@@ -21873,7 +22213,7 @@
                 </a:solidFill>
               </a:rPr>
               <a:pPr/>
-              <a:t>04/03/2018</a:t>
+              <a:t>05/03/2018</a:t>
             </a:fld>
             <a:endParaRPr lang="en-GB">
               <a:solidFill>
@@ -22205,7 +22545,7 @@
                 </a:solidFill>
               </a:rPr>
               <a:pPr/>
-              <a:t>04/03/2018</a:t>
+              <a:t>05/03/2018</a:t>
             </a:fld>
             <a:endParaRPr lang="en-GB">
               <a:solidFill>
@@ -22657,7 +22997,7 @@
                 </a:solidFill>
               </a:rPr>
               <a:pPr/>
-              <a:t>04/03/2018</a:t>
+              <a:t>05/03/2018</a:t>
             </a:fld>
             <a:endParaRPr lang="en-GB">
               <a:solidFill>
@@ -23222,7 +23562,7 @@
                 </a:solidFill>
               </a:rPr>
               <a:pPr/>
-              <a:t>04/03/2018</a:t>
+              <a:t>05/03/2018</a:t>
             </a:fld>
             <a:endParaRPr lang="en-GB">
               <a:solidFill>
@@ -23453,7 +23793,7 @@
                 </a:solidFill>
               </a:rPr>
               <a:pPr/>
-              <a:t>04/03/2018</a:t>
+              <a:t>05/03/2018</a:t>
             </a:fld>
             <a:endParaRPr lang="en-GB">
               <a:solidFill>
@@ -24090,7 +24430,7 @@
             <a:fld id="{80C853A8-1CF5-4118-9D6D-C132E8FC53CB}" type="datetimeFigureOut">
               <a:rPr lang="en-US" smtClean="0"/>
               <a:pPr/>
-              <a:t>3/4/2018</a:t>
+              <a:t>3/5/2018</a:t>
             </a:fld>
             <a:endParaRPr lang="en-US"/>
           </a:p>
@@ -25166,7 +25506,7 @@
                 </a:solidFill>
               </a:rPr>
               <a:pPr/>
-              <a:t>04/03/2018</a:t>
+              <a:t>05/03/2018</a:t>
             </a:fld>
             <a:endParaRPr lang="en-GB">
               <a:solidFill>
@@ -26215,37 +26555,568 @@
       </p:grpSpPr>
       <p:sp>
         <p:nvSpPr>
-          <p:cNvPr id="2" name="Title 1"/>
-          <p:cNvSpPr>
-            <a:spLocks noGrp="1"/>
-          </p:cNvSpPr>
-          <p:nvPr>
-            <p:ph type="title"/>
-          </p:nvPr>
-        </p:nvSpPr>
-        <p:spPr/>
-        <p:txBody>
-          <a:bodyPr/>
-          <a:lstStyle/>
-          <a:p>
-            <a:r>
-              <a:rPr lang="en-US" dirty="0" smtClean="0"/>
-              <a:t>Better Buffer Cache</a:t>
-            </a:r>
-            <a:endParaRPr lang="en-GB" dirty="0"/>
-          </a:p>
-        </p:txBody>
-      </p:sp>
-      <p:sp>
-        <p:nvSpPr>
           <p:cNvPr id="3" name="TextBox 2"/>
           <p:cNvSpPr txBox="1"/>
           <p:nvPr/>
         </p:nvSpPr>
         <p:spPr>
           <a:xfrm>
-            <a:off x="1053852" y="1772816"/>
-            <a:ext cx="8352928" cy="3888432"/>
+            <a:off x="4208391" y="1838547"/>
+            <a:ext cx="7697480" cy="4255677"/>
+          </a:xfrm>
+          <a:prstGeom prst="rect">
+            <a:avLst/>
+          </a:prstGeom>
+          <a:noFill/>
+          <a:ln w="12700" cap="rnd" cmpd="sng">
+            <a:solidFill>
+              <a:schemeClr val="tx1">
+                <a:alpha val="50000"/>
+              </a:schemeClr>
+            </a:solidFill>
+            <a:prstDash val="sysDash"/>
+          </a:ln>
+        </p:spPr>
+        <p:txBody>
+          <a:bodyPr wrap="square" lIns="182832" tIns="182832" rIns="182832" bIns="182832" rtlCol="0">
+            <a:noAutofit/>
+          </a:bodyPr>
+          <a:lstStyle/>
+          <a:p>
+            <a:pPr>
+              <a:lnSpc>
+                <a:spcPct val="90000"/>
+              </a:lnSpc>
+            </a:pPr>
+            <a:r>
+              <a:rPr lang="en-US" sz="1799" dirty="0">
+                <a:solidFill>
+                  <a:prstClr val="black"/>
+                </a:solidFill>
+                <a:latin typeface="Consolas" panose="020B0609020204030204" pitchFamily="49" charset="0"/>
+              </a:rPr>
+              <a:t>...</a:t>
+            </a:r>
+          </a:p>
+          <a:p>
+            <a:pPr>
+              <a:lnSpc>
+                <a:spcPct val="90000"/>
+              </a:lnSpc>
+            </a:pPr>
+            <a:r>
+              <a:rPr lang="en-US" sz="1799" b="1" dirty="0">
+                <a:solidFill>
+                  <a:prstClr val="black"/>
+                </a:solidFill>
+                <a:latin typeface="Consolas" panose="020B0609020204030204" pitchFamily="49" charset="0"/>
+              </a:rPr>
+              <a:t>perm_9ir2[3]={ 0 2 1 }</a:t>
+            </a:r>
+          </a:p>
+          <a:p>
+            <a:pPr>
+              <a:lnSpc>
+                <a:spcPct val="90000"/>
+              </a:lnSpc>
+            </a:pPr>
+            <a:r>
+              <a:rPr lang="en-US" sz="1799" dirty="0">
+                <a:solidFill>
+                  <a:prstClr val="black"/>
+                </a:solidFill>
+                <a:latin typeface="Consolas" panose="020B0609020204030204" pitchFamily="49" charset="0"/>
+              </a:rPr>
+              <a:t>...</a:t>
+            </a:r>
+          </a:p>
+          <a:p>
+            <a:pPr>
+              <a:lnSpc>
+                <a:spcPct val="90000"/>
+              </a:lnSpc>
+            </a:pPr>
+            <a:r>
+              <a:rPr lang="en-US" sz="1799" dirty="0" err="1">
+                <a:solidFill>
+                  <a:prstClr val="black"/>
+                </a:solidFill>
+                <a:latin typeface="Consolas" panose="020B0609020204030204" pitchFamily="49" charset="0"/>
+              </a:rPr>
+              <a:t>block_row_dump</a:t>
+            </a:r>
+            <a:r>
+              <a:rPr lang="en-US" sz="1799" dirty="0">
+                <a:solidFill>
+                  <a:prstClr val="black"/>
+                </a:solidFill>
+                <a:latin typeface="Consolas" panose="020B0609020204030204" pitchFamily="49" charset="0"/>
+              </a:rPr>
+              <a:t>:</a:t>
+            </a:r>
+          </a:p>
+          <a:p>
+            <a:pPr>
+              <a:lnSpc>
+                <a:spcPct val="90000"/>
+              </a:lnSpc>
+            </a:pPr>
+            <a:r>
+              <a:rPr lang="en-US" sz="1799" dirty="0">
+                <a:solidFill>
+                  <a:prstClr val="black"/>
+                </a:solidFill>
+                <a:latin typeface="Consolas" panose="020B0609020204030204" pitchFamily="49" charset="0"/>
+              </a:rPr>
+              <a:t>tab 0, row 0, @0x1f67</a:t>
+            </a:r>
+          </a:p>
+          <a:p>
+            <a:pPr>
+              <a:lnSpc>
+                <a:spcPct val="90000"/>
+              </a:lnSpc>
+            </a:pPr>
+            <a:r>
+              <a:rPr lang="en-US" sz="1799" dirty="0" err="1">
+                <a:solidFill>
+                  <a:prstClr val="black"/>
+                </a:solidFill>
+                <a:latin typeface="Consolas" panose="020B0609020204030204" pitchFamily="49" charset="0"/>
+              </a:rPr>
+              <a:t>tl</a:t>
+            </a:r>
+            <a:r>
+              <a:rPr lang="en-US" sz="1799" dirty="0">
+                <a:solidFill>
+                  <a:prstClr val="black"/>
+                </a:solidFill>
+                <a:latin typeface="Consolas" panose="020B0609020204030204" pitchFamily="49" charset="0"/>
+              </a:rPr>
+              <a:t>: 25 </a:t>
+            </a:r>
+            <a:r>
+              <a:rPr lang="en-US" sz="1799" dirty="0">
+                <a:solidFill>
+                  <a:srgbClr val="E5E8E8">
+                    <a:lumMod val="90000"/>
+                  </a:srgbClr>
+                </a:solidFill>
+                <a:latin typeface="Consolas" panose="020B0609020204030204" pitchFamily="49" charset="0"/>
+              </a:rPr>
+              <a:t>fb: --H-FL-- </a:t>
+            </a:r>
+            <a:r>
+              <a:rPr lang="en-US" sz="1799" dirty="0" err="1">
+                <a:solidFill>
+                  <a:srgbClr val="E5E8E8">
+                    <a:lumMod val="90000"/>
+                  </a:srgbClr>
+                </a:solidFill>
+                <a:latin typeface="Consolas" panose="020B0609020204030204" pitchFamily="49" charset="0"/>
+              </a:rPr>
+              <a:t>lb</a:t>
+            </a:r>
+            <a:r>
+              <a:rPr lang="en-US" sz="1799" dirty="0">
+                <a:solidFill>
+                  <a:srgbClr val="E5E8E8">
+                    <a:lumMod val="90000"/>
+                  </a:srgbClr>
+                </a:solidFill>
+                <a:latin typeface="Consolas" panose="020B0609020204030204" pitchFamily="49" charset="0"/>
+              </a:rPr>
+              <a:t>: 0x0  cc: 2</a:t>
+            </a:r>
+          </a:p>
+          <a:p>
+            <a:pPr>
+              <a:lnSpc>
+                <a:spcPct val="90000"/>
+              </a:lnSpc>
+            </a:pPr>
+            <a:r>
+              <a:rPr lang="en-US" sz="1799" dirty="0">
+                <a:solidFill>
+                  <a:srgbClr val="E5E8E8">
+                    <a:lumMod val="90000"/>
+                  </a:srgbClr>
+                </a:solidFill>
+                <a:latin typeface="Consolas" panose="020B0609020204030204" pitchFamily="49" charset="0"/>
+              </a:rPr>
+              <a:t>col  0: [10]  41 41 41 41 41 41 41 41 41 41</a:t>
+            </a:r>
+          </a:p>
+          <a:p>
+            <a:pPr>
+              <a:lnSpc>
+                <a:spcPct val="90000"/>
+              </a:lnSpc>
+            </a:pPr>
+            <a:r>
+              <a:rPr lang="en-US" sz="1799" dirty="0">
+                <a:solidFill>
+                  <a:srgbClr val="E5E8E8">
+                    <a:lumMod val="90000"/>
+                  </a:srgbClr>
+                </a:solidFill>
+                <a:latin typeface="Consolas" panose="020B0609020204030204" pitchFamily="49" charset="0"/>
+              </a:rPr>
+              <a:t>col  1: [10]  42 42 42 42 42 42 42 42 42 42</a:t>
+            </a:r>
+          </a:p>
+          <a:p>
+            <a:pPr>
+              <a:lnSpc>
+                <a:spcPct val="90000"/>
+              </a:lnSpc>
+            </a:pPr>
+            <a:r>
+              <a:rPr lang="en-US" sz="1799" dirty="0" err="1">
+                <a:solidFill>
+                  <a:srgbClr val="E5E8E8">
+                    <a:lumMod val="90000"/>
+                  </a:srgbClr>
+                </a:solidFill>
+                <a:latin typeface="Consolas" panose="020B0609020204030204" pitchFamily="49" charset="0"/>
+              </a:rPr>
+              <a:t>bindmp</a:t>
+            </a:r>
+            <a:r>
+              <a:rPr lang="en-US" sz="1799" dirty="0">
+                <a:solidFill>
+                  <a:srgbClr val="E5E8E8">
+                    <a:lumMod val="90000"/>
+                  </a:srgbClr>
+                </a:solidFill>
+                <a:latin typeface="Consolas" panose="020B0609020204030204" pitchFamily="49" charset="0"/>
+              </a:rPr>
+              <a:t>: 01 d5 02 d2 41 41 41 41 41 41 41 41 41 41 d2 42 42 42 42 42 42 42 42 42 42</a:t>
+            </a:r>
+          </a:p>
+          <a:p>
+            <a:pPr>
+              <a:lnSpc>
+                <a:spcPct val="90000"/>
+              </a:lnSpc>
+            </a:pPr>
+            <a:r>
+              <a:rPr lang="en-US" sz="1799" dirty="0">
+                <a:solidFill>
+                  <a:prstClr val="black"/>
+                </a:solidFill>
+                <a:latin typeface="Consolas" panose="020B0609020204030204" pitchFamily="49" charset="0"/>
+              </a:rPr>
+              <a:t>tab 1, row 0, @0x1f58</a:t>
+            </a:r>
+          </a:p>
+          <a:p>
+            <a:pPr>
+              <a:lnSpc>
+                <a:spcPct val="90000"/>
+              </a:lnSpc>
+            </a:pPr>
+            <a:r>
+              <a:rPr lang="en-US" sz="1799" dirty="0" err="1">
+                <a:solidFill>
+                  <a:prstClr val="black"/>
+                </a:solidFill>
+                <a:latin typeface="Consolas" panose="020B0609020204030204" pitchFamily="49" charset="0"/>
+              </a:rPr>
+              <a:t>tl</a:t>
+            </a:r>
+            <a:r>
+              <a:rPr lang="en-US" sz="1799" dirty="0">
+                <a:solidFill>
+                  <a:prstClr val="black"/>
+                </a:solidFill>
+                <a:latin typeface="Consolas" panose="020B0609020204030204" pitchFamily="49" charset="0"/>
+              </a:rPr>
+              <a:t>: 15 </a:t>
+            </a:r>
+            <a:r>
+              <a:rPr lang="en-US" sz="1799" dirty="0">
+                <a:solidFill>
+                  <a:srgbClr val="E5E8E8">
+                    <a:lumMod val="90000"/>
+                  </a:srgbClr>
+                </a:solidFill>
+                <a:latin typeface="Consolas" panose="020B0609020204030204" pitchFamily="49" charset="0"/>
+              </a:rPr>
+              <a:t>fb: --H-FL-- </a:t>
+            </a:r>
+            <a:r>
+              <a:rPr lang="en-US" sz="1799" dirty="0" err="1">
+                <a:solidFill>
+                  <a:srgbClr val="E5E8E8">
+                    <a:lumMod val="90000"/>
+                  </a:srgbClr>
+                </a:solidFill>
+                <a:latin typeface="Consolas" panose="020B0609020204030204" pitchFamily="49" charset="0"/>
+              </a:rPr>
+              <a:t>lb</a:t>
+            </a:r>
+            <a:r>
+              <a:rPr lang="en-US" sz="1799" dirty="0">
+                <a:solidFill>
+                  <a:srgbClr val="E5E8E8">
+                    <a:lumMod val="90000"/>
+                  </a:srgbClr>
+                </a:solidFill>
+                <a:latin typeface="Consolas" panose="020B0609020204030204" pitchFamily="49" charset="0"/>
+              </a:rPr>
+              <a:t>: 0x0  cc: 3</a:t>
+            </a:r>
+          </a:p>
+          <a:p>
+            <a:pPr>
+              <a:lnSpc>
+                <a:spcPct val="90000"/>
+              </a:lnSpc>
+            </a:pPr>
+            <a:r>
+              <a:rPr lang="en-US" sz="1799" dirty="0">
+                <a:solidFill>
+                  <a:srgbClr val="E5E8E8">
+                    <a:lumMod val="90000"/>
+                  </a:srgbClr>
+                </a:solidFill>
+                <a:latin typeface="Consolas" panose="020B0609020204030204" pitchFamily="49" charset="0"/>
+              </a:rPr>
+              <a:t>col  0: [10]  41 41 41 41 41 41 41 41 41 41</a:t>
+            </a:r>
+          </a:p>
+          <a:p>
+            <a:pPr>
+              <a:lnSpc>
+                <a:spcPct val="90000"/>
+              </a:lnSpc>
+            </a:pPr>
+            <a:r>
+              <a:rPr lang="en-US" sz="1799" dirty="0">
+                <a:solidFill>
+                  <a:srgbClr val="E5E8E8">
+                    <a:lumMod val="90000"/>
+                  </a:srgbClr>
+                </a:solidFill>
+                <a:latin typeface="Consolas" panose="020B0609020204030204" pitchFamily="49" charset="0"/>
+              </a:rPr>
+              <a:t>col  1: [10]  42 42 42 42 42 42 42 42 42 42</a:t>
+            </a:r>
+          </a:p>
+          <a:p>
+            <a:pPr>
+              <a:lnSpc>
+                <a:spcPct val="90000"/>
+              </a:lnSpc>
+            </a:pPr>
+            <a:r>
+              <a:rPr lang="en-US" sz="1799" dirty="0">
+                <a:solidFill>
+                  <a:srgbClr val="E5E8E8">
+                    <a:lumMod val="90000"/>
+                  </a:srgbClr>
+                </a:solidFill>
+                <a:latin typeface="Consolas" panose="020B0609020204030204" pitchFamily="49" charset="0"/>
+              </a:rPr>
+              <a:t>col  2: [10]  49 4a 4d 4f 52 4a 48 45 59 41</a:t>
+            </a:r>
+          </a:p>
+          <a:p>
+            <a:pPr>
+              <a:lnSpc>
+                <a:spcPct val="90000"/>
+              </a:lnSpc>
+            </a:pPr>
+            <a:r>
+              <a:rPr lang="en-US" sz="1799" b="1" dirty="0" err="1">
+                <a:solidFill>
+                  <a:prstClr val="black"/>
+                </a:solidFill>
+                <a:highlight>
+                  <a:srgbClr val="FFFF00"/>
+                </a:highlight>
+                <a:latin typeface="Consolas" panose="020B0609020204030204" pitchFamily="49" charset="0"/>
+                <a:ea typeface="Calibri" panose="020F0502020204030204" pitchFamily="34" charset="0"/>
+                <a:cs typeface="Times New Roman" panose="02020603050405020304" pitchFamily="18" charset="0"/>
+              </a:rPr>
+              <a:t>bindmp</a:t>
+            </a:r>
+            <a:r>
+              <a:rPr lang="en-US" sz="1799" b="1" dirty="0">
+                <a:solidFill>
+                  <a:prstClr val="black"/>
+                </a:solidFill>
+                <a:highlight>
+                  <a:srgbClr val="FFFF00"/>
+                </a:highlight>
+                <a:latin typeface="Consolas" panose="020B0609020204030204" pitchFamily="49" charset="0"/>
+                <a:ea typeface="Calibri" panose="020F0502020204030204" pitchFamily="34" charset="0"/>
+                <a:cs typeface="Times New Roman" panose="02020603050405020304" pitchFamily="18" charset="0"/>
+              </a:rPr>
+              <a:t>: 2c 00 02 00 d2 49 4a 4d 4f 52 4a 48 45 59 41</a:t>
+            </a:r>
+          </a:p>
+          <a:p>
+            <a:pPr>
+              <a:lnSpc>
+                <a:spcPct val="90000"/>
+              </a:lnSpc>
+            </a:pPr>
+            <a:endParaRPr lang="en-US" sz="1799" dirty="0">
+              <a:solidFill>
+                <a:prstClr val="black"/>
+              </a:solidFill>
+              <a:latin typeface="Consolas" panose="020B0609020204030204" pitchFamily="49" charset="0"/>
+            </a:endParaRPr>
+          </a:p>
+          <a:p>
+            <a:pPr>
+              <a:lnSpc>
+                <a:spcPct val="90000"/>
+              </a:lnSpc>
+            </a:pPr>
+            <a:endParaRPr lang="en-US" sz="1799" dirty="0">
+              <a:solidFill>
+                <a:prstClr val="black"/>
+              </a:solidFill>
+              <a:latin typeface="Consolas" panose="020B0609020204030204" pitchFamily="49" charset="0"/>
+            </a:endParaRPr>
+          </a:p>
+          <a:p>
+            <a:pPr>
+              <a:lnSpc>
+                <a:spcPct val="90000"/>
+              </a:lnSpc>
+            </a:pPr>
+            <a:endParaRPr lang="en-US" sz="1799" dirty="0">
+              <a:solidFill>
+                <a:prstClr val="black"/>
+              </a:solidFill>
+              <a:latin typeface="Consolas" panose="020B0609020204030204" pitchFamily="49" charset="0"/>
+            </a:endParaRPr>
+          </a:p>
+          <a:p>
+            <a:pPr>
+              <a:lnSpc>
+                <a:spcPct val="90000"/>
+              </a:lnSpc>
+            </a:pPr>
+            <a:endParaRPr lang="en-US" sz="1799" dirty="0">
+              <a:solidFill>
+                <a:prstClr val="black"/>
+              </a:solidFill>
+              <a:latin typeface="Consolas" panose="020B0609020204030204" pitchFamily="49" charset="0"/>
+            </a:endParaRPr>
+          </a:p>
+        </p:txBody>
+      </p:sp>
+      <p:sp>
+        <p:nvSpPr>
+          <p:cNvPr id="5" name="Title 3"/>
+          <p:cNvSpPr txBox="1">
+            <a:spLocks/>
+          </p:cNvSpPr>
+          <p:nvPr/>
+        </p:nvSpPr>
+        <p:spPr>
+          <a:xfrm>
+            <a:off x="609441" y="246254"/>
+            <a:ext cx="10969943" cy="502591"/>
+          </a:xfrm>
+          <a:prstGeom prst="rect">
+            <a:avLst/>
+          </a:prstGeom>
+        </p:spPr>
+        <p:txBody>
+          <a:bodyPr vert="horz" lIns="0" tIns="0" rIns="0" bIns="0" rtlCol="0" anchor="b" anchorCtr="0">
+            <a:noAutofit/>
+          </a:bodyPr>
+          <a:lstStyle>
+            <a:lvl1pPr algn="l" defTabSz="914400" rtl="0" eaLnBrk="1" latinLnBrk="0" hangingPunct="1">
+              <a:lnSpc>
+                <a:spcPct val="90000"/>
+              </a:lnSpc>
+              <a:spcBef>
+                <a:spcPct val="0"/>
+              </a:spcBef>
+              <a:buNone/>
+              <a:defRPr sz="2800" b="1" kern="1200">
+                <a:solidFill>
+                  <a:schemeClr val="tx1"/>
+                </a:solidFill>
+                <a:latin typeface="+mj-lt"/>
+                <a:ea typeface="+mj-ea"/>
+                <a:cs typeface="+mj-cs"/>
+              </a:defRPr>
+            </a:lvl1pPr>
+          </a:lstStyle>
+          <a:p>
+            <a:r>
+              <a:rPr lang="en-US" dirty="0">
+                <a:solidFill>
+                  <a:prstClr val="black"/>
+                </a:solidFill>
+              </a:rPr>
+              <a:t>Column Reordering</a:t>
+            </a:r>
+            <a:endParaRPr lang="en-GB" dirty="0">
+              <a:solidFill>
+                <a:prstClr val="black"/>
+              </a:solidFill>
+            </a:endParaRPr>
+          </a:p>
+        </p:txBody>
+      </p:sp>
+      <p:cxnSp>
+        <p:nvCxnSpPr>
+          <p:cNvPr id="4" name="Straight Arrow Connector 3"/>
+          <p:cNvCxnSpPr>
+            <a:stCxn id="6" idx="1"/>
+          </p:cNvCxnSpPr>
+          <p:nvPr/>
+        </p:nvCxnSpPr>
+        <p:spPr>
+          <a:xfrm flipH="1">
+            <a:off x="7246540" y="1448613"/>
+            <a:ext cx="1080120" cy="900267"/>
+          </a:xfrm>
+          <a:prstGeom prst="straightConnector1">
+            <a:avLst/>
+          </a:prstGeom>
+          <a:ln w="19050">
+            <a:solidFill>
+              <a:schemeClr val="tx1"/>
+            </a:solidFill>
+            <a:miter lim="800000"/>
+            <a:tailEnd type="triangle"/>
+          </a:ln>
+        </p:spPr>
+        <p:style>
+          <a:lnRef idx="1">
+            <a:schemeClr val="accent1"/>
+          </a:lnRef>
+          <a:fillRef idx="0">
+            <a:schemeClr val="accent1"/>
+          </a:fillRef>
+          <a:effectRef idx="0">
+            <a:schemeClr val="accent1"/>
+          </a:effectRef>
+          <a:fontRef idx="minor">
+            <a:schemeClr val="tx1"/>
+          </a:fontRef>
+        </p:style>
+      </p:cxnSp>
+      <p:sp>
+        <p:nvSpPr>
+          <p:cNvPr id="6" name="TextBox 5"/>
+          <p:cNvSpPr txBox="1"/>
+          <p:nvPr/>
+        </p:nvSpPr>
+        <p:spPr>
+          <a:xfrm>
+            <a:off x="8326660" y="1196752"/>
+            <a:ext cx="1399223" cy="503722"/>
           </a:xfrm>
           <a:prstGeom prst="rect">
             <a:avLst/>
@@ -26258,59 +27129,19 @@
           </a:bodyPr>
           <a:lstStyle/>
           <a:p>
-            <a:pPr marL="285750" indent="-285750">
-              <a:lnSpc>
-                <a:spcPct val="90000"/>
-              </a:lnSpc>
-              <a:buFont typeface="Arial" panose="020B0604020202020204" pitchFamily="34" charset="0"/>
-              <a:buChar char="•"/>
-            </a:pPr>
-            <a:r>
-              <a:rPr lang="en-US" dirty="0" smtClean="0"/>
-              <a:t>Blocks are read into the buffer cache in the compressed form.</a:t>
-            </a:r>
-          </a:p>
-          <a:p>
-            <a:pPr marL="285750" indent="-285750">
-              <a:lnSpc>
-                <a:spcPct val="90000"/>
-              </a:lnSpc>
-              <a:buFont typeface="Arial" panose="020B0604020202020204" pitchFamily="34" charset="0"/>
-              <a:buChar char="•"/>
-            </a:pPr>
-            <a:r>
-              <a:rPr lang="en-US" dirty="0" smtClean="0"/>
-              <a:t>The lower CPU and IO cost when dealing with compressed blocks.</a:t>
-            </a:r>
-          </a:p>
-          <a:p>
-            <a:pPr marL="285750" indent="-285750">
-              <a:lnSpc>
-                <a:spcPct val="90000"/>
-              </a:lnSpc>
-              <a:buFont typeface="Arial" panose="020B0604020202020204" pitchFamily="34" charset="0"/>
-              <a:buChar char="•"/>
-            </a:pPr>
-            <a:r>
-              <a:rPr lang="en-US" dirty="0" smtClean="0"/>
-              <a:t>Block level compression means minimal CPU cost to </a:t>
-            </a:r>
-            <a:r>
-              <a:rPr lang="en-US" dirty="0" err="1" smtClean="0"/>
-              <a:t>uncompress</a:t>
-            </a:r>
-            <a:r>
-              <a:rPr lang="en-US" dirty="0" smtClean="0"/>
-              <a:t> data.</a:t>
-            </a:r>
-          </a:p>
-          <a:p>
             <a:pPr>
               <a:lnSpc>
                 <a:spcPct val="90000"/>
               </a:lnSpc>
             </a:pPr>
-            <a:endParaRPr lang="en-US" dirty="0"/>
+            <a:r>
+              <a:rPr lang="en-US" sz="1799" dirty="0">
+                <a:solidFill>
+                  <a:prstClr val="black"/>
+                </a:solidFill>
+              </a:rPr>
+              <a:t>Column order </a:t>
+            </a:r>
           </a:p>
           <a:p>
             <a:pPr>
@@ -26318,14 +27149,136 @@
                 <a:spcPct val="90000"/>
               </a:lnSpc>
             </a:pPr>
-            <a:endParaRPr lang="en-GB" dirty="0" err="1" smtClean="0"/>
+            <a:r>
+              <a:rPr lang="en-US" sz="1799" dirty="0">
+                <a:solidFill>
+                  <a:prstClr val="black"/>
+                </a:solidFill>
+              </a:rPr>
+              <a:t>for this block</a:t>
+            </a:r>
+          </a:p>
+        </p:txBody>
+      </p:sp>
+      <p:sp>
+        <p:nvSpPr>
+          <p:cNvPr id="10" name="TextBox 9"/>
+          <p:cNvSpPr txBox="1"/>
+          <p:nvPr/>
+        </p:nvSpPr>
+        <p:spPr>
+          <a:xfrm>
+            <a:off x="406464" y="1976772"/>
+            <a:ext cx="3554039" cy="1045447"/>
+          </a:xfrm>
+          <a:prstGeom prst="rect">
+            <a:avLst/>
+          </a:prstGeom>
+          <a:noFill/>
+        </p:spPr>
+        <p:txBody>
+          <a:bodyPr wrap="none" lIns="0" tIns="0" rIns="0" bIns="0" rtlCol="0">
+            <a:noAutofit/>
+          </a:bodyPr>
+          <a:lstStyle/>
+          <a:p>
+            <a:pPr>
+              <a:lnSpc>
+                <a:spcPct val="90000"/>
+              </a:lnSpc>
+            </a:pPr>
+            <a:r>
+              <a:rPr lang="en-GB" sz="1799" dirty="0">
+                <a:solidFill>
+                  <a:prstClr val="black"/>
+                </a:solidFill>
+              </a:rPr>
+              <a:t>insert into </a:t>
+            </a:r>
+            <a:r>
+              <a:rPr lang="en-GB" sz="1799" dirty="0" err="1">
+                <a:solidFill>
+                  <a:prstClr val="black"/>
+                </a:solidFill>
+              </a:rPr>
+              <a:t>creorder</a:t>
+            </a:r>
+            <a:r>
+              <a:rPr lang="en-GB" sz="1799" dirty="0">
+                <a:solidFill>
+                  <a:prstClr val="black"/>
+                </a:solidFill>
+              </a:rPr>
+              <a:t> </a:t>
+            </a:r>
+            <a:br>
+              <a:rPr lang="en-GB" sz="1799" dirty="0">
+                <a:solidFill>
+                  <a:prstClr val="black"/>
+                </a:solidFill>
+              </a:rPr>
+            </a:br>
+            <a:r>
+              <a:rPr lang="en-GB" sz="1799" dirty="0">
+                <a:solidFill>
+                  <a:prstClr val="black"/>
+                </a:solidFill>
+              </a:rPr>
+              <a:t>   values('AAAAAAAAAA',</a:t>
+            </a:r>
+          </a:p>
+          <a:p>
+            <a:pPr>
+              <a:lnSpc>
+                <a:spcPct val="90000"/>
+              </a:lnSpc>
+            </a:pPr>
+            <a:r>
+              <a:rPr lang="en-GB" sz="1799" dirty="0">
+                <a:solidFill>
+                  <a:prstClr val="black"/>
+                </a:solidFill>
+              </a:rPr>
+              <a:t>                  </a:t>
+            </a:r>
+            <a:r>
+              <a:rPr lang="en-GB" sz="1799" dirty="0" err="1">
+                <a:solidFill>
+                  <a:prstClr val="black"/>
+                </a:solidFill>
+              </a:rPr>
+              <a:t>dbms_random.string</a:t>
+            </a:r>
+            <a:r>
+              <a:rPr lang="en-GB" sz="1799" dirty="0">
+                <a:solidFill>
+                  <a:prstClr val="black"/>
+                </a:solidFill>
+              </a:rPr>
+              <a:t>('u',10),</a:t>
+            </a:r>
+          </a:p>
+          <a:p>
+            <a:pPr>
+              <a:lnSpc>
+                <a:spcPct val="90000"/>
+              </a:lnSpc>
+            </a:pPr>
+            <a:r>
+              <a:rPr lang="en-GB" sz="1799" dirty="0">
+                <a:solidFill>
+                  <a:prstClr val="black"/>
+                </a:solidFill>
+              </a:rPr>
+              <a:t>                  'BBBBBBBBBB');</a:t>
+            </a:r>
           </a:p>
         </p:txBody>
       </p:sp>
     </p:spTree>
     <p:extLst>
       <p:ext uri="{BB962C8B-B14F-4D97-AF65-F5344CB8AC3E}">
-        <p14:creationId xmlns:p14="http://schemas.microsoft.com/office/powerpoint/2010/main" val="3629921321"/>
+        <p14:creationId xmlns:p14="http://schemas.microsoft.com/office/powerpoint/2010/main" val="2517955768"/>
       </p:ext>
     </p:extLst>
   </p:cSld>
@@ -26344,12 +27297,24 @@
       </p:transition>
     </mc:Fallback>
   </mc:AlternateContent>
+  <p:timing>
+    <p:tnLst>
+      <p:par>
+        <p:cTn id="1" dur="indefinite" restart="never" nodeType="tmRoot"/>
+      </p:par>
+    </p:tnLst>
+  </p:timing>
 </p:sld>
 </file>
 
 <file path=ppt/slides/slide11.xml><?xml version="1.0" encoding="utf-8"?>
 <p:sld xmlns:a="http://schemas.openxmlformats.org/drawingml/2006/main" xmlns:r="http://schemas.openxmlformats.org/officeDocument/2006/relationships" xmlns:p="http://schemas.openxmlformats.org/presentationml/2006/main">
   <p:cSld>
+    <p:bg>
+      <p:bgRef idx="1001">
+        <a:schemeClr val="bg1"/>
+      </p:bgRef>
+    </p:bg>
     <p:spTree>
       <p:nvGrpSpPr>
         <p:cNvPr id="1" name=""/>
@@ -26366,37 +27331,717 @@
       </p:grpSpPr>
       <p:sp>
         <p:nvSpPr>
-          <p:cNvPr id="2" name="Title 1"/>
-          <p:cNvSpPr>
-            <a:spLocks noGrp="1"/>
-          </p:cNvSpPr>
-          <p:nvPr>
-            <p:ph type="title"/>
-          </p:nvPr>
-        </p:nvSpPr>
-        <p:spPr/>
-        <p:txBody>
-          <a:bodyPr/>
-          <a:lstStyle/>
-          <a:p>
-            <a:r>
-              <a:rPr lang="en-US" dirty="0" smtClean="0"/>
-              <a:t>Compression summary</a:t>
-            </a:r>
-            <a:endParaRPr lang="en-GB" dirty="0"/>
-          </a:p>
-        </p:txBody>
-      </p:sp>
-      <p:sp>
-        <p:nvSpPr>
           <p:cNvPr id="3" name="TextBox 2"/>
           <p:cNvSpPr txBox="1"/>
           <p:nvPr/>
         </p:nvSpPr>
         <p:spPr>
           <a:xfrm>
-            <a:off x="1701924" y="1844824"/>
-            <a:ext cx="7992888" cy="3960440"/>
+            <a:off x="2316677" y="1876159"/>
+            <a:ext cx="9361007" cy="4299991"/>
+          </a:xfrm>
+          <a:prstGeom prst="rect">
+            <a:avLst/>
+          </a:prstGeom>
+          <a:noFill/>
+          <a:ln w="12700" cap="rnd" cmpd="sng">
+            <a:solidFill>
+              <a:schemeClr val="tx1">
+                <a:alpha val="50000"/>
+              </a:schemeClr>
+            </a:solidFill>
+            <a:prstDash val="sysDash"/>
+          </a:ln>
+        </p:spPr>
+        <p:txBody>
+          <a:bodyPr wrap="square" lIns="182832" tIns="182832" rIns="182832" bIns="182832" rtlCol="0">
+            <a:noAutofit/>
+          </a:bodyPr>
+          <a:lstStyle/>
+          <a:p>
+            <a:pPr>
+              <a:lnSpc>
+                <a:spcPct val="90000"/>
+              </a:lnSpc>
+            </a:pPr>
+            <a:r>
+              <a:rPr lang="en-US" sz="1799" dirty="0" err="1">
+                <a:solidFill>
+                  <a:prstClr val="black"/>
+                </a:solidFill>
+                <a:latin typeface="Consolas" panose="020B0609020204030204" pitchFamily="49" charset="0"/>
+              </a:rPr>
+              <a:t>block_row_dump</a:t>
+            </a:r>
+            <a:r>
+              <a:rPr lang="en-US" sz="1799" dirty="0">
+                <a:solidFill>
+                  <a:prstClr val="black"/>
+                </a:solidFill>
+                <a:latin typeface="Consolas" panose="020B0609020204030204" pitchFamily="49" charset="0"/>
+              </a:rPr>
+              <a:t>:</a:t>
+            </a:r>
+          </a:p>
+          <a:p>
+            <a:pPr>
+              <a:lnSpc>
+                <a:spcPct val="90000"/>
+              </a:lnSpc>
+            </a:pPr>
+            <a:r>
+              <a:rPr lang="en-US" sz="1799" dirty="0">
+                <a:solidFill>
+                  <a:prstClr val="black"/>
+                </a:solidFill>
+                <a:latin typeface="Consolas" panose="020B0609020204030204" pitchFamily="49" charset="0"/>
+              </a:rPr>
+              <a:t>tab 0, row 0, @0x1f64</a:t>
+            </a:r>
+          </a:p>
+          <a:p>
+            <a:pPr>
+              <a:lnSpc>
+                <a:spcPct val="90000"/>
+              </a:lnSpc>
+            </a:pPr>
+            <a:r>
+              <a:rPr lang="en-US" sz="1799" dirty="0" err="1">
+                <a:solidFill>
+                  <a:prstClr val="black"/>
+                </a:solidFill>
+                <a:latin typeface="Consolas" panose="020B0609020204030204" pitchFamily="49" charset="0"/>
+              </a:rPr>
+              <a:t>tl</a:t>
+            </a:r>
+            <a:r>
+              <a:rPr lang="en-US" sz="1799" dirty="0">
+                <a:solidFill>
+                  <a:prstClr val="black"/>
+                </a:solidFill>
+                <a:latin typeface="Consolas" panose="020B0609020204030204" pitchFamily="49" charset="0"/>
+              </a:rPr>
+              <a:t>: 15 </a:t>
+            </a:r>
+            <a:r>
+              <a:rPr lang="en-US" sz="1799" dirty="0">
+                <a:solidFill>
+                  <a:srgbClr val="E5E8E8">
+                    <a:lumMod val="90000"/>
+                  </a:srgbClr>
+                </a:solidFill>
+                <a:latin typeface="Consolas" panose="020B0609020204030204" pitchFamily="49" charset="0"/>
+              </a:rPr>
+              <a:t>fb: --H-FL-- </a:t>
+            </a:r>
+            <a:r>
+              <a:rPr lang="en-US" sz="1799" dirty="0" err="1">
+                <a:solidFill>
+                  <a:srgbClr val="E5E8E8">
+                    <a:lumMod val="90000"/>
+                  </a:srgbClr>
+                </a:solidFill>
+                <a:latin typeface="Consolas" panose="020B0609020204030204" pitchFamily="49" charset="0"/>
+              </a:rPr>
+              <a:t>lb</a:t>
+            </a:r>
+            <a:r>
+              <a:rPr lang="en-US" sz="1799" dirty="0">
+                <a:solidFill>
+                  <a:srgbClr val="E5E8E8">
+                    <a:lumMod val="90000"/>
+                  </a:srgbClr>
+                </a:solidFill>
+                <a:latin typeface="Consolas" panose="020B0609020204030204" pitchFamily="49" charset="0"/>
+              </a:rPr>
+              <a:t>: 0x0  cc: 2</a:t>
+            </a:r>
+          </a:p>
+          <a:p>
+            <a:pPr>
+              <a:lnSpc>
+                <a:spcPct val="90000"/>
+              </a:lnSpc>
+            </a:pPr>
+            <a:r>
+              <a:rPr lang="en-US" sz="1799" dirty="0">
+                <a:solidFill>
+                  <a:srgbClr val="E5E8E8">
+                    <a:lumMod val="90000"/>
+                  </a:srgbClr>
+                </a:solidFill>
+                <a:latin typeface="Consolas" panose="020B0609020204030204" pitchFamily="49" charset="0"/>
+              </a:rPr>
+              <a:t>col  0: [10]  41 41 41 41 41 41 41 41 41 41</a:t>
+            </a:r>
+          </a:p>
+          <a:p>
+            <a:pPr>
+              <a:lnSpc>
+                <a:spcPct val="90000"/>
+              </a:lnSpc>
+            </a:pPr>
+            <a:r>
+              <a:rPr lang="en-US" sz="1799" dirty="0">
+                <a:solidFill>
+                  <a:srgbClr val="E5E8E8">
+                    <a:lumMod val="90000"/>
+                  </a:srgbClr>
+                </a:solidFill>
+                <a:latin typeface="Consolas" panose="020B0609020204030204" pitchFamily="49" charset="0"/>
+              </a:rPr>
+              <a:t>col  1: [10]  42 42 42 42 42 42 42 42 42 42</a:t>
+            </a:r>
+          </a:p>
+          <a:p>
+            <a:pPr>
+              <a:lnSpc>
+                <a:spcPct val="90000"/>
+              </a:lnSpc>
+            </a:pPr>
+            <a:r>
+              <a:rPr lang="en-US" sz="1799" dirty="0" err="1">
+                <a:solidFill>
+                  <a:prstClr val="black"/>
+                </a:solidFill>
+                <a:latin typeface="Consolas" panose="020B0609020204030204" pitchFamily="49" charset="0"/>
+              </a:rPr>
+              <a:t>bindmp</a:t>
+            </a:r>
+            <a:r>
+              <a:rPr lang="en-US" sz="1799" dirty="0">
+                <a:solidFill>
+                  <a:prstClr val="black"/>
+                </a:solidFill>
+                <a:latin typeface="Consolas" panose="020B0609020204030204" pitchFamily="49" charset="0"/>
+              </a:rPr>
+              <a:t>: 01 69 02 </a:t>
+            </a:r>
+            <a:r>
+              <a:rPr lang="en-US" sz="1799" b="1" dirty="0">
+                <a:solidFill>
+                  <a:srgbClr val="0096D6">
+                    <a:lumMod val="75000"/>
+                  </a:srgbClr>
+                </a:solidFill>
+                <a:latin typeface="Consolas" panose="020B0609020204030204" pitchFamily="49" charset="0"/>
+              </a:rPr>
+              <a:t>02</a:t>
+            </a:r>
+            <a:r>
+              <a:rPr lang="en-US" sz="1799" dirty="0">
+                <a:solidFill>
+                  <a:prstClr val="black"/>
+                </a:solidFill>
+                <a:latin typeface="Consolas" panose="020B0609020204030204" pitchFamily="49" charset="0"/>
+              </a:rPr>
+              <a:t> d2 42 42 42 42 42 42 42 42 42 42</a:t>
+            </a:r>
+          </a:p>
+          <a:p>
+            <a:pPr>
+              <a:lnSpc>
+                <a:spcPct val="90000"/>
+              </a:lnSpc>
+            </a:pPr>
+            <a:r>
+              <a:rPr lang="en-US" sz="1799" dirty="0">
+                <a:solidFill>
+                  <a:prstClr val="black"/>
+                </a:solidFill>
+                <a:latin typeface="Consolas" panose="020B0609020204030204" pitchFamily="49" charset="0"/>
+              </a:rPr>
+              <a:t>...</a:t>
+            </a:r>
+          </a:p>
+          <a:p>
+            <a:pPr>
+              <a:lnSpc>
+                <a:spcPct val="90000"/>
+              </a:lnSpc>
+            </a:pPr>
+            <a:r>
+              <a:rPr lang="en-US" sz="1799" dirty="0">
+                <a:solidFill>
+                  <a:prstClr val="black"/>
+                </a:solidFill>
+                <a:latin typeface="Consolas" panose="020B0609020204030204" pitchFamily="49" charset="0"/>
+              </a:rPr>
+              <a:t>tab 0, row 2, @0x1f73</a:t>
+            </a:r>
+          </a:p>
+          <a:p>
+            <a:pPr>
+              <a:lnSpc>
+                <a:spcPct val="90000"/>
+              </a:lnSpc>
+            </a:pPr>
+            <a:r>
+              <a:rPr lang="en-US" sz="1799" dirty="0" err="1">
+                <a:solidFill>
+                  <a:prstClr val="black"/>
+                </a:solidFill>
+                <a:latin typeface="Consolas" panose="020B0609020204030204" pitchFamily="49" charset="0"/>
+              </a:rPr>
+              <a:t>tl</a:t>
+            </a:r>
+            <a:r>
+              <a:rPr lang="en-US" sz="1799" dirty="0">
+                <a:solidFill>
+                  <a:prstClr val="black"/>
+                </a:solidFill>
+                <a:latin typeface="Consolas" panose="020B0609020204030204" pitchFamily="49" charset="0"/>
+              </a:rPr>
+              <a:t>: 13 </a:t>
+            </a:r>
+            <a:r>
+              <a:rPr lang="en-US" sz="1799" dirty="0">
+                <a:solidFill>
+                  <a:srgbClr val="E5E8E8">
+                    <a:lumMod val="90000"/>
+                  </a:srgbClr>
+                </a:solidFill>
+                <a:latin typeface="Consolas" panose="020B0609020204030204" pitchFamily="49" charset="0"/>
+              </a:rPr>
+              <a:t>fb: --H-FL-- </a:t>
+            </a:r>
+            <a:r>
+              <a:rPr lang="en-US" sz="1799" dirty="0" err="1">
+                <a:solidFill>
+                  <a:srgbClr val="E5E8E8">
+                    <a:lumMod val="90000"/>
+                  </a:srgbClr>
+                </a:solidFill>
+                <a:latin typeface="Consolas" panose="020B0609020204030204" pitchFamily="49" charset="0"/>
+              </a:rPr>
+              <a:t>lb</a:t>
+            </a:r>
+            <a:r>
+              <a:rPr lang="en-US" sz="1799" dirty="0">
+                <a:solidFill>
+                  <a:srgbClr val="E5E8E8">
+                    <a:lumMod val="90000"/>
+                  </a:srgbClr>
+                </a:solidFill>
+                <a:latin typeface="Consolas" panose="020B0609020204030204" pitchFamily="49" charset="0"/>
+              </a:rPr>
+              <a:t>: 0x0  cc: 1</a:t>
+            </a:r>
+          </a:p>
+          <a:p>
+            <a:pPr>
+              <a:lnSpc>
+                <a:spcPct val="90000"/>
+              </a:lnSpc>
+            </a:pPr>
+            <a:r>
+              <a:rPr lang="en-US" sz="1799" dirty="0">
+                <a:solidFill>
+                  <a:srgbClr val="E5E8E8">
+                    <a:lumMod val="90000"/>
+                  </a:srgbClr>
+                </a:solidFill>
+                <a:latin typeface="Consolas" panose="020B0609020204030204" pitchFamily="49" charset="0"/>
+              </a:rPr>
+              <a:t>col  0: [10]  41 41 41 41 41 41 41 41 41 41</a:t>
+            </a:r>
+          </a:p>
+          <a:p>
+            <a:pPr>
+              <a:lnSpc>
+                <a:spcPct val="90000"/>
+              </a:lnSpc>
+            </a:pPr>
+            <a:r>
+              <a:rPr lang="en-US" sz="1799" dirty="0" err="1">
+                <a:solidFill>
+                  <a:prstClr val="black"/>
+                </a:solidFill>
+                <a:latin typeface="Consolas" panose="020B0609020204030204" pitchFamily="49" charset="0"/>
+              </a:rPr>
+              <a:t>bindmp</a:t>
+            </a:r>
+            <a:r>
+              <a:rPr lang="en-US" sz="1799" dirty="0">
+                <a:solidFill>
+                  <a:prstClr val="black"/>
+                </a:solidFill>
+                <a:latin typeface="Consolas" panose="020B0609020204030204" pitchFamily="49" charset="0"/>
+              </a:rPr>
+              <a:t>: 00 02 d2 41 41 41 41 41 41 41 41 41 41</a:t>
+            </a:r>
+          </a:p>
+          <a:p>
+            <a:pPr>
+              <a:lnSpc>
+                <a:spcPct val="90000"/>
+              </a:lnSpc>
+            </a:pPr>
+            <a:r>
+              <a:rPr lang="en-US" sz="1799" dirty="0">
+                <a:solidFill>
+                  <a:prstClr val="black"/>
+                </a:solidFill>
+                <a:latin typeface="Consolas" panose="020B0609020204030204" pitchFamily="49" charset="0"/>
+              </a:rPr>
+              <a:t>tab 1, row 0, @0x1f51</a:t>
+            </a:r>
+          </a:p>
+          <a:p>
+            <a:pPr>
+              <a:lnSpc>
+                <a:spcPct val="90000"/>
+              </a:lnSpc>
+            </a:pPr>
+            <a:r>
+              <a:rPr lang="en-US" sz="1799" dirty="0" err="1">
+                <a:solidFill>
+                  <a:prstClr val="black"/>
+                </a:solidFill>
+                <a:latin typeface="Consolas" panose="020B0609020204030204" pitchFamily="49" charset="0"/>
+              </a:rPr>
+              <a:t>tl</a:t>
+            </a:r>
+            <a:r>
+              <a:rPr lang="en-US" sz="1799" dirty="0">
+                <a:solidFill>
+                  <a:prstClr val="black"/>
+                </a:solidFill>
+                <a:latin typeface="Consolas" panose="020B0609020204030204" pitchFamily="49" charset="0"/>
+              </a:rPr>
+              <a:t>: 4 </a:t>
+            </a:r>
+            <a:r>
+              <a:rPr lang="en-US" sz="1799" dirty="0">
+                <a:solidFill>
+                  <a:srgbClr val="E5E8E8">
+                    <a:lumMod val="90000"/>
+                  </a:srgbClr>
+                </a:solidFill>
+                <a:latin typeface="Consolas" panose="020B0609020204030204" pitchFamily="49" charset="0"/>
+              </a:rPr>
+              <a:t>fb: --H-FL-- </a:t>
+            </a:r>
+            <a:r>
+              <a:rPr lang="en-US" sz="1799" dirty="0" err="1">
+                <a:solidFill>
+                  <a:srgbClr val="E5E8E8">
+                    <a:lumMod val="90000"/>
+                  </a:srgbClr>
+                </a:solidFill>
+                <a:latin typeface="Consolas" panose="020B0609020204030204" pitchFamily="49" charset="0"/>
+              </a:rPr>
+              <a:t>lb</a:t>
+            </a:r>
+            <a:r>
+              <a:rPr lang="en-US" sz="1799" dirty="0">
+                <a:solidFill>
+                  <a:srgbClr val="E5E8E8">
+                    <a:lumMod val="90000"/>
+                  </a:srgbClr>
+                </a:solidFill>
+                <a:latin typeface="Consolas" panose="020B0609020204030204" pitchFamily="49" charset="0"/>
+              </a:rPr>
+              <a:t>: 0x0  cc: 2</a:t>
+            </a:r>
+          </a:p>
+          <a:p>
+            <a:pPr>
+              <a:lnSpc>
+                <a:spcPct val="90000"/>
+              </a:lnSpc>
+            </a:pPr>
+            <a:r>
+              <a:rPr lang="en-US" sz="1799" dirty="0">
+                <a:solidFill>
+                  <a:srgbClr val="E5E8E8">
+                    <a:lumMod val="90000"/>
+                  </a:srgbClr>
+                </a:solidFill>
+                <a:latin typeface="Consolas" panose="020B0609020204030204" pitchFamily="49" charset="0"/>
+              </a:rPr>
+              <a:t>col  0: [10]  41 41 41 41 41 41 41 41 41 41</a:t>
+            </a:r>
+          </a:p>
+          <a:p>
+            <a:pPr>
+              <a:lnSpc>
+                <a:spcPct val="90000"/>
+              </a:lnSpc>
+            </a:pPr>
+            <a:r>
+              <a:rPr lang="en-US" sz="1799" dirty="0">
+                <a:solidFill>
+                  <a:srgbClr val="E5E8E8">
+                    <a:lumMod val="90000"/>
+                  </a:srgbClr>
+                </a:solidFill>
+                <a:latin typeface="Consolas" panose="020B0609020204030204" pitchFamily="49" charset="0"/>
+              </a:rPr>
+              <a:t>col  1: [10]  42 42 42 42 42 42 42 42 42 42</a:t>
+            </a:r>
+          </a:p>
+          <a:p>
+            <a:pPr>
+              <a:lnSpc>
+                <a:spcPct val="90000"/>
+              </a:lnSpc>
+            </a:pPr>
+            <a:r>
+              <a:rPr lang="en-US" sz="1799" b="1" dirty="0" err="1">
+                <a:solidFill>
+                  <a:prstClr val="black"/>
+                </a:solidFill>
+                <a:highlight>
+                  <a:srgbClr val="FFFF00"/>
+                </a:highlight>
+                <a:latin typeface="Consolas" panose="020B0609020204030204" pitchFamily="49" charset="0"/>
+                <a:ea typeface="Calibri" panose="020F0502020204030204" pitchFamily="34" charset="0"/>
+                <a:cs typeface="Times New Roman" panose="02020603050405020304" pitchFamily="18" charset="0"/>
+              </a:rPr>
+              <a:t>bindmp</a:t>
+            </a:r>
+            <a:r>
+              <a:rPr lang="en-US" sz="1799" b="1" dirty="0">
+                <a:solidFill>
+                  <a:prstClr val="black"/>
+                </a:solidFill>
+                <a:highlight>
+                  <a:srgbClr val="FFFF00"/>
+                </a:highlight>
+                <a:latin typeface="Consolas" panose="020B0609020204030204" pitchFamily="49" charset="0"/>
+                <a:ea typeface="Calibri" panose="020F0502020204030204" pitchFamily="34" charset="0"/>
+                <a:cs typeface="Times New Roman" panose="02020603050405020304" pitchFamily="18" charset="0"/>
+              </a:rPr>
+              <a:t>: 2c 00 01 00</a:t>
+            </a:r>
+          </a:p>
+          <a:p>
+            <a:pPr>
+              <a:lnSpc>
+                <a:spcPct val="90000"/>
+              </a:lnSpc>
+            </a:pPr>
+            <a:endParaRPr lang="en-US" sz="1799" dirty="0">
+              <a:solidFill>
+                <a:prstClr val="black"/>
+              </a:solidFill>
+              <a:latin typeface="Consolas" panose="020B0609020204030204" pitchFamily="49" charset="0"/>
+            </a:endParaRPr>
+          </a:p>
+          <a:p>
+            <a:pPr>
+              <a:lnSpc>
+                <a:spcPct val="90000"/>
+              </a:lnSpc>
+            </a:pPr>
+            <a:endParaRPr lang="en-US" sz="1799" dirty="0">
+              <a:solidFill>
+                <a:prstClr val="black"/>
+              </a:solidFill>
+              <a:latin typeface="Consolas" panose="020B0609020204030204" pitchFamily="49" charset="0"/>
+            </a:endParaRPr>
+          </a:p>
+          <a:p>
+            <a:pPr>
+              <a:lnSpc>
+                <a:spcPct val="90000"/>
+              </a:lnSpc>
+            </a:pPr>
+            <a:endParaRPr lang="en-US" sz="1799" dirty="0">
+              <a:solidFill>
+                <a:prstClr val="black"/>
+              </a:solidFill>
+              <a:latin typeface="Consolas" panose="020B0609020204030204" pitchFamily="49" charset="0"/>
+            </a:endParaRPr>
+          </a:p>
+        </p:txBody>
+      </p:sp>
+      <p:sp>
+        <p:nvSpPr>
+          <p:cNvPr id="5" name="Title 3"/>
+          <p:cNvSpPr txBox="1">
+            <a:spLocks/>
+          </p:cNvSpPr>
+          <p:nvPr/>
+        </p:nvSpPr>
+        <p:spPr>
+          <a:xfrm>
+            <a:off x="609441" y="246254"/>
+            <a:ext cx="10969943" cy="502591"/>
+          </a:xfrm>
+          <a:prstGeom prst="rect">
+            <a:avLst/>
+          </a:prstGeom>
+        </p:spPr>
+        <p:txBody>
+          <a:bodyPr vert="horz" lIns="0" tIns="0" rIns="0" bIns="0" rtlCol="0" anchor="b" anchorCtr="0">
+            <a:noAutofit/>
+          </a:bodyPr>
+          <a:lstStyle>
+            <a:lvl1pPr algn="l" defTabSz="914400" rtl="0" eaLnBrk="1" latinLnBrk="0" hangingPunct="1">
+              <a:lnSpc>
+                <a:spcPct val="90000"/>
+              </a:lnSpc>
+              <a:spcBef>
+                <a:spcPct val="0"/>
+              </a:spcBef>
+              <a:buNone/>
+              <a:defRPr sz="2800" b="1" kern="1200">
+                <a:solidFill>
+                  <a:schemeClr val="tx1"/>
+                </a:solidFill>
+                <a:latin typeface="+mj-lt"/>
+                <a:ea typeface="+mj-ea"/>
+                <a:cs typeface="+mj-cs"/>
+              </a:defRPr>
+            </a:lvl1pPr>
+          </a:lstStyle>
+          <a:p>
+            <a:r>
+              <a:rPr lang="en-US" dirty="0" smtClean="0">
+                <a:solidFill>
+                  <a:prstClr val="black"/>
+                </a:solidFill>
+              </a:rPr>
+              <a:t>Symbols </a:t>
+            </a:r>
+            <a:r>
+              <a:rPr lang="en-US" dirty="0">
+                <a:solidFill>
+                  <a:prstClr val="black"/>
+                </a:solidFill>
+              </a:rPr>
+              <a:t>all the way down</a:t>
+            </a:r>
+            <a:endParaRPr lang="en-GB" dirty="0">
+              <a:solidFill>
+                <a:prstClr val="black"/>
+              </a:solidFill>
+            </a:endParaRPr>
+          </a:p>
+        </p:txBody>
+      </p:sp>
+      <p:sp>
+        <p:nvSpPr>
+          <p:cNvPr id="4" name="Rounded Rectangle 3"/>
+          <p:cNvSpPr/>
+          <p:nvPr/>
+        </p:nvSpPr>
+        <p:spPr>
+          <a:xfrm>
+            <a:off x="4561193" y="3271772"/>
+            <a:ext cx="401400" cy="261190"/>
+          </a:xfrm>
+          <a:prstGeom prst="roundRect">
+            <a:avLst/>
+          </a:prstGeom>
+          <a:noFill/>
+          <a:ln w="19050">
+            <a:solidFill>
+              <a:srgbClr val="40A85F"/>
+            </a:solidFill>
+            <a:miter lim="800000"/>
+          </a:ln>
+        </p:spPr>
+        <p:style>
+          <a:lnRef idx="2">
+            <a:schemeClr val="accent1">
+              <a:shade val="50000"/>
+            </a:schemeClr>
+          </a:lnRef>
+          <a:fillRef idx="1">
+            <a:schemeClr val="accent1"/>
+          </a:fillRef>
+          <a:effectRef idx="0">
+            <a:schemeClr val="accent1"/>
+          </a:effectRef>
+          <a:fontRef idx="minor">
+            <a:schemeClr val="lt1"/>
+          </a:fontRef>
+        </p:style>
+        <p:txBody>
+          <a:bodyPr rtlCol="0" anchor="ctr"/>
+          <a:lstStyle/>
+          <a:p>
+            <a:pPr algn="ctr">
+              <a:lnSpc>
+                <a:spcPct val="90000"/>
+              </a:lnSpc>
+            </a:pPr>
+            <a:endParaRPr lang="en-GB" sz="1799" dirty="0">
+              <a:solidFill>
+                <a:prstClr val="white"/>
+              </a:solidFill>
+            </a:endParaRPr>
+          </a:p>
+        </p:txBody>
+      </p:sp>
+      <p:sp>
+        <p:nvSpPr>
+          <p:cNvPr id="6" name="Rounded Rectangle 5"/>
+          <p:cNvSpPr/>
+          <p:nvPr/>
+        </p:nvSpPr>
+        <p:spPr>
+          <a:xfrm>
+            <a:off x="2490336" y="3797467"/>
+            <a:ext cx="1642048" cy="223873"/>
+          </a:xfrm>
+          <a:prstGeom prst="roundRect">
+            <a:avLst/>
+          </a:prstGeom>
+          <a:noFill/>
+          <a:ln w="19050">
+            <a:solidFill>
+              <a:srgbClr val="40A85F"/>
+            </a:solidFill>
+            <a:miter lim="800000"/>
+          </a:ln>
+        </p:spPr>
+        <p:style>
+          <a:lnRef idx="2">
+            <a:schemeClr val="accent1">
+              <a:shade val="50000"/>
+            </a:schemeClr>
+          </a:lnRef>
+          <a:fillRef idx="1">
+            <a:schemeClr val="accent1"/>
+          </a:fillRef>
+          <a:effectRef idx="0">
+            <a:schemeClr val="accent1"/>
+          </a:effectRef>
+          <a:fontRef idx="minor">
+            <a:schemeClr val="lt1"/>
+          </a:fontRef>
+        </p:style>
+        <p:txBody>
+          <a:bodyPr rtlCol="0" anchor="ctr"/>
+          <a:lstStyle/>
+          <a:p>
+            <a:pPr algn="ctr">
+              <a:lnSpc>
+                <a:spcPct val="90000"/>
+              </a:lnSpc>
+            </a:pPr>
+            <a:endParaRPr lang="en-GB" sz="1799" dirty="0">
+              <a:solidFill>
+                <a:prstClr val="white"/>
+              </a:solidFill>
+            </a:endParaRPr>
+          </a:p>
+        </p:txBody>
+      </p:sp>
+      <p:sp>
+        <p:nvSpPr>
+          <p:cNvPr id="7" name="TextBox 6"/>
+          <p:cNvSpPr txBox="1"/>
+          <p:nvPr/>
+        </p:nvSpPr>
+        <p:spPr>
+          <a:xfrm>
+            <a:off x="459516" y="2592119"/>
+            <a:ext cx="1473845" cy="503722"/>
           </a:xfrm>
           <a:prstGeom prst="rect">
             <a:avLst/>
@@ -26409,78 +28054,218 @@
           </a:bodyPr>
           <a:lstStyle/>
           <a:p>
-            <a:pPr marL="285750" indent="-285750">
+            <a:pPr>
               <a:lnSpc>
                 <a:spcPct val="90000"/>
               </a:lnSpc>
-              <a:buFont typeface="Arial" panose="020B0604020202020204" pitchFamily="34" charset="0"/>
-              <a:buChar char="•"/>
             </a:pPr>
             <a:r>
-              <a:rPr lang="en-US" dirty="0" smtClean="0"/>
-              <a:t>Compression is at the block level</a:t>
-            </a:r>
-          </a:p>
-          <a:p>
-            <a:pPr marL="285750" indent="-285750">
+              <a:rPr lang="en-US" sz="1799" dirty="0">
+                <a:solidFill>
+                  <a:prstClr val="black"/>
+                </a:solidFill>
+              </a:rPr>
+              <a:t>Table 0 points </a:t>
+            </a:r>
+          </a:p>
+          <a:p>
+            <a:pPr>
               <a:lnSpc>
                 <a:spcPct val="90000"/>
               </a:lnSpc>
-              <a:buFont typeface="Arial" panose="020B0604020202020204" pitchFamily="34" charset="0"/>
-              <a:buChar char="•"/>
             </a:pPr>
             <a:r>
-              <a:rPr lang="en-US" dirty="0" smtClean="0"/>
-              <a:t>Repeated values are replaced with symbols</a:t>
-            </a:r>
-          </a:p>
-          <a:p>
-            <a:pPr marL="285750" indent="-285750">
+              <a:rPr lang="en-US" sz="1799" dirty="0">
+                <a:solidFill>
+                  <a:prstClr val="black"/>
+                </a:solidFill>
+              </a:rPr>
+              <a:t>    to itself </a:t>
+            </a:r>
+          </a:p>
+        </p:txBody>
+      </p:sp>
+      <p:cxnSp>
+        <p:nvCxnSpPr>
+          <p:cNvPr id="8" name="Straight Arrow Connector 7"/>
+          <p:cNvCxnSpPr>
+            <a:stCxn id="7" idx="3"/>
+            <a:endCxn id="4" idx="1"/>
+          </p:cNvCxnSpPr>
+          <p:nvPr/>
+        </p:nvCxnSpPr>
+        <p:spPr>
+          <a:xfrm>
+            <a:off x="1933361" y="2843980"/>
+            <a:ext cx="2627831" cy="558387"/>
+          </a:xfrm>
+          <a:prstGeom prst="straightConnector1">
+            <a:avLst/>
+          </a:prstGeom>
+          <a:ln w="19050">
+            <a:solidFill>
+              <a:schemeClr val="tx1"/>
+            </a:solidFill>
+            <a:miter lim="800000"/>
+            <a:tailEnd type="triangle"/>
+          </a:ln>
+        </p:spPr>
+        <p:style>
+          <a:lnRef idx="1">
+            <a:schemeClr val="accent1"/>
+          </a:lnRef>
+          <a:fillRef idx="0">
+            <a:schemeClr val="accent1"/>
+          </a:fillRef>
+          <a:effectRef idx="0">
+            <a:schemeClr val="accent1"/>
+          </a:effectRef>
+          <a:fontRef idx="minor">
+            <a:schemeClr val="tx1"/>
+          </a:fontRef>
+        </p:style>
+      </p:cxnSp>
+      <p:cxnSp>
+        <p:nvCxnSpPr>
+          <p:cNvPr id="9" name="Straight Arrow Connector 8"/>
+          <p:cNvCxnSpPr>
+            <a:stCxn id="7" idx="3"/>
+            <a:endCxn id="6" idx="1"/>
+          </p:cNvCxnSpPr>
+          <p:nvPr/>
+        </p:nvCxnSpPr>
+        <p:spPr>
+          <a:xfrm>
+            <a:off x="1933361" y="2843981"/>
+            <a:ext cx="556975" cy="1065423"/>
+          </a:xfrm>
+          <a:prstGeom prst="straightConnector1">
+            <a:avLst/>
+          </a:prstGeom>
+          <a:ln w="19050">
+            <a:solidFill>
+              <a:schemeClr val="tx1"/>
+            </a:solidFill>
+            <a:miter lim="800000"/>
+            <a:tailEnd type="triangle"/>
+          </a:ln>
+        </p:spPr>
+        <p:style>
+          <a:lnRef idx="1">
+            <a:schemeClr val="accent1"/>
+          </a:lnRef>
+          <a:fillRef idx="0">
+            <a:schemeClr val="accent1"/>
+          </a:fillRef>
+          <a:effectRef idx="0">
+            <a:schemeClr val="accent1"/>
+          </a:effectRef>
+          <a:fontRef idx="minor">
+            <a:schemeClr val="tx1"/>
+          </a:fontRef>
+        </p:style>
+      </p:cxnSp>
+      <p:cxnSp>
+        <p:nvCxnSpPr>
+          <p:cNvPr id="14" name="Straight Arrow Connector 13"/>
+          <p:cNvCxnSpPr>
+            <a:stCxn id="16" idx="3"/>
+          </p:cNvCxnSpPr>
+          <p:nvPr/>
+        </p:nvCxnSpPr>
+        <p:spPr>
+          <a:xfrm>
+            <a:off x="1772352" y="5322967"/>
+            <a:ext cx="717984" cy="561702"/>
+          </a:xfrm>
+          <a:prstGeom prst="straightConnector1">
+            <a:avLst/>
+          </a:prstGeom>
+          <a:ln w="19050">
+            <a:solidFill>
+              <a:schemeClr val="tx1"/>
+            </a:solidFill>
+            <a:miter lim="800000"/>
+            <a:tailEnd type="triangle"/>
+          </a:ln>
+        </p:spPr>
+        <p:style>
+          <a:lnRef idx="1">
+            <a:schemeClr val="accent1"/>
+          </a:lnRef>
+          <a:fillRef idx="0">
+            <a:schemeClr val="accent1"/>
+          </a:fillRef>
+          <a:effectRef idx="0">
+            <a:schemeClr val="accent1"/>
+          </a:effectRef>
+          <a:fontRef idx="minor">
+            <a:schemeClr val="tx1"/>
+          </a:fontRef>
+        </p:style>
+      </p:cxnSp>
+      <p:sp>
+        <p:nvSpPr>
+          <p:cNvPr id="16" name="TextBox 15"/>
+          <p:cNvSpPr txBox="1"/>
+          <p:nvPr/>
+        </p:nvSpPr>
+        <p:spPr>
+          <a:xfrm>
+            <a:off x="620526" y="5071107"/>
+            <a:ext cx="1151826" cy="503722"/>
+          </a:xfrm>
+          <a:prstGeom prst="rect">
+            <a:avLst/>
+          </a:prstGeom>
+          <a:noFill/>
+        </p:spPr>
+        <p:txBody>
+          <a:bodyPr wrap="none" lIns="0" tIns="0" rIns="0" bIns="0" rtlCol="0">
+            <a:noAutofit/>
+          </a:bodyPr>
+          <a:lstStyle/>
+          <a:p>
+            <a:pPr>
               <a:lnSpc>
                 <a:spcPct val="90000"/>
               </a:lnSpc>
-              <a:buFont typeface="Arial" panose="020B0604020202020204" pitchFamily="34" charset="0"/>
-              <a:buChar char="•"/>
             </a:pPr>
             <a:r>
-              <a:rPr lang="en-US" dirty="0" smtClean="0"/>
-              <a:t>Symbols can reference other symbols</a:t>
-            </a:r>
-          </a:p>
-          <a:p>
-            <a:pPr marL="285750" indent="-285750">
+              <a:rPr lang="en-US" sz="1799" dirty="0">
+                <a:solidFill>
+                  <a:prstClr val="black"/>
+                </a:solidFill>
+              </a:rPr>
+              <a:t>Table 1 still </a:t>
+            </a:r>
+          </a:p>
+          <a:p>
+            <a:pPr>
               <a:lnSpc>
                 <a:spcPct val="90000"/>
               </a:lnSpc>
-              <a:buFont typeface="Arial" panose="020B0604020202020204" pitchFamily="34" charset="0"/>
-              <a:buChar char="•"/>
             </a:pPr>
             <a:r>
-              <a:rPr lang="en-US" dirty="0" smtClean="0"/>
-              <a:t>Column values are atomic unit of compression</a:t>
-            </a:r>
-          </a:p>
-          <a:p>
-            <a:pPr marL="285750" indent="-285750">
-              <a:lnSpc>
-                <a:spcPct val="90000"/>
-              </a:lnSpc>
-              <a:buFont typeface="Arial" panose="020B0604020202020204" pitchFamily="34" charset="0"/>
-              <a:buChar char="•"/>
-            </a:pPr>
-            <a:endParaRPr lang="en-GB" dirty="0" err="1" smtClean="0"/>
+              <a:rPr lang="en-US" sz="1799" dirty="0">
+                <a:solidFill>
+                  <a:prstClr val="black"/>
+                </a:solidFill>
+              </a:rPr>
+              <a:t>  the same</a:t>
+            </a:r>
           </a:p>
         </p:txBody>
       </p:sp>
     </p:spTree>
     <p:extLst>
       <p:ext uri="{BB962C8B-B14F-4D97-AF65-F5344CB8AC3E}">
-        <p14:creationId xmlns:p14="http://schemas.microsoft.com/office/powerpoint/2010/main" val="491674652"/>
+        <p14:creationId xmlns:p14="http://schemas.microsoft.com/office/powerpoint/2010/main" val="1277018122"/>
       </p:ext>
     </p:extLst>
   </p:cSld>
   <p:clrMapOvr>
-    <a:masterClrMapping/>
+    <a:overrideClrMapping bg1="lt1" tx1="dk1" bg2="lt2" tx2="dk2" accent1="accent1" accent2="accent2" accent3="accent3" accent4="accent4" accent5="accent5" accent6="accent6" hlink="hlink" folHlink="folHlink"/>
   </p:clrMapOvr>
   <mc:AlternateContent xmlns:mc="http://schemas.openxmlformats.org/markup-compatibility/2006" xmlns:p14="http://schemas.microsoft.com/office/powerpoint/2010/main">
     <mc:Choice Requires="p14">
@@ -26494,6 +28279,13 @@
       </p:transition>
     </mc:Fallback>
   </mc:AlternateContent>
+  <p:timing>
+    <p:tnLst>
+      <p:par>
+        <p:cTn id="1" dur="indefinite" restart="never" nodeType="tmRoot"/>
+      </p:par>
+    </p:tnLst>
+  </p:timing>
 </p:sld>
 </file>
 
@@ -26524,144 +28316,109 @@
             <p:ph type="title"/>
           </p:nvPr>
         </p:nvSpPr>
+        <p:spPr/>
+        <p:txBody>
+          <a:bodyPr/>
+          <a:lstStyle/>
+          <a:p>
+            <a:r>
+              <a:rPr lang="en-US" dirty="0" smtClean="0"/>
+              <a:t>Better Buffer Cache</a:t>
+            </a:r>
+            <a:endParaRPr lang="en-GB" dirty="0"/>
+          </a:p>
+        </p:txBody>
+      </p:sp>
+      <p:sp>
+        <p:nvSpPr>
+          <p:cNvPr id="3" name="TextBox 2"/>
+          <p:cNvSpPr txBox="1"/>
+          <p:nvPr/>
+        </p:nvSpPr>
         <p:spPr>
           <a:xfrm>
-            <a:off x="621804" y="260648"/>
-            <a:ext cx="10969943" cy="473968"/>
+            <a:off x="1053852" y="1772816"/>
+            <a:ext cx="8352928" cy="3888432"/>
           </a:xfrm>
+          <a:prstGeom prst="rect">
+            <a:avLst/>
+          </a:prstGeom>
+          <a:noFill/>
         </p:spPr>
         <p:txBody>
-          <a:bodyPr/>
-          <a:lstStyle/>
-          <a:p>
-            <a:r>
-              <a:rPr lang="en-US" dirty="0" smtClean="0"/>
-              <a:t>Problem Statement</a:t>
-            </a:r>
-            <a:endParaRPr lang="en-US" dirty="0"/>
-          </a:p>
-        </p:txBody>
-      </p:sp>
-      <p:sp>
-        <p:nvSpPr>
-          <p:cNvPr id="3" name="Content Placeholder 2"/>
-          <p:cNvSpPr>
-            <a:spLocks noGrp="1"/>
-          </p:cNvSpPr>
-          <p:nvPr>
-            <p:ph idx="1"/>
-          </p:nvPr>
-        </p:nvSpPr>
-        <p:spPr/>
-        <p:txBody>
-          <a:bodyPr>
-            <a:normAutofit/>
+          <a:bodyPr wrap="none" lIns="0" tIns="0" rIns="0" bIns="0" rtlCol="0">
+            <a:noAutofit/>
           </a:bodyPr>
           <a:lstStyle/>
           <a:p>
-            <a:r>
-              <a:rPr lang="en-US" sz="2400" dirty="0" smtClean="0"/>
-              <a:t>Data Warehouse Environment</a:t>
-            </a:r>
-          </a:p>
-          <a:p>
-            <a:pPr lvl="1"/>
-            <a:r>
-              <a:rPr lang="en-US" sz="2200" dirty="0" smtClean="0"/>
-              <a:t>Industrial </a:t>
-            </a:r>
-            <a:r>
-              <a:rPr lang="en-US" sz="2200" dirty="0" err="1" smtClean="0"/>
-              <a:t>IoT</a:t>
-            </a:r>
-            <a:r>
-              <a:rPr lang="en-US" sz="2200" dirty="0" smtClean="0"/>
-              <a:t> system used for engineering analytics</a:t>
-            </a:r>
-          </a:p>
-          <a:p>
-            <a:r>
-              <a:rPr lang="en-US" sz="2400" dirty="0" smtClean="0"/>
-              <a:t>Long Term Storage of Actively Used Tables</a:t>
-            </a:r>
-          </a:p>
-          <a:p>
-            <a:pPr lvl="1"/>
-            <a:r>
-              <a:rPr lang="en-US" sz="2200" dirty="0" smtClean="0"/>
-              <a:t>Tables are static.  No updates, lots </a:t>
-            </a:r>
-            <a:r>
-              <a:rPr lang="en-US" sz="2200" dirty="0" smtClean="0"/>
-              <a:t>of bulk inserts</a:t>
-            </a:r>
-          </a:p>
-          <a:p>
-            <a:pPr lvl="1"/>
-            <a:r>
-              <a:rPr lang="en-US" sz="2200" dirty="0" smtClean="0"/>
-              <a:t>Following results from child table with 1M rows and parent table with 1250 rows.</a:t>
-            </a:r>
-          </a:p>
-          <a:p>
-            <a:pPr lvl="1"/>
-            <a:r>
-              <a:rPr lang="en-US" sz="2200" dirty="0" smtClean="0"/>
-              <a:t>Typical tables are 100M – 30B rows</a:t>
-            </a:r>
-            <a:endParaRPr lang="en-US" sz="2200" dirty="0"/>
-          </a:p>
-          <a:p>
-            <a:r>
-              <a:rPr lang="en-US" sz="2400" dirty="0" smtClean="0"/>
-              <a:t>Analytics Queries on Parent/Child Table</a:t>
-            </a:r>
-            <a:r>
-              <a:rPr lang="en-US" sz="2200" dirty="0" smtClean="0"/>
-              <a:t>s</a:t>
-            </a:r>
-          </a:p>
-          <a:p>
-            <a:pPr lvl="1"/>
-            <a:r>
-              <a:rPr lang="en-US" sz="2000" dirty="0" smtClean="0"/>
-              <a:t>800:1 ratio (</a:t>
-            </a:r>
-            <a:r>
-              <a:rPr lang="en-US" sz="2000" dirty="0" err="1" smtClean="0"/>
-              <a:t>child:parent</a:t>
-            </a:r>
-            <a:r>
-              <a:rPr lang="en-US" sz="2000" dirty="0" smtClean="0"/>
-              <a:t>)</a:t>
-            </a:r>
-          </a:p>
-          <a:p>
-            <a:pPr lvl="1"/>
-            <a:r>
-              <a:rPr lang="en-US" sz="2000" dirty="0" smtClean="0"/>
-              <a:t>Typically used to </a:t>
-            </a:r>
-            <a:r>
-              <a:rPr lang="en-US" sz="2000" dirty="0" smtClean="0"/>
-              <a:t>create </a:t>
-            </a:r>
-            <a:r>
-              <a:rPr lang="en-US" sz="2000" dirty="0" smtClean="0"/>
-              <a:t>intermediate aggregation </a:t>
-            </a:r>
-            <a:r>
-              <a:rPr lang="en-US" sz="2000" dirty="0" smtClean="0"/>
-              <a:t>tables</a:t>
-            </a:r>
-            <a:endParaRPr lang="en-US" sz="2000" dirty="0" smtClean="0"/>
+            <a:pPr marL="285750" indent="-285750">
+              <a:lnSpc>
+                <a:spcPct val="90000"/>
+              </a:lnSpc>
+              <a:buFont typeface="Arial" panose="020B0604020202020204" pitchFamily="34" charset="0"/>
+              <a:buChar char="•"/>
+            </a:pPr>
+            <a:r>
+              <a:rPr lang="en-US" dirty="0" smtClean="0"/>
+              <a:t>Blocks are read into the buffer cache in the compressed form.</a:t>
+            </a:r>
+          </a:p>
+          <a:p>
+            <a:pPr marL="285750" indent="-285750">
+              <a:lnSpc>
+                <a:spcPct val="90000"/>
+              </a:lnSpc>
+              <a:buFont typeface="Arial" panose="020B0604020202020204" pitchFamily="34" charset="0"/>
+              <a:buChar char="•"/>
+            </a:pPr>
+            <a:r>
+              <a:rPr lang="en-US" dirty="0" smtClean="0"/>
+              <a:t>The lower CPU and IO cost when dealing with compressed blocks.</a:t>
+            </a:r>
+          </a:p>
+          <a:p>
+            <a:pPr marL="285750" indent="-285750">
+              <a:lnSpc>
+                <a:spcPct val="90000"/>
+              </a:lnSpc>
+              <a:buFont typeface="Arial" panose="020B0604020202020204" pitchFamily="34" charset="0"/>
+              <a:buChar char="•"/>
+            </a:pPr>
+            <a:r>
+              <a:rPr lang="en-US" dirty="0" smtClean="0"/>
+              <a:t>Block level compression means minimal CPU cost to </a:t>
+            </a:r>
+            <a:r>
+              <a:rPr lang="en-US" dirty="0" smtClean="0"/>
+              <a:t>decompress </a:t>
+            </a:r>
+            <a:r>
+              <a:rPr lang="en-US" dirty="0" smtClean="0"/>
+              <a:t>data.</a:t>
+            </a:r>
+          </a:p>
+          <a:p>
+            <a:pPr>
+              <a:lnSpc>
+                <a:spcPct val="90000"/>
+              </a:lnSpc>
+            </a:pPr>
+            <a:endParaRPr lang="en-US" dirty="0"/>
+          </a:p>
+          <a:p>
+            <a:pPr>
+              <a:lnSpc>
+                <a:spcPct val="90000"/>
+              </a:lnSpc>
+            </a:pPr>
+            <a:endParaRPr lang="en-GB" dirty="0" err="1" smtClean="0"/>
           </a:p>
         </p:txBody>
       </p:sp>
     </p:spTree>
     <p:extLst>
       <p:ext uri="{BB962C8B-B14F-4D97-AF65-F5344CB8AC3E}">
-        <p14:creationId xmlns:p14="http://schemas.microsoft.com/office/powerpoint/2010/main" val="3070792847"/>
+        <p14:creationId xmlns:p14="http://schemas.microsoft.com/office/powerpoint/2010/main" val="3629921321"/>
       </p:ext>
     </p:extLst>
   </p:cSld>
@@ -26710,6 +28467,432 @@
             <p:ph type="title"/>
           </p:nvPr>
         </p:nvSpPr>
+        <p:spPr/>
+        <p:txBody>
+          <a:bodyPr/>
+          <a:lstStyle/>
+          <a:p>
+            <a:r>
+              <a:rPr lang="en-US" dirty="0" smtClean="0"/>
+              <a:t>Compression summary</a:t>
+            </a:r>
+            <a:endParaRPr lang="en-GB" dirty="0"/>
+          </a:p>
+        </p:txBody>
+      </p:sp>
+      <p:sp>
+        <p:nvSpPr>
+          <p:cNvPr id="3" name="TextBox 2"/>
+          <p:cNvSpPr txBox="1"/>
+          <p:nvPr/>
+        </p:nvSpPr>
+        <p:spPr>
+          <a:xfrm>
+            <a:off x="1701924" y="1844824"/>
+            <a:ext cx="9001000" cy="3960440"/>
+          </a:xfrm>
+          <a:prstGeom prst="rect">
+            <a:avLst/>
+          </a:prstGeom>
+          <a:noFill/>
+        </p:spPr>
+        <p:txBody>
+          <a:bodyPr wrap="none" lIns="0" tIns="0" rIns="0" bIns="0" rtlCol="0">
+            <a:noAutofit/>
+          </a:bodyPr>
+          <a:lstStyle/>
+          <a:p>
+            <a:pPr marL="285750" indent="-285750">
+              <a:lnSpc>
+                <a:spcPct val="90000"/>
+              </a:lnSpc>
+              <a:spcAft>
+                <a:spcPts val="1200"/>
+              </a:spcAft>
+              <a:buFont typeface="Arial" panose="020B0604020202020204" pitchFamily="34" charset="0"/>
+              <a:buChar char="•"/>
+            </a:pPr>
+            <a:r>
+              <a:rPr lang="en-US" sz="2800" dirty="0" smtClean="0"/>
+              <a:t>Compression is at the block level</a:t>
+            </a:r>
+          </a:p>
+          <a:p>
+            <a:pPr marL="285750" indent="-285750">
+              <a:lnSpc>
+                <a:spcPct val="90000"/>
+              </a:lnSpc>
+              <a:spcAft>
+                <a:spcPts val="1200"/>
+              </a:spcAft>
+              <a:buFont typeface="Arial" panose="020B0604020202020204" pitchFamily="34" charset="0"/>
+              <a:buChar char="•"/>
+            </a:pPr>
+            <a:r>
+              <a:rPr lang="en-US" sz="2800" dirty="0" smtClean="0"/>
+              <a:t>Repeated values are replaced with symbols</a:t>
+            </a:r>
+          </a:p>
+          <a:p>
+            <a:pPr marL="285750" indent="-285750">
+              <a:lnSpc>
+                <a:spcPct val="90000"/>
+              </a:lnSpc>
+              <a:spcAft>
+                <a:spcPts val="1200"/>
+              </a:spcAft>
+              <a:buFont typeface="Arial" panose="020B0604020202020204" pitchFamily="34" charset="0"/>
+              <a:buChar char="•"/>
+            </a:pPr>
+            <a:r>
+              <a:rPr lang="en-US" sz="2800" dirty="0" smtClean="0"/>
+              <a:t>Symbols can reference other symbols</a:t>
+            </a:r>
+          </a:p>
+          <a:p>
+            <a:pPr marL="285750" indent="-285750">
+              <a:lnSpc>
+                <a:spcPct val="90000"/>
+              </a:lnSpc>
+              <a:spcAft>
+                <a:spcPts val="1200"/>
+              </a:spcAft>
+              <a:buFont typeface="Arial" panose="020B0604020202020204" pitchFamily="34" charset="0"/>
+              <a:buChar char="•"/>
+            </a:pPr>
+            <a:r>
+              <a:rPr lang="en-US" sz="2800" dirty="0" smtClean="0"/>
+              <a:t>Column values are atomic unit of </a:t>
+            </a:r>
+            <a:r>
+              <a:rPr lang="en-US" sz="2800" dirty="0" smtClean="0"/>
+              <a:t>compression</a:t>
+            </a:r>
+          </a:p>
+          <a:p>
+            <a:pPr marL="285750" indent="-285750">
+              <a:lnSpc>
+                <a:spcPct val="90000"/>
+              </a:lnSpc>
+              <a:spcAft>
+                <a:spcPts val="1200"/>
+              </a:spcAft>
+              <a:buFont typeface="Arial" panose="020B0604020202020204" pitchFamily="34" charset="0"/>
+              <a:buChar char="•"/>
+            </a:pPr>
+            <a:r>
+              <a:rPr lang="en-US" sz="2800" dirty="0" smtClean="0"/>
+              <a:t>Oracle will reorder columns to optimize compression</a:t>
+            </a:r>
+            <a:endParaRPr lang="en-US" sz="2800" dirty="0" smtClean="0"/>
+          </a:p>
+          <a:p>
+            <a:pPr marL="285750" indent="-285750">
+              <a:lnSpc>
+                <a:spcPct val="90000"/>
+              </a:lnSpc>
+              <a:spcAft>
+                <a:spcPts val="1200"/>
+              </a:spcAft>
+              <a:buFont typeface="Arial" panose="020B0604020202020204" pitchFamily="34" charset="0"/>
+              <a:buChar char="•"/>
+            </a:pPr>
+            <a:endParaRPr lang="en-GB" sz="2800" dirty="0" err="1" smtClean="0"/>
+          </a:p>
+        </p:txBody>
+      </p:sp>
+    </p:spTree>
+    <p:extLst>
+      <p:ext uri="{BB962C8B-B14F-4D97-AF65-F5344CB8AC3E}">
+        <p14:creationId xmlns:p14="http://schemas.microsoft.com/office/powerpoint/2010/main" val="491674652"/>
+      </p:ext>
+    </p:extLst>
+  </p:cSld>
+  <p:clrMapOvr>
+    <a:masterClrMapping/>
+  </p:clrMapOvr>
+  <mc:AlternateContent xmlns:mc="http://schemas.openxmlformats.org/markup-compatibility/2006" xmlns:p14="http://schemas.microsoft.com/office/powerpoint/2010/main">
+    <mc:Choice Requires="p14">
+      <p:transition spd="med" p14:dur="700">
+        <p:fade/>
+      </p:transition>
+    </mc:Choice>
+    <mc:Fallback xmlns="">
+      <p:transition spd="med">
+        <p:fade/>
+      </p:transition>
+    </mc:Fallback>
+  </mc:AlternateContent>
+</p:sld>
+</file>
+
+<file path=ppt/slides/slide14.xml><?xml version="1.0" encoding="utf-8"?>
+<p:sld xmlns:a="http://schemas.openxmlformats.org/drawingml/2006/main" xmlns:r="http://schemas.openxmlformats.org/officeDocument/2006/relationships" xmlns:p="http://schemas.openxmlformats.org/presentationml/2006/main">
+  <p:cSld>
+    <p:spTree>
+      <p:nvGrpSpPr>
+        <p:cNvPr id="1" name=""/>
+        <p:cNvGrpSpPr/>
+        <p:nvPr/>
+      </p:nvGrpSpPr>
+      <p:grpSpPr>
+        <a:xfrm>
+          <a:off x="0" y="0"/>
+          <a:ext cx="0" cy="0"/>
+          <a:chOff x="0" y="0"/>
+          <a:chExt cx="0" cy="0"/>
+        </a:xfrm>
+      </p:grpSpPr>
+      <p:sp>
+        <p:nvSpPr>
+          <p:cNvPr id="2" name="Title 1"/>
+          <p:cNvSpPr>
+            <a:spLocks noGrp="1"/>
+          </p:cNvSpPr>
+          <p:nvPr>
+            <p:ph type="title"/>
+          </p:nvPr>
+        </p:nvSpPr>
+        <p:spPr>
+          <a:xfrm>
+            <a:off x="609441" y="2586980"/>
+            <a:ext cx="10969943" cy="1684040"/>
+          </a:xfrm>
+        </p:spPr>
+        <p:txBody>
+          <a:bodyPr/>
+          <a:lstStyle/>
+          <a:p>
+            <a:pPr algn="ctr"/>
+            <a:r>
+              <a:rPr lang="en-US" sz="8800" dirty="0" smtClean="0"/>
+              <a:t>Experimental Results</a:t>
+            </a:r>
+            <a:endParaRPr lang="en-US" sz="8800" dirty="0"/>
+          </a:p>
+        </p:txBody>
+      </p:sp>
+    </p:spTree>
+    <p:extLst>
+      <p:ext uri="{BB962C8B-B14F-4D97-AF65-F5344CB8AC3E}">
+        <p14:creationId xmlns:p14="http://schemas.microsoft.com/office/powerpoint/2010/main" val="1417752117"/>
+      </p:ext>
+    </p:extLst>
+  </p:cSld>
+  <p:clrMapOvr>
+    <a:masterClrMapping/>
+  </p:clrMapOvr>
+  <mc:AlternateContent xmlns:mc="http://schemas.openxmlformats.org/markup-compatibility/2006" xmlns:p14="http://schemas.microsoft.com/office/powerpoint/2010/main">
+    <mc:Choice Requires="p14">
+      <p:transition spd="med" p14:dur="700">
+        <p:fade/>
+      </p:transition>
+    </mc:Choice>
+    <mc:Fallback xmlns="">
+      <p:transition spd="med">
+        <p:fade/>
+      </p:transition>
+    </mc:Fallback>
+  </mc:AlternateContent>
+</p:sld>
+</file>
+
+<file path=ppt/slides/slide15.xml><?xml version="1.0" encoding="utf-8"?>
+<p:sld xmlns:a="http://schemas.openxmlformats.org/drawingml/2006/main" xmlns:r="http://schemas.openxmlformats.org/officeDocument/2006/relationships" xmlns:p="http://schemas.openxmlformats.org/presentationml/2006/main">
+  <p:cSld>
+    <p:spTree>
+      <p:nvGrpSpPr>
+        <p:cNvPr id="1" name=""/>
+        <p:cNvGrpSpPr/>
+        <p:nvPr/>
+      </p:nvGrpSpPr>
+      <p:grpSpPr>
+        <a:xfrm>
+          <a:off x="0" y="0"/>
+          <a:ext cx="0" cy="0"/>
+          <a:chOff x="0" y="0"/>
+          <a:chExt cx="0" cy="0"/>
+        </a:xfrm>
+      </p:grpSpPr>
+      <p:sp>
+        <p:nvSpPr>
+          <p:cNvPr id="2" name="Title 1"/>
+          <p:cNvSpPr>
+            <a:spLocks noGrp="1"/>
+          </p:cNvSpPr>
+          <p:nvPr>
+            <p:ph type="title"/>
+          </p:nvPr>
+        </p:nvSpPr>
+        <p:spPr>
+          <a:xfrm>
+            <a:off x="621804" y="260648"/>
+            <a:ext cx="10969943" cy="473968"/>
+          </a:xfrm>
+        </p:spPr>
+        <p:txBody>
+          <a:bodyPr/>
+          <a:lstStyle/>
+          <a:p>
+            <a:r>
+              <a:rPr lang="en-US" dirty="0" smtClean="0"/>
+              <a:t>Problem Statement</a:t>
+            </a:r>
+            <a:endParaRPr lang="en-US" dirty="0"/>
+          </a:p>
+        </p:txBody>
+      </p:sp>
+      <p:sp>
+        <p:nvSpPr>
+          <p:cNvPr id="3" name="Content Placeholder 2"/>
+          <p:cNvSpPr>
+            <a:spLocks noGrp="1"/>
+          </p:cNvSpPr>
+          <p:nvPr>
+            <p:ph idx="1"/>
+          </p:nvPr>
+        </p:nvSpPr>
+        <p:spPr/>
+        <p:txBody>
+          <a:bodyPr>
+            <a:normAutofit/>
+          </a:bodyPr>
+          <a:lstStyle/>
+          <a:p>
+            <a:r>
+              <a:rPr lang="en-US" sz="2400" dirty="0" smtClean="0"/>
+              <a:t>Data Warehouse Environment</a:t>
+            </a:r>
+          </a:p>
+          <a:p>
+            <a:pPr lvl="1"/>
+            <a:r>
+              <a:rPr lang="en-US" sz="2200" dirty="0" smtClean="0"/>
+              <a:t>Industrial </a:t>
+            </a:r>
+            <a:r>
+              <a:rPr lang="en-US" sz="2200" dirty="0" err="1" smtClean="0"/>
+              <a:t>IoT</a:t>
+            </a:r>
+            <a:r>
+              <a:rPr lang="en-US" sz="2200" dirty="0" smtClean="0"/>
+              <a:t> system used for engineering analytics</a:t>
+            </a:r>
+          </a:p>
+          <a:p>
+            <a:r>
+              <a:rPr lang="en-US" sz="2400" dirty="0" smtClean="0"/>
+              <a:t>Long Term Storage of Actively Used Tables</a:t>
+            </a:r>
+          </a:p>
+          <a:p>
+            <a:pPr lvl="1"/>
+            <a:r>
+              <a:rPr lang="en-US" sz="2200" dirty="0" smtClean="0"/>
+              <a:t>Tables are static.  No updates, lots of bulk inserts</a:t>
+            </a:r>
+          </a:p>
+          <a:p>
+            <a:pPr lvl="1"/>
+            <a:r>
+              <a:rPr lang="en-US" sz="2200" dirty="0" smtClean="0"/>
+              <a:t>Following results from child table with 1M rows and parent table with 1250 rows.</a:t>
+            </a:r>
+          </a:p>
+          <a:p>
+            <a:pPr lvl="1"/>
+            <a:r>
+              <a:rPr lang="en-US" sz="2200" dirty="0" smtClean="0"/>
+              <a:t>Typical tables are 100M – 30B rows</a:t>
+            </a:r>
+            <a:endParaRPr lang="en-US" sz="2200" dirty="0"/>
+          </a:p>
+          <a:p>
+            <a:r>
+              <a:rPr lang="en-US" sz="2400" dirty="0" smtClean="0"/>
+              <a:t>Analytics Queries on Parent/Child Table</a:t>
+            </a:r>
+            <a:r>
+              <a:rPr lang="en-US" sz="2200" dirty="0" smtClean="0"/>
+              <a:t>s</a:t>
+            </a:r>
+          </a:p>
+          <a:p>
+            <a:pPr lvl="1"/>
+            <a:r>
+              <a:rPr lang="en-US" sz="2000" dirty="0" smtClean="0"/>
+              <a:t>800:1 ratio (</a:t>
+            </a:r>
+            <a:r>
+              <a:rPr lang="en-US" sz="2000" dirty="0" err="1" smtClean="0"/>
+              <a:t>child:parent</a:t>
+            </a:r>
+            <a:r>
+              <a:rPr lang="en-US" sz="2000" dirty="0" smtClean="0"/>
+              <a:t>)</a:t>
+            </a:r>
+          </a:p>
+          <a:p>
+            <a:pPr lvl="1"/>
+            <a:r>
+              <a:rPr lang="en-US" sz="2000" dirty="0" smtClean="0"/>
+              <a:t>Typically used to create intermediate aggregation tables</a:t>
+            </a:r>
+          </a:p>
+        </p:txBody>
+      </p:sp>
+    </p:spTree>
+    <p:extLst>
+      <p:ext uri="{BB962C8B-B14F-4D97-AF65-F5344CB8AC3E}">
+        <p14:creationId xmlns:p14="http://schemas.microsoft.com/office/powerpoint/2010/main" val="3070792847"/>
+      </p:ext>
+    </p:extLst>
+  </p:cSld>
+  <p:clrMapOvr>
+    <a:masterClrMapping/>
+  </p:clrMapOvr>
+  <mc:AlternateContent xmlns:mc="http://schemas.openxmlformats.org/markup-compatibility/2006" xmlns:p14="http://schemas.microsoft.com/office/powerpoint/2010/main">
+    <mc:Choice Requires="p14">
+      <p:transition spd="med" p14:dur="700">
+        <p:fade/>
+      </p:transition>
+    </mc:Choice>
+    <mc:Fallback xmlns="">
+      <p:transition spd="med">
+        <p:fade/>
+      </p:transition>
+    </mc:Fallback>
+  </mc:AlternateContent>
+</p:sld>
+</file>
+
+<file path=ppt/slides/slide16.xml><?xml version="1.0" encoding="utf-8"?>
+<p:sld xmlns:a="http://schemas.openxmlformats.org/drawingml/2006/main" xmlns:r="http://schemas.openxmlformats.org/officeDocument/2006/relationships" xmlns:p="http://schemas.openxmlformats.org/presentationml/2006/main">
+  <p:cSld>
+    <p:spTree>
+      <p:nvGrpSpPr>
+        <p:cNvPr id="1" name=""/>
+        <p:cNvGrpSpPr/>
+        <p:nvPr/>
+      </p:nvGrpSpPr>
+      <p:grpSpPr>
+        <a:xfrm>
+          <a:off x="0" y="0"/>
+          <a:ext cx="0" cy="0"/>
+          <a:chOff x="0" y="0"/>
+          <a:chExt cx="0" cy="0"/>
+        </a:xfrm>
+      </p:grpSpPr>
+      <p:sp>
+        <p:nvSpPr>
+          <p:cNvPr id="2" name="Title 1"/>
+          <p:cNvSpPr>
+            <a:spLocks noGrp="1"/>
+          </p:cNvSpPr>
+          <p:nvPr>
+            <p:ph type="title"/>
+          </p:nvPr>
+        </p:nvSpPr>
         <p:spPr>
           <a:xfrm>
             <a:off x="609441" y="332656"/>
@@ -26757,8 +28940,20 @@
             <a:pPr lvl="1"/>
             <a:r>
               <a:rPr lang="en-US" dirty="0" smtClean="0"/>
-              <a:t>Default compression ratio = 1.86X</a:t>
-            </a:r>
+              <a:t>Default compression ratio = </a:t>
+            </a:r>
+            <a:r>
+              <a:rPr lang="en-US" dirty="0" smtClean="0"/>
+              <a:t>1.86X</a:t>
+            </a:r>
+          </a:p>
+          <a:p>
+            <a:pPr lvl="1"/>
+            <a:r>
+              <a:rPr lang="en-US" dirty="0" smtClean="0"/>
+              <a:t>46% smaller</a:t>
+            </a:r>
+            <a:endParaRPr lang="en-US" dirty="0" smtClean="0"/>
           </a:p>
           <a:p>
             <a:pPr lvl="1"/>
@@ -26767,11 +28962,15 @@
           <a:p>
             <a:r>
               <a:rPr lang="en-US" dirty="0" smtClean="0"/>
-              <a:t>Now that we know how the Oracle block compression algorithm works, </a:t>
+              <a:t>Now that we know how the Oracle </a:t>
             </a:r>
             <a:r>
               <a:rPr lang="en-US" dirty="0" smtClean="0"/>
-              <a:t>what knobs can we turn to improve compression?</a:t>
+              <a:t>data block </a:t>
+            </a:r>
+            <a:r>
+              <a:rPr lang="en-US" dirty="0" smtClean="0"/>
+              <a:t>compression algorithm works, what knobs can we turn to improve compression?</a:t>
             </a:r>
             <a:endParaRPr lang="en-US" dirty="0"/>
           </a:p>
@@ -26826,7 +29025,7 @@
 </p:sld>
 </file>
 
-<file path=ppt/slides/slide14.xml><?xml version="1.0" encoding="utf-8"?>
+<file path=ppt/slides/slide17.xml><?xml version="1.0" encoding="utf-8"?>
 <p:sld xmlns:a="http://schemas.openxmlformats.org/drawingml/2006/main" xmlns:r="http://schemas.openxmlformats.org/officeDocument/2006/relationships" xmlns:p="http://schemas.openxmlformats.org/presentationml/2006/main">
   <p:cSld>
     <p:spTree>
@@ -26907,11 +29106,7 @@
             <a:pPr lvl="1"/>
             <a:r>
               <a:rPr lang="en-US" dirty="0" smtClean="0"/>
-              <a:t>We </a:t>
-            </a:r>
-            <a:r>
-              <a:rPr lang="en-US" dirty="0" smtClean="0"/>
-              <a:t>know that at the block level Oracle creates tokens to replace the actual row values.</a:t>
+              <a:t>We know that at the block level Oracle creates tokens to replace the actual row values.</a:t>
             </a:r>
           </a:p>
           <a:p>
@@ -26925,23 +29120,14 @@
             <a:pPr lvl="1"/>
             <a:r>
               <a:rPr lang="en-US" dirty="0" smtClean="0"/>
-              <a:t>We know that Oracle will rearrange columns in order to enable creating </a:t>
-            </a:r>
+              <a:t>We know that Oracle will rearrange columns in order to enable creating multi-column symbols</a:t>
+            </a:r>
+          </a:p>
+          <a:p>
+            <a:pPr lvl="1"/>
             <a:r>
               <a:rPr lang="en-US" dirty="0" smtClean="0"/>
-              <a:t>multi-column symbols</a:t>
-            </a:r>
-            <a:endParaRPr lang="en-US" dirty="0" smtClean="0"/>
-          </a:p>
-          <a:p>
-            <a:pPr lvl="1"/>
-            <a:r>
-              <a:rPr lang="en-US" dirty="0" smtClean="0"/>
-              <a:t>New compression ratio = </a:t>
-            </a:r>
-            <a:r>
-              <a:rPr lang="en-US" dirty="0" smtClean="0"/>
-              <a:t>2.48X</a:t>
+              <a:t>New compression ratio = 2.48X</a:t>
             </a:r>
           </a:p>
           <a:p>
@@ -27003,7 +29189,7 @@
 </p:sld>
 </file>
 
-<file path=ppt/slides/slide15.xml><?xml version="1.0" encoding="utf-8"?>
+<file path=ppt/slides/slide18.xml><?xml version="1.0" encoding="utf-8"?>
 <p:sld xmlns:a="http://schemas.openxmlformats.org/drawingml/2006/main" xmlns:r="http://schemas.openxmlformats.org/officeDocument/2006/relationships" xmlns:p="http://schemas.openxmlformats.org/presentationml/2006/main">
   <p:cSld>
     <p:spTree>
@@ -27077,13 +29263,8 @@
             <a:pPr lvl="1"/>
             <a:r>
               <a:rPr lang="en-US" dirty="0" smtClean="0"/>
-              <a:t>Block size </a:t>
-            </a:r>
-            <a:r>
-              <a:rPr lang="en-US" dirty="0" smtClean="0"/>
-              <a:t>strongly influences compression when data isn’t sorted.</a:t>
-            </a:r>
-            <a:endParaRPr lang="en-US" dirty="0" smtClean="0"/>
+              <a:t>Block size strongly influences compression when data isn’t sorted.</a:t>
+            </a:r>
           </a:p>
           <a:p>
             <a:pPr lvl="2"/>
@@ -27150,7 +29331,7 @@
 </p:sld>
 </file>
 
-<file path=ppt/slides/slide16.xml><?xml version="1.0" encoding="utf-8"?>
+<file path=ppt/slides/slide19.xml><?xml version="1.0" encoding="utf-8"?>
 <p:sld xmlns:a="http://schemas.openxmlformats.org/drawingml/2006/main" xmlns:r="http://schemas.openxmlformats.org/officeDocument/2006/relationships" xmlns:p="http://schemas.openxmlformats.org/presentationml/2006/main">
   <p:cSld>
     <p:spTree>
@@ -27491,7 +29672,7 @@
 </p:sld>
 </file>
 
-<file path=ppt/slides/slide17.xml><?xml version="1.0" encoding="utf-8"?>
+<file path=ppt/slides/slide2.xml><?xml version="1.0" encoding="utf-8"?>
 <p:sld xmlns:a="http://schemas.openxmlformats.org/drawingml/2006/main" xmlns:r="http://schemas.openxmlformats.org/officeDocument/2006/relationships" xmlns:p="http://schemas.openxmlformats.org/presentationml/2006/main">
   <p:cSld>
     <p:spTree>
@@ -27518,6 +29699,328 @@
             <p:ph type="title"/>
           </p:nvPr>
         </p:nvSpPr>
+        <p:spPr/>
+        <p:txBody>
+          <a:bodyPr/>
+          <a:lstStyle/>
+          <a:p>
+            <a:r>
+              <a:rPr lang="en-US" dirty="0" smtClean="0"/>
+              <a:t>Presentation Overview</a:t>
+            </a:r>
+            <a:endParaRPr lang="en-US" dirty="0"/>
+          </a:p>
+        </p:txBody>
+      </p:sp>
+      <p:sp>
+        <p:nvSpPr>
+          <p:cNvPr id="3" name="Content Placeholder 2"/>
+          <p:cNvSpPr txBox="1">
+            <a:spLocks/>
+          </p:cNvSpPr>
+          <p:nvPr/>
+        </p:nvSpPr>
+        <p:spPr>
+          <a:xfrm>
+            <a:off x="609442" y="1351184"/>
+            <a:ext cx="10969942" cy="4800600"/>
+          </a:xfrm>
+          <a:prstGeom prst="rect">
+            <a:avLst/>
+          </a:prstGeom>
+        </p:spPr>
+        <p:txBody>
+          <a:bodyPr/>
+          <a:lstStyle>
+            <a:lvl1pPr marL="182825" indent="-182825" algn="l" defTabSz="914126" rtl="0" eaLnBrk="1" latinLnBrk="0" hangingPunct="1">
+              <a:lnSpc>
+                <a:spcPct val="90000"/>
+              </a:lnSpc>
+              <a:spcBef>
+                <a:spcPts val="1200"/>
+              </a:spcBef>
+              <a:buFont typeface="HP Simplified" panose="020B0604020204020204" pitchFamily="34" charset="0"/>
+              <a:buChar char="•"/>
+              <a:defRPr sz="1799" kern="1200">
+                <a:solidFill>
+                  <a:schemeClr val="tx1"/>
+                </a:solidFill>
+                <a:latin typeface="+mn-lt"/>
+                <a:ea typeface="+mn-ea"/>
+                <a:cs typeface="+mn-cs"/>
+              </a:defRPr>
+            </a:lvl1pPr>
+            <a:lvl2pPr marL="411357" indent="-182825" algn="l" defTabSz="914126" rtl="0" eaLnBrk="1" latinLnBrk="0" hangingPunct="1">
+              <a:lnSpc>
+                <a:spcPct val="90000"/>
+              </a:lnSpc>
+              <a:spcBef>
+                <a:spcPts val="800"/>
+              </a:spcBef>
+              <a:buSzPct val="80000"/>
+              <a:buFont typeface="HP Simplified" panose="020B0604020204020204" pitchFamily="34" charset="0"/>
+              <a:buChar char="–"/>
+              <a:defRPr sz="1600" kern="1200">
+                <a:solidFill>
+                  <a:schemeClr val="tx1"/>
+                </a:solidFill>
+                <a:latin typeface="+mn-lt"/>
+                <a:ea typeface="+mn-ea"/>
+                <a:cs typeface="+mn-cs"/>
+              </a:defRPr>
+            </a:lvl2pPr>
+            <a:lvl3pPr marL="548475" indent="-137119" algn="l" defTabSz="914126" rtl="0" eaLnBrk="1" latinLnBrk="0" hangingPunct="1">
+              <a:lnSpc>
+                <a:spcPct val="90000"/>
+              </a:lnSpc>
+              <a:spcBef>
+                <a:spcPts val="600"/>
+              </a:spcBef>
+              <a:buFont typeface="HP Simplified" panose="020B0604020204020204" pitchFamily="34" charset="0"/>
+              <a:buChar char="•"/>
+              <a:defRPr sz="1400" kern="1200">
+                <a:solidFill>
+                  <a:schemeClr val="tx1"/>
+                </a:solidFill>
+                <a:latin typeface="+mn-lt"/>
+                <a:ea typeface="+mn-ea"/>
+                <a:cs typeface="+mn-cs"/>
+              </a:defRPr>
+            </a:lvl3pPr>
+            <a:lvl4pPr marL="731301" indent="-137119" algn="l" defTabSz="914126" rtl="0" eaLnBrk="1" latinLnBrk="0" hangingPunct="1">
+              <a:lnSpc>
+                <a:spcPct val="90000"/>
+              </a:lnSpc>
+              <a:spcBef>
+                <a:spcPts val="600"/>
+              </a:spcBef>
+              <a:buSzPct val="80000"/>
+              <a:buFont typeface="HP Simplified" panose="020B0604020204020204" pitchFamily="34" charset="0"/>
+              <a:buChar char="–"/>
+              <a:defRPr sz="1200" kern="1200">
+                <a:solidFill>
+                  <a:schemeClr val="tx1"/>
+                </a:solidFill>
+                <a:latin typeface="+mn-lt"/>
+                <a:ea typeface="+mn-ea"/>
+                <a:cs typeface="+mn-cs"/>
+              </a:defRPr>
+            </a:lvl4pPr>
+            <a:lvl5pPr marL="868419" indent="-137119" algn="l" defTabSz="914126" rtl="0" eaLnBrk="1" latinLnBrk="0" hangingPunct="1">
+              <a:lnSpc>
+                <a:spcPct val="90000"/>
+              </a:lnSpc>
+              <a:spcBef>
+                <a:spcPts val="600"/>
+              </a:spcBef>
+              <a:buFont typeface="HP Simplified" panose="020B0604020204020204" pitchFamily="34" charset="0"/>
+              <a:buChar char="•"/>
+              <a:defRPr sz="1200" kern="1200">
+                <a:solidFill>
+                  <a:schemeClr val="tx1"/>
+                </a:solidFill>
+                <a:latin typeface="+mn-lt"/>
+                <a:ea typeface="+mn-ea"/>
+                <a:cs typeface="+mn-cs"/>
+              </a:defRPr>
+            </a:lvl5pPr>
+            <a:lvl6pPr marL="1051245" indent="-137119" algn="l" defTabSz="914126" rtl="0" eaLnBrk="1" latinLnBrk="0" hangingPunct="1">
+              <a:lnSpc>
+                <a:spcPct val="90000"/>
+              </a:lnSpc>
+              <a:spcBef>
+                <a:spcPts val="600"/>
+              </a:spcBef>
+              <a:buSzPct val="80000"/>
+              <a:buFont typeface="HP Simplified" panose="020B0604020204020204" pitchFamily="34" charset="0"/>
+              <a:buChar char="–"/>
+              <a:defRPr sz="1200" kern="1200">
+                <a:solidFill>
+                  <a:schemeClr val="tx1"/>
+                </a:solidFill>
+                <a:latin typeface="+mn-lt"/>
+                <a:ea typeface="+mn-ea"/>
+                <a:cs typeface="+mn-cs"/>
+              </a:defRPr>
+            </a:lvl6pPr>
+            <a:lvl7pPr marL="1188363" indent="-137119" algn="l" defTabSz="914126" rtl="0" eaLnBrk="1" latinLnBrk="0" hangingPunct="1">
+              <a:lnSpc>
+                <a:spcPct val="90000"/>
+              </a:lnSpc>
+              <a:spcBef>
+                <a:spcPts val="600"/>
+              </a:spcBef>
+              <a:buFont typeface="HP Simplified" panose="020B0604020204020204" pitchFamily="34" charset="0"/>
+              <a:buChar char="•"/>
+              <a:defRPr sz="1200" kern="1200">
+                <a:solidFill>
+                  <a:schemeClr val="tx1"/>
+                </a:solidFill>
+                <a:latin typeface="+mn-lt"/>
+                <a:ea typeface="+mn-ea"/>
+                <a:cs typeface="+mn-cs"/>
+              </a:defRPr>
+            </a:lvl7pPr>
+            <a:lvl8pPr marL="1371189" indent="-137119" algn="l" defTabSz="914126" rtl="0" eaLnBrk="1" latinLnBrk="0" hangingPunct="1">
+              <a:lnSpc>
+                <a:spcPct val="90000"/>
+              </a:lnSpc>
+              <a:spcBef>
+                <a:spcPts val="600"/>
+              </a:spcBef>
+              <a:buSzPct val="80000"/>
+              <a:buFont typeface="HP Simplified" panose="020B0604020204020204" pitchFamily="34" charset="0"/>
+              <a:buChar char="–"/>
+              <a:defRPr sz="1200" kern="1200">
+                <a:solidFill>
+                  <a:schemeClr val="tx1"/>
+                </a:solidFill>
+                <a:latin typeface="+mn-lt"/>
+                <a:ea typeface="+mn-ea"/>
+                <a:cs typeface="+mn-cs"/>
+              </a:defRPr>
+            </a:lvl8pPr>
+            <a:lvl9pPr marL="1554014" indent="-137119" algn="l" defTabSz="914126" rtl="0" eaLnBrk="1" latinLnBrk="0" hangingPunct="1">
+              <a:lnSpc>
+                <a:spcPct val="90000"/>
+              </a:lnSpc>
+              <a:spcBef>
+                <a:spcPts val="600"/>
+              </a:spcBef>
+              <a:buFont typeface="HP Simplified" panose="020B0604020204020204" pitchFamily="34" charset="0"/>
+              <a:buChar char="•"/>
+              <a:defRPr sz="1200" kern="1200">
+                <a:solidFill>
+                  <a:schemeClr val="tx1"/>
+                </a:solidFill>
+                <a:latin typeface="+mn-lt"/>
+                <a:ea typeface="+mn-ea"/>
+                <a:cs typeface="+mn-cs"/>
+              </a:defRPr>
+            </a:lvl9pPr>
+          </a:lstStyle>
+          <a:p>
+            <a:r>
+              <a:rPr lang="en-US" sz="2400" dirty="0" smtClean="0"/>
+              <a:t>Data Block Compression </a:t>
+            </a:r>
+            <a:r>
+              <a:rPr lang="en-US" sz="2400" dirty="0" smtClean="0"/>
+              <a:t>Options</a:t>
+            </a:r>
+          </a:p>
+          <a:p>
+            <a:pPr lvl="1"/>
+            <a:r>
+              <a:rPr lang="en-US" sz="2201" dirty="0" smtClean="0"/>
+              <a:t> basic vs. advanced</a:t>
+            </a:r>
+          </a:p>
+          <a:p>
+            <a:r>
+              <a:rPr lang="en-US" sz="2400" dirty="0" smtClean="0"/>
+              <a:t>Block Compression Fundamentals</a:t>
+            </a:r>
+          </a:p>
+          <a:p>
+            <a:pPr lvl="1"/>
+            <a:r>
+              <a:rPr lang="en-US" sz="2201" dirty="0" smtClean="0"/>
+              <a:t>What’s going on under the hood</a:t>
+            </a:r>
+          </a:p>
+          <a:p>
+            <a:r>
+              <a:rPr lang="en-US" sz="2400" dirty="0" smtClean="0"/>
+              <a:t>Experimental Results</a:t>
+            </a:r>
+          </a:p>
+          <a:p>
+            <a:pPr lvl="1"/>
+            <a:r>
+              <a:rPr lang="en-US" sz="2201" dirty="0" smtClean="0"/>
+              <a:t>Compression </a:t>
+            </a:r>
+            <a:r>
+              <a:rPr lang="en-US" sz="2201" dirty="0" smtClean="0"/>
+              <a:t>Ratio w/ Turning Various Knobs</a:t>
+            </a:r>
+            <a:endParaRPr lang="en-US" sz="2201" dirty="0" smtClean="0"/>
+          </a:p>
+          <a:p>
+            <a:pPr lvl="1"/>
+            <a:r>
+              <a:rPr lang="en-US" sz="2201" dirty="0" smtClean="0"/>
+              <a:t>CPU Usage</a:t>
+            </a:r>
+          </a:p>
+          <a:p>
+            <a:r>
+              <a:rPr lang="en-US" sz="2400" dirty="0" smtClean="0"/>
+              <a:t>Conclusions/Future Work</a:t>
+            </a:r>
+          </a:p>
+          <a:p>
+            <a:r>
+              <a:rPr lang="en-US" sz="2400" dirty="0" smtClean="0"/>
+              <a:t>Questions</a:t>
+            </a:r>
+            <a:endParaRPr lang="en-US" sz="2400" dirty="0" smtClean="0"/>
+          </a:p>
+        </p:txBody>
+      </p:sp>
+    </p:spTree>
+    <p:extLst>
+      <p:ext uri="{BB962C8B-B14F-4D97-AF65-F5344CB8AC3E}">
+        <p14:creationId xmlns:p14="http://schemas.microsoft.com/office/powerpoint/2010/main" val="229901723"/>
+      </p:ext>
+    </p:extLst>
+  </p:cSld>
+  <p:clrMapOvr>
+    <a:masterClrMapping/>
+  </p:clrMapOvr>
+  <mc:AlternateContent xmlns:mc="http://schemas.openxmlformats.org/markup-compatibility/2006" xmlns:p14="http://schemas.microsoft.com/office/powerpoint/2010/main">
+    <mc:Choice Requires="p14">
+      <p:transition spd="med" p14:dur="700">
+        <p:fade/>
+      </p:transition>
+    </mc:Choice>
+    <mc:Fallback xmlns="">
+      <p:transition spd="med">
+        <p:fade/>
+      </p:transition>
+    </mc:Fallback>
+  </mc:AlternateContent>
+</p:sld>
+</file>
+
+<file path=ppt/slides/slide20.xml><?xml version="1.0" encoding="utf-8"?>
+<p:sld xmlns:a="http://schemas.openxmlformats.org/drawingml/2006/main" xmlns:r="http://schemas.openxmlformats.org/officeDocument/2006/relationships" xmlns:p="http://schemas.openxmlformats.org/presentationml/2006/main">
+  <p:cSld>
+    <p:spTree>
+      <p:nvGrpSpPr>
+        <p:cNvPr id="1" name=""/>
+        <p:cNvGrpSpPr/>
+        <p:nvPr/>
+      </p:nvGrpSpPr>
+      <p:grpSpPr>
+        <a:xfrm>
+          <a:off x="0" y="0"/>
+          <a:ext cx="0" cy="0"/>
+          <a:chOff x="0" y="0"/>
+          <a:chExt cx="0" cy="0"/>
+        </a:xfrm>
+      </p:grpSpPr>
+      <p:sp>
+        <p:nvSpPr>
+          <p:cNvPr id="2" name="Title 1"/>
+          <p:cNvSpPr>
+            <a:spLocks noGrp="1"/>
+          </p:cNvSpPr>
+          <p:nvPr>
+            <p:ph type="title"/>
+          </p:nvPr>
+        </p:nvSpPr>
         <p:spPr>
           <a:xfrm>
             <a:off x="609441" y="188640"/>
@@ -27747,11 +30250,7 @@
             <a:pPr lvl="1"/>
             <a:r>
               <a:rPr lang="en-US" dirty="0" smtClean="0"/>
-              <a:t>In this example, that price is relatively small</a:t>
-            </a:r>
-            <a:r>
-              <a:rPr lang="en-US" dirty="0" smtClean="0"/>
-              <a:t>.</a:t>
+              <a:t>In this example, that price is relatively small.</a:t>
             </a:r>
           </a:p>
           <a:p>
@@ -27760,7 +30259,6 @@
               <a:rPr lang="en-US" dirty="0" smtClean="0"/>
               <a:t>As your parent/child ratio increases this will be more costly</a:t>
             </a:r>
-            <a:endParaRPr lang="en-US" dirty="0" smtClean="0"/>
           </a:p>
           <a:p>
             <a:r>
@@ -27771,11 +30269,7 @@
           <a:p>
             <a:r>
               <a:rPr lang="en-US" dirty="0" smtClean="0"/>
-              <a:t>New compression </a:t>
-            </a:r>
-            <a:r>
-              <a:rPr lang="en-US" dirty="0" smtClean="0"/>
-              <a:t>ratio for </a:t>
+              <a:t>New compression ratio for </a:t>
             </a:r>
             <a:r>
               <a:rPr lang="en-US" dirty="0" err="1" smtClean="0"/>
@@ -27785,7 +30279,6 @@
               <a:rPr lang="en-US" dirty="0" smtClean="0"/>
               <a:t> tables</a:t>
             </a:r>
-            <a:endParaRPr lang="en-US" dirty="0" smtClean="0"/>
           </a:p>
           <a:p>
             <a:pPr lvl="1"/>
@@ -27861,7 +30354,7 @@
 </p:sld>
 </file>
 
-<file path=ppt/slides/slide18.xml><?xml version="1.0" encoding="utf-8"?>
+<file path=ppt/slides/slide21.xml><?xml version="1.0" encoding="utf-8"?>
 <p:sld xmlns:a="http://schemas.openxmlformats.org/drawingml/2006/main" xmlns:r="http://schemas.openxmlformats.org/officeDocument/2006/relationships" xmlns:p="http://schemas.openxmlformats.org/presentationml/2006/main">
   <p:cSld>
     <p:spTree>
@@ -28210,7 +30703,7 @@
 </p:sld>
 </file>
 
-<file path=ppt/slides/slide19.xml><?xml version="1.0" encoding="utf-8"?>
+<file path=ppt/slides/slide22.xml><?xml version="1.0" encoding="utf-8"?>
 <p:sld xmlns:a="http://schemas.openxmlformats.org/drawingml/2006/main" xmlns:r="http://schemas.openxmlformats.org/officeDocument/2006/relationships" xmlns:p="http://schemas.openxmlformats.org/presentationml/2006/main">
   <p:cSld>
     <p:spTree>
@@ -28249,83 +30742,99 @@
           <a:p>
             <a:r>
               <a:rPr lang="en-US" dirty="0" smtClean="0"/>
+              <a:t>Conclusions &amp; Future Work</a:t>
+            </a:r>
+            <a:endParaRPr lang="en-US" dirty="0"/>
+          </a:p>
+        </p:txBody>
+      </p:sp>
+      <p:sp>
+        <p:nvSpPr>
+          <p:cNvPr id="3" name="Content Placeholder 2"/>
+          <p:cNvSpPr>
+            <a:spLocks noGrp="1"/>
+          </p:cNvSpPr>
+          <p:nvPr>
+            <p:ph idx="1"/>
+          </p:nvPr>
+        </p:nvSpPr>
+        <p:spPr/>
+        <p:txBody>
+          <a:bodyPr>
+            <a:normAutofit/>
+          </a:bodyPr>
+          <a:lstStyle/>
+          <a:p>
+            <a:r>
+              <a:rPr lang="en-US" sz="2800" dirty="0" smtClean="0"/>
               <a:t>Conclusions</a:t>
             </a:r>
-            <a:endParaRPr lang="en-US" dirty="0"/>
-          </a:p>
-        </p:txBody>
-      </p:sp>
-      <p:sp>
-        <p:nvSpPr>
-          <p:cNvPr id="3" name="Content Placeholder 2"/>
-          <p:cNvSpPr>
-            <a:spLocks noGrp="1"/>
-          </p:cNvSpPr>
-          <p:nvPr>
-            <p:ph idx="1"/>
-          </p:nvPr>
-        </p:nvSpPr>
-        <p:spPr/>
-        <p:txBody>
-          <a:bodyPr/>
-          <a:lstStyle/>
-          <a:p>
-            <a:r>
-              <a:rPr lang="en-US" dirty="0" smtClean="0"/>
-              <a:t>Compression is an absolute must as data volumes start to really grow.</a:t>
-            </a:r>
-          </a:p>
-          <a:p>
-            <a:r>
-              <a:rPr lang="en-US" dirty="0" smtClean="0"/>
-              <a:t>Sorting your data can yield significant improvements on storage size</a:t>
-            </a:r>
-            <a:r>
-              <a:rPr lang="en-US" dirty="0" smtClean="0"/>
+          </a:p>
+          <a:p>
+            <a:pPr lvl="1"/>
+            <a:r>
+              <a:rPr lang="en-US" sz="2400" dirty="0" smtClean="0"/>
+              <a:t>Compression </a:t>
+            </a:r>
+            <a:r>
+              <a:rPr lang="en-US" sz="2400" dirty="0" smtClean="0"/>
+              <a:t>is an absolute must as data volumes start to really grow.</a:t>
+            </a:r>
+          </a:p>
+          <a:p>
+            <a:pPr lvl="1"/>
+            <a:r>
+              <a:rPr lang="en-US" sz="2400" dirty="0" smtClean="0"/>
+              <a:t>Sorting your data can yield significant improvements on storage size.</a:t>
+            </a:r>
+          </a:p>
+          <a:p>
+            <a:pPr lvl="2"/>
+            <a:r>
+              <a:rPr lang="en-US" sz="2000" dirty="0" smtClean="0"/>
+              <a:t>Sorting columns lowest cardinality to highest cardinality was very effective using our test tables (25% improvement).</a:t>
+            </a:r>
+          </a:p>
+          <a:p>
+            <a:pPr lvl="1"/>
+            <a:r>
+              <a:rPr lang="en-US" sz="2400" dirty="0" smtClean="0"/>
+              <a:t>In our system, there is a small price to pay for </a:t>
+            </a:r>
+            <a:r>
+              <a:rPr lang="en-US" sz="2400" dirty="0" err="1" smtClean="0"/>
+              <a:t>denormalizing</a:t>
+            </a:r>
+            <a:r>
+              <a:rPr lang="en-US" sz="2400" dirty="0" smtClean="0"/>
+              <a:t> your data into a combined parent/child.</a:t>
+            </a:r>
+          </a:p>
+          <a:p>
+            <a:pPr lvl="2"/>
+            <a:r>
+              <a:rPr lang="en-US" sz="2000" dirty="0" smtClean="0"/>
+              <a:t>There is a large improvement in query </a:t>
+            </a:r>
+            <a:r>
+              <a:rPr lang="en-US" sz="2000" dirty="0" smtClean="0"/>
+              <a:t>performance </a:t>
+            </a:r>
+            <a:r>
+              <a:rPr lang="en-US" sz="2000" dirty="0" smtClean="0"/>
+              <a:t>when these tables are combined</a:t>
+            </a:r>
+            <a:r>
+              <a:rPr lang="en-US" sz="2000" dirty="0" smtClean="0"/>
               <a:t>.</a:t>
             </a:r>
           </a:p>
           <a:p>
-            <a:pPr lvl="1"/>
-            <a:r>
-              <a:rPr lang="en-US" dirty="0" smtClean="0"/>
-              <a:t>Sorting columns lowest cardinality to highest cardinality was very effective using our test tables (25% improvement).</a:t>
-            </a:r>
-            <a:endParaRPr lang="en-US" dirty="0" smtClean="0"/>
-          </a:p>
-          <a:p>
-            <a:r>
-              <a:rPr lang="en-US" dirty="0" smtClean="0"/>
-              <a:t>In our system, t</a:t>
-            </a:r>
-            <a:r>
-              <a:rPr lang="en-US" dirty="0" smtClean="0"/>
-              <a:t>here </a:t>
-            </a:r>
-            <a:r>
-              <a:rPr lang="en-US" dirty="0" smtClean="0"/>
-              <a:t>is a small price to pay for </a:t>
-            </a:r>
-            <a:r>
-              <a:rPr lang="en-US" dirty="0" err="1" smtClean="0"/>
-              <a:t>denormalizing</a:t>
-            </a:r>
-            <a:r>
-              <a:rPr lang="en-US" dirty="0" smtClean="0"/>
-              <a:t> your data into a combined parent/child.</a:t>
-            </a:r>
-          </a:p>
-          <a:p>
-            <a:pPr lvl="1"/>
-            <a:r>
-              <a:rPr lang="en-US" dirty="0" smtClean="0"/>
-              <a:t>There is a large improvement in query performance when these tables are combined</a:t>
-            </a:r>
-            <a:r>
-              <a:rPr lang="en-US" dirty="0" smtClean="0"/>
-              <a:t>.</a:t>
-            </a:r>
-            <a:endParaRPr lang="en-US" dirty="0" smtClean="0"/>
+            <a:r>
+              <a:rPr lang="en-US" sz="2800" dirty="0" smtClean="0"/>
+              <a:t>Future Work</a:t>
+            </a:r>
+            <a:endParaRPr lang="en-US" sz="2800" dirty="0" smtClean="0"/>
           </a:p>
         </p:txBody>
       </p:sp>
@@ -28354,7 +30863,7 @@
 </p:sld>
 </file>
 
-<file path=ppt/slides/slide2.xml><?xml version="1.0" encoding="utf-8"?>
+<file path=ppt/slides/slide23.xml><?xml version="1.0" encoding="utf-8"?>
 <p:sld xmlns:a="http://schemas.openxmlformats.org/drawingml/2006/main" xmlns:r="http://schemas.openxmlformats.org/officeDocument/2006/relationships" xmlns:p="http://schemas.openxmlformats.org/presentationml/2006/main">
   <p:cSld>
     <p:spTree>
@@ -28381,274 +30890,29 @@
             <p:ph type="title"/>
           </p:nvPr>
         </p:nvSpPr>
-        <p:spPr/>
+        <p:spPr>
+          <a:xfrm>
+            <a:off x="609441" y="2586980"/>
+            <a:ext cx="10969943" cy="1684040"/>
+          </a:xfrm>
+        </p:spPr>
         <p:txBody>
           <a:bodyPr/>
           <a:lstStyle/>
           <a:p>
-            <a:r>
-              <a:rPr lang="en-US" dirty="0" smtClean="0"/>
-              <a:t>Presentation Overview</a:t>
-            </a:r>
-            <a:endParaRPr lang="en-US" dirty="0"/>
-          </a:p>
-        </p:txBody>
-      </p:sp>
-      <p:sp>
-        <p:nvSpPr>
-          <p:cNvPr id="3" name="Content Placeholder 2"/>
-          <p:cNvSpPr txBox="1">
-            <a:spLocks/>
-          </p:cNvSpPr>
-          <p:nvPr/>
-        </p:nvSpPr>
-        <p:spPr>
-          <a:xfrm>
-            <a:off x="609442" y="1351184"/>
-            <a:ext cx="10969942" cy="4800600"/>
-          </a:xfrm>
-          <a:prstGeom prst="rect">
-            <a:avLst/>
-          </a:prstGeom>
-        </p:spPr>
-        <p:txBody>
-          <a:bodyPr/>
-          <a:lstStyle>
-            <a:lvl1pPr marL="182825" indent="-182825" algn="l" defTabSz="914126" rtl="0" eaLnBrk="1" latinLnBrk="0" hangingPunct="1">
-              <a:lnSpc>
-                <a:spcPct val="90000"/>
-              </a:lnSpc>
-              <a:spcBef>
-                <a:spcPts val="1200"/>
-              </a:spcBef>
-              <a:buFont typeface="HP Simplified" panose="020B0604020204020204" pitchFamily="34" charset="0"/>
-              <a:buChar char="•"/>
-              <a:defRPr sz="1799" kern="1200">
-                <a:solidFill>
-                  <a:schemeClr val="tx1"/>
-                </a:solidFill>
-                <a:latin typeface="+mn-lt"/>
-                <a:ea typeface="+mn-ea"/>
-                <a:cs typeface="+mn-cs"/>
-              </a:defRPr>
-            </a:lvl1pPr>
-            <a:lvl2pPr marL="411357" indent="-182825" algn="l" defTabSz="914126" rtl="0" eaLnBrk="1" latinLnBrk="0" hangingPunct="1">
-              <a:lnSpc>
-                <a:spcPct val="90000"/>
-              </a:lnSpc>
-              <a:spcBef>
-                <a:spcPts val="800"/>
-              </a:spcBef>
-              <a:buSzPct val="80000"/>
-              <a:buFont typeface="HP Simplified" panose="020B0604020204020204" pitchFamily="34" charset="0"/>
-              <a:buChar char="–"/>
-              <a:defRPr sz="1600" kern="1200">
-                <a:solidFill>
-                  <a:schemeClr val="tx1"/>
-                </a:solidFill>
-                <a:latin typeface="+mn-lt"/>
-                <a:ea typeface="+mn-ea"/>
-                <a:cs typeface="+mn-cs"/>
-              </a:defRPr>
-            </a:lvl2pPr>
-            <a:lvl3pPr marL="548475" indent="-137119" algn="l" defTabSz="914126" rtl="0" eaLnBrk="1" latinLnBrk="0" hangingPunct="1">
-              <a:lnSpc>
-                <a:spcPct val="90000"/>
-              </a:lnSpc>
-              <a:spcBef>
-                <a:spcPts val="600"/>
-              </a:spcBef>
-              <a:buFont typeface="HP Simplified" panose="020B0604020204020204" pitchFamily="34" charset="0"/>
-              <a:buChar char="•"/>
-              <a:defRPr sz="1400" kern="1200">
-                <a:solidFill>
-                  <a:schemeClr val="tx1"/>
-                </a:solidFill>
-                <a:latin typeface="+mn-lt"/>
-                <a:ea typeface="+mn-ea"/>
-                <a:cs typeface="+mn-cs"/>
-              </a:defRPr>
-            </a:lvl3pPr>
-            <a:lvl4pPr marL="731301" indent="-137119" algn="l" defTabSz="914126" rtl="0" eaLnBrk="1" latinLnBrk="0" hangingPunct="1">
-              <a:lnSpc>
-                <a:spcPct val="90000"/>
-              </a:lnSpc>
-              <a:spcBef>
-                <a:spcPts val="600"/>
-              </a:spcBef>
-              <a:buSzPct val="80000"/>
-              <a:buFont typeface="HP Simplified" panose="020B0604020204020204" pitchFamily="34" charset="0"/>
-              <a:buChar char="–"/>
-              <a:defRPr sz="1200" kern="1200">
-                <a:solidFill>
-                  <a:schemeClr val="tx1"/>
-                </a:solidFill>
-                <a:latin typeface="+mn-lt"/>
-                <a:ea typeface="+mn-ea"/>
-                <a:cs typeface="+mn-cs"/>
-              </a:defRPr>
-            </a:lvl4pPr>
-            <a:lvl5pPr marL="868419" indent="-137119" algn="l" defTabSz="914126" rtl="0" eaLnBrk="1" latinLnBrk="0" hangingPunct="1">
-              <a:lnSpc>
-                <a:spcPct val="90000"/>
-              </a:lnSpc>
-              <a:spcBef>
-                <a:spcPts val="600"/>
-              </a:spcBef>
-              <a:buFont typeface="HP Simplified" panose="020B0604020204020204" pitchFamily="34" charset="0"/>
-              <a:buChar char="•"/>
-              <a:defRPr sz="1200" kern="1200">
-                <a:solidFill>
-                  <a:schemeClr val="tx1"/>
-                </a:solidFill>
-                <a:latin typeface="+mn-lt"/>
-                <a:ea typeface="+mn-ea"/>
-                <a:cs typeface="+mn-cs"/>
-              </a:defRPr>
-            </a:lvl5pPr>
-            <a:lvl6pPr marL="1051245" indent="-137119" algn="l" defTabSz="914126" rtl="0" eaLnBrk="1" latinLnBrk="0" hangingPunct="1">
-              <a:lnSpc>
-                <a:spcPct val="90000"/>
-              </a:lnSpc>
-              <a:spcBef>
-                <a:spcPts val="600"/>
-              </a:spcBef>
-              <a:buSzPct val="80000"/>
-              <a:buFont typeface="HP Simplified" panose="020B0604020204020204" pitchFamily="34" charset="0"/>
-              <a:buChar char="–"/>
-              <a:defRPr sz="1200" kern="1200">
-                <a:solidFill>
-                  <a:schemeClr val="tx1"/>
-                </a:solidFill>
-                <a:latin typeface="+mn-lt"/>
-                <a:ea typeface="+mn-ea"/>
-                <a:cs typeface="+mn-cs"/>
-              </a:defRPr>
-            </a:lvl6pPr>
-            <a:lvl7pPr marL="1188363" indent="-137119" algn="l" defTabSz="914126" rtl="0" eaLnBrk="1" latinLnBrk="0" hangingPunct="1">
-              <a:lnSpc>
-                <a:spcPct val="90000"/>
-              </a:lnSpc>
-              <a:spcBef>
-                <a:spcPts val="600"/>
-              </a:spcBef>
-              <a:buFont typeface="HP Simplified" panose="020B0604020204020204" pitchFamily="34" charset="0"/>
-              <a:buChar char="•"/>
-              <a:defRPr sz="1200" kern="1200">
-                <a:solidFill>
-                  <a:schemeClr val="tx1"/>
-                </a:solidFill>
-                <a:latin typeface="+mn-lt"/>
-                <a:ea typeface="+mn-ea"/>
-                <a:cs typeface="+mn-cs"/>
-              </a:defRPr>
-            </a:lvl7pPr>
-            <a:lvl8pPr marL="1371189" indent="-137119" algn="l" defTabSz="914126" rtl="0" eaLnBrk="1" latinLnBrk="0" hangingPunct="1">
-              <a:lnSpc>
-                <a:spcPct val="90000"/>
-              </a:lnSpc>
-              <a:spcBef>
-                <a:spcPts val="600"/>
-              </a:spcBef>
-              <a:buSzPct val="80000"/>
-              <a:buFont typeface="HP Simplified" panose="020B0604020204020204" pitchFamily="34" charset="0"/>
-              <a:buChar char="–"/>
-              <a:defRPr sz="1200" kern="1200">
-                <a:solidFill>
-                  <a:schemeClr val="tx1"/>
-                </a:solidFill>
-                <a:latin typeface="+mn-lt"/>
-                <a:ea typeface="+mn-ea"/>
-                <a:cs typeface="+mn-cs"/>
-              </a:defRPr>
-            </a:lvl8pPr>
-            <a:lvl9pPr marL="1554014" indent="-137119" algn="l" defTabSz="914126" rtl="0" eaLnBrk="1" latinLnBrk="0" hangingPunct="1">
-              <a:lnSpc>
-                <a:spcPct val="90000"/>
-              </a:lnSpc>
-              <a:spcBef>
-                <a:spcPts val="600"/>
-              </a:spcBef>
-              <a:buFont typeface="HP Simplified" panose="020B0604020204020204" pitchFamily="34" charset="0"/>
-              <a:buChar char="•"/>
-              <a:defRPr sz="1200" kern="1200">
-                <a:solidFill>
-                  <a:schemeClr val="tx1"/>
-                </a:solidFill>
-                <a:latin typeface="+mn-lt"/>
-                <a:ea typeface="+mn-ea"/>
-                <a:cs typeface="+mn-cs"/>
-              </a:defRPr>
-            </a:lvl9pPr>
-          </a:lstStyle>
-          <a:p>
-            <a:r>
-              <a:rPr lang="en-US" sz="2400" dirty="0" smtClean="0"/>
-              <a:t>Compression Options</a:t>
-            </a:r>
-          </a:p>
-          <a:p>
-            <a:pPr lvl="1"/>
-            <a:r>
-              <a:rPr lang="en-US" sz="2201" dirty="0" smtClean="0"/>
-              <a:t> basic vs. advanced</a:t>
-            </a:r>
-          </a:p>
-          <a:p>
-            <a:r>
-              <a:rPr lang="en-US" sz="2400" dirty="0" smtClean="0"/>
-              <a:t>Block Compression Fundamentals</a:t>
-            </a:r>
-          </a:p>
-          <a:p>
-            <a:pPr lvl="1"/>
-            <a:r>
-              <a:rPr lang="en-US" sz="2201" dirty="0" smtClean="0"/>
-              <a:t>What’s going on under the hood</a:t>
-            </a:r>
-          </a:p>
-          <a:p>
-            <a:r>
-              <a:rPr lang="en-US" sz="2400" dirty="0" smtClean="0"/>
-              <a:t>Experimental Results</a:t>
-            </a:r>
-          </a:p>
-          <a:p>
-            <a:pPr lvl="1"/>
-            <a:r>
-              <a:rPr lang="en-US" sz="2201" dirty="0" smtClean="0"/>
-              <a:t>Compression Ratio</a:t>
-            </a:r>
-          </a:p>
-          <a:p>
-            <a:pPr lvl="1"/>
-            <a:r>
-              <a:rPr lang="en-US" sz="2201" dirty="0" smtClean="0"/>
-              <a:t>CPU Usage</a:t>
-            </a:r>
-          </a:p>
-          <a:p>
-            <a:r>
-              <a:rPr lang="en-US" sz="2400" dirty="0" smtClean="0"/>
-              <a:t>Conclusions/Future Work</a:t>
-            </a:r>
-          </a:p>
-          <a:p>
-            <a:r>
-              <a:rPr lang="en-US" sz="2400" dirty="0" smtClean="0"/>
-              <a:t>Questions</a:t>
-            </a:r>
-          </a:p>
-          <a:p>
-            <a:pPr lvl="1"/>
-            <a:endParaRPr lang="en-US" sz="2400" dirty="0"/>
+            <a:pPr algn="ctr"/>
+            <a:r>
+              <a:rPr lang="en-US" sz="8800" dirty="0" smtClean="0"/>
+              <a:t>Questions?</a:t>
+            </a:r>
+            <a:endParaRPr lang="en-US" sz="8800" dirty="0"/>
           </a:p>
         </p:txBody>
       </p:sp>
     </p:spTree>
     <p:extLst>
       <p:ext uri="{BB962C8B-B14F-4D97-AF65-F5344CB8AC3E}">
-        <p14:creationId xmlns:p14="http://schemas.microsoft.com/office/powerpoint/2010/main" val="229901723"/>
+        <p14:creationId xmlns:p14="http://schemas.microsoft.com/office/powerpoint/2010/main" val="2457641785"/>
       </p:ext>
     </p:extLst>
   </p:cSld>
@@ -28670,97 +30934,7 @@
 </p:sld>
 </file>
 
-<file path=ppt/slides/slide20.xml><?xml version="1.0" encoding="utf-8"?>
-<p:sld xmlns:a="http://schemas.openxmlformats.org/drawingml/2006/main" xmlns:r="http://schemas.openxmlformats.org/officeDocument/2006/relationships" xmlns:p="http://schemas.openxmlformats.org/presentationml/2006/main">
-  <p:cSld>
-    <p:spTree>
-      <p:nvGrpSpPr>
-        <p:cNvPr id="1" name=""/>
-        <p:cNvGrpSpPr/>
-        <p:nvPr/>
-      </p:nvGrpSpPr>
-      <p:grpSpPr>
-        <a:xfrm>
-          <a:off x="0" y="0"/>
-          <a:ext cx="0" cy="0"/>
-          <a:chOff x="0" y="0"/>
-          <a:chExt cx="0" cy="0"/>
-        </a:xfrm>
-      </p:grpSpPr>
-      <p:sp>
-        <p:nvSpPr>
-          <p:cNvPr id="2" name="Title 1"/>
-          <p:cNvSpPr>
-            <a:spLocks noGrp="1"/>
-          </p:cNvSpPr>
-          <p:nvPr>
-            <p:ph type="title"/>
-          </p:nvPr>
-        </p:nvSpPr>
-        <p:spPr/>
-        <p:txBody>
-          <a:bodyPr/>
-          <a:lstStyle/>
-          <a:p>
-            <a:r>
-              <a:rPr lang="en-US" dirty="0" smtClean="0"/>
-              <a:t>Future Work</a:t>
-            </a:r>
-            <a:endParaRPr lang="en-US" dirty="0"/>
-          </a:p>
-        </p:txBody>
-      </p:sp>
-      <p:sp>
-        <p:nvSpPr>
-          <p:cNvPr id="3" name="Content Placeholder 2"/>
-          <p:cNvSpPr>
-            <a:spLocks noGrp="1"/>
-          </p:cNvSpPr>
-          <p:nvPr>
-            <p:ph idx="1"/>
-          </p:nvPr>
-        </p:nvSpPr>
-        <p:spPr/>
-        <p:txBody>
-          <a:bodyPr/>
-          <a:lstStyle/>
-          <a:p>
-            <a:r>
-              <a:rPr lang="en-US" dirty="0" smtClean="0"/>
-              <a:t>Experiment with very wide tables</a:t>
-            </a:r>
-          </a:p>
-          <a:p>
-            <a:endParaRPr lang="en-US" dirty="0"/>
-          </a:p>
-        </p:txBody>
-      </p:sp>
-    </p:spTree>
-    <p:extLst>
-      <p:ext uri="{BB962C8B-B14F-4D97-AF65-F5344CB8AC3E}">
-        <p14:creationId xmlns:p14="http://schemas.microsoft.com/office/powerpoint/2010/main" val="2925791000"/>
-      </p:ext>
-    </p:extLst>
-  </p:cSld>
-  <p:clrMapOvr>
-    <a:masterClrMapping/>
-  </p:clrMapOvr>
-  <mc:AlternateContent xmlns:mc="http://schemas.openxmlformats.org/markup-compatibility/2006" xmlns:p14="http://schemas.microsoft.com/office/powerpoint/2010/main">
-    <mc:Choice Requires="p14">
-      <p:transition spd="med" p14:dur="700">
-        <p:fade/>
-      </p:transition>
-    </mc:Choice>
-    <mc:Fallback xmlns="">
-      <p:transition spd="med">
-        <p:fade/>
-      </p:transition>
-    </mc:Fallback>
-  </mc:AlternateContent>
-</p:sld>
-</file>
-
-<file path=ppt/slides/slide21.xml><?xml version="1.0" encoding="utf-8"?>
+<file path=ppt/slides/slide24.xml><?xml version="1.0" encoding="utf-8"?>
 <p:sld xmlns:a="http://schemas.openxmlformats.org/drawingml/2006/main" xmlns:r="http://schemas.openxmlformats.org/officeDocument/2006/relationships" xmlns:p="http://schemas.openxmlformats.org/presentationml/2006/main">
   <p:cSld>
     <p:spTree>
@@ -29105,577 +31279,69 @@
       </p:grpSpPr>
       <p:sp>
         <p:nvSpPr>
-          <p:cNvPr id="4" name="Title 3"/>
-          <p:cNvSpPr>
-            <a:spLocks noGrp="1"/>
-          </p:cNvSpPr>
-          <p:nvPr>
-            <p:ph type="title"/>
-          </p:nvPr>
+          <p:cNvPr id="5" name="Title 3"/>
+          <p:cNvSpPr txBox="1">
+            <a:spLocks/>
+          </p:cNvSpPr>
+          <p:nvPr/>
         </p:nvSpPr>
         <p:spPr>
           <a:xfrm>
             <a:off x="609441" y="246254"/>
             <a:ext cx="10969943" cy="502591"/>
           </a:xfrm>
-        </p:spPr>
-        <p:txBody>
-          <a:bodyPr/>
-          <a:lstStyle/>
-          <a:p>
-            <a:r>
-              <a:rPr lang="en-US" sz="2800" dirty="0"/>
-              <a:t>Review of Data Blocks</a:t>
-            </a:r>
-            <a:endParaRPr lang="en-GB" sz="2800" dirty="0"/>
-          </a:p>
-        </p:txBody>
-      </p:sp>
-      <p:sp>
-        <p:nvSpPr>
-          <p:cNvPr id="5" name="TextBox 4"/>
-          <p:cNvSpPr txBox="1"/>
-          <p:nvPr/>
-        </p:nvSpPr>
-        <p:spPr>
-          <a:xfrm>
-            <a:off x="2316677" y="2109364"/>
-            <a:ext cx="9361007" cy="3590201"/>
-          </a:xfrm>
           <a:prstGeom prst="rect">
             <a:avLst/>
           </a:prstGeom>
-          <a:noFill/>
-          <a:ln w="12700" cap="rnd" cmpd="sng">
-            <a:solidFill>
-              <a:schemeClr val="tx1">
-                <a:alpha val="50000"/>
-              </a:schemeClr>
-            </a:solidFill>
-            <a:prstDash val="sysDash"/>
-          </a:ln>
         </p:spPr>
         <p:txBody>
-          <a:bodyPr wrap="square" lIns="182832" tIns="182832" rIns="182832" bIns="182832" rtlCol="0">
+          <a:bodyPr vert="horz" lIns="0" tIns="0" rIns="0" bIns="0" rtlCol="0" anchor="b" anchorCtr="0">
             <a:noAutofit/>
           </a:bodyPr>
-          <a:lstStyle/>
-          <a:p>
-            <a:pPr>
+          <a:lstStyle>
+            <a:lvl1pPr algn="l" defTabSz="914400" rtl="0" eaLnBrk="1" latinLnBrk="0" hangingPunct="1">
               <a:lnSpc>
                 <a:spcPct val="90000"/>
               </a:lnSpc>
-            </a:pPr>
-            <a:r>
-              <a:rPr lang="en-US" sz="1799" dirty="0">
-                <a:solidFill>
-                  <a:srgbClr val="E5E8E8">
-                    <a:lumMod val="75000"/>
-                  </a:srgbClr>
-                </a:solidFill>
-                <a:latin typeface="Consolas" panose="020B0609020204030204" pitchFamily="49" charset="0"/>
+              <a:spcBef>
+                <a:spcPct val="0"/>
+              </a:spcBef>
+              <a:buNone/>
+              <a:defRPr sz="2800" b="1" kern="1200">
+                <a:solidFill>
+                  <a:schemeClr val="tx1"/>
+                </a:solidFill>
+                <a:latin typeface="+mj-lt"/>
+                <a:ea typeface="+mj-ea"/>
+                <a:cs typeface="+mj-cs"/>
+              </a:defRPr>
+            </a:lvl1pPr>
+          </a:lstStyle>
+          <a:p>
+            <a:r>
+              <a:rPr lang="en-US" sz="3199" dirty="0">
+                <a:solidFill>
+                  <a:prstClr val="black"/>
+                </a:solidFill>
               </a:rPr>
-              <a:t>7FE32965FFF0</a:t>
-            </a:r>
-            <a:r>
-              <a:rPr lang="en-US" sz="1799" dirty="0">
+              <a:t/>
+            </a:r>
+            <a:br>
+              <a:rPr lang="en-US" sz="3199" dirty="0">
                 <a:solidFill>
                   <a:prstClr val="black"/>
                 </a:solidFill>
-                <a:latin typeface="Consolas" panose="020B0609020204030204" pitchFamily="49" charset="0"/>
               </a:rPr>
-              <a:t> 43415004 01012C4B 54415203 7D970601  </a:t>
-            </a:r>
-            <a:r>
-              <a:rPr lang="en-US" sz="1799" b="1" dirty="0">
+            </a:br>
+            <a:r>
+              <a:rPr lang="en-US" dirty="0">
                 <a:solidFill>
                   <a:prstClr val="black"/>
                 </a:solidFill>
-                <a:highlight>
-                  <a:srgbClr val="FFFF00"/>
-                </a:highlight>
-                <a:latin typeface="Consolas" panose="020B0609020204030204" pitchFamily="49" charset="0"/>
-                <a:ea typeface="Calibri" panose="020F0502020204030204" pitchFamily="34" charset="0"/>
-                <a:cs typeface="Times New Roman" panose="02020603050405020304" pitchFamily="18" charset="0"/>
               </a:rPr>
-              <a:t>[.PACK,...RAT...}]</a:t>
-            </a:r>
-          </a:p>
-          <a:p>
-            <a:pPr>
-              <a:lnSpc>
-                <a:spcPct val="90000"/>
-              </a:lnSpc>
-            </a:pPr>
-            <a:endParaRPr lang="en-US" sz="1799" dirty="0">
-              <a:solidFill>
-                <a:prstClr val="black"/>
-              </a:solidFill>
-              <a:latin typeface="Consolas" panose="020B0609020204030204" pitchFamily="49" charset="0"/>
-            </a:endParaRPr>
-          </a:p>
-          <a:p>
-            <a:pPr>
-              <a:lnSpc>
-                <a:spcPct val="90000"/>
-              </a:lnSpc>
-            </a:pPr>
-            <a:r>
-              <a:rPr lang="en-US" sz="1799" dirty="0">
-                <a:solidFill>
-                  <a:prstClr val="black"/>
-                </a:solidFill>
-                <a:latin typeface="Consolas" panose="020B0609020204030204" pitchFamily="49" charset="0"/>
-              </a:rPr>
-              <a:t>0xe:pti[0]      </a:t>
-            </a:r>
-            <a:r>
-              <a:rPr lang="en-US" sz="1799" b="1" dirty="0" err="1">
-                <a:solidFill>
-                  <a:prstClr val="black"/>
-                </a:solidFill>
-                <a:highlight>
-                  <a:srgbClr val="FFFF00"/>
-                </a:highlight>
-                <a:latin typeface="Consolas" panose="020B0609020204030204" pitchFamily="49" charset="0"/>
-                <a:ea typeface="Calibri" panose="020F0502020204030204" pitchFamily="34" charset="0"/>
-                <a:cs typeface="Times New Roman" panose="02020603050405020304" pitchFamily="18" charset="0"/>
-              </a:rPr>
-              <a:t>nrow</a:t>
-            </a:r>
-            <a:r>
-              <a:rPr lang="en-US" sz="1799" b="1" dirty="0">
-                <a:solidFill>
-                  <a:prstClr val="black"/>
-                </a:solidFill>
-                <a:highlight>
-                  <a:srgbClr val="FFFF00"/>
-                </a:highlight>
-                <a:latin typeface="Consolas" panose="020B0609020204030204" pitchFamily="49" charset="0"/>
-                <a:ea typeface="Calibri" panose="020F0502020204030204" pitchFamily="34" charset="0"/>
-                <a:cs typeface="Times New Roman" panose="02020603050405020304" pitchFamily="18" charset="0"/>
-              </a:rPr>
-              <a:t>=2</a:t>
-            </a:r>
-            <a:r>
-              <a:rPr lang="en-US" sz="1799" dirty="0">
-                <a:solidFill>
-                  <a:prstClr val="black"/>
-                </a:solidFill>
-                <a:latin typeface="Consolas" panose="020B0609020204030204" pitchFamily="49" charset="0"/>
-              </a:rPr>
-              <a:t>  offs=0</a:t>
-            </a:r>
-          </a:p>
-          <a:p>
-            <a:pPr>
-              <a:lnSpc>
-                <a:spcPct val="90000"/>
-              </a:lnSpc>
-            </a:pPr>
-            <a:r>
-              <a:rPr lang="en-US" sz="1799" dirty="0">
-                <a:solidFill>
-                  <a:prstClr val="black"/>
-                </a:solidFill>
-                <a:latin typeface="Consolas" panose="020B0609020204030204" pitchFamily="49" charset="0"/>
-              </a:rPr>
-              <a:t>0x12:pri[0]     offs=0x1f91</a:t>
-            </a:r>
-          </a:p>
-          <a:p>
-            <a:pPr>
-              <a:lnSpc>
-                <a:spcPct val="90000"/>
-              </a:lnSpc>
-            </a:pPr>
-            <a:r>
-              <a:rPr lang="en-US" sz="1799" dirty="0">
-                <a:solidFill>
-                  <a:prstClr val="black"/>
-                </a:solidFill>
-                <a:latin typeface="Consolas" panose="020B0609020204030204" pitchFamily="49" charset="0"/>
-              </a:rPr>
-              <a:t>0x14:pri[1]     offs=0x1f89</a:t>
-            </a:r>
-          </a:p>
-          <a:p>
-            <a:pPr>
-              <a:lnSpc>
-                <a:spcPct val="90000"/>
-              </a:lnSpc>
-            </a:pPr>
-            <a:endParaRPr lang="en-US" sz="1799" dirty="0">
-              <a:solidFill>
-                <a:prstClr val="black"/>
-              </a:solidFill>
-              <a:latin typeface="Consolas" panose="020B0609020204030204" pitchFamily="49" charset="0"/>
-            </a:endParaRPr>
-          </a:p>
-          <a:p>
-            <a:pPr>
-              <a:lnSpc>
-                <a:spcPct val="90000"/>
-              </a:lnSpc>
-            </a:pPr>
-            <a:r>
-              <a:rPr lang="en-US" sz="1799" dirty="0" err="1">
-                <a:solidFill>
-                  <a:prstClr val="black"/>
-                </a:solidFill>
-                <a:latin typeface="Consolas" panose="020B0609020204030204" pitchFamily="49" charset="0"/>
-              </a:rPr>
-              <a:t>block_row_dump</a:t>
-            </a:r>
-            <a:r>
-              <a:rPr lang="en-US" sz="1799" dirty="0">
-                <a:solidFill>
-                  <a:prstClr val="black"/>
-                </a:solidFill>
-                <a:latin typeface="Consolas" panose="020B0609020204030204" pitchFamily="49" charset="0"/>
-              </a:rPr>
-              <a:t>:</a:t>
-            </a:r>
-          </a:p>
-          <a:p>
-            <a:pPr>
-              <a:lnSpc>
-                <a:spcPct val="90000"/>
-              </a:lnSpc>
-            </a:pPr>
-            <a:r>
-              <a:rPr lang="en-US" sz="1799" dirty="0">
-                <a:solidFill>
-                  <a:prstClr val="black"/>
-                </a:solidFill>
-                <a:latin typeface="Consolas" panose="020B0609020204030204" pitchFamily="49" charset="0"/>
-              </a:rPr>
-              <a:t>tab 0, </a:t>
-            </a:r>
-            <a:r>
-              <a:rPr lang="en-US" sz="1799" b="1" dirty="0">
-                <a:solidFill>
-                  <a:prstClr val="black"/>
-                </a:solidFill>
-                <a:highlight>
-                  <a:srgbClr val="FFFF00"/>
-                </a:highlight>
-                <a:latin typeface="Consolas" panose="020B0609020204030204" pitchFamily="49" charset="0"/>
-                <a:ea typeface="Calibri" panose="020F0502020204030204" pitchFamily="34" charset="0"/>
-                <a:cs typeface="Times New Roman" panose="02020603050405020304" pitchFamily="18" charset="0"/>
-              </a:rPr>
-              <a:t>row 0</a:t>
-            </a:r>
-            <a:r>
-              <a:rPr lang="en-US" sz="1799" dirty="0">
-                <a:solidFill>
-                  <a:prstClr val="black"/>
-                </a:solidFill>
-                <a:latin typeface="Consolas" panose="020B0609020204030204" pitchFamily="49" charset="0"/>
-              </a:rPr>
-              <a:t>, @0x1f91</a:t>
-            </a:r>
-          </a:p>
-          <a:p>
-            <a:pPr>
-              <a:lnSpc>
-                <a:spcPct val="90000"/>
-              </a:lnSpc>
-            </a:pPr>
-            <a:r>
-              <a:rPr lang="en-US" sz="1799" dirty="0" err="1">
-                <a:solidFill>
-                  <a:prstClr val="black"/>
-                </a:solidFill>
-                <a:latin typeface="Consolas" panose="020B0609020204030204" pitchFamily="49" charset="0"/>
-              </a:rPr>
-              <a:t>tl</a:t>
-            </a:r>
-            <a:r>
-              <a:rPr lang="en-US" sz="1799" dirty="0">
-                <a:solidFill>
-                  <a:prstClr val="black"/>
-                </a:solidFill>
-                <a:latin typeface="Consolas" panose="020B0609020204030204" pitchFamily="49" charset="0"/>
-              </a:rPr>
-              <a:t>: 7 </a:t>
-            </a:r>
-            <a:r>
-              <a:rPr lang="en-US" sz="1799" dirty="0">
-                <a:solidFill>
-                  <a:srgbClr val="E5E8E8">
-                    <a:lumMod val="75000"/>
-                  </a:srgbClr>
-                </a:solidFill>
-                <a:latin typeface="Consolas" panose="020B0609020204030204" pitchFamily="49" charset="0"/>
-              </a:rPr>
-              <a:t>fb: --H-FL-- </a:t>
-            </a:r>
-            <a:r>
-              <a:rPr lang="en-US" sz="1799" dirty="0" err="1">
-                <a:solidFill>
-                  <a:srgbClr val="E5E8E8">
-                    <a:lumMod val="75000"/>
-                  </a:srgbClr>
-                </a:solidFill>
-                <a:latin typeface="Consolas" panose="020B0609020204030204" pitchFamily="49" charset="0"/>
-              </a:rPr>
-              <a:t>lb</a:t>
-            </a:r>
-            <a:r>
-              <a:rPr lang="en-US" sz="1799" dirty="0">
-                <a:solidFill>
-                  <a:srgbClr val="E5E8E8">
-                    <a:lumMod val="75000"/>
-                  </a:srgbClr>
-                </a:solidFill>
-                <a:latin typeface="Consolas" panose="020B0609020204030204" pitchFamily="49" charset="0"/>
-              </a:rPr>
-              <a:t>: 0x1  cc: 1</a:t>
-            </a:r>
-          </a:p>
-          <a:p>
-            <a:pPr>
-              <a:lnSpc>
-                <a:spcPct val="90000"/>
-              </a:lnSpc>
-            </a:pPr>
-            <a:r>
-              <a:rPr lang="en-US" sz="1799" dirty="0">
-                <a:solidFill>
-                  <a:prstClr val="black"/>
-                </a:solidFill>
-                <a:latin typeface="Consolas" panose="020B0609020204030204" pitchFamily="49" charset="0"/>
-              </a:rPr>
-              <a:t>col  0: [ 3]  </a:t>
-            </a:r>
-            <a:r>
-              <a:rPr lang="en-US" sz="1799" b="1" dirty="0">
-                <a:solidFill>
-                  <a:prstClr val="black"/>
-                </a:solidFill>
-                <a:highlight>
-                  <a:srgbClr val="FFFF00"/>
-                </a:highlight>
-                <a:latin typeface="Consolas" panose="020B0609020204030204" pitchFamily="49" charset="0"/>
-                <a:ea typeface="Calibri" panose="020F0502020204030204" pitchFamily="34" charset="0"/>
-                <a:cs typeface="Times New Roman" panose="02020603050405020304" pitchFamily="18" charset="0"/>
-              </a:rPr>
-              <a:t>52 41 54</a:t>
-            </a:r>
-          </a:p>
-          <a:p>
-            <a:pPr>
-              <a:lnSpc>
-                <a:spcPct val="90000"/>
-              </a:lnSpc>
-            </a:pPr>
-            <a:r>
-              <a:rPr lang="en-US" sz="1799" dirty="0">
-                <a:solidFill>
-                  <a:prstClr val="black"/>
-                </a:solidFill>
-                <a:latin typeface="Consolas" panose="020B0609020204030204" pitchFamily="49" charset="0"/>
-              </a:rPr>
-              <a:t>tab 0, </a:t>
-            </a:r>
-            <a:r>
-              <a:rPr lang="en-US" sz="1799" b="1" dirty="0">
-                <a:solidFill>
-                  <a:prstClr val="black"/>
-                </a:solidFill>
-                <a:highlight>
-                  <a:srgbClr val="FFFF00"/>
-                </a:highlight>
-                <a:latin typeface="Consolas" panose="020B0609020204030204" pitchFamily="49" charset="0"/>
-                <a:ea typeface="Calibri" panose="020F0502020204030204" pitchFamily="34" charset="0"/>
-                <a:cs typeface="Times New Roman" panose="02020603050405020304" pitchFamily="18" charset="0"/>
-              </a:rPr>
-              <a:t>row 1</a:t>
-            </a:r>
-            <a:r>
-              <a:rPr lang="en-US" sz="1799" dirty="0">
-                <a:solidFill>
-                  <a:prstClr val="black"/>
-                </a:solidFill>
-                <a:latin typeface="Consolas" panose="020B0609020204030204" pitchFamily="49" charset="0"/>
-              </a:rPr>
-              <a:t>, @0x1f89</a:t>
-            </a:r>
-          </a:p>
-          <a:p>
-            <a:pPr>
-              <a:lnSpc>
-                <a:spcPct val="90000"/>
-              </a:lnSpc>
-            </a:pPr>
-            <a:r>
-              <a:rPr lang="en-US" sz="1799" dirty="0" err="1">
-                <a:solidFill>
-                  <a:prstClr val="black"/>
-                </a:solidFill>
-                <a:latin typeface="Consolas" panose="020B0609020204030204" pitchFamily="49" charset="0"/>
-              </a:rPr>
-              <a:t>tl</a:t>
-            </a:r>
-            <a:r>
-              <a:rPr lang="en-US" sz="1799" dirty="0">
-                <a:solidFill>
-                  <a:prstClr val="black"/>
-                </a:solidFill>
-                <a:latin typeface="Consolas" panose="020B0609020204030204" pitchFamily="49" charset="0"/>
-              </a:rPr>
-              <a:t>: 8 </a:t>
-            </a:r>
-            <a:r>
-              <a:rPr lang="en-US" sz="1799" dirty="0">
-                <a:solidFill>
-                  <a:srgbClr val="E5E8E8">
-                    <a:lumMod val="75000"/>
-                  </a:srgbClr>
-                </a:solidFill>
-                <a:latin typeface="Consolas" panose="020B0609020204030204" pitchFamily="49" charset="0"/>
-              </a:rPr>
-              <a:t>fb: --H-FL-- </a:t>
-            </a:r>
-            <a:r>
-              <a:rPr lang="en-US" sz="1799" dirty="0" err="1">
-                <a:solidFill>
-                  <a:srgbClr val="E5E8E8">
-                    <a:lumMod val="75000"/>
-                  </a:srgbClr>
-                </a:solidFill>
-                <a:latin typeface="Consolas" panose="020B0609020204030204" pitchFamily="49" charset="0"/>
-              </a:rPr>
-              <a:t>lb</a:t>
-            </a:r>
-            <a:r>
-              <a:rPr lang="en-US" sz="1799" dirty="0">
-                <a:solidFill>
-                  <a:srgbClr val="E5E8E8">
-                    <a:lumMod val="75000"/>
-                  </a:srgbClr>
-                </a:solidFill>
-                <a:latin typeface="Consolas" panose="020B0609020204030204" pitchFamily="49" charset="0"/>
-              </a:rPr>
-              <a:t>: 0x1  cc: 1</a:t>
-            </a:r>
-          </a:p>
-          <a:p>
-            <a:pPr>
-              <a:lnSpc>
-                <a:spcPct val="90000"/>
-              </a:lnSpc>
-            </a:pPr>
-            <a:r>
-              <a:rPr lang="en-US" sz="1799" dirty="0">
-                <a:solidFill>
-                  <a:prstClr val="black"/>
-                </a:solidFill>
-                <a:latin typeface="Consolas" panose="020B0609020204030204" pitchFamily="49" charset="0"/>
-              </a:rPr>
-              <a:t>col  0: [ 4]  </a:t>
-            </a:r>
-            <a:r>
-              <a:rPr lang="en-US" sz="1799" b="1" dirty="0">
-                <a:solidFill>
-                  <a:prstClr val="black"/>
-                </a:solidFill>
-                <a:highlight>
-                  <a:srgbClr val="FFFF00"/>
-                </a:highlight>
-                <a:latin typeface="Consolas" panose="020B0609020204030204" pitchFamily="49" charset="0"/>
-                <a:ea typeface="Calibri" panose="020F0502020204030204" pitchFamily="34" charset="0"/>
-                <a:cs typeface="Times New Roman" panose="02020603050405020304" pitchFamily="18" charset="0"/>
-              </a:rPr>
-              <a:t>50 41 43 4b</a:t>
-            </a:r>
-          </a:p>
-          <a:p>
-            <a:pPr>
-              <a:lnSpc>
-                <a:spcPct val="90000"/>
-              </a:lnSpc>
-            </a:pPr>
-            <a:endParaRPr lang="en-US" sz="1799" dirty="0">
-              <a:solidFill>
-                <a:prstClr val="black"/>
-              </a:solidFill>
-              <a:latin typeface="Consolas" panose="020B0609020204030204" pitchFamily="49" charset="0"/>
-            </a:endParaRPr>
-          </a:p>
-          <a:p>
-            <a:pPr>
-              <a:lnSpc>
-                <a:spcPct val="90000"/>
-              </a:lnSpc>
-            </a:pPr>
-            <a:endParaRPr lang="en-US" sz="1799" dirty="0">
-              <a:solidFill>
-                <a:prstClr val="black"/>
-              </a:solidFill>
-              <a:latin typeface="Consolas" panose="020B0609020204030204" pitchFamily="49" charset="0"/>
-            </a:endParaRPr>
-          </a:p>
-          <a:p>
-            <a:pPr>
-              <a:lnSpc>
-                <a:spcPct val="90000"/>
-              </a:lnSpc>
-            </a:pPr>
-            <a:endParaRPr lang="en-US" sz="1799" dirty="0">
-              <a:solidFill>
-                <a:prstClr val="black"/>
-              </a:solidFill>
-              <a:latin typeface="Consolas" panose="020B0609020204030204" pitchFamily="49" charset="0"/>
-            </a:endParaRPr>
-          </a:p>
-        </p:txBody>
-      </p:sp>
-      <p:sp>
-        <p:nvSpPr>
-          <p:cNvPr id="6" name="Right Brace 5"/>
-          <p:cNvSpPr/>
-          <p:nvPr/>
-        </p:nvSpPr>
-        <p:spPr>
-          <a:xfrm rot="10800000">
-            <a:off x="2113257" y="3016439"/>
-            <a:ext cx="427401" cy="531440"/>
-          </a:xfrm>
-          <a:prstGeom prst="rightBrace">
-            <a:avLst>
-              <a:gd name="adj1" fmla="val 0"/>
-              <a:gd name="adj2" fmla="val 51316"/>
-            </a:avLst>
-          </a:prstGeom>
-          <a:ln w="19050">
-            <a:solidFill>
-              <a:schemeClr val="tx1"/>
-            </a:solidFill>
-            <a:miter lim="800000"/>
-          </a:ln>
-        </p:spPr>
-        <p:style>
-          <a:lnRef idx="1">
-            <a:schemeClr val="accent1"/>
-          </a:lnRef>
-          <a:fillRef idx="0">
-            <a:schemeClr val="accent1"/>
-          </a:fillRef>
-          <a:effectRef idx="0">
-            <a:schemeClr val="accent1"/>
-          </a:effectRef>
-          <a:fontRef idx="minor">
-            <a:schemeClr val="tx1"/>
-          </a:fontRef>
-        </p:style>
-        <p:txBody>
-          <a:bodyPr rtlCol="0" anchor="ctr"/>
-          <a:lstStyle/>
-          <a:p>
-            <a:pPr algn="ctr"/>
-            <a:endParaRPr lang="en-GB" sz="1799">
+              <a:t>Compression Types for Data Blocks</a:t>
+            </a:r>
+            <a:endParaRPr lang="en-GB" dirty="0">
               <a:solidFill>
                 <a:prstClr val="black"/>
               </a:solidFill>
@@ -29685,65 +31351,14 @@
       </p:sp>
       <p:sp>
         <p:nvSpPr>
-          <p:cNvPr id="7" name="Right Brace 6"/>
-          <p:cNvSpPr/>
-          <p:nvPr/>
-        </p:nvSpPr>
-        <p:spPr>
-          <a:xfrm rot="16200000">
-            <a:off x="9558135" y="866578"/>
-            <a:ext cx="660894" cy="2491195"/>
-          </a:xfrm>
-          <a:prstGeom prst="rightBrace">
-            <a:avLst>
-              <a:gd name="adj1" fmla="val 0"/>
-              <a:gd name="adj2" fmla="val 51316"/>
-            </a:avLst>
-          </a:prstGeom>
-          <a:ln w="19050">
-            <a:solidFill>
-              <a:schemeClr val="tx1"/>
-            </a:solidFill>
-            <a:miter lim="800000"/>
-          </a:ln>
-        </p:spPr>
-        <p:style>
-          <a:lnRef idx="1">
-            <a:schemeClr val="accent1"/>
-          </a:lnRef>
-          <a:fillRef idx="0">
-            <a:schemeClr val="accent1"/>
-          </a:fillRef>
-          <a:effectRef idx="0">
-            <a:schemeClr val="accent1"/>
-          </a:effectRef>
-          <a:fontRef idx="minor">
-            <a:schemeClr val="tx1"/>
-          </a:fontRef>
-        </p:style>
-        <p:txBody>
-          <a:bodyPr rtlCol="0" anchor="ctr"/>
-          <a:lstStyle/>
-          <a:p>
-            <a:pPr algn="ctr"/>
-            <a:endParaRPr lang="en-GB" sz="1799">
-              <a:solidFill>
-                <a:prstClr val="black"/>
-              </a:solidFill>
-            </a:endParaRPr>
-          </a:p>
-        </p:txBody>
-      </p:sp>
-      <p:sp>
-        <p:nvSpPr>
-          <p:cNvPr id="8" name="TextBox 7"/>
+          <p:cNvPr id="2" name="TextBox 1"/>
           <p:cNvSpPr txBox="1"/>
           <p:nvPr/>
         </p:nvSpPr>
         <p:spPr>
           <a:xfrm>
-            <a:off x="484784" y="3153829"/>
-            <a:ext cx="1468795" cy="256660"/>
+            <a:off x="1119678" y="1556792"/>
+            <a:ext cx="9949468" cy="4320480"/>
           </a:xfrm>
           <a:prstGeom prst="rect">
             <a:avLst/>
@@ -29756,18 +31371,264 @@
           </a:bodyPr>
           <a:lstStyle/>
           <a:p>
-            <a:pPr>
+            <a:pPr marL="285664" indent="-285664">
               <a:lnSpc>
                 <a:spcPct val="90000"/>
               </a:lnSpc>
+              <a:buFont typeface="Arial" panose="020B0604020202020204" pitchFamily="34" charset="0"/>
+              <a:buChar char="•"/>
             </a:pPr>
             <a:r>
+              <a:rPr lang="en-US" sz="2399" dirty="0">
+                <a:solidFill>
+                  <a:prstClr val="black"/>
+                </a:solidFill>
+              </a:rPr>
+              <a:t>Basic</a:t>
+            </a:r>
+          </a:p>
+          <a:p>
+            <a:pPr marL="799860" lvl="1" indent="-342797">
+              <a:lnSpc>
+                <a:spcPct val="90000"/>
+              </a:lnSpc>
+              <a:buFont typeface="Courier New" panose="02070309020205020404" pitchFamily="49" charset="0"/>
+              <a:buChar char="o"/>
+            </a:pPr>
+            <a:r>
               <a:rPr lang="en-US" sz="1799" dirty="0">
                 <a:solidFill>
                   <a:prstClr val="black"/>
                 </a:solidFill>
               </a:rPr>
-              <a:t>row directory</a:t>
+              <a:t>Deduplication within a data </a:t>
+            </a:r>
+            <a:r>
+              <a:rPr lang="en-US" sz="1799" dirty="0" smtClean="0">
+                <a:solidFill>
+                  <a:prstClr val="black"/>
+                </a:solidFill>
+              </a:rPr>
+              <a:t>block</a:t>
+            </a:r>
+          </a:p>
+          <a:p>
+            <a:pPr marL="799860" lvl="1" indent="-342797">
+              <a:lnSpc>
+                <a:spcPct val="90000"/>
+              </a:lnSpc>
+              <a:buFont typeface="Courier New" panose="02070309020205020404" pitchFamily="49" charset="0"/>
+              <a:buChar char="o"/>
+            </a:pPr>
+            <a:r>
+              <a:rPr lang="en-US" dirty="0"/>
+              <a:t>Basic compresses only once during a direct path </a:t>
+            </a:r>
+            <a:r>
+              <a:rPr lang="en-US" dirty="0" smtClean="0"/>
+              <a:t>load</a:t>
+            </a:r>
+          </a:p>
+          <a:p>
+            <a:pPr marL="799860" lvl="1" indent="-342797">
+              <a:lnSpc>
+                <a:spcPct val="90000"/>
+              </a:lnSpc>
+              <a:buFont typeface="Courier New" panose="02070309020205020404" pitchFamily="49" charset="0"/>
+              <a:buChar char="o"/>
+            </a:pPr>
+            <a:r>
+              <a:rPr lang="en-US" sz="1799" dirty="0" smtClean="0">
+                <a:solidFill>
+                  <a:prstClr val="black"/>
+                </a:solidFill>
+              </a:rPr>
+              <a:t>PCTFREE 0</a:t>
+            </a:r>
+            <a:endParaRPr lang="en-US" sz="1799" dirty="0">
+              <a:solidFill>
+                <a:prstClr val="black"/>
+              </a:solidFill>
+            </a:endParaRPr>
+          </a:p>
+          <a:p>
+            <a:pPr marL="799860" lvl="1" indent="-342797">
+              <a:lnSpc>
+                <a:spcPct val="90000"/>
+              </a:lnSpc>
+              <a:buFont typeface="Courier New" panose="02070309020205020404" pitchFamily="49" charset="0"/>
+              <a:buChar char="o"/>
+            </a:pPr>
+            <a:r>
+              <a:rPr lang="en-US" sz="1799" dirty="0" smtClean="0">
+                <a:solidFill>
+                  <a:prstClr val="black"/>
+                </a:solidFill>
+              </a:rPr>
+              <a:t>Included with EE</a:t>
+            </a:r>
+            <a:br>
+              <a:rPr lang="en-US" sz="1799" dirty="0" smtClean="0">
+                <a:solidFill>
+                  <a:prstClr val="black"/>
+                </a:solidFill>
+              </a:rPr>
+            </a:br>
+            <a:endParaRPr lang="en-US" sz="1799" dirty="0">
+              <a:solidFill>
+                <a:prstClr val="black"/>
+              </a:solidFill>
+            </a:endParaRPr>
+          </a:p>
+          <a:p>
+            <a:pPr marL="285664" indent="-285664">
+              <a:lnSpc>
+                <a:spcPct val="90000"/>
+              </a:lnSpc>
+              <a:buFont typeface="Arial" panose="020B0604020202020204" pitchFamily="34" charset="0"/>
+              <a:buChar char="•"/>
+            </a:pPr>
+            <a:r>
+              <a:rPr lang="en-US" sz="2399" dirty="0">
+                <a:solidFill>
+                  <a:prstClr val="black"/>
+                </a:solidFill>
+              </a:rPr>
+              <a:t>Advanced</a:t>
+            </a:r>
+          </a:p>
+          <a:p>
+            <a:pPr marL="799860" lvl="1" indent="-342797">
+              <a:lnSpc>
+                <a:spcPct val="90000"/>
+              </a:lnSpc>
+              <a:buFont typeface="Courier New" panose="02070309020205020404" pitchFamily="49" charset="0"/>
+              <a:buChar char="o"/>
+            </a:pPr>
+            <a:r>
+              <a:rPr lang="en-US" sz="1799" dirty="0">
+                <a:solidFill>
+                  <a:prstClr val="black"/>
+                </a:solidFill>
+              </a:rPr>
+              <a:t>Like basic but can be used for active </a:t>
+            </a:r>
+            <a:r>
+              <a:rPr lang="en-US" sz="1799" dirty="0" smtClean="0">
+                <a:solidFill>
+                  <a:prstClr val="black"/>
+                </a:solidFill>
+              </a:rPr>
+              <a:t>tables</a:t>
+            </a:r>
+          </a:p>
+          <a:p>
+            <a:pPr marL="799860" lvl="1" indent="-342797">
+              <a:lnSpc>
+                <a:spcPct val="90000"/>
+              </a:lnSpc>
+              <a:buFont typeface="Courier New" panose="02070309020205020404" pitchFamily="49" charset="0"/>
+              <a:buChar char="o"/>
+            </a:pPr>
+            <a:r>
+              <a:rPr lang="en-US" dirty="0"/>
+              <a:t>Advanced will automatically recompress blocks </a:t>
+            </a:r>
+            <a:r>
+              <a:rPr lang="en-US" dirty="0" smtClean="0"/>
+              <a:t>as </a:t>
+            </a:r>
+            <a:r>
+              <a:rPr lang="en-US" dirty="0"/>
+              <a:t>they </a:t>
+            </a:r>
+            <a:r>
+              <a:rPr lang="en-US" dirty="0" smtClean="0"/>
+              <a:t>fill</a:t>
+            </a:r>
+          </a:p>
+          <a:p>
+            <a:pPr marL="799860" lvl="1" indent="-342797">
+              <a:lnSpc>
+                <a:spcPct val="90000"/>
+              </a:lnSpc>
+              <a:buFont typeface="Courier New" panose="02070309020205020404" pitchFamily="49" charset="0"/>
+              <a:buChar char="o"/>
+            </a:pPr>
+            <a:r>
+              <a:rPr lang="en-US" dirty="0" smtClean="0"/>
+              <a:t>PCTFREE 10 </a:t>
+            </a:r>
+            <a:endParaRPr lang="en-US" dirty="0"/>
+          </a:p>
+          <a:p>
+            <a:pPr marL="799860" lvl="1" indent="-342797">
+              <a:lnSpc>
+                <a:spcPct val="90000"/>
+              </a:lnSpc>
+              <a:buFont typeface="Courier New" panose="02070309020205020404" pitchFamily="49" charset="0"/>
+              <a:buChar char="o"/>
+            </a:pPr>
+            <a:r>
+              <a:rPr lang="en-US" sz="1799" dirty="0" smtClean="0">
+                <a:solidFill>
+                  <a:prstClr val="black"/>
+                </a:solidFill>
+              </a:rPr>
+              <a:t>Advanced Compression option license </a:t>
+            </a:r>
+            <a:endParaRPr lang="en-US" sz="1799" dirty="0">
+              <a:solidFill>
+                <a:prstClr val="black"/>
+              </a:solidFill>
+            </a:endParaRPr>
+          </a:p>
+          <a:p>
+            <a:pPr marL="799860" lvl="1" indent="-342797">
+              <a:lnSpc>
+                <a:spcPct val="90000"/>
+              </a:lnSpc>
+              <a:buFont typeface="Courier New" panose="02070309020205020404" pitchFamily="49" charset="0"/>
+              <a:buChar char="o"/>
+            </a:pPr>
+            <a:endParaRPr lang="en-US" sz="1799" dirty="0">
+              <a:solidFill>
+                <a:prstClr val="black"/>
+              </a:solidFill>
+            </a:endParaRPr>
+          </a:p>
+          <a:p>
+            <a:pPr marL="285664" indent="-285664">
+              <a:lnSpc>
+                <a:spcPct val="90000"/>
+              </a:lnSpc>
+              <a:buFont typeface="Arial" panose="020B0604020202020204" pitchFamily="34" charset="0"/>
+              <a:buChar char="•"/>
+            </a:pPr>
+            <a:r>
+              <a:rPr lang="en-US" sz="2399" dirty="0">
+                <a:solidFill>
+                  <a:prstClr val="black"/>
+                </a:solidFill>
+              </a:rPr>
+              <a:t>HCC </a:t>
+            </a:r>
+          </a:p>
+          <a:p>
+            <a:pPr marL="799860" lvl="1" indent="-342797">
+              <a:lnSpc>
+                <a:spcPct val="90000"/>
+              </a:lnSpc>
+              <a:buFont typeface="Courier New" panose="02070309020205020404" pitchFamily="49" charset="0"/>
+              <a:buChar char="o"/>
+            </a:pPr>
+            <a:r>
+              <a:rPr lang="en-US" sz="1799" dirty="0">
+                <a:solidFill>
+                  <a:prstClr val="black"/>
+                </a:solidFill>
+              </a:rPr>
+              <a:t>Can only be used with an HCC supported platform</a:t>
             </a:r>
             <a:endParaRPr lang="en-GB" sz="1799" dirty="0" err="1">
               <a:solidFill>
@@ -29777,241 +31638,10 @@
           </a:p>
         </p:txBody>
       </p:sp>
-      <p:sp>
-        <p:nvSpPr>
-          <p:cNvPr id="9" name="Right Brace 8"/>
-          <p:cNvSpPr/>
-          <p:nvPr/>
-        </p:nvSpPr>
-        <p:spPr>
-          <a:xfrm rot="16200000">
-            <a:off x="6027134" y="-173231"/>
-            <a:ext cx="660893" cy="4570810"/>
-          </a:xfrm>
-          <a:prstGeom prst="rightBrace">
-            <a:avLst>
-              <a:gd name="adj1" fmla="val 0"/>
-              <a:gd name="adj2" fmla="val 51316"/>
-            </a:avLst>
-          </a:prstGeom>
-          <a:ln w="19050">
-            <a:solidFill>
-              <a:schemeClr val="tx1"/>
-            </a:solidFill>
-            <a:miter lim="800000"/>
-          </a:ln>
-        </p:spPr>
-        <p:style>
-          <a:lnRef idx="1">
-            <a:schemeClr val="accent1"/>
-          </a:lnRef>
-          <a:fillRef idx="0">
-            <a:schemeClr val="accent1"/>
-          </a:fillRef>
-          <a:effectRef idx="0">
-            <a:schemeClr val="accent1"/>
-          </a:effectRef>
-          <a:fontRef idx="minor">
-            <a:schemeClr val="tx1"/>
-          </a:fontRef>
-        </p:style>
-        <p:txBody>
-          <a:bodyPr rtlCol="0" anchor="ctr"/>
-          <a:lstStyle/>
-          <a:p>
-            <a:pPr algn="ctr"/>
-            <a:endParaRPr lang="en-GB" sz="1799">
-              <a:solidFill>
-                <a:prstClr val="black"/>
-              </a:solidFill>
-            </a:endParaRPr>
-          </a:p>
-        </p:txBody>
-      </p:sp>
-      <p:sp>
-        <p:nvSpPr>
-          <p:cNvPr id="10" name="Right Brace 9"/>
-          <p:cNvSpPr/>
-          <p:nvPr/>
-        </p:nvSpPr>
-        <p:spPr>
-          <a:xfrm rot="10800000">
-            <a:off x="2101384" y="3740646"/>
-            <a:ext cx="437299" cy="1780840"/>
-          </a:xfrm>
-          <a:prstGeom prst="rightBrace">
-            <a:avLst>
-              <a:gd name="adj1" fmla="val 0"/>
-              <a:gd name="adj2" fmla="val 49911"/>
-            </a:avLst>
-          </a:prstGeom>
-          <a:ln w="19050">
-            <a:solidFill>
-              <a:schemeClr val="tx1"/>
-            </a:solidFill>
-            <a:miter lim="800000"/>
-          </a:ln>
-        </p:spPr>
-        <p:style>
-          <a:lnRef idx="1">
-            <a:schemeClr val="accent1"/>
-          </a:lnRef>
-          <a:fillRef idx="0">
-            <a:schemeClr val="accent1"/>
-          </a:fillRef>
-          <a:effectRef idx="0">
-            <a:schemeClr val="accent1"/>
-          </a:effectRef>
-          <a:fontRef idx="minor">
-            <a:schemeClr val="tx1"/>
-          </a:fontRef>
-        </p:style>
-        <p:txBody>
-          <a:bodyPr rtlCol="0" anchor="ctr"/>
-          <a:lstStyle/>
-          <a:p>
-            <a:pPr algn="ctr"/>
-            <a:endParaRPr lang="en-GB" sz="1799">
-              <a:solidFill>
-                <a:prstClr val="black"/>
-              </a:solidFill>
-            </a:endParaRPr>
-          </a:p>
-        </p:txBody>
-      </p:sp>
-      <p:sp>
-        <p:nvSpPr>
-          <p:cNvPr id="12" name="TextBox 11"/>
-          <p:cNvSpPr txBox="1"/>
-          <p:nvPr/>
-        </p:nvSpPr>
-        <p:spPr>
-          <a:xfrm>
-            <a:off x="484784" y="4495111"/>
-            <a:ext cx="1437142" cy="242804"/>
-          </a:xfrm>
-          <a:prstGeom prst="rect">
-            <a:avLst/>
-          </a:prstGeom>
-          <a:noFill/>
-        </p:spPr>
-        <p:txBody>
-          <a:bodyPr wrap="none" lIns="0" tIns="0" rIns="0" bIns="0" rtlCol="0">
-            <a:noAutofit/>
-          </a:bodyPr>
-          <a:lstStyle/>
-          <a:p>
-            <a:pPr>
-              <a:lnSpc>
-                <a:spcPct val="90000"/>
-              </a:lnSpc>
-            </a:pPr>
-            <a:r>
-              <a:rPr lang="en-US" sz="1799" dirty="0">
-                <a:solidFill>
-                  <a:prstClr val="black"/>
-                </a:solidFill>
-              </a:rPr>
-              <a:t>human friendly</a:t>
-            </a:r>
-            <a:endParaRPr lang="en-GB" sz="1799" dirty="0" err="1">
-              <a:solidFill>
-                <a:prstClr val="black"/>
-              </a:solidFill>
-            </a:endParaRPr>
-          </a:p>
-        </p:txBody>
-      </p:sp>
-      <p:sp>
-        <p:nvSpPr>
-          <p:cNvPr id="13" name="TextBox 12"/>
-          <p:cNvSpPr txBox="1"/>
-          <p:nvPr/>
-        </p:nvSpPr>
-        <p:spPr>
-          <a:xfrm>
-            <a:off x="5631271" y="1395879"/>
-            <a:ext cx="1437142" cy="320551"/>
-          </a:xfrm>
-          <a:prstGeom prst="rect">
-            <a:avLst/>
-          </a:prstGeom>
-          <a:noFill/>
-        </p:spPr>
-        <p:txBody>
-          <a:bodyPr wrap="none" lIns="0" tIns="0" rIns="0" bIns="0" rtlCol="0">
-            <a:noAutofit/>
-          </a:bodyPr>
-          <a:lstStyle/>
-          <a:p>
-            <a:pPr>
-              <a:lnSpc>
-                <a:spcPct val="90000"/>
-              </a:lnSpc>
-            </a:pPr>
-            <a:r>
-              <a:rPr lang="en-US" sz="1799" dirty="0">
-                <a:solidFill>
-                  <a:prstClr val="black"/>
-                </a:solidFill>
-              </a:rPr>
-              <a:t>block dump in hex</a:t>
-            </a:r>
-            <a:endParaRPr lang="en-GB" sz="1799" dirty="0" err="1">
-              <a:solidFill>
-                <a:prstClr val="black"/>
-              </a:solidFill>
-            </a:endParaRPr>
-          </a:p>
-        </p:txBody>
-      </p:sp>
-      <p:sp>
-        <p:nvSpPr>
-          <p:cNvPr id="14" name="TextBox 13"/>
-          <p:cNvSpPr txBox="1"/>
-          <p:nvPr/>
-        </p:nvSpPr>
-        <p:spPr>
-          <a:xfrm>
-            <a:off x="9226575" y="1395879"/>
-            <a:ext cx="1437142" cy="320551"/>
-          </a:xfrm>
-          <a:prstGeom prst="rect">
-            <a:avLst/>
-          </a:prstGeom>
-          <a:noFill/>
-        </p:spPr>
-        <p:txBody>
-          <a:bodyPr wrap="none" lIns="0" tIns="0" rIns="0" bIns="0" rtlCol="0">
-            <a:noAutofit/>
-          </a:bodyPr>
-          <a:lstStyle/>
-          <a:p>
-            <a:pPr>
-              <a:lnSpc>
-                <a:spcPct val="90000"/>
-              </a:lnSpc>
-            </a:pPr>
-            <a:r>
-              <a:rPr lang="en-US" sz="1799" dirty="0">
-                <a:solidFill>
-                  <a:prstClr val="black"/>
-                </a:solidFill>
-              </a:rPr>
-              <a:t>human readable </a:t>
-            </a:r>
-            <a:endParaRPr lang="en-GB" sz="1799" dirty="0" err="1">
-              <a:solidFill>
-                <a:prstClr val="black"/>
-              </a:solidFill>
-            </a:endParaRPr>
-          </a:p>
-        </p:txBody>
-      </p:sp>
     </p:spTree>
     <p:extLst>
       <p:ext uri="{BB962C8B-B14F-4D97-AF65-F5344CB8AC3E}">
-        <p14:creationId xmlns:p14="http://schemas.microsoft.com/office/powerpoint/2010/main" val="452249250"/>
+        <p14:creationId xmlns:p14="http://schemas.microsoft.com/office/powerpoint/2010/main" val="1412135447"/>
       </p:ext>
     </p:extLst>
   </p:cSld>
@@ -30059,69 +31689,577 @@
       </p:grpSpPr>
       <p:sp>
         <p:nvSpPr>
-          <p:cNvPr id="5" name="Title 3"/>
-          <p:cNvSpPr txBox="1">
-            <a:spLocks/>
-          </p:cNvSpPr>
-          <p:nvPr/>
+          <p:cNvPr id="4" name="Title 3"/>
+          <p:cNvSpPr>
+            <a:spLocks noGrp="1"/>
+          </p:cNvSpPr>
+          <p:nvPr>
+            <p:ph type="title"/>
+          </p:nvPr>
         </p:nvSpPr>
         <p:spPr>
           <a:xfrm>
             <a:off x="609441" y="246254"/>
             <a:ext cx="10969943" cy="502591"/>
           </a:xfrm>
+        </p:spPr>
+        <p:txBody>
+          <a:bodyPr/>
+          <a:lstStyle/>
+          <a:p>
+            <a:r>
+              <a:rPr lang="en-US" sz="2800" dirty="0"/>
+              <a:t>Review of Data Blocks</a:t>
+            </a:r>
+            <a:endParaRPr lang="en-GB" sz="2800" dirty="0"/>
+          </a:p>
+        </p:txBody>
+      </p:sp>
+      <p:sp>
+        <p:nvSpPr>
+          <p:cNvPr id="5" name="TextBox 4"/>
+          <p:cNvSpPr txBox="1"/>
+          <p:nvPr/>
+        </p:nvSpPr>
+        <p:spPr>
+          <a:xfrm>
+            <a:off x="2316677" y="2109364"/>
+            <a:ext cx="9361007" cy="3590201"/>
+          </a:xfrm>
           <a:prstGeom prst="rect">
             <a:avLst/>
           </a:prstGeom>
+          <a:noFill/>
+          <a:ln w="12700" cap="rnd" cmpd="sng">
+            <a:solidFill>
+              <a:schemeClr val="tx1">
+                <a:alpha val="50000"/>
+              </a:schemeClr>
+            </a:solidFill>
+            <a:prstDash val="sysDash"/>
+          </a:ln>
         </p:spPr>
         <p:txBody>
-          <a:bodyPr vert="horz" lIns="0" tIns="0" rIns="0" bIns="0" rtlCol="0" anchor="b" anchorCtr="0">
+          <a:bodyPr wrap="square" lIns="182832" tIns="182832" rIns="182832" bIns="182832" rtlCol="0">
             <a:noAutofit/>
           </a:bodyPr>
-          <a:lstStyle>
-            <a:lvl1pPr algn="l" defTabSz="914400" rtl="0" eaLnBrk="1" latinLnBrk="0" hangingPunct="1">
+          <a:lstStyle/>
+          <a:p>
+            <a:pPr>
               <a:lnSpc>
                 <a:spcPct val="90000"/>
               </a:lnSpc>
-              <a:spcBef>
-                <a:spcPct val="0"/>
-              </a:spcBef>
-              <a:buNone/>
-              <a:defRPr sz="2800" b="1" kern="1200">
-                <a:solidFill>
-                  <a:schemeClr val="tx1"/>
-                </a:solidFill>
-                <a:latin typeface="+mj-lt"/>
-                <a:ea typeface="+mj-ea"/>
-                <a:cs typeface="+mj-cs"/>
-              </a:defRPr>
-            </a:lvl1pPr>
-          </a:lstStyle>
-          <a:p>
-            <a:r>
-              <a:rPr lang="en-US" sz="3199" dirty="0">
+            </a:pPr>
+            <a:r>
+              <a:rPr lang="en-US" sz="1799" dirty="0">
+                <a:solidFill>
+                  <a:srgbClr val="E5E8E8">
+                    <a:lumMod val="75000"/>
+                  </a:srgbClr>
+                </a:solidFill>
+                <a:latin typeface="Consolas" panose="020B0609020204030204" pitchFamily="49" charset="0"/>
+              </a:rPr>
+              <a:t>7FE32965FFF0</a:t>
+            </a:r>
+            <a:r>
+              <a:rPr lang="en-US" sz="1799" dirty="0">
                 <a:solidFill>
                   <a:prstClr val="black"/>
                 </a:solidFill>
+                <a:latin typeface="Consolas" panose="020B0609020204030204" pitchFamily="49" charset="0"/>
               </a:rPr>
-              <a:t/>
-            </a:r>
-            <a:br>
-              <a:rPr lang="en-US" sz="3199" dirty="0">
+              <a:t> 43415004 01012C4B 54415203 7D970601  </a:t>
+            </a:r>
+            <a:r>
+              <a:rPr lang="en-US" sz="1799" b="1" dirty="0">
                 <a:solidFill>
                   <a:prstClr val="black"/>
                 </a:solidFill>
+                <a:highlight>
+                  <a:srgbClr val="FFFF00"/>
+                </a:highlight>
+                <a:latin typeface="Consolas" panose="020B0609020204030204" pitchFamily="49" charset="0"/>
+                <a:ea typeface="Calibri" panose="020F0502020204030204" pitchFamily="34" charset="0"/>
+                <a:cs typeface="Times New Roman" panose="02020603050405020304" pitchFamily="18" charset="0"/>
               </a:rPr>
-            </a:br>
-            <a:r>
-              <a:rPr lang="en-US" dirty="0">
+              <a:t>[.PACK,...RAT...}]</a:t>
+            </a:r>
+          </a:p>
+          <a:p>
+            <a:pPr>
+              <a:lnSpc>
+                <a:spcPct val="90000"/>
+              </a:lnSpc>
+            </a:pPr>
+            <a:endParaRPr lang="en-US" sz="1799" dirty="0">
+              <a:solidFill>
+                <a:prstClr val="black"/>
+              </a:solidFill>
+              <a:latin typeface="Consolas" panose="020B0609020204030204" pitchFamily="49" charset="0"/>
+            </a:endParaRPr>
+          </a:p>
+          <a:p>
+            <a:pPr>
+              <a:lnSpc>
+                <a:spcPct val="90000"/>
+              </a:lnSpc>
+            </a:pPr>
+            <a:r>
+              <a:rPr lang="en-US" sz="1799" dirty="0">
                 <a:solidFill>
                   <a:prstClr val="black"/>
                 </a:solidFill>
+                <a:latin typeface="Consolas" panose="020B0609020204030204" pitchFamily="49" charset="0"/>
               </a:rPr>
-              <a:t>Compression Types for Data Blocks</a:t>
-            </a:r>
-            <a:endParaRPr lang="en-GB" dirty="0">
+              <a:t>0xe:pti[0]      </a:t>
+            </a:r>
+            <a:r>
+              <a:rPr lang="en-US" sz="1799" b="1" dirty="0" err="1">
+                <a:solidFill>
+                  <a:prstClr val="black"/>
+                </a:solidFill>
+                <a:highlight>
+                  <a:srgbClr val="FFFF00"/>
+                </a:highlight>
+                <a:latin typeface="Consolas" panose="020B0609020204030204" pitchFamily="49" charset="0"/>
+                <a:ea typeface="Calibri" panose="020F0502020204030204" pitchFamily="34" charset="0"/>
+                <a:cs typeface="Times New Roman" panose="02020603050405020304" pitchFamily="18" charset="0"/>
+              </a:rPr>
+              <a:t>nrow</a:t>
+            </a:r>
+            <a:r>
+              <a:rPr lang="en-US" sz="1799" b="1" dirty="0">
+                <a:solidFill>
+                  <a:prstClr val="black"/>
+                </a:solidFill>
+                <a:highlight>
+                  <a:srgbClr val="FFFF00"/>
+                </a:highlight>
+                <a:latin typeface="Consolas" panose="020B0609020204030204" pitchFamily="49" charset="0"/>
+                <a:ea typeface="Calibri" panose="020F0502020204030204" pitchFamily="34" charset="0"/>
+                <a:cs typeface="Times New Roman" panose="02020603050405020304" pitchFamily="18" charset="0"/>
+              </a:rPr>
+              <a:t>=2</a:t>
+            </a:r>
+            <a:r>
+              <a:rPr lang="en-US" sz="1799" dirty="0">
+                <a:solidFill>
+                  <a:prstClr val="black"/>
+                </a:solidFill>
+                <a:latin typeface="Consolas" panose="020B0609020204030204" pitchFamily="49" charset="0"/>
+              </a:rPr>
+              <a:t>  offs=0</a:t>
+            </a:r>
+          </a:p>
+          <a:p>
+            <a:pPr>
+              <a:lnSpc>
+                <a:spcPct val="90000"/>
+              </a:lnSpc>
+            </a:pPr>
+            <a:r>
+              <a:rPr lang="en-US" sz="1799" dirty="0">
+                <a:solidFill>
+                  <a:prstClr val="black"/>
+                </a:solidFill>
+                <a:latin typeface="Consolas" panose="020B0609020204030204" pitchFamily="49" charset="0"/>
+              </a:rPr>
+              <a:t>0x12:pri[0]     offs=0x1f91</a:t>
+            </a:r>
+          </a:p>
+          <a:p>
+            <a:pPr>
+              <a:lnSpc>
+                <a:spcPct val="90000"/>
+              </a:lnSpc>
+            </a:pPr>
+            <a:r>
+              <a:rPr lang="en-US" sz="1799" dirty="0">
+                <a:solidFill>
+                  <a:prstClr val="black"/>
+                </a:solidFill>
+                <a:latin typeface="Consolas" panose="020B0609020204030204" pitchFamily="49" charset="0"/>
+              </a:rPr>
+              <a:t>0x14:pri[1]     offs=0x1f89</a:t>
+            </a:r>
+          </a:p>
+          <a:p>
+            <a:pPr>
+              <a:lnSpc>
+                <a:spcPct val="90000"/>
+              </a:lnSpc>
+            </a:pPr>
+            <a:endParaRPr lang="en-US" sz="1799" dirty="0">
+              <a:solidFill>
+                <a:prstClr val="black"/>
+              </a:solidFill>
+              <a:latin typeface="Consolas" panose="020B0609020204030204" pitchFamily="49" charset="0"/>
+            </a:endParaRPr>
+          </a:p>
+          <a:p>
+            <a:pPr>
+              <a:lnSpc>
+                <a:spcPct val="90000"/>
+              </a:lnSpc>
+            </a:pPr>
+            <a:r>
+              <a:rPr lang="en-US" sz="1799" dirty="0" err="1">
+                <a:solidFill>
+                  <a:prstClr val="black"/>
+                </a:solidFill>
+                <a:latin typeface="Consolas" panose="020B0609020204030204" pitchFamily="49" charset="0"/>
+              </a:rPr>
+              <a:t>block_row_dump</a:t>
+            </a:r>
+            <a:r>
+              <a:rPr lang="en-US" sz="1799" dirty="0">
+                <a:solidFill>
+                  <a:prstClr val="black"/>
+                </a:solidFill>
+                <a:latin typeface="Consolas" panose="020B0609020204030204" pitchFamily="49" charset="0"/>
+              </a:rPr>
+              <a:t>:</a:t>
+            </a:r>
+          </a:p>
+          <a:p>
+            <a:pPr>
+              <a:lnSpc>
+                <a:spcPct val="90000"/>
+              </a:lnSpc>
+            </a:pPr>
+            <a:r>
+              <a:rPr lang="en-US" sz="1799" dirty="0">
+                <a:solidFill>
+                  <a:prstClr val="black"/>
+                </a:solidFill>
+                <a:latin typeface="Consolas" panose="020B0609020204030204" pitchFamily="49" charset="0"/>
+              </a:rPr>
+              <a:t>tab 0, </a:t>
+            </a:r>
+            <a:r>
+              <a:rPr lang="en-US" sz="1799" b="1" dirty="0">
+                <a:solidFill>
+                  <a:prstClr val="black"/>
+                </a:solidFill>
+                <a:highlight>
+                  <a:srgbClr val="FFFF00"/>
+                </a:highlight>
+                <a:latin typeface="Consolas" panose="020B0609020204030204" pitchFamily="49" charset="0"/>
+                <a:ea typeface="Calibri" panose="020F0502020204030204" pitchFamily="34" charset="0"/>
+                <a:cs typeface="Times New Roman" panose="02020603050405020304" pitchFamily="18" charset="0"/>
+              </a:rPr>
+              <a:t>row 0</a:t>
+            </a:r>
+            <a:r>
+              <a:rPr lang="en-US" sz="1799" dirty="0">
+                <a:solidFill>
+                  <a:prstClr val="black"/>
+                </a:solidFill>
+                <a:latin typeface="Consolas" panose="020B0609020204030204" pitchFamily="49" charset="0"/>
+              </a:rPr>
+              <a:t>, @0x1f91</a:t>
+            </a:r>
+          </a:p>
+          <a:p>
+            <a:pPr>
+              <a:lnSpc>
+                <a:spcPct val="90000"/>
+              </a:lnSpc>
+            </a:pPr>
+            <a:r>
+              <a:rPr lang="en-US" sz="1799" dirty="0" err="1">
+                <a:solidFill>
+                  <a:prstClr val="black"/>
+                </a:solidFill>
+                <a:latin typeface="Consolas" panose="020B0609020204030204" pitchFamily="49" charset="0"/>
+              </a:rPr>
+              <a:t>tl</a:t>
+            </a:r>
+            <a:r>
+              <a:rPr lang="en-US" sz="1799" dirty="0">
+                <a:solidFill>
+                  <a:prstClr val="black"/>
+                </a:solidFill>
+                <a:latin typeface="Consolas" panose="020B0609020204030204" pitchFamily="49" charset="0"/>
+              </a:rPr>
+              <a:t>: 7 </a:t>
+            </a:r>
+            <a:r>
+              <a:rPr lang="en-US" sz="1799" dirty="0">
+                <a:solidFill>
+                  <a:srgbClr val="E5E8E8">
+                    <a:lumMod val="75000"/>
+                  </a:srgbClr>
+                </a:solidFill>
+                <a:latin typeface="Consolas" panose="020B0609020204030204" pitchFamily="49" charset="0"/>
+              </a:rPr>
+              <a:t>fb: --H-FL-- </a:t>
+            </a:r>
+            <a:r>
+              <a:rPr lang="en-US" sz="1799" dirty="0" err="1">
+                <a:solidFill>
+                  <a:srgbClr val="E5E8E8">
+                    <a:lumMod val="75000"/>
+                  </a:srgbClr>
+                </a:solidFill>
+                <a:latin typeface="Consolas" panose="020B0609020204030204" pitchFamily="49" charset="0"/>
+              </a:rPr>
+              <a:t>lb</a:t>
+            </a:r>
+            <a:r>
+              <a:rPr lang="en-US" sz="1799" dirty="0">
+                <a:solidFill>
+                  <a:srgbClr val="E5E8E8">
+                    <a:lumMod val="75000"/>
+                  </a:srgbClr>
+                </a:solidFill>
+                <a:latin typeface="Consolas" panose="020B0609020204030204" pitchFamily="49" charset="0"/>
+              </a:rPr>
+              <a:t>: 0x1  cc: 1</a:t>
+            </a:r>
+          </a:p>
+          <a:p>
+            <a:pPr>
+              <a:lnSpc>
+                <a:spcPct val="90000"/>
+              </a:lnSpc>
+            </a:pPr>
+            <a:r>
+              <a:rPr lang="en-US" sz="1799" dirty="0">
+                <a:solidFill>
+                  <a:prstClr val="black"/>
+                </a:solidFill>
+                <a:latin typeface="Consolas" panose="020B0609020204030204" pitchFamily="49" charset="0"/>
+              </a:rPr>
+              <a:t>col  0: [ 3]  </a:t>
+            </a:r>
+            <a:r>
+              <a:rPr lang="en-US" sz="1799" b="1" dirty="0">
+                <a:solidFill>
+                  <a:prstClr val="black"/>
+                </a:solidFill>
+                <a:highlight>
+                  <a:srgbClr val="FFFF00"/>
+                </a:highlight>
+                <a:latin typeface="Consolas" panose="020B0609020204030204" pitchFamily="49" charset="0"/>
+                <a:ea typeface="Calibri" panose="020F0502020204030204" pitchFamily="34" charset="0"/>
+                <a:cs typeface="Times New Roman" panose="02020603050405020304" pitchFamily="18" charset="0"/>
+              </a:rPr>
+              <a:t>52 41 54</a:t>
+            </a:r>
+          </a:p>
+          <a:p>
+            <a:pPr>
+              <a:lnSpc>
+                <a:spcPct val="90000"/>
+              </a:lnSpc>
+            </a:pPr>
+            <a:r>
+              <a:rPr lang="en-US" sz="1799" dirty="0">
+                <a:solidFill>
+                  <a:prstClr val="black"/>
+                </a:solidFill>
+                <a:latin typeface="Consolas" panose="020B0609020204030204" pitchFamily="49" charset="0"/>
+              </a:rPr>
+              <a:t>tab 0, </a:t>
+            </a:r>
+            <a:r>
+              <a:rPr lang="en-US" sz="1799" b="1" dirty="0">
+                <a:solidFill>
+                  <a:prstClr val="black"/>
+                </a:solidFill>
+                <a:highlight>
+                  <a:srgbClr val="FFFF00"/>
+                </a:highlight>
+                <a:latin typeface="Consolas" panose="020B0609020204030204" pitchFamily="49" charset="0"/>
+                <a:ea typeface="Calibri" panose="020F0502020204030204" pitchFamily="34" charset="0"/>
+                <a:cs typeface="Times New Roman" panose="02020603050405020304" pitchFamily="18" charset="0"/>
+              </a:rPr>
+              <a:t>row 1</a:t>
+            </a:r>
+            <a:r>
+              <a:rPr lang="en-US" sz="1799" dirty="0">
+                <a:solidFill>
+                  <a:prstClr val="black"/>
+                </a:solidFill>
+                <a:latin typeface="Consolas" panose="020B0609020204030204" pitchFamily="49" charset="0"/>
+              </a:rPr>
+              <a:t>, @0x1f89</a:t>
+            </a:r>
+          </a:p>
+          <a:p>
+            <a:pPr>
+              <a:lnSpc>
+                <a:spcPct val="90000"/>
+              </a:lnSpc>
+            </a:pPr>
+            <a:r>
+              <a:rPr lang="en-US" sz="1799" dirty="0" err="1">
+                <a:solidFill>
+                  <a:prstClr val="black"/>
+                </a:solidFill>
+                <a:latin typeface="Consolas" panose="020B0609020204030204" pitchFamily="49" charset="0"/>
+              </a:rPr>
+              <a:t>tl</a:t>
+            </a:r>
+            <a:r>
+              <a:rPr lang="en-US" sz="1799" dirty="0">
+                <a:solidFill>
+                  <a:prstClr val="black"/>
+                </a:solidFill>
+                <a:latin typeface="Consolas" panose="020B0609020204030204" pitchFamily="49" charset="0"/>
+              </a:rPr>
+              <a:t>: 8 </a:t>
+            </a:r>
+            <a:r>
+              <a:rPr lang="en-US" sz="1799" dirty="0">
+                <a:solidFill>
+                  <a:srgbClr val="E5E8E8">
+                    <a:lumMod val="75000"/>
+                  </a:srgbClr>
+                </a:solidFill>
+                <a:latin typeface="Consolas" panose="020B0609020204030204" pitchFamily="49" charset="0"/>
+              </a:rPr>
+              <a:t>fb: --H-FL-- </a:t>
+            </a:r>
+            <a:r>
+              <a:rPr lang="en-US" sz="1799" dirty="0" err="1">
+                <a:solidFill>
+                  <a:srgbClr val="E5E8E8">
+                    <a:lumMod val="75000"/>
+                  </a:srgbClr>
+                </a:solidFill>
+                <a:latin typeface="Consolas" panose="020B0609020204030204" pitchFamily="49" charset="0"/>
+              </a:rPr>
+              <a:t>lb</a:t>
+            </a:r>
+            <a:r>
+              <a:rPr lang="en-US" sz="1799" dirty="0">
+                <a:solidFill>
+                  <a:srgbClr val="E5E8E8">
+                    <a:lumMod val="75000"/>
+                  </a:srgbClr>
+                </a:solidFill>
+                <a:latin typeface="Consolas" panose="020B0609020204030204" pitchFamily="49" charset="0"/>
+              </a:rPr>
+              <a:t>: 0x1  cc: 1</a:t>
+            </a:r>
+          </a:p>
+          <a:p>
+            <a:pPr>
+              <a:lnSpc>
+                <a:spcPct val="90000"/>
+              </a:lnSpc>
+            </a:pPr>
+            <a:r>
+              <a:rPr lang="en-US" sz="1799" dirty="0">
+                <a:solidFill>
+                  <a:prstClr val="black"/>
+                </a:solidFill>
+                <a:latin typeface="Consolas" panose="020B0609020204030204" pitchFamily="49" charset="0"/>
+              </a:rPr>
+              <a:t>col  0: [ 4]  </a:t>
+            </a:r>
+            <a:r>
+              <a:rPr lang="en-US" sz="1799" b="1" dirty="0">
+                <a:solidFill>
+                  <a:prstClr val="black"/>
+                </a:solidFill>
+                <a:highlight>
+                  <a:srgbClr val="FFFF00"/>
+                </a:highlight>
+                <a:latin typeface="Consolas" panose="020B0609020204030204" pitchFamily="49" charset="0"/>
+                <a:ea typeface="Calibri" panose="020F0502020204030204" pitchFamily="34" charset="0"/>
+                <a:cs typeface="Times New Roman" panose="02020603050405020304" pitchFamily="18" charset="0"/>
+              </a:rPr>
+              <a:t>50 41 43 4b</a:t>
+            </a:r>
+          </a:p>
+          <a:p>
+            <a:pPr>
+              <a:lnSpc>
+                <a:spcPct val="90000"/>
+              </a:lnSpc>
+            </a:pPr>
+            <a:endParaRPr lang="en-US" sz="1799" dirty="0">
+              <a:solidFill>
+                <a:prstClr val="black"/>
+              </a:solidFill>
+              <a:latin typeface="Consolas" panose="020B0609020204030204" pitchFamily="49" charset="0"/>
+            </a:endParaRPr>
+          </a:p>
+          <a:p>
+            <a:pPr>
+              <a:lnSpc>
+                <a:spcPct val="90000"/>
+              </a:lnSpc>
+            </a:pPr>
+            <a:endParaRPr lang="en-US" sz="1799" dirty="0">
+              <a:solidFill>
+                <a:prstClr val="black"/>
+              </a:solidFill>
+              <a:latin typeface="Consolas" panose="020B0609020204030204" pitchFamily="49" charset="0"/>
+            </a:endParaRPr>
+          </a:p>
+          <a:p>
+            <a:pPr>
+              <a:lnSpc>
+                <a:spcPct val="90000"/>
+              </a:lnSpc>
+            </a:pPr>
+            <a:endParaRPr lang="en-US" sz="1799" dirty="0">
+              <a:solidFill>
+                <a:prstClr val="black"/>
+              </a:solidFill>
+              <a:latin typeface="Consolas" panose="020B0609020204030204" pitchFamily="49" charset="0"/>
+            </a:endParaRPr>
+          </a:p>
+        </p:txBody>
+      </p:sp>
+      <p:sp>
+        <p:nvSpPr>
+          <p:cNvPr id="6" name="Right Brace 5"/>
+          <p:cNvSpPr/>
+          <p:nvPr/>
+        </p:nvSpPr>
+        <p:spPr>
+          <a:xfrm rot="10800000">
+            <a:off x="2113257" y="3016439"/>
+            <a:ext cx="427401" cy="531440"/>
+          </a:xfrm>
+          <a:prstGeom prst="rightBrace">
+            <a:avLst>
+              <a:gd name="adj1" fmla="val 0"/>
+              <a:gd name="adj2" fmla="val 51316"/>
+            </a:avLst>
+          </a:prstGeom>
+          <a:ln w="19050">
+            <a:solidFill>
+              <a:schemeClr val="tx1"/>
+            </a:solidFill>
+            <a:miter lim="800000"/>
+          </a:ln>
+        </p:spPr>
+        <p:style>
+          <a:lnRef idx="1">
+            <a:schemeClr val="accent1"/>
+          </a:lnRef>
+          <a:fillRef idx="0">
+            <a:schemeClr val="accent1"/>
+          </a:fillRef>
+          <a:effectRef idx="0">
+            <a:schemeClr val="accent1"/>
+          </a:effectRef>
+          <a:fontRef idx="minor">
+            <a:schemeClr val="tx1"/>
+          </a:fontRef>
+        </p:style>
+        <p:txBody>
+          <a:bodyPr rtlCol="0" anchor="ctr"/>
+          <a:lstStyle/>
+          <a:p>
+            <a:pPr algn="ctr"/>
+            <a:endParaRPr lang="en-GB" sz="1799">
               <a:solidFill>
                 <a:prstClr val="black"/>
               </a:solidFill>
@@ -30131,14 +32269,65 @@
       </p:sp>
       <p:sp>
         <p:nvSpPr>
-          <p:cNvPr id="2" name="TextBox 1"/>
+          <p:cNvPr id="7" name="Right Brace 6"/>
+          <p:cNvSpPr/>
+          <p:nvPr/>
+        </p:nvSpPr>
+        <p:spPr>
+          <a:xfrm rot="16200000">
+            <a:off x="9558135" y="866578"/>
+            <a:ext cx="660894" cy="2491195"/>
+          </a:xfrm>
+          <a:prstGeom prst="rightBrace">
+            <a:avLst>
+              <a:gd name="adj1" fmla="val 0"/>
+              <a:gd name="adj2" fmla="val 51316"/>
+            </a:avLst>
+          </a:prstGeom>
+          <a:ln w="19050">
+            <a:solidFill>
+              <a:schemeClr val="tx1"/>
+            </a:solidFill>
+            <a:miter lim="800000"/>
+          </a:ln>
+        </p:spPr>
+        <p:style>
+          <a:lnRef idx="1">
+            <a:schemeClr val="accent1"/>
+          </a:lnRef>
+          <a:fillRef idx="0">
+            <a:schemeClr val="accent1"/>
+          </a:fillRef>
+          <a:effectRef idx="0">
+            <a:schemeClr val="accent1"/>
+          </a:effectRef>
+          <a:fontRef idx="minor">
+            <a:schemeClr val="tx1"/>
+          </a:fontRef>
+        </p:style>
+        <p:txBody>
+          <a:bodyPr rtlCol="0" anchor="ctr"/>
+          <a:lstStyle/>
+          <a:p>
+            <a:pPr algn="ctr"/>
+            <a:endParaRPr lang="en-GB" sz="1799">
+              <a:solidFill>
+                <a:prstClr val="black"/>
+              </a:solidFill>
+            </a:endParaRPr>
+          </a:p>
+        </p:txBody>
+      </p:sp>
+      <p:sp>
+        <p:nvSpPr>
+          <p:cNvPr id="8" name="TextBox 7"/>
           <p:cNvSpPr txBox="1"/>
           <p:nvPr/>
         </p:nvSpPr>
         <p:spPr>
           <a:xfrm>
-            <a:off x="1119678" y="1556792"/>
-            <a:ext cx="9949468" cy="4320480"/>
+            <a:off x="484784" y="3153829"/>
+            <a:ext cx="1468795" cy="256660"/>
           </a:xfrm>
           <a:prstGeom prst="rect">
             <a:avLst/>
@@ -30151,264 +32340,18 @@
           </a:bodyPr>
           <a:lstStyle/>
           <a:p>
-            <a:pPr marL="285664" indent="-285664">
+            <a:pPr>
               <a:lnSpc>
                 <a:spcPct val="90000"/>
               </a:lnSpc>
-              <a:buFont typeface="Arial" panose="020B0604020202020204" pitchFamily="34" charset="0"/>
-              <a:buChar char="•"/>
             </a:pPr>
             <a:r>
-              <a:rPr lang="en-US" sz="2399" dirty="0">
+              <a:rPr lang="en-US" sz="1799" dirty="0">
                 <a:solidFill>
                   <a:prstClr val="black"/>
                 </a:solidFill>
               </a:rPr>
-              <a:t>Basic</a:t>
-            </a:r>
-          </a:p>
-          <a:p>
-            <a:pPr marL="799860" lvl="1" indent="-342797">
-              <a:lnSpc>
-                <a:spcPct val="90000"/>
-              </a:lnSpc>
-              <a:buFont typeface="Courier New" panose="02070309020205020404" pitchFamily="49" charset="0"/>
-              <a:buChar char="o"/>
-            </a:pPr>
-            <a:r>
-              <a:rPr lang="en-US" sz="1799" dirty="0">
-                <a:solidFill>
-                  <a:prstClr val="black"/>
-                </a:solidFill>
-              </a:rPr>
-              <a:t>Deduplication within a data </a:t>
-            </a:r>
-            <a:r>
-              <a:rPr lang="en-US" sz="1799" dirty="0" smtClean="0">
-                <a:solidFill>
-                  <a:prstClr val="black"/>
-                </a:solidFill>
-              </a:rPr>
-              <a:t>block</a:t>
-            </a:r>
-          </a:p>
-          <a:p>
-            <a:pPr marL="799860" lvl="1" indent="-342797">
-              <a:lnSpc>
-                <a:spcPct val="90000"/>
-              </a:lnSpc>
-              <a:buFont typeface="Courier New" panose="02070309020205020404" pitchFamily="49" charset="0"/>
-              <a:buChar char="o"/>
-            </a:pPr>
-            <a:r>
-              <a:rPr lang="en-US" dirty="0"/>
-              <a:t>Basic compresses only once during a direct path </a:t>
-            </a:r>
-            <a:r>
-              <a:rPr lang="en-US" dirty="0" smtClean="0"/>
-              <a:t>load</a:t>
-            </a:r>
-          </a:p>
-          <a:p>
-            <a:pPr marL="799860" lvl="1" indent="-342797">
-              <a:lnSpc>
-                <a:spcPct val="90000"/>
-              </a:lnSpc>
-              <a:buFont typeface="Courier New" panose="02070309020205020404" pitchFamily="49" charset="0"/>
-              <a:buChar char="o"/>
-            </a:pPr>
-            <a:r>
-              <a:rPr lang="en-US" sz="1799" dirty="0" smtClean="0">
-                <a:solidFill>
-                  <a:prstClr val="black"/>
-                </a:solidFill>
-              </a:rPr>
-              <a:t>PCTFREE 0</a:t>
-            </a:r>
-            <a:endParaRPr lang="en-US" sz="1799" dirty="0">
-              <a:solidFill>
-                <a:prstClr val="black"/>
-              </a:solidFill>
-            </a:endParaRPr>
-          </a:p>
-          <a:p>
-            <a:pPr marL="799860" lvl="1" indent="-342797">
-              <a:lnSpc>
-                <a:spcPct val="90000"/>
-              </a:lnSpc>
-              <a:buFont typeface="Courier New" panose="02070309020205020404" pitchFamily="49" charset="0"/>
-              <a:buChar char="o"/>
-            </a:pPr>
-            <a:r>
-              <a:rPr lang="en-US" sz="1799" dirty="0" smtClean="0">
-                <a:solidFill>
-                  <a:prstClr val="black"/>
-                </a:solidFill>
-              </a:rPr>
-              <a:t>Included with EE</a:t>
-            </a:r>
-            <a:br>
-              <a:rPr lang="en-US" sz="1799" dirty="0" smtClean="0">
-                <a:solidFill>
-                  <a:prstClr val="black"/>
-                </a:solidFill>
-              </a:rPr>
-            </a:br>
-            <a:endParaRPr lang="en-US" sz="1799" dirty="0">
-              <a:solidFill>
-                <a:prstClr val="black"/>
-              </a:solidFill>
-            </a:endParaRPr>
-          </a:p>
-          <a:p>
-            <a:pPr marL="285664" indent="-285664">
-              <a:lnSpc>
-                <a:spcPct val="90000"/>
-              </a:lnSpc>
-              <a:buFont typeface="Arial" panose="020B0604020202020204" pitchFamily="34" charset="0"/>
-              <a:buChar char="•"/>
-            </a:pPr>
-            <a:r>
-              <a:rPr lang="en-US" sz="2399" dirty="0">
-                <a:solidFill>
-                  <a:prstClr val="black"/>
-                </a:solidFill>
-              </a:rPr>
-              <a:t>Advanced</a:t>
-            </a:r>
-          </a:p>
-          <a:p>
-            <a:pPr marL="799860" lvl="1" indent="-342797">
-              <a:lnSpc>
-                <a:spcPct val="90000"/>
-              </a:lnSpc>
-              <a:buFont typeface="Courier New" panose="02070309020205020404" pitchFamily="49" charset="0"/>
-              <a:buChar char="o"/>
-            </a:pPr>
-            <a:r>
-              <a:rPr lang="en-US" sz="1799" dirty="0">
-                <a:solidFill>
-                  <a:prstClr val="black"/>
-                </a:solidFill>
-              </a:rPr>
-              <a:t>Like basic but can be used for active </a:t>
-            </a:r>
-            <a:r>
-              <a:rPr lang="en-US" sz="1799" dirty="0" smtClean="0">
-                <a:solidFill>
-                  <a:prstClr val="black"/>
-                </a:solidFill>
-              </a:rPr>
-              <a:t>tables</a:t>
-            </a:r>
-          </a:p>
-          <a:p>
-            <a:pPr marL="799860" lvl="1" indent="-342797">
-              <a:lnSpc>
-                <a:spcPct val="90000"/>
-              </a:lnSpc>
-              <a:buFont typeface="Courier New" panose="02070309020205020404" pitchFamily="49" charset="0"/>
-              <a:buChar char="o"/>
-            </a:pPr>
-            <a:r>
-              <a:rPr lang="en-US" dirty="0"/>
-              <a:t>Advanced will automatically recompress blocks </a:t>
-            </a:r>
-            <a:r>
-              <a:rPr lang="en-US" dirty="0" smtClean="0"/>
-              <a:t>as </a:t>
-            </a:r>
-            <a:r>
-              <a:rPr lang="en-US" dirty="0"/>
-              <a:t>they </a:t>
-            </a:r>
-            <a:r>
-              <a:rPr lang="en-US" dirty="0" smtClean="0"/>
-              <a:t>fill</a:t>
-            </a:r>
-          </a:p>
-          <a:p>
-            <a:pPr marL="799860" lvl="1" indent="-342797">
-              <a:lnSpc>
-                <a:spcPct val="90000"/>
-              </a:lnSpc>
-              <a:buFont typeface="Courier New" panose="02070309020205020404" pitchFamily="49" charset="0"/>
-              <a:buChar char="o"/>
-            </a:pPr>
-            <a:r>
-              <a:rPr lang="en-US" dirty="0" smtClean="0"/>
-              <a:t>PCTFREE 10 </a:t>
-            </a:r>
-            <a:endParaRPr lang="en-US" dirty="0"/>
-          </a:p>
-          <a:p>
-            <a:pPr marL="799860" lvl="1" indent="-342797">
-              <a:lnSpc>
-                <a:spcPct val="90000"/>
-              </a:lnSpc>
-              <a:buFont typeface="Courier New" panose="02070309020205020404" pitchFamily="49" charset="0"/>
-              <a:buChar char="o"/>
-            </a:pPr>
-            <a:r>
-              <a:rPr lang="en-US" sz="1799" dirty="0" smtClean="0">
-                <a:solidFill>
-                  <a:prstClr val="black"/>
-                </a:solidFill>
-              </a:rPr>
-              <a:t>Advanced Compression option license </a:t>
-            </a:r>
-            <a:endParaRPr lang="en-US" sz="1799" dirty="0">
-              <a:solidFill>
-                <a:prstClr val="black"/>
-              </a:solidFill>
-            </a:endParaRPr>
-          </a:p>
-          <a:p>
-            <a:pPr marL="799860" lvl="1" indent="-342797">
-              <a:lnSpc>
-                <a:spcPct val="90000"/>
-              </a:lnSpc>
-              <a:buFont typeface="Courier New" panose="02070309020205020404" pitchFamily="49" charset="0"/>
-              <a:buChar char="o"/>
-            </a:pPr>
-            <a:endParaRPr lang="en-US" sz="1799" dirty="0">
-              <a:solidFill>
-                <a:prstClr val="black"/>
-              </a:solidFill>
-            </a:endParaRPr>
-          </a:p>
-          <a:p>
-            <a:pPr marL="285664" indent="-285664">
-              <a:lnSpc>
-                <a:spcPct val="90000"/>
-              </a:lnSpc>
-              <a:buFont typeface="Arial" panose="020B0604020202020204" pitchFamily="34" charset="0"/>
-              <a:buChar char="•"/>
-            </a:pPr>
-            <a:r>
-              <a:rPr lang="en-US" sz="2399" dirty="0">
-                <a:solidFill>
-                  <a:prstClr val="black"/>
-                </a:solidFill>
-              </a:rPr>
-              <a:t>HCC </a:t>
-            </a:r>
-          </a:p>
-          <a:p>
-            <a:pPr marL="799860" lvl="1" indent="-342797">
-              <a:lnSpc>
-                <a:spcPct val="90000"/>
-              </a:lnSpc>
-              <a:buFont typeface="Courier New" panose="02070309020205020404" pitchFamily="49" charset="0"/>
-              <a:buChar char="o"/>
-            </a:pPr>
-            <a:r>
-              <a:rPr lang="en-US" sz="1799" dirty="0">
-                <a:solidFill>
-                  <a:prstClr val="black"/>
-                </a:solidFill>
-              </a:rPr>
-              <a:t>Can only be used with an HCC supported platform</a:t>
+              <a:t>row directory</a:t>
             </a:r>
             <a:endParaRPr lang="en-GB" sz="1799" dirty="0" err="1">
               <a:solidFill>
@@ -30418,10 +32361,241 @@
           </a:p>
         </p:txBody>
       </p:sp>
+      <p:sp>
+        <p:nvSpPr>
+          <p:cNvPr id="9" name="Right Brace 8"/>
+          <p:cNvSpPr/>
+          <p:nvPr/>
+        </p:nvSpPr>
+        <p:spPr>
+          <a:xfrm rot="16200000">
+            <a:off x="6027134" y="-173231"/>
+            <a:ext cx="660893" cy="4570810"/>
+          </a:xfrm>
+          <a:prstGeom prst="rightBrace">
+            <a:avLst>
+              <a:gd name="adj1" fmla="val 0"/>
+              <a:gd name="adj2" fmla="val 51316"/>
+            </a:avLst>
+          </a:prstGeom>
+          <a:ln w="19050">
+            <a:solidFill>
+              <a:schemeClr val="tx1"/>
+            </a:solidFill>
+            <a:miter lim="800000"/>
+          </a:ln>
+        </p:spPr>
+        <p:style>
+          <a:lnRef idx="1">
+            <a:schemeClr val="accent1"/>
+          </a:lnRef>
+          <a:fillRef idx="0">
+            <a:schemeClr val="accent1"/>
+          </a:fillRef>
+          <a:effectRef idx="0">
+            <a:schemeClr val="accent1"/>
+          </a:effectRef>
+          <a:fontRef idx="minor">
+            <a:schemeClr val="tx1"/>
+          </a:fontRef>
+        </p:style>
+        <p:txBody>
+          <a:bodyPr rtlCol="0" anchor="ctr"/>
+          <a:lstStyle/>
+          <a:p>
+            <a:pPr algn="ctr"/>
+            <a:endParaRPr lang="en-GB" sz="1799">
+              <a:solidFill>
+                <a:prstClr val="black"/>
+              </a:solidFill>
+            </a:endParaRPr>
+          </a:p>
+        </p:txBody>
+      </p:sp>
+      <p:sp>
+        <p:nvSpPr>
+          <p:cNvPr id="10" name="Right Brace 9"/>
+          <p:cNvSpPr/>
+          <p:nvPr/>
+        </p:nvSpPr>
+        <p:spPr>
+          <a:xfrm rot="10800000">
+            <a:off x="2101384" y="3740646"/>
+            <a:ext cx="437299" cy="1780840"/>
+          </a:xfrm>
+          <a:prstGeom prst="rightBrace">
+            <a:avLst>
+              <a:gd name="adj1" fmla="val 0"/>
+              <a:gd name="adj2" fmla="val 49911"/>
+            </a:avLst>
+          </a:prstGeom>
+          <a:ln w="19050">
+            <a:solidFill>
+              <a:schemeClr val="tx1"/>
+            </a:solidFill>
+            <a:miter lim="800000"/>
+          </a:ln>
+        </p:spPr>
+        <p:style>
+          <a:lnRef idx="1">
+            <a:schemeClr val="accent1"/>
+          </a:lnRef>
+          <a:fillRef idx="0">
+            <a:schemeClr val="accent1"/>
+          </a:fillRef>
+          <a:effectRef idx="0">
+            <a:schemeClr val="accent1"/>
+          </a:effectRef>
+          <a:fontRef idx="minor">
+            <a:schemeClr val="tx1"/>
+          </a:fontRef>
+        </p:style>
+        <p:txBody>
+          <a:bodyPr rtlCol="0" anchor="ctr"/>
+          <a:lstStyle/>
+          <a:p>
+            <a:pPr algn="ctr"/>
+            <a:endParaRPr lang="en-GB" sz="1799">
+              <a:solidFill>
+                <a:prstClr val="black"/>
+              </a:solidFill>
+            </a:endParaRPr>
+          </a:p>
+        </p:txBody>
+      </p:sp>
+      <p:sp>
+        <p:nvSpPr>
+          <p:cNvPr id="12" name="TextBox 11"/>
+          <p:cNvSpPr txBox="1"/>
+          <p:nvPr/>
+        </p:nvSpPr>
+        <p:spPr>
+          <a:xfrm>
+            <a:off x="484784" y="4495111"/>
+            <a:ext cx="1437142" cy="242804"/>
+          </a:xfrm>
+          <a:prstGeom prst="rect">
+            <a:avLst/>
+          </a:prstGeom>
+          <a:noFill/>
+        </p:spPr>
+        <p:txBody>
+          <a:bodyPr wrap="none" lIns="0" tIns="0" rIns="0" bIns="0" rtlCol="0">
+            <a:noAutofit/>
+          </a:bodyPr>
+          <a:lstStyle/>
+          <a:p>
+            <a:pPr>
+              <a:lnSpc>
+                <a:spcPct val="90000"/>
+              </a:lnSpc>
+            </a:pPr>
+            <a:r>
+              <a:rPr lang="en-US" sz="1799" dirty="0">
+                <a:solidFill>
+                  <a:prstClr val="black"/>
+                </a:solidFill>
+              </a:rPr>
+              <a:t>human friendly</a:t>
+            </a:r>
+            <a:endParaRPr lang="en-GB" sz="1799" dirty="0" err="1">
+              <a:solidFill>
+                <a:prstClr val="black"/>
+              </a:solidFill>
+            </a:endParaRPr>
+          </a:p>
+        </p:txBody>
+      </p:sp>
+      <p:sp>
+        <p:nvSpPr>
+          <p:cNvPr id="13" name="TextBox 12"/>
+          <p:cNvSpPr txBox="1"/>
+          <p:nvPr/>
+        </p:nvSpPr>
+        <p:spPr>
+          <a:xfrm>
+            <a:off x="5631271" y="1395879"/>
+            <a:ext cx="1437142" cy="320551"/>
+          </a:xfrm>
+          <a:prstGeom prst="rect">
+            <a:avLst/>
+          </a:prstGeom>
+          <a:noFill/>
+        </p:spPr>
+        <p:txBody>
+          <a:bodyPr wrap="none" lIns="0" tIns="0" rIns="0" bIns="0" rtlCol="0">
+            <a:noAutofit/>
+          </a:bodyPr>
+          <a:lstStyle/>
+          <a:p>
+            <a:pPr>
+              <a:lnSpc>
+                <a:spcPct val="90000"/>
+              </a:lnSpc>
+            </a:pPr>
+            <a:r>
+              <a:rPr lang="en-US" sz="1799" dirty="0">
+                <a:solidFill>
+                  <a:prstClr val="black"/>
+                </a:solidFill>
+              </a:rPr>
+              <a:t>block dump in hex</a:t>
+            </a:r>
+            <a:endParaRPr lang="en-GB" sz="1799" dirty="0" err="1">
+              <a:solidFill>
+                <a:prstClr val="black"/>
+              </a:solidFill>
+            </a:endParaRPr>
+          </a:p>
+        </p:txBody>
+      </p:sp>
+      <p:sp>
+        <p:nvSpPr>
+          <p:cNvPr id="14" name="TextBox 13"/>
+          <p:cNvSpPr txBox="1"/>
+          <p:nvPr/>
+        </p:nvSpPr>
+        <p:spPr>
+          <a:xfrm>
+            <a:off x="9226575" y="1395879"/>
+            <a:ext cx="1437142" cy="320551"/>
+          </a:xfrm>
+          <a:prstGeom prst="rect">
+            <a:avLst/>
+          </a:prstGeom>
+          <a:noFill/>
+        </p:spPr>
+        <p:txBody>
+          <a:bodyPr wrap="none" lIns="0" tIns="0" rIns="0" bIns="0" rtlCol="0">
+            <a:noAutofit/>
+          </a:bodyPr>
+          <a:lstStyle/>
+          <a:p>
+            <a:pPr>
+              <a:lnSpc>
+                <a:spcPct val="90000"/>
+              </a:lnSpc>
+            </a:pPr>
+            <a:r>
+              <a:rPr lang="en-US" sz="1799" dirty="0">
+                <a:solidFill>
+                  <a:prstClr val="black"/>
+                </a:solidFill>
+              </a:rPr>
+              <a:t>human readable </a:t>
+            </a:r>
+            <a:endParaRPr lang="en-GB" sz="1799" dirty="0" err="1">
+              <a:solidFill>
+                <a:prstClr val="black"/>
+              </a:solidFill>
+            </a:endParaRPr>
+          </a:p>
+        </p:txBody>
+      </p:sp>
     </p:spTree>
     <p:extLst>
       <p:ext uri="{BB962C8B-B14F-4D97-AF65-F5344CB8AC3E}">
-        <p14:creationId xmlns:p14="http://schemas.microsoft.com/office/powerpoint/2010/main" val="1412135447"/>
+        <p14:creationId xmlns:p14="http://schemas.microsoft.com/office/powerpoint/2010/main" val="452249250"/>
       </p:ext>
     </p:extLst>
   </p:cSld>
@@ -31368,6 +33542,106 @@
 </file>
 
 <file path=ppt/slides/slide6.xml><?xml version="1.0" encoding="utf-8"?>
+<p:sld xmlns:a="http://schemas.openxmlformats.org/drawingml/2006/main" xmlns:r="http://schemas.openxmlformats.org/officeDocument/2006/relationships" xmlns:p="http://schemas.openxmlformats.org/presentationml/2006/main">
+  <p:cSld>
+    <p:spTree>
+      <p:nvGrpSpPr>
+        <p:cNvPr id="1" name=""/>
+        <p:cNvGrpSpPr/>
+        <p:nvPr/>
+      </p:nvGrpSpPr>
+      <p:grpSpPr>
+        <a:xfrm>
+          <a:off x="0" y="0"/>
+          <a:ext cx="0" cy="0"/>
+          <a:chOff x="0" y="0"/>
+          <a:chExt cx="0" cy="0"/>
+        </a:xfrm>
+      </p:grpSpPr>
+      <p:sp>
+        <p:nvSpPr>
+          <p:cNvPr id="2" name="Title 1"/>
+          <p:cNvSpPr>
+            <a:spLocks noGrp="1"/>
+          </p:cNvSpPr>
+          <p:nvPr>
+            <p:ph type="title"/>
+          </p:nvPr>
+        </p:nvSpPr>
+        <p:spPr/>
+        <p:txBody>
+          <a:bodyPr/>
+          <a:lstStyle/>
+          <a:p>
+            <a:r>
+              <a:rPr lang="en-US" dirty="0" smtClean="0"/>
+              <a:t>Compressed block?</a:t>
+            </a:r>
+            <a:endParaRPr lang="en-GB" dirty="0"/>
+          </a:p>
+        </p:txBody>
+      </p:sp>
+      <p:sp>
+        <p:nvSpPr>
+          <p:cNvPr id="3" name="TextBox 2"/>
+          <p:cNvSpPr txBox="1"/>
+          <p:nvPr/>
+        </p:nvSpPr>
+        <p:spPr>
+          <a:xfrm>
+            <a:off x="1845940" y="2348880"/>
+            <a:ext cx="8280920" cy="914400"/>
+          </a:xfrm>
+          <a:prstGeom prst="rect">
+            <a:avLst/>
+          </a:prstGeom>
+          <a:noFill/>
+        </p:spPr>
+        <p:txBody>
+          <a:bodyPr wrap="none" lIns="0" tIns="0" rIns="0" bIns="0" rtlCol="0">
+            <a:noAutofit/>
+          </a:bodyPr>
+          <a:lstStyle/>
+          <a:p>
+            <a:pPr>
+              <a:lnSpc>
+                <a:spcPct val="90000"/>
+              </a:lnSpc>
+            </a:pPr>
+            <a:r>
+              <a:rPr lang="en-US" dirty="0" smtClean="0"/>
+              <a:t>BLOCK WITH COMPRESSED AND UNCOMPRESSED ROWS </a:t>
+            </a:r>
+            <a:endParaRPr lang="en-GB" dirty="0" err="1" smtClean="0"/>
+          </a:p>
+        </p:txBody>
+      </p:sp>
+    </p:spTree>
+    <p:extLst>
+      <p:ext uri="{BB962C8B-B14F-4D97-AF65-F5344CB8AC3E}">
+        <p14:creationId xmlns:p14="http://schemas.microsoft.com/office/powerpoint/2010/main" val="361490319"/>
+      </p:ext>
+    </p:extLst>
+  </p:cSld>
+  <p:clrMapOvr>
+    <a:masterClrMapping/>
+  </p:clrMapOvr>
+  <mc:AlternateContent xmlns:mc="http://schemas.openxmlformats.org/markup-compatibility/2006" xmlns:p14="http://schemas.microsoft.com/office/powerpoint/2010/main">
+    <mc:Choice Requires="p14">
+      <p:transition spd="med" p14:dur="700">
+        <p:fade/>
+      </p:transition>
+    </mc:Choice>
+    <mc:Fallback xmlns="">
+      <p:transition spd="med">
+        <p:fade/>
+      </p:transition>
+    </mc:Fallback>
+  </mc:AlternateContent>
+</p:sld>
+</file>
+
+<file path=ppt/slides/slide7.xml><?xml version="1.0" encoding="utf-8"?>
 <p:sld xmlns:a="http://schemas.openxmlformats.org/drawingml/2006/main" xmlns:r="http://schemas.openxmlformats.org/officeDocument/2006/relationships" xmlns:p="http://schemas.openxmlformats.org/presentationml/2006/main">
   <p:cSld>
     <p:spTree>
@@ -32175,7 +34449,72 @@
 </p:sld>
 </file>
 
-<file path=ppt/slides/slide7.xml><?xml version="1.0" encoding="utf-8"?>
+<file path=ppt/slides/slide8.xml><?xml version="1.0" encoding="utf-8"?>
+<p:sld xmlns:a="http://schemas.openxmlformats.org/drawingml/2006/main" xmlns:r="http://schemas.openxmlformats.org/officeDocument/2006/relationships" xmlns:p="http://schemas.openxmlformats.org/presentationml/2006/main">
+  <p:cSld>
+    <p:spTree>
+      <p:nvGrpSpPr>
+        <p:cNvPr id="1" name=""/>
+        <p:cNvGrpSpPr/>
+        <p:nvPr/>
+      </p:nvGrpSpPr>
+      <p:grpSpPr>
+        <a:xfrm>
+          <a:off x="0" y="0"/>
+          <a:ext cx="0" cy="0"/>
+          <a:chOff x="0" y="0"/>
+          <a:chExt cx="0" cy="0"/>
+        </a:xfrm>
+      </p:grpSpPr>
+      <p:sp>
+        <p:nvSpPr>
+          <p:cNvPr id="2" name="Title 1"/>
+          <p:cNvSpPr>
+            <a:spLocks noGrp="1"/>
+          </p:cNvSpPr>
+          <p:nvPr>
+            <p:ph type="title"/>
+          </p:nvPr>
+        </p:nvSpPr>
+        <p:spPr/>
+        <p:txBody>
+          <a:bodyPr/>
+          <a:lstStyle/>
+          <a:p>
+            <a:r>
+              <a:rPr lang="en-US" dirty="0" smtClean="0"/>
+              <a:t>Symbols used for multiple rows</a:t>
+            </a:r>
+            <a:endParaRPr lang="en-GB" dirty="0"/>
+          </a:p>
+        </p:txBody>
+      </p:sp>
+    </p:spTree>
+    <p:extLst>
+      <p:ext uri="{BB962C8B-B14F-4D97-AF65-F5344CB8AC3E}">
+        <p14:creationId xmlns:p14="http://schemas.microsoft.com/office/powerpoint/2010/main" val="3191871632"/>
+      </p:ext>
+    </p:extLst>
+  </p:cSld>
+  <p:clrMapOvr>
+    <a:masterClrMapping/>
+  </p:clrMapOvr>
+  <mc:AlternateContent xmlns:mc="http://schemas.openxmlformats.org/markup-compatibility/2006" xmlns:p14="http://schemas.microsoft.com/office/powerpoint/2010/main">
+    <mc:Choice Requires="p14">
+      <p:transition spd="med" p14:dur="700">
+        <p:fade/>
+      </p:transition>
+    </mc:Choice>
+    <mc:Fallback xmlns="">
+      <p:transition spd="med">
+        <p:fade/>
+      </p:transition>
+    </mc:Fallback>
+  </mc:AlternateContent>
+</p:sld>
+</file>
+
+<file path=ppt/slides/slide9.xml><?xml version="1.0" encoding="utf-8"?>
 <p:sld xmlns:a="http://schemas.openxmlformats.org/drawingml/2006/main" xmlns:r="http://schemas.openxmlformats.org/officeDocument/2006/relationships" xmlns:p="http://schemas.openxmlformats.org/presentationml/2006/main">
   <p:cSld>
     <p:spTree>
@@ -32897,1759 +35236,6 @@
   </p:cSld>
   <p:clrMapOvr>
     <a:masterClrMapping/>
-  </p:clrMapOvr>
-  <mc:AlternateContent xmlns:mc="http://schemas.openxmlformats.org/markup-compatibility/2006" xmlns:p14="http://schemas.microsoft.com/office/powerpoint/2010/main">
-    <mc:Choice Requires="p14">
-      <p:transition spd="med" p14:dur="700">
-        <p:fade/>
-      </p:transition>
-    </mc:Choice>
-    <mc:Fallback xmlns="">
-      <p:transition spd="med">
-        <p:fade/>
-      </p:transition>
-    </mc:Fallback>
-  </mc:AlternateContent>
-  <p:timing>
-    <p:tnLst>
-      <p:par>
-        <p:cTn id="1" dur="indefinite" restart="never" nodeType="tmRoot"/>
-      </p:par>
-    </p:tnLst>
-  </p:timing>
-</p:sld>
-</file>
-
-<file path=ppt/slides/slide8.xml><?xml version="1.0" encoding="utf-8"?>
-<p:sld xmlns:a="http://schemas.openxmlformats.org/drawingml/2006/main" xmlns:r="http://schemas.openxmlformats.org/officeDocument/2006/relationships" xmlns:p="http://schemas.openxmlformats.org/presentationml/2006/main">
-  <p:cSld>
-    <p:spTree>
-      <p:nvGrpSpPr>
-        <p:cNvPr id="1" name=""/>
-        <p:cNvGrpSpPr/>
-        <p:nvPr/>
-      </p:nvGrpSpPr>
-      <p:grpSpPr>
-        <a:xfrm>
-          <a:off x="0" y="0"/>
-          <a:ext cx="0" cy="0"/>
-          <a:chOff x="0" y="0"/>
-          <a:chExt cx="0" cy="0"/>
-        </a:xfrm>
-      </p:grpSpPr>
-      <p:sp>
-        <p:nvSpPr>
-          <p:cNvPr id="3" name="TextBox 2"/>
-          <p:cNvSpPr txBox="1"/>
-          <p:nvPr/>
-        </p:nvSpPr>
-        <p:spPr>
-          <a:xfrm>
-            <a:off x="4208391" y="1838547"/>
-            <a:ext cx="7697480" cy="4255677"/>
-          </a:xfrm>
-          <a:prstGeom prst="rect">
-            <a:avLst/>
-          </a:prstGeom>
-          <a:noFill/>
-          <a:ln w="12700" cap="rnd" cmpd="sng">
-            <a:solidFill>
-              <a:schemeClr val="tx1">
-                <a:alpha val="50000"/>
-              </a:schemeClr>
-            </a:solidFill>
-            <a:prstDash val="sysDash"/>
-          </a:ln>
-        </p:spPr>
-        <p:txBody>
-          <a:bodyPr wrap="square" lIns="182832" tIns="182832" rIns="182832" bIns="182832" rtlCol="0">
-            <a:noAutofit/>
-          </a:bodyPr>
-          <a:lstStyle/>
-          <a:p>
-            <a:pPr>
-              <a:lnSpc>
-                <a:spcPct val="90000"/>
-              </a:lnSpc>
-            </a:pPr>
-            <a:r>
-              <a:rPr lang="en-US" sz="1799" dirty="0">
-                <a:solidFill>
-                  <a:prstClr val="black"/>
-                </a:solidFill>
-                <a:latin typeface="Consolas" panose="020B0609020204030204" pitchFamily="49" charset="0"/>
-              </a:rPr>
-              <a:t>...</a:t>
-            </a:r>
-          </a:p>
-          <a:p>
-            <a:pPr>
-              <a:lnSpc>
-                <a:spcPct val="90000"/>
-              </a:lnSpc>
-            </a:pPr>
-            <a:r>
-              <a:rPr lang="en-US" sz="1799" b="1" dirty="0">
-                <a:solidFill>
-                  <a:prstClr val="black"/>
-                </a:solidFill>
-                <a:latin typeface="Consolas" panose="020B0609020204030204" pitchFamily="49" charset="0"/>
-              </a:rPr>
-              <a:t>perm_9ir2[3]={ 0 2 1 }</a:t>
-            </a:r>
-          </a:p>
-          <a:p>
-            <a:pPr>
-              <a:lnSpc>
-                <a:spcPct val="90000"/>
-              </a:lnSpc>
-            </a:pPr>
-            <a:r>
-              <a:rPr lang="en-US" sz="1799" dirty="0">
-                <a:solidFill>
-                  <a:prstClr val="black"/>
-                </a:solidFill>
-                <a:latin typeface="Consolas" panose="020B0609020204030204" pitchFamily="49" charset="0"/>
-              </a:rPr>
-              <a:t>...</a:t>
-            </a:r>
-          </a:p>
-          <a:p>
-            <a:pPr>
-              <a:lnSpc>
-                <a:spcPct val="90000"/>
-              </a:lnSpc>
-            </a:pPr>
-            <a:r>
-              <a:rPr lang="en-US" sz="1799" dirty="0" err="1">
-                <a:solidFill>
-                  <a:prstClr val="black"/>
-                </a:solidFill>
-                <a:latin typeface="Consolas" panose="020B0609020204030204" pitchFamily="49" charset="0"/>
-              </a:rPr>
-              <a:t>block_row_dump</a:t>
-            </a:r>
-            <a:r>
-              <a:rPr lang="en-US" sz="1799" dirty="0">
-                <a:solidFill>
-                  <a:prstClr val="black"/>
-                </a:solidFill>
-                <a:latin typeface="Consolas" panose="020B0609020204030204" pitchFamily="49" charset="0"/>
-              </a:rPr>
-              <a:t>:</a:t>
-            </a:r>
-          </a:p>
-          <a:p>
-            <a:pPr>
-              <a:lnSpc>
-                <a:spcPct val="90000"/>
-              </a:lnSpc>
-            </a:pPr>
-            <a:r>
-              <a:rPr lang="en-US" sz="1799" dirty="0">
-                <a:solidFill>
-                  <a:prstClr val="black"/>
-                </a:solidFill>
-                <a:latin typeface="Consolas" panose="020B0609020204030204" pitchFamily="49" charset="0"/>
-              </a:rPr>
-              <a:t>tab 0, row 0, @0x1f67</a:t>
-            </a:r>
-          </a:p>
-          <a:p>
-            <a:pPr>
-              <a:lnSpc>
-                <a:spcPct val="90000"/>
-              </a:lnSpc>
-            </a:pPr>
-            <a:r>
-              <a:rPr lang="en-US" sz="1799" dirty="0" err="1">
-                <a:solidFill>
-                  <a:prstClr val="black"/>
-                </a:solidFill>
-                <a:latin typeface="Consolas" panose="020B0609020204030204" pitchFamily="49" charset="0"/>
-              </a:rPr>
-              <a:t>tl</a:t>
-            </a:r>
-            <a:r>
-              <a:rPr lang="en-US" sz="1799" dirty="0">
-                <a:solidFill>
-                  <a:prstClr val="black"/>
-                </a:solidFill>
-                <a:latin typeface="Consolas" panose="020B0609020204030204" pitchFamily="49" charset="0"/>
-              </a:rPr>
-              <a:t>: 25 </a:t>
-            </a:r>
-            <a:r>
-              <a:rPr lang="en-US" sz="1799" dirty="0">
-                <a:solidFill>
-                  <a:srgbClr val="E5E8E8">
-                    <a:lumMod val="90000"/>
-                  </a:srgbClr>
-                </a:solidFill>
-                <a:latin typeface="Consolas" panose="020B0609020204030204" pitchFamily="49" charset="0"/>
-              </a:rPr>
-              <a:t>fb: --H-FL-- </a:t>
-            </a:r>
-            <a:r>
-              <a:rPr lang="en-US" sz="1799" dirty="0" err="1">
-                <a:solidFill>
-                  <a:srgbClr val="E5E8E8">
-                    <a:lumMod val="90000"/>
-                  </a:srgbClr>
-                </a:solidFill>
-                <a:latin typeface="Consolas" panose="020B0609020204030204" pitchFamily="49" charset="0"/>
-              </a:rPr>
-              <a:t>lb</a:t>
-            </a:r>
-            <a:r>
-              <a:rPr lang="en-US" sz="1799" dirty="0">
-                <a:solidFill>
-                  <a:srgbClr val="E5E8E8">
-                    <a:lumMod val="90000"/>
-                  </a:srgbClr>
-                </a:solidFill>
-                <a:latin typeface="Consolas" panose="020B0609020204030204" pitchFamily="49" charset="0"/>
-              </a:rPr>
-              <a:t>: 0x0  cc: 2</a:t>
-            </a:r>
-          </a:p>
-          <a:p>
-            <a:pPr>
-              <a:lnSpc>
-                <a:spcPct val="90000"/>
-              </a:lnSpc>
-            </a:pPr>
-            <a:r>
-              <a:rPr lang="en-US" sz="1799" dirty="0">
-                <a:solidFill>
-                  <a:srgbClr val="E5E8E8">
-                    <a:lumMod val="90000"/>
-                  </a:srgbClr>
-                </a:solidFill>
-                <a:latin typeface="Consolas" panose="020B0609020204030204" pitchFamily="49" charset="0"/>
-              </a:rPr>
-              <a:t>col  0: [10]  41 41 41 41 41 41 41 41 41 41</a:t>
-            </a:r>
-          </a:p>
-          <a:p>
-            <a:pPr>
-              <a:lnSpc>
-                <a:spcPct val="90000"/>
-              </a:lnSpc>
-            </a:pPr>
-            <a:r>
-              <a:rPr lang="en-US" sz="1799" dirty="0">
-                <a:solidFill>
-                  <a:srgbClr val="E5E8E8">
-                    <a:lumMod val="90000"/>
-                  </a:srgbClr>
-                </a:solidFill>
-                <a:latin typeface="Consolas" panose="020B0609020204030204" pitchFamily="49" charset="0"/>
-              </a:rPr>
-              <a:t>col  1: [10]  42 42 42 42 42 42 42 42 42 42</a:t>
-            </a:r>
-          </a:p>
-          <a:p>
-            <a:pPr>
-              <a:lnSpc>
-                <a:spcPct val="90000"/>
-              </a:lnSpc>
-            </a:pPr>
-            <a:r>
-              <a:rPr lang="en-US" sz="1799" dirty="0" err="1">
-                <a:solidFill>
-                  <a:srgbClr val="E5E8E8">
-                    <a:lumMod val="90000"/>
-                  </a:srgbClr>
-                </a:solidFill>
-                <a:latin typeface="Consolas" panose="020B0609020204030204" pitchFamily="49" charset="0"/>
-              </a:rPr>
-              <a:t>bindmp</a:t>
-            </a:r>
-            <a:r>
-              <a:rPr lang="en-US" sz="1799" dirty="0">
-                <a:solidFill>
-                  <a:srgbClr val="E5E8E8">
-                    <a:lumMod val="90000"/>
-                  </a:srgbClr>
-                </a:solidFill>
-                <a:latin typeface="Consolas" panose="020B0609020204030204" pitchFamily="49" charset="0"/>
-              </a:rPr>
-              <a:t>: 01 d5 02 d2 41 41 41 41 41 41 41 41 41 41 d2 42 42 42 42 42 42 42 42 42 42</a:t>
-            </a:r>
-          </a:p>
-          <a:p>
-            <a:pPr>
-              <a:lnSpc>
-                <a:spcPct val="90000"/>
-              </a:lnSpc>
-            </a:pPr>
-            <a:r>
-              <a:rPr lang="en-US" sz="1799" dirty="0">
-                <a:solidFill>
-                  <a:prstClr val="black"/>
-                </a:solidFill>
-                <a:latin typeface="Consolas" panose="020B0609020204030204" pitchFamily="49" charset="0"/>
-              </a:rPr>
-              <a:t>tab 1, row 0, @0x1f58</a:t>
-            </a:r>
-          </a:p>
-          <a:p>
-            <a:pPr>
-              <a:lnSpc>
-                <a:spcPct val="90000"/>
-              </a:lnSpc>
-            </a:pPr>
-            <a:r>
-              <a:rPr lang="en-US" sz="1799" dirty="0" err="1">
-                <a:solidFill>
-                  <a:prstClr val="black"/>
-                </a:solidFill>
-                <a:latin typeface="Consolas" panose="020B0609020204030204" pitchFamily="49" charset="0"/>
-              </a:rPr>
-              <a:t>tl</a:t>
-            </a:r>
-            <a:r>
-              <a:rPr lang="en-US" sz="1799" dirty="0">
-                <a:solidFill>
-                  <a:prstClr val="black"/>
-                </a:solidFill>
-                <a:latin typeface="Consolas" panose="020B0609020204030204" pitchFamily="49" charset="0"/>
-              </a:rPr>
-              <a:t>: 15 </a:t>
-            </a:r>
-            <a:r>
-              <a:rPr lang="en-US" sz="1799" dirty="0">
-                <a:solidFill>
-                  <a:srgbClr val="E5E8E8">
-                    <a:lumMod val="90000"/>
-                  </a:srgbClr>
-                </a:solidFill>
-                <a:latin typeface="Consolas" panose="020B0609020204030204" pitchFamily="49" charset="0"/>
-              </a:rPr>
-              <a:t>fb: --H-FL-- </a:t>
-            </a:r>
-            <a:r>
-              <a:rPr lang="en-US" sz="1799" dirty="0" err="1">
-                <a:solidFill>
-                  <a:srgbClr val="E5E8E8">
-                    <a:lumMod val="90000"/>
-                  </a:srgbClr>
-                </a:solidFill>
-                <a:latin typeface="Consolas" panose="020B0609020204030204" pitchFamily="49" charset="0"/>
-              </a:rPr>
-              <a:t>lb</a:t>
-            </a:r>
-            <a:r>
-              <a:rPr lang="en-US" sz="1799" dirty="0">
-                <a:solidFill>
-                  <a:srgbClr val="E5E8E8">
-                    <a:lumMod val="90000"/>
-                  </a:srgbClr>
-                </a:solidFill>
-                <a:latin typeface="Consolas" panose="020B0609020204030204" pitchFamily="49" charset="0"/>
-              </a:rPr>
-              <a:t>: 0x0  cc: 3</a:t>
-            </a:r>
-          </a:p>
-          <a:p>
-            <a:pPr>
-              <a:lnSpc>
-                <a:spcPct val="90000"/>
-              </a:lnSpc>
-            </a:pPr>
-            <a:r>
-              <a:rPr lang="en-US" sz="1799" dirty="0">
-                <a:solidFill>
-                  <a:srgbClr val="E5E8E8">
-                    <a:lumMod val="90000"/>
-                  </a:srgbClr>
-                </a:solidFill>
-                <a:latin typeface="Consolas" panose="020B0609020204030204" pitchFamily="49" charset="0"/>
-              </a:rPr>
-              <a:t>col  0: [10]  41 41 41 41 41 41 41 41 41 41</a:t>
-            </a:r>
-          </a:p>
-          <a:p>
-            <a:pPr>
-              <a:lnSpc>
-                <a:spcPct val="90000"/>
-              </a:lnSpc>
-            </a:pPr>
-            <a:r>
-              <a:rPr lang="en-US" sz="1799" dirty="0">
-                <a:solidFill>
-                  <a:srgbClr val="E5E8E8">
-                    <a:lumMod val="90000"/>
-                  </a:srgbClr>
-                </a:solidFill>
-                <a:latin typeface="Consolas" panose="020B0609020204030204" pitchFamily="49" charset="0"/>
-              </a:rPr>
-              <a:t>col  1: [10]  42 42 42 42 42 42 42 42 42 42</a:t>
-            </a:r>
-          </a:p>
-          <a:p>
-            <a:pPr>
-              <a:lnSpc>
-                <a:spcPct val="90000"/>
-              </a:lnSpc>
-            </a:pPr>
-            <a:r>
-              <a:rPr lang="en-US" sz="1799" dirty="0">
-                <a:solidFill>
-                  <a:srgbClr val="E5E8E8">
-                    <a:lumMod val="90000"/>
-                  </a:srgbClr>
-                </a:solidFill>
-                <a:latin typeface="Consolas" panose="020B0609020204030204" pitchFamily="49" charset="0"/>
-              </a:rPr>
-              <a:t>col  2: [10]  49 4a 4d 4f 52 4a 48 45 59 41</a:t>
-            </a:r>
-          </a:p>
-          <a:p>
-            <a:pPr>
-              <a:lnSpc>
-                <a:spcPct val="90000"/>
-              </a:lnSpc>
-            </a:pPr>
-            <a:r>
-              <a:rPr lang="en-US" sz="1799" b="1" dirty="0" err="1">
-                <a:solidFill>
-                  <a:prstClr val="black"/>
-                </a:solidFill>
-                <a:highlight>
-                  <a:srgbClr val="FFFF00"/>
-                </a:highlight>
-                <a:latin typeface="Consolas" panose="020B0609020204030204" pitchFamily="49" charset="0"/>
-                <a:ea typeface="Calibri" panose="020F0502020204030204" pitchFamily="34" charset="0"/>
-                <a:cs typeface="Times New Roman" panose="02020603050405020304" pitchFamily="18" charset="0"/>
-              </a:rPr>
-              <a:t>bindmp</a:t>
-            </a:r>
-            <a:r>
-              <a:rPr lang="en-US" sz="1799" b="1" dirty="0">
-                <a:solidFill>
-                  <a:prstClr val="black"/>
-                </a:solidFill>
-                <a:highlight>
-                  <a:srgbClr val="FFFF00"/>
-                </a:highlight>
-                <a:latin typeface="Consolas" panose="020B0609020204030204" pitchFamily="49" charset="0"/>
-                <a:ea typeface="Calibri" panose="020F0502020204030204" pitchFamily="34" charset="0"/>
-                <a:cs typeface="Times New Roman" panose="02020603050405020304" pitchFamily="18" charset="0"/>
-              </a:rPr>
-              <a:t>: 2c 00 02 00 d2 49 4a 4d 4f 52 4a 48 45 59 41</a:t>
-            </a:r>
-          </a:p>
-          <a:p>
-            <a:pPr>
-              <a:lnSpc>
-                <a:spcPct val="90000"/>
-              </a:lnSpc>
-            </a:pPr>
-            <a:endParaRPr lang="en-US" sz="1799" dirty="0">
-              <a:solidFill>
-                <a:prstClr val="black"/>
-              </a:solidFill>
-              <a:latin typeface="Consolas" panose="020B0609020204030204" pitchFamily="49" charset="0"/>
-            </a:endParaRPr>
-          </a:p>
-          <a:p>
-            <a:pPr>
-              <a:lnSpc>
-                <a:spcPct val="90000"/>
-              </a:lnSpc>
-            </a:pPr>
-            <a:endParaRPr lang="en-US" sz="1799" dirty="0">
-              <a:solidFill>
-                <a:prstClr val="black"/>
-              </a:solidFill>
-              <a:latin typeface="Consolas" panose="020B0609020204030204" pitchFamily="49" charset="0"/>
-            </a:endParaRPr>
-          </a:p>
-          <a:p>
-            <a:pPr>
-              <a:lnSpc>
-                <a:spcPct val="90000"/>
-              </a:lnSpc>
-            </a:pPr>
-            <a:endParaRPr lang="en-US" sz="1799" dirty="0">
-              <a:solidFill>
-                <a:prstClr val="black"/>
-              </a:solidFill>
-              <a:latin typeface="Consolas" panose="020B0609020204030204" pitchFamily="49" charset="0"/>
-            </a:endParaRPr>
-          </a:p>
-          <a:p>
-            <a:pPr>
-              <a:lnSpc>
-                <a:spcPct val="90000"/>
-              </a:lnSpc>
-            </a:pPr>
-            <a:endParaRPr lang="en-US" sz="1799" dirty="0">
-              <a:solidFill>
-                <a:prstClr val="black"/>
-              </a:solidFill>
-              <a:latin typeface="Consolas" panose="020B0609020204030204" pitchFamily="49" charset="0"/>
-            </a:endParaRPr>
-          </a:p>
-        </p:txBody>
-      </p:sp>
-      <p:sp>
-        <p:nvSpPr>
-          <p:cNvPr id="5" name="Title 3"/>
-          <p:cNvSpPr txBox="1">
-            <a:spLocks/>
-          </p:cNvSpPr>
-          <p:nvPr/>
-        </p:nvSpPr>
-        <p:spPr>
-          <a:xfrm>
-            <a:off x="609441" y="246254"/>
-            <a:ext cx="10969943" cy="502591"/>
-          </a:xfrm>
-          <a:prstGeom prst="rect">
-            <a:avLst/>
-          </a:prstGeom>
-        </p:spPr>
-        <p:txBody>
-          <a:bodyPr vert="horz" lIns="0" tIns="0" rIns="0" bIns="0" rtlCol="0" anchor="b" anchorCtr="0">
-            <a:noAutofit/>
-          </a:bodyPr>
-          <a:lstStyle>
-            <a:lvl1pPr algn="l" defTabSz="914400" rtl="0" eaLnBrk="1" latinLnBrk="0" hangingPunct="1">
-              <a:lnSpc>
-                <a:spcPct val="90000"/>
-              </a:lnSpc>
-              <a:spcBef>
-                <a:spcPct val="0"/>
-              </a:spcBef>
-              <a:buNone/>
-              <a:defRPr sz="2800" b="1" kern="1200">
-                <a:solidFill>
-                  <a:schemeClr val="tx1"/>
-                </a:solidFill>
-                <a:latin typeface="+mj-lt"/>
-                <a:ea typeface="+mj-ea"/>
-                <a:cs typeface="+mj-cs"/>
-              </a:defRPr>
-            </a:lvl1pPr>
-          </a:lstStyle>
-          <a:p>
-            <a:r>
-              <a:rPr lang="en-US" dirty="0">
-                <a:solidFill>
-                  <a:prstClr val="black"/>
-                </a:solidFill>
-              </a:rPr>
-              <a:t>Column Reordering</a:t>
-            </a:r>
-            <a:endParaRPr lang="en-GB" dirty="0">
-              <a:solidFill>
-                <a:prstClr val="black"/>
-              </a:solidFill>
-            </a:endParaRPr>
-          </a:p>
-        </p:txBody>
-      </p:sp>
-      <p:cxnSp>
-        <p:nvCxnSpPr>
-          <p:cNvPr id="4" name="Straight Arrow Connector 3"/>
-          <p:cNvCxnSpPr>
-            <a:stCxn id="6" idx="1"/>
-          </p:cNvCxnSpPr>
-          <p:nvPr/>
-        </p:nvCxnSpPr>
-        <p:spPr>
-          <a:xfrm flipH="1">
-            <a:off x="7246540" y="1448613"/>
-            <a:ext cx="1080120" cy="900267"/>
-          </a:xfrm>
-          <a:prstGeom prst="straightConnector1">
-            <a:avLst/>
-          </a:prstGeom>
-          <a:ln w="19050">
-            <a:solidFill>
-              <a:schemeClr val="tx1"/>
-            </a:solidFill>
-            <a:miter lim="800000"/>
-            <a:tailEnd type="triangle"/>
-          </a:ln>
-        </p:spPr>
-        <p:style>
-          <a:lnRef idx="1">
-            <a:schemeClr val="accent1"/>
-          </a:lnRef>
-          <a:fillRef idx="0">
-            <a:schemeClr val="accent1"/>
-          </a:fillRef>
-          <a:effectRef idx="0">
-            <a:schemeClr val="accent1"/>
-          </a:effectRef>
-          <a:fontRef idx="minor">
-            <a:schemeClr val="tx1"/>
-          </a:fontRef>
-        </p:style>
-      </p:cxnSp>
-      <p:sp>
-        <p:nvSpPr>
-          <p:cNvPr id="6" name="TextBox 5"/>
-          <p:cNvSpPr txBox="1"/>
-          <p:nvPr/>
-        </p:nvSpPr>
-        <p:spPr>
-          <a:xfrm>
-            <a:off x="8326660" y="1196752"/>
-            <a:ext cx="1399223" cy="503722"/>
-          </a:xfrm>
-          <a:prstGeom prst="rect">
-            <a:avLst/>
-          </a:prstGeom>
-          <a:noFill/>
-        </p:spPr>
-        <p:txBody>
-          <a:bodyPr wrap="none" lIns="0" tIns="0" rIns="0" bIns="0" rtlCol="0">
-            <a:noAutofit/>
-          </a:bodyPr>
-          <a:lstStyle/>
-          <a:p>
-            <a:pPr>
-              <a:lnSpc>
-                <a:spcPct val="90000"/>
-              </a:lnSpc>
-            </a:pPr>
-            <a:r>
-              <a:rPr lang="en-US" sz="1799" dirty="0">
-                <a:solidFill>
-                  <a:prstClr val="black"/>
-                </a:solidFill>
-              </a:rPr>
-              <a:t>Column order </a:t>
-            </a:r>
-          </a:p>
-          <a:p>
-            <a:pPr>
-              <a:lnSpc>
-                <a:spcPct val="90000"/>
-              </a:lnSpc>
-            </a:pPr>
-            <a:r>
-              <a:rPr lang="en-US" sz="1799" dirty="0">
-                <a:solidFill>
-                  <a:prstClr val="black"/>
-                </a:solidFill>
-              </a:rPr>
-              <a:t>for this block</a:t>
-            </a:r>
-          </a:p>
-        </p:txBody>
-      </p:sp>
-      <p:sp>
-        <p:nvSpPr>
-          <p:cNvPr id="10" name="TextBox 9"/>
-          <p:cNvSpPr txBox="1"/>
-          <p:nvPr/>
-        </p:nvSpPr>
-        <p:spPr>
-          <a:xfrm>
-            <a:off x="406464" y="1976772"/>
-            <a:ext cx="3554039" cy="1045447"/>
-          </a:xfrm>
-          <a:prstGeom prst="rect">
-            <a:avLst/>
-          </a:prstGeom>
-          <a:noFill/>
-        </p:spPr>
-        <p:txBody>
-          <a:bodyPr wrap="none" lIns="0" tIns="0" rIns="0" bIns="0" rtlCol="0">
-            <a:noAutofit/>
-          </a:bodyPr>
-          <a:lstStyle/>
-          <a:p>
-            <a:pPr>
-              <a:lnSpc>
-                <a:spcPct val="90000"/>
-              </a:lnSpc>
-            </a:pPr>
-            <a:r>
-              <a:rPr lang="en-GB" sz="1799" dirty="0">
-                <a:solidFill>
-                  <a:prstClr val="black"/>
-                </a:solidFill>
-              </a:rPr>
-              <a:t>insert into </a:t>
-            </a:r>
-            <a:r>
-              <a:rPr lang="en-GB" sz="1799" dirty="0" err="1">
-                <a:solidFill>
-                  <a:prstClr val="black"/>
-                </a:solidFill>
-              </a:rPr>
-              <a:t>creorder</a:t>
-            </a:r>
-            <a:r>
-              <a:rPr lang="en-GB" sz="1799" dirty="0">
-                <a:solidFill>
-                  <a:prstClr val="black"/>
-                </a:solidFill>
-              </a:rPr>
-              <a:t> </a:t>
-            </a:r>
-            <a:br>
-              <a:rPr lang="en-GB" sz="1799" dirty="0">
-                <a:solidFill>
-                  <a:prstClr val="black"/>
-                </a:solidFill>
-              </a:rPr>
-            </a:br>
-            <a:r>
-              <a:rPr lang="en-GB" sz="1799" dirty="0">
-                <a:solidFill>
-                  <a:prstClr val="black"/>
-                </a:solidFill>
-              </a:rPr>
-              <a:t>   values('AAAAAAAAAA',</a:t>
-            </a:r>
-          </a:p>
-          <a:p>
-            <a:pPr>
-              <a:lnSpc>
-                <a:spcPct val="90000"/>
-              </a:lnSpc>
-            </a:pPr>
-            <a:r>
-              <a:rPr lang="en-GB" sz="1799" dirty="0">
-                <a:solidFill>
-                  <a:prstClr val="black"/>
-                </a:solidFill>
-              </a:rPr>
-              <a:t>                  </a:t>
-            </a:r>
-            <a:r>
-              <a:rPr lang="en-GB" sz="1799" dirty="0" err="1">
-                <a:solidFill>
-                  <a:prstClr val="black"/>
-                </a:solidFill>
-              </a:rPr>
-              <a:t>dbms_random.string</a:t>
-            </a:r>
-            <a:r>
-              <a:rPr lang="en-GB" sz="1799" dirty="0">
-                <a:solidFill>
-                  <a:prstClr val="black"/>
-                </a:solidFill>
-              </a:rPr>
-              <a:t>('u',10),</a:t>
-            </a:r>
-          </a:p>
-          <a:p>
-            <a:pPr>
-              <a:lnSpc>
-                <a:spcPct val="90000"/>
-              </a:lnSpc>
-            </a:pPr>
-            <a:r>
-              <a:rPr lang="en-GB" sz="1799" dirty="0">
-                <a:solidFill>
-                  <a:prstClr val="black"/>
-                </a:solidFill>
-              </a:rPr>
-              <a:t>                  'BBBBBBBBBB');</a:t>
-            </a:r>
-          </a:p>
-        </p:txBody>
-      </p:sp>
-    </p:spTree>
-    <p:extLst>
-      <p:ext uri="{BB962C8B-B14F-4D97-AF65-F5344CB8AC3E}">
-        <p14:creationId xmlns:p14="http://schemas.microsoft.com/office/powerpoint/2010/main" val="2517955768"/>
-      </p:ext>
-    </p:extLst>
-  </p:cSld>
-  <p:clrMapOvr>
-    <a:masterClrMapping/>
-  </p:clrMapOvr>
-  <mc:AlternateContent xmlns:mc="http://schemas.openxmlformats.org/markup-compatibility/2006" xmlns:p14="http://schemas.microsoft.com/office/powerpoint/2010/main">
-    <mc:Choice Requires="p14">
-      <p:transition spd="med" p14:dur="700">
-        <p:fade/>
-      </p:transition>
-    </mc:Choice>
-    <mc:Fallback xmlns="">
-      <p:transition spd="med">
-        <p:fade/>
-      </p:transition>
-    </mc:Fallback>
-  </mc:AlternateContent>
-  <p:timing>
-    <p:tnLst>
-      <p:par>
-        <p:cTn id="1" dur="indefinite" restart="never" nodeType="tmRoot"/>
-      </p:par>
-    </p:tnLst>
-  </p:timing>
-</p:sld>
-</file>
-
-<file path=ppt/slides/slide9.xml><?xml version="1.0" encoding="utf-8"?>
-<p:sld xmlns:a="http://schemas.openxmlformats.org/drawingml/2006/main" xmlns:r="http://schemas.openxmlformats.org/officeDocument/2006/relationships" xmlns:p="http://schemas.openxmlformats.org/presentationml/2006/main">
-  <p:cSld>
-    <p:bg>
-      <p:bgRef idx="1001">
-        <a:schemeClr val="bg1"/>
-      </p:bgRef>
-    </p:bg>
-    <p:spTree>
-      <p:nvGrpSpPr>
-        <p:cNvPr id="1" name=""/>
-        <p:cNvGrpSpPr/>
-        <p:nvPr/>
-      </p:nvGrpSpPr>
-      <p:grpSpPr>
-        <a:xfrm>
-          <a:off x="0" y="0"/>
-          <a:ext cx="0" cy="0"/>
-          <a:chOff x="0" y="0"/>
-          <a:chExt cx="0" cy="0"/>
-        </a:xfrm>
-      </p:grpSpPr>
-      <p:sp>
-        <p:nvSpPr>
-          <p:cNvPr id="3" name="TextBox 2"/>
-          <p:cNvSpPr txBox="1"/>
-          <p:nvPr/>
-        </p:nvSpPr>
-        <p:spPr>
-          <a:xfrm>
-            <a:off x="2316677" y="1876159"/>
-            <a:ext cx="9361007" cy="4299991"/>
-          </a:xfrm>
-          <a:prstGeom prst="rect">
-            <a:avLst/>
-          </a:prstGeom>
-          <a:noFill/>
-          <a:ln w="12700" cap="rnd" cmpd="sng">
-            <a:solidFill>
-              <a:schemeClr val="tx1">
-                <a:alpha val="50000"/>
-              </a:schemeClr>
-            </a:solidFill>
-            <a:prstDash val="sysDash"/>
-          </a:ln>
-        </p:spPr>
-        <p:txBody>
-          <a:bodyPr wrap="square" lIns="182832" tIns="182832" rIns="182832" bIns="182832" rtlCol="0">
-            <a:noAutofit/>
-          </a:bodyPr>
-          <a:lstStyle/>
-          <a:p>
-            <a:pPr>
-              <a:lnSpc>
-                <a:spcPct val="90000"/>
-              </a:lnSpc>
-            </a:pPr>
-            <a:r>
-              <a:rPr lang="en-US" sz="1799" dirty="0" err="1">
-                <a:solidFill>
-                  <a:prstClr val="black"/>
-                </a:solidFill>
-                <a:latin typeface="Consolas" panose="020B0609020204030204" pitchFamily="49" charset="0"/>
-              </a:rPr>
-              <a:t>block_row_dump</a:t>
-            </a:r>
-            <a:r>
-              <a:rPr lang="en-US" sz="1799" dirty="0">
-                <a:solidFill>
-                  <a:prstClr val="black"/>
-                </a:solidFill>
-                <a:latin typeface="Consolas" panose="020B0609020204030204" pitchFamily="49" charset="0"/>
-              </a:rPr>
-              <a:t>:</a:t>
-            </a:r>
-          </a:p>
-          <a:p>
-            <a:pPr>
-              <a:lnSpc>
-                <a:spcPct val="90000"/>
-              </a:lnSpc>
-            </a:pPr>
-            <a:r>
-              <a:rPr lang="en-US" sz="1799" dirty="0">
-                <a:solidFill>
-                  <a:prstClr val="black"/>
-                </a:solidFill>
-                <a:latin typeface="Consolas" panose="020B0609020204030204" pitchFamily="49" charset="0"/>
-              </a:rPr>
-              <a:t>tab 0, row 0, @0x1f64</a:t>
-            </a:r>
-          </a:p>
-          <a:p>
-            <a:pPr>
-              <a:lnSpc>
-                <a:spcPct val="90000"/>
-              </a:lnSpc>
-            </a:pPr>
-            <a:r>
-              <a:rPr lang="en-US" sz="1799" dirty="0" err="1">
-                <a:solidFill>
-                  <a:prstClr val="black"/>
-                </a:solidFill>
-                <a:latin typeface="Consolas" panose="020B0609020204030204" pitchFamily="49" charset="0"/>
-              </a:rPr>
-              <a:t>tl</a:t>
-            </a:r>
-            <a:r>
-              <a:rPr lang="en-US" sz="1799" dirty="0">
-                <a:solidFill>
-                  <a:prstClr val="black"/>
-                </a:solidFill>
-                <a:latin typeface="Consolas" panose="020B0609020204030204" pitchFamily="49" charset="0"/>
-              </a:rPr>
-              <a:t>: 15 </a:t>
-            </a:r>
-            <a:r>
-              <a:rPr lang="en-US" sz="1799" dirty="0">
-                <a:solidFill>
-                  <a:srgbClr val="E5E8E8">
-                    <a:lumMod val="90000"/>
-                  </a:srgbClr>
-                </a:solidFill>
-                <a:latin typeface="Consolas" panose="020B0609020204030204" pitchFamily="49" charset="0"/>
-              </a:rPr>
-              <a:t>fb: --H-FL-- </a:t>
-            </a:r>
-            <a:r>
-              <a:rPr lang="en-US" sz="1799" dirty="0" err="1">
-                <a:solidFill>
-                  <a:srgbClr val="E5E8E8">
-                    <a:lumMod val="90000"/>
-                  </a:srgbClr>
-                </a:solidFill>
-                <a:latin typeface="Consolas" panose="020B0609020204030204" pitchFamily="49" charset="0"/>
-              </a:rPr>
-              <a:t>lb</a:t>
-            </a:r>
-            <a:r>
-              <a:rPr lang="en-US" sz="1799" dirty="0">
-                <a:solidFill>
-                  <a:srgbClr val="E5E8E8">
-                    <a:lumMod val="90000"/>
-                  </a:srgbClr>
-                </a:solidFill>
-                <a:latin typeface="Consolas" panose="020B0609020204030204" pitchFamily="49" charset="0"/>
-              </a:rPr>
-              <a:t>: 0x0  cc: 2</a:t>
-            </a:r>
-          </a:p>
-          <a:p>
-            <a:pPr>
-              <a:lnSpc>
-                <a:spcPct val="90000"/>
-              </a:lnSpc>
-            </a:pPr>
-            <a:r>
-              <a:rPr lang="en-US" sz="1799" dirty="0">
-                <a:solidFill>
-                  <a:srgbClr val="E5E8E8">
-                    <a:lumMod val="90000"/>
-                  </a:srgbClr>
-                </a:solidFill>
-                <a:latin typeface="Consolas" panose="020B0609020204030204" pitchFamily="49" charset="0"/>
-              </a:rPr>
-              <a:t>col  0: [10]  41 41 41 41 41 41 41 41 41 41</a:t>
-            </a:r>
-          </a:p>
-          <a:p>
-            <a:pPr>
-              <a:lnSpc>
-                <a:spcPct val="90000"/>
-              </a:lnSpc>
-            </a:pPr>
-            <a:r>
-              <a:rPr lang="en-US" sz="1799" dirty="0">
-                <a:solidFill>
-                  <a:srgbClr val="E5E8E8">
-                    <a:lumMod val="90000"/>
-                  </a:srgbClr>
-                </a:solidFill>
-                <a:latin typeface="Consolas" panose="020B0609020204030204" pitchFamily="49" charset="0"/>
-              </a:rPr>
-              <a:t>col  1: [10]  42 42 42 42 42 42 42 42 42 42</a:t>
-            </a:r>
-          </a:p>
-          <a:p>
-            <a:pPr>
-              <a:lnSpc>
-                <a:spcPct val="90000"/>
-              </a:lnSpc>
-            </a:pPr>
-            <a:r>
-              <a:rPr lang="en-US" sz="1799" dirty="0" err="1">
-                <a:solidFill>
-                  <a:prstClr val="black"/>
-                </a:solidFill>
-                <a:latin typeface="Consolas" panose="020B0609020204030204" pitchFamily="49" charset="0"/>
-              </a:rPr>
-              <a:t>bindmp</a:t>
-            </a:r>
-            <a:r>
-              <a:rPr lang="en-US" sz="1799" dirty="0">
-                <a:solidFill>
-                  <a:prstClr val="black"/>
-                </a:solidFill>
-                <a:latin typeface="Consolas" panose="020B0609020204030204" pitchFamily="49" charset="0"/>
-              </a:rPr>
-              <a:t>: 01 69 02 </a:t>
-            </a:r>
-            <a:r>
-              <a:rPr lang="en-US" sz="1799" b="1" dirty="0">
-                <a:solidFill>
-                  <a:srgbClr val="0096D6">
-                    <a:lumMod val="75000"/>
-                  </a:srgbClr>
-                </a:solidFill>
-                <a:latin typeface="Consolas" panose="020B0609020204030204" pitchFamily="49" charset="0"/>
-              </a:rPr>
-              <a:t>02</a:t>
-            </a:r>
-            <a:r>
-              <a:rPr lang="en-US" sz="1799" dirty="0">
-                <a:solidFill>
-                  <a:prstClr val="black"/>
-                </a:solidFill>
-                <a:latin typeface="Consolas" panose="020B0609020204030204" pitchFamily="49" charset="0"/>
-              </a:rPr>
-              <a:t> d2 42 42 42 42 42 42 42 42 42 42</a:t>
-            </a:r>
-          </a:p>
-          <a:p>
-            <a:pPr>
-              <a:lnSpc>
-                <a:spcPct val="90000"/>
-              </a:lnSpc>
-            </a:pPr>
-            <a:r>
-              <a:rPr lang="en-US" sz="1799" dirty="0">
-                <a:solidFill>
-                  <a:prstClr val="black"/>
-                </a:solidFill>
-                <a:latin typeface="Consolas" panose="020B0609020204030204" pitchFamily="49" charset="0"/>
-              </a:rPr>
-              <a:t>...</a:t>
-            </a:r>
-          </a:p>
-          <a:p>
-            <a:pPr>
-              <a:lnSpc>
-                <a:spcPct val="90000"/>
-              </a:lnSpc>
-            </a:pPr>
-            <a:r>
-              <a:rPr lang="en-US" sz="1799" dirty="0">
-                <a:solidFill>
-                  <a:prstClr val="black"/>
-                </a:solidFill>
-                <a:latin typeface="Consolas" panose="020B0609020204030204" pitchFamily="49" charset="0"/>
-              </a:rPr>
-              <a:t>tab 0, row 2, @0x1f73</a:t>
-            </a:r>
-          </a:p>
-          <a:p>
-            <a:pPr>
-              <a:lnSpc>
-                <a:spcPct val="90000"/>
-              </a:lnSpc>
-            </a:pPr>
-            <a:r>
-              <a:rPr lang="en-US" sz="1799" dirty="0" err="1">
-                <a:solidFill>
-                  <a:prstClr val="black"/>
-                </a:solidFill>
-                <a:latin typeface="Consolas" panose="020B0609020204030204" pitchFamily="49" charset="0"/>
-              </a:rPr>
-              <a:t>tl</a:t>
-            </a:r>
-            <a:r>
-              <a:rPr lang="en-US" sz="1799" dirty="0">
-                <a:solidFill>
-                  <a:prstClr val="black"/>
-                </a:solidFill>
-                <a:latin typeface="Consolas" panose="020B0609020204030204" pitchFamily="49" charset="0"/>
-              </a:rPr>
-              <a:t>: 13 </a:t>
-            </a:r>
-            <a:r>
-              <a:rPr lang="en-US" sz="1799" dirty="0">
-                <a:solidFill>
-                  <a:srgbClr val="E5E8E8">
-                    <a:lumMod val="90000"/>
-                  </a:srgbClr>
-                </a:solidFill>
-                <a:latin typeface="Consolas" panose="020B0609020204030204" pitchFamily="49" charset="0"/>
-              </a:rPr>
-              <a:t>fb: --H-FL-- </a:t>
-            </a:r>
-            <a:r>
-              <a:rPr lang="en-US" sz="1799" dirty="0" err="1">
-                <a:solidFill>
-                  <a:srgbClr val="E5E8E8">
-                    <a:lumMod val="90000"/>
-                  </a:srgbClr>
-                </a:solidFill>
-                <a:latin typeface="Consolas" panose="020B0609020204030204" pitchFamily="49" charset="0"/>
-              </a:rPr>
-              <a:t>lb</a:t>
-            </a:r>
-            <a:r>
-              <a:rPr lang="en-US" sz="1799" dirty="0">
-                <a:solidFill>
-                  <a:srgbClr val="E5E8E8">
-                    <a:lumMod val="90000"/>
-                  </a:srgbClr>
-                </a:solidFill>
-                <a:latin typeface="Consolas" panose="020B0609020204030204" pitchFamily="49" charset="0"/>
-              </a:rPr>
-              <a:t>: 0x0  cc: 1</a:t>
-            </a:r>
-          </a:p>
-          <a:p>
-            <a:pPr>
-              <a:lnSpc>
-                <a:spcPct val="90000"/>
-              </a:lnSpc>
-            </a:pPr>
-            <a:r>
-              <a:rPr lang="en-US" sz="1799" dirty="0">
-                <a:solidFill>
-                  <a:srgbClr val="E5E8E8">
-                    <a:lumMod val="90000"/>
-                  </a:srgbClr>
-                </a:solidFill>
-                <a:latin typeface="Consolas" panose="020B0609020204030204" pitchFamily="49" charset="0"/>
-              </a:rPr>
-              <a:t>col  0: [10]  41 41 41 41 41 41 41 41 41 41</a:t>
-            </a:r>
-          </a:p>
-          <a:p>
-            <a:pPr>
-              <a:lnSpc>
-                <a:spcPct val="90000"/>
-              </a:lnSpc>
-            </a:pPr>
-            <a:r>
-              <a:rPr lang="en-US" sz="1799" dirty="0" err="1">
-                <a:solidFill>
-                  <a:prstClr val="black"/>
-                </a:solidFill>
-                <a:latin typeface="Consolas" panose="020B0609020204030204" pitchFamily="49" charset="0"/>
-              </a:rPr>
-              <a:t>bindmp</a:t>
-            </a:r>
-            <a:r>
-              <a:rPr lang="en-US" sz="1799" dirty="0">
-                <a:solidFill>
-                  <a:prstClr val="black"/>
-                </a:solidFill>
-                <a:latin typeface="Consolas" panose="020B0609020204030204" pitchFamily="49" charset="0"/>
-              </a:rPr>
-              <a:t>: 00 02 d2 41 41 41 41 41 41 41 41 41 41</a:t>
-            </a:r>
-          </a:p>
-          <a:p>
-            <a:pPr>
-              <a:lnSpc>
-                <a:spcPct val="90000"/>
-              </a:lnSpc>
-            </a:pPr>
-            <a:r>
-              <a:rPr lang="en-US" sz="1799" dirty="0">
-                <a:solidFill>
-                  <a:prstClr val="black"/>
-                </a:solidFill>
-                <a:latin typeface="Consolas" panose="020B0609020204030204" pitchFamily="49" charset="0"/>
-              </a:rPr>
-              <a:t>tab 1, row 0, @0x1f51</a:t>
-            </a:r>
-          </a:p>
-          <a:p>
-            <a:pPr>
-              <a:lnSpc>
-                <a:spcPct val="90000"/>
-              </a:lnSpc>
-            </a:pPr>
-            <a:r>
-              <a:rPr lang="en-US" sz="1799" dirty="0" err="1">
-                <a:solidFill>
-                  <a:prstClr val="black"/>
-                </a:solidFill>
-                <a:latin typeface="Consolas" panose="020B0609020204030204" pitchFamily="49" charset="0"/>
-              </a:rPr>
-              <a:t>tl</a:t>
-            </a:r>
-            <a:r>
-              <a:rPr lang="en-US" sz="1799" dirty="0">
-                <a:solidFill>
-                  <a:prstClr val="black"/>
-                </a:solidFill>
-                <a:latin typeface="Consolas" panose="020B0609020204030204" pitchFamily="49" charset="0"/>
-              </a:rPr>
-              <a:t>: 4 </a:t>
-            </a:r>
-            <a:r>
-              <a:rPr lang="en-US" sz="1799" dirty="0">
-                <a:solidFill>
-                  <a:srgbClr val="E5E8E8">
-                    <a:lumMod val="90000"/>
-                  </a:srgbClr>
-                </a:solidFill>
-                <a:latin typeface="Consolas" panose="020B0609020204030204" pitchFamily="49" charset="0"/>
-              </a:rPr>
-              <a:t>fb: --H-FL-- </a:t>
-            </a:r>
-            <a:r>
-              <a:rPr lang="en-US" sz="1799" dirty="0" err="1">
-                <a:solidFill>
-                  <a:srgbClr val="E5E8E8">
-                    <a:lumMod val="90000"/>
-                  </a:srgbClr>
-                </a:solidFill>
-                <a:latin typeface="Consolas" panose="020B0609020204030204" pitchFamily="49" charset="0"/>
-              </a:rPr>
-              <a:t>lb</a:t>
-            </a:r>
-            <a:r>
-              <a:rPr lang="en-US" sz="1799" dirty="0">
-                <a:solidFill>
-                  <a:srgbClr val="E5E8E8">
-                    <a:lumMod val="90000"/>
-                  </a:srgbClr>
-                </a:solidFill>
-                <a:latin typeface="Consolas" panose="020B0609020204030204" pitchFamily="49" charset="0"/>
-              </a:rPr>
-              <a:t>: 0x0  cc: 2</a:t>
-            </a:r>
-          </a:p>
-          <a:p>
-            <a:pPr>
-              <a:lnSpc>
-                <a:spcPct val="90000"/>
-              </a:lnSpc>
-            </a:pPr>
-            <a:r>
-              <a:rPr lang="en-US" sz="1799" dirty="0">
-                <a:solidFill>
-                  <a:srgbClr val="E5E8E8">
-                    <a:lumMod val="90000"/>
-                  </a:srgbClr>
-                </a:solidFill>
-                <a:latin typeface="Consolas" panose="020B0609020204030204" pitchFamily="49" charset="0"/>
-              </a:rPr>
-              <a:t>col  0: [10]  41 41 41 41 41 41 41 41 41 41</a:t>
-            </a:r>
-          </a:p>
-          <a:p>
-            <a:pPr>
-              <a:lnSpc>
-                <a:spcPct val="90000"/>
-              </a:lnSpc>
-            </a:pPr>
-            <a:r>
-              <a:rPr lang="en-US" sz="1799" dirty="0">
-                <a:solidFill>
-                  <a:srgbClr val="E5E8E8">
-                    <a:lumMod val="90000"/>
-                  </a:srgbClr>
-                </a:solidFill>
-                <a:latin typeface="Consolas" panose="020B0609020204030204" pitchFamily="49" charset="0"/>
-              </a:rPr>
-              <a:t>col  1: [10]  42 42 42 42 42 42 42 42 42 42</a:t>
-            </a:r>
-          </a:p>
-          <a:p>
-            <a:pPr>
-              <a:lnSpc>
-                <a:spcPct val="90000"/>
-              </a:lnSpc>
-            </a:pPr>
-            <a:r>
-              <a:rPr lang="en-US" sz="1799" b="1" dirty="0" err="1">
-                <a:solidFill>
-                  <a:prstClr val="black"/>
-                </a:solidFill>
-                <a:highlight>
-                  <a:srgbClr val="FFFF00"/>
-                </a:highlight>
-                <a:latin typeface="Consolas" panose="020B0609020204030204" pitchFamily="49" charset="0"/>
-                <a:ea typeface="Calibri" panose="020F0502020204030204" pitchFamily="34" charset="0"/>
-                <a:cs typeface="Times New Roman" panose="02020603050405020304" pitchFamily="18" charset="0"/>
-              </a:rPr>
-              <a:t>bindmp</a:t>
-            </a:r>
-            <a:r>
-              <a:rPr lang="en-US" sz="1799" b="1" dirty="0">
-                <a:solidFill>
-                  <a:prstClr val="black"/>
-                </a:solidFill>
-                <a:highlight>
-                  <a:srgbClr val="FFFF00"/>
-                </a:highlight>
-                <a:latin typeface="Consolas" panose="020B0609020204030204" pitchFamily="49" charset="0"/>
-                <a:ea typeface="Calibri" panose="020F0502020204030204" pitchFamily="34" charset="0"/>
-                <a:cs typeface="Times New Roman" panose="02020603050405020304" pitchFamily="18" charset="0"/>
-              </a:rPr>
-              <a:t>: 2c 00 01 00</a:t>
-            </a:r>
-          </a:p>
-          <a:p>
-            <a:pPr>
-              <a:lnSpc>
-                <a:spcPct val="90000"/>
-              </a:lnSpc>
-            </a:pPr>
-            <a:endParaRPr lang="en-US" sz="1799" dirty="0">
-              <a:solidFill>
-                <a:prstClr val="black"/>
-              </a:solidFill>
-              <a:latin typeface="Consolas" panose="020B0609020204030204" pitchFamily="49" charset="0"/>
-            </a:endParaRPr>
-          </a:p>
-          <a:p>
-            <a:pPr>
-              <a:lnSpc>
-                <a:spcPct val="90000"/>
-              </a:lnSpc>
-            </a:pPr>
-            <a:endParaRPr lang="en-US" sz="1799" dirty="0">
-              <a:solidFill>
-                <a:prstClr val="black"/>
-              </a:solidFill>
-              <a:latin typeface="Consolas" panose="020B0609020204030204" pitchFamily="49" charset="0"/>
-            </a:endParaRPr>
-          </a:p>
-          <a:p>
-            <a:pPr>
-              <a:lnSpc>
-                <a:spcPct val="90000"/>
-              </a:lnSpc>
-            </a:pPr>
-            <a:endParaRPr lang="en-US" sz="1799" dirty="0">
-              <a:solidFill>
-                <a:prstClr val="black"/>
-              </a:solidFill>
-              <a:latin typeface="Consolas" panose="020B0609020204030204" pitchFamily="49" charset="0"/>
-            </a:endParaRPr>
-          </a:p>
-        </p:txBody>
-      </p:sp>
-      <p:sp>
-        <p:nvSpPr>
-          <p:cNvPr id="5" name="Title 3"/>
-          <p:cNvSpPr txBox="1">
-            <a:spLocks/>
-          </p:cNvSpPr>
-          <p:nvPr/>
-        </p:nvSpPr>
-        <p:spPr>
-          <a:xfrm>
-            <a:off x="609441" y="246254"/>
-            <a:ext cx="10969943" cy="502591"/>
-          </a:xfrm>
-          <a:prstGeom prst="rect">
-            <a:avLst/>
-          </a:prstGeom>
-        </p:spPr>
-        <p:txBody>
-          <a:bodyPr vert="horz" lIns="0" tIns="0" rIns="0" bIns="0" rtlCol="0" anchor="b" anchorCtr="0">
-            <a:noAutofit/>
-          </a:bodyPr>
-          <a:lstStyle>
-            <a:lvl1pPr algn="l" defTabSz="914400" rtl="0" eaLnBrk="1" latinLnBrk="0" hangingPunct="1">
-              <a:lnSpc>
-                <a:spcPct val="90000"/>
-              </a:lnSpc>
-              <a:spcBef>
-                <a:spcPct val="0"/>
-              </a:spcBef>
-              <a:buNone/>
-              <a:defRPr sz="2800" b="1" kern="1200">
-                <a:solidFill>
-                  <a:schemeClr val="tx1"/>
-                </a:solidFill>
-                <a:latin typeface="+mj-lt"/>
-                <a:ea typeface="+mj-ea"/>
-                <a:cs typeface="+mj-cs"/>
-              </a:defRPr>
-            </a:lvl1pPr>
-          </a:lstStyle>
-          <a:p>
-            <a:r>
-              <a:rPr lang="en-US" dirty="0" smtClean="0">
-                <a:solidFill>
-                  <a:prstClr val="black"/>
-                </a:solidFill>
-              </a:rPr>
-              <a:t>Symbols </a:t>
-            </a:r>
-            <a:r>
-              <a:rPr lang="en-US" dirty="0">
-                <a:solidFill>
-                  <a:prstClr val="black"/>
-                </a:solidFill>
-              </a:rPr>
-              <a:t>all the way down</a:t>
-            </a:r>
-            <a:endParaRPr lang="en-GB" dirty="0">
-              <a:solidFill>
-                <a:prstClr val="black"/>
-              </a:solidFill>
-            </a:endParaRPr>
-          </a:p>
-        </p:txBody>
-      </p:sp>
-      <p:sp>
-        <p:nvSpPr>
-          <p:cNvPr id="4" name="Rounded Rectangle 3"/>
-          <p:cNvSpPr/>
-          <p:nvPr/>
-        </p:nvSpPr>
-        <p:spPr>
-          <a:xfrm>
-            <a:off x="4561193" y="3271772"/>
-            <a:ext cx="401400" cy="261190"/>
-          </a:xfrm>
-          <a:prstGeom prst="roundRect">
-            <a:avLst/>
-          </a:prstGeom>
-          <a:noFill/>
-          <a:ln w="19050">
-            <a:solidFill>
-              <a:srgbClr val="40A85F"/>
-            </a:solidFill>
-            <a:miter lim="800000"/>
-          </a:ln>
-        </p:spPr>
-        <p:style>
-          <a:lnRef idx="2">
-            <a:schemeClr val="accent1">
-              <a:shade val="50000"/>
-            </a:schemeClr>
-          </a:lnRef>
-          <a:fillRef idx="1">
-            <a:schemeClr val="accent1"/>
-          </a:fillRef>
-          <a:effectRef idx="0">
-            <a:schemeClr val="accent1"/>
-          </a:effectRef>
-          <a:fontRef idx="minor">
-            <a:schemeClr val="lt1"/>
-          </a:fontRef>
-        </p:style>
-        <p:txBody>
-          <a:bodyPr rtlCol="0" anchor="ctr"/>
-          <a:lstStyle/>
-          <a:p>
-            <a:pPr algn="ctr">
-              <a:lnSpc>
-                <a:spcPct val="90000"/>
-              </a:lnSpc>
-            </a:pPr>
-            <a:endParaRPr lang="en-GB" sz="1799" dirty="0">
-              <a:solidFill>
-                <a:prstClr val="white"/>
-              </a:solidFill>
-            </a:endParaRPr>
-          </a:p>
-        </p:txBody>
-      </p:sp>
-      <p:sp>
-        <p:nvSpPr>
-          <p:cNvPr id="6" name="Rounded Rectangle 5"/>
-          <p:cNvSpPr/>
-          <p:nvPr/>
-        </p:nvSpPr>
-        <p:spPr>
-          <a:xfrm>
-            <a:off x="2490336" y="3797467"/>
-            <a:ext cx="1642048" cy="223873"/>
-          </a:xfrm>
-          <a:prstGeom prst="roundRect">
-            <a:avLst/>
-          </a:prstGeom>
-          <a:noFill/>
-          <a:ln w="19050">
-            <a:solidFill>
-              <a:srgbClr val="40A85F"/>
-            </a:solidFill>
-            <a:miter lim="800000"/>
-          </a:ln>
-        </p:spPr>
-        <p:style>
-          <a:lnRef idx="2">
-            <a:schemeClr val="accent1">
-              <a:shade val="50000"/>
-            </a:schemeClr>
-          </a:lnRef>
-          <a:fillRef idx="1">
-            <a:schemeClr val="accent1"/>
-          </a:fillRef>
-          <a:effectRef idx="0">
-            <a:schemeClr val="accent1"/>
-          </a:effectRef>
-          <a:fontRef idx="minor">
-            <a:schemeClr val="lt1"/>
-          </a:fontRef>
-        </p:style>
-        <p:txBody>
-          <a:bodyPr rtlCol="0" anchor="ctr"/>
-          <a:lstStyle/>
-          <a:p>
-            <a:pPr algn="ctr">
-              <a:lnSpc>
-                <a:spcPct val="90000"/>
-              </a:lnSpc>
-            </a:pPr>
-            <a:endParaRPr lang="en-GB" sz="1799" dirty="0">
-              <a:solidFill>
-                <a:prstClr val="white"/>
-              </a:solidFill>
-            </a:endParaRPr>
-          </a:p>
-        </p:txBody>
-      </p:sp>
-      <p:sp>
-        <p:nvSpPr>
-          <p:cNvPr id="7" name="TextBox 6"/>
-          <p:cNvSpPr txBox="1"/>
-          <p:nvPr/>
-        </p:nvSpPr>
-        <p:spPr>
-          <a:xfrm>
-            <a:off x="459516" y="2592119"/>
-            <a:ext cx="1473845" cy="503722"/>
-          </a:xfrm>
-          <a:prstGeom prst="rect">
-            <a:avLst/>
-          </a:prstGeom>
-          <a:noFill/>
-        </p:spPr>
-        <p:txBody>
-          <a:bodyPr wrap="none" lIns="0" tIns="0" rIns="0" bIns="0" rtlCol="0">
-            <a:noAutofit/>
-          </a:bodyPr>
-          <a:lstStyle/>
-          <a:p>
-            <a:pPr>
-              <a:lnSpc>
-                <a:spcPct val="90000"/>
-              </a:lnSpc>
-            </a:pPr>
-            <a:r>
-              <a:rPr lang="en-US" sz="1799" dirty="0">
-                <a:solidFill>
-                  <a:prstClr val="black"/>
-                </a:solidFill>
-              </a:rPr>
-              <a:t>Table 0 points </a:t>
-            </a:r>
-          </a:p>
-          <a:p>
-            <a:pPr>
-              <a:lnSpc>
-                <a:spcPct val="90000"/>
-              </a:lnSpc>
-            </a:pPr>
-            <a:r>
-              <a:rPr lang="en-US" sz="1799" dirty="0">
-                <a:solidFill>
-                  <a:prstClr val="black"/>
-                </a:solidFill>
-              </a:rPr>
-              <a:t>    to itself </a:t>
-            </a:r>
-          </a:p>
-        </p:txBody>
-      </p:sp>
-      <p:cxnSp>
-        <p:nvCxnSpPr>
-          <p:cNvPr id="8" name="Straight Arrow Connector 7"/>
-          <p:cNvCxnSpPr>
-            <a:stCxn id="7" idx="3"/>
-            <a:endCxn id="4" idx="1"/>
-          </p:cNvCxnSpPr>
-          <p:nvPr/>
-        </p:nvCxnSpPr>
-        <p:spPr>
-          <a:xfrm>
-            <a:off x="1933361" y="2843980"/>
-            <a:ext cx="2627831" cy="558387"/>
-          </a:xfrm>
-          <a:prstGeom prst="straightConnector1">
-            <a:avLst/>
-          </a:prstGeom>
-          <a:ln w="19050">
-            <a:solidFill>
-              <a:schemeClr val="tx1"/>
-            </a:solidFill>
-            <a:miter lim="800000"/>
-            <a:tailEnd type="triangle"/>
-          </a:ln>
-        </p:spPr>
-        <p:style>
-          <a:lnRef idx="1">
-            <a:schemeClr val="accent1"/>
-          </a:lnRef>
-          <a:fillRef idx="0">
-            <a:schemeClr val="accent1"/>
-          </a:fillRef>
-          <a:effectRef idx="0">
-            <a:schemeClr val="accent1"/>
-          </a:effectRef>
-          <a:fontRef idx="minor">
-            <a:schemeClr val="tx1"/>
-          </a:fontRef>
-        </p:style>
-      </p:cxnSp>
-      <p:cxnSp>
-        <p:nvCxnSpPr>
-          <p:cNvPr id="9" name="Straight Arrow Connector 8"/>
-          <p:cNvCxnSpPr>
-            <a:stCxn id="7" idx="3"/>
-            <a:endCxn id="6" idx="1"/>
-          </p:cNvCxnSpPr>
-          <p:nvPr/>
-        </p:nvCxnSpPr>
-        <p:spPr>
-          <a:xfrm>
-            <a:off x="1933361" y="2843981"/>
-            <a:ext cx="556975" cy="1065423"/>
-          </a:xfrm>
-          <a:prstGeom prst="straightConnector1">
-            <a:avLst/>
-          </a:prstGeom>
-          <a:ln w="19050">
-            <a:solidFill>
-              <a:schemeClr val="tx1"/>
-            </a:solidFill>
-            <a:miter lim="800000"/>
-            <a:tailEnd type="triangle"/>
-          </a:ln>
-        </p:spPr>
-        <p:style>
-          <a:lnRef idx="1">
-            <a:schemeClr val="accent1"/>
-          </a:lnRef>
-          <a:fillRef idx="0">
-            <a:schemeClr val="accent1"/>
-          </a:fillRef>
-          <a:effectRef idx="0">
-            <a:schemeClr val="accent1"/>
-          </a:effectRef>
-          <a:fontRef idx="minor">
-            <a:schemeClr val="tx1"/>
-          </a:fontRef>
-        </p:style>
-      </p:cxnSp>
-      <p:cxnSp>
-        <p:nvCxnSpPr>
-          <p:cNvPr id="14" name="Straight Arrow Connector 13"/>
-          <p:cNvCxnSpPr>
-            <a:stCxn id="16" idx="3"/>
-          </p:cNvCxnSpPr>
-          <p:nvPr/>
-        </p:nvCxnSpPr>
-        <p:spPr>
-          <a:xfrm>
-            <a:off x="1772352" y="5322967"/>
-            <a:ext cx="717984" cy="561702"/>
-          </a:xfrm>
-          <a:prstGeom prst="straightConnector1">
-            <a:avLst/>
-          </a:prstGeom>
-          <a:ln w="19050">
-            <a:solidFill>
-              <a:schemeClr val="tx1"/>
-            </a:solidFill>
-            <a:miter lim="800000"/>
-            <a:tailEnd type="triangle"/>
-          </a:ln>
-        </p:spPr>
-        <p:style>
-          <a:lnRef idx="1">
-            <a:schemeClr val="accent1"/>
-          </a:lnRef>
-          <a:fillRef idx="0">
-            <a:schemeClr val="accent1"/>
-          </a:fillRef>
-          <a:effectRef idx="0">
-            <a:schemeClr val="accent1"/>
-          </a:effectRef>
-          <a:fontRef idx="minor">
-            <a:schemeClr val="tx1"/>
-          </a:fontRef>
-        </p:style>
-      </p:cxnSp>
-      <p:sp>
-        <p:nvSpPr>
-          <p:cNvPr id="16" name="TextBox 15"/>
-          <p:cNvSpPr txBox="1"/>
-          <p:nvPr/>
-        </p:nvSpPr>
-        <p:spPr>
-          <a:xfrm>
-            <a:off x="620526" y="5071107"/>
-            <a:ext cx="1151826" cy="503722"/>
-          </a:xfrm>
-          <a:prstGeom prst="rect">
-            <a:avLst/>
-          </a:prstGeom>
-          <a:noFill/>
-        </p:spPr>
-        <p:txBody>
-          <a:bodyPr wrap="none" lIns="0" tIns="0" rIns="0" bIns="0" rtlCol="0">
-            <a:noAutofit/>
-          </a:bodyPr>
-          <a:lstStyle/>
-          <a:p>
-            <a:pPr>
-              <a:lnSpc>
-                <a:spcPct val="90000"/>
-              </a:lnSpc>
-            </a:pPr>
-            <a:r>
-              <a:rPr lang="en-US" sz="1799" dirty="0">
-                <a:solidFill>
-                  <a:prstClr val="black"/>
-                </a:solidFill>
-              </a:rPr>
-              <a:t>Table 1 still </a:t>
-            </a:r>
-          </a:p>
-          <a:p>
-            <a:pPr>
-              <a:lnSpc>
-                <a:spcPct val="90000"/>
-              </a:lnSpc>
-            </a:pPr>
-            <a:r>
-              <a:rPr lang="en-US" sz="1799" dirty="0">
-                <a:solidFill>
-                  <a:prstClr val="black"/>
-                </a:solidFill>
-              </a:rPr>
-              <a:t>  the same</a:t>
-            </a:r>
-          </a:p>
-        </p:txBody>
-      </p:sp>
-    </p:spTree>
-    <p:extLst>
-      <p:ext uri="{BB962C8B-B14F-4D97-AF65-F5344CB8AC3E}">
-        <p14:creationId xmlns:p14="http://schemas.microsoft.com/office/powerpoint/2010/main" val="1277018122"/>
-      </p:ext>
-    </p:extLst>
-  </p:cSld>
-  <p:clrMapOvr>
-    <a:overrideClrMapping bg1="lt1" tx1="dk1" bg2="lt2" tx2="dk2" accent1="accent1" accent2="accent2" accent3="accent3" accent4="accent4" accent5="accent5" accent6="accent6" hlink="hlink" folHlink="folHlink"/>
   </p:clrMapOvr>
   <mc:AlternateContent xmlns:mc="http://schemas.openxmlformats.org/markup-compatibility/2006" xmlns:p14="http://schemas.microsoft.com/office/powerpoint/2010/main">
     <mc:Choice Requires="p14">

--- a/compression_sand_weiss_hotsos_2018.pptx
+++ b/compression_sand_weiss_hotsos_2018.pptx
@@ -6,10 +6,10 @@
     <p:sldMasterId id="2147483679" r:id="rId2"/>
   </p:sldMasterIdLst>
   <p:notesMasterIdLst>
-    <p:notesMasterId r:id="rId27"/>
+    <p:notesMasterId r:id="rId26"/>
   </p:notesMasterIdLst>
   <p:handoutMasterIdLst>
-    <p:handoutMasterId r:id="rId28"/>
+    <p:handoutMasterId r:id="rId27"/>
   </p:handoutMasterIdLst>
   <p:sldIdLst>
     <p:sldId id="256" r:id="rId3"/>
@@ -19,28 +19,27 @@
     <p:sldId id="299" r:id="rId7"/>
     <p:sldId id="310" r:id="rId8"/>
     <p:sldId id="301" r:id="rId9"/>
-    <p:sldId id="311" r:id="rId10"/>
-    <p:sldId id="300" r:id="rId11"/>
-    <p:sldId id="303" r:id="rId12"/>
-    <p:sldId id="302" r:id="rId13"/>
-    <p:sldId id="305" r:id="rId14"/>
-    <p:sldId id="306" r:id="rId15"/>
-    <p:sldId id="312" r:id="rId16"/>
-    <p:sldId id="307" r:id="rId17"/>
-    <p:sldId id="290" r:id="rId18"/>
-    <p:sldId id="288" r:id="rId19"/>
-    <p:sldId id="292" r:id="rId20"/>
-    <p:sldId id="291" r:id="rId21"/>
-    <p:sldId id="293" r:id="rId22"/>
-    <p:sldId id="304" r:id="rId23"/>
-    <p:sldId id="296" r:id="rId24"/>
-    <p:sldId id="313" r:id="rId25"/>
-    <p:sldId id="287" r:id="rId26"/>
+    <p:sldId id="300" r:id="rId10"/>
+    <p:sldId id="303" r:id="rId11"/>
+    <p:sldId id="302" r:id="rId12"/>
+    <p:sldId id="305" r:id="rId13"/>
+    <p:sldId id="306" r:id="rId14"/>
+    <p:sldId id="312" r:id="rId15"/>
+    <p:sldId id="307" r:id="rId16"/>
+    <p:sldId id="290" r:id="rId17"/>
+    <p:sldId id="288" r:id="rId18"/>
+    <p:sldId id="292" r:id="rId19"/>
+    <p:sldId id="291" r:id="rId20"/>
+    <p:sldId id="293" r:id="rId21"/>
+    <p:sldId id="304" r:id="rId22"/>
+    <p:sldId id="296" r:id="rId23"/>
+    <p:sldId id="313" r:id="rId24"/>
+    <p:sldId id="287" r:id="rId25"/>
   </p:sldIdLst>
   <p:sldSz cx="12188825" cy="6858000"/>
   <p:notesSz cx="6858000" cy="9144000"/>
   <p:custDataLst>
-    <p:tags r:id="rId29"/>
+    <p:tags r:id="rId28"/>
   </p:custDataLst>
   <p:defaultTextStyle>
     <a:defPPr>
@@ -277,7 +276,7 @@
           <a:p>
             <a:fld id="{ADCC02A0-C947-4278-96D1-0DB9C063DF55}" type="datetimeFigureOut">
               <a:rPr lang="en-US" smtClean="0"/>
-              <a:t>3/5/2018</a:t>
+              <a:t>2018-03-05</a:t>
             </a:fld>
             <a:endParaRPr lang="en-US"/>
           </a:p>
@@ -814,14 +813,60 @@
             </a:r>
             <a:r>
               <a:rPr lang="en-US" baseline="0" dirty="0" smtClean="0"/>
-              <a:t> contain reference to other symbols within the block.</a:t>
+              <a:t> contain reference to other symbols within the block</a:t>
+            </a:r>
+            <a:r>
+              <a:rPr lang="en-US" baseline="0" dirty="0" smtClean="0"/>
+              <a:t>.</a:t>
+            </a:r>
+          </a:p>
+          <a:p>
+            <a:endParaRPr lang="en-US" baseline="0" dirty="0" smtClean="0"/>
+          </a:p>
+          <a:p>
+            <a:pPr marL="0" marR="0" lvl="0" indent="0" algn="l" defTabSz="914400" rtl="0" eaLnBrk="1" fontAlgn="auto" latinLnBrk="0" hangingPunct="1">
+              <a:lnSpc>
+                <a:spcPct val="100000"/>
+              </a:lnSpc>
+              <a:spcBef>
+                <a:spcPts val="600"/>
+              </a:spcBef>
+              <a:spcAft>
+                <a:spcPts val="0"/>
+              </a:spcAft>
+              <a:buClrTx/>
+              <a:buSzTx/>
+              <a:buFontTx/>
+              <a:buNone/>
+              <a:tabLst/>
+              <a:defRPr/>
+            </a:pPr>
+            <a:r>
+              <a:rPr lang="en-US" baseline="0" dirty="0" smtClean="0"/>
+              <a:t>This is why length bytes are overloaded in the symbol table as well. </a:t>
             </a:r>
             <a:endParaRPr lang="en-US" dirty="0" smtClean="0"/>
           </a:p>
           <a:p>
+            <a:endParaRPr lang="en-US" baseline="0" dirty="0" smtClean="0"/>
+          </a:p>
+          <a:p>
+            <a:endParaRPr lang="en-US" baseline="0" dirty="0" smtClean="0"/>
+          </a:p>
+          <a:p>
+            <a:endParaRPr lang="en-US" baseline="0" dirty="0" smtClean="0"/>
+          </a:p>
+          <a:p>
+            <a:endParaRPr lang="en-US" baseline="0" dirty="0" smtClean="0"/>
+          </a:p>
+          <a:p>
             <a:endParaRPr lang="en-US" dirty="0" smtClean="0"/>
           </a:p>
           <a:p>
+            <a:r>
+              <a:rPr lang="en-US" dirty="0" smtClean="0"/>
+              <a:t>Unknowns:</a:t>
+            </a:r>
             <a:endParaRPr lang="en-US" dirty="0" smtClean="0"/>
           </a:p>
           <a:p>
@@ -835,10 +880,12 @@
             </a:r>
             <a:r>
               <a:rPr lang="en-US" dirty="0" smtClean="0"/>
-              <a:t>table row header?</a:t>
-            </a:r>
-          </a:p>
-          <a:p>
+              <a:t>table row header</a:t>
+            </a:r>
+            <a:r>
+              <a:rPr lang="en-US" dirty="0" smtClean="0"/>
+              <a:t>?</a:t>
+            </a:r>
             <a:endParaRPr lang="en-US" dirty="0" smtClean="0"/>
           </a:p>
           <a:p>
@@ -878,7 +925,7 @@
                 <a:latin typeface="Calibri" panose="020F0502020204030204"/>
               </a:rPr>
               <a:pPr/>
-              <a:t>11</a:t>
+              <a:t>10</a:t>
             </a:fld>
             <a:endParaRPr lang="en-GB">
               <a:solidFill>
@@ -957,7 +1004,54 @@
             </a:r>
             <a:r>
               <a:rPr lang="en-US" baseline="0" dirty="0" smtClean="0"/>
-              <a:t> need to decompress in buffer cache</a:t>
+              <a:t> need to decompress in buffer </a:t>
+            </a:r>
+            <a:r>
+              <a:rPr lang="en-US" baseline="0" dirty="0" smtClean="0"/>
+              <a:t>cache</a:t>
+            </a:r>
+          </a:p>
+          <a:p>
+            <a:endParaRPr lang="en-US" baseline="0" dirty="0" smtClean="0"/>
+          </a:p>
+          <a:p>
+            <a:r>
+              <a:rPr lang="en-US" baseline="0" dirty="0" smtClean="0"/>
+              <a:t>Blocks do not need to be decompressed when the are read from disk into the buffer cache. And it you think about it, if they were it would mean having to deal with variable block sizes in the cache. </a:t>
+            </a:r>
+          </a:p>
+          <a:p>
+            <a:endParaRPr lang="en-US" baseline="0" dirty="0" smtClean="0"/>
+          </a:p>
+          <a:p>
+            <a:r>
+              <a:rPr lang="en-US" baseline="0" dirty="0" smtClean="0"/>
+              <a:t>Imagine a index </a:t>
+            </a:r>
+            <a:r>
+              <a:rPr lang="en-US" baseline="0" dirty="0" err="1" smtClean="0"/>
+              <a:t>rowid</a:t>
+            </a:r>
+            <a:r>
+              <a:rPr lang="en-US" baseline="0" dirty="0" smtClean="0"/>
+              <a:t> lookup. Without the need to decompress the block when it is loaded into the cache, you only need to pull the row and resolve any symbols. While this operation isn’t free, it is not nearly as intensive as having to </a:t>
+            </a:r>
+            <a:r>
+              <a:rPr lang="en-US" baseline="0" dirty="0" err="1" smtClean="0"/>
+              <a:t>uncompress</a:t>
+            </a:r>
+            <a:r>
+              <a:rPr lang="en-US" baseline="0" dirty="0" smtClean="0"/>
+              <a:t> all of the rows in a block before it could be read.</a:t>
+            </a:r>
+          </a:p>
+          <a:p>
+            <a:endParaRPr lang="en-US" baseline="0" dirty="0" smtClean="0"/>
+          </a:p>
+          <a:p>
+            <a:r>
+              <a:rPr lang="en-US" baseline="0" dirty="0" smtClean="0"/>
+              <a:t>Also note that because the symbol is a row number, you can look up the offset in the row directory.</a:t>
             </a:r>
             <a:endParaRPr lang="en-GB" dirty="0"/>
           </a:p>
@@ -981,7 +1075,7 @@
             <a:fld id="{8547E1EE-0039-4797-B978-F453418260D1}" type="slidenum">
               <a:rPr lang="en-US" smtClean="0"/>
               <a:pPr/>
-              <a:t>12</a:t>
+              <a:t>11</a:t>
             </a:fld>
             <a:endParaRPr lang="en-US"/>
           </a:p>
@@ -1071,7 +1165,7 @@
             <a:fld id="{8547E1EE-0039-4797-B978-F453418260D1}" type="slidenum">
               <a:rPr lang="en-US" smtClean="0"/>
               <a:pPr/>
-              <a:t>15</a:t>
+              <a:t>14</a:t>
             </a:fld>
             <a:endParaRPr lang="en-US"/>
           </a:p>
@@ -1161,7 +1255,7 @@
             <a:fld id="{8547E1EE-0039-4797-B978-F453418260D1}" type="slidenum">
               <a:rPr lang="en-US" smtClean="0"/>
               <a:pPr/>
-              <a:t>21</a:t>
+              <a:t>20</a:t>
             </a:fld>
             <a:endParaRPr lang="en-US"/>
           </a:p>
@@ -1251,7 +1345,7 @@
             <a:fld id="{8547E1EE-0039-4797-B978-F453418260D1}" type="slidenum">
               <a:rPr lang="en-US" smtClean="0"/>
               <a:pPr/>
-              <a:t>24</a:t>
+              <a:t>23</a:t>
             </a:fld>
             <a:endParaRPr lang="en-US"/>
           </a:p>
@@ -2442,8 +2536,13 @@
         </p:nvSpPr>
         <p:spPr/>
         <p:txBody>
-          <a:bodyPr/>
+          <a:bodyPr>
+            <a:normAutofit lnSpcReduction="10000"/>
+          </a:bodyPr>
           <a:lstStyle/>
+          <a:p>
+            <a:endParaRPr lang="en-US" dirty="0" smtClean="0"/>
+          </a:p>
           <a:p>
             <a:r>
               <a:rPr lang="en-US" dirty="0" smtClean="0"/>
@@ -2451,7 +2550,11 @@
             </a:r>
             <a:r>
               <a:rPr lang="en-US" baseline="0" dirty="0" smtClean="0"/>
-              <a:t> is another compressed block. This time we notice that not all of the columns in the data table contain pointers to symbols. </a:t>
+              <a:t> </a:t>
+            </a:r>
+            <a:r>
+              <a:rPr lang="en-US" baseline="0" dirty="0" smtClean="0"/>
+              <a:t>is another compressed block. This time we notice that not all of the columns in the data table contain pointers to symbols. </a:t>
             </a:r>
           </a:p>
           <a:p>
@@ -2466,8 +2569,21 @@
           <a:p>
             <a:r>
               <a:rPr lang="en-US" baseline="0" dirty="0" smtClean="0"/>
-              <a:t>This makes since because if the values only occurs once then </a:t>
-            </a:r>
+              <a:t>This makes since because if the values only </a:t>
+            </a:r>
+            <a:r>
+              <a:rPr lang="en-US" baseline="0" dirty="0" smtClean="0"/>
+              <a:t>occurs once, it will take more bytes to store the data.  The overhead for a symbols is at least 1 byte for the symbol, 2 bytes for a usage count, and 2 bytes for the symbol table row directory entry.</a:t>
+            </a:r>
+          </a:p>
+          <a:p>
+            <a:r>
+              <a:rPr lang="en-US" baseline="0" dirty="0" smtClean="0"/>
+              <a:t>So we would need to save at least 5 bytes for compression to be worthwhile.</a:t>
+            </a:r>
+          </a:p>
+          <a:p>
+            <a:endParaRPr lang="en-US" baseline="0" dirty="0" smtClean="0"/>
           </a:p>
           <a:p>
             <a:endParaRPr lang="en-US" baseline="0" dirty="0" smtClean="0"/>
@@ -2491,26 +2607,6 @@
             <a:endParaRPr lang="en-US" baseline="0" dirty="0" smtClean="0"/>
           </a:p>
           <a:p>
-            <a:r>
-              <a:rPr lang="en-US" baseline="0" dirty="0" smtClean="0"/>
-              <a:t>The overhead for a symbols is  1 byte for the symbol, 2 bytes for a usage count, and 2 bytes for the symbol table row directory entry.</a:t>
-            </a:r>
-          </a:p>
-          <a:p>
-            <a:r>
-              <a:rPr lang="en-US" baseline="0" dirty="0" smtClean="0"/>
-              <a:t>So we would need to save at least 5 bytes for compression to be </a:t>
-            </a:r>
-            <a:r>
-              <a:rPr lang="en-US" baseline="0" dirty="0" err="1" smtClean="0"/>
-              <a:t>worthwile</a:t>
-            </a:r>
-            <a:r>
-              <a:rPr lang="en-US" baseline="0" dirty="0" smtClean="0"/>
-              <a:t>.</a:t>
-            </a:r>
-          </a:p>
-          <a:p>
             <a:endParaRPr lang="en-US" baseline="0" dirty="0" smtClean="0"/>
           </a:p>
           <a:p>
@@ -2528,8 +2624,13 @@
           <a:p>
             <a:r>
               <a:rPr lang="en-US" baseline="0" dirty="0" smtClean="0"/>
-              <a:t>So how do you tell the difference between symbols and length bytes.</a:t>
-            </a:r>
+              <a:t>So how do you tell the difference between symbols and length </a:t>
+            </a:r>
+            <a:r>
+              <a:rPr lang="en-US" baseline="0" dirty="0" smtClean="0"/>
+              <a:t>bytes?</a:t>
+            </a:r>
+            <a:endParaRPr lang="en-US" baseline="0" dirty="0" smtClean="0"/>
           </a:p>
           <a:p>
             <a:endParaRPr lang="en-US" baseline="0" dirty="0" smtClean="0"/>
@@ -2629,21 +2730,44 @@
           <a:lstStyle/>
           <a:p>
             <a:r>
-              <a:rPr lang="en-US" dirty="0" smtClean="0"/>
-              <a:t>Add table for reference</a:t>
-            </a:r>
-          </a:p>
-          <a:p>
-            <a:endParaRPr lang="en-US" dirty="0" smtClean="0"/>
-          </a:p>
-          <a:p>
-            <a:r>
-              <a:rPr lang="en-US" dirty="0" smtClean="0"/>
-              <a:t>Explain</a:t>
-            </a:r>
-            <a:r>
               <a:rPr lang="en-US" baseline="0" dirty="0" smtClean="0"/>
-              <a:t> how col1 and col3 random to compress</a:t>
+              <a:t>To do this test, Column 1 and column 3 are random values.</a:t>
+            </a:r>
+          </a:p>
+          <a:p>
+            <a:endParaRPr lang="en-US" baseline="0" dirty="0" smtClean="0"/>
+          </a:p>
+          <a:p>
+            <a:r>
+              <a:rPr lang="en-US" baseline="0" dirty="0" smtClean="0"/>
+              <a:t>The symbol table works by overloading the length bytes. The first 199 are reserved for symbols. The length is calculated by subtracting 200 from the length byte, but the last 6 are reserved for special purposes which we will discuss as needed. We already know that FF is set aside for null.</a:t>
+            </a:r>
+          </a:p>
+          <a:p>
+            <a:endParaRPr lang="en-US" baseline="0" dirty="0" smtClean="0"/>
+          </a:p>
+          <a:p>
+            <a:r>
+              <a:rPr lang="en-US" baseline="0" dirty="0" smtClean="0"/>
+              <a:t>So, what happens when we have a value whose length is greater than 50 or more than 199 symbols?</a:t>
+            </a:r>
+          </a:p>
+          <a:p>
+            <a:endParaRPr lang="en-US" baseline="0" dirty="0" smtClean="0"/>
+          </a:p>
+          <a:p>
+            <a:r>
+              <a:rPr lang="en-US" baseline="0" dirty="0" smtClean="0"/>
+              <a:t>Well just as with an uncompressed block, they will need to be represented with multiple bytes. These are will be three bytes each, a special character to indicate what it is followed by two bytes for the value. </a:t>
+            </a:r>
+          </a:p>
+          <a:p>
+            <a:endParaRPr lang="en-US" baseline="0" dirty="0" smtClean="0"/>
+          </a:p>
+          <a:p>
+            <a:r>
+              <a:rPr lang="en-US" baseline="0" dirty="0" smtClean="0"/>
+              <a:t>Here you can see the binary dump of a compressed row.  </a:t>
             </a:r>
             <a:endParaRPr lang="en-GB" dirty="0"/>
           </a:p>
@@ -2747,11 +2871,34 @@
           <a:p>
             <a:r>
               <a:rPr lang="en-US" dirty="0" smtClean="0"/>
-              <a:t>Multiple columns</a:t>
+              <a:t>So lets take a look at this block.</a:t>
+            </a:r>
+          </a:p>
+          <a:p>
+            <a:r>
+              <a:rPr lang="en-US" dirty="0" smtClean="0"/>
+              <a:t>You see something strange happening with the row data.</a:t>
             </a:r>
             <a:r>
               <a:rPr lang="en-US" baseline="0" dirty="0" smtClean="0"/>
-              <a:t> compressed into 1</a:t>
+              <a:t> It looks just like the single column compressed row. </a:t>
+            </a:r>
+          </a:p>
+          <a:p>
+            <a:endParaRPr lang="en-US" baseline="0" dirty="0" smtClean="0"/>
+          </a:p>
+          <a:p>
+            <a:r>
+              <a:rPr lang="en-US" baseline="0" dirty="0" smtClean="0"/>
+              <a:t>Because symbols are stored in a table and the symbol itself is just a </a:t>
+            </a:r>
+            <a:r>
+              <a:rPr lang="en-US" baseline="0" dirty="0" err="1" smtClean="0"/>
+              <a:t>rownumber</a:t>
+            </a:r>
+            <a:r>
+              <a:rPr lang="en-US" baseline="0" dirty="0" smtClean="0"/>
+              <a:t>, multiple columns can be replaced by a single symbol</a:t>
             </a:r>
             <a:endParaRPr lang="en-GB" dirty="0"/>
           </a:p>
@@ -2780,7 +2927,7 @@
                 <a:latin typeface="Calibri" panose="020F0502020204030204"/>
               </a:rPr>
               <a:pPr/>
-              <a:t>9</a:t>
+              <a:t>8</a:t>
             </a:fld>
             <a:endParaRPr lang="en-GB">
               <a:solidFill>
@@ -2880,7 +3027,7 @@
             </a:pPr>
             <a:r>
               <a:rPr lang="en-US" baseline="0" dirty="0" smtClean="0"/>
-              <a:t>When does it compress? Formula?</a:t>
+              <a:t>In order to replace multiple columns with a single symbol, they must be contiguous.</a:t>
             </a:r>
           </a:p>
           <a:p>
@@ -2889,6 +3036,101 @@
               <a:buNone/>
             </a:pPr>
             <a:endParaRPr lang="en-US" baseline="0" dirty="0" smtClean="0"/>
+          </a:p>
+          <a:p>
+            <a:pPr marL="0" indent="0">
+              <a:buFontTx/>
+              <a:buNone/>
+            </a:pPr>
+            <a:r>
+              <a:rPr lang="en-US" baseline="0" dirty="0" smtClean="0"/>
+              <a:t>Should we put columns with the most likelihood of a duplicate value first?</a:t>
+            </a:r>
+          </a:p>
+          <a:p>
+            <a:pPr marL="0" indent="0">
+              <a:buFontTx/>
+              <a:buNone/>
+            </a:pPr>
+            <a:r>
+              <a:rPr lang="en-US" baseline="0" dirty="0" smtClean="0"/>
+              <a:t>Should our column order be dictated by the cardinality?</a:t>
+            </a:r>
+          </a:p>
+          <a:p>
+            <a:pPr marL="0" indent="0">
+              <a:buFontTx/>
+              <a:buNone/>
+            </a:pPr>
+            <a:endParaRPr lang="en-US" baseline="0" dirty="0" smtClean="0"/>
+          </a:p>
+          <a:p>
+            <a:pPr marL="0" indent="0">
+              <a:buFontTx/>
+              <a:buNone/>
+            </a:pPr>
+            <a:r>
+              <a:rPr lang="en-US" baseline="0" dirty="0" smtClean="0"/>
+              <a:t>Not really. The algorithm gives us the best of both worlds. Oracle will look at the data and reorder the columns to give us the best compression. </a:t>
+            </a:r>
+          </a:p>
+          <a:p>
+            <a:pPr marL="0" indent="0">
+              <a:buFontTx/>
+              <a:buNone/>
+            </a:pPr>
+            <a:endParaRPr lang="en-US" baseline="0" dirty="0" smtClean="0"/>
+          </a:p>
+          <a:p>
+            <a:pPr marL="0" indent="0">
+              <a:buFontTx/>
+              <a:buNone/>
+            </a:pPr>
+            <a:r>
+              <a:rPr lang="en-US" baseline="0" dirty="0" smtClean="0"/>
+              <a:t>Because this compression happens at the block level, each block can have a different column order.  </a:t>
+            </a:r>
+          </a:p>
+          <a:p>
+            <a:pPr marL="0" indent="0">
+              <a:buFontTx/>
+              <a:buNone/>
+            </a:pPr>
+            <a:endParaRPr lang="en-US" baseline="0" dirty="0" smtClean="0"/>
+          </a:p>
+          <a:p>
+            <a:pPr marL="0" indent="0">
+              <a:buFontTx/>
+              <a:buNone/>
+            </a:pPr>
+            <a:endParaRPr lang="en-US" baseline="0" dirty="0" smtClean="0"/>
+          </a:p>
+          <a:p>
+            <a:pPr marL="0" marR="0" lvl="0" indent="0" algn="l" defTabSz="914400" rtl="0" eaLnBrk="1" fontAlgn="auto" latinLnBrk="0" hangingPunct="1">
+              <a:lnSpc>
+                <a:spcPct val="100000"/>
+              </a:lnSpc>
+              <a:spcBef>
+                <a:spcPts val="600"/>
+              </a:spcBef>
+              <a:spcAft>
+                <a:spcPts val="0"/>
+              </a:spcAft>
+              <a:buClrTx/>
+              <a:buSzTx/>
+              <a:buFontTx/>
+              <a:buNone/>
+              <a:tabLst/>
+              <a:defRPr/>
+            </a:pPr>
+            <a:r>
+              <a:rPr lang="en-US" dirty="0" smtClean="0"/>
+              <a:t>The </a:t>
+            </a:r>
+            <a:r>
+              <a:rPr lang="en-US" baseline="0" dirty="0" smtClean="0"/>
+              <a:t>permutation maps how to recreate the row in the column order specified during table creation. This does, however, limit you to only 1 permutation per block. </a:t>
+            </a:r>
           </a:p>
           <a:p>
             <a:pPr marL="0" indent="0">
@@ -2922,7 +3164,7 @@
                 <a:latin typeface="Calibri" panose="020F0502020204030204"/>
               </a:rPr>
               <a:pPr/>
-              <a:t>10</a:t>
+              <a:t>9</a:t>
             </a:fld>
             <a:endParaRPr lang="en-GB">
               <a:solidFill>
@@ -3212,7 +3454,7 @@
           <a:p>
             <a:fld id="{80C853A8-1CF5-4118-9D6D-C132E8FC53CB}" type="datetimeFigureOut">
               <a:rPr lang="en-US" smtClean="0"/>
-              <a:t>3/5/2018</a:t>
+              <a:t>2018-03-05</a:t>
             </a:fld>
             <a:endParaRPr lang="en-US"/>
           </a:p>
@@ -4311,7 +4553,7 @@
             <a:fld id="{80C853A8-1CF5-4118-9D6D-C132E8FC53CB}" type="datetimeFigureOut">
               <a:rPr lang="en-US" smtClean="0"/>
               <a:pPr/>
-              <a:t>3/5/2018</a:t>
+              <a:t>2018-03-05</a:t>
             </a:fld>
             <a:endParaRPr lang="en-US"/>
           </a:p>
@@ -4517,7 +4759,7 @@
           <a:p>
             <a:fld id="{80C853A8-1CF5-4118-9D6D-C132E8FC53CB}" type="datetimeFigureOut">
               <a:rPr lang="en-US" smtClean="0"/>
-              <a:t>3/5/2018</a:t>
+              <a:t>2018-03-05</a:t>
             </a:fld>
             <a:endParaRPr lang="en-US"/>
           </a:p>
@@ -4654,7 +4896,7 @@
           <a:p>
             <a:fld id="{80C853A8-1CF5-4118-9D6D-C132E8FC53CB}" type="datetimeFigureOut">
               <a:rPr lang="en-US" smtClean="0"/>
-              <a:t>3/5/2018</a:t>
+              <a:t>2018-03-05</a:t>
             </a:fld>
             <a:endParaRPr lang="en-US"/>
           </a:p>
@@ -4946,7 +5188,7 @@
           <a:p>
             <a:fld id="{80C853A8-1CF5-4118-9D6D-C132E8FC53CB}" type="datetimeFigureOut">
               <a:rPr lang="en-US" smtClean="0"/>
-              <a:t>3/5/2018</a:t>
+              <a:t>2018-03-05</a:t>
             </a:fld>
             <a:endParaRPr lang="en-US"/>
           </a:p>
@@ -5336,7 +5578,7 @@
           <a:p>
             <a:fld id="{80C853A8-1CF5-4118-9D6D-C132E8FC53CB}" type="datetimeFigureOut">
               <a:rPr lang="en-US" smtClean="0"/>
-              <a:t>3/5/2018</a:t>
+              <a:t>2018-03-05</a:t>
             </a:fld>
             <a:endParaRPr lang="en-US"/>
           </a:p>
@@ -5473,7 +5715,7 @@
           <a:p>
             <a:fld id="{80C853A8-1CF5-4118-9D6D-C132E8FC53CB}" type="datetimeFigureOut">
               <a:rPr lang="en-US" smtClean="0"/>
-              <a:t>3/5/2018</a:t>
+              <a:t>2018-03-05</a:t>
             </a:fld>
             <a:endParaRPr lang="en-US"/>
           </a:p>
@@ -5685,7 +5927,7 @@
           <a:p>
             <a:fld id="{80C853A8-1CF5-4118-9D6D-C132E8FC53CB}" type="datetimeFigureOut">
               <a:rPr lang="en-US" smtClean="0"/>
-              <a:t>3/5/2018</a:t>
+              <a:t>2018-03-05</a:t>
             </a:fld>
             <a:endParaRPr lang="en-US"/>
           </a:p>
@@ -6001,7 +6243,7 @@
           <a:p>
             <a:fld id="{80C853A8-1CF5-4118-9D6D-C132E8FC53CB}" type="datetimeFigureOut">
               <a:rPr lang="en-US" smtClean="0"/>
-              <a:t>3/5/2018</a:t>
+              <a:t>2018-03-05</a:t>
             </a:fld>
             <a:endParaRPr lang="en-US"/>
           </a:p>
@@ -6461,7 +6703,7 @@
           <a:p>
             <a:fld id="{80C853A8-1CF5-4118-9D6D-C132E8FC53CB}" type="datetimeFigureOut">
               <a:rPr lang="en-US" smtClean="0"/>
-              <a:t>3/5/2018</a:t>
+              <a:t>2018-03-05</a:t>
             </a:fld>
             <a:endParaRPr lang="en-US"/>
           </a:p>
@@ -7019,7 +7261,7 @@
           <a:p>
             <a:fld id="{80C853A8-1CF5-4118-9D6D-C132E8FC53CB}" type="datetimeFigureOut">
               <a:rPr lang="en-US" smtClean="0"/>
-              <a:t>3/5/2018</a:t>
+              <a:t>2018-03-05</a:t>
             </a:fld>
             <a:endParaRPr lang="en-US"/>
           </a:p>
@@ -7376,7 +7618,7 @@
             <a:fld id="{80C853A8-1CF5-4118-9D6D-C132E8FC53CB}" type="datetimeFigureOut">
               <a:rPr lang="en-US" smtClean="0"/>
               <a:pPr/>
-              <a:t>3/5/2018</a:t>
+              <a:t>2018-03-05</a:t>
             </a:fld>
             <a:endParaRPr lang="en-US"/>
           </a:p>
@@ -7906,7 +8148,7 @@
           <a:p>
             <a:fld id="{80C853A8-1CF5-4118-9D6D-C132E8FC53CB}" type="datetimeFigureOut">
               <a:rPr lang="en-US" smtClean="0"/>
-              <a:t>3/5/2018</a:t>
+              <a:t>2018-03-05</a:t>
             </a:fld>
             <a:endParaRPr lang="en-US"/>
           </a:p>
@@ -8309,7 +8551,7 @@
           <a:p>
             <a:fld id="{80C853A8-1CF5-4118-9D6D-C132E8FC53CB}" type="datetimeFigureOut">
               <a:rPr lang="en-US" smtClean="0"/>
-              <a:t>3/5/2018</a:t>
+              <a:t>2018-03-05</a:t>
             </a:fld>
             <a:endParaRPr lang="en-US"/>
           </a:p>
@@ -8922,7 +9164,7 @@
           <a:p>
             <a:fld id="{80C853A8-1CF5-4118-9D6D-C132E8FC53CB}" type="datetimeFigureOut">
               <a:rPr lang="en-US" smtClean="0"/>
-              <a:t>3/5/2018</a:t>
+              <a:t>2018-03-05</a:t>
             </a:fld>
             <a:endParaRPr lang="en-US"/>
           </a:p>
@@ -9794,7 +10036,7 @@
           <a:p>
             <a:fld id="{80C853A8-1CF5-4118-9D6D-C132E8FC53CB}" type="datetimeFigureOut">
               <a:rPr lang="en-US" smtClean="0"/>
-              <a:t>3/5/2018</a:t>
+              <a:t>2018-03-05</a:t>
             </a:fld>
             <a:endParaRPr lang="en-US"/>
           </a:p>
@@ -10077,7 +10319,7 @@
           <a:p>
             <a:fld id="{80C853A8-1CF5-4118-9D6D-C132E8FC53CB}" type="datetimeFigureOut">
               <a:rPr lang="en-US" smtClean="0"/>
-              <a:t>3/5/2018</a:t>
+              <a:t>2018-03-05</a:t>
             </a:fld>
             <a:endParaRPr lang="en-US"/>
           </a:p>
@@ -10290,7 +10532,7 @@
           <a:p>
             <a:fld id="{80C853A8-1CF5-4118-9D6D-C132E8FC53CB}" type="datetimeFigureOut">
               <a:rPr lang="en-US" smtClean="0"/>
-              <a:t>3/5/2018</a:t>
+              <a:t>2018-03-05</a:t>
             </a:fld>
             <a:endParaRPr lang="en-US"/>
           </a:p>
@@ -10590,7 +10832,7 @@
           <a:p>
             <a:fld id="{80C853A8-1CF5-4118-9D6D-C132E8FC53CB}" type="datetimeFigureOut">
               <a:rPr lang="en-US" smtClean="0"/>
-              <a:t>3/5/2018</a:t>
+              <a:t>2018-03-05</a:t>
             </a:fld>
             <a:endParaRPr lang="en-US"/>
           </a:p>
@@ -11010,7 +11252,7 @@
           <a:p>
             <a:fld id="{80C853A8-1CF5-4118-9D6D-C132E8FC53CB}" type="datetimeFigureOut">
               <a:rPr lang="en-US" smtClean="0"/>
-              <a:t>3/5/2018</a:t>
+              <a:t>2018-03-05</a:t>
             </a:fld>
             <a:endParaRPr lang="en-US"/>
           </a:p>
@@ -11543,7 +11785,7 @@
           <a:p>
             <a:fld id="{80C853A8-1CF5-4118-9D6D-C132E8FC53CB}" type="datetimeFigureOut">
               <a:rPr lang="en-US" smtClean="0"/>
-              <a:t>3/5/2018</a:t>
+              <a:t>2018-03-05</a:t>
             </a:fld>
             <a:endParaRPr lang="en-US"/>
           </a:p>
@@ -11742,7 +11984,7 @@
           <a:p>
             <a:fld id="{80C853A8-1CF5-4118-9D6D-C132E8FC53CB}" type="datetimeFigureOut">
               <a:rPr lang="en-US" smtClean="0"/>
-              <a:t>3/5/2018</a:t>
+              <a:t>2018-03-05</a:t>
             </a:fld>
             <a:endParaRPr lang="en-US"/>
           </a:p>
@@ -12010,7 +12252,7 @@
           <a:p>
             <a:fld id="{80C853A8-1CF5-4118-9D6D-C132E8FC53CB}" type="datetimeFigureOut">
               <a:rPr lang="en-US" smtClean="0"/>
-              <a:t>3/5/2018</a:t>
+              <a:t>2018-03-05</a:t>
             </a:fld>
             <a:endParaRPr lang="en-US"/>
           </a:p>
@@ -16429,7 +16671,7 @@
             <a:fld id="{80C853A8-1CF5-4118-9D6D-C132E8FC53CB}" type="datetimeFigureOut">
               <a:rPr lang="en-US" smtClean="0"/>
               <a:pPr/>
-              <a:t>3/5/2018</a:t>
+              <a:t>2018-03-05</a:t>
             </a:fld>
             <a:endParaRPr lang="en-US"/>
           </a:p>
@@ -24430,7 +24672,7 @@
             <a:fld id="{80C853A8-1CF5-4118-9D6D-C132E8FC53CB}" type="datetimeFigureOut">
               <a:rPr lang="en-US" smtClean="0"/>
               <a:pPr/>
-              <a:t>3/5/2018</a:t>
+              <a:t>2018-03-05</a:t>
             </a:fld>
             <a:endParaRPr lang="en-US"/>
           </a:p>
@@ -26539,777 +26781,6 @@
 <file path=ppt/slides/slide10.xml><?xml version="1.0" encoding="utf-8"?>
 <p:sld xmlns:a="http://schemas.openxmlformats.org/drawingml/2006/main" xmlns:r="http://schemas.openxmlformats.org/officeDocument/2006/relationships" xmlns:p="http://schemas.openxmlformats.org/presentationml/2006/main">
   <p:cSld>
-    <p:spTree>
-      <p:nvGrpSpPr>
-        <p:cNvPr id="1" name=""/>
-        <p:cNvGrpSpPr/>
-        <p:nvPr/>
-      </p:nvGrpSpPr>
-      <p:grpSpPr>
-        <a:xfrm>
-          <a:off x="0" y="0"/>
-          <a:ext cx="0" cy="0"/>
-          <a:chOff x="0" y="0"/>
-          <a:chExt cx="0" cy="0"/>
-        </a:xfrm>
-      </p:grpSpPr>
-      <p:sp>
-        <p:nvSpPr>
-          <p:cNvPr id="3" name="TextBox 2"/>
-          <p:cNvSpPr txBox="1"/>
-          <p:nvPr/>
-        </p:nvSpPr>
-        <p:spPr>
-          <a:xfrm>
-            <a:off x="4208391" y="1838547"/>
-            <a:ext cx="7697480" cy="4255677"/>
-          </a:xfrm>
-          <a:prstGeom prst="rect">
-            <a:avLst/>
-          </a:prstGeom>
-          <a:noFill/>
-          <a:ln w="12700" cap="rnd" cmpd="sng">
-            <a:solidFill>
-              <a:schemeClr val="tx1">
-                <a:alpha val="50000"/>
-              </a:schemeClr>
-            </a:solidFill>
-            <a:prstDash val="sysDash"/>
-          </a:ln>
-        </p:spPr>
-        <p:txBody>
-          <a:bodyPr wrap="square" lIns="182832" tIns="182832" rIns="182832" bIns="182832" rtlCol="0">
-            <a:noAutofit/>
-          </a:bodyPr>
-          <a:lstStyle/>
-          <a:p>
-            <a:pPr>
-              <a:lnSpc>
-                <a:spcPct val="90000"/>
-              </a:lnSpc>
-            </a:pPr>
-            <a:r>
-              <a:rPr lang="en-US" sz="1799" dirty="0">
-                <a:solidFill>
-                  <a:prstClr val="black"/>
-                </a:solidFill>
-                <a:latin typeface="Consolas" panose="020B0609020204030204" pitchFamily="49" charset="0"/>
-              </a:rPr>
-              <a:t>...</a:t>
-            </a:r>
-          </a:p>
-          <a:p>
-            <a:pPr>
-              <a:lnSpc>
-                <a:spcPct val="90000"/>
-              </a:lnSpc>
-            </a:pPr>
-            <a:r>
-              <a:rPr lang="en-US" sz="1799" b="1" dirty="0">
-                <a:solidFill>
-                  <a:prstClr val="black"/>
-                </a:solidFill>
-                <a:latin typeface="Consolas" panose="020B0609020204030204" pitchFamily="49" charset="0"/>
-              </a:rPr>
-              <a:t>perm_9ir2[3]={ 0 2 1 }</a:t>
-            </a:r>
-          </a:p>
-          <a:p>
-            <a:pPr>
-              <a:lnSpc>
-                <a:spcPct val="90000"/>
-              </a:lnSpc>
-            </a:pPr>
-            <a:r>
-              <a:rPr lang="en-US" sz="1799" dirty="0">
-                <a:solidFill>
-                  <a:prstClr val="black"/>
-                </a:solidFill>
-                <a:latin typeface="Consolas" panose="020B0609020204030204" pitchFamily="49" charset="0"/>
-              </a:rPr>
-              <a:t>...</a:t>
-            </a:r>
-          </a:p>
-          <a:p>
-            <a:pPr>
-              <a:lnSpc>
-                <a:spcPct val="90000"/>
-              </a:lnSpc>
-            </a:pPr>
-            <a:r>
-              <a:rPr lang="en-US" sz="1799" dirty="0" err="1">
-                <a:solidFill>
-                  <a:prstClr val="black"/>
-                </a:solidFill>
-                <a:latin typeface="Consolas" panose="020B0609020204030204" pitchFamily="49" charset="0"/>
-              </a:rPr>
-              <a:t>block_row_dump</a:t>
-            </a:r>
-            <a:r>
-              <a:rPr lang="en-US" sz="1799" dirty="0">
-                <a:solidFill>
-                  <a:prstClr val="black"/>
-                </a:solidFill>
-                <a:latin typeface="Consolas" panose="020B0609020204030204" pitchFamily="49" charset="0"/>
-              </a:rPr>
-              <a:t>:</a:t>
-            </a:r>
-          </a:p>
-          <a:p>
-            <a:pPr>
-              <a:lnSpc>
-                <a:spcPct val="90000"/>
-              </a:lnSpc>
-            </a:pPr>
-            <a:r>
-              <a:rPr lang="en-US" sz="1799" dirty="0">
-                <a:solidFill>
-                  <a:prstClr val="black"/>
-                </a:solidFill>
-                <a:latin typeface="Consolas" panose="020B0609020204030204" pitchFamily="49" charset="0"/>
-              </a:rPr>
-              <a:t>tab 0, row 0, @0x1f67</a:t>
-            </a:r>
-          </a:p>
-          <a:p>
-            <a:pPr>
-              <a:lnSpc>
-                <a:spcPct val="90000"/>
-              </a:lnSpc>
-            </a:pPr>
-            <a:r>
-              <a:rPr lang="en-US" sz="1799" dirty="0" err="1">
-                <a:solidFill>
-                  <a:prstClr val="black"/>
-                </a:solidFill>
-                <a:latin typeface="Consolas" panose="020B0609020204030204" pitchFamily="49" charset="0"/>
-              </a:rPr>
-              <a:t>tl</a:t>
-            </a:r>
-            <a:r>
-              <a:rPr lang="en-US" sz="1799" dirty="0">
-                <a:solidFill>
-                  <a:prstClr val="black"/>
-                </a:solidFill>
-                <a:latin typeface="Consolas" panose="020B0609020204030204" pitchFamily="49" charset="0"/>
-              </a:rPr>
-              <a:t>: 25 </a:t>
-            </a:r>
-            <a:r>
-              <a:rPr lang="en-US" sz="1799" dirty="0">
-                <a:solidFill>
-                  <a:srgbClr val="E5E8E8">
-                    <a:lumMod val="90000"/>
-                  </a:srgbClr>
-                </a:solidFill>
-                <a:latin typeface="Consolas" panose="020B0609020204030204" pitchFamily="49" charset="0"/>
-              </a:rPr>
-              <a:t>fb: --H-FL-- </a:t>
-            </a:r>
-            <a:r>
-              <a:rPr lang="en-US" sz="1799" dirty="0" err="1">
-                <a:solidFill>
-                  <a:srgbClr val="E5E8E8">
-                    <a:lumMod val="90000"/>
-                  </a:srgbClr>
-                </a:solidFill>
-                <a:latin typeface="Consolas" panose="020B0609020204030204" pitchFamily="49" charset="0"/>
-              </a:rPr>
-              <a:t>lb</a:t>
-            </a:r>
-            <a:r>
-              <a:rPr lang="en-US" sz="1799" dirty="0">
-                <a:solidFill>
-                  <a:srgbClr val="E5E8E8">
-                    <a:lumMod val="90000"/>
-                  </a:srgbClr>
-                </a:solidFill>
-                <a:latin typeface="Consolas" panose="020B0609020204030204" pitchFamily="49" charset="0"/>
-              </a:rPr>
-              <a:t>: 0x0  cc: 2</a:t>
-            </a:r>
-          </a:p>
-          <a:p>
-            <a:pPr>
-              <a:lnSpc>
-                <a:spcPct val="90000"/>
-              </a:lnSpc>
-            </a:pPr>
-            <a:r>
-              <a:rPr lang="en-US" sz="1799" dirty="0">
-                <a:solidFill>
-                  <a:srgbClr val="E5E8E8">
-                    <a:lumMod val="90000"/>
-                  </a:srgbClr>
-                </a:solidFill>
-                <a:latin typeface="Consolas" panose="020B0609020204030204" pitchFamily="49" charset="0"/>
-              </a:rPr>
-              <a:t>col  0: [10]  41 41 41 41 41 41 41 41 41 41</a:t>
-            </a:r>
-          </a:p>
-          <a:p>
-            <a:pPr>
-              <a:lnSpc>
-                <a:spcPct val="90000"/>
-              </a:lnSpc>
-            </a:pPr>
-            <a:r>
-              <a:rPr lang="en-US" sz="1799" dirty="0">
-                <a:solidFill>
-                  <a:srgbClr val="E5E8E8">
-                    <a:lumMod val="90000"/>
-                  </a:srgbClr>
-                </a:solidFill>
-                <a:latin typeface="Consolas" panose="020B0609020204030204" pitchFamily="49" charset="0"/>
-              </a:rPr>
-              <a:t>col  1: [10]  42 42 42 42 42 42 42 42 42 42</a:t>
-            </a:r>
-          </a:p>
-          <a:p>
-            <a:pPr>
-              <a:lnSpc>
-                <a:spcPct val="90000"/>
-              </a:lnSpc>
-            </a:pPr>
-            <a:r>
-              <a:rPr lang="en-US" sz="1799" dirty="0" err="1">
-                <a:solidFill>
-                  <a:srgbClr val="E5E8E8">
-                    <a:lumMod val="90000"/>
-                  </a:srgbClr>
-                </a:solidFill>
-                <a:latin typeface="Consolas" panose="020B0609020204030204" pitchFamily="49" charset="0"/>
-              </a:rPr>
-              <a:t>bindmp</a:t>
-            </a:r>
-            <a:r>
-              <a:rPr lang="en-US" sz="1799" dirty="0">
-                <a:solidFill>
-                  <a:srgbClr val="E5E8E8">
-                    <a:lumMod val="90000"/>
-                  </a:srgbClr>
-                </a:solidFill>
-                <a:latin typeface="Consolas" panose="020B0609020204030204" pitchFamily="49" charset="0"/>
-              </a:rPr>
-              <a:t>: 01 d5 02 d2 41 41 41 41 41 41 41 41 41 41 d2 42 42 42 42 42 42 42 42 42 42</a:t>
-            </a:r>
-          </a:p>
-          <a:p>
-            <a:pPr>
-              <a:lnSpc>
-                <a:spcPct val="90000"/>
-              </a:lnSpc>
-            </a:pPr>
-            <a:r>
-              <a:rPr lang="en-US" sz="1799" dirty="0">
-                <a:solidFill>
-                  <a:prstClr val="black"/>
-                </a:solidFill>
-                <a:latin typeface="Consolas" panose="020B0609020204030204" pitchFamily="49" charset="0"/>
-              </a:rPr>
-              <a:t>tab 1, row 0, @0x1f58</a:t>
-            </a:r>
-          </a:p>
-          <a:p>
-            <a:pPr>
-              <a:lnSpc>
-                <a:spcPct val="90000"/>
-              </a:lnSpc>
-            </a:pPr>
-            <a:r>
-              <a:rPr lang="en-US" sz="1799" dirty="0" err="1">
-                <a:solidFill>
-                  <a:prstClr val="black"/>
-                </a:solidFill>
-                <a:latin typeface="Consolas" panose="020B0609020204030204" pitchFamily="49" charset="0"/>
-              </a:rPr>
-              <a:t>tl</a:t>
-            </a:r>
-            <a:r>
-              <a:rPr lang="en-US" sz="1799" dirty="0">
-                <a:solidFill>
-                  <a:prstClr val="black"/>
-                </a:solidFill>
-                <a:latin typeface="Consolas" panose="020B0609020204030204" pitchFamily="49" charset="0"/>
-              </a:rPr>
-              <a:t>: 15 </a:t>
-            </a:r>
-            <a:r>
-              <a:rPr lang="en-US" sz="1799" dirty="0">
-                <a:solidFill>
-                  <a:srgbClr val="E5E8E8">
-                    <a:lumMod val="90000"/>
-                  </a:srgbClr>
-                </a:solidFill>
-                <a:latin typeface="Consolas" panose="020B0609020204030204" pitchFamily="49" charset="0"/>
-              </a:rPr>
-              <a:t>fb: --H-FL-- </a:t>
-            </a:r>
-            <a:r>
-              <a:rPr lang="en-US" sz="1799" dirty="0" err="1">
-                <a:solidFill>
-                  <a:srgbClr val="E5E8E8">
-                    <a:lumMod val="90000"/>
-                  </a:srgbClr>
-                </a:solidFill>
-                <a:latin typeface="Consolas" panose="020B0609020204030204" pitchFamily="49" charset="0"/>
-              </a:rPr>
-              <a:t>lb</a:t>
-            </a:r>
-            <a:r>
-              <a:rPr lang="en-US" sz="1799" dirty="0">
-                <a:solidFill>
-                  <a:srgbClr val="E5E8E8">
-                    <a:lumMod val="90000"/>
-                  </a:srgbClr>
-                </a:solidFill>
-                <a:latin typeface="Consolas" panose="020B0609020204030204" pitchFamily="49" charset="0"/>
-              </a:rPr>
-              <a:t>: 0x0  cc: 3</a:t>
-            </a:r>
-          </a:p>
-          <a:p>
-            <a:pPr>
-              <a:lnSpc>
-                <a:spcPct val="90000"/>
-              </a:lnSpc>
-            </a:pPr>
-            <a:r>
-              <a:rPr lang="en-US" sz="1799" dirty="0">
-                <a:solidFill>
-                  <a:srgbClr val="E5E8E8">
-                    <a:lumMod val="90000"/>
-                  </a:srgbClr>
-                </a:solidFill>
-                <a:latin typeface="Consolas" panose="020B0609020204030204" pitchFamily="49" charset="0"/>
-              </a:rPr>
-              <a:t>col  0: [10]  41 41 41 41 41 41 41 41 41 41</a:t>
-            </a:r>
-          </a:p>
-          <a:p>
-            <a:pPr>
-              <a:lnSpc>
-                <a:spcPct val="90000"/>
-              </a:lnSpc>
-            </a:pPr>
-            <a:r>
-              <a:rPr lang="en-US" sz="1799" dirty="0">
-                <a:solidFill>
-                  <a:srgbClr val="E5E8E8">
-                    <a:lumMod val="90000"/>
-                  </a:srgbClr>
-                </a:solidFill>
-                <a:latin typeface="Consolas" panose="020B0609020204030204" pitchFamily="49" charset="0"/>
-              </a:rPr>
-              <a:t>col  1: [10]  42 42 42 42 42 42 42 42 42 42</a:t>
-            </a:r>
-          </a:p>
-          <a:p>
-            <a:pPr>
-              <a:lnSpc>
-                <a:spcPct val="90000"/>
-              </a:lnSpc>
-            </a:pPr>
-            <a:r>
-              <a:rPr lang="en-US" sz="1799" dirty="0">
-                <a:solidFill>
-                  <a:srgbClr val="E5E8E8">
-                    <a:lumMod val="90000"/>
-                  </a:srgbClr>
-                </a:solidFill>
-                <a:latin typeface="Consolas" panose="020B0609020204030204" pitchFamily="49" charset="0"/>
-              </a:rPr>
-              <a:t>col  2: [10]  49 4a 4d 4f 52 4a 48 45 59 41</a:t>
-            </a:r>
-          </a:p>
-          <a:p>
-            <a:pPr>
-              <a:lnSpc>
-                <a:spcPct val="90000"/>
-              </a:lnSpc>
-            </a:pPr>
-            <a:r>
-              <a:rPr lang="en-US" sz="1799" b="1" dirty="0" err="1">
-                <a:solidFill>
-                  <a:prstClr val="black"/>
-                </a:solidFill>
-                <a:highlight>
-                  <a:srgbClr val="FFFF00"/>
-                </a:highlight>
-                <a:latin typeface="Consolas" panose="020B0609020204030204" pitchFamily="49" charset="0"/>
-                <a:ea typeface="Calibri" panose="020F0502020204030204" pitchFamily="34" charset="0"/>
-                <a:cs typeface="Times New Roman" panose="02020603050405020304" pitchFamily="18" charset="0"/>
-              </a:rPr>
-              <a:t>bindmp</a:t>
-            </a:r>
-            <a:r>
-              <a:rPr lang="en-US" sz="1799" b="1" dirty="0">
-                <a:solidFill>
-                  <a:prstClr val="black"/>
-                </a:solidFill>
-                <a:highlight>
-                  <a:srgbClr val="FFFF00"/>
-                </a:highlight>
-                <a:latin typeface="Consolas" panose="020B0609020204030204" pitchFamily="49" charset="0"/>
-                <a:ea typeface="Calibri" panose="020F0502020204030204" pitchFamily="34" charset="0"/>
-                <a:cs typeface="Times New Roman" panose="02020603050405020304" pitchFamily="18" charset="0"/>
-              </a:rPr>
-              <a:t>: 2c 00 02 00 d2 49 4a 4d 4f 52 4a 48 45 59 41</a:t>
-            </a:r>
-          </a:p>
-          <a:p>
-            <a:pPr>
-              <a:lnSpc>
-                <a:spcPct val="90000"/>
-              </a:lnSpc>
-            </a:pPr>
-            <a:endParaRPr lang="en-US" sz="1799" dirty="0">
-              <a:solidFill>
-                <a:prstClr val="black"/>
-              </a:solidFill>
-              <a:latin typeface="Consolas" panose="020B0609020204030204" pitchFamily="49" charset="0"/>
-            </a:endParaRPr>
-          </a:p>
-          <a:p>
-            <a:pPr>
-              <a:lnSpc>
-                <a:spcPct val="90000"/>
-              </a:lnSpc>
-            </a:pPr>
-            <a:endParaRPr lang="en-US" sz="1799" dirty="0">
-              <a:solidFill>
-                <a:prstClr val="black"/>
-              </a:solidFill>
-              <a:latin typeface="Consolas" panose="020B0609020204030204" pitchFamily="49" charset="0"/>
-            </a:endParaRPr>
-          </a:p>
-          <a:p>
-            <a:pPr>
-              <a:lnSpc>
-                <a:spcPct val="90000"/>
-              </a:lnSpc>
-            </a:pPr>
-            <a:endParaRPr lang="en-US" sz="1799" dirty="0">
-              <a:solidFill>
-                <a:prstClr val="black"/>
-              </a:solidFill>
-              <a:latin typeface="Consolas" panose="020B0609020204030204" pitchFamily="49" charset="0"/>
-            </a:endParaRPr>
-          </a:p>
-          <a:p>
-            <a:pPr>
-              <a:lnSpc>
-                <a:spcPct val="90000"/>
-              </a:lnSpc>
-            </a:pPr>
-            <a:endParaRPr lang="en-US" sz="1799" dirty="0">
-              <a:solidFill>
-                <a:prstClr val="black"/>
-              </a:solidFill>
-              <a:latin typeface="Consolas" panose="020B0609020204030204" pitchFamily="49" charset="0"/>
-            </a:endParaRPr>
-          </a:p>
-        </p:txBody>
-      </p:sp>
-      <p:sp>
-        <p:nvSpPr>
-          <p:cNvPr id="5" name="Title 3"/>
-          <p:cNvSpPr txBox="1">
-            <a:spLocks/>
-          </p:cNvSpPr>
-          <p:nvPr/>
-        </p:nvSpPr>
-        <p:spPr>
-          <a:xfrm>
-            <a:off x="609441" y="246254"/>
-            <a:ext cx="10969943" cy="502591"/>
-          </a:xfrm>
-          <a:prstGeom prst="rect">
-            <a:avLst/>
-          </a:prstGeom>
-        </p:spPr>
-        <p:txBody>
-          <a:bodyPr vert="horz" lIns="0" tIns="0" rIns="0" bIns="0" rtlCol="0" anchor="b" anchorCtr="0">
-            <a:noAutofit/>
-          </a:bodyPr>
-          <a:lstStyle>
-            <a:lvl1pPr algn="l" defTabSz="914400" rtl="0" eaLnBrk="1" latinLnBrk="0" hangingPunct="1">
-              <a:lnSpc>
-                <a:spcPct val="90000"/>
-              </a:lnSpc>
-              <a:spcBef>
-                <a:spcPct val="0"/>
-              </a:spcBef>
-              <a:buNone/>
-              <a:defRPr sz="2800" b="1" kern="1200">
-                <a:solidFill>
-                  <a:schemeClr val="tx1"/>
-                </a:solidFill>
-                <a:latin typeface="+mj-lt"/>
-                <a:ea typeface="+mj-ea"/>
-                <a:cs typeface="+mj-cs"/>
-              </a:defRPr>
-            </a:lvl1pPr>
-          </a:lstStyle>
-          <a:p>
-            <a:r>
-              <a:rPr lang="en-US" dirty="0">
-                <a:solidFill>
-                  <a:prstClr val="black"/>
-                </a:solidFill>
-              </a:rPr>
-              <a:t>Column Reordering</a:t>
-            </a:r>
-            <a:endParaRPr lang="en-GB" dirty="0">
-              <a:solidFill>
-                <a:prstClr val="black"/>
-              </a:solidFill>
-            </a:endParaRPr>
-          </a:p>
-        </p:txBody>
-      </p:sp>
-      <p:cxnSp>
-        <p:nvCxnSpPr>
-          <p:cNvPr id="4" name="Straight Arrow Connector 3"/>
-          <p:cNvCxnSpPr>
-            <a:stCxn id="6" idx="1"/>
-          </p:cNvCxnSpPr>
-          <p:nvPr/>
-        </p:nvCxnSpPr>
-        <p:spPr>
-          <a:xfrm flipH="1">
-            <a:off x="7246540" y="1448613"/>
-            <a:ext cx="1080120" cy="900267"/>
-          </a:xfrm>
-          <a:prstGeom prst="straightConnector1">
-            <a:avLst/>
-          </a:prstGeom>
-          <a:ln w="19050">
-            <a:solidFill>
-              <a:schemeClr val="tx1"/>
-            </a:solidFill>
-            <a:miter lim="800000"/>
-            <a:tailEnd type="triangle"/>
-          </a:ln>
-        </p:spPr>
-        <p:style>
-          <a:lnRef idx="1">
-            <a:schemeClr val="accent1"/>
-          </a:lnRef>
-          <a:fillRef idx="0">
-            <a:schemeClr val="accent1"/>
-          </a:fillRef>
-          <a:effectRef idx="0">
-            <a:schemeClr val="accent1"/>
-          </a:effectRef>
-          <a:fontRef idx="minor">
-            <a:schemeClr val="tx1"/>
-          </a:fontRef>
-        </p:style>
-      </p:cxnSp>
-      <p:sp>
-        <p:nvSpPr>
-          <p:cNvPr id="6" name="TextBox 5"/>
-          <p:cNvSpPr txBox="1"/>
-          <p:nvPr/>
-        </p:nvSpPr>
-        <p:spPr>
-          <a:xfrm>
-            <a:off x="8326660" y="1196752"/>
-            <a:ext cx="1399223" cy="503722"/>
-          </a:xfrm>
-          <a:prstGeom prst="rect">
-            <a:avLst/>
-          </a:prstGeom>
-          <a:noFill/>
-        </p:spPr>
-        <p:txBody>
-          <a:bodyPr wrap="none" lIns="0" tIns="0" rIns="0" bIns="0" rtlCol="0">
-            <a:noAutofit/>
-          </a:bodyPr>
-          <a:lstStyle/>
-          <a:p>
-            <a:pPr>
-              <a:lnSpc>
-                <a:spcPct val="90000"/>
-              </a:lnSpc>
-            </a:pPr>
-            <a:r>
-              <a:rPr lang="en-US" sz="1799" dirty="0">
-                <a:solidFill>
-                  <a:prstClr val="black"/>
-                </a:solidFill>
-              </a:rPr>
-              <a:t>Column order </a:t>
-            </a:r>
-          </a:p>
-          <a:p>
-            <a:pPr>
-              <a:lnSpc>
-                <a:spcPct val="90000"/>
-              </a:lnSpc>
-            </a:pPr>
-            <a:r>
-              <a:rPr lang="en-US" sz="1799" dirty="0">
-                <a:solidFill>
-                  <a:prstClr val="black"/>
-                </a:solidFill>
-              </a:rPr>
-              <a:t>for this block</a:t>
-            </a:r>
-          </a:p>
-        </p:txBody>
-      </p:sp>
-      <p:sp>
-        <p:nvSpPr>
-          <p:cNvPr id="10" name="TextBox 9"/>
-          <p:cNvSpPr txBox="1"/>
-          <p:nvPr/>
-        </p:nvSpPr>
-        <p:spPr>
-          <a:xfrm>
-            <a:off x="406464" y="1976772"/>
-            <a:ext cx="3554039" cy="1045447"/>
-          </a:xfrm>
-          <a:prstGeom prst="rect">
-            <a:avLst/>
-          </a:prstGeom>
-          <a:noFill/>
-        </p:spPr>
-        <p:txBody>
-          <a:bodyPr wrap="none" lIns="0" tIns="0" rIns="0" bIns="0" rtlCol="0">
-            <a:noAutofit/>
-          </a:bodyPr>
-          <a:lstStyle/>
-          <a:p>
-            <a:pPr>
-              <a:lnSpc>
-                <a:spcPct val="90000"/>
-              </a:lnSpc>
-            </a:pPr>
-            <a:r>
-              <a:rPr lang="en-GB" sz="1799" dirty="0">
-                <a:solidFill>
-                  <a:prstClr val="black"/>
-                </a:solidFill>
-              </a:rPr>
-              <a:t>insert into </a:t>
-            </a:r>
-            <a:r>
-              <a:rPr lang="en-GB" sz="1799" dirty="0" err="1">
-                <a:solidFill>
-                  <a:prstClr val="black"/>
-                </a:solidFill>
-              </a:rPr>
-              <a:t>creorder</a:t>
-            </a:r>
-            <a:r>
-              <a:rPr lang="en-GB" sz="1799" dirty="0">
-                <a:solidFill>
-                  <a:prstClr val="black"/>
-                </a:solidFill>
-              </a:rPr>
-              <a:t> </a:t>
-            </a:r>
-            <a:br>
-              <a:rPr lang="en-GB" sz="1799" dirty="0">
-                <a:solidFill>
-                  <a:prstClr val="black"/>
-                </a:solidFill>
-              </a:rPr>
-            </a:br>
-            <a:r>
-              <a:rPr lang="en-GB" sz="1799" dirty="0">
-                <a:solidFill>
-                  <a:prstClr val="black"/>
-                </a:solidFill>
-              </a:rPr>
-              <a:t>   values('AAAAAAAAAA',</a:t>
-            </a:r>
-          </a:p>
-          <a:p>
-            <a:pPr>
-              <a:lnSpc>
-                <a:spcPct val="90000"/>
-              </a:lnSpc>
-            </a:pPr>
-            <a:r>
-              <a:rPr lang="en-GB" sz="1799" dirty="0">
-                <a:solidFill>
-                  <a:prstClr val="black"/>
-                </a:solidFill>
-              </a:rPr>
-              <a:t>                  </a:t>
-            </a:r>
-            <a:r>
-              <a:rPr lang="en-GB" sz="1799" dirty="0" err="1">
-                <a:solidFill>
-                  <a:prstClr val="black"/>
-                </a:solidFill>
-              </a:rPr>
-              <a:t>dbms_random.string</a:t>
-            </a:r>
-            <a:r>
-              <a:rPr lang="en-GB" sz="1799" dirty="0">
-                <a:solidFill>
-                  <a:prstClr val="black"/>
-                </a:solidFill>
-              </a:rPr>
-              <a:t>('u',10),</a:t>
-            </a:r>
-          </a:p>
-          <a:p>
-            <a:pPr>
-              <a:lnSpc>
-                <a:spcPct val="90000"/>
-              </a:lnSpc>
-            </a:pPr>
-            <a:r>
-              <a:rPr lang="en-GB" sz="1799" dirty="0">
-                <a:solidFill>
-                  <a:prstClr val="black"/>
-                </a:solidFill>
-              </a:rPr>
-              <a:t>                  'BBBBBBBBBB');</a:t>
-            </a:r>
-          </a:p>
-        </p:txBody>
-      </p:sp>
-    </p:spTree>
-    <p:extLst>
-      <p:ext uri="{BB962C8B-B14F-4D97-AF65-F5344CB8AC3E}">
-        <p14:creationId xmlns:p14="http://schemas.microsoft.com/office/powerpoint/2010/main" val="2517955768"/>
-      </p:ext>
-    </p:extLst>
-  </p:cSld>
-  <p:clrMapOvr>
-    <a:masterClrMapping/>
-  </p:clrMapOvr>
-  <mc:AlternateContent xmlns:mc="http://schemas.openxmlformats.org/markup-compatibility/2006" xmlns:p14="http://schemas.microsoft.com/office/powerpoint/2010/main">
-    <mc:Choice Requires="p14">
-      <p:transition spd="med" p14:dur="700">
-        <p:fade/>
-      </p:transition>
-    </mc:Choice>
-    <mc:Fallback xmlns="">
-      <p:transition spd="med">
-        <p:fade/>
-      </p:transition>
-    </mc:Fallback>
-  </mc:AlternateContent>
-  <p:timing>
-    <p:tnLst>
-      <p:par>
-        <p:cTn id="1" dur="indefinite" restart="never" nodeType="tmRoot"/>
-      </p:par>
-    </p:tnLst>
-  </p:timing>
-</p:sld>
-</file>
-
-<file path=ppt/slides/slide11.xml><?xml version="1.0" encoding="utf-8"?>
-<p:sld xmlns:a="http://schemas.openxmlformats.org/drawingml/2006/main" xmlns:r="http://schemas.openxmlformats.org/officeDocument/2006/relationships" xmlns:p="http://schemas.openxmlformats.org/presentationml/2006/main">
-  <p:cSld>
     <p:bg>
       <p:bgRef idx="1001">
         <a:schemeClr val="bg1"/>
@@ -27337,8 +26808,8 @@
         </p:nvSpPr>
         <p:spPr>
           <a:xfrm>
-            <a:off x="2316677" y="1876159"/>
-            <a:ext cx="9361007" cy="4299991"/>
+            <a:off x="1702290" y="1876159"/>
+            <a:ext cx="7018095" cy="4299991"/>
           </a:xfrm>
           <a:prstGeom prst="rect">
             <a:avLst/>
@@ -27930,7 +27401,7 @@
         </p:nvSpPr>
         <p:spPr>
           <a:xfrm>
-            <a:off x="4561193" y="3271772"/>
+            <a:off x="3946806" y="3271772"/>
             <a:ext cx="401400" cy="261190"/>
           </a:xfrm>
           <a:prstGeom prst="roundRect">
@@ -27985,7 +27456,7 @@
         </p:nvSpPr>
         <p:spPr>
           <a:xfrm>
-            <a:off x="2490336" y="3797467"/>
+            <a:off x="1875949" y="3797467"/>
             <a:ext cx="1642048" cy="223873"/>
           </a:xfrm>
           <a:prstGeom prst="roundRect">
@@ -28040,7 +27511,7 @@
         </p:nvSpPr>
         <p:spPr>
           <a:xfrm>
-            <a:off x="459516" y="2592119"/>
+            <a:off x="117748" y="2592119"/>
             <a:ext cx="1473845" cy="503722"/>
           </a:xfrm>
           <a:prstGeom prst="rect">
@@ -28096,8 +27567,8 @@
         </p:nvCxnSpPr>
         <p:spPr>
           <a:xfrm>
-            <a:off x="1933361" y="2843980"/>
-            <a:ext cx="2627831" cy="558387"/>
+            <a:off x="1591593" y="2843980"/>
+            <a:ext cx="2355213" cy="558387"/>
           </a:xfrm>
           <a:prstGeom prst="straightConnector1">
             <a:avLst/>
@@ -28136,8 +27607,8 @@
         </p:nvCxnSpPr>
         <p:spPr>
           <a:xfrm>
-            <a:off x="1933361" y="2843981"/>
-            <a:ext cx="556975" cy="1065423"/>
+            <a:off x="1591593" y="2843980"/>
+            <a:ext cx="284356" cy="1065424"/>
           </a:xfrm>
           <a:prstGeom prst="straightConnector1">
             <a:avLst/>
@@ -28175,8 +27646,8 @@
         </p:nvCxnSpPr>
         <p:spPr>
           <a:xfrm>
-            <a:off x="1772352" y="5322967"/>
-            <a:ext cx="717984" cy="561702"/>
+            <a:off x="1519585" y="5322968"/>
+            <a:ext cx="356364" cy="482296"/>
           </a:xfrm>
           <a:prstGeom prst="straightConnector1">
             <a:avLst/>
@@ -28212,7 +27683,7 @@
         </p:nvSpPr>
         <p:spPr>
           <a:xfrm>
-            <a:off x="620526" y="5071107"/>
+            <a:off x="367759" y="5071107"/>
             <a:ext cx="1151826" cy="503722"/>
           </a:xfrm>
           <a:prstGeom prst="rect">
@@ -28257,6 +27728,134 @@
           </a:p>
         </p:txBody>
       </p:sp>
+      <p:graphicFrame>
+        <p:nvGraphicFramePr>
+          <p:cNvPr id="12" name="Table 11"/>
+          <p:cNvGraphicFramePr>
+            <a:graphicFrameLocks noGrp="1"/>
+          </p:cNvGraphicFramePr>
+          <p:nvPr>
+            <p:extLst>
+              <p:ext uri="{D42A27DB-BD31-4B8C-83A1-F6EECF244321}">
+                <p14:modId xmlns:p14="http://schemas.microsoft.com/office/powerpoint/2010/main" val="1149328504"/>
+              </p:ext>
+            </p:extLst>
+          </p:nvPr>
+        </p:nvGraphicFramePr>
+        <p:xfrm>
+          <a:off x="6919158" y="1196752"/>
+          <a:ext cx="3528393" cy="1005459"/>
+        </p:xfrm>
+        <a:graphic>
+          <a:graphicData uri="http://schemas.openxmlformats.org/drawingml/2006/table">
+            <a:tbl>
+              <a:tblPr firstRow="1" bandRow="1">
+                <a:tableStyleId>{00A15C55-8517-42AA-B614-E9B94910E393}</a:tableStyleId>
+              </a:tblPr>
+              <a:tblGrid>
+                <a:gridCol w="1807226"/>
+                <a:gridCol w="1721167"/>
+              </a:tblGrid>
+              <a:tr h="298563">
+                <a:tc>
+                  <a:txBody>
+                    <a:bodyPr/>
+                    <a:lstStyle/>
+                    <a:p>
+                      <a:r>
+                        <a:rPr lang="en-US" dirty="0" smtClean="0">
+                          <a:solidFill>
+                            <a:schemeClr val="tx1"/>
+                          </a:solidFill>
+                        </a:rPr>
+                        <a:t>COL1</a:t>
+                      </a:r>
+                      <a:endParaRPr lang="en-GB" dirty="0">
+                        <a:solidFill>
+                          <a:schemeClr val="tx1"/>
+                        </a:solidFill>
+                      </a:endParaRPr>
+                    </a:p>
+                  </a:txBody>
+                  <a:tcPr/>
+                </a:tc>
+                <a:tc>
+                  <a:txBody>
+                    <a:bodyPr/>
+                    <a:lstStyle/>
+                    <a:p>
+                      <a:r>
+                        <a:rPr lang="en-US" dirty="0" smtClean="0">
+                          <a:solidFill>
+                            <a:schemeClr val="tx1"/>
+                          </a:solidFill>
+                        </a:rPr>
+                        <a:t>COL2</a:t>
+                      </a:r>
+                      <a:endParaRPr lang="en-GB" dirty="0">
+                        <a:solidFill>
+                          <a:schemeClr val="tx1"/>
+                        </a:solidFill>
+                      </a:endParaRPr>
+                    </a:p>
+                  </a:txBody>
+                  <a:tcPr/>
+                </a:tc>
+              </a:tr>
+              <a:tr h="515125">
+                <a:tc>
+                  <a:txBody>
+                    <a:bodyPr/>
+                    <a:lstStyle/>
+                    <a:p>
+                      <a:pPr marL="0" marR="0" lvl="0" indent="0" algn="l" defTabSz="914126" rtl="0" eaLnBrk="1" fontAlgn="auto" latinLnBrk="0" hangingPunct="1">
+                        <a:lnSpc>
+                          <a:spcPct val="100000"/>
+                        </a:lnSpc>
+                        <a:spcBef>
+                          <a:spcPts val="0"/>
+                        </a:spcBef>
+                        <a:spcAft>
+                          <a:spcPts val="0"/>
+                        </a:spcAft>
+                        <a:buClrTx/>
+                        <a:buSzTx/>
+                        <a:buFontTx/>
+                        <a:buNone/>
+                        <a:tabLst/>
+                        <a:defRPr/>
+                      </a:pPr>
+                      <a:r>
+                        <a:rPr lang="en-US" dirty="0" smtClean="0"/>
+                        <a:t>AAAAAAAAAA</a:t>
+                      </a:r>
+                      <a:endParaRPr lang="en-GB" dirty="0" smtClean="0"/>
+                    </a:p>
+                    <a:p>
+                      <a:endParaRPr lang="en-GB" dirty="0"/>
+                    </a:p>
+                  </a:txBody>
+                  <a:tcPr/>
+                </a:tc>
+                <a:tc>
+                  <a:txBody>
+                    <a:bodyPr/>
+                    <a:lstStyle/>
+                    <a:p>
+                      <a:r>
+                        <a:rPr lang="en-US" dirty="0" smtClean="0"/>
+                        <a:t>BBBBBBBBBB</a:t>
+                      </a:r>
+                      <a:endParaRPr lang="en-GB" dirty="0"/>
+                    </a:p>
+                  </a:txBody>
+                  <a:tcPr/>
+                </a:tc>
+              </a:tr>
+            </a:tbl>
+          </a:graphicData>
+        </a:graphic>
+      </p:graphicFrame>
     </p:spTree>
     <p:extLst>
       <p:ext uri="{BB962C8B-B14F-4D97-AF65-F5344CB8AC3E}">
@@ -28266,6 +27865,156 @@
   </p:cSld>
   <p:clrMapOvr>
     <a:overrideClrMapping bg1="lt1" tx1="dk1" bg2="lt2" tx2="dk2" accent1="accent1" accent2="accent2" accent3="accent3" accent4="accent4" accent5="accent5" accent6="accent6" hlink="hlink" folHlink="folHlink"/>
+  </p:clrMapOvr>
+  <mc:AlternateContent xmlns:mc="http://schemas.openxmlformats.org/markup-compatibility/2006" xmlns:p14="http://schemas.microsoft.com/office/powerpoint/2010/main">
+    <mc:Choice Requires="p14">
+      <p:transition spd="med" p14:dur="700">
+        <p:fade/>
+      </p:transition>
+    </mc:Choice>
+    <mc:Fallback xmlns="">
+      <p:transition spd="med">
+        <p:fade/>
+      </p:transition>
+    </mc:Fallback>
+  </mc:AlternateContent>
+  <p:timing>
+    <p:tnLst>
+      <p:par>
+        <p:cTn id="1" dur="indefinite" restart="never" nodeType="tmRoot"/>
+      </p:par>
+    </p:tnLst>
+  </p:timing>
+</p:sld>
+</file>
+
+<file path=ppt/slides/slide11.xml><?xml version="1.0" encoding="utf-8"?>
+<p:sld xmlns:a="http://schemas.openxmlformats.org/drawingml/2006/main" xmlns:r="http://schemas.openxmlformats.org/officeDocument/2006/relationships" xmlns:p="http://schemas.openxmlformats.org/presentationml/2006/main">
+  <p:cSld>
+    <p:spTree>
+      <p:nvGrpSpPr>
+        <p:cNvPr id="1" name=""/>
+        <p:cNvGrpSpPr/>
+        <p:nvPr/>
+      </p:nvGrpSpPr>
+      <p:grpSpPr>
+        <a:xfrm>
+          <a:off x="0" y="0"/>
+          <a:ext cx="0" cy="0"/>
+          <a:chOff x="0" y="0"/>
+          <a:chExt cx="0" cy="0"/>
+        </a:xfrm>
+      </p:grpSpPr>
+      <p:sp>
+        <p:nvSpPr>
+          <p:cNvPr id="2" name="Title 1"/>
+          <p:cNvSpPr>
+            <a:spLocks noGrp="1"/>
+          </p:cNvSpPr>
+          <p:nvPr>
+            <p:ph type="title"/>
+          </p:nvPr>
+        </p:nvSpPr>
+        <p:spPr/>
+        <p:txBody>
+          <a:bodyPr/>
+          <a:lstStyle/>
+          <a:p>
+            <a:r>
+              <a:rPr lang="en-US" dirty="0" smtClean="0"/>
+              <a:t>Better Buffer Cache</a:t>
+            </a:r>
+            <a:endParaRPr lang="en-GB" dirty="0"/>
+          </a:p>
+        </p:txBody>
+      </p:sp>
+      <p:sp>
+        <p:nvSpPr>
+          <p:cNvPr id="3" name="TextBox 2"/>
+          <p:cNvSpPr txBox="1"/>
+          <p:nvPr/>
+        </p:nvSpPr>
+        <p:spPr>
+          <a:xfrm>
+            <a:off x="1053852" y="1772816"/>
+            <a:ext cx="8352928" cy="3888432"/>
+          </a:xfrm>
+          <a:prstGeom prst="rect">
+            <a:avLst/>
+          </a:prstGeom>
+          <a:noFill/>
+        </p:spPr>
+        <p:txBody>
+          <a:bodyPr wrap="none" lIns="0" tIns="0" rIns="0" bIns="0" rtlCol="0">
+            <a:noAutofit/>
+          </a:bodyPr>
+          <a:lstStyle/>
+          <a:p>
+            <a:pPr marL="285750" indent="-285750">
+              <a:lnSpc>
+                <a:spcPct val="90000"/>
+              </a:lnSpc>
+              <a:buFont typeface="Arial" panose="020B0604020202020204" pitchFamily="34" charset="0"/>
+              <a:buChar char="•"/>
+            </a:pPr>
+            <a:r>
+              <a:rPr lang="en-US" dirty="0" smtClean="0"/>
+              <a:t>Blocks are read into the buffer cache in the compressed form.</a:t>
+            </a:r>
+          </a:p>
+          <a:p>
+            <a:pPr marL="285750" indent="-285750">
+              <a:lnSpc>
+                <a:spcPct val="90000"/>
+              </a:lnSpc>
+              <a:buFont typeface="Arial" panose="020B0604020202020204" pitchFamily="34" charset="0"/>
+              <a:buChar char="•"/>
+            </a:pPr>
+            <a:r>
+              <a:rPr lang="en-US" dirty="0" smtClean="0"/>
+              <a:t>The lower CPU and IO cost when dealing with compressed blocks.</a:t>
+            </a:r>
+          </a:p>
+          <a:p>
+            <a:pPr marL="285750" indent="-285750">
+              <a:lnSpc>
+                <a:spcPct val="90000"/>
+              </a:lnSpc>
+              <a:buFont typeface="Arial" panose="020B0604020202020204" pitchFamily="34" charset="0"/>
+              <a:buChar char="•"/>
+            </a:pPr>
+            <a:r>
+              <a:rPr lang="en-US" dirty="0" smtClean="0"/>
+              <a:t>Block level compression means minimal CPU cost to decompress data.</a:t>
+            </a:r>
+          </a:p>
+          <a:p>
+            <a:pPr>
+              <a:lnSpc>
+                <a:spcPct val="90000"/>
+              </a:lnSpc>
+            </a:pPr>
+            <a:endParaRPr lang="en-US" dirty="0"/>
+          </a:p>
+          <a:p>
+            <a:pPr>
+              <a:lnSpc>
+                <a:spcPct val="90000"/>
+              </a:lnSpc>
+            </a:pPr>
+            <a:endParaRPr lang="en-GB" dirty="0" err="1" smtClean="0"/>
+          </a:p>
+        </p:txBody>
+      </p:sp>
+    </p:spTree>
+    <p:extLst>
+      <p:ext uri="{BB962C8B-B14F-4D97-AF65-F5344CB8AC3E}">
+        <p14:creationId xmlns:p14="http://schemas.microsoft.com/office/powerpoint/2010/main" val="3629921321"/>
+      </p:ext>
+    </p:extLst>
+  </p:cSld>
+  <p:clrMapOvr>
+    <a:masterClrMapping/>
   </p:clrMapOvr>
   <mc:AlternateContent xmlns:mc="http://schemas.openxmlformats.org/markup-compatibility/2006" xmlns:p14="http://schemas.microsoft.com/office/powerpoint/2010/main">
     <mc:Choice Requires="p14">
@@ -28323,7 +28072,7 @@
           <a:p>
             <a:r>
               <a:rPr lang="en-US" dirty="0" smtClean="0"/>
-              <a:t>Better Buffer Cache</a:t>
+              <a:t>Compression summary</a:t>
             </a:r>
             <a:endParaRPr lang="en-GB" dirty="0"/>
           </a:p>
@@ -28337,8 +28086,8 @@
         </p:nvSpPr>
         <p:spPr>
           <a:xfrm>
-            <a:off x="1053852" y="1772816"/>
-            <a:ext cx="8352928" cy="3888432"/>
+            <a:off x="1701924" y="1844824"/>
+            <a:ext cx="9001000" cy="3960440"/>
           </a:xfrm>
           <a:prstGeom prst="rect">
             <a:avLst/>
@@ -28355,12 +28104,15 @@
               <a:lnSpc>
                 <a:spcPct val="90000"/>
               </a:lnSpc>
+              <a:spcAft>
+                <a:spcPts val="1200"/>
+              </a:spcAft>
               <a:buFont typeface="Arial" panose="020B0604020202020204" pitchFamily="34" charset="0"/>
               <a:buChar char="•"/>
             </a:pPr>
             <a:r>
-              <a:rPr lang="en-US" dirty="0" smtClean="0"/>
-              <a:t>Blocks are read into the buffer cache in the compressed form.</a:t>
+              <a:rPr lang="en-US" sz="2800" dirty="0" smtClean="0"/>
+              <a:t>Compression is at the block level</a:t>
             </a:r>
           </a:p>
           <a:p>
@@ -28368,12 +28120,15 @@
               <a:lnSpc>
                 <a:spcPct val="90000"/>
               </a:lnSpc>
+              <a:spcAft>
+                <a:spcPts val="1200"/>
+              </a:spcAft>
               <a:buFont typeface="Arial" panose="020B0604020202020204" pitchFamily="34" charset="0"/>
               <a:buChar char="•"/>
             </a:pPr>
             <a:r>
-              <a:rPr lang="en-US" dirty="0" smtClean="0"/>
-              <a:t>The lower CPU and IO cost when dealing with compressed blocks.</a:t>
+              <a:rPr lang="en-US" sz="2800" dirty="0" smtClean="0"/>
+              <a:t>Repeated values are replaced with symbols</a:t>
             </a:r>
           </a:p>
           <a:p>
@@ -28381,44 +28136,68 @@
               <a:lnSpc>
                 <a:spcPct val="90000"/>
               </a:lnSpc>
+              <a:spcAft>
+                <a:spcPts val="1200"/>
+              </a:spcAft>
               <a:buFont typeface="Arial" panose="020B0604020202020204" pitchFamily="34" charset="0"/>
               <a:buChar char="•"/>
             </a:pPr>
             <a:r>
-              <a:rPr lang="en-US" dirty="0" smtClean="0"/>
-              <a:t>Block level compression means minimal CPU cost to </a:t>
-            </a:r>
-            <a:r>
-              <a:rPr lang="en-US" dirty="0" smtClean="0"/>
-              <a:t>decompress </a:t>
-            </a:r>
-            <a:r>
-              <a:rPr lang="en-US" dirty="0" smtClean="0"/>
-              <a:t>data.</a:t>
-            </a:r>
-          </a:p>
-          <a:p>
-            <a:pPr>
+              <a:rPr lang="en-US" sz="2800" dirty="0" smtClean="0"/>
+              <a:t>Symbols can reference other symbols</a:t>
+            </a:r>
+          </a:p>
+          <a:p>
+            <a:pPr marL="285750" indent="-285750">
               <a:lnSpc>
                 <a:spcPct val="90000"/>
               </a:lnSpc>
+              <a:spcAft>
+                <a:spcPts val="1200"/>
+              </a:spcAft>
+              <a:buFont typeface="Arial" panose="020B0604020202020204" pitchFamily="34" charset="0"/>
+              <a:buChar char="•"/>
             </a:pPr>
-            <a:endParaRPr lang="en-US" dirty="0"/>
-          </a:p>
-          <a:p>
-            <a:pPr>
+            <a:r>
+              <a:rPr lang="en-US" sz="2800" dirty="0" smtClean="0"/>
+              <a:t>Column values are atomic unit of compression</a:t>
+            </a:r>
+          </a:p>
+          <a:p>
+            <a:pPr marL="285750" indent="-285750">
               <a:lnSpc>
                 <a:spcPct val="90000"/>
               </a:lnSpc>
+              <a:spcAft>
+                <a:spcPts val="1200"/>
+              </a:spcAft>
+              <a:buFont typeface="Arial" panose="020B0604020202020204" pitchFamily="34" charset="0"/>
+              <a:buChar char="•"/>
             </a:pPr>
-            <a:endParaRPr lang="en-GB" dirty="0" err="1" smtClean="0"/>
+            <a:r>
+              <a:rPr lang="en-US" sz="2800" dirty="0" smtClean="0"/>
+              <a:t>Oracle will reorder columns to optimize compression</a:t>
+            </a:r>
+          </a:p>
+          <a:p>
+            <a:pPr marL="285750" indent="-285750">
+              <a:lnSpc>
+                <a:spcPct val="90000"/>
+              </a:lnSpc>
+              <a:spcAft>
+                <a:spcPts val="1200"/>
+              </a:spcAft>
+              <a:buFont typeface="Arial" panose="020B0604020202020204" pitchFamily="34" charset="0"/>
+              <a:buChar char="•"/>
+            </a:pPr>
+            <a:endParaRPr lang="en-GB" sz="2800" dirty="0" err="1" smtClean="0"/>
           </a:p>
         </p:txBody>
       </p:sp>
     </p:spTree>
     <p:extLst>
       <p:ext uri="{BB962C8B-B14F-4D97-AF65-F5344CB8AC3E}">
-        <p14:creationId xmlns:p14="http://schemas.microsoft.com/office/powerpoint/2010/main" val="3629921321"/>
+        <p14:creationId xmlns:p14="http://schemas.microsoft.com/office/powerpoint/2010/main" val="491674652"/>
       </p:ext>
     </p:extLst>
   </p:cSld>
@@ -28437,6 +28216,13 @@
       </p:transition>
     </mc:Fallback>
   </mc:AlternateContent>
+  <p:timing>
+    <p:tnLst>
+      <p:par>
+        <p:cTn id="1" dur="indefinite" restart="never" nodeType="tmRoot"/>
+      </p:par>
+    </p:tnLst>
+  </p:timing>
 </p:sld>
 </file>
 
@@ -28467,144 +28253,29 @@
             <p:ph type="title"/>
           </p:nvPr>
         </p:nvSpPr>
-        <p:spPr/>
+        <p:spPr>
+          <a:xfrm>
+            <a:off x="609441" y="2586980"/>
+            <a:ext cx="10969943" cy="1684040"/>
+          </a:xfrm>
+        </p:spPr>
         <p:txBody>
           <a:bodyPr/>
           <a:lstStyle/>
           <a:p>
-            <a:r>
-              <a:rPr lang="en-US" dirty="0" smtClean="0"/>
-              <a:t>Compression summary</a:t>
-            </a:r>
-            <a:endParaRPr lang="en-GB" dirty="0"/>
-          </a:p>
-        </p:txBody>
-      </p:sp>
-      <p:sp>
-        <p:nvSpPr>
-          <p:cNvPr id="3" name="TextBox 2"/>
-          <p:cNvSpPr txBox="1"/>
-          <p:nvPr/>
-        </p:nvSpPr>
-        <p:spPr>
-          <a:xfrm>
-            <a:off x="1701924" y="1844824"/>
-            <a:ext cx="9001000" cy="3960440"/>
-          </a:xfrm>
-          <a:prstGeom prst="rect">
-            <a:avLst/>
-          </a:prstGeom>
-          <a:noFill/>
-        </p:spPr>
-        <p:txBody>
-          <a:bodyPr wrap="none" lIns="0" tIns="0" rIns="0" bIns="0" rtlCol="0">
-            <a:noAutofit/>
-          </a:bodyPr>
-          <a:lstStyle/>
-          <a:p>
-            <a:pPr marL="285750" indent="-285750">
-              <a:lnSpc>
-                <a:spcPct val="90000"/>
-              </a:lnSpc>
-              <a:spcAft>
-                <a:spcPts val="1200"/>
-              </a:spcAft>
-              <a:buFont typeface="Arial" panose="020B0604020202020204" pitchFamily="34" charset="0"/>
-              <a:buChar char="•"/>
-            </a:pPr>
-            <a:r>
-              <a:rPr lang="en-US" sz="2800" dirty="0" smtClean="0"/>
-              <a:t>Compression is at the block level</a:t>
-            </a:r>
-          </a:p>
-          <a:p>
-            <a:pPr marL="285750" indent="-285750">
-              <a:lnSpc>
-                <a:spcPct val="90000"/>
-              </a:lnSpc>
-              <a:spcAft>
-                <a:spcPts val="1200"/>
-              </a:spcAft>
-              <a:buFont typeface="Arial" panose="020B0604020202020204" pitchFamily="34" charset="0"/>
-              <a:buChar char="•"/>
-            </a:pPr>
-            <a:r>
-              <a:rPr lang="en-US" sz="2800" dirty="0" smtClean="0"/>
-              <a:t>Repeated values are replaced with symbols</a:t>
-            </a:r>
-          </a:p>
-          <a:p>
-            <a:pPr marL="285750" indent="-285750">
-              <a:lnSpc>
-                <a:spcPct val="90000"/>
-              </a:lnSpc>
-              <a:spcAft>
-                <a:spcPts val="1200"/>
-              </a:spcAft>
-              <a:buFont typeface="Arial" panose="020B0604020202020204" pitchFamily="34" charset="0"/>
-              <a:buChar char="•"/>
-            </a:pPr>
-            <a:r>
-              <a:rPr lang="en-US" sz="2800" dirty="0" smtClean="0"/>
-              <a:t>Symbols can reference other symbols</a:t>
-            </a:r>
-          </a:p>
-          <a:p>
-            <a:pPr marL="285750" indent="-285750">
-              <a:lnSpc>
-                <a:spcPct val="90000"/>
-              </a:lnSpc>
-              <a:spcAft>
-                <a:spcPts val="1200"/>
-              </a:spcAft>
-              <a:buFont typeface="Arial" panose="020B0604020202020204" pitchFamily="34" charset="0"/>
-              <a:buChar char="•"/>
-            </a:pPr>
-            <a:r>
-              <a:rPr lang="en-US" sz="2800" dirty="0" smtClean="0"/>
-              <a:t>Column values are atomic unit of </a:t>
-            </a:r>
-            <a:r>
-              <a:rPr lang="en-US" sz="2800" dirty="0" smtClean="0"/>
-              <a:t>compression</a:t>
-            </a:r>
-          </a:p>
-          <a:p>
-            <a:pPr marL="285750" indent="-285750">
-              <a:lnSpc>
-                <a:spcPct val="90000"/>
-              </a:lnSpc>
-              <a:spcAft>
-                <a:spcPts val="1200"/>
-              </a:spcAft>
-              <a:buFont typeface="Arial" panose="020B0604020202020204" pitchFamily="34" charset="0"/>
-              <a:buChar char="•"/>
-            </a:pPr>
-            <a:r>
-              <a:rPr lang="en-US" sz="2800" dirty="0" smtClean="0"/>
-              <a:t>Oracle will reorder columns to optimize compression</a:t>
-            </a:r>
-            <a:endParaRPr lang="en-US" sz="2800" dirty="0" smtClean="0"/>
-          </a:p>
-          <a:p>
-            <a:pPr marL="285750" indent="-285750">
-              <a:lnSpc>
-                <a:spcPct val="90000"/>
-              </a:lnSpc>
-              <a:spcAft>
-                <a:spcPts val="1200"/>
-              </a:spcAft>
-              <a:buFont typeface="Arial" panose="020B0604020202020204" pitchFamily="34" charset="0"/>
-              <a:buChar char="•"/>
-            </a:pPr>
-            <a:endParaRPr lang="en-GB" sz="2800" dirty="0" err="1" smtClean="0"/>
+            <a:pPr algn="ctr"/>
+            <a:r>
+              <a:rPr lang="en-US" sz="8800" dirty="0" smtClean="0"/>
+              <a:t>Experimental Results</a:t>
+            </a:r>
+            <a:endParaRPr lang="en-US" sz="8800" dirty="0"/>
           </a:p>
         </p:txBody>
       </p:sp>
     </p:spTree>
     <p:extLst>
       <p:ext uri="{BB962C8B-B14F-4D97-AF65-F5344CB8AC3E}">
-        <p14:creationId xmlns:p14="http://schemas.microsoft.com/office/powerpoint/2010/main" val="491674652"/>
+        <p14:creationId xmlns:p14="http://schemas.microsoft.com/office/powerpoint/2010/main" val="1417752117"/>
       </p:ext>
     </p:extLst>
   </p:cSld>
@@ -28655,27 +28326,125 @@
         </p:nvSpPr>
         <p:spPr>
           <a:xfrm>
-            <a:off x="609441" y="2586980"/>
-            <a:ext cx="10969943" cy="1684040"/>
+            <a:off x="621804" y="260648"/>
+            <a:ext cx="10969943" cy="473968"/>
           </a:xfrm>
         </p:spPr>
         <p:txBody>
           <a:bodyPr/>
           <a:lstStyle/>
           <a:p>
-            <a:pPr algn="ctr"/>
-            <a:r>
-              <a:rPr lang="en-US" sz="8800" dirty="0" smtClean="0"/>
-              <a:t>Experimental Results</a:t>
-            </a:r>
-            <a:endParaRPr lang="en-US" sz="8800" dirty="0"/>
+            <a:r>
+              <a:rPr lang="en-US" dirty="0" smtClean="0"/>
+              <a:t>Problem Statement</a:t>
+            </a:r>
+            <a:endParaRPr lang="en-US" dirty="0"/>
+          </a:p>
+        </p:txBody>
+      </p:sp>
+      <p:sp>
+        <p:nvSpPr>
+          <p:cNvPr id="3" name="Content Placeholder 2"/>
+          <p:cNvSpPr>
+            <a:spLocks noGrp="1"/>
+          </p:cNvSpPr>
+          <p:nvPr>
+            <p:ph idx="1"/>
+          </p:nvPr>
+        </p:nvSpPr>
+        <p:spPr/>
+        <p:txBody>
+          <a:bodyPr>
+            <a:normAutofit/>
+          </a:bodyPr>
+          <a:lstStyle/>
+          <a:p>
+            <a:r>
+              <a:rPr lang="en-US" sz="2400" dirty="0" smtClean="0"/>
+              <a:t>Data Warehouse Environment</a:t>
+            </a:r>
+          </a:p>
+          <a:p>
+            <a:pPr lvl="1"/>
+            <a:r>
+              <a:rPr lang="en-US" sz="2200" dirty="0" smtClean="0"/>
+              <a:t>Industrial </a:t>
+            </a:r>
+            <a:r>
+              <a:rPr lang="en-US" sz="2200" dirty="0" err="1" smtClean="0"/>
+              <a:t>IoT</a:t>
+            </a:r>
+            <a:r>
+              <a:rPr lang="en-US" sz="2200" dirty="0" smtClean="0"/>
+              <a:t> system used for engineering analytics</a:t>
+            </a:r>
+          </a:p>
+          <a:p>
+            <a:r>
+              <a:rPr lang="en-US" sz="2400" dirty="0" smtClean="0"/>
+              <a:t>Long Term Storage of Actively Used Tables</a:t>
+            </a:r>
+          </a:p>
+          <a:p>
+            <a:pPr lvl="1"/>
+            <a:r>
+              <a:rPr lang="en-US" sz="2200" dirty="0" smtClean="0"/>
+              <a:t>Tables are static.  No updates, lots of bulk inserts</a:t>
+            </a:r>
+          </a:p>
+          <a:p>
+            <a:pPr lvl="1"/>
+            <a:r>
+              <a:rPr lang="en-US" sz="2200" dirty="0" smtClean="0"/>
+              <a:t>Following results from child table with 1M rows and parent table with 1250 rows.</a:t>
+            </a:r>
+          </a:p>
+          <a:p>
+            <a:pPr lvl="1"/>
+            <a:r>
+              <a:rPr lang="en-US" sz="2200" dirty="0" smtClean="0"/>
+              <a:t>Typical tables are 100M – 30B rows</a:t>
+            </a:r>
+            <a:endParaRPr lang="en-US" sz="2200" dirty="0"/>
+          </a:p>
+          <a:p>
+            <a:r>
+              <a:rPr lang="en-US" sz="2400" dirty="0" smtClean="0"/>
+              <a:t>Analytics Queries on Parent/Child Table</a:t>
+            </a:r>
+            <a:r>
+              <a:rPr lang="en-US" sz="2200" dirty="0" smtClean="0"/>
+              <a:t>s</a:t>
+            </a:r>
+          </a:p>
+          <a:p>
+            <a:pPr lvl="1"/>
+            <a:r>
+              <a:rPr lang="en-US" sz="2000" dirty="0" smtClean="0"/>
+              <a:t>800:1 ratio (</a:t>
+            </a:r>
+            <a:r>
+              <a:rPr lang="en-US" sz="2000" dirty="0" err="1" smtClean="0"/>
+              <a:t>child:parent</a:t>
+            </a:r>
+            <a:r>
+              <a:rPr lang="en-US" sz="2000" dirty="0" smtClean="0"/>
+              <a:t>)</a:t>
+            </a:r>
+          </a:p>
+          <a:p>
+            <a:pPr lvl="1"/>
+            <a:r>
+              <a:rPr lang="en-US" sz="2000" dirty="0" smtClean="0"/>
+              <a:t>Typically used to create intermediate aggregation tables</a:t>
+            </a:r>
           </a:p>
         </p:txBody>
       </p:sp>
     </p:spTree>
     <p:extLst>
       <p:ext uri="{BB962C8B-B14F-4D97-AF65-F5344CB8AC3E}">
-        <p14:creationId xmlns:p14="http://schemas.microsoft.com/office/powerpoint/2010/main" val="1417752117"/>
+        <p14:creationId xmlns:p14="http://schemas.microsoft.com/office/powerpoint/2010/main" val="3070792847"/>
       </p:ext>
     </p:extLst>
   </p:cSld>
@@ -28726,175 +28495,6 @@
         </p:nvSpPr>
         <p:spPr>
           <a:xfrm>
-            <a:off x="621804" y="260648"/>
-            <a:ext cx="10969943" cy="473968"/>
-          </a:xfrm>
-        </p:spPr>
-        <p:txBody>
-          <a:bodyPr/>
-          <a:lstStyle/>
-          <a:p>
-            <a:r>
-              <a:rPr lang="en-US" dirty="0" smtClean="0"/>
-              <a:t>Problem Statement</a:t>
-            </a:r>
-            <a:endParaRPr lang="en-US" dirty="0"/>
-          </a:p>
-        </p:txBody>
-      </p:sp>
-      <p:sp>
-        <p:nvSpPr>
-          <p:cNvPr id="3" name="Content Placeholder 2"/>
-          <p:cNvSpPr>
-            <a:spLocks noGrp="1"/>
-          </p:cNvSpPr>
-          <p:nvPr>
-            <p:ph idx="1"/>
-          </p:nvPr>
-        </p:nvSpPr>
-        <p:spPr/>
-        <p:txBody>
-          <a:bodyPr>
-            <a:normAutofit/>
-          </a:bodyPr>
-          <a:lstStyle/>
-          <a:p>
-            <a:r>
-              <a:rPr lang="en-US" sz="2400" dirty="0" smtClean="0"/>
-              <a:t>Data Warehouse Environment</a:t>
-            </a:r>
-          </a:p>
-          <a:p>
-            <a:pPr lvl="1"/>
-            <a:r>
-              <a:rPr lang="en-US" sz="2200" dirty="0" smtClean="0"/>
-              <a:t>Industrial </a:t>
-            </a:r>
-            <a:r>
-              <a:rPr lang="en-US" sz="2200" dirty="0" err="1" smtClean="0"/>
-              <a:t>IoT</a:t>
-            </a:r>
-            <a:r>
-              <a:rPr lang="en-US" sz="2200" dirty="0" smtClean="0"/>
-              <a:t> system used for engineering analytics</a:t>
-            </a:r>
-          </a:p>
-          <a:p>
-            <a:r>
-              <a:rPr lang="en-US" sz="2400" dirty="0" smtClean="0"/>
-              <a:t>Long Term Storage of Actively Used Tables</a:t>
-            </a:r>
-          </a:p>
-          <a:p>
-            <a:pPr lvl="1"/>
-            <a:r>
-              <a:rPr lang="en-US" sz="2200" dirty="0" smtClean="0"/>
-              <a:t>Tables are static.  No updates, lots of bulk inserts</a:t>
-            </a:r>
-          </a:p>
-          <a:p>
-            <a:pPr lvl="1"/>
-            <a:r>
-              <a:rPr lang="en-US" sz="2200" dirty="0" smtClean="0"/>
-              <a:t>Following results from child table with 1M rows and parent table with 1250 rows.</a:t>
-            </a:r>
-          </a:p>
-          <a:p>
-            <a:pPr lvl="1"/>
-            <a:r>
-              <a:rPr lang="en-US" sz="2200" dirty="0" smtClean="0"/>
-              <a:t>Typical tables are 100M – 30B rows</a:t>
-            </a:r>
-            <a:endParaRPr lang="en-US" sz="2200" dirty="0"/>
-          </a:p>
-          <a:p>
-            <a:r>
-              <a:rPr lang="en-US" sz="2400" dirty="0" smtClean="0"/>
-              <a:t>Analytics Queries on Parent/Child Table</a:t>
-            </a:r>
-            <a:r>
-              <a:rPr lang="en-US" sz="2200" dirty="0" smtClean="0"/>
-              <a:t>s</a:t>
-            </a:r>
-          </a:p>
-          <a:p>
-            <a:pPr lvl="1"/>
-            <a:r>
-              <a:rPr lang="en-US" sz="2000" dirty="0" smtClean="0"/>
-              <a:t>800:1 ratio (</a:t>
-            </a:r>
-            <a:r>
-              <a:rPr lang="en-US" sz="2000" dirty="0" err="1" smtClean="0"/>
-              <a:t>child:parent</a:t>
-            </a:r>
-            <a:r>
-              <a:rPr lang="en-US" sz="2000" dirty="0" smtClean="0"/>
-              <a:t>)</a:t>
-            </a:r>
-          </a:p>
-          <a:p>
-            <a:pPr lvl="1"/>
-            <a:r>
-              <a:rPr lang="en-US" sz="2000" dirty="0" smtClean="0"/>
-              <a:t>Typically used to create intermediate aggregation tables</a:t>
-            </a:r>
-          </a:p>
-        </p:txBody>
-      </p:sp>
-    </p:spTree>
-    <p:extLst>
-      <p:ext uri="{BB962C8B-B14F-4D97-AF65-F5344CB8AC3E}">
-        <p14:creationId xmlns:p14="http://schemas.microsoft.com/office/powerpoint/2010/main" val="3070792847"/>
-      </p:ext>
-    </p:extLst>
-  </p:cSld>
-  <p:clrMapOvr>
-    <a:masterClrMapping/>
-  </p:clrMapOvr>
-  <mc:AlternateContent xmlns:mc="http://schemas.openxmlformats.org/markup-compatibility/2006" xmlns:p14="http://schemas.microsoft.com/office/powerpoint/2010/main">
-    <mc:Choice Requires="p14">
-      <p:transition spd="med" p14:dur="700">
-        <p:fade/>
-      </p:transition>
-    </mc:Choice>
-    <mc:Fallback xmlns="">
-      <p:transition spd="med">
-        <p:fade/>
-      </p:transition>
-    </mc:Fallback>
-  </mc:AlternateContent>
-</p:sld>
-</file>
-
-<file path=ppt/slides/slide16.xml><?xml version="1.0" encoding="utf-8"?>
-<p:sld xmlns:a="http://schemas.openxmlformats.org/drawingml/2006/main" xmlns:r="http://schemas.openxmlformats.org/officeDocument/2006/relationships" xmlns:p="http://schemas.openxmlformats.org/presentationml/2006/main">
-  <p:cSld>
-    <p:spTree>
-      <p:nvGrpSpPr>
-        <p:cNvPr id="1" name=""/>
-        <p:cNvGrpSpPr/>
-        <p:nvPr/>
-      </p:nvGrpSpPr>
-      <p:grpSpPr>
-        <a:xfrm>
-          <a:off x="0" y="0"/>
-          <a:ext cx="0" cy="0"/>
-          <a:chOff x="0" y="0"/>
-          <a:chExt cx="0" cy="0"/>
-        </a:xfrm>
-      </p:grpSpPr>
-      <p:sp>
-        <p:nvSpPr>
-          <p:cNvPr id="2" name="Title 1"/>
-          <p:cNvSpPr>
-            <a:spLocks noGrp="1"/>
-          </p:cNvSpPr>
-          <p:nvPr>
-            <p:ph type="title"/>
-          </p:nvPr>
-        </p:nvSpPr>
-        <p:spPr>
-          <a:xfrm>
             <a:off x="609441" y="332656"/>
             <a:ext cx="10969943" cy="401960"/>
           </a:xfrm>
@@ -28940,11 +28540,7 @@
             <a:pPr lvl="1"/>
             <a:r>
               <a:rPr lang="en-US" dirty="0" smtClean="0"/>
-              <a:t>Default compression ratio = </a:t>
-            </a:r>
-            <a:r>
-              <a:rPr lang="en-US" dirty="0" smtClean="0"/>
-              <a:t>1.86X</a:t>
+              <a:t>Default compression ratio = 1.86X</a:t>
             </a:r>
           </a:p>
           <a:p>
@@ -28953,7 +28549,6 @@
               <a:rPr lang="en-US" dirty="0" smtClean="0"/>
               <a:t>46% smaller</a:t>
             </a:r>
-            <a:endParaRPr lang="en-US" dirty="0" smtClean="0"/>
           </a:p>
           <a:p>
             <a:pPr lvl="1"/>
@@ -28962,15 +28557,7 @@
           <a:p>
             <a:r>
               <a:rPr lang="en-US" dirty="0" smtClean="0"/>
-              <a:t>Now that we know how the Oracle </a:t>
-            </a:r>
-            <a:r>
-              <a:rPr lang="en-US" dirty="0" smtClean="0"/>
-              <a:t>data block </a:t>
-            </a:r>
-            <a:r>
-              <a:rPr lang="en-US" dirty="0" smtClean="0"/>
-              <a:t>compression algorithm works, what knobs can we turn to improve compression?</a:t>
+              <a:t>Now that we know how the Oracle data block compression algorithm works, what knobs can we turn to improve compression?</a:t>
             </a:r>
             <a:endParaRPr lang="en-US" dirty="0"/>
           </a:p>
@@ -29025,7 +28612,7 @@
 </p:sld>
 </file>
 
-<file path=ppt/slides/slide17.xml><?xml version="1.0" encoding="utf-8"?>
+<file path=ppt/slides/slide16.xml><?xml version="1.0" encoding="utf-8"?>
 <p:sld xmlns:a="http://schemas.openxmlformats.org/drawingml/2006/main" xmlns:r="http://schemas.openxmlformats.org/officeDocument/2006/relationships" xmlns:p="http://schemas.openxmlformats.org/presentationml/2006/main">
   <p:cSld>
     <p:spTree>
@@ -29189,7 +28776,7 @@
 </p:sld>
 </file>
 
-<file path=ppt/slides/slide18.xml><?xml version="1.0" encoding="utf-8"?>
+<file path=ppt/slides/slide17.xml><?xml version="1.0" encoding="utf-8"?>
 <p:sld xmlns:a="http://schemas.openxmlformats.org/drawingml/2006/main" xmlns:r="http://schemas.openxmlformats.org/officeDocument/2006/relationships" xmlns:p="http://schemas.openxmlformats.org/presentationml/2006/main">
   <p:cSld>
     <p:spTree>
@@ -29331,7 +28918,7 @@
 </p:sld>
 </file>
 
-<file path=ppt/slides/slide19.xml><?xml version="1.0" encoding="utf-8"?>
+<file path=ppt/slides/slide18.xml><?xml version="1.0" encoding="utf-8"?>
 <p:sld xmlns:a="http://schemas.openxmlformats.org/drawingml/2006/main" xmlns:r="http://schemas.openxmlformats.org/officeDocument/2006/relationships" xmlns:p="http://schemas.openxmlformats.org/presentationml/2006/main">
   <p:cSld>
     <p:spTree>
@@ -29672,329 +29259,7 @@
 </p:sld>
 </file>
 
-<file path=ppt/slides/slide2.xml><?xml version="1.0" encoding="utf-8"?>
-<p:sld xmlns:a="http://schemas.openxmlformats.org/drawingml/2006/main" xmlns:r="http://schemas.openxmlformats.org/officeDocument/2006/relationships" xmlns:p="http://schemas.openxmlformats.org/presentationml/2006/main">
-  <p:cSld>
-    <p:spTree>
-      <p:nvGrpSpPr>
-        <p:cNvPr id="1" name=""/>
-        <p:cNvGrpSpPr/>
-        <p:nvPr/>
-      </p:nvGrpSpPr>
-      <p:grpSpPr>
-        <a:xfrm>
-          <a:off x="0" y="0"/>
-          <a:ext cx="0" cy="0"/>
-          <a:chOff x="0" y="0"/>
-          <a:chExt cx="0" cy="0"/>
-        </a:xfrm>
-      </p:grpSpPr>
-      <p:sp>
-        <p:nvSpPr>
-          <p:cNvPr id="2" name="Title 1"/>
-          <p:cNvSpPr>
-            <a:spLocks noGrp="1"/>
-          </p:cNvSpPr>
-          <p:nvPr>
-            <p:ph type="title"/>
-          </p:nvPr>
-        </p:nvSpPr>
-        <p:spPr/>
-        <p:txBody>
-          <a:bodyPr/>
-          <a:lstStyle/>
-          <a:p>
-            <a:r>
-              <a:rPr lang="en-US" dirty="0" smtClean="0"/>
-              <a:t>Presentation Overview</a:t>
-            </a:r>
-            <a:endParaRPr lang="en-US" dirty="0"/>
-          </a:p>
-        </p:txBody>
-      </p:sp>
-      <p:sp>
-        <p:nvSpPr>
-          <p:cNvPr id="3" name="Content Placeholder 2"/>
-          <p:cNvSpPr txBox="1">
-            <a:spLocks/>
-          </p:cNvSpPr>
-          <p:nvPr/>
-        </p:nvSpPr>
-        <p:spPr>
-          <a:xfrm>
-            <a:off x="609442" y="1351184"/>
-            <a:ext cx="10969942" cy="4800600"/>
-          </a:xfrm>
-          <a:prstGeom prst="rect">
-            <a:avLst/>
-          </a:prstGeom>
-        </p:spPr>
-        <p:txBody>
-          <a:bodyPr/>
-          <a:lstStyle>
-            <a:lvl1pPr marL="182825" indent="-182825" algn="l" defTabSz="914126" rtl="0" eaLnBrk="1" latinLnBrk="0" hangingPunct="1">
-              <a:lnSpc>
-                <a:spcPct val="90000"/>
-              </a:lnSpc>
-              <a:spcBef>
-                <a:spcPts val="1200"/>
-              </a:spcBef>
-              <a:buFont typeface="HP Simplified" panose="020B0604020204020204" pitchFamily="34" charset="0"/>
-              <a:buChar char="•"/>
-              <a:defRPr sz="1799" kern="1200">
-                <a:solidFill>
-                  <a:schemeClr val="tx1"/>
-                </a:solidFill>
-                <a:latin typeface="+mn-lt"/>
-                <a:ea typeface="+mn-ea"/>
-                <a:cs typeface="+mn-cs"/>
-              </a:defRPr>
-            </a:lvl1pPr>
-            <a:lvl2pPr marL="411357" indent="-182825" algn="l" defTabSz="914126" rtl="0" eaLnBrk="1" latinLnBrk="0" hangingPunct="1">
-              <a:lnSpc>
-                <a:spcPct val="90000"/>
-              </a:lnSpc>
-              <a:spcBef>
-                <a:spcPts val="800"/>
-              </a:spcBef>
-              <a:buSzPct val="80000"/>
-              <a:buFont typeface="HP Simplified" panose="020B0604020204020204" pitchFamily="34" charset="0"/>
-              <a:buChar char="–"/>
-              <a:defRPr sz="1600" kern="1200">
-                <a:solidFill>
-                  <a:schemeClr val="tx1"/>
-                </a:solidFill>
-                <a:latin typeface="+mn-lt"/>
-                <a:ea typeface="+mn-ea"/>
-                <a:cs typeface="+mn-cs"/>
-              </a:defRPr>
-            </a:lvl2pPr>
-            <a:lvl3pPr marL="548475" indent="-137119" algn="l" defTabSz="914126" rtl="0" eaLnBrk="1" latinLnBrk="0" hangingPunct="1">
-              <a:lnSpc>
-                <a:spcPct val="90000"/>
-              </a:lnSpc>
-              <a:spcBef>
-                <a:spcPts val="600"/>
-              </a:spcBef>
-              <a:buFont typeface="HP Simplified" panose="020B0604020204020204" pitchFamily="34" charset="0"/>
-              <a:buChar char="•"/>
-              <a:defRPr sz="1400" kern="1200">
-                <a:solidFill>
-                  <a:schemeClr val="tx1"/>
-                </a:solidFill>
-                <a:latin typeface="+mn-lt"/>
-                <a:ea typeface="+mn-ea"/>
-                <a:cs typeface="+mn-cs"/>
-              </a:defRPr>
-            </a:lvl3pPr>
-            <a:lvl4pPr marL="731301" indent="-137119" algn="l" defTabSz="914126" rtl="0" eaLnBrk="1" latinLnBrk="0" hangingPunct="1">
-              <a:lnSpc>
-                <a:spcPct val="90000"/>
-              </a:lnSpc>
-              <a:spcBef>
-                <a:spcPts val="600"/>
-              </a:spcBef>
-              <a:buSzPct val="80000"/>
-              <a:buFont typeface="HP Simplified" panose="020B0604020204020204" pitchFamily="34" charset="0"/>
-              <a:buChar char="–"/>
-              <a:defRPr sz="1200" kern="1200">
-                <a:solidFill>
-                  <a:schemeClr val="tx1"/>
-                </a:solidFill>
-                <a:latin typeface="+mn-lt"/>
-                <a:ea typeface="+mn-ea"/>
-                <a:cs typeface="+mn-cs"/>
-              </a:defRPr>
-            </a:lvl4pPr>
-            <a:lvl5pPr marL="868419" indent="-137119" algn="l" defTabSz="914126" rtl="0" eaLnBrk="1" latinLnBrk="0" hangingPunct="1">
-              <a:lnSpc>
-                <a:spcPct val="90000"/>
-              </a:lnSpc>
-              <a:spcBef>
-                <a:spcPts val="600"/>
-              </a:spcBef>
-              <a:buFont typeface="HP Simplified" panose="020B0604020204020204" pitchFamily="34" charset="0"/>
-              <a:buChar char="•"/>
-              <a:defRPr sz="1200" kern="1200">
-                <a:solidFill>
-                  <a:schemeClr val="tx1"/>
-                </a:solidFill>
-                <a:latin typeface="+mn-lt"/>
-                <a:ea typeface="+mn-ea"/>
-                <a:cs typeface="+mn-cs"/>
-              </a:defRPr>
-            </a:lvl5pPr>
-            <a:lvl6pPr marL="1051245" indent="-137119" algn="l" defTabSz="914126" rtl="0" eaLnBrk="1" latinLnBrk="0" hangingPunct="1">
-              <a:lnSpc>
-                <a:spcPct val="90000"/>
-              </a:lnSpc>
-              <a:spcBef>
-                <a:spcPts val="600"/>
-              </a:spcBef>
-              <a:buSzPct val="80000"/>
-              <a:buFont typeface="HP Simplified" panose="020B0604020204020204" pitchFamily="34" charset="0"/>
-              <a:buChar char="–"/>
-              <a:defRPr sz="1200" kern="1200">
-                <a:solidFill>
-                  <a:schemeClr val="tx1"/>
-                </a:solidFill>
-                <a:latin typeface="+mn-lt"/>
-                <a:ea typeface="+mn-ea"/>
-                <a:cs typeface="+mn-cs"/>
-              </a:defRPr>
-            </a:lvl6pPr>
-            <a:lvl7pPr marL="1188363" indent="-137119" algn="l" defTabSz="914126" rtl="0" eaLnBrk="1" latinLnBrk="0" hangingPunct="1">
-              <a:lnSpc>
-                <a:spcPct val="90000"/>
-              </a:lnSpc>
-              <a:spcBef>
-                <a:spcPts val="600"/>
-              </a:spcBef>
-              <a:buFont typeface="HP Simplified" panose="020B0604020204020204" pitchFamily="34" charset="0"/>
-              <a:buChar char="•"/>
-              <a:defRPr sz="1200" kern="1200">
-                <a:solidFill>
-                  <a:schemeClr val="tx1"/>
-                </a:solidFill>
-                <a:latin typeface="+mn-lt"/>
-                <a:ea typeface="+mn-ea"/>
-                <a:cs typeface="+mn-cs"/>
-              </a:defRPr>
-            </a:lvl7pPr>
-            <a:lvl8pPr marL="1371189" indent="-137119" algn="l" defTabSz="914126" rtl="0" eaLnBrk="1" latinLnBrk="0" hangingPunct="1">
-              <a:lnSpc>
-                <a:spcPct val="90000"/>
-              </a:lnSpc>
-              <a:spcBef>
-                <a:spcPts val="600"/>
-              </a:spcBef>
-              <a:buSzPct val="80000"/>
-              <a:buFont typeface="HP Simplified" panose="020B0604020204020204" pitchFamily="34" charset="0"/>
-              <a:buChar char="–"/>
-              <a:defRPr sz="1200" kern="1200">
-                <a:solidFill>
-                  <a:schemeClr val="tx1"/>
-                </a:solidFill>
-                <a:latin typeface="+mn-lt"/>
-                <a:ea typeface="+mn-ea"/>
-                <a:cs typeface="+mn-cs"/>
-              </a:defRPr>
-            </a:lvl8pPr>
-            <a:lvl9pPr marL="1554014" indent="-137119" algn="l" defTabSz="914126" rtl="0" eaLnBrk="1" latinLnBrk="0" hangingPunct="1">
-              <a:lnSpc>
-                <a:spcPct val="90000"/>
-              </a:lnSpc>
-              <a:spcBef>
-                <a:spcPts val="600"/>
-              </a:spcBef>
-              <a:buFont typeface="HP Simplified" panose="020B0604020204020204" pitchFamily="34" charset="0"/>
-              <a:buChar char="•"/>
-              <a:defRPr sz="1200" kern="1200">
-                <a:solidFill>
-                  <a:schemeClr val="tx1"/>
-                </a:solidFill>
-                <a:latin typeface="+mn-lt"/>
-                <a:ea typeface="+mn-ea"/>
-                <a:cs typeface="+mn-cs"/>
-              </a:defRPr>
-            </a:lvl9pPr>
-          </a:lstStyle>
-          <a:p>
-            <a:r>
-              <a:rPr lang="en-US" sz="2400" dirty="0" smtClean="0"/>
-              <a:t>Data Block Compression </a:t>
-            </a:r>
-            <a:r>
-              <a:rPr lang="en-US" sz="2400" dirty="0" smtClean="0"/>
-              <a:t>Options</a:t>
-            </a:r>
-          </a:p>
-          <a:p>
-            <a:pPr lvl="1"/>
-            <a:r>
-              <a:rPr lang="en-US" sz="2201" dirty="0" smtClean="0"/>
-              <a:t> basic vs. advanced</a:t>
-            </a:r>
-          </a:p>
-          <a:p>
-            <a:r>
-              <a:rPr lang="en-US" sz="2400" dirty="0" smtClean="0"/>
-              <a:t>Block Compression Fundamentals</a:t>
-            </a:r>
-          </a:p>
-          <a:p>
-            <a:pPr lvl="1"/>
-            <a:r>
-              <a:rPr lang="en-US" sz="2201" dirty="0" smtClean="0"/>
-              <a:t>What’s going on under the hood</a:t>
-            </a:r>
-          </a:p>
-          <a:p>
-            <a:r>
-              <a:rPr lang="en-US" sz="2400" dirty="0" smtClean="0"/>
-              <a:t>Experimental Results</a:t>
-            </a:r>
-          </a:p>
-          <a:p>
-            <a:pPr lvl="1"/>
-            <a:r>
-              <a:rPr lang="en-US" sz="2201" dirty="0" smtClean="0"/>
-              <a:t>Compression </a:t>
-            </a:r>
-            <a:r>
-              <a:rPr lang="en-US" sz="2201" dirty="0" smtClean="0"/>
-              <a:t>Ratio w/ Turning Various Knobs</a:t>
-            </a:r>
-            <a:endParaRPr lang="en-US" sz="2201" dirty="0" smtClean="0"/>
-          </a:p>
-          <a:p>
-            <a:pPr lvl="1"/>
-            <a:r>
-              <a:rPr lang="en-US" sz="2201" dirty="0" smtClean="0"/>
-              <a:t>CPU Usage</a:t>
-            </a:r>
-          </a:p>
-          <a:p>
-            <a:r>
-              <a:rPr lang="en-US" sz="2400" dirty="0" smtClean="0"/>
-              <a:t>Conclusions/Future Work</a:t>
-            </a:r>
-          </a:p>
-          <a:p>
-            <a:r>
-              <a:rPr lang="en-US" sz="2400" dirty="0" smtClean="0"/>
-              <a:t>Questions</a:t>
-            </a:r>
-            <a:endParaRPr lang="en-US" sz="2400" dirty="0" smtClean="0"/>
-          </a:p>
-        </p:txBody>
-      </p:sp>
-    </p:spTree>
-    <p:extLst>
-      <p:ext uri="{BB962C8B-B14F-4D97-AF65-F5344CB8AC3E}">
-        <p14:creationId xmlns:p14="http://schemas.microsoft.com/office/powerpoint/2010/main" val="229901723"/>
-      </p:ext>
-    </p:extLst>
-  </p:cSld>
-  <p:clrMapOvr>
-    <a:masterClrMapping/>
-  </p:clrMapOvr>
-  <mc:AlternateContent xmlns:mc="http://schemas.openxmlformats.org/markup-compatibility/2006" xmlns:p14="http://schemas.microsoft.com/office/powerpoint/2010/main">
-    <mc:Choice Requires="p14">
-      <p:transition spd="med" p14:dur="700">
-        <p:fade/>
-      </p:transition>
-    </mc:Choice>
-    <mc:Fallback xmlns="">
-      <p:transition spd="med">
-        <p:fade/>
-      </p:transition>
-    </mc:Fallback>
-  </mc:AlternateContent>
-</p:sld>
-</file>
-
-<file path=ppt/slides/slide20.xml><?xml version="1.0" encoding="utf-8"?>
+<file path=ppt/slides/slide19.xml><?xml version="1.0" encoding="utf-8"?>
 <p:sld xmlns:a="http://schemas.openxmlformats.org/drawingml/2006/main" xmlns:r="http://schemas.openxmlformats.org/officeDocument/2006/relationships" xmlns:p="http://schemas.openxmlformats.org/presentationml/2006/main">
   <p:cSld>
     <p:spTree>
@@ -30354,7 +29619,326 @@
 </p:sld>
 </file>
 
-<file path=ppt/slides/slide21.xml><?xml version="1.0" encoding="utf-8"?>
+<file path=ppt/slides/slide2.xml><?xml version="1.0" encoding="utf-8"?>
+<p:sld xmlns:a="http://schemas.openxmlformats.org/drawingml/2006/main" xmlns:r="http://schemas.openxmlformats.org/officeDocument/2006/relationships" xmlns:p="http://schemas.openxmlformats.org/presentationml/2006/main">
+  <p:cSld>
+    <p:spTree>
+      <p:nvGrpSpPr>
+        <p:cNvPr id="1" name=""/>
+        <p:cNvGrpSpPr/>
+        <p:nvPr/>
+      </p:nvGrpSpPr>
+      <p:grpSpPr>
+        <a:xfrm>
+          <a:off x="0" y="0"/>
+          <a:ext cx="0" cy="0"/>
+          <a:chOff x="0" y="0"/>
+          <a:chExt cx="0" cy="0"/>
+        </a:xfrm>
+      </p:grpSpPr>
+      <p:sp>
+        <p:nvSpPr>
+          <p:cNvPr id="2" name="Title 1"/>
+          <p:cNvSpPr>
+            <a:spLocks noGrp="1"/>
+          </p:cNvSpPr>
+          <p:nvPr>
+            <p:ph type="title"/>
+          </p:nvPr>
+        </p:nvSpPr>
+        <p:spPr/>
+        <p:txBody>
+          <a:bodyPr/>
+          <a:lstStyle/>
+          <a:p>
+            <a:r>
+              <a:rPr lang="en-US" dirty="0" smtClean="0"/>
+              <a:t>Presentation Overview</a:t>
+            </a:r>
+            <a:endParaRPr lang="en-US" dirty="0"/>
+          </a:p>
+        </p:txBody>
+      </p:sp>
+      <p:sp>
+        <p:nvSpPr>
+          <p:cNvPr id="3" name="Content Placeholder 2"/>
+          <p:cNvSpPr txBox="1">
+            <a:spLocks/>
+          </p:cNvSpPr>
+          <p:nvPr/>
+        </p:nvSpPr>
+        <p:spPr>
+          <a:xfrm>
+            <a:off x="609442" y="1351184"/>
+            <a:ext cx="10969942" cy="4800600"/>
+          </a:xfrm>
+          <a:prstGeom prst="rect">
+            <a:avLst/>
+          </a:prstGeom>
+        </p:spPr>
+        <p:txBody>
+          <a:bodyPr/>
+          <a:lstStyle>
+            <a:lvl1pPr marL="182825" indent="-182825" algn="l" defTabSz="914126" rtl="0" eaLnBrk="1" latinLnBrk="0" hangingPunct="1">
+              <a:lnSpc>
+                <a:spcPct val="90000"/>
+              </a:lnSpc>
+              <a:spcBef>
+                <a:spcPts val="1200"/>
+              </a:spcBef>
+              <a:buFont typeface="HP Simplified" panose="020B0604020204020204" pitchFamily="34" charset="0"/>
+              <a:buChar char="•"/>
+              <a:defRPr sz="1799" kern="1200">
+                <a:solidFill>
+                  <a:schemeClr val="tx1"/>
+                </a:solidFill>
+                <a:latin typeface="+mn-lt"/>
+                <a:ea typeface="+mn-ea"/>
+                <a:cs typeface="+mn-cs"/>
+              </a:defRPr>
+            </a:lvl1pPr>
+            <a:lvl2pPr marL="411357" indent="-182825" algn="l" defTabSz="914126" rtl="0" eaLnBrk="1" latinLnBrk="0" hangingPunct="1">
+              <a:lnSpc>
+                <a:spcPct val="90000"/>
+              </a:lnSpc>
+              <a:spcBef>
+                <a:spcPts val="800"/>
+              </a:spcBef>
+              <a:buSzPct val="80000"/>
+              <a:buFont typeface="HP Simplified" panose="020B0604020204020204" pitchFamily="34" charset="0"/>
+              <a:buChar char="–"/>
+              <a:defRPr sz="1600" kern="1200">
+                <a:solidFill>
+                  <a:schemeClr val="tx1"/>
+                </a:solidFill>
+                <a:latin typeface="+mn-lt"/>
+                <a:ea typeface="+mn-ea"/>
+                <a:cs typeface="+mn-cs"/>
+              </a:defRPr>
+            </a:lvl2pPr>
+            <a:lvl3pPr marL="548475" indent="-137119" algn="l" defTabSz="914126" rtl="0" eaLnBrk="1" latinLnBrk="0" hangingPunct="1">
+              <a:lnSpc>
+                <a:spcPct val="90000"/>
+              </a:lnSpc>
+              <a:spcBef>
+                <a:spcPts val="600"/>
+              </a:spcBef>
+              <a:buFont typeface="HP Simplified" panose="020B0604020204020204" pitchFamily="34" charset="0"/>
+              <a:buChar char="•"/>
+              <a:defRPr sz="1400" kern="1200">
+                <a:solidFill>
+                  <a:schemeClr val="tx1"/>
+                </a:solidFill>
+                <a:latin typeface="+mn-lt"/>
+                <a:ea typeface="+mn-ea"/>
+                <a:cs typeface="+mn-cs"/>
+              </a:defRPr>
+            </a:lvl3pPr>
+            <a:lvl4pPr marL="731301" indent="-137119" algn="l" defTabSz="914126" rtl="0" eaLnBrk="1" latinLnBrk="0" hangingPunct="1">
+              <a:lnSpc>
+                <a:spcPct val="90000"/>
+              </a:lnSpc>
+              <a:spcBef>
+                <a:spcPts val="600"/>
+              </a:spcBef>
+              <a:buSzPct val="80000"/>
+              <a:buFont typeface="HP Simplified" panose="020B0604020204020204" pitchFamily="34" charset="0"/>
+              <a:buChar char="–"/>
+              <a:defRPr sz="1200" kern="1200">
+                <a:solidFill>
+                  <a:schemeClr val="tx1"/>
+                </a:solidFill>
+                <a:latin typeface="+mn-lt"/>
+                <a:ea typeface="+mn-ea"/>
+                <a:cs typeface="+mn-cs"/>
+              </a:defRPr>
+            </a:lvl4pPr>
+            <a:lvl5pPr marL="868419" indent="-137119" algn="l" defTabSz="914126" rtl="0" eaLnBrk="1" latinLnBrk="0" hangingPunct="1">
+              <a:lnSpc>
+                <a:spcPct val="90000"/>
+              </a:lnSpc>
+              <a:spcBef>
+                <a:spcPts val="600"/>
+              </a:spcBef>
+              <a:buFont typeface="HP Simplified" panose="020B0604020204020204" pitchFamily="34" charset="0"/>
+              <a:buChar char="•"/>
+              <a:defRPr sz="1200" kern="1200">
+                <a:solidFill>
+                  <a:schemeClr val="tx1"/>
+                </a:solidFill>
+                <a:latin typeface="+mn-lt"/>
+                <a:ea typeface="+mn-ea"/>
+                <a:cs typeface="+mn-cs"/>
+              </a:defRPr>
+            </a:lvl5pPr>
+            <a:lvl6pPr marL="1051245" indent="-137119" algn="l" defTabSz="914126" rtl="0" eaLnBrk="1" latinLnBrk="0" hangingPunct="1">
+              <a:lnSpc>
+                <a:spcPct val="90000"/>
+              </a:lnSpc>
+              <a:spcBef>
+                <a:spcPts val="600"/>
+              </a:spcBef>
+              <a:buSzPct val="80000"/>
+              <a:buFont typeface="HP Simplified" panose="020B0604020204020204" pitchFamily="34" charset="0"/>
+              <a:buChar char="–"/>
+              <a:defRPr sz="1200" kern="1200">
+                <a:solidFill>
+                  <a:schemeClr val="tx1"/>
+                </a:solidFill>
+                <a:latin typeface="+mn-lt"/>
+                <a:ea typeface="+mn-ea"/>
+                <a:cs typeface="+mn-cs"/>
+              </a:defRPr>
+            </a:lvl6pPr>
+            <a:lvl7pPr marL="1188363" indent="-137119" algn="l" defTabSz="914126" rtl="0" eaLnBrk="1" latinLnBrk="0" hangingPunct="1">
+              <a:lnSpc>
+                <a:spcPct val="90000"/>
+              </a:lnSpc>
+              <a:spcBef>
+                <a:spcPts val="600"/>
+              </a:spcBef>
+              <a:buFont typeface="HP Simplified" panose="020B0604020204020204" pitchFamily="34" charset="0"/>
+              <a:buChar char="•"/>
+              <a:defRPr sz="1200" kern="1200">
+                <a:solidFill>
+                  <a:schemeClr val="tx1"/>
+                </a:solidFill>
+                <a:latin typeface="+mn-lt"/>
+                <a:ea typeface="+mn-ea"/>
+                <a:cs typeface="+mn-cs"/>
+              </a:defRPr>
+            </a:lvl7pPr>
+            <a:lvl8pPr marL="1371189" indent="-137119" algn="l" defTabSz="914126" rtl="0" eaLnBrk="1" latinLnBrk="0" hangingPunct="1">
+              <a:lnSpc>
+                <a:spcPct val="90000"/>
+              </a:lnSpc>
+              <a:spcBef>
+                <a:spcPts val="600"/>
+              </a:spcBef>
+              <a:buSzPct val="80000"/>
+              <a:buFont typeface="HP Simplified" panose="020B0604020204020204" pitchFamily="34" charset="0"/>
+              <a:buChar char="–"/>
+              <a:defRPr sz="1200" kern="1200">
+                <a:solidFill>
+                  <a:schemeClr val="tx1"/>
+                </a:solidFill>
+                <a:latin typeface="+mn-lt"/>
+                <a:ea typeface="+mn-ea"/>
+                <a:cs typeface="+mn-cs"/>
+              </a:defRPr>
+            </a:lvl8pPr>
+            <a:lvl9pPr marL="1554014" indent="-137119" algn="l" defTabSz="914126" rtl="0" eaLnBrk="1" latinLnBrk="0" hangingPunct="1">
+              <a:lnSpc>
+                <a:spcPct val="90000"/>
+              </a:lnSpc>
+              <a:spcBef>
+                <a:spcPts val="600"/>
+              </a:spcBef>
+              <a:buFont typeface="HP Simplified" panose="020B0604020204020204" pitchFamily="34" charset="0"/>
+              <a:buChar char="•"/>
+              <a:defRPr sz="1200" kern="1200">
+                <a:solidFill>
+                  <a:schemeClr val="tx1"/>
+                </a:solidFill>
+                <a:latin typeface="+mn-lt"/>
+                <a:ea typeface="+mn-ea"/>
+                <a:cs typeface="+mn-cs"/>
+              </a:defRPr>
+            </a:lvl9pPr>
+          </a:lstStyle>
+          <a:p>
+            <a:r>
+              <a:rPr lang="en-US" sz="2400" dirty="0" smtClean="0"/>
+              <a:t>Data Block Compression Options</a:t>
+            </a:r>
+          </a:p>
+          <a:p>
+            <a:pPr lvl="1"/>
+            <a:r>
+              <a:rPr lang="en-US" sz="2201" dirty="0" smtClean="0"/>
+              <a:t> basic vs. advanced</a:t>
+            </a:r>
+          </a:p>
+          <a:p>
+            <a:r>
+              <a:rPr lang="en-US" sz="2400" dirty="0" smtClean="0"/>
+              <a:t>Block Compression Fundamentals</a:t>
+            </a:r>
+          </a:p>
+          <a:p>
+            <a:pPr lvl="1"/>
+            <a:r>
+              <a:rPr lang="en-US" sz="2201" dirty="0" smtClean="0"/>
+              <a:t>What’s going on under the hood</a:t>
+            </a:r>
+          </a:p>
+          <a:p>
+            <a:r>
+              <a:rPr lang="en-US" sz="2400" dirty="0" smtClean="0"/>
+              <a:t>Experimental Results</a:t>
+            </a:r>
+          </a:p>
+          <a:p>
+            <a:pPr lvl="1"/>
+            <a:r>
+              <a:rPr lang="en-US" sz="2201" dirty="0" smtClean="0"/>
+              <a:t>Compression Ratio w/ Turning Various Knobs</a:t>
+            </a:r>
+          </a:p>
+          <a:p>
+            <a:pPr lvl="1"/>
+            <a:r>
+              <a:rPr lang="en-US" sz="2201" dirty="0" smtClean="0"/>
+              <a:t>CPU Usage</a:t>
+            </a:r>
+          </a:p>
+          <a:p>
+            <a:r>
+              <a:rPr lang="en-US" sz="2400" dirty="0" smtClean="0"/>
+              <a:t>Conclusions/Future Work</a:t>
+            </a:r>
+          </a:p>
+          <a:p>
+            <a:r>
+              <a:rPr lang="en-US" sz="2400" dirty="0" smtClean="0"/>
+              <a:t>Questions</a:t>
+            </a:r>
+          </a:p>
+        </p:txBody>
+      </p:sp>
+    </p:spTree>
+    <p:extLst>
+      <p:ext uri="{BB962C8B-B14F-4D97-AF65-F5344CB8AC3E}">
+        <p14:creationId xmlns:p14="http://schemas.microsoft.com/office/powerpoint/2010/main" val="229901723"/>
+      </p:ext>
+    </p:extLst>
+  </p:cSld>
+  <p:clrMapOvr>
+    <a:masterClrMapping/>
+  </p:clrMapOvr>
+  <mc:AlternateContent xmlns:mc="http://schemas.openxmlformats.org/markup-compatibility/2006" xmlns:p14="http://schemas.microsoft.com/office/powerpoint/2010/main">
+    <mc:Choice Requires="p14">
+      <p:transition spd="med" p14:dur="700">
+        <p:fade/>
+      </p:transition>
+    </mc:Choice>
+    <mc:Fallback xmlns="">
+      <p:transition spd="med">
+        <p:fade/>
+      </p:transition>
+    </mc:Fallback>
+  </mc:AlternateContent>
+  <p:timing>
+    <p:tnLst>
+      <p:par>
+        <p:cTn id="1" dur="indefinite" restart="never" nodeType="tmRoot"/>
+      </p:par>
+    </p:tnLst>
+  </p:timing>
+</p:sld>
+</file>
+
+<file path=ppt/slides/slide20.xml><?xml version="1.0" encoding="utf-8"?>
 <p:sld xmlns:a="http://schemas.openxmlformats.org/drawingml/2006/main" xmlns:r="http://schemas.openxmlformats.org/officeDocument/2006/relationships" xmlns:p="http://schemas.openxmlformats.org/presentationml/2006/main">
   <p:cSld>
     <p:spTree>
@@ -30703,7 +30287,7 @@
 </p:sld>
 </file>
 
-<file path=ppt/slides/slide22.xml><?xml version="1.0" encoding="utf-8"?>
+<file path=ppt/slides/slide21.xml><?xml version="1.0" encoding="utf-8"?>
 <p:sld xmlns:a="http://schemas.openxmlformats.org/drawingml/2006/main" xmlns:r="http://schemas.openxmlformats.org/officeDocument/2006/relationships" xmlns:p="http://schemas.openxmlformats.org/presentationml/2006/main">
   <p:cSld>
     <p:spTree>
@@ -30774,11 +30358,7 @@
             <a:pPr lvl="1"/>
             <a:r>
               <a:rPr lang="en-US" sz="2400" dirty="0" smtClean="0"/>
-              <a:t>Compression </a:t>
-            </a:r>
-            <a:r>
-              <a:rPr lang="en-US" sz="2400" dirty="0" smtClean="0"/>
-              <a:t>is an absolute must as data volumes start to really grow.</a:t>
+              <a:t>Compression is an absolute must as data volumes start to really grow.</a:t>
             </a:r>
           </a:p>
           <a:p>
@@ -30814,19 +30394,7 @@
             <a:pPr lvl="2"/>
             <a:r>
               <a:rPr lang="en-US" sz="2000" dirty="0" smtClean="0"/>
-              <a:t>There is a large improvement in query </a:t>
-            </a:r>
-            <a:r>
-              <a:rPr lang="en-US" sz="2000" dirty="0" smtClean="0"/>
-              <a:t>performance </a:t>
-            </a:r>
-            <a:r>
-              <a:rPr lang="en-US" sz="2000" dirty="0" smtClean="0"/>
-              <a:t>when these tables are combined</a:t>
-            </a:r>
-            <a:r>
-              <a:rPr lang="en-US" sz="2000" dirty="0" smtClean="0"/>
-              <a:t>.</a:t>
+              <a:t>There is a large improvement in query performance when these tables are combined.</a:t>
             </a:r>
           </a:p>
           <a:p>
@@ -30834,7 +30402,6 @@
               <a:rPr lang="en-US" sz="2800" dirty="0" smtClean="0"/>
               <a:t>Future Work</a:t>
             </a:r>
-            <a:endParaRPr lang="en-US" sz="2800" dirty="0" smtClean="0"/>
           </a:p>
         </p:txBody>
       </p:sp>
@@ -30860,10 +30427,17 @@
       </p:transition>
     </mc:Fallback>
   </mc:AlternateContent>
+  <p:timing>
+    <p:tnLst>
+      <p:par>
+        <p:cTn id="1" dur="indefinite" restart="never" nodeType="tmRoot"/>
+      </p:par>
+    </p:tnLst>
+  </p:timing>
 </p:sld>
 </file>
 
-<file path=ppt/slides/slide23.xml><?xml version="1.0" encoding="utf-8"?>
+<file path=ppt/slides/slide22.xml><?xml version="1.0" encoding="utf-8"?>
 <p:sld xmlns:a="http://schemas.openxmlformats.org/drawingml/2006/main" xmlns:r="http://schemas.openxmlformats.org/officeDocument/2006/relationships" xmlns:p="http://schemas.openxmlformats.org/presentationml/2006/main">
   <p:cSld>
     <p:spTree>
@@ -30934,7 +30508,7 @@
 </p:sld>
 </file>
 
-<file path=ppt/slides/slide24.xml><?xml version="1.0" encoding="utf-8"?>
+<file path=ppt/slides/slide23.xml><?xml version="1.0" encoding="utf-8"?>
 <p:sld xmlns:a="http://schemas.openxmlformats.org/drawingml/2006/main" xmlns:r="http://schemas.openxmlformats.org/officeDocument/2006/relationships" xmlns:p="http://schemas.openxmlformats.org/presentationml/2006/main">
   <p:cSld>
     <p:spTree>
@@ -31723,7 +31297,7 @@
         </p:nvSpPr>
         <p:spPr>
           <a:xfrm>
-            <a:off x="2316677" y="2109364"/>
+            <a:off x="1877633" y="2791127"/>
             <a:ext cx="9361007" cy="3590201"/>
           </a:xfrm>
           <a:prstGeom prst="rect">
@@ -32224,7 +31798,7 @@
         </p:nvSpPr>
         <p:spPr>
           <a:xfrm rot="10800000">
-            <a:off x="2113257" y="3016439"/>
+            <a:off x="1674213" y="3698202"/>
             <a:ext cx="427401" cy="531440"/>
           </a:xfrm>
           <a:prstGeom prst="rightBrace">
@@ -32275,7 +31849,7 @@
         </p:nvSpPr>
         <p:spPr>
           <a:xfrm rot="16200000">
-            <a:off x="9558135" y="866578"/>
+            <a:off x="9119091" y="1548341"/>
             <a:ext cx="660894" cy="2491195"/>
           </a:xfrm>
           <a:prstGeom prst="rightBrace">
@@ -32326,7 +31900,7 @@
         </p:nvSpPr>
         <p:spPr>
           <a:xfrm>
-            <a:off x="484784" y="3153829"/>
+            <a:off x="45740" y="3835592"/>
             <a:ext cx="1468795" cy="256660"/>
           </a:xfrm>
           <a:prstGeom prst="rect">
@@ -32369,7 +31943,7 @@
         </p:nvSpPr>
         <p:spPr>
           <a:xfrm rot="16200000">
-            <a:off x="6027134" y="-173231"/>
+            <a:off x="5588090" y="508532"/>
             <a:ext cx="660893" cy="4570810"/>
           </a:xfrm>
           <a:prstGeom prst="rightBrace">
@@ -32420,7 +31994,7 @@
         </p:nvSpPr>
         <p:spPr>
           <a:xfrm rot="10800000">
-            <a:off x="2101384" y="3740646"/>
+            <a:off x="1662340" y="4422409"/>
             <a:ext cx="437299" cy="1780840"/>
           </a:xfrm>
           <a:prstGeom prst="rightBrace">
@@ -32471,7 +32045,7 @@
         </p:nvSpPr>
         <p:spPr>
           <a:xfrm>
-            <a:off x="484784" y="4495111"/>
+            <a:off x="45740" y="5176874"/>
             <a:ext cx="1437142" cy="242804"/>
           </a:xfrm>
           <a:prstGeom prst="rect">
@@ -32514,7 +32088,7 @@
         </p:nvSpPr>
         <p:spPr>
           <a:xfrm>
-            <a:off x="5631271" y="1395879"/>
+            <a:off x="5192227" y="2077642"/>
             <a:ext cx="1437142" cy="320551"/>
           </a:xfrm>
           <a:prstGeom prst="rect">
@@ -32557,7 +32131,7 @@
         </p:nvSpPr>
         <p:spPr>
           <a:xfrm>
-            <a:off x="9226575" y="1395879"/>
+            <a:off x="8787531" y="2077642"/>
             <a:ext cx="1437142" cy="320551"/>
           </a:xfrm>
           <a:prstGeom prst="rect">
@@ -32592,6 +32166,93 @@
           </a:p>
         </p:txBody>
       </p:sp>
+      <p:graphicFrame>
+        <p:nvGraphicFramePr>
+          <p:cNvPr id="15" name="Table 14"/>
+          <p:cNvGraphicFramePr>
+            <a:graphicFrameLocks noGrp="1"/>
+          </p:cNvGraphicFramePr>
+          <p:nvPr>
+            <p:extLst>
+              <p:ext uri="{D42A27DB-BD31-4B8C-83A1-F6EECF244321}">
+                <p14:modId xmlns:p14="http://schemas.microsoft.com/office/powerpoint/2010/main" val="3369346687"/>
+              </p:ext>
+            </p:extLst>
+          </p:nvPr>
+        </p:nvGraphicFramePr>
+        <p:xfrm>
+          <a:off x="8207897" y="516280"/>
+          <a:ext cx="3054829" cy="1112520"/>
+        </p:xfrm>
+        <a:graphic>
+          <a:graphicData uri="http://schemas.openxmlformats.org/drawingml/2006/table">
+            <a:tbl>
+              <a:tblPr firstRow="1" bandRow="1">
+                <a:tableStyleId>{00A15C55-8517-42AA-B614-E9B94910E393}</a:tableStyleId>
+              </a:tblPr>
+              <a:tblGrid>
+                <a:gridCol w="3054829"/>
+              </a:tblGrid>
+              <a:tr h="370840">
+                <a:tc>
+                  <a:txBody>
+                    <a:bodyPr/>
+                    <a:lstStyle/>
+                    <a:p>
+                      <a:r>
+                        <a:rPr lang="en-US" dirty="0" smtClean="0">
+                          <a:solidFill>
+                            <a:schemeClr val="tx1"/>
+                          </a:solidFill>
+                        </a:rPr>
+                        <a:t>COL1</a:t>
+                      </a:r>
+                      <a:endParaRPr lang="en-GB" dirty="0">
+                        <a:solidFill>
+                          <a:schemeClr val="tx1"/>
+                        </a:solidFill>
+                      </a:endParaRPr>
+                    </a:p>
+                  </a:txBody>
+                  <a:tcPr/>
+                </a:tc>
+              </a:tr>
+              <a:tr h="370840">
+                <a:tc>
+                  <a:txBody>
+                    <a:bodyPr/>
+                    <a:lstStyle/>
+                    <a:p>
+                      <a:r>
+                        <a:rPr lang="en-US" dirty="0" smtClean="0"/>
+                        <a:t>RAT</a:t>
+                      </a:r>
+                      <a:endParaRPr lang="en-GB" dirty="0"/>
+                    </a:p>
+                  </a:txBody>
+                  <a:tcPr/>
+                </a:tc>
+              </a:tr>
+              <a:tr h="370840">
+                <a:tc>
+                  <a:txBody>
+                    <a:bodyPr/>
+                    <a:lstStyle/>
+                    <a:p>
+                      <a:r>
+                        <a:rPr lang="en-US" dirty="0" smtClean="0"/>
+                        <a:t>PACK</a:t>
+                      </a:r>
+                      <a:endParaRPr lang="en-GB" dirty="0"/>
+                    </a:p>
+                  </a:txBody>
+                  <a:tcPr/>
+                </a:tc>
+              </a:tr>
+            </a:tbl>
+          </a:graphicData>
+        </a:graphic>
+      </p:graphicFrame>
     </p:spTree>
     <p:extLst>
       <p:ext uri="{BB962C8B-B14F-4D97-AF65-F5344CB8AC3E}">
@@ -32706,8 +32367,8 @@
         </p:nvSpPr>
         <p:spPr>
           <a:xfrm>
-            <a:off x="3019753" y="1444519"/>
-            <a:ext cx="6709540" cy="4338152"/>
+            <a:off x="1962138" y="1444519"/>
+            <a:ext cx="6220506" cy="4338152"/>
           </a:xfrm>
           <a:prstGeom prst="rect">
             <a:avLst/>
@@ -33180,7 +32841,7 @@
         </p:nvSpPr>
         <p:spPr>
           <a:xfrm rot="10800000">
-            <a:off x="2762827" y="1848172"/>
+            <a:off x="1693647" y="1848172"/>
             <a:ext cx="510505" cy="515295"/>
           </a:xfrm>
           <a:prstGeom prst="rightBrace">
@@ -33231,7 +32892,7 @@
         </p:nvSpPr>
         <p:spPr>
           <a:xfrm>
-            <a:off x="1640709" y="1961790"/>
+            <a:off x="571529" y="1961790"/>
             <a:ext cx="1017179" cy="320551"/>
           </a:xfrm>
           <a:prstGeom prst="rect">
@@ -33274,7 +32935,7 @@
         </p:nvSpPr>
         <p:spPr>
           <a:xfrm>
-            <a:off x="3137654" y="3357635"/>
+            <a:off x="2068474" y="3357635"/>
             <a:ext cx="1614623" cy="461875"/>
           </a:xfrm>
           <a:prstGeom prst="roundRect">
@@ -33329,7 +32990,7 @@
         </p:nvSpPr>
         <p:spPr>
           <a:xfrm>
-            <a:off x="3149526" y="4341037"/>
+            <a:off x="2080346" y="4341037"/>
             <a:ext cx="1602752" cy="472639"/>
           </a:xfrm>
           <a:prstGeom prst="roundRect">
@@ -33384,7 +33045,7 @@
         </p:nvSpPr>
         <p:spPr>
           <a:xfrm>
-            <a:off x="634316" y="3827437"/>
+            <a:off x="45740" y="3827437"/>
             <a:ext cx="1595116" cy="503722"/>
           </a:xfrm>
           <a:prstGeom prst="rect">
@@ -33440,8 +33101,8 @@
         </p:nvCxnSpPr>
         <p:spPr>
           <a:xfrm flipV="1">
-            <a:off x="2229432" y="3588573"/>
-            <a:ext cx="908222" cy="490725"/>
+            <a:off x="1640856" y="3588573"/>
+            <a:ext cx="427618" cy="490725"/>
           </a:xfrm>
           <a:prstGeom prst="straightConnector1">
             <a:avLst/>
@@ -33480,8 +33141,8 @@
         </p:nvCxnSpPr>
         <p:spPr>
           <a:xfrm>
-            <a:off x="2229432" y="4079298"/>
-            <a:ext cx="920094" cy="498059"/>
+            <a:off x="1640856" y="4079298"/>
+            <a:ext cx="439490" cy="498059"/>
           </a:xfrm>
           <a:prstGeom prst="straightConnector1">
             <a:avLst/>
@@ -33509,6 +33170,77 @@
           </a:fontRef>
         </p:style>
       </p:cxnSp>
+      <p:graphicFrame>
+        <p:nvGraphicFramePr>
+          <p:cNvPr id="4" name="Table 3"/>
+          <p:cNvGraphicFramePr>
+            <a:graphicFrameLocks noGrp="1"/>
+          </p:cNvGraphicFramePr>
+          <p:nvPr>
+            <p:extLst>
+              <p:ext uri="{D42A27DB-BD31-4B8C-83A1-F6EECF244321}">
+                <p14:modId xmlns:p14="http://schemas.microsoft.com/office/powerpoint/2010/main" val="3888038523"/>
+              </p:ext>
+            </p:extLst>
+          </p:nvPr>
+        </p:nvGraphicFramePr>
+        <p:xfrm>
+          <a:off x="8686700" y="1220110"/>
+          <a:ext cx="2088232" cy="741680"/>
+        </p:xfrm>
+        <a:graphic>
+          <a:graphicData uri="http://schemas.openxmlformats.org/drawingml/2006/table">
+            <a:tbl>
+              <a:tblPr firstRow="1" bandRow="1">
+                <a:tableStyleId>{00A15C55-8517-42AA-B614-E9B94910E393}</a:tableStyleId>
+              </a:tblPr>
+              <a:tblGrid>
+                <a:gridCol w="2088232"/>
+              </a:tblGrid>
+              <a:tr h="370840">
+                <a:tc>
+                  <a:txBody>
+                    <a:bodyPr/>
+                    <a:lstStyle/>
+                    <a:p>
+                      <a:r>
+                        <a:rPr lang="en-US" dirty="0" smtClean="0">
+                          <a:solidFill>
+                            <a:schemeClr val="tx1"/>
+                          </a:solidFill>
+                        </a:rPr>
+                        <a:t>COL1</a:t>
+                      </a:r>
+                      <a:endParaRPr lang="en-GB" dirty="0">
+                        <a:solidFill>
+                          <a:schemeClr val="tx1"/>
+                        </a:solidFill>
+                      </a:endParaRPr>
+                    </a:p>
+                  </a:txBody>
+                  <a:tcPr/>
+                </a:tc>
+              </a:tr>
+              <a:tr h="370840">
+                <a:tc>
+                  <a:txBody>
+                    <a:bodyPr/>
+                    <a:lstStyle/>
+                    <a:p>
+                      <a:r>
+                        <a:rPr lang="en-US" dirty="0" smtClean="0"/>
+                        <a:t>AAAAAAAAAA</a:t>
+                      </a:r>
+                      <a:endParaRPr lang="en-GB" dirty="0"/>
+                    </a:p>
+                  </a:txBody>
+                  <a:tcPr/>
+                </a:tc>
+              </a:tr>
+            </a:tbl>
+          </a:graphicData>
+        </a:graphic>
+      </p:graphicFrame>
     </p:spTree>
     <p:extLst>
       <p:ext uri="{BB962C8B-B14F-4D97-AF65-F5344CB8AC3E}">
@@ -33583,22 +33315,30 @@
       </p:sp>
       <p:sp>
         <p:nvSpPr>
-          <p:cNvPr id="3" name="TextBox 2"/>
+          <p:cNvPr id="4" name="TextBox 3"/>
           <p:cNvSpPr txBox="1"/>
           <p:nvPr/>
         </p:nvSpPr>
         <p:spPr>
           <a:xfrm>
-            <a:off x="1845940" y="2348880"/>
-            <a:ext cx="8280920" cy="914400"/>
+            <a:off x="590640" y="1988840"/>
+            <a:ext cx="7444642" cy="4338152"/>
           </a:xfrm>
           <a:prstGeom prst="rect">
             <a:avLst/>
           </a:prstGeom>
           <a:noFill/>
+          <a:ln w="12700" cap="rnd" cmpd="sng">
+            <a:solidFill>
+              <a:schemeClr val="tx1">
+                <a:alpha val="50000"/>
+              </a:schemeClr>
+            </a:solidFill>
+            <a:prstDash val="sysDash"/>
+          </a:ln>
         </p:spPr>
         <p:txBody>
-          <a:bodyPr wrap="none" lIns="0" tIns="0" rIns="0" bIns="0" rtlCol="0">
+          <a:bodyPr wrap="square" lIns="182832" tIns="182832" rIns="182832" bIns="182832" rtlCol="0">
             <a:noAutofit/>
           </a:bodyPr>
           <a:lstStyle/>
@@ -33609,13 +33349,456 @@
               </a:lnSpc>
             </a:pPr>
             <a:r>
-              <a:rPr lang="en-US" dirty="0" smtClean="0"/>
-              <a:t>BLOCK WITH COMPRESSED AND UNCOMPRESSED ROWS </a:t>
-            </a:r>
-            <a:endParaRPr lang="en-GB" dirty="0" err="1" smtClean="0"/>
-          </a:p>
-        </p:txBody>
-      </p:sp>
+              <a:rPr lang="en-US" sz="1799" dirty="0" err="1">
+                <a:solidFill>
+                  <a:prstClr val="black"/>
+                </a:solidFill>
+                <a:latin typeface="Consolas" panose="020B0609020204030204" pitchFamily="49" charset="0"/>
+              </a:rPr>
+              <a:t>block_row_dump</a:t>
+            </a:r>
+            <a:r>
+              <a:rPr lang="en-US" sz="1799" dirty="0">
+                <a:solidFill>
+                  <a:prstClr val="black"/>
+                </a:solidFill>
+                <a:latin typeface="Consolas" panose="020B0609020204030204" pitchFamily="49" charset="0"/>
+              </a:rPr>
+              <a:t>:</a:t>
+            </a:r>
+          </a:p>
+          <a:p>
+            <a:pPr>
+              <a:lnSpc>
+                <a:spcPct val="90000"/>
+              </a:lnSpc>
+            </a:pPr>
+            <a:r>
+              <a:rPr lang="en-US" sz="1799" dirty="0">
+                <a:solidFill>
+                  <a:prstClr val="black"/>
+                </a:solidFill>
+                <a:latin typeface="Consolas" panose="020B0609020204030204" pitchFamily="49" charset="0"/>
+              </a:rPr>
+              <a:t>tab 0, row 0, @0x1f73</a:t>
+            </a:r>
+          </a:p>
+          <a:p>
+            <a:pPr>
+              <a:lnSpc>
+                <a:spcPct val="90000"/>
+              </a:lnSpc>
+            </a:pPr>
+            <a:r>
+              <a:rPr lang="en-US" sz="1799" dirty="0" err="1">
+                <a:solidFill>
+                  <a:prstClr val="black"/>
+                </a:solidFill>
+                <a:latin typeface="Consolas" panose="020B0609020204030204" pitchFamily="49" charset="0"/>
+              </a:rPr>
+              <a:t>tl</a:t>
+            </a:r>
+            <a:r>
+              <a:rPr lang="en-US" sz="1799" dirty="0">
+                <a:solidFill>
+                  <a:prstClr val="black"/>
+                </a:solidFill>
+                <a:latin typeface="Consolas" panose="020B0609020204030204" pitchFamily="49" charset="0"/>
+              </a:rPr>
+              <a:t>: 13 </a:t>
+            </a:r>
+            <a:r>
+              <a:rPr lang="en-US" sz="1799" dirty="0">
+                <a:solidFill>
+                  <a:srgbClr val="E5E8E8">
+                    <a:lumMod val="75000"/>
+                  </a:srgbClr>
+                </a:solidFill>
+                <a:latin typeface="Consolas" panose="020B0609020204030204" pitchFamily="49" charset="0"/>
+              </a:rPr>
+              <a:t>fb: --H-FL-- </a:t>
+            </a:r>
+            <a:r>
+              <a:rPr lang="en-US" sz="1799" dirty="0" err="1">
+                <a:solidFill>
+                  <a:srgbClr val="E5E8E8">
+                    <a:lumMod val="75000"/>
+                  </a:srgbClr>
+                </a:solidFill>
+                <a:latin typeface="Consolas" panose="020B0609020204030204" pitchFamily="49" charset="0"/>
+              </a:rPr>
+              <a:t>lb</a:t>
+            </a:r>
+            <a:r>
+              <a:rPr lang="en-US" sz="1799" dirty="0">
+                <a:solidFill>
+                  <a:srgbClr val="E5E8E8">
+                    <a:lumMod val="75000"/>
+                  </a:srgbClr>
+                </a:solidFill>
+                <a:latin typeface="Consolas" panose="020B0609020204030204" pitchFamily="49" charset="0"/>
+              </a:rPr>
+              <a:t>: 0x0  cc: 1</a:t>
+            </a:r>
+          </a:p>
+          <a:p>
+            <a:pPr>
+              <a:lnSpc>
+                <a:spcPct val="90000"/>
+              </a:lnSpc>
+            </a:pPr>
+            <a:r>
+              <a:rPr lang="en-US" sz="1799" dirty="0">
+                <a:solidFill>
+                  <a:prstClr val="black"/>
+                </a:solidFill>
+                <a:latin typeface="Consolas" panose="020B0609020204030204" pitchFamily="49" charset="0"/>
+              </a:rPr>
+              <a:t>col  0: [10]  41 41 41 41 41 41 41 41 41 41</a:t>
+            </a:r>
+          </a:p>
+          <a:p>
+            <a:pPr>
+              <a:lnSpc>
+                <a:spcPct val="90000"/>
+              </a:lnSpc>
+            </a:pPr>
+            <a:r>
+              <a:rPr lang="en-US" sz="1799" dirty="0" err="1">
+                <a:solidFill>
+                  <a:prstClr val="black"/>
+                </a:solidFill>
+                <a:latin typeface="Consolas" panose="020B0609020204030204" pitchFamily="49" charset="0"/>
+              </a:rPr>
+              <a:t>bindmp</a:t>
+            </a:r>
+            <a:r>
+              <a:rPr lang="en-US" sz="1799" dirty="0">
+                <a:solidFill>
+                  <a:prstClr val="black"/>
+                </a:solidFill>
+                <a:latin typeface="Consolas" panose="020B0609020204030204" pitchFamily="49" charset="0"/>
+              </a:rPr>
+              <a:t>: 01 d7 d2 41 41 41 41 41 41 41 41 41 41</a:t>
+            </a:r>
+          </a:p>
+          <a:p>
+            <a:pPr>
+              <a:lnSpc>
+                <a:spcPct val="90000"/>
+              </a:lnSpc>
+            </a:pPr>
+            <a:r>
+              <a:rPr lang="en-US" sz="1799" dirty="0">
+                <a:solidFill>
+                  <a:prstClr val="black"/>
+                </a:solidFill>
+                <a:latin typeface="Consolas" panose="020B0609020204030204" pitchFamily="49" charset="0"/>
+              </a:rPr>
+              <a:t>tab 1, row 0, @0x1f64</a:t>
+            </a:r>
+          </a:p>
+          <a:p>
+            <a:pPr>
+              <a:lnSpc>
+                <a:spcPct val="90000"/>
+              </a:lnSpc>
+            </a:pPr>
+            <a:r>
+              <a:rPr lang="en-US" sz="1799" dirty="0" err="1">
+                <a:solidFill>
+                  <a:prstClr val="black"/>
+                </a:solidFill>
+                <a:latin typeface="Consolas" panose="020B0609020204030204" pitchFamily="49" charset="0"/>
+              </a:rPr>
+              <a:t>tl</a:t>
+            </a:r>
+            <a:r>
+              <a:rPr lang="en-US" sz="1799" dirty="0">
+                <a:solidFill>
+                  <a:prstClr val="black"/>
+                </a:solidFill>
+                <a:latin typeface="Consolas" panose="020B0609020204030204" pitchFamily="49" charset="0"/>
+              </a:rPr>
+              <a:t>: 15 </a:t>
+            </a:r>
+            <a:r>
+              <a:rPr lang="en-US" sz="1799" dirty="0">
+                <a:solidFill>
+                  <a:srgbClr val="E5E8E8">
+                    <a:lumMod val="75000"/>
+                  </a:srgbClr>
+                </a:solidFill>
+                <a:latin typeface="Consolas" panose="020B0609020204030204" pitchFamily="49" charset="0"/>
+              </a:rPr>
+              <a:t>fb: --H-FL-- </a:t>
+            </a:r>
+            <a:r>
+              <a:rPr lang="en-US" sz="1799" dirty="0" err="1">
+                <a:solidFill>
+                  <a:srgbClr val="E5E8E8">
+                    <a:lumMod val="75000"/>
+                  </a:srgbClr>
+                </a:solidFill>
+                <a:latin typeface="Consolas" panose="020B0609020204030204" pitchFamily="49" charset="0"/>
+              </a:rPr>
+              <a:t>lb</a:t>
+            </a:r>
+            <a:r>
+              <a:rPr lang="en-US" sz="1799" dirty="0">
+                <a:solidFill>
+                  <a:srgbClr val="E5E8E8">
+                    <a:lumMod val="75000"/>
+                  </a:srgbClr>
+                </a:solidFill>
+                <a:latin typeface="Consolas" panose="020B0609020204030204" pitchFamily="49" charset="0"/>
+              </a:rPr>
+              <a:t>: 0x0  cc: 2</a:t>
+            </a:r>
+          </a:p>
+          <a:p>
+            <a:pPr>
+              <a:lnSpc>
+                <a:spcPct val="90000"/>
+              </a:lnSpc>
+            </a:pPr>
+            <a:r>
+              <a:rPr lang="en-US" sz="1799" dirty="0">
+                <a:solidFill>
+                  <a:prstClr val="black"/>
+                </a:solidFill>
+                <a:latin typeface="Consolas" panose="020B0609020204030204" pitchFamily="49" charset="0"/>
+              </a:rPr>
+              <a:t>col  0: [10]  41 41 41 41 41 41 41 41 41 41</a:t>
+            </a:r>
+          </a:p>
+          <a:p>
+            <a:pPr>
+              <a:lnSpc>
+                <a:spcPct val="90000"/>
+              </a:lnSpc>
+            </a:pPr>
+            <a:r>
+              <a:rPr lang="en-US" sz="1799" dirty="0">
+                <a:solidFill>
+                  <a:prstClr val="black"/>
+                </a:solidFill>
+                <a:latin typeface="Consolas" panose="020B0609020204030204" pitchFamily="49" charset="0"/>
+              </a:rPr>
+              <a:t>col  1: [10]  4f 5a 43 51 56 4c </a:t>
+            </a:r>
+            <a:r>
+              <a:rPr lang="en-US" sz="1799" dirty="0" smtClean="0">
+                <a:solidFill>
+                  <a:prstClr val="black"/>
+                </a:solidFill>
+                <a:latin typeface="Consolas" panose="020B0609020204030204" pitchFamily="49" charset="0"/>
+              </a:rPr>
+              <a:t>4d </a:t>
+            </a:r>
+            <a:r>
+              <a:rPr lang="en-US" sz="1799" dirty="0">
+                <a:solidFill>
+                  <a:prstClr val="black"/>
+                </a:solidFill>
+                <a:latin typeface="Consolas" panose="020B0609020204030204" pitchFamily="49" charset="0"/>
+              </a:rPr>
+              <a:t>55 49 44</a:t>
+            </a:r>
+          </a:p>
+          <a:p>
+            <a:pPr>
+              <a:lnSpc>
+                <a:spcPct val="90000"/>
+              </a:lnSpc>
+            </a:pPr>
+            <a:r>
+              <a:rPr lang="en-US" sz="1799" b="1" dirty="0" err="1">
+                <a:solidFill>
+                  <a:prstClr val="black"/>
+                </a:solidFill>
+                <a:highlight>
+                  <a:srgbClr val="FFFF00"/>
+                </a:highlight>
+                <a:latin typeface="Consolas" panose="020B0609020204030204" pitchFamily="49" charset="0"/>
+                <a:ea typeface="Calibri" panose="020F0502020204030204" pitchFamily="34" charset="0"/>
+                <a:cs typeface="Times New Roman" panose="02020603050405020304" pitchFamily="18" charset="0"/>
+              </a:rPr>
+              <a:t>bindmp</a:t>
+            </a:r>
+            <a:r>
+              <a:rPr lang="en-US" sz="1799" b="1" dirty="0">
+                <a:solidFill>
+                  <a:prstClr val="black"/>
+                </a:solidFill>
+                <a:highlight>
+                  <a:srgbClr val="FFFF00"/>
+                </a:highlight>
+                <a:latin typeface="Consolas" panose="020B0609020204030204" pitchFamily="49" charset="0"/>
+                <a:ea typeface="Calibri" panose="020F0502020204030204" pitchFamily="34" charset="0"/>
+                <a:cs typeface="Times New Roman" panose="02020603050405020304" pitchFamily="18" charset="0"/>
+              </a:rPr>
+              <a:t>: 2c 00 02 00 d2 4f 5a 43 51 56 </a:t>
+            </a:r>
+            <a:r>
+              <a:rPr lang="en-US" sz="1799" b="1" dirty="0" smtClean="0">
+                <a:solidFill>
+                  <a:prstClr val="black"/>
+                </a:solidFill>
+                <a:highlight>
+                  <a:srgbClr val="FFFF00"/>
+                </a:highlight>
+                <a:latin typeface="Consolas" panose="020B0609020204030204" pitchFamily="49" charset="0"/>
+                <a:ea typeface="Calibri" panose="020F0502020204030204" pitchFamily="34" charset="0"/>
+                <a:cs typeface="Times New Roman" panose="02020603050405020304" pitchFamily="18" charset="0"/>
+              </a:rPr>
+              <a:t>4c 4d 55 </a:t>
+            </a:r>
+            <a:r>
+              <a:rPr lang="en-US" sz="1799" b="1" dirty="0">
+                <a:solidFill>
+                  <a:prstClr val="black"/>
+                </a:solidFill>
+                <a:highlight>
+                  <a:srgbClr val="FFFF00"/>
+                </a:highlight>
+                <a:latin typeface="Consolas" panose="020B0609020204030204" pitchFamily="49" charset="0"/>
+                <a:ea typeface="Calibri" panose="020F0502020204030204" pitchFamily="34" charset="0"/>
+                <a:cs typeface="Times New Roman" panose="02020603050405020304" pitchFamily="18" charset="0"/>
+              </a:rPr>
+              <a:t>49 44</a:t>
+            </a:r>
+          </a:p>
+        </p:txBody>
+      </p:sp>
+      <p:graphicFrame>
+        <p:nvGraphicFramePr>
+          <p:cNvPr id="5" name="Table 4"/>
+          <p:cNvGraphicFramePr>
+            <a:graphicFrameLocks noGrp="1"/>
+          </p:cNvGraphicFramePr>
+          <p:nvPr>
+            <p:extLst>
+              <p:ext uri="{D42A27DB-BD31-4B8C-83A1-F6EECF244321}">
+                <p14:modId xmlns:p14="http://schemas.microsoft.com/office/powerpoint/2010/main" val="3984526835"/>
+              </p:ext>
+            </p:extLst>
+          </p:nvPr>
+        </p:nvGraphicFramePr>
+        <p:xfrm>
+          <a:off x="6254757" y="1196752"/>
+          <a:ext cx="3528393" cy="1005459"/>
+        </p:xfrm>
+        <a:graphic>
+          <a:graphicData uri="http://schemas.openxmlformats.org/drawingml/2006/table">
+            <a:tbl>
+              <a:tblPr firstRow="1" bandRow="1">
+                <a:tableStyleId>{00A15C55-8517-42AA-B614-E9B94910E393}</a:tableStyleId>
+              </a:tblPr>
+              <a:tblGrid>
+                <a:gridCol w="1807226"/>
+                <a:gridCol w="1721167"/>
+              </a:tblGrid>
+              <a:tr h="298563">
+                <a:tc>
+                  <a:txBody>
+                    <a:bodyPr/>
+                    <a:lstStyle/>
+                    <a:p>
+                      <a:r>
+                        <a:rPr lang="en-US" dirty="0" smtClean="0">
+                          <a:solidFill>
+                            <a:schemeClr val="tx1"/>
+                          </a:solidFill>
+                        </a:rPr>
+                        <a:t>COL1</a:t>
+                      </a:r>
+                      <a:endParaRPr lang="en-GB" dirty="0">
+                        <a:solidFill>
+                          <a:schemeClr val="tx1"/>
+                        </a:solidFill>
+                      </a:endParaRPr>
+                    </a:p>
+                  </a:txBody>
+                  <a:tcPr/>
+                </a:tc>
+                <a:tc>
+                  <a:txBody>
+                    <a:bodyPr/>
+                    <a:lstStyle/>
+                    <a:p>
+                      <a:r>
+                        <a:rPr lang="en-US" dirty="0" smtClean="0">
+                          <a:solidFill>
+                            <a:schemeClr val="tx1"/>
+                          </a:solidFill>
+                        </a:rPr>
+                        <a:t>COL2</a:t>
+                      </a:r>
+                      <a:endParaRPr lang="en-GB" dirty="0">
+                        <a:solidFill>
+                          <a:schemeClr val="tx1"/>
+                        </a:solidFill>
+                      </a:endParaRPr>
+                    </a:p>
+                  </a:txBody>
+                  <a:tcPr/>
+                </a:tc>
+              </a:tr>
+              <a:tr h="515125">
+                <a:tc>
+                  <a:txBody>
+                    <a:bodyPr/>
+                    <a:lstStyle/>
+                    <a:p>
+                      <a:pPr marL="0" marR="0" lvl="0" indent="0" algn="l" defTabSz="914126" rtl="0" eaLnBrk="1" fontAlgn="auto" latinLnBrk="0" hangingPunct="1">
+                        <a:lnSpc>
+                          <a:spcPct val="100000"/>
+                        </a:lnSpc>
+                        <a:spcBef>
+                          <a:spcPts val="0"/>
+                        </a:spcBef>
+                        <a:spcAft>
+                          <a:spcPts val="0"/>
+                        </a:spcAft>
+                        <a:buClrTx/>
+                        <a:buSzTx/>
+                        <a:buFontTx/>
+                        <a:buNone/>
+                        <a:tabLst/>
+                        <a:defRPr/>
+                      </a:pPr>
+                      <a:r>
+                        <a:rPr lang="en-US" dirty="0" smtClean="0"/>
+                        <a:t>AAAAAAAAAA</a:t>
+                      </a:r>
+                      <a:endParaRPr lang="en-GB" dirty="0" smtClean="0"/>
+                    </a:p>
+                    <a:p>
+                      <a:endParaRPr lang="en-GB" dirty="0"/>
+                    </a:p>
+                  </a:txBody>
+                  <a:tcPr/>
+                </a:tc>
+                <a:tc>
+                  <a:txBody>
+                    <a:bodyPr/>
+                    <a:lstStyle/>
+                    <a:p>
+                      <a:r>
+                        <a:rPr lang="en-GB" dirty="0" smtClean="0"/>
+                        <a:t>OZCQVLMUID</a:t>
+                      </a:r>
+                      <a:endParaRPr lang="en-GB" dirty="0"/>
+                    </a:p>
+                  </a:txBody>
+                  <a:tcPr/>
+                </a:tc>
+              </a:tr>
+            </a:tbl>
+          </a:graphicData>
+        </a:graphic>
+      </p:graphicFrame>
     </p:spTree>
     <p:extLst>
       <p:ext uri="{BB962C8B-B14F-4D97-AF65-F5344CB8AC3E}">
@@ -33638,6 +33821,13 @@
       </p:transition>
     </mc:Fallback>
   </mc:AlternateContent>
+  <p:timing>
+    <p:tnLst>
+      <p:par>
+        <p:cTn id="1" dur="indefinite" restart="never" nodeType="tmRoot"/>
+      </p:par>
+    </p:tnLst>
+  </p:timing>
 </p:sld>
 </file>
 
@@ -33852,13 +34042,13 @@
           <p:nvPr>
             <p:extLst>
               <p:ext uri="{D42A27DB-BD31-4B8C-83A1-F6EECF244321}">
-                <p14:modId xmlns:p14="http://schemas.microsoft.com/office/powerpoint/2010/main" val="3415422751"/>
+                <p14:modId xmlns:p14="http://schemas.microsoft.com/office/powerpoint/2010/main" val="2466947839"/>
               </p:ext>
             </p:extLst>
           </p:nvPr>
         </p:nvGraphicFramePr>
         <p:xfrm>
-          <a:off x="6703689" y="1365375"/>
+          <a:off x="981844" y="1365375"/>
           <a:ext cx="3929238" cy="2246395"/>
         </p:xfrm>
         <a:graphic>
@@ -34417,6 +34607,151 @@
           </a:p>
         </p:txBody>
       </p:sp>
+      <p:graphicFrame>
+        <p:nvGraphicFramePr>
+          <p:cNvPr id="14" name="Table 13"/>
+          <p:cNvGraphicFramePr>
+            <a:graphicFrameLocks noGrp="1"/>
+          </p:cNvGraphicFramePr>
+          <p:nvPr>
+            <p:extLst>
+              <p:ext uri="{D42A27DB-BD31-4B8C-83A1-F6EECF244321}">
+                <p14:modId xmlns:p14="http://schemas.microsoft.com/office/powerpoint/2010/main" val="2503948156"/>
+              </p:ext>
+            </p:extLst>
+          </p:nvPr>
+        </p:nvGraphicFramePr>
+        <p:xfrm>
+          <a:off x="6207645" y="1340768"/>
+          <a:ext cx="4567287" cy="741680"/>
+        </p:xfrm>
+        <a:graphic>
+          <a:graphicData uri="http://schemas.openxmlformats.org/drawingml/2006/table">
+            <a:tbl>
+              <a:tblPr firstRow="1" bandRow="1">
+                <a:tableStyleId>{00A15C55-8517-42AA-B614-E9B94910E393}</a:tableStyleId>
+              </a:tblPr>
+              <a:tblGrid>
+                <a:gridCol w="1522429"/>
+                <a:gridCol w="1522429"/>
+                <a:gridCol w="1522429"/>
+              </a:tblGrid>
+              <a:tr h="370840">
+                <a:tc>
+                  <a:txBody>
+                    <a:bodyPr/>
+                    <a:lstStyle/>
+                    <a:p>
+                      <a:r>
+                        <a:rPr lang="en-US" dirty="0" smtClean="0">
+                          <a:solidFill>
+                            <a:schemeClr val="tx1"/>
+                          </a:solidFill>
+                        </a:rPr>
+                        <a:t>COL1</a:t>
+                      </a:r>
+                      <a:endParaRPr lang="en-GB" dirty="0">
+                        <a:solidFill>
+                          <a:schemeClr val="tx1"/>
+                        </a:solidFill>
+                      </a:endParaRPr>
+                    </a:p>
+                  </a:txBody>
+                  <a:tcPr/>
+                </a:tc>
+                <a:tc>
+                  <a:txBody>
+                    <a:bodyPr/>
+                    <a:lstStyle/>
+                    <a:p>
+                      <a:r>
+                        <a:rPr lang="en-US" dirty="0" smtClean="0">
+                          <a:solidFill>
+                            <a:schemeClr val="tx1"/>
+                          </a:solidFill>
+                        </a:rPr>
+                        <a:t>COL2</a:t>
+                      </a:r>
+                      <a:endParaRPr lang="en-GB" dirty="0">
+                        <a:solidFill>
+                          <a:schemeClr val="tx1"/>
+                        </a:solidFill>
+                      </a:endParaRPr>
+                    </a:p>
+                  </a:txBody>
+                  <a:tcPr/>
+                </a:tc>
+                <a:tc>
+                  <a:txBody>
+                    <a:bodyPr/>
+                    <a:lstStyle/>
+                    <a:p>
+                      <a:r>
+                        <a:rPr lang="en-US" dirty="0" smtClean="0">
+                          <a:solidFill>
+                            <a:schemeClr val="tx1"/>
+                          </a:solidFill>
+                        </a:rPr>
+                        <a:t>COL3</a:t>
+                      </a:r>
+                      <a:endParaRPr lang="en-GB" dirty="0">
+                        <a:solidFill>
+                          <a:schemeClr val="tx1"/>
+                        </a:solidFill>
+                      </a:endParaRPr>
+                    </a:p>
+                  </a:txBody>
+                  <a:tcPr/>
+                </a:tc>
+              </a:tr>
+              <a:tr h="370840">
+                <a:tc>
+                  <a:txBody>
+                    <a:bodyPr/>
+                    <a:lstStyle/>
+                    <a:p>
+                      <a:r>
+                        <a:rPr lang="en-US" dirty="0" smtClean="0"/>
+                        <a:t>D2MXTSPML</a:t>
+                      </a:r>
+                      <a:endParaRPr lang="en-GB" dirty="0"/>
+                    </a:p>
+                  </a:txBody>
+                  <a:tcPr/>
+                </a:tc>
+                <a:tc>
+                  <a:txBody>
+                    <a:bodyPr/>
+                    <a:lstStyle/>
+                    <a:p>
+                      <a:r>
+                        <a:rPr lang="en-US" dirty="0" smtClean="0"/>
+                        <a:t>AAAAAAAAAA</a:t>
+                      </a:r>
+                      <a:endParaRPr lang="en-GB" dirty="0"/>
+                    </a:p>
+                  </a:txBody>
+                  <a:tcPr/>
+                </a:tc>
+                <a:tc>
+                  <a:txBody>
+                    <a:bodyPr/>
+                    <a:lstStyle/>
+                    <a:p>
+                      <a:r>
+                        <a:rPr lang="en-US" dirty="0" smtClean="0"/>
+                        <a:t>D2WUQTIBS</a:t>
+                      </a:r>
+                      <a:endParaRPr lang="en-GB" dirty="0"/>
+                    </a:p>
+                  </a:txBody>
+                  <a:tcPr/>
+                </a:tc>
+              </a:tr>
+            </a:tbl>
+          </a:graphicData>
+        </a:graphic>
+      </p:graphicFrame>
     </p:spTree>
     <p:extLst>
       <p:ext uri="{BB962C8B-B14F-4D97-AF65-F5344CB8AC3E}">
@@ -34468,79 +34803,14 @@
       </p:grpSpPr>
       <p:sp>
         <p:nvSpPr>
-          <p:cNvPr id="2" name="Title 1"/>
-          <p:cNvSpPr>
-            <a:spLocks noGrp="1"/>
-          </p:cNvSpPr>
-          <p:nvPr>
-            <p:ph type="title"/>
-          </p:nvPr>
-        </p:nvSpPr>
-        <p:spPr/>
-        <p:txBody>
-          <a:bodyPr/>
-          <a:lstStyle/>
-          <a:p>
-            <a:r>
-              <a:rPr lang="en-US" dirty="0" smtClean="0"/>
-              <a:t>Symbols used for multiple rows</a:t>
-            </a:r>
-            <a:endParaRPr lang="en-GB" dirty="0"/>
-          </a:p>
-        </p:txBody>
-      </p:sp>
-    </p:spTree>
-    <p:extLst>
-      <p:ext uri="{BB962C8B-B14F-4D97-AF65-F5344CB8AC3E}">
-        <p14:creationId xmlns:p14="http://schemas.microsoft.com/office/powerpoint/2010/main" val="3191871632"/>
-      </p:ext>
-    </p:extLst>
-  </p:cSld>
-  <p:clrMapOvr>
-    <a:masterClrMapping/>
-  </p:clrMapOvr>
-  <mc:AlternateContent xmlns:mc="http://schemas.openxmlformats.org/markup-compatibility/2006" xmlns:p14="http://schemas.microsoft.com/office/powerpoint/2010/main">
-    <mc:Choice Requires="p14">
-      <p:transition spd="med" p14:dur="700">
-        <p:fade/>
-      </p:transition>
-    </mc:Choice>
-    <mc:Fallback xmlns="">
-      <p:transition spd="med">
-        <p:fade/>
-      </p:transition>
-    </mc:Fallback>
-  </mc:AlternateContent>
-</p:sld>
-</file>
-
-<file path=ppt/slides/slide9.xml><?xml version="1.0" encoding="utf-8"?>
-<p:sld xmlns:a="http://schemas.openxmlformats.org/drawingml/2006/main" xmlns:r="http://schemas.openxmlformats.org/officeDocument/2006/relationships" xmlns:p="http://schemas.openxmlformats.org/presentationml/2006/main">
-  <p:cSld>
-    <p:spTree>
-      <p:nvGrpSpPr>
-        <p:cNvPr id="1" name=""/>
-        <p:cNvGrpSpPr/>
-        <p:nvPr/>
-      </p:nvGrpSpPr>
-      <p:grpSpPr>
-        <a:xfrm>
-          <a:off x="0" y="0"/>
-          <a:ext cx="0" cy="0"/>
-          <a:chOff x="0" y="0"/>
-          <a:chExt cx="0" cy="0"/>
-        </a:xfrm>
-      </p:grpSpPr>
-      <p:sp>
-        <p:nvSpPr>
           <p:cNvPr id="3" name="TextBox 2"/>
           <p:cNvSpPr txBox="1"/>
           <p:nvPr/>
         </p:nvSpPr>
         <p:spPr>
           <a:xfrm>
-            <a:off x="2481009" y="1484376"/>
-            <a:ext cx="9361007" cy="3880223"/>
+            <a:off x="2059901" y="1484376"/>
+            <a:ext cx="6205691" cy="3880223"/>
           </a:xfrm>
           <a:prstGeom prst="rect">
             <a:avLst/>
@@ -34976,7 +35246,7 @@
         </p:nvSpPr>
         <p:spPr>
           <a:xfrm>
-            <a:off x="2639592" y="2168137"/>
+            <a:off x="2218484" y="2168137"/>
             <a:ext cx="796288" cy="248756"/>
           </a:xfrm>
           <a:prstGeom prst="roundRect">
@@ -35031,7 +35301,7 @@
         </p:nvSpPr>
         <p:spPr>
           <a:xfrm>
-            <a:off x="2639591" y="3893115"/>
+            <a:off x="2218483" y="3893115"/>
             <a:ext cx="796288" cy="248756"/>
           </a:xfrm>
           <a:prstGeom prst="roundRect">
@@ -35086,7 +35356,7 @@
         </p:nvSpPr>
         <p:spPr>
           <a:xfrm>
-            <a:off x="223875" y="1793893"/>
+            <a:off x="189756" y="2133190"/>
             <a:ext cx="1595116" cy="503722"/>
           </a:xfrm>
           <a:prstGeom prst="rect">
@@ -35157,9 +35427,9 @@
           <p:nvPr/>
         </p:nvCxnSpPr>
         <p:spPr>
-          <a:xfrm>
-            <a:off x="1818992" y="2045755"/>
-            <a:ext cx="820600" cy="246761"/>
+          <a:xfrm flipV="1">
+            <a:off x="1784872" y="2292515"/>
+            <a:ext cx="433612" cy="92536"/>
           </a:xfrm>
           <a:prstGeom prst="straightConnector1">
             <a:avLst/>
@@ -35198,8 +35468,8 @@
         </p:nvCxnSpPr>
         <p:spPr>
           <a:xfrm>
-            <a:off x="1818992" y="2045755"/>
-            <a:ext cx="820599" cy="1971738"/>
+            <a:off x="1784872" y="2385051"/>
+            <a:ext cx="433611" cy="1632442"/>
           </a:xfrm>
           <a:prstGeom prst="straightConnector1">
             <a:avLst/>
@@ -35227,10 +35497,996 @@
           </a:fontRef>
         </p:style>
       </p:cxnSp>
+      <p:graphicFrame>
+        <p:nvGraphicFramePr>
+          <p:cNvPr id="11" name="Table 10"/>
+          <p:cNvGraphicFramePr>
+            <a:graphicFrameLocks noGrp="1"/>
+          </p:cNvGraphicFramePr>
+          <p:nvPr>
+            <p:extLst>
+              <p:ext uri="{D42A27DB-BD31-4B8C-83A1-F6EECF244321}">
+                <p14:modId xmlns:p14="http://schemas.microsoft.com/office/powerpoint/2010/main" val="1488063062"/>
+              </p:ext>
+            </p:extLst>
+          </p:nvPr>
+        </p:nvGraphicFramePr>
+        <p:xfrm>
+          <a:off x="6749176" y="905786"/>
+          <a:ext cx="4567287" cy="1005459"/>
+        </p:xfrm>
+        <a:graphic>
+          <a:graphicData uri="http://schemas.openxmlformats.org/drawingml/2006/table">
+            <a:tbl>
+              <a:tblPr firstRow="1" bandRow="1">
+                <a:tableStyleId>{00A15C55-8517-42AA-B614-E9B94910E393}</a:tableStyleId>
+              </a:tblPr>
+              <a:tblGrid>
+                <a:gridCol w="1522429"/>
+                <a:gridCol w="1522429"/>
+                <a:gridCol w="1522429"/>
+              </a:tblGrid>
+              <a:tr h="298563">
+                <a:tc>
+                  <a:txBody>
+                    <a:bodyPr/>
+                    <a:lstStyle/>
+                    <a:p>
+                      <a:r>
+                        <a:rPr lang="en-US" dirty="0" smtClean="0">
+                          <a:solidFill>
+                            <a:schemeClr val="tx1"/>
+                          </a:solidFill>
+                        </a:rPr>
+                        <a:t>COL1</a:t>
+                      </a:r>
+                      <a:endParaRPr lang="en-GB" dirty="0">
+                        <a:solidFill>
+                          <a:schemeClr val="tx1"/>
+                        </a:solidFill>
+                      </a:endParaRPr>
+                    </a:p>
+                  </a:txBody>
+                  <a:tcPr/>
+                </a:tc>
+                <a:tc>
+                  <a:txBody>
+                    <a:bodyPr/>
+                    <a:lstStyle/>
+                    <a:p>
+                      <a:r>
+                        <a:rPr lang="en-US" dirty="0" smtClean="0">
+                          <a:solidFill>
+                            <a:schemeClr val="tx1"/>
+                          </a:solidFill>
+                        </a:rPr>
+                        <a:t>COL2</a:t>
+                      </a:r>
+                      <a:endParaRPr lang="en-GB" dirty="0">
+                        <a:solidFill>
+                          <a:schemeClr val="tx1"/>
+                        </a:solidFill>
+                      </a:endParaRPr>
+                    </a:p>
+                  </a:txBody>
+                  <a:tcPr/>
+                </a:tc>
+                <a:tc>
+                  <a:txBody>
+                    <a:bodyPr/>
+                    <a:lstStyle/>
+                    <a:p>
+                      <a:r>
+                        <a:rPr lang="en-US" dirty="0" smtClean="0">
+                          <a:solidFill>
+                            <a:schemeClr val="tx1"/>
+                          </a:solidFill>
+                        </a:rPr>
+                        <a:t>COL3</a:t>
+                      </a:r>
+                      <a:endParaRPr lang="en-GB" dirty="0">
+                        <a:solidFill>
+                          <a:schemeClr val="tx1"/>
+                        </a:solidFill>
+                      </a:endParaRPr>
+                    </a:p>
+                  </a:txBody>
+                  <a:tcPr/>
+                </a:tc>
+              </a:tr>
+              <a:tr h="515125">
+                <a:tc>
+                  <a:txBody>
+                    <a:bodyPr/>
+                    <a:lstStyle/>
+                    <a:p>
+                      <a:pPr marL="0" marR="0" lvl="0" indent="0" algn="l" defTabSz="914126" rtl="0" eaLnBrk="1" fontAlgn="auto" latinLnBrk="0" hangingPunct="1">
+                        <a:lnSpc>
+                          <a:spcPct val="100000"/>
+                        </a:lnSpc>
+                        <a:spcBef>
+                          <a:spcPts val="0"/>
+                        </a:spcBef>
+                        <a:spcAft>
+                          <a:spcPts val="0"/>
+                        </a:spcAft>
+                        <a:buClrTx/>
+                        <a:buSzTx/>
+                        <a:buFontTx/>
+                        <a:buNone/>
+                        <a:tabLst/>
+                        <a:defRPr/>
+                      </a:pPr>
+                      <a:r>
+                        <a:rPr lang="en-US" dirty="0" smtClean="0"/>
+                        <a:t>AAAAAAAAAA</a:t>
+                      </a:r>
+                      <a:endParaRPr lang="en-GB" dirty="0" smtClean="0"/>
+                    </a:p>
+                    <a:p>
+                      <a:endParaRPr lang="en-GB" dirty="0"/>
+                    </a:p>
+                  </a:txBody>
+                  <a:tcPr/>
+                </a:tc>
+                <a:tc>
+                  <a:txBody>
+                    <a:bodyPr/>
+                    <a:lstStyle/>
+                    <a:p>
+                      <a:r>
+                        <a:rPr lang="en-US" dirty="0" smtClean="0"/>
+                        <a:t>BBBBBBBBBB</a:t>
+                      </a:r>
+                      <a:endParaRPr lang="en-GB" dirty="0"/>
+                    </a:p>
+                  </a:txBody>
+                  <a:tcPr/>
+                </a:tc>
+                <a:tc>
+                  <a:txBody>
+                    <a:bodyPr/>
+                    <a:lstStyle/>
+                    <a:p>
+                      <a:r>
+                        <a:rPr lang="en-US" dirty="0" smtClean="0"/>
+                        <a:t>CCCCCCCCCC</a:t>
+                      </a:r>
+                      <a:endParaRPr lang="en-GB" dirty="0"/>
+                    </a:p>
+                  </a:txBody>
+                  <a:tcPr/>
+                </a:tc>
+              </a:tr>
+            </a:tbl>
+          </a:graphicData>
+        </a:graphic>
+      </p:graphicFrame>
     </p:spTree>
     <p:extLst>
       <p:ext uri="{BB962C8B-B14F-4D97-AF65-F5344CB8AC3E}">
         <p14:creationId xmlns:p14="http://schemas.microsoft.com/office/powerpoint/2010/main" val="3566306231"/>
+      </p:ext>
+    </p:extLst>
+  </p:cSld>
+  <p:clrMapOvr>
+    <a:masterClrMapping/>
+  </p:clrMapOvr>
+  <mc:AlternateContent xmlns:mc="http://schemas.openxmlformats.org/markup-compatibility/2006" xmlns:p14="http://schemas.microsoft.com/office/powerpoint/2010/main">
+    <mc:Choice Requires="p14">
+      <p:transition spd="med" p14:dur="700">
+        <p:fade/>
+      </p:transition>
+    </mc:Choice>
+    <mc:Fallback xmlns="">
+      <p:transition spd="med">
+        <p:fade/>
+      </p:transition>
+    </mc:Fallback>
+  </mc:AlternateContent>
+  <p:timing>
+    <p:tnLst>
+      <p:par>
+        <p:cTn id="1" dur="indefinite" restart="never" nodeType="tmRoot"/>
+      </p:par>
+    </p:tnLst>
+  </p:timing>
+</p:sld>
+</file>
+
+<file path=ppt/slides/slide9.xml><?xml version="1.0" encoding="utf-8"?>
+<p:sld xmlns:a="http://schemas.openxmlformats.org/drawingml/2006/main" xmlns:r="http://schemas.openxmlformats.org/officeDocument/2006/relationships" xmlns:p="http://schemas.openxmlformats.org/presentationml/2006/main">
+  <p:cSld>
+    <p:spTree>
+      <p:nvGrpSpPr>
+        <p:cNvPr id="1" name=""/>
+        <p:cNvGrpSpPr/>
+        <p:nvPr/>
+      </p:nvGrpSpPr>
+      <p:grpSpPr>
+        <a:xfrm>
+          <a:off x="0" y="0"/>
+          <a:ext cx="0" cy="0"/>
+          <a:chOff x="0" y="0"/>
+          <a:chExt cx="0" cy="0"/>
+        </a:xfrm>
+      </p:grpSpPr>
+      <p:sp>
+        <p:nvSpPr>
+          <p:cNvPr id="3" name="TextBox 2"/>
+          <p:cNvSpPr txBox="1"/>
+          <p:nvPr/>
+        </p:nvSpPr>
+        <p:spPr>
+          <a:xfrm>
+            <a:off x="261764" y="1550515"/>
+            <a:ext cx="7214613" cy="4255677"/>
+          </a:xfrm>
+          <a:prstGeom prst="rect">
+            <a:avLst/>
+          </a:prstGeom>
+          <a:noFill/>
+          <a:ln w="12700" cap="rnd" cmpd="sng">
+            <a:solidFill>
+              <a:schemeClr val="tx1">
+                <a:alpha val="50000"/>
+              </a:schemeClr>
+            </a:solidFill>
+            <a:prstDash val="sysDash"/>
+          </a:ln>
+        </p:spPr>
+        <p:txBody>
+          <a:bodyPr wrap="square" lIns="182832" tIns="182832" rIns="182832" bIns="182832" rtlCol="0">
+            <a:noAutofit/>
+          </a:bodyPr>
+          <a:lstStyle/>
+          <a:p>
+            <a:pPr>
+              <a:lnSpc>
+                <a:spcPct val="90000"/>
+              </a:lnSpc>
+            </a:pPr>
+            <a:r>
+              <a:rPr lang="en-US" sz="1799" dirty="0">
+                <a:solidFill>
+                  <a:prstClr val="black"/>
+                </a:solidFill>
+                <a:latin typeface="Consolas" panose="020B0609020204030204" pitchFamily="49" charset="0"/>
+              </a:rPr>
+              <a:t>...</a:t>
+            </a:r>
+          </a:p>
+          <a:p>
+            <a:pPr>
+              <a:lnSpc>
+                <a:spcPct val="90000"/>
+              </a:lnSpc>
+            </a:pPr>
+            <a:r>
+              <a:rPr lang="en-US" sz="1799" b="1" dirty="0">
+                <a:solidFill>
+                  <a:prstClr val="black"/>
+                </a:solidFill>
+                <a:latin typeface="Consolas" panose="020B0609020204030204" pitchFamily="49" charset="0"/>
+              </a:rPr>
+              <a:t>perm_9ir2[3]={ 0 2 1 }</a:t>
+            </a:r>
+          </a:p>
+          <a:p>
+            <a:pPr>
+              <a:lnSpc>
+                <a:spcPct val="90000"/>
+              </a:lnSpc>
+            </a:pPr>
+            <a:r>
+              <a:rPr lang="en-US" sz="1799" dirty="0">
+                <a:solidFill>
+                  <a:prstClr val="black"/>
+                </a:solidFill>
+                <a:latin typeface="Consolas" panose="020B0609020204030204" pitchFamily="49" charset="0"/>
+              </a:rPr>
+              <a:t>...</a:t>
+            </a:r>
+          </a:p>
+          <a:p>
+            <a:pPr>
+              <a:lnSpc>
+                <a:spcPct val="90000"/>
+              </a:lnSpc>
+            </a:pPr>
+            <a:r>
+              <a:rPr lang="en-US" sz="1799" dirty="0" err="1">
+                <a:solidFill>
+                  <a:prstClr val="black"/>
+                </a:solidFill>
+                <a:latin typeface="Consolas" panose="020B0609020204030204" pitchFamily="49" charset="0"/>
+              </a:rPr>
+              <a:t>block_row_dump</a:t>
+            </a:r>
+            <a:r>
+              <a:rPr lang="en-US" sz="1799" dirty="0">
+                <a:solidFill>
+                  <a:prstClr val="black"/>
+                </a:solidFill>
+                <a:latin typeface="Consolas" panose="020B0609020204030204" pitchFamily="49" charset="0"/>
+              </a:rPr>
+              <a:t>:</a:t>
+            </a:r>
+          </a:p>
+          <a:p>
+            <a:pPr>
+              <a:lnSpc>
+                <a:spcPct val="90000"/>
+              </a:lnSpc>
+            </a:pPr>
+            <a:r>
+              <a:rPr lang="en-US" sz="1799" dirty="0">
+                <a:solidFill>
+                  <a:prstClr val="black"/>
+                </a:solidFill>
+                <a:latin typeface="Consolas" panose="020B0609020204030204" pitchFamily="49" charset="0"/>
+              </a:rPr>
+              <a:t>tab 0, row 0, @0x1f67</a:t>
+            </a:r>
+          </a:p>
+          <a:p>
+            <a:pPr>
+              <a:lnSpc>
+                <a:spcPct val="90000"/>
+              </a:lnSpc>
+            </a:pPr>
+            <a:r>
+              <a:rPr lang="en-US" sz="1799" dirty="0" err="1">
+                <a:solidFill>
+                  <a:prstClr val="black"/>
+                </a:solidFill>
+                <a:latin typeface="Consolas" panose="020B0609020204030204" pitchFamily="49" charset="0"/>
+              </a:rPr>
+              <a:t>tl</a:t>
+            </a:r>
+            <a:r>
+              <a:rPr lang="en-US" sz="1799" dirty="0">
+                <a:solidFill>
+                  <a:prstClr val="black"/>
+                </a:solidFill>
+                <a:latin typeface="Consolas" panose="020B0609020204030204" pitchFamily="49" charset="0"/>
+              </a:rPr>
+              <a:t>: 25 </a:t>
+            </a:r>
+            <a:r>
+              <a:rPr lang="en-US" sz="1799" dirty="0">
+                <a:solidFill>
+                  <a:srgbClr val="E5E8E8">
+                    <a:lumMod val="90000"/>
+                  </a:srgbClr>
+                </a:solidFill>
+                <a:latin typeface="Consolas" panose="020B0609020204030204" pitchFamily="49" charset="0"/>
+              </a:rPr>
+              <a:t>fb: --H-FL-- </a:t>
+            </a:r>
+            <a:r>
+              <a:rPr lang="en-US" sz="1799" dirty="0" err="1">
+                <a:solidFill>
+                  <a:srgbClr val="E5E8E8">
+                    <a:lumMod val="90000"/>
+                  </a:srgbClr>
+                </a:solidFill>
+                <a:latin typeface="Consolas" panose="020B0609020204030204" pitchFamily="49" charset="0"/>
+              </a:rPr>
+              <a:t>lb</a:t>
+            </a:r>
+            <a:r>
+              <a:rPr lang="en-US" sz="1799" dirty="0">
+                <a:solidFill>
+                  <a:srgbClr val="E5E8E8">
+                    <a:lumMod val="90000"/>
+                  </a:srgbClr>
+                </a:solidFill>
+                <a:latin typeface="Consolas" panose="020B0609020204030204" pitchFamily="49" charset="0"/>
+              </a:rPr>
+              <a:t>: 0x0  cc: 2</a:t>
+            </a:r>
+          </a:p>
+          <a:p>
+            <a:pPr>
+              <a:lnSpc>
+                <a:spcPct val="90000"/>
+              </a:lnSpc>
+            </a:pPr>
+            <a:r>
+              <a:rPr lang="en-US" sz="1799" dirty="0">
+                <a:solidFill>
+                  <a:srgbClr val="E5E8E8">
+                    <a:lumMod val="90000"/>
+                  </a:srgbClr>
+                </a:solidFill>
+                <a:latin typeface="Consolas" panose="020B0609020204030204" pitchFamily="49" charset="0"/>
+              </a:rPr>
+              <a:t>col  0: [10]  41 41 41 41 41 41 41 41 41 41</a:t>
+            </a:r>
+          </a:p>
+          <a:p>
+            <a:pPr>
+              <a:lnSpc>
+                <a:spcPct val="90000"/>
+              </a:lnSpc>
+            </a:pPr>
+            <a:r>
+              <a:rPr lang="en-US" sz="1799" dirty="0">
+                <a:solidFill>
+                  <a:srgbClr val="E5E8E8">
+                    <a:lumMod val="90000"/>
+                  </a:srgbClr>
+                </a:solidFill>
+                <a:latin typeface="Consolas" panose="020B0609020204030204" pitchFamily="49" charset="0"/>
+              </a:rPr>
+              <a:t>col  1: [10]  42 42 42 42 42 42 42 42 42 42</a:t>
+            </a:r>
+          </a:p>
+          <a:p>
+            <a:pPr>
+              <a:lnSpc>
+                <a:spcPct val="90000"/>
+              </a:lnSpc>
+            </a:pPr>
+            <a:r>
+              <a:rPr lang="en-US" sz="1799" dirty="0" err="1">
+                <a:solidFill>
+                  <a:srgbClr val="E5E8E8">
+                    <a:lumMod val="90000"/>
+                  </a:srgbClr>
+                </a:solidFill>
+                <a:latin typeface="Consolas" panose="020B0609020204030204" pitchFamily="49" charset="0"/>
+              </a:rPr>
+              <a:t>bindmp</a:t>
+            </a:r>
+            <a:r>
+              <a:rPr lang="en-US" sz="1799" dirty="0">
+                <a:solidFill>
+                  <a:srgbClr val="E5E8E8">
+                    <a:lumMod val="90000"/>
+                  </a:srgbClr>
+                </a:solidFill>
+                <a:latin typeface="Consolas" panose="020B0609020204030204" pitchFamily="49" charset="0"/>
+              </a:rPr>
+              <a:t>: 01 d5 02 d2 41 41 41 41 41 41 41 41 41 41 d2 42 42 42 42 42 42 42 42 42 42</a:t>
+            </a:r>
+          </a:p>
+          <a:p>
+            <a:pPr>
+              <a:lnSpc>
+                <a:spcPct val="90000"/>
+              </a:lnSpc>
+            </a:pPr>
+            <a:r>
+              <a:rPr lang="en-US" sz="1799" dirty="0">
+                <a:solidFill>
+                  <a:prstClr val="black"/>
+                </a:solidFill>
+                <a:latin typeface="Consolas" panose="020B0609020204030204" pitchFamily="49" charset="0"/>
+              </a:rPr>
+              <a:t>tab 1, row 0, @0x1f58</a:t>
+            </a:r>
+          </a:p>
+          <a:p>
+            <a:pPr>
+              <a:lnSpc>
+                <a:spcPct val="90000"/>
+              </a:lnSpc>
+            </a:pPr>
+            <a:r>
+              <a:rPr lang="en-US" sz="1799" dirty="0" err="1">
+                <a:solidFill>
+                  <a:prstClr val="black"/>
+                </a:solidFill>
+                <a:latin typeface="Consolas" panose="020B0609020204030204" pitchFamily="49" charset="0"/>
+              </a:rPr>
+              <a:t>tl</a:t>
+            </a:r>
+            <a:r>
+              <a:rPr lang="en-US" sz="1799" dirty="0">
+                <a:solidFill>
+                  <a:prstClr val="black"/>
+                </a:solidFill>
+                <a:latin typeface="Consolas" panose="020B0609020204030204" pitchFamily="49" charset="0"/>
+              </a:rPr>
+              <a:t>: 15 </a:t>
+            </a:r>
+            <a:r>
+              <a:rPr lang="en-US" sz="1799" dirty="0">
+                <a:solidFill>
+                  <a:srgbClr val="E5E8E8">
+                    <a:lumMod val="90000"/>
+                  </a:srgbClr>
+                </a:solidFill>
+                <a:latin typeface="Consolas" panose="020B0609020204030204" pitchFamily="49" charset="0"/>
+              </a:rPr>
+              <a:t>fb: --H-FL-- </a:t>
+            </a:r>
+            <a:r>
+              <a:rPr lang="en-US" sz="1799" dirty="0" err="1">
+                <a:solidFill>
+                  <a:srgbClr val="E5E8E8">
+                    <a:lumMod val="90000"/>
+                  </a:srgbClr>
+                </a:solidFill>
+                <a:latin typeface="Consolas" panose="020B0609020204030204" pitchFamily="49" charset="0"/>
+              </a:rPr>
+              <a:t>lb</a:t>
+            </a:r>
+            <a:r>
+              <a:rPr lang="en-US" sz="1799" dirty="0">
+                <a:solidFill>
+                  <a:srgbClr val="E5E8E8">
+                    <a:lumMod val="90000"/>
+                  </a:srgbClr>
+                </a:solidFill>
+                <a:latin typeface="Consolas" panose="020B0609020204030204" pitchFamily="49" charset="0"/>
+              </a:rPr>
+              <a:t>: 0x0  cc: 3</a:t>
+            </a:r>
+          </a:p>
+          <a:p>
+            <a:pPr>
+              <a:lnSpc>
+                <a:spcPct val="90000"/>
+              </a:lnSpc>
+            </a:pPr>
+            <a:r>
+              <a:rPr lang="en-US" sz="1799" dirty="0">
+                <a:solidFill>
+                  <a:srgbClr val="E5E8E8">
+                    <a:lumMod val="90000"/>
+                  </a:srgbClr>
+                </a:solidFill>
+                <a:latin typeface="Consolas" panose="020B0609020204030204" pitchFamily="49" charset="0"/>
+              </a:rPr>
+              <a:t>col  0: [10]  41 41 41 41 41 41 41 41 41 41</a:t>
+            </a:r>
+          </a:p>
+          <a:p>
+            <a:pPr>
+              <a:lnSpc>
+                <a:spcPct val="90000"/>
+              </a:lnSpc>
+            </a:pPr>
+            <a:r>
+              <a:rPr lang="en-US" sz="1799" dirty="0">
+                <a:solidFill>
+                  <a:srgbClr val="E5E8E8">
+                    <a:lumMod val="90000"/>
+                  </a:srgbClr>
+                </a:solidFill>
+                <a:latin typeface="Consolas" panose="020B0609020204030204" pitchFamily="49" charset="0"/>
+              </a:rPr>
+              <a:t>col  1: [10]  42 42 42 42 42 42 42 42 42 42</a:t>
+            </a:r>
+          </a:p>
+          <a:p>
+            <a:pPr>
+              <a:lnSpc>
+                <a:spcPct val="90000"/>
+              </a:lnSpc>
+            </a:pPr>
+            <a:r>
+              <a:rPr lang="en-US" sz="1799" dirty="0">
+                <a:solidFill>
+                  <a:srgbClr val="E5E8E8">
+                    <a:lumMod val="90000"/>
+                  </a:srgbClr>
+                </a:solidFill>
+                <a:latin typeface="Consolas" panose="020B0609020204030204" pitchFamily="49" charset="0"/>
+              </a:rPr>
+              <a:t>col  2: [10]  49 4a 4d 4f 52 4a 48 45 59 41</a:t>
+            </a:r>
+          </a:p>
+          <a:p>
+            <a:pPr>
+              <a:lnSpc>
+                <a:spcPct val="90000"/>
+              </a:lnSpc>
+            </a:pPr>
+            <a:r>
+              <a:rPr lang="en-US" sz="1799" b="1" dirty="0" err="1">
+                <a:solidFill>
+                  <a:prstClr val="black"/>
+                </a:solidFill>
+                <a:highlight>
+                  <a:srgbClr val="FFFF00"/>
+                </a:highlight>
+                <a:latin typeface="Consolas" panose="020B0609020204030204" pitchFamily="49" charset="0"/>
+                <a:ea typeface="Calibri" panose="020F0502020204030204" pitchFamily="34" charset="0"/>
+                <a:cs typeface="Times New Roman" panose="02020603050405020304" pitchFamily="18" charset="0"/>
+              </a:rPr>
+              <a:t>bindmp</a:t>
+            </a:r>
+            <a:r>
+              <a:rPr lang="en-US" sz="1799" b="1" dirty="0">
+                <a:solidFill>
+                  <a:prstClr val="black"/>
+                </a:solidFill>
+                <a:highlight>
+                  <a:srgbClr val="FFFF00"/>
+                </a:highlight>
+                <a:latin typeface="Consolas" panose="020B0609020204030204" pitchFamily="49" charset="0"/>
+                <a:ea typeface="Calibri" panose="020F0502020204030204" pitchFamily="34" charset="0"/>
+                <a:cs typeface="Times New Roman" panose="02020603050405020304" pitchFamily="18" charset="0"/>
+              </a:rPr>
+              <a:t>: 2c 00 02 00 d2 49 4a 4d 4f 52 4a 48 45 59 41</a:t>
+            </a:r>
+          </a:p>
+          <a:p>
+            <a:pPr>
+              <a:lnSpc>
+                <a:spcPct val="90000"/>
+              </a:lnSpc>
+            </a:pPr>
+            <a:endParaRPr lang="en-US" sz="1799" dirty="0">
+              <a:solidFill>
+                <a:prstClr val="black"/>
+              </a:solidFill>
+              <a:latin typeface="Consolas" panose="020B0609020204030204" pitchFamily="49" charset="0"/>
+            </a:endParaRPr>
+          </a:p>
+          <a:p>
+            <a:pPr>
+              <a:lnSpc>
+                <a:spcPct val="90000"/>
+              </a:lnSpc>
+            </a:pPr>
+            <a:endParaRPr lang="en-US" sz="1799" dirty="0">
+              <a:solidFill>
+                <a:prstClr val="black"/>
+              </a:solidFill>
+              <a:latin typeface="Consolas" panose="020B0609020204030204" pitchFamily="49" charset="0"/>
+            </a:endParaRPr>
+          </a:p>
+          <a:p>
+            <a:pPr>
+              <a:lnSpc>
+                <a:spcPct val="90000"/>
+              </a:lnSpc>
+            </a:pPr>
+            <a:endParaRPr lang="en-US" sz="1799" dirty="0">
+              <a:solidFill>
+                <a:prstClr val="black"/>
+              </a:solidFill>
+              <a:latin typeface="Consolas" panose="020B0609020204030204" pitchFamily="49" charset="0"/>
+            </a:endParaRPr>
+          </a:p>
+          <a:p>
+            <a:pPr>
+              <a:lnSpc>
+                <a:spcPct val="90000"/>
+              </a:lnSpc>
+            </a:pPr>
+            <a:endParaRPr lang="en-US" sz="1799" dirty="0">
+              <a:solidFill>
+                <a:prstClr val="black"/>
+              </a:solidFill>
+              <a:latin typeface="Consolas" panose="020B0609020204030204" pitchFamily="49" charset="0"/>
+            </a:endParaRPr>
+          </a:p>
+        </p:txBody>
+      </p:sp>
+      <p:sp>
+        <p:nvSpPr>
+          <p:cNvPr id="5" name="Title 3"/>
+          <p:cNvSpPr txBox="1">
+            <a:spLocks/>
+          </p:cNvSpPr>
+          <p:nvPr/>
+        </p:nvSpPr>
+        <p:spPr>
+          <a:xfrm>
+            <a:off x="609441" y="246254"/>
+            <a:ext cx="10969943" cy="502591"/>
+          </a:xfrm>
+          <a:prstGeom prst="rect">
+            <a:avLst/>
+          </a:prstGeom>
+        </p:spPr>
+        <p:txBody>
+          <a:bodyPr vert="horz" lIns="0" tIns="0" rIns="0" bIns="0" rtlCol="0" anchor="b" anchorCtr="0">
+            <a:noAutofit/>
+          </a:bodyPr>
+          <a:lstStyle>
+            <a:lvl1pPr algn="l" defTabSz="914400" rtl="0" eaLnBrk="1" latinLnBrk="0" hangingPunct="1">
+              <a:lnSpc>
+                <a:spcPct val="90000"/>
+              </a:lnSpc>
+              <a:spcBef>
+                <a:spcPct val="0"/>
+              </a:spcBef>
+              <a:buNone/>
+              <a:defRPr sz="2800" b="1" kern="1200">
+                <a:solidFill>
+                  <a:schemeClr val="tx1"/>
+                </a:solidFill>
+                <a:latin typeface="+mj-lt"/>
+                <a:ea typeface="+mj-ea"/>
+                <a:cs typeface="+mj-cs"/>
+              </a:defRPr>
+            </a:lvl1pPr>
+          </a:lstStyle>
+          <a:p>
+            <a:r>
+              <a:rPr lang="en-US" dirty="0">
+                <a:solidFill>
+                  <a:prstClr val="black"/>
+                </a:solidFill>
+              </a:rPr>
+              <a:t>Column Reordering</a:t>
+            </a:r>
+            <a:endParaRPr lang="en-GB" dirty="0">
+              <a:solidFill>
+                <a:prstClr val="black"/>
+              </a:solidFill>
+            </a:endParaRPr>
+          </a:p>
+        </p:txBody>
+      </p:sp>
+      <p:cxnSp>
+        <p:nvCxnSpPr>
+          <p:cNvPr id="4" name="Straight Arrow Connector 3"/>
+          <p:cNvCxnSpPr>
+            <a:stCxn id="6" idx="1"/>
+          </p:cNvCxnSpPr>
+          <p:nvPr/>
+        </p:nvCxnSpPr>
+        <p:spPr>
+          <a:xfrm flipH="1">
+            <a:off x="3502124" y="2097019"/>
+            <a:ext cx="1409089" cy="0"/>
+          </a:xfrm>
+          <a:prstGeom prst="straightConnector1">
+            <a:avLst/>
+          </a:prstGeom>
+          <a:ln w="19050">
+            <a:solidFill>
+              <a:schemeClr val="tx1"/>
+            </a:solidFill>
+            <a:miter lim="800000"/>
+            <a:tailEnd type="triangle"/>
+          </a:ln>
+        </p:spPr>
+        <p:style>
+          <a:lnRef idx="1">
+            <a:schemeClr val="accent1"/>
+          </a:lnRef>
+          <a:fillRef idx="0">
+            <a:schemeClr val="accent1"/>
+          </a:fillRef>
+          <a:effectRef idx="0">
+            <a:schemeClr val="accent1"/>
+          </a:effectRef>
+          <a:fontRef idx="minor">
+            <a:schemeClr val="tx1"/>
+          </a:fontRef>
+        </p:style>
+      </p:cxnSp>
+      <p:sp>
+        <p:nvSpPr>
+          <p:cNvPr id="6" name="TextBox 5"/>
+          <p:cNvSpPr txBox="1"/>
+          <p:nvPr/>
+        </p:nvSpPr>
+        <p:spPr>
+          <a:xfrm>
+            <a:off x="4911213" y="1845158"/>
+            <a:ext cx="1399223" cy="503722"/>
+          </a:xfrm>
+          <a:prstGeom prst="rect">
+            <a:avLst/>
+          </a:prstGeom>
+          <a:noFill/>
+        </p:spPr>
+        <p:txBody>
+          <a:bodyPr wrap="none" lIns="0" tIns="0" rIns="0" bIns="0" rtlCol="0">
+            <a:noAutofit/>
+          </a:bodyPr>
+          <a:lstStyle/>
+          <a:p>
+            <a:pPr>
+              <a:lnSpc>
+                <a:spcPct val="90000"/>
+              </a:lnSpc>
+            </a:pPr>
+            <a:r>
+              <a:rPr lang="en-US" sz="1799" dirty="0">
+                <a:solidFill>
+                  <a:prstClr val="black"/>
+                </a:solidFill>
+              </a:rPr>
+              <a:t>Column order </a:t>
+            </a:r>
+          </a:p>
+          <a:p>
+            <a:pPr>
+              <a:lnSpc>
+                <a:spcPct val="90000"/>
+              </a:lnSpc>
+            </a:pPr>
+            <a:r>
+              <a:rPr lang="en-US" sz="1799" dirty="0">
+                <a:solidFill>
+                  <a:prstClr val="black"/>
+                </a:solidFill>
+              </a:rPr>
+              <a:t>for this block</a:t>
+            </a:r>
+          </a:p>
+        </p:txBody>
+      </p:sp>
+      <p:graphicFrame>
+        <p:nvGraphicFramePr>
+          <p:cNvPr id="11" name="Table 10"/>
+          <p:cNvGraphicFramePr>
+            <a:graphicFrameLocks noGrp="1"/>
+          </p:cNvGraphicFramePr>
+          <p:nvPr>
+            <p:extLst>
+              <p:ext uri="{D42A27DB-BD31-4B8C-83A1-F6EECF244321}">
+                <p14:modId xmlns:p14="http://schemas.microsoft.com/office/powerpoint/2010/main" val="146397204"/>
+              </p:ext>
+            </p:extLst>
+          </p:nvPr>
+        </p:nvGraphicFramePr>
+        <p:xfrm>
+          <a:off x="6958508" y="1196752"/>
+          <a:ext cx="4567287" cy="1005459"/>
+        </p:xfrm>
+        <a:graphic>
+          <a:graphicData uri="http://schemas.openxmlformats.org/drawingml/2006/table">
+            <a:tbl>
+              <a:tblPr firstRow="1" bandRow="1">
+                <a:tableStyleId>{00A15C55-8517-42AA-B614-E9B94910E393}</a:tableStyleId>
+              </a:tblPr>
+              <a:tblGrid>
+                <a:gridCol w="1522429"/>
+                <a:gridCol w="1522429"/>
+                <a:gridCol w="1522429"/>
+              </a:tblGrid>
+              <a:tr h="298563">
+                <a:tc>
+                  <a:txBody>
+                    <a:bodyPr/>
+                    <a:lstStyle/>
+                    <a:p>
+                      <a:r>
+                        <a:rPr lang="en-US" dirty="0" smtClean="0">
+                          <a:solidFill>
+                            <a:schemeClr val="tx1"/>
+                          </a:solidFill>
+                        </a:rPr>
+                        <a:t>COL1</a:t>
+                      </a:r>
+                      <a:endParaRPr lang="en-GB" dirty="0">
+                        <a:solidFill>
+                          <a:schemeClr val="tx1"/>
+                        </a:solidFill>
+                      </a:endParaRPr>
+                    </a:p>
+                  </a:txBody>
+                  <a:tcPr/>
+                </a:tc>
+                <a:tc>
+                  <a:txBody>
+                    <a:bodyPr/>
+                    <a:lstStyle/>
+                    <a:p>
+                      <a:r>
+                        <a:rPr lang="en-US" dirty="0" smtClean="0">
+                          <a:solidFill>
+                            <a:schemeClr val="tx1"/>
+                          </a:solidFill>
+                        </a:rPr>
+                        <a:t>COL2</a:t>
+                      </a:r>
+                      <a:endParaRPr lang="en-GB" dirty="0">
+                        <a:solidFill>
+                          <a:schemeClr val="tx1"/>
+                        </a:solidFill>
+                      </a:endParaRPr>
+                    </a:p>
+                  </a:txBody>
+                  <a:tcPr/>
+                </a:tc>
+                <a:tc>
+                  <a:txBody>
+                    <a:bodyPr/>
+                    <a:lstStyle/>
+                    <a:p>
+                      <a:r>
+                        <a:rPr lang="en-US" dirty="0" smtClean="0">
+                          <a:solidFill>
+                            <a:schemeClr val="tx1"/>
+                          </a:solidFill>
+                        </a:rPr>
+                        <a:t>COL3</a:t>
+                      </a:r>
+                      <a:endParaRPr lang="en-GB" dirty="0">
+                        <a:solidFill>
+                          <a:schemeClr val="tx1"/>
+                        </a:solidFill>
+                      </a:endParaRPr>
+                    </a:p>
+                  </a:txBody>
+                  <a:tcPr/>
+                </a:tc>
+              </a:tr>
+              <a:tr h="515125">
+                <a:tc>
+                  <a:txBody>
+                    <a:bodyPr/>
+                    <a:lstStyle/>
+                    <a:p>
+                      <a:pPr marL="0" marR="0" lvl="0" indent="0" algn="l" defTabSz="914126" rtl="0" eaLnBrk="1" fontAlgn="auto" latinLnBrk="0" hangingPunct="1">
+                        <a:lnSpc>
+                          <a:spcPct val="100000"/>
+                        </a:lnSpc>
+                        <a:spcBef>
+                          <a:spcPts val="0"/>
+                        </a:spcBef>
+                        <a:spcAft>
+                          <a:spcPts val="0"/>
+                        </a:spcAft>
+                        <a:buClrTx/>
+                        <a:buSzTx/>
+                        <a:buFontTx/>
+                        <a:buNone/>
+                        <a:tabLst/>
+                        <a:defRPr/>
+                      </a:pPr>
+                      <a:r>
+                        <a:rPr lang="en-US" dirty="0" smtClean="0"/>
+                        <a:t>AAAAAAAAAA</a:t>
+                      </a:r>
+                      <a:endParaRPr lang="en-GB" dirty="0" smtClean="0"/>
+                    </a:p>
+                    <a:p>
+                      <a:endParaRPr lang="en-GB" dirty="0"/>
+                    </a:p>
+                  </a:txBody>
+                  <a:tcPr/>
+                </a:tc>
+                <a:tc>
+                  <a:txBody>
+                    <a:bodyPr/>
+                    <a:lstStyle/>
+                    <a:p>
+                      <a:r>
+                        <a:rPr lang="en-US" dirty="0" smtClean="0"/>
+                        <a:t>IJMORHEYA</a:t>
+                      </a:r>
+                      <a:endParaRPr lang="en-GB" dirty="0"/>
+                    </a:p>
+                  </a:txBody>
+                  <a:tcPr/>
+                </a:tc>
+                <a:tc>
+                  <a:txBody>
+                    <a:bodyPr/>
+                    <a:lstStyle/>
+                    <a:p>
+                      <a:r>
+                        <a:rPr lang="en-US" dirty="0" smtClean="0"/>
+                        <a:t>BBBBBBBBBB</a:t>
+                      </a:r>
+                      <a:endParaRPr lang="en-GB" dirty="0"/>
+                    </a:p>
+                  </a:txBody>
+                  <a:tcPr/>
+                </a:tc>
+              </a:tr>
+            </a:tbl>
+          </a:graphicData>
+        </a:graphic>
+      </p:graphicFrame>
+    </p:spTree>
+    <p:extLst>
+      <p:ext uri="{BB962C8B-B14F-4D97-AF65-F5344CB8AC3E}">
+        <p14:creationId xmlns:p14="http://schemas.microsoft.com/office/powerpoint/2010/main" val="2517955768"/>
       </p:ext>
     </p:extLst>
   </p:cSld>

--- a/compression_sand_weiss_hotsos_2018.pptx
+++ b/compression_sand_weiss_hotsos_2018.pptx
@@ -276,7 +276,7 @@
           <a:p>
             <a:fld id="{ADCC02A0-C947-4278-96D1-0DB9C063DF55}" type="datetimeFigureOut">
               <a:rPr lang="en-US" smtClean="0"/>
-              <a:t>2018-03-05</a:t>
+              <a:t>3/5/2018</a:t>
             </a:fld>
             <a:endParaRPr lang="en-US"/>
           </a:p>
@@ -813,11 +813,7 @@
             </a:r>
             <a:r>
               <a:rPr lang="en-US" baseline="0" dirty="0" smtClean="0"/>
-              <a:t> contain reference to other symbols within the block</a:t>
-            </a:r>
-            <a:r>
-              <a:rPr lang="en-US" baseline="0" dirty="0" smtClean="0"/>
-              <a:t>.</a:t>
+              <a:t> contain reference to other symbols within the block.</a:t>
             </a:r>
           </a:p>
           <a:p>
@@ -867,7 +863,6 @@
               <a:rPr lang="en-US" dirty="0" smtClean="0"/>
               <a:t>Unknowns:</a:t>
             </a:r>
-            <a:endParaRPr lang="en-US" dirty="0" smtClean="0"/>
           </a:p>
           <a:p>
             <a:r>
@@ -880,13 +875,8 @@
             </a:r>
             <a:r>
               <a:rPr lang="en-US" dirty="0" smtClean="0"/>
-              <a:t>table row header</a:t>
-            </a:r>
-            <a:r>
-              <a:rPr lang="en-US" dirty="0" smtClean="0"/>
-              <a:t>?</a:t>
-            </a:r>
-            <a:endParaRPr lang="en-US" dirty="0" smtClean="0"/>
+              <a:t>table row header?</a:t>
+            </a:r>
           </a:p>
           <a:p>
             <a:r>
@@ -1004,11 +994,7 @@
             </a:r>
             <a:r>
               <a:rPr lang="en-US" baseline="0" dirty="0" smtClean="0"/>
-              <a:t> need to decompress in buffer </a:t>
-            </a:r>
-            <a:r>
-              <a:rPr lang="en-US" baseline="0" dirty="0" smtClean="0"/>
-              <a:t>cache</a:t>
+              <a:t> need to decompress in buffer cache</a:t>
             </a:r>
           </a:p>
           <a:p>
@@ -2094,24 +2080,12 @@
           </a:p>
           <a:p>
             <a:r>
-              <a:rPr lang="en-US" dirty="0" smtClean="0"/>
-              <a:t>TODO [add</a:t>
-            </a:r>
-            <a:r>
               <a:rPr lang="en-US" baseline="0" dirty="0" smtClean="0"/>
-              <a:t> table definition and insert statement]</a:t>
-            </a:r>
-          </a:p>
-          <a:p>
-            <a:endParaRPr lang="en-US" baseline="0" dirty="0" smtClean="0"/>
-          </a:p>
-          <a:p>
-            <a:endParaRPr lang="en-US" baseline="0" dirty="0" smtClean="0"/>
-          </a:p>
-          <a:p>
+              <a:t>Important </a:t>
+            </a:r>
             <a:r>
               <a:rPr lang="en-US" baseline="0" dirty="0" smtClean="0"/>
-              <a:t>Important points</a:t>
+              <a:t>points</a:t>
             </a:r>
           </a:p>
           <a:p>
@@ -2359,12 +2333,12 @@
               <a:t> - There is also a new </a:t>
             </a:r>
             <a:r>
-              <a:rPr lang="en-US" baseline="0" dirty="0" err="1" smtClean="0"/>
-              <a:t>fieldincluded</a:t>
-            </a:r>
-            <a:r>
               <a:rPr lang="en-US" baseline="0" dirty="0" smtClean="0"/>
-              <a:t> with each row, the binary dump. </a:t>
+              <a:t>field included </a:t>
+            </a:r>
+            <a:r>
+              <a:rPr lang="en-US" baseline="0" dirty="0" smtClean="0"/>
+              <a:t>with each row, the binary dump. </a:t>
             </a:r>
           </a:p>
           <a:p>
@@ -2537,7 +2511,7 @@
         <p:spPr/>
         <p:txBody>
           <a:bodyPr>
-            <a:normAutofit lnSpcReduction="10000"/>
+            <a:normAutofit/>
           </a:bodyPr>
           <a:lstStyle/>
           <a:p>
@@ -2550,11 +2524,7 @@
             </a:r>
             <a:r>
               <a:rPr lang="en-US" baseline="0" dirty="0" smtClean="0"/>
-              <a:t> </a:t>
-            </a:r>
-            <a:r>
-              <a:rPr lang="en-US" baseline="0" dirty="0" smtClean="0"/>
-              <a:t>is another compressed block. This time we notice that not all of the columns in the data table contain pointers to symbols. </a:t>
+              <a:t> is another compressed block. This time we notice that not all of the columns in the data table contain pointers to symbols. </a:t>
             </a:r>
           </a:p>
           <a:p>
@@ -2569,11 +2539,7 @@
           <a:p>
             <a:r>
               <a:rPr lang="en-US" baseline="0" dirty="0" smtClean="0"/>
-              <a:t>This makes since because if the values only </a:t>
-            </a:r>
-            <a:r>
-              <a:rPr lang="en-US" baseline="0" dirty="0" smtClean="0"/>
-              <a:t>occurs once, it will take more bytes to store the data.  The overhead for a symbols is at least 1 byte for the symbol, 2 bytes for a usage count, and 2 bytes for the symbol table row directory entry.</a:t>
+              <a:t>This makes since because if the values only occurs once, it will take more bytes to store the data.  The overhead for a symbols is at least 1 byte for the symbol, 2 bytes for a usage count, and 2 bytes for the symbol table row directory entry.</a:t>
             </a:r>
           </a:p>
           <a:p>
@@ -2624,13 +2590,8 @@
           <a:p>
             <a:r>
               <a:rPr lang="en-US" baseline="0" dirty="0" smtClean="0"/>
-              <a:t>So how do you tell the difference between symbols and length </a:t>
-            </a:r>
-            <a:r>
-              <a:rPr lang="en-US" baseline="0" dirty="0" smtClean="0"/>
-              <a:t>bytes?</a:t>
-            </a:r>
-            <a:endParaRPr lang="en-US" baseline="0" dirty="0" smtClean="0"/>
+              <a:t>So how do you tell the difference between symbols and length bytes?</a:t>
+            </a:r>
           </a:p>
           <a:p>
             <a:endParaRPr lang="en-US" baseline="0" dirty="0" smtClean="0"/>
@@ -2740,7 +2701,23 @@
           <a:p>
             <a:r>
               <a:rPr lang="en-US" baseline="0" dirty="0" smtClean="0"/>
-              <a:t>The symbol table works by overloading the length bytes. The first 199 are reserved for symbols. The length is calculated by subtracting 200 from the length byte, but the last 6 are reserved for special purposes which we will discuss as needed. We already know that FF is set aside for null.</a:t>
+              <a:t>The symbol table works by overloading the length bytes. </a:t>
+            </a:r>
+            <a:r>
+              <a:rPr lang="en-US" baseline="0" dirty="0" smtClean="0"/>
+              <a:t>0 - 199 </a:t>
+            </a:r>
+            <a:r>
+              <a:rPr lang="en-US" baseline="0" dirty="0" smtClean="0"/>
+              <a:t>are reserved for symbols. The length is calculated </a:t>
+            </a:r>
+            <a:r>
+              <a:rPr lang="en-US" baseline="0" dirty="0" smtClean="0"/>
+              <a:t>by adding 200 to the length, </a:t>
+            </a:r>
+            <a:r>
+              <a:rPr lang="en-US" baseline="0" dirty="0" smtClean="0"/>
+              <a:t>but the last 6 are reserved for special purposes which we will discuss as needed. We already know that FF is set aside for null.</a:t>
             </a:r>
           </a:p>
           <a:p>
@@ -3454,7 +3431,7 @@
           <a:p>
             <a:fld id="{80C853A8-1CF5-4118-9D6D-C132E8FC53CB}" type="datetimeFigureOut">
               <a:rPr lang="en-US" smtClean="0"/>
-              <a:t>2018-03-05</a:t>
+              <a:t>3/5/2018</a:t>
             </a:fld>
             <a:endParaRPr lang="en-US"/>
           </a:p>
@@ -4553,7 +4530,7 @@
             <a:fld id="{80C853A8-1CF5-4118-9D6D-C132E8FC53CB}" type="datetimeFigureOut">
               <a:rPr lang="en-US" smtClean="0"/>
               <a:pPr/>
-              <a:t>2018-03-05</a:t>
+              <a:t>3/5/2018</a:t>
             </a:fld>
             <a:endParaRPr lang="en-US"/>
           </a:p>
@@ -4759,7 +4736,7 @@
           <a:p>
             <a:fld id="{80C853A8-1CF5-4118-9D6D-C132E8FC53CB}" type="datetimeFigureOut">
               <a:rPr lang="en-US" smtClean="0"/>
-              <a:t>2018-03-05</a:t>
+              <a:t>3/5/2018</a:t>
             </a:fld>
             <a:endParaRPr lang="en-US"/>
           </a:p>
@@ -4896,7 +4873,7 @@
           <a:p>
             <a:fld id="{80C853A8-1CF5-4118-9D6D-C132E8FC53CB}" type="datetimeFigureOut">
               <a:rPr lang="en-US" smtClean="0"/>
-              <a:t>2018-03-05</a:t>
+              <a:t>3/5/2018</a:t>
             </a:fld>
             <a:endParaRPr lang="en-US"/>
           </a:p>
@@ -5188,7 +5165,7 @@
           <a:p>
             <a:fld id="{80C853A8-1CF5-4118-9D6D-C132E8FC53CB}" type="datetimeFigureOut">
               <a:rPr lang="en-US" smtClean="0"/>
-              <a:t>2018-03-05</a:t>
+              <a:t>3/5/2018</a:t>
             </a:fld>
             <a:endParaRPr lang="en-US"/>
           </a:p>
@@ -5578,7 +5555,7 @@
           <a:p>
             <a:fld id="{80C853A8-1CF5-4118-9D6D-C132E8FC53CB}" type="datetimeFigureOut">
               <a:rPr lang="en-US" smtClean="0"/>
-              <a:t>2018-03-05</a:t>
+              <a:t>3/5/2018</a:t>
             </a:fld>
             <a:endParaRPr lang="en-US"/>
           </a:p>
@@ -5715,7 +5692,7 @@
           <a:p>
             <a:fld id="{80C853A8-1CF5-4118-9D6D-C132E8FC53CB}" type="datetimeFigureOut">
               <a:rPr lang="en-US" smtClean="0"/>
-              <a:t>2018-03-05</a:t>
+              <a:t>3/5/2018</a:t>
             </a:fld>
             <a:endParaRPr lang="en-US"/>
           </a:p>
@@ -5927,7 +5904,7 @@
           <a:p>
             <a:fld id="{80C853A8-1CF5-4118-9D6D-C132E8FC53CB}" type="datetimeFigureOut">
               <a:rPr lang="en-US" smtClean="0"/>
-              <a:t>2018-03-05</a:t>
+              <a:t>3/5/2018</a:t>
             </a:fld>
             <a:endParaRPr lang="en-US"/>
           </a:p>
@@ -6243,7 +6220,7 @@
           <a:p>
             <a:fld id="{80C853A8-1CF5-4118-9D6D-C132E8FC53CB}" type="datetimeFigureOut">
               <a:rPr lang="en-US" smtClean="0"/>
-              <a:t>2018-03-05</a:t>
+              <a:t>3/5/2018</a:t>
             </a:fld>
             <a:endParaRPr lang="en-US"/>
           </a:p>
@@ -6703,7 +6680,7 @@
           <a:p>
             <a:fld id="{80C853A8-1CF5-4118-9D6D-C132E8FC53CB}" type="datetimeFigureOut">
               <a:rPr lang="en-US" smtClean="0"/>
-              <a:t>2018-03-05</a:t>
+              <a:t>3/5/2018</a:t>
             </a:fld>
             <a:endParaRPr lang="en-US"/>
           </a:p>
@@ -7261,7 +7238,7 @@
           <a:p>
             <a:fld id="{80C853A8-1CF5-4118-9D6D-C132E8FC53CB}" type="datetimeFigureOut">
               <a:rPr lang="en-US" smtClean="0"/>
-              <a:t>2018-03-05</a:t>
+              <a:t>3/5/2018</a:t>
             </a:fld>
             <a:endParaRPr lang="en-US"/>
           </a:p>
@@ -7618,7 +7595,7 @@
             <a:fld id="{80C853A8-1CF5-4118-9D6D-C132E8FC53CB}" type="datetimeFigureOut">
               <a:rPr lang="en-US" smtClean="0"/>
               <a:pPr/>
-              <a:t>2018-03-05</a:t>
+              <a:t>3/5/2018</a:t>
             </a:fld>
             <a:endParaRPr lang="en-US"/>
           </a:p>
@@ -8148,7 +8125,7 @@
           <a:p>
             <a:fld id="{80C853A8-1CF5-4118-9D6D-C132E8FC53CB}" type="datetimeFigureOut">
               <a:rPr lang="en-US" smtClean="0"/>
-              <a:t>2018-03-05</a:t>
+              <a:t>3/5/2018</a:t>
             </a:fld>
             <a:endParaRPr lang="en-US"/>
           </a:p>
@@ -8551,7 +8528,7 @@
           <a:p>
             <a:fld id="{80C853A8-1CF5-4118-9D6D-C132E8FC53CB}" type="datetimeFigureOut">
               <a:rPr lang="en-US" smtClean="0"/>
-              <a:t>2018-03-05</a:t>
+              <a:t>3/5/2018</a:t>
             </a:fld>
             <a:endParaRPr lang="en-US"/>
           </a:p>
@@ -9164,7 +9141,7 @@
           <a:p>
             <a:fld id="{80C853A8-1CF5-4118-9D6D-C132E8FC53CB}" type="datetimeFigureOut">
               <a:rPr lang="en-US" smtClean="0"/>
-              <a:t>2018-03-05</a:t>
+              <a:t>3/5/2018</a:t>
             </a:fld>
             <a:endParaRPr lang="en-US"/>
           </a:p>
@@ -10036,7 +10013,7 @@
           <a:p>
             <a:fld id="{80C853A8-1CF5-4118-9D6D-C132E8FC53CB}" type="datetimeFigureOut">
               <a:rPr lang="en-US" smtClean="0"/>
-              <a:t>2018-03-05</a:t>
+              <a:t>3/5/2018</a:t>
             </a:fld>
             <a:endParaRPr lang="en-US"/>
           </a:p>
@@ -10319,7 +10296,7 @@
           <a:p>
             <a:fld id="{80C853A8-1CF5-4118-9D6D-C132E8FC53CB}" type="datetimeFigureOut">
               <a:rPr lang="en-US" smtClean="0"/>
-              <a:t>2018-03-05</a:t>
+              <a:t>3/5/2018</a:t>
             </a:fld>
             <a:endParaRPr lang="en-US"/>
           </a:p>
@@ -10532,7 +10509,7 @@
           <a:p>
             <a:fld id="{80C853A8-1CF5-4118-9D6D-C132E8FC53CB}" type="datetimeFigureOut">
               <a:rPr lang="en-US" smtClean="0"/>
-              <a:t>2018-03-05</a:t>
+              <a:t>3/5/2018</a:t>
             </a:fld>
             <a:endParaRPr lang="en-US"/>
           </a:p>
@@ -10832,7 +10809,7 @@
           <a:p>
             <a:fld id="{80C853A8-1CF5-4118-9D6D-C132E8FC53CB}" type="datetimeFigureOut">
               <a:rPr lang="en-US" smtClean="0"/>
-              <a:t>2018-03-05</a:t>
+              <a:t>3/5/2018</a:t>
             </a:fld>
             <a:endParaRPr lang="en-US"/>
           </a:p>
@@ -11252,7 +11229,7 @@
           <a:p>
             <a:fld id="{80C853A8-1CF5-4118-9D6D-C132E8FC53CB}" type="datetimeFigureOut">
               <a:rPr lang="en-US" smtClean="0"/>
-              <a:t>2018-03-05</a:t>
+              <a:t>3/5/2018</a:t>
             </a:fld>
             <a:endParaRPr lang="en-US"/>
           </a:p>
@@ -11785,7 +11762,7 @@
           <a:p>
             <a:fld id="{80C853A8-1CF5-4118-9D6D-C132E8FC53CB}" type="datetimeFigureOut">
               <a:rPr lang="en-US" smtClean="0"/>
-              <a:t>2018-03-05</a:t>
+              <a:t>3/5/2018</a:t>
             </a:fld>
             <a:endParaRPr lang="en-US"/>
           </a:p>
@@ -11984,7 +11961,7 @@
           <a:p>
             <a:fld id="{80C853A8-1CF5-4118-9D6D-C132E8FC53CB}" type="datetimeFigureOut">
               <a:rPr lang="en-US" smtClean="0"/>
-              <a:t>2018-03-05</a:t>
+              <a:t>3/5/2018</a:t>
             </a:fld>
             <a:endParaRPr lang="en-US"/>
           </a:p>
@@ -12252,7 +12229,7 @@
           <a:p>
             <a:fld id="{80C853A8-1CF5-4118-9D6D-C132E8FC53CB}" type="datetimeFigureOut">
               <a:rPr lang="en-US" smtClean="0"/>
-              <a:t>2018-03-05</a:t>
+              <a:t>3/5/2018</a:t>
             </a:fld>
             <a:endParaRPr lang="en-US"/>
           </a:p>
@@ -16671,7 +16648,7 @@
             <a:fld id="{80C853A8-1CF5-4118-9D6D-C132E8FC53CB}" type="datetimeFigureOut">
               <a:rPr lang="en-US" smtClean="0"/>
               <a:pPr/>
-              <a:t>2018-03-05</a:t>
+              <a:t>3/5/2018</a:t>
             </a:fld>
             <a:endParaRPr lang="en-US"/>
           </a:p>
@@ -24672,7 +24649,7 @@
             <a:fld id="{80C853A8-1CF5-4118-9D6D-C132E8FC53CB}" type="datetimeFigureOut">
               <a:rPr lang="en-US" smtClean="0"/>
               <a:pPr/>
-              <a:t>2018-03-05</a:t>
+              <a:t>3/5/2018</a:t>
             </a:fld>
             <a:endParaRPr lang="en-US"/>
           </a:p>
@@ -27737,14 +27714,14 @@
           <p:nvPr>
             <p:extLst>
               <p:ext uri="{D42A27DB-BD31-4B8C-83A1-F6EECF244321}">
-                <p14:modId xmlns:p14="http://schemas.microsoft.com/office/powerpoint/2010/main" val="1149328504"/>
+                <p14:modId xmlns:p14="http://schemas.microsoft.com/office/powerpoint/2010/main" val="2285909649"/>
               </p:ext>
             </p:extLst>
           </p:nvPr>
         </p:nvGraphicFramePr>
         <p:xfrm>
-          <a:off x="6919158" y="1196752"/>
-          <a:ext cx="3528393" cy="1005459"/>
+          <a:off x="7966619" y="520996"/>
+          <a:ext cx="3528393" cy="2550834"/>
         </p:xfrm>
         <a:graphic>
           <a:graphicData uri="http://schemas.openxmlformats.org/drawingml/2006/table">
@@ -27852,6 +27829,96 @@
                   <a:tcPr/>
                 </a:tc>
               </a:tr>
+              <a:tr h="515125">
+                <a:tc>
+                  <a:txBody>
+                    <a:bodyPr/>
+                    <a:lstStyle/>
+                    <a:p>
+                      <a:r>
+                        <a:rPr lang="en-GB" dirty="0" smtClean="0"/>
+                        <a:t>AAAAAAAAAA</a:t>
+                      </a:r>
+                      <a:endParaRPr lang="en-GB" dirty="0"/>
+                    </a:p>
+                  </a:txBody>
+                  <a:tcPr/>
+                </a:tc>
+                <a:tc>
+                  <a:txBody>
+                    <a:bodyPr/>
+                    <a:lstStyle/>
+                    <a:p>
+                      <a:r>
+                        <a:rPr lang="en-GB" dirty="0" smtClean="0"/>
+                        <a:t>BBBBBBBBBB</a:t>
+                      </a:r>
+                      <a:endParaRPr lang="en-GB" dirty="0"/>
+                    </a:p>
+                  </a:txBody>
+                  <a:tcPr/>
+                </a:tc>
+              </a:tr>
+              <a:tr h="515125">
+                <a:tc>
+                  <a:txBody>
+                    <a:bodyPr/>
+                    <a:lstStyle/>
+                    <a:p>
+                      <a:r>
+                        <a:rPr lang="en-GB" dirty="0" smtClean="0"/>
+                        <a:t>AAAAAAAAAA</a:t>
+                      </a:r>
+                      <a:endParaRPr lang="en-GB" dirty="0"/>
+                    </a:p>
+                  </a:txBody>
+                  <a:tcPr/>
+                </a:tc>
+                <a:tc>
+                  <a:txBody>
+                    <a:bodyPr/>
+                    <a:lstStyle/>
+                    <a:p>
+                      <a:r>
+                        <a:rPr lang="en-GB" dirty="0" smtClean="0"/>
+                        <a:t>CCCCCCCCCC</a:t>
+                      </a:r>
+                      <a:endParaRPr lang="en-GB" dirty="0"/>
+                    </a:p>
+                  </a:txBody>
+                  <a:tcPr/>
+                </a:tc>
+              </a:tr>
+              <a:tr h="515125">
+                <a:tc>
+                  <a:txBody>
+                    <a:bodyPr/>
+                    <a:lstStyle/>
+                    <a:p>
+                      <a:r>
+                        <a:rPr lang="en-GB" dirty="0" smtClean="0"/>
+                        <a:t>AAAAAAAAAA</a:t>
+                      </a:r>
+                      <a:endParaRPr lang="en-GB" dirty="0"/>
+                    </a:p>
+                  </a:txBody>
+                  <a:tcPr/>
+                </a:tc>
+                <a:tc>
+                  <a:txBody>
+                    <a:bodyPr/>
+                    <a:lstStyle/>
+                    <a:p>
+                      <a:r>
+                        <a:rPr lang="en-GB" dirty="0" smtClean="0"/>
+                        <a:t>CCCCCCCCCC</a:t>
+                      </a:r>
+                      <a:endParaRPr lang="en-GB" dirty="0"/>
+                    </a:p>
+                  </a:txBody>
+                  <a:tcPr/>
+                </a:tc>
+              </a:tr>
             </a:tbl>
           </a:graphicData>
         </a:graphic>
@@ -27937,7 +28004,7 @@
         <p:spPr>
           <a:xfrm>
             <a:off x="1053852" y="1772816"/>
-            <a:ext cx="8352928" cy="3888432"/>
+            <a:ext cx="10873208" cy="3888432"/>
           </a:xfrm>
           <a:prstGeom prst="rect">
             <a:avLst/>
@@ -27954,11 +28021,14 @@
               <a:lnSpc>
                 <a:spcPct val="90000"/>
               </a:lnSpc>
+              <a:spcAft>
+                <a:spcPts val="1200"/>
+              </a:spcAft>
               <a:buFont typeface="Arial" panose="020B0604020202020204" pitchFamily="34" charset="0"/>
               <a:buChar char="•"/>
             </a:pPr>
             <a:r>
-              <a:rPr lang="en-US" dirty="0" smtClean="0"/>
+              <a:rPr lang="en-US" sz="2800" dirty="0" smtClean="0"/>
               <a:t>Blocks are read into the buffer cache in the compressed form.</a:t>
             </a:r>
           </a:p>
@@ -27967,11 +28037,14 @@
               <a:lnSpc>
                 <a:spcPct val="90000"/>
               </a:lnSpc>
+              <a:spcAft>
+                <a:spcPts val="1200"/>
+              </a:spcAft>
               <a:buFont typeface="Arial" panose="020B0604020202020204" pitchFamily="34" charset="0"/>
               <a:buChar char="•"/>
             </a:pPr>
             <a:r>
-              <a:rPr lang="en-US" dirty="0" smtClean="0"/>
+              <a:rPr lang="en-US" sz="2800" dirty="0" smtClean="0"/>
               <a:t>The lower CPU and IO cost when dealing with compressed blocks.</a:t>
             </a:r>
           </a:p>
@@ -27980,11 +28053,14 @@
               <a:lnSpc>
                 <a:spcPct val="90000"/>
               </a:lnSpc>
+              <a:spcAft>
+                <a:spcPts val="1200"/>
+              </a:spcAft>
               <a:buFont typeface="Arial" panose="020B0604020202020204" pitchFamily="34" charset="0"/>
               <a:buChar char="•"/>
             </a:pPr>
             <a:r>
-              <a:rPr lang="en-US" dirty="0" smtClean="0"/>
+              <a:rPr lang="en-US" sz="2800" dirty="0" smtClean="0"/>
               <a:t>Block level compression means minimal CPU cost to decompress data.</a:t>
             </a:r>
           </a:p>
@@ -27993,16 +28069,22 @@
               <a:lnSpc>
                 <a:spcPct val="90000"/>
               </a:lnSpc>
+              <a:spcAft>
+                <a:spcPts val="1200"/>
+              </a:spcAft>
             </a:pPr>
-            <a:endParaRPr lang="en-US" dirty="0"/>
+            <a:endParaRPr lang="en-US" sz="2800" dirty="0"/>
           </a:p>
           <a:p>
             <a:pPr>
               <a:lnSpc>
                 <a:spcPct val="90000"/>
               </a:lnSpc>
+              <a:spcAft>
+                <a:spcPts val="1200"/>
+              </a:spcAft>
             </a:pPr>
-            <a:endParaRPr lang="en-GB" dirty="0" err="1" smtClean="0"/>
+            <a:endParaRPr lang="en-GB" sz="2800" dirty="0" err="1" smtClean="0"/>
           </a:p>
         </p:txBody>
       </p:sp>
@@ -28864,7 +28946,15 @@
             <a:pPr lvl="1"/>
             <a:r>
               <a:rPr lang="en-US" dirty="0" smtClean="0"/>
-              <a:t>When you sort the data, the effects of 32K blocks is much smaller.</a:t>
+              <a:t>When you sort the data, the </a:t>
+            </a:r>
+            <a:r>
+              <a:rPr lang="en-US" dirty="0" smtClean="0"/>
+              <a:t>benefit of </a:t>
+            </a:r>
+            <a:r>
+              <a:rPr lang="en-US" dirty="0" smtClean="0"/>
+              <a:t>32K blocks is much smaller.</a:t>
             </a:r>
           </a:p>
         </p:txBody>
@@ -31180,13 +31270,18 @@
               <a:buChar char="•"/>
             </a:pPr>
             <a:r>
-              <a:rPr lang="en-US" sz="2399" dirty="0">
+              <a:rPr lang="en-US" sz="2399" dirty="0" smtClean="0">
                 <a:solidFill>
                   <a:prstClr val="black"/>
                 </a:solidFill>
               </a:rPr>
-              <a:t>HCC </a:t>
-            </a:r>
+              <a:t>Hybrid Columnar Compression (HCC)</a:t>
+            </a:r>
+            <a:endParaRPr lang="en-US" sz="2399" dirty="0">
+              <a:solidFill>
+                <a:prstClr val="black"/>
+              </a:solidFill>
+            </a:endParaRPr>
           </a:p>
           <a:p>
             <a:pPr marL="799860" lvl="1" indent="-342797">
@@ -31283,7 +31378,15 @@
           <a:p>
             <a:r>
               <a:rPr lang="en-US" sz="2800" dirty="0"/>
-              <a:t>Review of Data Blocks</a:t>
+              <a:t>Review </a:t>
+            </a:r>
+            <a:r>
+              <a:rPr lang="en-US" sz="2800" dirty="0" smtClean="0"/>
+              <a:t>of an Uncompressed </a:t>
+            </a:r>
+            <a:r>
+              <a:rPr lang="en-US" sz="2800" dirty="0"/>
+              <a:t>Data Blocks</a:t>
             </a:r>
             <a:endParaRPr lang="en-GB" sz="2800" dirty="0"/>
           </a:p>
@@ -32674,6 +32777,15 @@
               </a:lnSpc>
             </a:pPr>
             <a:r>
+              <a:rPr lang="en-US" sz="1799" dirty="0" smtClean="0">
+                <a:solidFill>
+                  <a:prstClr val="black"/>
+                </a:solidFill>
+                <a:latin typeface="Consolas" panose="020B0609020204030204" pitchFamily="49" charset="0"/>
+              </a:rPr>
+              <a:t>col </a:t>
+            </a:r>
+            <a:r>
               <a:rPr lang="en-US" sz="1799" dirty="0" err="1">
                 <a:solidFill>
                   <a:prstClr val="black"/>
@@ -32732,13 +32844,22 @@
               </a:lnSpc>
             </a:pPr>
             <a:r>
-              <a:rPr lang="en-US" sz="1799" dirty="0">
+              <a:rPr lang="en-US" sz="1799" dirty="0" smtClean="0">
                 <a:solidFill>
                   <a:prstClr val="black"/>
                 </a:solidFill>
                 <a:latin typeface="Consolas" panose="020B0609020204030204" pitchFamily="49" charset="0"/>
               </a:rPr>
-              <a:t>col  0: [10]  41 41 41 41 41 41 41 41 41 41</a:t>
+              <a:t> </a:t>
+            </a:r>
+            <a:r>
+              <a:rPr lang="en-US" sz="1799" dirty="0">
+                <a:solidFill>
+                  <a:prstClr val="black"/>
+                </a:solidFill>
+                <a:latin typeface="Consolas" panose="020B0609020204030204" pitchFamily="49" charset="0"/>
+              </a:rPr>
+              <a:t>0: [10]  41 41 41 41 41 41 41 41 41 41</a:t>
             </a:r>
           </a:p>
           <a:p>
@@ -33179,14 +33300,14 @@
           <p:nvPr>
             <p:extLst>
               <p:ext uri="{D42A27DB-BD31-4B8C-83A1-F6EECF244321}">
-                <p14:modId xmlns:p14="http://schemas.microsoft.com/office/powerpoint/2010/main" val="3888038523"/>
+                <p14:modId xmlns:p14="http://schemas.microsoft.com/office/powerpoint/2010/main" val="3726046051"/>
               </p:ext>
             </p:extLst>
           </p:nvPr>
         </p:nvGraphicFramePr>
         <p:xfrm>
           <a:off x="8686700" y="1220110"/>
-          <a:ext cx="2088232" cy="741680"/>
+          <a:ext cx="2088232" cy="1483360"/>
         </p:xfrm>
         <a:graphic>
           <a:graphicData uri="http://schemas.openxmlformats.org/drawingml/2006/table">
@@ -33229,6 +33350,38 @@
                     <a:p>
                       <a:r>
                         <a:rPr lang="en-US" dirty="0" smtClean="0"/>
+                        <a:t>AAAAAAAAAA</a:t>
+                      </a:r>
+                      <a:endParaRPr lang="en-GB" dirty="0"/>
+                    </a:p>
+                  </a:txBody>
+                  <a:tcPr/>
+                </a:tc>
+              </a:tr>
+              <a:tr h="370840">
+                <a:tc>
+                  <a:txBody>
+                    <a:bodyPr/>
+                    <a:lstStyle/>
+                    <a:p>
+                      <a:r>
+                        <a:rPr lang="en-GB" dirty="0" smtClean="0"/>
+                        <a:t>AAAAAAAAAA</a:t>
+                      </a:r>
+                      <a:endParaRPr lang="en-GB" dirty="0"/>
+                    </a:p>
+                  </a:txBody>
+                  <a:tcPr/>
+                </a:tc>
+              </a:tr>
+              <a:tr h="370840">
+                <a:tc>
+                  <a:txBody>
+                    <a:bodyPr/>
+                    <a:lstStyle/>
+                    <a:p>
+                      <a:r>
+                        <a:rPr lang="en-GB" dirty="0" smtClean="0"/>
                         <a:t>AAAAAAAAAA</a:t>
                       </a:r>
                       <a:endParaRPr lang="en-GB" dirty="0"/>
@@ -33307,7 +33460,7 @@
           <a:p>
             <a:r>
               <a:rPr lang="en-US" dirty="0" smtClean="0"/>
-              <a:t>Compressed block?</a:t>
+              <a:t>Not All Columns Are Compressed…</a:t>
             </a:r>
             <a:endParaRPr lang="en-GB" dirty="0"/>
           </a:p>
@@ -33680,14 +33833,14 @@
           <p:nvPr>
             <p:extLst>
               <p:ext uri="{D42A27DB-BD31-4B8C-83A1-F6EECF244321}">
-                <p14:modId xmlns:p14="http://schemas.microsoft.com/office/powerpoint/2010/main" val="3984526835"/>
+                <p14:modId xmlns:p14="http://schemas.microsoft.com/office/powerpoint/2010/main" val="3505851148"/>
               </p:ext>
             </p:extLst>
           </p:nvPr>
         </p:nvGraphicFramePr>
         <p:xfrm>
-          <a:off x="6254757" y="1196752"/>
-          <a:ext cx="3528393" cy="1005459"/>
+          <a:off x="8326660" y="1340768"/>
+          <a:ext cx="3528393" cy="2077046"/>
         </p:xfrm>
         <a:graphic>
           <a:graphicData uri="http://schemas.openxmlformats.org/drawingml/2006/table">
@@ -33745,7 +33898,7 @@
                   <a:tcPr/>
                 </a:tc>
               </a:tr>
-              <a:tr h="515125">
+              <a:tr h="570471">
                 <a:tc>
                   <a:txBody>
                     <a:bodyPr/>
@@ -33774,8 +33927,51 @@
                       </a:r>
                       <a:endParaRPr lang="en-GB" dirty="0" smtClean="0"/>
                     </a:p>
+                  </a:txBody>
+                  <a:tcPr/>
+                </a:tc>
+                <a:tc>
+                  <a:txBody>
+                    <a:bodyPr/>
+                    <a:lstStyle/>
                     <a:p>
-                      <a:endParaRPr lang="en-GB" dirty="0"/>
+                      <a:r>
+                        <a:rPr lang="en-GB" dirty="0" smtClean="0"/>
+                        <a:t>OZCQVLMUID</a:t>
+                      </a:r>
+                    </a:p>
+                  </a:txBody>
+                  <a:tcPr/>
+                </a:tc>
+              </a:tr>
+              <a:tr h="570471">
+                <a:tc>
+                  <a:txBody>
+                    <a:bodyPr/>
+                    <a:lstStyle/>
+                    <a:p>
+                      <a:pPr marL="0" marR="0" lvl="0" indent="0" algn="l" defTabSz="914126" rtl="0" eaLnBrk="1" fontAlgn="auto" latinLnBrk="0" hangingPunct="1">
+                        <a:lnSpc>
+                          <a:spcPct val="100000"/>
+                        </a:lnSpc>
+                        <a:spcBef>
+                          <a:spcPts val="0"/>
+                        </a:spcBef>
+                        <a:spcAft>
+                          <a:spcPts val="0"/>
+                        </a:spcAft>
+                        <a:buClrTx/>
+                        <a:buSzTx/>
+                        <a:buFontTx/>
+                        <a:buNone/>
+                        <a:tabLst/>
+                        <a:defRPr/>
+                      </a:pPr>
+                      <a:r>
+                        <a:rPr lang="en-GB" dirty="0" smtClean="0"/>
+                        <a:t>AAAAAAAAAA</a:t>
+                      </a:r>
+                      <a:endParaRPr lang="en-GB" dirty="0" smtClean="0"/>
                     </a:p>
                   </a:txBody>
                   <a:tcPr/>
@@ -33787,7 +33983,54 @@
                     <a:p>
                       <a:r>
                         <a:rPr lang="en-GB" dirty="0" smtClean="0"/>
-                        <a:t>OZCQVLMUID</a:t>
+                        <a:t>HQJFWERAAS</a:t>
+                      </a:r>
+                      <a:endParaRPr lang="en-GB" dirty="0"/>
+                    </a:p>
+                  </a:txBody>
+                  <a:tcPr/>
+                </a:tc>
+              </a:tr>
+              <a:tr h="570471">
+                <a:tc>
+                  <a:txBody>
+                    <a:bodyPr/>
+                    <a:lstStyle/>
+                    <a:p>
+                      <a:pPr marL="0" marR="0" lvl="0" indent="0" algn="l" defTabSz="914126" rtl="0" eaLnBrk="1" fontAlgn="auto" latinLnBrk="0" hangingPunct="1">
+                        <a:lnSpc>
+                          <a:spcPct val="100000"/>
+                        </a:lnSpc>
+                        <a:spcBef>
+                          <a:spcPts val="0"/>
+                        </a:spcBef>
+                        <a:spcAft>
+                          <a:spcPts val="0"/>
+                        </a:spcAft>
+                        <a:buClrTx/>
+                        <a:buSzTx/>
+                        <a:buFontTx/>
+                        <a:buNone/>
+                        <a:tabLst/>
+                        <a:defRPr/>
+                      </a:pPr>
+                      <a:r>
+                        <a:rPr lang="en-GB" dirty="0" smtClean="0"/>
+                        <a:t>AAAAAAAAAA</a:t>
+                      </a:r>
+                      <a:endParaRPr lang="en-GB" dirty="0" smtClean="0"/>
+                    </a:p>
+                  </a:txBody>
+                  <a:tcPr/>
+                </a:tc>
+                <a:tc>
+                  <a:txBody>
+                    <a:bodyPr/>
+                    <a:lstStyle/>
+                    <a:p>
+                      <a:r>
+                        <a:rPr lang="en-GB" dirty="0" smtClean="0"/>
+                        <a:t>AUFLETNDIL</a:t>
                       </a:r>
                       <a:endParaRPr lang="en-GB" dirty="0"/>
                     </a:p>
@@ -34042,7 +34285,7 @@
           <p:nvPr>
             <p:extLst>
               <p:ext uri="{D42A27DB-BD31-4B8C-83A1-F6EECF244321}">
-                <p14:modId xmlns:p14="http://schemas.microsoft.com/office/powerpoint/2010/main" val="2466947839"/>
+                <p14:modId xmlns:p14="http://schemas.microsoft.com/office/powerpoint/2010/main" val="62658086"/>
               </p:ext>
             </p:extLst>
           </p:nvPr>
@@ -34133,7 +34376,11 @@
                     <a:p>
                       <a:r>
                         <a:rPr lang="en-US" sz="1800" dirty="0" smtClean="0"/>
-                        <a:t>c9 - f9</a:t>
+                        <a:t>c8 </a:t>
+                      </a:r>
+                      <a:r>
+                        <a:rPr lang="en-US" sz="1800" dirty="0" smtClean="0"/>
+                        <a:t>- f9</a:t>
                       </a:r>
                       <a:endParaRPr lang="en-GB" sz="1800" dirty="0"/>
                     </a:p>
@@ -34392,7 +34639,7 @@
         </p:nvSpPr>
         <p:spPr>
           <a:xfrm rot="16200000">
-            <a:off x="8584090" y="3639785"/>
+            <a:off x="8579605" y="3639785"/>
             <a:ext cx="660894" cy="3394258"/>
           </a:xfrm>
           <a:prstGeom prst="rightBrace">
@@ -35301,7 +35548,7 @@
         </p:nvSpPr>
         <p:spPr>
           <a:xfrm>
-            <a:off x="2218483" y="3893115"/>
+            <a:off x="2201780" y="4116348"/>
             <a:ext cx="796288" cy="248756"/>
           </a:xfrm>
           <a:prstGeom prst="roundRect">
@@ -35469,7 +35716,7 @@
         <p:spPr>
           <a:xfrm>
             <a:off x="1784872" y="2385051"/>
-            <a:ext cx="433611" cy="1632442"/>
+            <a:ext cx="416908" cy="1855675"/>
           </a:xfrm>
           <a:prstGeom prst="straightConnector1">
             <a:avLst/>
@@ -35506,14 +35753,14 @@
           <p:nvPr>
             <p:extLst>
               <p:ext uri="{D42A27DB-BD31-4B8C-83A1-F6EECF244321}">
-                <p14:modId xmlns:p14="http://schemas.microsoft.com/office/powerpoint/2010/main" val="1488063062"/>
+                <p14:modId xmlns:p14="http://schemas.microsoft.com/office/powerpoint/2010/main" val="1502050065"/>
               </p:ext>
             </p:extLst>
           </p:nvPr>
         </p:nvGraphicFramePr>
         <p:xfrm>
-          <a:off x="6749176" y="905786"/>
-          <a:ext cx="4567287" cy="1005459"/>
+          <a:off x="6999733" y="620688"/>
+          <a:ext cx="4567287" cy="1520584"/>
         </p:xfrm>
         <a:graphic>
           <a:graphicData uri="http://schemas.openxmlformats.org/drawingml/2006/table">
@@ -35658,6 +35905,50 @@
                   <a:tcPr/>
                 </a:tc>
               </a:tr>
+              <a:tr h="515125">
+                <a:tc>
+                  <a:txBody>
+                    <a:bodyPr/>
+                    <a:lstStyle/>
+                    <a:p>
+                      <a:r>
+                        <a:rPr lang="en-GB" dirty="0" smtClean="0"/>
+                        <a:t>AAAAAAAAAA</a:t>
+                      </a:r>
+                      <a:endParaRPr lang="en-GB" dirty="0"/>
+                    </a:p>
+                  </a:txBody>
+                  <a:tcPr/>
+                </a:tc>
+                <a:tc>
+                  <a:txBody>
+                    <a:bodyPr/>
+                    <a:lstStyle/>
+                    <a:p>
+                      <a:r>
+                        <a:rPr lang="en-GB" dirty="0" smtClean="0"/>
+                        <a:t>BBBBBBBBBB</a:t>
+                      </a:r>
+                      <a:endParaRPr lang="en-GB" dirty="0"/>
+                    </a:p>
+                  </a:txBody>
+                  <a:tcPr/>
+                </a:tc>
+                <a:tc>
+                  <a:txBody>
+                    <a:bodyPr/>
+                    <a:lstStyle/>
+                    <a:p>
+                      <a:r>
+                        <a:rPr lang="en-GB" dirty="0" smtClean="0"/>
+                        <a:t>CCCCCCCCCC</a:t>
+                      </a:r>
+                      <a:endParaRPr lang="en-GB" dirty="0"/>
+                    </a:p>
+                  </a:txBody>
+                  <a:tcPr/>
+                </a:tc>
+              </a:tr>
             </a:tbl>
           </a:graphicData>
         </a:graphic>
@@ -36327,14 +36618,14 @@
           <p:nvPr>
             <p:extLst>
               <p:ext uri="{D42A27DB-BD31-4B8C-83A1-F6EECF244321}">
-                <p14:modId xmlns:p14="http://schemas.microsoft.com/office/powerpoint/2010/main" val="146397204"/>
+                <p14:modId xmlns:p14="http://schemas.microsoft.com/office/powerpoint/2010/main" val="1515288858"/>
               </p:ext>
             </p:extLst>
           </p:nvPr>
         </p:nvGraphicFramePr>
         <p:xfrm>
-          <a:off x="6958508" y="1196752"/>
-          <a:ext cx="4567287" cy="1005459"/>
+          <a:off x="7174532" y="620688"/>
+          <a:ext cx="4567287" cy="2285111"/>
         </p:xfrm>
         <a:graphic>
           <a:graphicData uri="http://schemas.openxmlformats.org/drawingml/2006/table">
@@ -36457,7 +36748,7 @@
                     <a:p>
                       <a:r>
                         <a:rPr lang="en-US" dirty="0" smtClean="0"/>
-                        <a:t>IJMORHEYA</a:t>
+                        <a:t>IJMORJHEYA</a:t>
                       </a:r>
                       <a:endParaRPr lang="en-GB" dirty="0"/>
                     </a:p>
@@ -36474,6 +36765,174 @@
                         <a:t>BBBBBBBBBB</a:t>
                       </a:r>
                       <a:endParaRPr lang="en-GB" dirty="0"/>
+                    </a:p>
+                  </a:txBody>
+                  <a:tcPr/>
+                </a:tc>
+              </a:tr>
+              <a:tr h="515125">
+                <a:tc>
+                  <a:txBody>
+                    <a:bodyPr/>
+                    <a:lstStyle/>
+                    <a:p>
+                      <a:pPr marL="0" marR="0" lvl="0" indent="0" algn="l" defTabSz="914126" rtl="0" eaLnBrk="1" fontAlgn="auto" latinLnBrk="0" hangingPunct="1">
+                        <a:lnSpc>
+                          <a:spcPct val="100000"/>
+                        </a:lnSpc>
+                        <a:spcBef>
+                          <a:spcPts val="0"/>
+                        </a:spcBef>
+                        <a:spcAft>
+                          <a:spcPts val="0"/>
+                        </a:spcAft>
+                        <a:buClrTx/>
+                        <a:buSzTx/>
+                        <a:buFontTx/>
+                        <a:buNone/>
+                        <a:tabLst/>
+                        <a:defRPr/>
+                      </a:pPr>
+                      <a:r>
+                        <a:rPr lang="en-US" dirty="0" smtClean="0"/>
+                        <a:t>AAAAAAAAAA</a:t>
+                      </a:r>
+                      <a:endParaRPr lang="en-GB" dirty="0" smtClean="0"/>
+                    </a:p>
+                    <a:p>
+                      <a:endParaRPr lang="en-GB" dirty="0"/>
+                    </a:p>
+                  </a:txBody>
+                  <a:tcPr/>
+                </a:tc>
+                <a:tc>
+                  <a:txBody>
+                    <a:bodyPr/>
+                    <a:lstStyle/>
+                    <a:p>
+                      <a:r>
+                        <a:rPr lang="en-GB" dirty="0" smtClean="0"/>
+                        <a:t>HQJFWERAAS</a:t>
+                      </a:r>
+                      <a:endParaRPr lang="en-GB" dirty="0"/>
+                    </a:p>
+                  </a:txBody>
+                  <a:tcPr/>
+                </a:tc>
+                <a:tc>
+                  <a:txBody>
+                    <a:bodyPr/>
+                    <a:lstStyle/>
+                    <a:p>
+                      <a:pPr marL="0" marR="0" lvl="0" indent="0" algn="l" defTabSz="914126" rtl="0" eaLnBrk="1" fontAlgn="auto" latinLnBrk="0" hangingPunct="1">
+                        <a:lnSpc>
+                          <a:spcPct val="100000"/>
+                        </a:lnSpc>
+                        <a:spcBef>
+                          <a:spcPts val="0"/>
+                        </a:spcBef>
+                        <a:spcAft>
+                          <a:spcPts val="0"/>
+                        </a:spcAft>
+                        <a:buClrTx/>
+                        <a:buSzTx/>
+                        <a:buFontTx/>
+                        <a:buNone/>
+                        <a:tabLst/>
+                        <a:defRPr/>
+                      </a:pPr>
+                      <a:r>
+                        <a:rPr lang="en-US" dirty="0" smtClean="0"/>
+                        <a:t>BBBBBBBBBB</a:t>
+                      </a:r>
+                      <a:endParaRPr lang="en-GB" dirty="0" smtClean="0"/>
+                    </a:p>
+                    <a:p>
+                      <a:endParaRPr lang="en-GB" dirty="0"/>
+                    </a:p>
+                  </a:txBody>
+                  <a:tcPr/>
+                </a:tc>
+              </a:tr>
+              <a:tr h="515125">
+                <a:tc>
+                  <a:txBody>
+                    <a:bodyPr/>
+                    <a:lstStyle/>
+                    <a:p>
+                      <a:pPr marL="0" marR="0" lvl="0" indent="0" algn="l" defTabSz="914126" rtl="0" eaLnBrk="1" fontAlgn="auto" latinLnBrk="0" hangingPunct="1">
+                        <a:lnSpc>
+                          <a:spcPct val="100000"/>
+                        </a:lnSpc>
+                        <a:spcBef>
+                          <a:spcPts val="0"/>
+                        </a:spcBef>
+                        <a:spcAft>
+                          <a:spcPts val="0"/>
+                        </a:spcAft>
+                        <a:buClrTx/>
+                        <a:buSzTx/>
+                        <a:buFontTx/>
+                        <a:buNone/>
+                        <a:tabLst/>
+                        <a:defRPr/>
+                      </a:pPr>
+                      <a:r>
+                        <a:rPr lang="en-US" dirty="0" smtClean="0"/>
+                        <a:t>AAAAAAAAAA</a:t>
+                      </a:r>
+                      <a:endParaRPr lang="en-GB" dirty="0" smtClean="0"/>
+                    </a:p>
+                    <a:p>
+                      <a:endParaRPr lang="en-GB" dirty="0"/>
+                    </a:p>
+                  </a:txBody>
+                  <a:tcPr/>
+                </a:tc>
+                <a:tc>
+                  <a:txBody>
+                    <a:bodyPr/>
+                    <a:lstStyle/>
+                    <a:p>
+                      <a:r>
+                        <a:rPr lang="en-GB" dirty="0" smtClean="0"/>
+                        <a:t>AUFLETNDIL</a:t>
+                      </a:r>
+                      <a:endParaRPr lang="en-GB" dirty="0"/>
+                    </a:p>
+                  </a:txBody>
+                  <a:tcPr/>
+                </a:tc>
+                <a:tc>
+                  <a:txBody>
+                    <a:bodyPr/>
+                    <a:lstStyle/>
+                    <a:p>
+                      <a:pPr marL="0" marR="0" lvl="0" indent="0" algn="l" defTabSz="914126" rtl="0" eaLnBrk="1" fontAlgn="auto" latinLnBrk="0" hangingPunct="1">
+                        <a:lnSpc>
+                          <a:spcPct val="100000"/>
+                        </a:lnSpc>
+                        <a:spcBef>
+                          <a:spcPts val="0"/>
+                        </a:spcBef>
+                        <a:spcAft>
+                          <a:spcPts val="0"/>
+                        </a:spcAft>
+                        <a:buClrTx/>
+                        <a:buSzTx/>
+                        <a:buFontTx/>
+                        <a:buNone/>
+                        <a:tabLst/>
+                        <a:defRPr/>
+                      </a:pPr>
+                      <a:r>
+                        <a:rPr lang="en-US" dirty="0" smtClean="0"/>
+                        <a:t>BBBBBBBBBB</a:t>
+                      </a:r>
+                      <a:endParaRPr lang="en-GB" dirty="0" smtClean="0"/>
+                    </a:p>
+                    <a:p>
+                      <a:endParaRPr lang="en-GB" b="1" dirty="0"/>
                     </a:p>
                   </a:txBody>
                   <a:tcPr/>

--- a/compression_sand_weiss_hotsos_2018.pptx
+++ b/compression_sand_weiss_hotsos_2018.pptx
@@ -29440,11 +29440,7 @@
             <a:pPr lvl="1"/>
             <a:r>
               <a:rPr lang="en-US" sz="2200" dirty="0" smtClean="0"/>
-              <a:t>Rows </a:t>
-            </a:r>
-            <a:r>
-              <a:rPr lang="en-US" sz="2200" dirty="0" smtClean="0"/>
-              <a:t>are static.  No updates, lots of bulk inserts</a:t>
+              <a:t>Rows are static.  No updates, lots of bulk inserts</a:t>
             </a:r>
           </a:p>
           <a:p>
@@ -29476,11 +29472,7 @@
             <a:pPr lvl="1"/>
             <a:r>
               <a:rPr lang="en-US" sz="2000" dirty="0" smtClean="0"/>
-              <a:t>Typically </a:t>
-            </a:r>
-            <a:r>
-              <a:rPr lang="en-US" sz="2000" dirty="0" smtClean="0"/>
-              <a:t>used to create intermediate aggregation tables</a:t>
+              <a:t>Typically used to create intermediate aggregation tables</a:t>
             </a:r>
           </a:p>
         </p:txBody>
@@ -30614,7 +30606,6 @@
               <a:rPr lang="en-US" sz="2201" dirty="0" smtClean="0"/>
               <a:t>15TB Data Warehouse</a:t>
             </a:r>
-            <a:endParaRPr lang="en-US" sz="2201" dirty="0" smtClean="0"/>
           </a:p>
         </p:txBody>
       </p:sp>
@@ -31486,11 +31477,7 @@
           <a:p>
             <a:r>
               <a:rPr lang="en-US" sz="2800" dirty="0" smtClean="0"/>
-              <a:t>Future </a:t>
-            </a:r>
-            <a:r>
-              <a:rPr lang="en-US" sz="2800" dirty="0" smtClean="0"/>
-              <a:t>Work</a:t>
+              <a:t>Future Work</a:t>
             </a:r>
           </a:p>
           <a:p>
@@ -31506,7 +31493,6 @@
               <a:rPr lang="en-US" sz="2400" dirty="0" smtClean="0"/>
               <a:t>Explore 32K blocks</a:t>
             </a:r>
-            <a:endParaRPr lang="en-US" sz="2400" dirty="0" smtClean="0"/>
           </a:p>
         </p:txBody>
       </p:sp>
